--- a/4조/발표영상 및 PPT/OWL.pptx
+++ b/4조/발표영상 및 PPT/OWL.pptx
@@ -5,7 +5,7 @@
     <p:sldMasterId id="2147483648" r:id="rId1"/>
   </p:sldMasterIdLst>
   <p:notesMasterIdLst>
-    <p:notesMasterId r:id="rId14"/>
+    <p:notesMasterId r:id="rId29"/>
   </p:notesMasterIdLst>
   <p:sldIdLst>
     <p:sldId id="286" r:id="rId2"/>
@@ -15,23 +15,38 @@
     <p:sldId id="328" r:id="rId6"/>
     <p:sldId id="272" r:id="rId7"/>
     <p:sldId id="317" r:id="rId8"/>
-    <p:sldId id="329" r:id="rId9"/>
-    <p:sldId id="330" r:id="rId10"/>
-    <p:sldId id="331" r:id="rId11"/>
-    <p:sldId id="332" r:id="rId12"/>
-    <p:sldId id="302" r:id="rId13"/>
+    <p:sldId id="333" r:id="rId9"/>
+    <p:sldId id="329" r:id="rId10"/>
+    <p:sldId id="334" r:id="rId11"/>
+    <p:sldId id="335" r:id="rId12"/>
+    <p:sldId id="336" r:id="rId13"/>
+    <p:sldId id="337" r:id="rId14"/>
+    <p:sldId id="338" r:id="rId15"/>
+    <p:sldId id="339" r:id="rId16"/>
+    <p:sldId id="340" r:id="rId17"/>
+    <p:sldId id="341" r:id="rId18"/>
+    <p:sldId id="342" r:id="rId19"/>
+    <p:sldId id="330" r:id="rId20"/>
+    <p:sldId id="331" r:id="rId21"/>
+    <p:sldId id="344" r:id="rId22"/>
+    <p:sldId id="345" r:id="rId23"/>
+    <p:sldId id="346" r:id="rId24"/>
+    <p:sldId id="347" r:id="rId25"/>
+    <p:sldId id="348" r:id="rId26"/>
+    <p:sldId id="332" r:id="rId27"/>
+    <p:sldId id="302" r:id="rId28"/>
   </p:sldIdLst>
   <p:sldSz cx="12192000" cy="6858000"/>
   <p:notesSz cx="6858000" cy="9144000"/>
   <p:embeddedFontLst>
     <p:embeddedFont>
-      <p:font typeface="맑은 고딕" panose="020B0503020000020004" pitchFamily="50" charset="-127"/>
-      <p:regular r:id="rId15"/>
-      <p:bold r:id="rId16"/>
+      <p:font typeface="맑은 고딕" pitchFamily="50" charset="-127"/>
+      <p:regular r:id="rId30"/>
+      <p:bold r:id="rId31"/>
     </p:embeddedFont>
     <p:embeddedFont>
-      <p:font typeface="배달의민족 주아" panose="02020603020101020101" pitchFamily="18" charset="-127"/>
-      <p:regular r:id="rId17"/>
+      <p:font typeface="배달의민족 주아" pitchFamily="18" charset="-127"/>
+      <p:regular r:id="rId32"/>
     </p:embeddedFont>
   </p:embeddedFontLst>
   <p:defaultTextStyle>
@@ -131,7 +146,7 @@
   </p:defaultTextStyle>
   <p:extLst>
     <p:ext uri="{EFAFB233-063F-42B5-8137-9DF3F51BA10A}">
-      <p15:sldGuideLst xmlns:p15="http://schemas.microsoft.com/office/powerpoint/2012/main">
+      <p15:sldGuideLst xmlns:p15="http://schemas.microsoft.com/office/powerpoint/2012/main" xmlns="">
         <p15:guide id="1" orient="horz" pos="2160">
           <p15:clr>
             <a:srgbClr val="A4A3A4"/>
@@ -374,7 +389,7 @@
     </p:spTree>
     <p:extLst>
       <p:ext uri="{BB962C8B-B14F-4D97-AF65-F5344CB8AC3E}">
-        <p14:creationId xmlns:p14="http://schemas.microsoft.com/office/powerpoint/2010/main" val="1461798389"/>
+        <p14:creationId xmlns:p14="http://schemas.microsoft.com/office/powerpoint/2010/main" xmlns="" val="1461798389"/>
       </p:ext>
     </p:extLst>
   </p:cSld>
@@ -549,7 +564,7 @@
     </p:spTree>
     <p:extLst>
       <p:ext uri="{BB962C8B-B14F-4D97-AF65-F5344CB8AC3E}">
-        <p14:creationId xmlns:p14="http://schemas.microsoft.com/office/powerpoint/2010/main" val="508022476"/>
+        <p14:creationId xmlns:p14="http://schemas.microsoft.com/office/powerpoint/2010/main" xmlns="" val="508022476"/>
       </p:ext>
     </p:extLst>
   </p:cSld>
@@ -634,7 +649,7 @@
     </p:spTree>
     <p:extLst>
       <p:ext uri="{BB962C8B-B14F-4D97-AF65-F5344CB8AC3E}">
-        <p14:creationId xmlns:p14="http://schemas.microsoft.com/office/powerpoint/2010/main" val="1864670074"/>
+        <p14:creationId xmlns:p14="http://schemas.microsoft.com/office/powerpoint/2010/main" xmlns="" val="1864670074"/>
       </p:ext>
     </p:extLst>
   </p:cSld>
@@ -719,7 +734,7 @@
     </p:spTree>
     <p:extLst>
       <p:ext uri="{BB962C8B-B14F-4D97-AF65-F5344CB8AC3E}">
-        <p14:creationId xmlns:p14="http://schemas.microsoft.com/office/powerpoint/2010/main" val="2807123337"/>
+        <p14:creationId xmlns:p14="http://schemas.microsoft.com/office/powerpoint/2010/main" xmlns="" val="2807123337"/>
       </p:ext>
     </p:extLst>
   </p:cSld>
@@ -751,7 +766,7 @@
           <p:cNvPr id="2" name="제목 1">
             <a:extLst>
               <a:ext uri="{FF2B5EF4-FFF2-40B4-BE49-F238E27FC236}">
-                <a16:creationId xmlns:a16="http://schemas.microsoft.com/office/drawing/2014/main" id="{F0215948-5B1A-E54E-93AD-8B579A758275}"/>
+                <a16:creationId xmlns:a16="http://schemas.microsoft.com/office/drawing/2014/main" xmlns="" id="{F0215948-5B1A-E54E-93AD-8B579A758275}"/>
               </a:ext>
             </a:extLst>
           </p:cNvPr>
@@ -788,7 +803,7 @@
           <p:cNvPr id="3" name="부제목 2">
             <a:extLst>
               <a:ext uri="{FF2B5EF4-FFF2-40B4-BE49-F238E27FC236}">
-                <a16:creationId xmlns:a16="http://schemas.microsoft.com/office/drawing/2014/main" id="{588E59E6-D1AC-D84D-B0EB-CCA091FBF5B9}"/>
+                <a16:creationId xmlns:a16="http://schemas.microsoft.com/office/drawing/2014/main" xmlns="" id="{588E59E6-D1AC-D84D-B0EB-CCA091FBF5B9}"/>
               </a:ext>
             </a:extLst>
           </p:cNvPr>
@@ -858,7 +873,7 @@
           <p:cNvPr id="4" name="날짜 개체 틀 3">
             <a:extLst>
               <a:ext uri="{FF2B5EF4-FFF2-40B4-BE49-F238E27FC236}">
-                <a16:creationId xmlns:a16="http://schemas.microsoft.com/office/drawing/2014/main" id="{D0FE2932-8A68-1E4D-9017-7FC216DBA319}"/>
+                <a16:creationId xmlns:a16="http://schemas.microsoft.com/office/drawing/2014/main" xmlns="" id="{D0FE2932-8A68-1E4D-9017-7FC216DBA319}"/>
               </a:ext>
             </a:extLst>
           </p:cNvPr>
@@ -888,7 +903,7 @@
           <p:cNvPr id="5" name="바닥글 개체 틀 4">
             <a:extLst>
               <a:ext uri="{FF2B5EF4-FFF2-40B4-BE49-F238E27FC236}">
-                <a16:creationId xmlns:a16="http://schemas.microsoft.com/office/drawing/2014/main" id="{3C412354-D2D2-5B45-8D74-78B85A897400}"/>
+                <a16:creationId xmlns:a16="http://schemas.microsoft.com/office/drawing/2014/main" xmlns="" id="{3C412354-D2D2-5B45-8D74-78B85A897400}"/>
               </a:ext>
             </a:extLst>
           </p:cNvPr>
@@ -913,7 +928,7 @@
           <p:cNvPr id="6" name="슬라이드 번호 개체 틀 5">
             <a:extLst>
               <a:ext uri="{FF2B5EF4-FFF2-40B4-BE49-F238E27FC236}">
-                <a16:creationId xmlns:a16="http://schemas.microsoft.com/office/drawing/2014/main" id="{DD4B9E51-C76B-8248-A3F3-BE36807ACF51}"/>
+                <a16:creationId xmlns:a16="http://schemas.microsoft.com/office/drawing/2014/main" xmlns="" id="{DD4B9E51-C76B-8248-A3F3-BE36807ACF51}"/>
               </a:ext>
             </a:extLst>
           </p:cNvPr>
@@ -941,7 +956,7 @@
     </p:spTree>
     <p:extLst>
       <p:ext uri="{BB962C8B-B14F-4D97-AF65-F5344CB8AC3E}">
-        <p14:creationId xmlns:p14="http://schemas.microsoft.com/office/powerpoint/2010/main" val="3379003660"/>
+        <p14:creationId xmlns:p14="http://schemas.microsoft.com/office/powerpoint/2010/main" xmlns="" val="3379003660"/>
       </p:ext>
     </p:extLst>
   </p:cSld>
@@ -973,7 +988,7 @@
           <p:cNvPr id="2" name="제목 1">
             <a:extLst>
               <a:ext uri="{FF2B5EF4-FFF2-40B4-BE49-F238E27FC236}">
-                <a16:creationId xmlns:a16="http://schemas.microsoft.com/office/drawing/2014/main" id="{2A5E2B98-A3FC-FA4D-A2BD-D8450F5D8D26}"/>
+                <a16:creationId xmlns:a16="http://schemas.microsoft.com/office/drawing/2014/main" xmlns="" id="{2A5E2B98-A3FC-FA4D-A2BD-D8450F5D8D26}"/>
               </a:ext>
             </a:extLst>
           </p:cNvPr>
@@ -1001,7 +1016,7 @@
           <p:cNvPr id="3" name="세로 텍스트 개체 틀 2">
             <a:extLst>
               <a:ext uri="{FF2B5EF4-FFF2-40B4-BE49-F238E27FC236}">
-                <a16:creationId xmlns:a16="http://schemas.microsoft.com/office/drawing/2014/main" id="{6A079FFF-2472-FA47-B6AC-F80C7746F99D}"/>
+                <a16:creationId xmlns:a16="http://schemas.microsoft.com/office/drawing/2014/main" xmlns="" id="{6A079FFF-2472-FA47-B6AC-F80C7746F99D}"/>
               </a:ext>
             </a:extLst>
           </p:cNvPr>
@@ -1033,7 +1048,7 @@
           <p:cNvPr id="4" name="날짜 개체 틀 3">
             <a:extLst>
               <a:ext uri="{FF2B5EF4-FFF2-40B4-BE49-F238E27FC236}">
-                <a16:creationId xmlns:a16="http://schemas.microsoft.com/office/drawing/2014/main" id="{98C0AE3F-9567-F945-9095-A599EAF6BEE3}"/>
+                <a16:creationId xmlns:a16="http://schemas.microsoft.com/office/drawing/2014/main" xmlns="" id="{98C0AE3F-9567-F945-9095-A599EAF6BEE3}"/>
               </a:ext>
             </a:extLst>
           </p:cNvPr>
@@ -1063,7 +1078,7 @@
           <p:cNvPr id="5" name="바닥글 개체 틀 4">
             <a:extLst>
               <a:ext uri="{FF2B5EF4-FFF2-40B4-BE49-F238E27FC236}">
-                <a16:creationId xmlns:a16="http://schemas.microsoft.com/office/drawing/2014/main" id="{985BE14D-E304-4540-B91A-45368E6891AC}"/>
+                <a16:creationId xmlns:a16="http://schemas.microsoft.com/office/drawing/2014/main" xmlns="" id="{985BE14D-E304-4540-B91A-45368E6891AC}"/>
               </a:ext>
             </a:extLst>
           </p:cNvPr>
@@ -1088,7 +1103,7 @@
           <p:cNvPr id="6" name="슬라이드 번호 개체 틀 5">
             <a:extLst>
               <a:ext uri="{FF2B5EF4-FFF2-40B4-BE49-F238E27FC236}">
-                <a16:creationId xmlns:a16="http://schemas.microsoft.com/office/drawing/2014/main" id="{2695B521-7F98-BF41-B606-35A7CC96F9D7}"/>
+                <a16:creationId xmlns:a16="http://schemas.microsoft.com/office/drawing/2014/main" xmlns="" id="{2695B521-7F98-BF41-B606-35A7CC96F9D7}"/>
               </a:ext>
             </a:extLst>
           </p:cNvPr>
@@ -1116,7 +1131,7 @@
     </p:spTree>
     <p:extLst>
       <p:ext uri="{BB962C8B-B14F-4D97-AF65-F5344CB8AC3E}">
-        <p14:creationId xmlns:p14="http://schemas.microsoft.com/office/powerpoint/2010/main" val="2677970395"/>
+        <p14:creationId xmlns:p14="http://schemas.microsoft.com/office/powerpoint/2010/main" xmlns="" val="2677970395"/>
       </p:ext>
     </p:extLst>
   </p:cSld>
@@ -1148,7 +1163,7 @@
           <p:cNvPr id="2" name="세로 제목 1">
             <a:extLst>
               <a:ext uri="{FF2B5EF4-FFF2-40B4-BE49-F238E27FC236}">
-                <a16:creationId xmlns:a16="http://schemas.microsoft.com/office/drawing/2014/main" id="{CC9F30B6-7E51-E849-9012-A2137E7DDD2A}"/>
+                <a16:creationId xmlns:a16="http://schemas.microsoft.com/office/drawing/2014/main" xmlns="" id="{CC9F30B6-7E51-E849-9012-A2137E7DDD2A}"/>
               </a:ext>
             </a:extLst>
           </p:cNvPr>
@@ -1181,7 +1196,7 @@
           <p:cNvPr id="3" name="세로 텍스트 개체 틀 2">
             <a:extLst>
               <a:ext uri="{FF2B5EF4-FFF2-40B4-BE49-F238E27FC236}">
-                <a16:creationId xmlns:a16="http://schemas.microsoft.com/office/drawing/2014/main" id="{7B69FA03-416D-8C4A-AE97-8A6CECC42143}"/>
+                <a16:creationId xmlns:a16="http://schemas.microsoft.com/office/drawing/2014/main" xmlns="" id="{7B69FA03-416D-8C4A-AE97-8A6CECC42143}"/>
               </a:ext>
             </a:extLst>
           </p:cNvPr>
@@ -1218,7 +1233,7 @@
           <p:cNvPr id="4" name="날짜 개체 틀 3">
             <a:extLst>
               <a:ext uri="{FF2B5EF4-FFF2-40B4-BE49-F238E27FC236}">
-                <a16:creationId xmlns:a16="http://schemas.microsoft.com/office/drawing/2014/main" id="{D4C60FB7-084B-C546-AA5A-31F216EEEECF}"/>
+                <a16:creationId xmlns:a16="http://schemas.microsoft.com/office/drawing/2014/main" xmlns="" id="{D4C60FB7-084B-C546-AA5A-31F216EEEECF}"/>
               </a:ext>
             </a:extLst>
           </p:cNvPr>
@@ -1248,7 +1263,7 @@
           <p:cNvPr id="5" name="바닥글 개체 틀 4">
             <a:extLst>
               <a:ext uri="{FF2B5EF4-FFF2-40B4-BE49-F238E27FC236}">
-                <a16:creationId xmlns:a16="http://schemas.microsoft.com/office/drawing/2014/main" id="{78E3B417-D516-7441-91B1-954736D5687B}"/>
+                <a16:creationId xmlns:a16="http://schemas.microsoft.com/office/drawing/2014/main" xmlns="" id="{78E3B417-D516-7441-91B1-954736D5687B}"/>
               </a:ext>
             </a:extLst>
           </p:cNvPr>
@@ -1273,7 +1288,7 @@
           <p:cNvPr id="6" name="슬라이드 번호 개체 틀 5">
             <a:extLst>
               <a:ext uri="{FF2B5EF4-FFF2-40B4-BE49-F238E27FC236}">
-                <a16:creationId xmlns:a16="http://schemas.microsoft.com/office/drawing/2014/main" id="{58F0D530-E2C2-254A-9891-CE4FEBFB8F75}"/>
+                <a16:creationId xmlns:a16="http://schemas.microsoft.com/office/drawing/2014/main" xmlns="" id="{58F0D530-E2C2-254A-9891-CE4FEBFB8F75}"/>
               </a:ext>
             </a:extLst>
           </p:cNvPr>
@@ -1301,7 +1316,7 @@
     </p:spTree>
     <p:extLst>
       <p:ext uri="{BB962C8B-B14F-4D97-AF65-F5344CB8AC3E}">
-        <p14:creationId xmlns:p14="http://schemas.microsoft.com/office/powerpoint/2010/main" val="3932676663"/>
+        <p14:creationId xmlns:p14="http://schemas.microsoft.com/office/powerpoint/2010/main" xmlns="" val="3932676663"/>
       </p:ext>
     </p:extLst>
   </p:cSld>
@@ -1333,7 +1348,7 @@
           <p:cNvPr id="2" name="제목 1">
             <a:extLst>
               <a:ext uri="{FF2B5EF4-FFF2-40B4-BE49-F238E27FC236}">
-                <a16:creationId xmlns:a16="http://schemas.microsoft.com/office/drawing/2014/main" id="{25908939-8DB2-E548-ACE8-A5E3DB62C879}"/>
+                <a16:creationId xmlns:a16="http://schemas.microsoft.com/office/drawing/2014/main" xmlns="" id="{25908939-8DB2-E548-ACE8-A5E3DB62C879}"/>
               </a:ext>
             </a:extLst>
           </p:cNvPr>
@@ -1361,7 +1376,7 @@
           <p:cNvPr id="3" name="내용 개체 틀 2">
             <a:extLst>
               <a:ext uri="{FF2B5EF4-FFF2-40B4-BE49-F238E27FC236}">
-                <a16:creationId xmlns:a16="http://schemas.microsoft.com/office/drawing/2014/main" id="{3E0E5E13-51CA-F449-A7FF-A628F1A4CA5F}"/>
+                <a16:creationId xmlns:a16="http://schemas.microsoft.com/office/drawing/2014/main" xmlns="" id="{3E0E5E13-51CA-F449-A7FF-A628F1A4CA5F}"/>
               </a:ext>
             </a:extLst>
           </p:cNvPr>
@@ -1393,7 +1408,7 @@
           <p:cNvPr id="4" name="날짜 개체 틀 3">
             <a:extLst>
               <a:ext uri="{FF2B5EF4-FFF2-40B4-BE49-F238E27FC236}">
-                <a16:creationId xmlns:a16="http://schemas.microsoft.com/office/drawing/2014/main" id="{A133EAE4-BEA2-1548-A59F-046FF0521C68}"/>
+                <a16:creationId xmlns:a16="http://schemas.microsoft.com/office/drawing/2014/main" xmlns="" id="{A133EAE4-BEA2-1548-A59F-046FF0521C68}"/>
               </a:ext>
             </a:extLst>
           </p:cNvPr>
@@ -1423,7 +1438,7 @@
           <p:cNvPr id="5" name="바닥글 개체 틀 4">
             <a:extLst>
               <a:ext uri="{FF2B5EF4-FFF2-40B4-BE49-F238E27FC236}">
-                <a16:creationId xmlns:a16="http://schemas.microsoft.com/office/drawing/2014/main" id="{1C4AB806-1717-6841-A40B-D91B892BC0AC}"/>
+                <a16:creationId xmlns:a16="http://schemas.microsoft.com/office/drawing/2014/main" xmlns="" id="{1C4AB806-1717-6841-A40B-D91B892BC0AC}"/>
               </a:ext>
             </a:extLst>
           </p:cNvPr>
@@ -1448,7 +1463,7 @@
           <p:cNvPr id="6" name="슬라이드 번호 개체 틀 5">
             <a:extLst>
               <a:ext uri="{FF2B5EF4-FFF2-40B4-BE49-F238E27FC236}">
-                <a16:creationId xmlns:a16="http://schemas.microsoft.com/office/drawing/2014/main" id="{C498F8E6-61EE-9A40-A82C-56B21C4FBA2E}"/>
+                <a16:creationId xmlns:a16="http://schemas.microsoft.com/office/drawing/2014/main" xmlns="" id="{C498F8E6-61EE-9A40-A82C-56B21C4FBA2E}"/>
               </a:ext>
             </a:extLst>
           </p:cNvPr>
@@ -1476,7 +1491,7 @@
     </p:spTree>
     <p:extLst>
       <p:ext uri="{BB962C8B-B14F-4D97-AF65-F5344CB8AC3E}">
-        <p14:creationId xmlns:p14="http://schemas.microsoft.com/office/powerpoint/2010/main" val="3610979407"/>
+        <p14:creationId xmlns:p14="http://schemas.microsoft.com/office/powerpoint/2010/main" xmlns="" val="3610979407"/>
       </p:ext>
     </p:extLst>
   </p:cSld>
@@ -1508,7 +1523,7 @@
           <p:cNvPr id="2" name="제목 1">
             <a:extLst>
               <a:ext uri="{FF2B5EF4-FFF2-40B4-BE49-F238E27FC236}">
-                <a16:creationId xmlns:a16="http://schemas.microsoft.com/office/drawing/2014/main" id="{20738035-A752-A04F-AC37-BE71AD6A1D56}"/>
+                <a16:creationId xmlns:a16="http://schemas.microsoft.com/office/drawing/2014/main" xmlns="" id="{20738035-A752-A04F-AC37-BE71AD6A1D56}"/>
               </a:ext>
             </a:extLst>
           </p:cNvPr>
@@ -1545,7 +1560,7 @@
           <p:cNvPr id="3" name="텍스트 개체 틀 2">
             <a:extLst>
               <a:ext uri="{FF2B5EF4-FFF2-40B4-BE49-F238E27FC236}">
-                <a16:creationId xmlns:a16="http://schemas.microsoft.com/office/drawing/2014/main" id="{45ED5397-BA55-5E49-8353-8A17C30A646F}"/>
+                <a16:creationId xmlns:a16="http://schemas.microsoft.com/office/drawing/2014/main" xmlns="" id="{45ED5397-BA55-5E49-8353-8A17C30A646F}"/>
               </a:ext>
             </a:extLst>
           </p:cNvPr>
@@ -1673,7 +1688,7 @@
           <p:cNvPr id="4" name="날짜 개체 틀 3">
             <a:extLst>
               <a:ext uri="{FF2B5EF4-FFF2-40B4-BE49-F238E27FC236}">
-                <a16:creationId xmlns:a16="http://schemas.microsoft.com/office/drawing/2014/main" id="{7DE34B4F-B9C4-6441-A021-A747F74D9083}"/>
+                <a16:creationId xmlns:a16="http://schemas.microsoft.com/office/drawing/2014/main" xmlns="" id="{7DE34B4F-B9C4-6441-A021-A747F74D9083}"/>
               </a:ext>
             </a:extLst>
           </p:cNvPr>
@@ -1703,7 +1718,7 @@
           <p:cNvPr id="5" name="바닥글 개체 틀 4">
             <a:extLst>
               <a:ext uri="{FF2B5EF4-FFF2-40B4-BE49-F238E27FC236}">
-                <a16:creationId xmlns:a16="http://schemas.microsoft.com/office/drawing/2014/main" id="{A5B6457E-0B56-1849-8C54-FFA2CC53DD8E}"/>
+                <a16:creationId xmlns:a16="http://schemas.microsoft.com/office/drawing/2014/main" xmlns="" id="{A5B6457E-0B56-1849-8C54-FFA2CC53DD8E}"/>
               </a:ext>
             </a:extLst>
           </p:cNvPr>
@@ -1728,7 +1743,7 @@
           <p:cNvPr id="6" name="슬라이드 번호 개체 틀 5">
             <a:extLst>
               <a:ext uri="{FF2B5EF4-FFF2-40B4-BE49-F238E27FC236}">
-                <a16:creationId xmlns:a16="http://schemas.microsoft.com/office/drawing/2014/main" id="{513D8DC1-B9C2-EC42-AB77-8CA99AF0B5D7}"/>
+                <a16:creationId xmlns:a16="http://schemas.microsoft.com/office/drawing/2014/main" xmlns="" id="{513D8DC1-B9C2-EC42-AB77-8CA99AF0B5D7}"/>
               </a:ext>
             </a:extLst>
           </p:cNvPr>
@@ -1756,7 +1771,7 @@
     </p:spTree>
     <p:extLst>
       <p:ext uri="{BB962C8B-B14F-4D97-AF65-F5344CB8AC3E}">
-        <p14:creationId xmlns:p14="http://schemas.microsoft.com/office/powerpoint/2010/main" val="1759907452"/>
+        <p14:creationId xmlns:p14="http://schemas.microsoft.com/office/powerpoint/2010/main" xmlns="" val="1759907452"/>
       </p:ext>
     </p:extLst>
   </p:cSld>
@@ -1788,7 +1803,7 @@
           <p:cNvPr id="2" name="제목 1">
             <a:extLst>
               <a:ext uri="{FF2B5EF4-FFF2-40B4-BE49-F238E27FC236}">
-                <a16:creationId xmlns:a16="http://schemas.microsoft.com/office/drawing/2014/main" id="{572AC94E-DE91-3648-9D50-663BA6102CE3}"/>
+                <a16:creationId xmlns:a16="http://schemas.microsoft.com/office/drawing/2014/main" xmlns="" id="{572AC94E-DE91-3648-9D50-663BA6102CE3}"/>
               </a:ext>
             </a:extLst>
           </p:cNvPr>
@@ -1816,7 +1831,7 @@
           <p:cNvPr id="3" name="내용 개체 틀 2">
             <a:extLst>
               <a:ext uri="{FF2B5EF4-FFF2-40B4-BE49-F238E27FC236}">
-                <a16:creationId xmlns:a16="http://schemas.microsoft.com/office/drawing/2014/main" id="{D767EA31-594C-0C4F-ABE8-4C1F0DC90912}"/>
+                <a16:creationId xmlns:a16="http://schemas.microsoft.com/office/drawing/2014/main" xmlns="" id="{D767EA31-594C-0C4F-ABE8-4C1F0DC90912}"/>
               </a:ext>
             </a:extLst>
           </p:cNvPr>
@@ -1853,7 +1868,7 @@
           <p:cNvPr id="4" name="내용 개체 틀 3">
             <a:extLst>
               <a:ext uri="{FF2B5EF4-FFF2-40B4-BE49-F238E27FC236}">
-                <a16:creationId xmlns:a16="http://schemas.microsoft.com/office/drawing/2014/main" id="{B2622D40-DAB4-7248-A1B5-FF4E3669FB92}"/>
+                <a16:creationId xmlns:a16="http://schemas.microsoft.com/office/drawing/2014/main" xmlns="" id="{B2622D40-DAB4-7248-A1B5-FF4E3669FB92}"/>
               </a:ext>
             </a:extLst>
           </p:cNvPr>
@@ -1890,7 +1905,7 @@
           <p:cNvPr id="5" name="날짜 개체 틀 4">
             <a:extLst>
               <a:ext uri="{FF2B5EF4-FFF2-40B4-BE49-F238E27FC236}">
-                <a16:creationId xmlns:a16="http://schemas.microsoft.com/office/drawing/2014/main" id="{55D8839B-9014-BA4A-A907-E47C2462E550}"/>
+                <a16:creationId xmlns:a16="http://schemas.microsoft.com/office/drawing/2014/main" xmlns="" id="{55D8839B-9014-BA4A-A907-E47C2462E550}"/>
               </a:ext>
             </a:extLst>
           </p:cNvPr>
@@ -1920,7 +1935,7 @@
           <p:cNvPr id="6" name="바닥글 개체 틀 5">
             <a:extLst>
               <a:ext uri="{FF2B5EF4-FFF2-40B4-BE49-F238E27FC236}">
-                <a16:creationId xmlns:a16="http://schemas.microsoft.com/office/drawing/2014/main" id="{0CF04C83-BF5E-5C44-855B-07A61405377B}"/>
+                <a16:creationId xmlns:a16="http://schemas.microsoft.com/office/drawing/2014/main" xmlns="" id="{0CF04C83-BF5E-5C44-855B-07A61405377B}"/>
               </a:ext>
             </a:extLst>
           </p:cNvPr>
@@ -1945,7 +1960,7 @@
           <p:cNvPr id="7" name="슬라이드 번호 개체 틀 6">
             <a:extLst>
               <a:ext uri="{FF2B5EF4-FFF2-40B4-BE49-F238E27FC236}">
-                <a16:creationId xmlns:a16="http://schemas.microsoft.com/office/drawing/2014/main" id="{EAE3301C-ED85-6E4E-97CB-26B53561128B}"/>
+                <a16:creationId xmlns:a16="http://schemas.microsoft.com/office/drawing/2014/main" xmlns="" id="{EAE3301C-ED85-6E4E-97CB-26B53561128B}"/>
               </a:ext>
             </a:extLst>
           </p:cNvPr>
@@ -1973,7 +1988,7 @@
     </p:spTree>
     <p:extLst>
       <p:ext uri="{BB962C8B-B14F-4D97-AF65-F5344CB8AC3E}">
-        <p14:creationId xmlns:p14="http://schemas.microsoft.com/office/powerpoint/2010/main" val="4178646919"/>
+        <p14:creationId xmlns:p14="http://schemas.microsoft.com/office/powerpoint/2010/main" xmlns="" val="4178646919"/>
       </p:ext>
     </p:extLst>
   </p:cSld>
@@ -2005,7 +2020,7 @@
           <p:cNvPr id="2" name="제목 1">
             <a:extLst>
               <a:ext uri="{FF2B5EF4-FFF2-40B4-BE49-F238E27FC236}">
-                <a16:creationId xmlns:a16="http://schemas.microsoft.com/office/drawing/2014/main" id="{2D48C063-E021-C841-B92D-A087198E7C60}"/>
+                <a16:creationId xmlns:a16="http://schemas.microsoft.com/office/drawing/2014/main" xmlns="" id="{2D48C063-E021-C841-B92D-A087198E7C60}"/>
               </a:ext>
             </a:extLst>
           </p:cNvPr>
@@ -2038,7 +2053,7 @@
           <p:cNvPr id="3" name="텍스트 개체 틀 2">
             <a:extLst>
               <a:ext uri="{FF2B5EF4-FFF2-40B4-BE49-F238E27FC236}">
-                <a16:creationId xmlns:a16="http://schemas.microsoft.com/office/drawing/2014/main" id="{015AAEF1-6ADE-2A4F-A1B2-B4214FBACDB8}"/>
+                <a16:creationId xmlns:a16="http://schemas.microsoft.com/office/drawing/2014/main" xmlns="" id="{015AAEF1-6ADE-2A4F-A1B2-B4214FBACDB8}"/>
               </a:ext>
             </a:extLst>
           </p:cNvPr>
@@ -2112,7 +2127,7 @@
           <p:cNvPr id="4" name="내용 개체 틀 3">
             <a:extLst>
               <a:ext uri="{FF2B5EF4-FFF2-40B4-BE49-F238E27FC236}">
-                <a16:creationId xmlns:a16="http://schemas.microsoft.com/office/drawing/2014/main" id="{DD0A6D24-CF00-D447-BA91-083FD7FD1EDF}"/>
+                <a16:creationId xmlns:a16="http://schemas.microsoft.com/office/drawing/2014/main" xmlns="" id="{DD0A6D24-CF00-D447-BA91-083FD7FD1EDF}"/>
               </a:ext>
             </a:extLst>
           </p:cNvPr>
@@ -2149,7 +2164,7 @@
           <p:cNvPr id="5" name="텍스트 개체 틀 4">
             <a:extLst>
               <a:ext uri="{FF2B5EF4-FFF2-40B4-BE49-F238E27FC236}">
-                <a16:creationId xmlns:a16="http://schemas.microsoft.com/office/drawing/2014/main" id="{B1A05A70-C9A1-994D-98CF-9B83235CF9EE}"/>
+                <a16:creationId xmlns:a16="http://schemas.microsoft.com/office/drawing/2014/main" xmlns="" id="{B1A05A70-C9A1-994D-98CF-9B83235CF9EE}"/>
               </a:ext>
             </a:extLst>
           </p:cNvPr>
@@ -2223,7 +2238,7 @@
           <p:cNvPr id="6" name="내용 개체 틀 5">
             <a:extLst>
               <a:ext uri="{FF2B5EF4-FFF2-40B4-BE49-F238E27FC236}">
-                <a16:creationId xmlns:a16="http://schemas.microsoft.com/office/drawing/2014/main" id="{2EBD6979-0DF5-C248-A430-408686A9D3DD}"/>
+                <a16:creationId xmlns:a16="http://schemas.microsoft.com/office/drawing/2014/main" xmlns="" id="{2EBD6979-0DF5-C248-A430-408686A9D3DD}"/>
               </a:ext>
             </a:extLst>
           </p:cNvPr>
@@ -2260,7 +2275,7 @@
           <p:cNvPr id="7" name="날짜 개체 틀 6">
             <a:extLst>
               <a:ext uri="{FF2B5EF4-FFF2-40B4-BE49-F238E27FC236}">
-                <a16:creationId xmlns:a16="http://schemas.microsoft.com/office/drawing/2014/main" id="{1ECD500E-620C-2444-99DF-1F1E77D80078}"/>
+                <a16:creationId xmlns:a16="http://schemas.microsoft.com/office/drawing/2014/main" xmlns="" id="{1ECD500E-620C-2444-99DF-1F1E77D80078}"/>
               </a:ext>
             </a:extLst>
           </p:cNvPr>
@@ -2290,7 +2305,7 @@
           <p:cNvPr id="8" name="바닥글 개체 틀 7">
             <a:extLst>
               <a:ext uri="{FF2B5EF4-FFF2-40B4-BE49-F238E27FC236}">
-                <a16:creationId xmlns:a16="http://schemas.microsoft.com/office/drawing/2014/main" id="{5FC09583-EDEB-8140-9E03-7E3D359A6F6A}"/>
+                <a16:creationId xmlns:a16="http://schemas.microsoft.com/office/drawing/2014/main" xmlns="" id="{5FC09583-EDEB-8140-9E03-7E3D359A6F6A}"/>
               </a:ext>
             </a:extLst>
           </p:cNvPr>
@@ -2315,7 +2330,7 @@
           <p:cNvPr id="9" name="슬라이드 번호 개체 틀 8">
             <a:extLst>
               <a:ext uri="{FF2B5EF4-FFF2-40B4-BE49-F238E27FC236}">
-                <a16:creationId xmlns:a16="http://schemas.microsoft.com/office/drawing/2014/main" id="{95125583-F585-AF4D-8136-8CC5AC5DE6DD}"/>
+                <a16:creationId xmlns:a16="http://schemas.microsoft.com/office/drawing/2014/main" xmlns="" id="{95125583-F585-AF4D-8136-8CC5AC5DE6DD}"/>
               </a:ext>
             </a:extLst>
           </p:cNvPr>
@@ -2343,7 +2358,7 @@
     </p:spTree>
     <p:extLst>
       <p:ext uri="{BB962C8B-B14F-4D97-AF65-F5344CB8AC3E}">
-        <p14:creationId xmlns:p14="http://schemas.microsoft.com/office/powerpoint/2010/main" val="2545313846"/>
+        <p14:creationId xmlns:p14="http://schemas.microsoft.com/office/powerpoint/2010/main" xmlns="" val="2545313846"/>
       </p:ext>
     </p:extLst>
   </p:cSld>
@@ -2375,7 +2390,7 @@
           <p:cNvPr id="2" name="제목 1">
             <a:extLst>
               <a:ext uri="{FF2B5EF4-FFF2-40B4-BE49-F238E27FC236}">
-                <a16:creationId xmlns:a16="http://schemas.microsoft.com/office/drawing/2014/main" id="{F49BD015-8352-6342-BF8C-4736C2A1DAE4}"/>
+                <a16:creationId xmlns:a16="http://schemas.microsoft.com/office/drawing/2014/main" xmlns="" id="{F49BD015-8352-6342-BF8C-4736C2A1DAE4}"/>
               </a:ext>
             </a:extLst>
           </p:cNvPr>
@@ -2403,7 +2418,7 @@
           <p:cNvPr id="3" name="날짜 개체 틀 2">
             <a:extLst>
               <a:ext uri="{FF2B5EF4-FFF2-40B4-BE49-F238E27FC236}">
-                <a16:creationId xmlns:a16="http://schemas.microsoft.com/office/drawing/2014/main" id="{2F95FE88-801B-5043-8A28-57A8255CDB66}"/>
+                <a16:creationId xmlns:a16="http://schemas.microsoft.com/office/drawing/2014/main" xmlns="" id="{2F95FE88-801B-5043-8A28-57A8255CDB66}"/>
               </a:ext>
             </a:extLst>
           </p:cNvPr>
@@ -2433,7 +2448,7 @@
           <p:cNvPr id="4" name="바닥글 개체 틀 3">
             <a:extLst>
               <a:ext uri="{FF2B5EF4-FFF2-40B4-BE49-F238E27FC236}">
-                <a16:creationId xmlns:a16="http://schemas.microsoft.com/office/drawing/2014/main" id="{1B29247F-613F-8041-A68F-2E695BEFA12E}"/>
+                <a16:creationId xmlns:a16="http://schemas.microsoft.com/office/drawing/2014/main" xmlns="" id="{1B29247F-613F-8041-A68F-2E695BEFA12E}"/>
               </a:ext>
             </a:extLst>
           </p:cNvPr>
@@ -2458,7 +2473,7 @@
           <p:cNvPr id="5" name="슬라이드 번호 개체 틀 4">
             <a:extLst>
               <a:ext uri="{FF2B5EF4-FFF2-40B4-BE49-F238E27FC236}">
-                <a16:creationId xmlns:a16="http://schemas.microsoft.com/office/drawing/2014/main" id="{B20387DC-5EE6-F94C-86EA-19E6A36F2376}"/>
+                <a16:creationId xmlns:a16="http://schemas.microsoft.com/office/drawing/2014/main" xmlns="" id="{B20387DC-5EE6-F94C-86EA-19E6A36F2376}"/>
               </a:ext>
             </a:extLst>
           </p:cNvPr>
@@ -2486,7 +2501,7 @@
     </p:spTree>
     <p:extLst>
       <p:ext uri="{BB962C8B-B14F-4D97-AF65-F5344CB8AC3E}">
-        <p14:creationId xmlns:p14="http://schemas.microsoft.com/office/powerpoint/2010/main" val="450827391"/>
+        <p14:creationId xmlns:p14="http://schemas.microsoft.com/office/powerpoint/2010/main" xmlns="" val="450827391"/>
       </p:ext>
     </p:extLst>
   </p:cSld>
@@ -2518,7 +2533,7 @@
           <p:cNvPr id="2" name="날짜 개체 틀 1">
             <a:extLst>
               <a:ext uri="{FF2B5EF4-FFF2-40B4-BE49-F238E27FC236}">
-                <a16:creationId xmlns:a16="http://schemas.microsoft.com/office/drawing/2014/main" id="{AC54CF41-2CCB-2546-8A51-3EC7908852B3}"/>
+                <a16:creationId xmlns:a16="http://schemas.microsoft.com/office/drawing/2014/main" xmlns="" id="{AC54CF41-2CCB-2546-8A51-3EC7908852B3}"/>
               </a:ext>
             </a:extLst>
           </p:cNvPr>
@@ -2548,7 +2563,7 @@
           <p:cNvPr id="3" name="바닥글 개체 틀 2">
             <a:extLst>
               <a:ext uri="{FF2B5EF4-FFF2-40B4-BE49-F238E27FC236}">
-                <a16:creationId xmlns:a16="http://schemas.microsoft.com/office/drawing/2014/main" id="{5C41C900-20D4-1E46-A503-DEA018F92506}"/>
+                <a16:creationId xmlns:a16="http://schemas.microsoft.com/office/drawing/2014/main" xmlns="" id="{5C41C900-20D4-1E46-A503-DEA018F92506}"/>
               </a:ext>
             </a:extLst>
           </p:cNvPr>
@@ -2573,7 +2588,7 @@
           <p:cNvPr id="4" name="슬라이드 번호 개체 틀 3">
             <a:extLst>
               <a:ext uri="{FF2B5EF4-FFF2-40B4-BE49-F238E27FC236}">
-                <a16:creationId xmlns:a16="http://schemas.microsoft.com/office/drawing/2014/main" id="{473903CA-6145-3846-B5B6-56790FC68ACB}"/>
+                <a16:creationId xmlns:a16="http://schemas.microsoft.com/office/drawing/2014/main" xmlns="" id="{473903CA-6145-3846-B5B6-56790FC68ACB}"/>
               </a:ext>
             </a:extLst>
           </p:cNvPr>
@@ -2601,7 +2616,7 @@
     </p:spTree>
     <p:extLst>
       <p:ext uri="{BB962C8B-B14F-4D97-AF65-F5344CB8AC3E}">
-        <p14:creationId xmlns:p14="http://schemas.microsoft.com/office/powerpoint/2010/main" val="4096272925"/>
+        <p14:creationId xmlns:p14="http://schemas.microsoft.com/office/powerpoint/2010/main" xmlns="" val="4096272925"/>
       </p:ext>
     </p:extLst>
   </p:cSld>
@@ -2633,7 +2648,7 @@
           <p:cNvPr id="2" name="제목 1">
             <a:extLst>
               <a:ext uri="{FF2B5EF4-FFF2-40B4-BE49-F238E27FC236}">
-                <a16:creationId xmlns:a16="http://schemas.microsoft.com/office/drawing/2014/main" id="{5BB53706-6F59-164D-8AB3-61AA4193855E}"/>
+                <a16:creationId xmlns:a16="http://schemas.microsoft.com/office/drawing/2014/main" xmlns="" id="{5BB53706-6F59-164D-8AB3-61AA4193855E}"/>
               </a:ext>
             </a:extLst>
           </p:cNvPr>
@@ -2670,7 +2685,7 @@
           <p:cNvPr id="3" name="내용 개체 틀 2">
             <a:extLst>
               <a:ext uri="{FF2B5EF4-FFF2-40B4-BE49-F238E27FC236}">
-                <a16:creationId xmlns:a16="http://schemas.microsoft.com/office/drawing/2014/main" id="{7705A654-A7BC-6F44-B678-0077F702E549}"/>
+                <a16:creationId xmlns:a16="http://schemas.microsoft.com/office/drawing/2014/main" xmlns="" id="{7705A654-A7BC-6F44-B678-0077F702E549}"/>
               </a:ext>
             </a:extLst>
           </p:cNvPr>
@@ -2735,7 +2750,7 @@
           <p:cNvPr id="4" name="텍스트 개체 틀 3">
             <a:extLst>
               <a:ext uri="{FF2B5EF4-FFF2-40B4-BE49-F238E27FC236}">
-                <a16:creationId xmlns:a16="http://schemas.microsoft.com/office/drawing/2014/main" id="{85861AE6-FE95-6C4A-A5DD-59F45593D0F8}"/>
+                <a16:creationId xmlns:a16="http://schemas.microsoft.com/office/drawing/2014/main" xmlns="" id="{85861AE6-FE95-6C4A-A5DD-59F45593D0F8}"/>
               </a:ext>
             </a:extLst>
           </p:cNvPr>
@@ -2809,7 +2824,7 @@
           <p:cNvPr id="5" name="날짜 개체 틀 4">
             <a:extLst>
               <a:ext uri="{FF2B5EF4-FFF2-40B4-BE49-F238E27FC236}">
-                <a16:creationId xmlns:a16="http://schemas.microsoft.com/office/drawing/2014/main" id="{CEC38569-2EC9-484E-BC36-4FD46BA240E8}"/>
+                <a16:creationId xmlns:a16="http://schemas.microsoft.com/office/drawing/2014/main" xmlns="" id="{CEC38569-2EC9-484E-BC36-4FD46BA240E8}"/>
               </a:ext>
             </a:extLst>
           </p:cNvPr>
@@ -2839,7 +2854,7 @@
           <p:cNvPr id="6" name="바닥글 개체 틀 5">
             <a:extLst>
               <a:ext uri="{FF2B5EF4-FFF2-40B4-BE49-F238E27FC236}">
-                <a16:creationId xmlns:a16="http://schemas.microsoft.com/office/drawing/2014/main" id="{B10CDF1C-8E4C-8241-BA2C-C99E5B7E9191}"/>
+                <a16:creationId xmlns:a16="http://schemas.microsoft.com/office/drawing/2014/main" xmlns="" id="{B10CDF1C-8E4C-8241-BA2C-C99E5B7E9191}"/>
               </a:ext>
             </a:extLst>
           </p:cNvPr>
@@ -2864,7 +2879,7 @@
           <p:cNvPr id="7" name="슬라이드 번호 개체 틀 6">
             <a:extLst>
               <a:ext uri="{FF2B5EF4-FFF2-40B4-BE49-F238E27FC236}">
-                <a16:creationId xmlns:a16="http://schemas.microsoft.com/office/drawing/2014/main" id="{14D33965-C422-214D-8E44-BED179F2B464}"/>
+                <a16:creationId xmlns:a16="http://schemas.microsoft.com/office/drawing/2014/main" xmlns="" id="{14D33965-C422-214D-8E44-BED179F2B464}"/>
               </a:ext>
             </a:extLst>
           </p:cNvPr>
@@ -2892,7 +2907,7 @@
     </p:spTree>
     <p:extLst>
       <p:ext uri="{BB962C8B-B14F-4D97-AF65-F5344CB8AC3E}">
-        <p14:creationId xmlns:p14="http://schemas.microsoft.com/office/powerpoint/2010/main" val="1612699754"/>
+        <p14:creationId xmlns:p14="http://schemas.microsoft.com/office/powerpoint/2010/main" xmlns="" val="1612699754"/>
       </p:ext>
     </p:extLst>
   </p:cSld>
@@ -2924,7 +2939,7 @@
           <p:cNvPr id="2" name="제목 1">
             <a:extLst>
               <a:ext uri="{FF2B5EF4-FFF2-40B4-BE49-F238E27FC236}">
-                <a16:creationId xmlns:a16="http://schemas.microsoft.com/office/drawing/2014/main" id="{CE4343F3-D339-3D4A-9995-04AF273A728B}"/>
+                <a16:creationId xmlns:a16="http://schemas.microsoft.com/office/drawing/2014/main" xmlns="" id="{CE4343F3-D339-3D4A-9995-04AF273A728B}"/>
               </a:ext>
             </a:extLst>
           </p:cNvPr>
@@ -2961,7 +2976,7 @@
           <p:cNvPr id="3" name="그림 개체 틀 2">
             <a:extLst>
               <a:ext uri="{FF2B5EF4-FFF2-40B4-BE49-F238E27FC236}">
-                <a16:creationId xmlns:a16="http://schemas.microsoft.com/office/drawing/2014/main" id="{466D680B-DF64-1E47-B558-E4E9FCE8C012}"/>
+                <a16:creationId xmlns:a16="http://schemas.microsoft.com/office/drawing/2014/main" xmlns="" id="{466D680B-DF64-1E47-B558-E4E9FCE8C012}"/>
               </a:ext>
             </a:extLst>
           </p:cNvPr>
@@ -3028,7 +3043,7 @@
           <p:cNvPr id="4" name="텍스트 개체 틀 3">
             <a:extLst>
               <a:ext uri="{FF2B5EF4-FFF2-40B4-BE49-F238E27FC236}">
-                <a16:creationId xmlns:a16="http://schemas.microsoft.com/office/drawing/2014/main" id="{D01AC4ED-49CE-8D45-919C-2793B67A77A8}"/>
+                <a16:creationId xmlns:a16="http://schemas.microsoft.com/office/drawing/2014/main" xmlns="" id="{D01AC4ED-49CE-8D45-919C-2793B67A77A8}"/>
               </a:ext>
             </a:extLst>
           </p:cNvPr>
@@ -3102,7 +3117,7 @@
           <p:cNvPr id="5" name="날짜 개체 틀 4">
             <a:extLst>
               <a:ext uri="{FF2B5EF4-FFF2-40B4-BE49-F238E27FC236}">
-                <a16:creationId xmlns:a16="http://schemas.microsoft.com/office/drawing/2014/main" id="{6154C891-D6C4-F84E-AF79-923E3C88E217}"/>
+                <a16:creationId xmlns:a16="http://schemas.microsoft.com/office/drawing/2014/main" xmlns="" id="{6154C891-D6C4-F84E-AF79-923E3C88E217}"/>
               </a:ext>
             </a:extLst>
           </p:cNvPr>
@@ -3132,7 +3147,7 @@
           <p:cNvPr id="6" name="바닥글 개체 틀 5">
             <a:extLst>
               <a:ext uri="{FF2B5EF4-FFF2-40B4-BE49-F238E27FC236}">
-                <a16:creationId xmlns:a16="http://schemas.microsoft.com/office/drawing/2014/main" id="{C9DE4D14-A320-6446-8026-44D5260079EA}"/>
+                <a16:creationId xmlns:a16="http://schemas.microsoft.com/office/drawing/2014/main" xmlns="" id="{C9DE4D14-A320-6446-8026-44D5260079EA}"/>
               </a:ext>
             </a:extLst>
           </p:cNvPr>
@@ -3157,7 +3172,7 @@
           <p:cNvPr id="7" name="슬라이드 번호 개체 틀 6">
             <a:extLst>
               <a:ext uri="{FF2B5EF4-FFF2-40B4-BE49-F238E27FC236}">
-                <a16:creationId xmlns:a16="http://schemas.microsoft.com/office/drawing/2014/main" id="{3B086DF2-9F59-6945-B2A9-CB77FF8B2FFB}"/>
+                <a16:creationId xmlns:a16="http://schemas.microsoft.com/office/drawing/2014/main" xmlns="" id="{3B086DF2-9F59-6945-B2A9-CB77FF8B2FFB}"/>
               </a:ext>
             </a:extLst>
           </p:cNvPr>
@@ -3185,7 +3200,7 @@
     </p:spTree>
     <p:extLst>
       <p:ext uri="{BB962C8B-B14F-4D97-AF65-F5344CB8AC3E}">
-        <p14:creationId xmlns:p14="http://schemas.microsoft.com/office/powerpoint/2010/main" val="2057299818"/>
+        <p14:creationId xmlns:p14="http://schemas.microsoft.com/office/powerpoint/2010/main" xmlns="" val="2057299818"/>
       </p:ext>
     </p:extLst>
   </p:cSld>
@@ -3225,7 +3240,7 @@
           <p:cNvPr id="2" name="제목 개체 틀 1">
             <a:extLst>
               <a:ext uri="{FF2B5EF4-FFF2-40B4-BE49-F238E27FC236}">
-                <a16:creationId xmlns:a16="http://schemas.microsoft.com/office/drawing/2014/main" id="{FA4F4CFC-3045-7748-B28E-892F3216124E}"/>
+                <a16:creationId xmlns:a16="http://schemas.microsoft.com/office/drawing/2014/main" xmlns="" id="{FA4F4CFC-3045-7748-B28E-892F3216124E}"/>
               </a:ext>
             </a:extLst>
           </p:cNvPr>
@@ -3263,7 +3278,7 @@
           <p:cNvPr id="3" name="텍스트 개체 틀 2">
             <a:extLst>
               <a:ext uri="{FF2B5EF4-FFF2-40B4-BE49-F238E27FC236}">
-                <a16:creationId xmlns:a16="http://schemas.microsoft.com/office/drawing/2014/main" id="{57A11C7A-7CAD-7B4E-B8E7-FD3E44F2AD60}"/>
+                <a16:creationId xmlns:a16="http://schemas.microsoft.com/office/drawing/2014/main" xmlns="" id="{57A11C7A-7CAD-7B4E-B8E7-FD3E44F2AD60}"/>
               </a:ext>
             </a:extLst>
           </p:cNvPr>
@@ -3305,7 +3320,7 @@
           <p:cNvPr id="4" name="날짜 개체 틀 3">
             <a:extLst>
               <a:ext uri="{FF2B5EF4-FFF2-40B4-BE49-F238E27FC236}">
-                <a16:creationId xmlns:a16="http://schemas.microsoft.com/office/drawing/2014/main" id="{2ED43360-5054-BC43-AAE8-E246BC0C435E}"/>
+                <a16:creationId xmlns:a16="http://schemas.microsoft.com/office/drawing/2014/main" xmlns="" id="{2ED43360-5054-BC43-AAE8-E246BC0C435E}"/>
               </a:ext>
             </a:extLst>
           </p:cNvPr>
@@ -3353,7 +3368,7 @@
           <p:cNvPr id="5" name="바닥글 개체 틀 4">
             <a:extLst>
               <a:ext uri="{FF2B5EF4-FFF2-40B4-BE49-F238E27FC236}">
-                <a16:creationId xmlns:a16="http://schemas.microsoft.com/office/drawing/2014/main" id="{F947AE0D-B559-3345-9906-9F20127E89C2}"/>
+                <a16:creationId xmlns:a16="http://schemas.microsoft.com/office/drawing/2014/main" xmlns="" id="{F947AE0D-B559-3345-9906-9F20127E89C2}"/>
               </a:ext>
             </a:extLst>
           </p:cNvPr>
@@ -3396,7 +3411,7 @@
           <p:cNvPr id="6" name="슬라이드 번호 개체 틀 5">
             <a:extLst>
               <a:ext uri="{FF2B5EF4-FFF2-40B4-BE49-F238E27FC236}">
-                <a16:creationId xmlns:a16="http://schemas.microsoft.com/office/drawing/2014/main" id="{A2C0E009-4D69-E141-BDE3-7A5BCBD91A1C}"/>
+                <a16:creationId xmlns:a16="http://schemas.microsoft.com/office/drawing/2014/main" xmlns="" id="{A2C0E009-4D69-E141-BDE3-7A5BCBD91A1C}"/>
               </a:ext>
             </a:extLst>
           </p:cNvPr>
@@ -3442,7 +3457,7 @@
     </p:spTree>
     <p:extLst>
       <p:ext uri="{BB962C8B-B14F-4D97-AF65-F5344CB8AC3E}">
-        <p14:creationId xmlns:p14="http://schemas.microsoft.com/office/powerpoint/2010/main" val="2669113475"/>
+        <p14:creationId xmlns:p14="http://schemas.microsoft.com/office/powerpoint/2010/main" xmlns="" val="2669113475"/>
       </p:ext>
     </p:extLst>
   </p:cSld>
@@ -3773,7 +3788,7 @@
           <p:cNvPr id="2" name="왼쪽 대괄호[L] 1">
             <a:extLst>
               <a:ext uri="{FF2B5EF4-FFF2-40B4-BE49-F238E27FC236}">
-                <a16:creationId xmlns:a16="http://schemas.microsoft.com/office/drawing/2014/main" id="{FD2BE796-18C4-7542-922F-AC07CCDE25AD}"/>
+                <a16:creationId xmlns:a16="http://schemas.microsoft.com/office/drawing/2014/main" xmlns="" id="{FD2BE796-18C4-7542-922F-AC07CCDE25AD}"/>
               </a:ext>
             </a:extLst>
           </p:cNvPr>
@@ -3829,7 +3844,7 @@
           <p:cNvPr id="13" name="왼쪽 대괄호[L] 12">
             <a:extLst>
               <a:ext uri="{FF2B5EF4-FFF2-40B4-BE49-F238E27FC236}">
-                <a16:creationId xmlns:a16="http://schemas.microsoft.com/office/drawing/2014/main" id="{EFECA2F4-7A60-7B4A-9E41-4C7AFF855ED1}"/>
+                <a16:creationId xmlns:a16="http://schemas.microsoft.com/office/drawing/2014/main" xmlns="" id="{EFECA2F4-7A60-7B4A-9E41-4C7AFF855ED1}"/>
               </a:ext>
             </a:extLst>
           </p:cNvPr>
@@ -4041,7 +4056,7 @@
           <p:cNvPr id="3" name="직사각형 2">
             <a:extLst>
               <a:ext uri="{FF2B5EF4-FFF2-40B4-BE49-F238E27FC236}">
-                <a16:creationId xmlns:a16="http://schemas.microsoft.com/office/drawing/2014/main" id="{4882F748-B720-47A9-9623-8E981C6C522A}"/>
+                <a16:creationId xmlns:a16="http://schemas.microsoft.com/office/drawing/2014/main" xmlns="" id="{4882F748-B720-47A9-9623-8E981C6C522A}"/>
               </a:ext>
             </a:extLst>
           </p:cNvPr>
@@ -4161,7 +4176,7 @@
     </p:spTree>
     <p:extLst>
       <p:ext uri="{BB962C8B-B14F-4D97-AF65-F5344CB8AC3E}">
-        <p14:creationId xmlns:p14="http://schemas.microsoft.com/office/powerpoint/2010/main" val="3212234621"/>
+        <p14:creationId xmlns:p14="http://schemas.microsoft.com/office/powerpoint/2010/main" xmlns="" val="3212234621"/>
       </p:ext>
     </p:extLst>
   </p:cSld>
@@ -4193,7 +4208,7 @@
           <p:cNvPr id="34" name="직사각형 33">
             <a:extLst>
               <a:ext uri="{FF2B5EF4-FFF2-40B4-BE49-F238E27FC236}">
-                <a16:creationId xmlns:a16="http://schemas.microsoft.com/office/drawing/2014/main" id="{37CB002D-8420-B548-9BEA-2E18D8A9A204}"/>
+                <a16:creationId xmlns:a16="http://schemas.microsoft.com/office/drawing/2014/main" xmlns="" id="{37CB002D-8420-B548-9BEA-2E18D8A9A204}"/>
               </a:ext>
             </a:extLst>
           </p:cNvPr>
@@ -4247,7 +4262,7 @@
           <p:cNvPr id="8" name="직사각형 7">
             <a:extLst>
               <a:ext uri="{FF2B5EF4-FFF2-40B4-BE49-F238E27FC236}">
-                <a16:creationId xmlns:a16="http://schemas.microsoft.com/office/drawing/2014/main" id="{6B8B80B4-792D-174E-8B2C-A10CA85CDD01}"/>
+                <a16:creationId xmlns:a16="http://schemas.microsoft.com/office/drawing/2014/main" xmlns="" id="{6B8B80B4-792D-174E-8B2C-A10CA85CDD01}"/>
               </a:ext>
             </a:extLst>
           </p:cNvPr>
@@ -4307,7 +4322,7 @@
           <p:cNvPr id="9" name="직각 삼각형[R] 8">
             <a:extLst>
               <a:ext uri="{FF2B5EF4-FFF2-40B4-BE49-F238E27FC236}">
-                <a16:creationId xmlns:a16="http://schemas.microsoft.com/office/drawing/2014/main" id="{E9289217-6E56-7D4B-B6FB-329F373CAF3E}"/>
+                <a16:creationId xmlns:a16="http://schemas.microsoft.com/office/drawing/2014/main" xmlns="" id="{E9289217-6E56-7D4B-B6FB-329F373CAF3E}"/>
               </a:ext>
             </a:extLst>
           </p:cNvPr>
@@ -4361,7 +4376,7 @@
           <p:cNvPr id="20" name="TextBox 19">
             <a:extLst>
               <a:ext uri="{FF2B5EF4-FFF2-40B4-BE49-F238E27FC236}">
-                <a16:creationId xmlns:a16="http://schemas.microsoft.com/office/drawing/2014/main" id="{849EE5DD-2363-0B42-B4FD-2464134E7BE2}"/>
+                <a16:creationId xmlns:a16="http://schemas.microsoft.com/office/drawing/2014/main" xmlns="" id="{849EE5DD-2363-0B42-B4FD-2464134E7BE2}"/>
               </a:ext>
             </a:extLst>
           </p:cNvPr>
@@ -4371,7 +4386,7 @@
         <p:spPr>
           <a:xfrm>
             <a:off x="212837" y="199491"/>
-            <a:ext cx="1795684" cy="461665"/>
+            <a:ext cx="3706464" cy="461665"/>
           </a:xfrm>
           <a:prstGeom prst="rect">
             <a:avLst/>
@@ -4389,22 +4404,126 @@
                 <a:latin typeface="배달의민족 주아" pitchFamily="18" charset="-127"/>
                 <a:ea typeface="배달의민족 주아" pitchFamily="18" charset="-127"/>
               </a:rPr>
-              <a:t>04. </a:t>
+              <a:t>02. </a:t>
             </a:r>
             <a:r>
               <a:rPr kumimoji="1" lang="ko-KR" altLang="en-US" sz="2400" dirty="0">
                 <a:latin typeface="배달의민족 주아" pitchFamily="18" charset="-127"/>
                 <a:ea typeface="배달의민족 주아" pitchFamily="18" charset="-127"/>
               </a:rPr>
-              <a:t>기술 소개</a:t>
-            </a:r>
+              <a:t>분석 </a:t>
+            </a:r>
+            <a:r>
+              <a:rPr kumimoji="1" lang="ko-KR" altLang="en-US" sz="2400" dirty="0" smtClean="0">
+                <a:latin typeface="배달의민족 주아" pitchFamily="18" charset="-127"/>
+                <a:ea typeface="배달의민족 주아" pitchFamily="18" charset="-127"/>
+              </a:rPr>
+              <a:t>설계 </a:t>
+            </a:r>
+            <a:r>
+              <a:rPr kumimoji="1" lang="en-US" altLang="ko-KR" sz="2400" dirty="0" smtClean="0">
+                <a:latin typeface="배달의민족 주아" pitchFamily="18" charset="-127"/>
+                <a:ea typeface="배달의민족 주아" pitchFamily="18" charset="-127"/>
+              </a:rPr>
+              <a:t>-</a:t>
+            </a:r>
+            <a:r>
+              <a:rPr kumimoji="1" lang="en-US" altLang="ko-KR" sz="2400" dirty="0" smtClean="0">
+                <a:latin typeface="배달의민족 주아" pitchFamily="18" charset="-127"/>
+                <a:ea typeface="배달의민족 주아" pitchFamily="18" charset="-127"/>
+              </a:rPr>
+              <a:t> </a:t>
+            </a:r>
+            <a:r>
+              <a:rPr kumimoji="1" lang="ko-KR" altLang="en-US" sz="2400" dirty="0" smtClean="0">
+                <a:latin typeface="배달의민족 주아" pitchFamily="18" charset="-127"/>
+                <a:ea typeface="배달의민족 주아" pitchFamily="18" charset="-127"/>
+              </a:rPr>
+              <a:t>요구 사항 정의</a:t>
+            </a:r>
+            <a:endParaRPr kumimoji="1" lang="ko-KR" altLang="en-US" sz="2400" dirty="0">
+              <a:latin typeface="배달의민족 주아" pitchFamily="18" charset="-127"/>
+              <a:ea typeface="배달의민족 주아" pitchFamily="18" charset="-127"/>
+            </a:endParaRPr>
+          </a:p>
+        </p:txBody>
+      </p:sp>
+      <p:sp>
+        <p:nvSpPr>
+          <p:cNvPr id="6" name="TextBox 5"/>
+          <p:cNvSpPr txBox="1"/>
+          <p:nvPr/>
+        </p:nvSpPr>
+        <p:spPr>
+          <a:xfrm>
+            <a:off x="489857" y="810815"/>
+            <a:ext cx="1731564" cy="369332"/>
+          </a:xfrm>
+          <a:prstGeom prst="rect">
+            <a:avLst/>
+          </a:prstGeom>
+          <a:noFill/>
+        </p:spPr>
+        <p:txBody>
+          <a:bodyPr wrap="none" rtlCol="0">
+            <a:spAutoFit/>
+          </a:bodyPr>
+          <a:lstStyle/>
+          <a:p>
+            <a:r>
+              <a:rPr lang="en-US" altLang="ko-KR" dirty="0" smtClean="0">
+                <a:solidFill>
+                  <a:schemeClr val="bg1"/>
+                </a:solidFill>
+                <a:latin typeface="배달의민족 주아" pitchFamily="18" charset="-127"/>
+                <a:ea typeface="배달의민족 주아" pitchFamily="18" charset="-127"/>
+              </a:rPr>
+              <a:t>- </a:t>
+            </a:r>
+            <a:r>
+              <a:rPr lang="ko-KR" altLang="en-US" dirty="0" smtClean="0">
+                <a:solidFill>
+                  <a:schemeClr val="bg1"/>
+                </a:solidFill>
+                <a:latin typeface="배달의민족 주아" pitchFamily="18" charset="-127"/>
+                <a:ea typeface="배달의민족 주아" pitchFamily="18" charset="-127"/>
+              </a:rPr>
+              <a:t>요구사항 명</a:t>
+            </a:r>
+            <a:r>
+              <a:rPr lang="ko-KR" altLang="en-US" dirty="0" smtClean="0">
+                <a:solidFill>
+                  <a:schemeClr val="bg1"/>
+                </a:solidFill>
+                <a:latin typeface="배달의민족 주아" pitchFamily="18" charset="-127"/>
+                <a:ea typeface="배달의민족 주아" pitchFamily="18" charset="-127"/>
+              </a:rPr>
+              <a:t>세</a:t>
+            </a:r>
+            <a:r>
+              <a:rPr lang="ko-KR" altLang="en-US" dirty="0" smtClean="0">
+                <a:solidFill>
+                  <a:schemeClr val="bg1"/>
+                </a:solidFill>
+                <a:latin typeface="배달의민족 주아" pitchFamily="18" charset="-127"/>
+                <a:ea typeface="배달의민족 주아" pitchFamily="18" charset="-127"/>
+              </a:rPr>
+              <a:t>서</a:t>
+            </a:r>
+            <a:endParaRPr lang="en-US" altLang="ko-KR" dirty="0" smtClean="0">
+              <a:solidFill>
+                <a:schemeClr val="bg1"/>
+              </a:solidFill>
+              <a:latin typeface="배달의민족 주아" pitchFamily="18" charset="-127"/>
+              <a:ea typeface="배달의민족 주아" pitchFamily="18" charset="-127"/>
+            </a:endParaRPr>
           </a:p>
         </p:txBody>
       </p:sp>
     </p:spTree>
     <p:extLst>
       <p:ext uri="{BB962C8B-B14F-4D97-AF65-F5344CB8AC3E}">
-        <p14:creationId xmlns:p14="http://schemas.microsoft.com/office/powerpoint/2010/main" val="2050327707"/>
+        <p14:creationId xmlns:p14="http://schemas.microsoft.com/office/powerpoint/2010/main" xmlns="" val="2090930175"/>
       </p:ext>
     </p:extLst>
   </p:cSld>
@@ -4436,7 +4555,7 @@
           <p:cNvPr id="34" name="직사각형 33">
             <a:extLst>
               <a:ext uri="{FF2B5EF4-FFF2-40B4-BE49-F238E27FC236}">
-                <a16:creationId xmlns:a16="http://schemas.microsoft.com/office/drawing/2014/main" id="{37CB002D-8420-B548-9BEA-2E18D8A9A204}"/>
+                <a16:creationId xmlns:a16="http://schemas.microsoft.com/office/drawing/2014/main" xmlns="" id="{37CB002D-8420-B548-9BEA-2E18D8A9A204}"/>
               </a:ext>
             </a:extLst>
           </p:cNvPr>
@@ -4490,7 +4609,7 @@
           <p:cNvPr id="8" name="직사각형 7">
             <a:extLst>
               <a:ext uri="{FF2B5EF4-FFF2-40B4-BE49-F238E27FC236}">
-                <a16:creationId xmlns:a16="http://schemas.microsoft.com/office/drawing/2014/main" id="{6B8B80B4-792D-174E-8B2C-A10CA85CDD01}"/>
+                <a16:creationId xmlns:a16="http://schemas.microsoft.com/office/drawing/2014/main" xmlns="" id="{6B8B80B4-792D-174E-8B2C-A10CA85CDD01}"/>
               </a:ext>
             </a:extLst>
           </p:cNvPr>
@@ -4550,7 +4669,7 @@
           <p:cNvPr id="9" name="직각 삼각형[R] 8">
             <a:extLst>
               <a:ext uri="{FF2B5EF4-FFF2-40B4-BE49-F238E27FC236}">
-                <a16:creationId xmlns:a16="http://schemas.microsoft.com/office/drawing/2014/main" id="{E9289217-6E56-7D4B-B6FB-329F373CAF3E}"/>
+                <a16:creationId xmlns:a16="http://schemas.microsoft.com/office/drawing/2014/main" xmlns="" id="{E9289217-6E56-7D4B-B6FB-329F373CAF3E}"/>
               </a:ext>
             </a:extLst>
           </p:cNvPr>
@@ -4604,7 +4723,7 @@
           <p:cNvPr id="20" name="TextBox 19">
             <a:extLst>
               <a:ext uri="{FF2B5EF4-FFF2-40B4-BE49-F238E27FC236}">
-                <a16:creationId xmlns:a16="http://schemas.microsoft.com/office/drawing/2014/main" id="{849EE5DD-2363-0B42-B4FD-2464134E7BE2}"/>
+                <a16:creationId xmlns:a16="http://schemas.microsoft.com/office/drawing/2014/main" xmlns="" id="{849EE5DD-2363-0B42-B4FD-2464134E7BE2}"/>
               </a:ext>
             </a:extLst>
           </p:cNvPr>
@@ -4614,7 +4733,7 @@
         <p:spPr>
           <a:xfrm>
             <a:off x="212837" y="199491"/>
-            <a:ext cx="1773242" cy="461665"/>
+            <a:ext cx="3914854" cy="830997"/>
           </a:xfrm>
           <a:prstGeom prst="rect">
             <a:avLst/>
@@ -4628,26 +4747,108 @@
           <a:lstStyle/>
           <a:p>
             <a:r>
-              <a:rPr kumimoji="1" lang="en-US" altLang="ko-KR" sz="2400" dirty="0">
-                <a:latin typeface="배달의민족 주아" pitchFamily="18" charset="-127"/>
-                <a:ea typeface="배달의민족 주아" pitchFamily="18" charset="-127"/>
-              </a:rPr>
-              <a:t>05. </a:t>
-            </a:r>
-            <a:r>
-              <a:rPr kumimoji="1" lang="ko-KR" altLang="en-US" sz="2400" dirty="0">
-                <a:latin typeface="배달의민족 주아" pitchFamily="18" charset="-127"/>
-                <a:ea typeface="배달의민족 주아" pitchFamily="18" charset="-127"/>
-              </a:rPr>
-              <a:t>팀원 소개</a:t>
-            </a:r>
+              <a:rPr kumimoji="1" lang="en-US" altLang="ko-KR" sz="2400" dirty="0" smtClean="0">
+                <a:latin typeface="배달의민족 주아" pitchFamily="18" charset="-127"/>
+                <a:ea typeface="배달의민족 주아" pitchFamily="18" charset="-127"/>
+              </a:rPr>
+              <a:t>02. </a:t>
+            </a:r>
+            <a:r>
+              <a:rPr kumimoji="1" lang="ko-KR" altLang="en-US" sz="2400" dirty="0" smtClean="0">
+                <a:latin typeface="배달의민족 주아" pitchFamily="18" charset="-127"/>
+                <a:ea typeface="배달의민족 주아" pitchFamily="18" charset="-127"/>
+              </a:rPr>
+              <a:t>분석 설계 </a:t>
+            </a:r>
+            <a:r>
+              <a:rPr kumimoji="1" lang="en-US" altLang="ko-KR" sz="2400" dirty="0" smtClean="0">
+                <a:latin typeface="배달의민족 주아" pitchFamily="18" charset="-127"/>
+                <a:ea typeface="배달의민족 주아" pitchFamily="18" charset="-127"/>
+              </a:rPr>
+              <a:t>- </a:t>
+            </a:r>
+            <a:r>
+              <a:rPr kumimoji="1" lang="ko-KR" altLang="en-US" sz="2400" dirty="0" smtClean="0">
+                <a:latin typeface="배달의민족 주아" pitchFamily="18" charset="-127"/>
+                <a:ea typeface="배달의민족 주아" pitchFamily="18" charset="-127"/>
+              </a:rPr>
+              <a:t>기능 요구 모델링</a:t>
+            </a:r>
+          </a:p>
+          <a:p>
+            <a:endParaRPr kumimoji="1" lang="ko-KR" altLang="en-US" sz="2400" dirty="0">
+              <a:latin typeface="배달의민족 주아" pitchFamily="18" charset="-127"/>
+              <a:ea typeface="배달의민족 주아" pitchFamily="18" charset="-127"/>
+            </a:endParaRPr>
+          </a:p>
+        </p:txBody>
+      </p:sp>
+      <p:sp>
+        <p:nvSpPr>
+          <p:cNvPr id="6" name="TextBox 5"/>
+          <p:cNvSpPr txBox="1"/>
+          <p:nvPr/>
+        </p:nvSpPr>
+        <p:spPr>
+          <a:xfrm>
+            <a:off x="489857" y="810815"/>
+            <a:ext cx="1143262" cy="369332"/>
+          </a:xfrm>
+          <a:prstGeom prst="rect">
+            <a:avLst/>
+          </a:prstGeom>
+          <a:noFill/>
+        </p:spPr>
+        <p:txBody>
+          <a:bodyPr wrap="none" rtlCol="0">
+            <a:spAutoFit/>
+          </a:bodyPr>
+          <a:lstStyle/>
+          <a:p>
+            <a:r>
+              <a:rPr lang="en-US" altLang="ko-KR" dirty="0" smtClean="0">
+                <a:solidFill>
+                  <a:schemeClr val="bg1"/>
+                </a:solidFill>
+                <a:latin typeface="배달의민족 주아" pitchFamily="18" charset="-127"/>
+                <a:ea typeface="배달의민족 주아" pitchFamily="18" charset="-127"/>
+              </a:rPr>
+              <a:t>- </a:t>
+            </a:r>
+            <a:r>
+              <a:rPr lang="ko-KR" altLang="en-US" dirty="0" smtClean="0">
+                <a:solidFill>
+                  <a:schemeClr val="bg1"/>
+                </a:solidFill>
+                <a:latin typeface="배달의민족 주아" pitchFamily="18" charset="-127"/>
+                <a:ea typeface="배달의민족 주아" pitchFamily="18" charset="-127"/>
+              </a:rPr>
+              <a:t> </a:t>
+            </a:r>
+            <a:r>
+              <a:rPr lang="ko-KR" altLang="en-US" dirty="0" smtClean="0">
+                <a:solidFill>
+                  <a:schemeClr val="bg1"/>
+                </a:solidFill>
+                <a:latin typeface="배달의민족 주아" pitchFamily="18" charset="-127"/>
+                <a:ea typeface="배달의민족 주아" pitchFamily="18" charset="-127"/>
+              </a:rPr>
+              <a:t>업무분석</a:t>
+            </a:r>
+            <a:endParaRPr lang="en-US" altLang="ko-KR" dirty="0" smtClean="0">
+              <a:solidFill>
+                <a:schemeClr val="bg1"/>
+              </a:solidFill>
+              <a:latin typeface="배달의민족 주아" pitchFamily="18" charset="-127"/>
+              <a:ea typeface="배달의민족 주아" pitchFamily="18" charset="-127"/>
+            </a:endParaRPr>
           </a:p>
         </p:txBody>
       </p:sp>
     </p:spTree>
     <p:extLst>
       <p:ext uri="{BB962C8B-B14F-4D97-AF65-F5344CB8AC3E}">
-        <p14:creationId xmlns:p14="http://schemas.microsoft.com/office/powerpoint/2010/main" val="3002724931"/>
+        <p14:creationId xmlns:p14="http://schemas.microsoft.com/office/powerpoint/2010/main" xmlns="" val="2090930175"/>
       </p:ext>
     </p:extLst>
   </p:cSld>
@@ -4676,10 +4877,10 @@
       </p:grpSpPr>
       <p:sp>
         <p:nvSpPr>
-          <p:cNvPr id="2" name="왼쪽 대괄호[L] 1">
-            <a:extLst>
-              <a:ext uri="{FF2B5EF4-FFF2-40B4-BE49-F238E27FC236}">
-                <a16:creationId xmlns:a16="http://schemas.microsoft.com/office/drawing/2014/main" id="{FD2BE796-18C4-7542-922F-AC07CCDE25AD}"/>
+          <p:cNvPr id="34" name="직사각형 33">
+            <a:extLst>
+              <a:ext uri="{FF2B5EF4-FFF2-40B4-BE49-F238E27FC236}">
+                <a16:creationId xmlns:a16="http://schemas.microsoft.com/office/drawing/2014/main" xmlns="" id="{37CB002D-8420-B548-9BEA-2E18D8A9A204}"/>
               </a:ext>
             </a:extLst>
           </p:cNvPr>
@@ -4688,33 +4889,95 @@
         </p:nvSpPr>
         <p:spPr>
           <a:xfrm>
-            <a:off x="3655094" y="2971800"/>
-            <a:ext cx="73152" cy="914400"/>
-          </a:xfrm>
-          <a:prstGeom prst="leftBracket">
-            <a:avLst/>
-          </a:prstGeom>
-          <a:ln w="57150">
+            <a:off x="0" y="1180147"/>
+            <a:ext cx="12192000" cy="5419364"/>
+          </a:xfrm>
+          <a:prstGeom prst="rect">
+            <a:avLst/>
+          </a:prstGeom>
+          <a:solidFill>
+            <a:schemeClr val="bg1">
+              <a:lumMod val="95000"/>
+            </a:schemeClr>
+          </a:solidFill>
+          <a:ln>
+            <a:noFill/>
+          </a:ln>
+        </p:spPr>
+        <p:style>
+          <a:lnRef idx="2">
+            <a:schemeClr val="accent1">
+              <a:shade val="50000"/>
+            </a:schemeClr>
+          </a:lnRef>
+          <a:fillRef idx="1">
+            <a:schemeClr val="accent1"/>
+          </a:fillRef>
+          <a:effectRef idx="0">
+            <a:schemeClr val="accent1"/>
+          </a:effectRef>
+          <a:fontRef idx="minor">
+            <a:schemeClr val="lt1"/>
+          </a:fontRef>
+        </p:style>
+        <p:txBody>
+          <a:bodyPr anchor="ctr"/>
+          <a:lstStyle/>
+          <a:p>
+            <a:pPr algn="ctr"/>
+            <a:endParaRPr lang="ko-KR" altLang="en-US" sz="1600" dirty="0"/>
+          </a:p>
+        </p:txBody>
+      </p:sp>
+      <p:sp>
+        <p:nvSpPr>
+          <p:cNvPr id="8" name="직사각형 7">
+            <a:extLst>
+              <a:ext uri="{FF2B5EF4-FFF2-40B4-BE49-F238E27FC236}">
+                <a16:creationId xmlns:a16="http://schemas.microsoft.com/office/drawing/2014/main" xmlns="" id="{6B8B80B4-792D-174E-8B2C-A10CA85CDD01}"/>
+              </a:ext>
+            </a:extLst>
+          </p:cNvPr>
+          <p:cNvSpPr/>
+          <p:nvPr/>
+        </p:nvSpPr>
+        <p:spPr>
+          <a:xfrm>
+            <a:off x="0" y="199491"/>
+            <a:ext cx="4768342" cy="490328"/>
+          </a:xfrm>
+          <a:prstGeom prst="rect">
+            <a:avLst/>
+          </a:prstGeom>
+          <a:solidFill>
+            <a:schemeClr val="accent5">
+              <a:lumMod val="40000"/>
+              <a:lumOff val="60000"/>
+            </a:schemeClr>
+          </a:solidFill>
+          <a:ln>
             <a:solidFill>
               <a:schemeClr val="accent5">
-                <a:lumMod val="60000"/>
-                <a:lumOff val="40000"/>
+                <a:lumMod val="40000"/>
+                <a:lumOff val="60000"/>
               </a:schemeClr>
             </a:solidFill>
           </a:ln>
         </p:spPr>
         <p:style>
-          <a:lnRef idx="1">
-            <a:schemeClr val="accent1"/>
+          <a:lnRef idx="2">
+            <a:schemeClr val="accent1">
+              <a:shade val="50000"/>
+            </a:schemeClr>
           </a:lnRef>
-          <a:fillRef idx="0">
+          <a:fillRef idx="1">
             <a:schemeClr val="accent1"/>
           </a:fillRef>
           <a:effectRef idx="0">
             <a:schemeClr val="accent1"/>
           </a:effectRef>
           <a:fontRef idx="minor">
-            <a:schemeClr val="tx1"/>
+            <a:schemeClr val="lt1"/>
           </a:fontRef>
         </p:style>
         <p:txBody>
@@ -4728,10 +4991,10 @@
       </p:sp>
       <p:sp>
         <p:nvSpPr>
-          <p:cNvPr id="13" name="왼쪽 대괄호[L] 12">
-            <a:extLst>
-              <a:ext uri="{FF2B5EF4-FFF2-40B4-BE49-F238E27FC236}">
-                <a16:creationId xmlns:a16="http://schemas.microsoft.com/office/drawing/2014/main" id="{EFECA2F4-7A60-7B4A-9E41-4C7AFF855ED1}"/>
+          <p:cNvPr id="9" name="직각 삼각형[R] 8">
+            <a:extLst>
+              <a:ext uri="{FF2B5EF4-FFF2-40B4-BE49-F238E27FC236}">
+                <a16:creationId xmlns:a16="http://schemas.microsoft.com/office/drawing/2014/main" xmlns="" id="{E9289217-6E56-7D4B-B6FB-329F373CAF3E}"/>
               </a:ext>
             </a:extLst>
           </p:cNvPr>
@@ -4740,33 +5003,309 @@
         </p:nvSpPr>
         <p:spPr>
           <a:xfrm flipH="1">
-            <a:off x="8444541" y="2971799"/>
-            <a:ext cx="73152" cy="914400"/>
-          </a:xfrm>
-          <a:prstGeom prst="leftBracket">
-            <a:avLst/>
-          </a:prstGeom>
-          <a:ln w="57150">
+            <a:off x="4351984" y="276690"/>
+            <a:ext cx="475099" cy="490328"/>
+          </a:xfrm>
+          <a:prstGeom prst="rtTriangle">
+            <a:avLst/>
+          </a:prstGeom>
+          <a:solidFill>
+            <a:schemeClr val="accent5">
+              <a:lumMod val="75000"/>
+            </a:schemeClr>
+          </a:solidFill>
+          <a:ln>
+            <a:noFill/>
+          </a:ln>
+        </p:spPr>
+        <p:style>
+          <a:lnRef idx="2">
+            <a:schemeClr val="accent1">
+              <a:shade val="50000"/>
+            </a:schemeClr>
+          </a:lnRef>
+          <a:fillRef idx="1">
+            <a:schemeClr val="accent1"/>
+          </a:fillRef>
+          <a:effectRef idx="0">
+            <a:schemeClr val="accent1"/>
+          </a:effectRef>
+          <a:fontRef idx="minor">
+            <a:schemeClr val="lt1"/>
+          </a:fontRef>
+        </p:style>
+        <p:txBody>
+          <a:bodyPr rtlCol="0" anchor="ctr"/>
+          <a:lstStyle/>
+          <a:p>
+            <a:pPr algn="ctr"/>
+            <a:endParaRPr kumimoji="1" lang="ko-KR" altLang="en-US"/>
+          </a:p>
+        </p:txBody>
+      </p:sp>
+      <p:sp>
+        <p:nvSpPr>
+          <p:cNvPr id="20" name="TextBox 19">
+            <a:extLst>
+              <a:ext uri="{FF2B5EF4-FFF2-40B4-BE49-F238E27FC236}">
+                <a16:creationId xmlns:a16="http://schemas.microsoft.com/office/drawing/2014/main" xmlns="" id="{849EE5DD-2363-0B42-B4FD-2464134E7BE2}"/>
+              </a:ext>
+            </a:extLst>
+          </p:cNvPr>
+          <p:cNvSpPr txBox="1"/>
+          <p:nvPr/>
+        </p:nvSpPr>
+        <p:spPr>
+          <a:xfrm>
+            <a:off x="212837" y="199491"/>
+            <a:ext cx="3914854" cy="830997"/>
+          </a:xfrm>
+          <a:prstGeom prst="rect">
+            <a:avLst/>
+          </a:prstGeom>
+          <a:noFill/>
+        </p:spPr>
+        <p:txBody>
+          <a:bodyPr wrap="none" rtlCol="0">
+            <a:spAutoFit/>
+          </a:bodyPr>
+          <a:lstStyle/>
+          <a:p>
+            <a:r>
+              <a:rPr kumimoji="1" lang="en-US" altLang="ko-KR" sz="2400" dirty="0" smtClean="0">
+                <a:latin typeface="배달의민족 주아" pitchFamily="18" charset="-127"/>
+                <a:ea typeface="배달의민족 주아" pitchFamily="18" charset="-127"/>
+              </a:rPr>
+              <a:t>02. </a:t>
+            </a:r>
+            <a:r>
+              <a:rPr kumimoji="1" lang="ko-KR" altLang="en-US" sz="2400" dirty="0" smtClean="0">
+                <a:latin typeface="배달의민족 주아" pitchFamily="18" charset="-127"/>
+                <a:ea typeface="배달의민족 주아" pitchFamily="18" charset="-127"/>
+              </a:rPr>
+              <a:t>분석 설계 </a:t>
+            </a:r>
+            <a:r>
+              <a:rPr kumimoji="1" lang="en-US" altLang="ko-KR" sz="2400" dirty="0" smtClean="0">
+                <a:latin typeface="배달의민족 주아" pitchFamily="18" charset="-127"/>
+                <a:ea typeface="배달의민족 주아" pitchFamily="18" charset="-127"/>
+              </a:rPr>
+              <a:t>- </a:t>
+            </a:r>
+            <a:r>
+              <a:rPr kumimoji="1" lang="ko-KR" altLang="en-US" sz="2400" dirty="0" smtClean="0">
+                <a:latin typeface="배달의민족 주아" pitchFamily="18" charset="-127"/>
+                <a:ea typeface="배달의민족 주아" pitchFamily="18" charset="-127"/>
+              </a:rPr>
+              <a:t>기능 요구 모델링</a:t>
+            </a:r>
+          </a:p>
+          <a:p>
+            <a:endParaRPr kumimoji="1" lang="ko-KR" altLang="en-US" sz="2400" dirty="0">
+              <a:latin typeface="배달의민족 주아" pitchFamily="18" charset="-127"/>
+              <a:ea typeface="배달의민족 주아" pitchFamily="18" charset="-127"/>
+            </a:endParaRPr>
+          </a:p>
+        </p:txBody>
+      </p:sp>
+      <p:sp>
+        <p:nvSpPr>
+          <p:cNvPr id="6" name="TextBox 5"/>
+          <p:cNvSpPr txBox="1"/>
+          <p:nvPr/>
+        </p:nvSpPr>
+        <p:spPr>
+          <a:xfrm>
+            <a:off x="489857" y="810815"/>
+            <a:ext cx="2044727" cy="369332"/>
+          </a:xfrm>
+          <a:prstGeom prst="rect">
+            <a:avLst/>
+          </a:prstGeom>
+          <a:noFill/>
+        </p:spPr>
+        <p:txBody>
+          <a:bodyPr wrap="none" rtlCol="0">
+            <a:spAutoFit/>
+          </a:bodyPr>
+          <a:lstStyle/>
+          <a:p>
+            <a:r>
+              <a:rPr lang="en-US" altLang="ko-KR" dirty="0" smtClean="0">
+                <a:solidFill>
+                  <a:schemeClr val="bg1"/>
+                </a:solidFill>
+                <a:latin typeface="배달의민족 주아" pitchFamily="18" charset="-127"/>
+                <a:ea typeface="배달의민족 주아" pitchFamily="18" charset="-127"/>
+              </a:rPr>
+              <a:t>-  </a:t>
+            </a:r>
+            <a:r>
+              <a:rPr lang="en-US" altLang="ko-KR" dirty="0" err="1" smtClean="0">
+                <a:solidFill>
+                  <a:schemeClr val="bg1"/>
+                </a:solidFill>
+                <a:latin typeface="배달의민족 주아" pitchFamily="18" charset="-127"/>
+                <a:ea typeface="배달의민족 주아" pitchFamily="18" charset="-127"/>
+              </a:rPr>
+              <a:t>u</a:t>
+            </a:r>
+            <a:r>
+              <a:rPr lang="en-US" altLang="ko-KR" dirty="0" err="1" smtClean="0">
+                <a:solidFill>
+                  <a:schemeClr val="bg1"/>
+                </a:solidFill>
+                <a:latin typeface="배달의민족 주아" pitchFamily="18" charset="-127"/>
+                <a:ea typeface="배달의민족 주아" pitchFamily="18" charset="-127"/>
+              </a:rPr>
+              <a:t>secase</a:t>
+            </a:r>
+            <a:r>
+              <a:rPr lang="en-US" altLang="ko-KR" dirty="0" smtClean="0">
+                <a:solidFill>
+                  <a:schemeClr val="bg1"/>
+                </a:solidFill>
+                <a:latin typeface="배달의민족 주아" pitchFamily="18" charset="-127"/>
+                <a:ea typeface="배달의민족 주아" pitchFamily="18" charset="-127"/>
+              </a:rPr>
+              <a:t> diagram</a:t>
+            </a:r>
+          </a:p>
+        </p:txBody>
+      </p:sp>
+    </p:spTree>
+    <p:extLst>
+      <p:ext uri="{BB962C8B-B14F-4D97-AF65-F5344CB8AC3E}">
+        <p14:creationId xmlns:p14="http://schemas.microsoft.com/office/powerpoint/2010/main" xmlns="" val="2090930175"/>
+      </p:ext>
+    </p:extLst>
+  </p:cSld>
+  <p:clrMapOvr>
+    <a:masterClrMapping/>
+  </p:clrMapOvr>
+</p:sld>
+</file>
+
+<file path=ppt/slides/slide13.xml><?xml version="1.0" encoding="utf-8"?>
+<p:sld xmlns:a="http://schemas.openxmlformats.org/drawingml/2006/main" xmlns:r="http://schemas.openxmlformats.org/officeDocument/2006/relationships" xmlns:p="http://schemas.openxmlformats.org/presentationml/2006/main">
+  <p:cSld>
+    <p:spTree>
+      <p:nvGrpSpPr>
+        <p:cNvPr id="1" name=""/>
+        <p:cNvGrpSpPr/>
+        <p:nvPr/>
+      </p:nvGrpSpPr>
+      <p:grpSpPr>
+        <a:xfrm>
+          <a:off x="0" y="0"/>
+          <a:ext cx="0" cy="0"/>
+          <a:chOff x="0" y="0"/>
+          <a:chExt cx="0" cy="0"/>
+        </a:xfrm>
+      </p:grpSpPr>
+      <p:sp>
+        <p:nvSpPr>
+          <p:cNvPr id="34" name="직사각형 33">
+            <a:extLst>
+              <a:ext uri="{FF2B5EF4-FFF2-40B4-BE49-F238E27FC236}">
+                <a16:creationId xmlns:a16="http://schemas.microsoft.com/office/drawing/2014/main" xmlns="" id="{37CB002D-8420-B548-9BEA-2E18D8A9A204}"/>
+              </a:ext>
+            </a:extLst>
+          </p:cNvPr>
+          <p:cNvSpPr/>
+          <p:nvPr/>
+        </p:nvSpPr>
+        <p:spPr>
+          <a:xfrm>
+            <a:off x="0" y="1180147"/>
+            <a:ext cx="12192000" cy="5419364"/>
+          </a:xfrm>
+          <a:prstGeom prst="rect">
+            <a:avLst/>
+          </a:prstGeom>
+          <a:solidFill>
+            <a:schemeClr val="bg1">
+              <a:lumMod val="95000"/>
+            </a:schemeClr>
+          </a:solidFill>
+          <a:ln>
+            <a:noFill/>
+          </a:ln>
+        </p:spPr>
+        <p:style>
+          <a:lnRef idx="2">
+            <a:schemeClr val="accent1">
+              <a:shade val="50000"/>
+            </a:schemeClr>
+          </a:lnRef>
+          <a:fillRef idx="1">
+            <a:schemeClr val="accent1"/>
+          </a:fillRef>
+          <a:effectRef idx="0">
+            <a:schemeClr val="accent1"/>
+          </a:effectRef>
+          <a:fontRef idx="minor">
+            <a:schemeClr val="lt1"/>
+          </a:fontRef>
+        </p:style>
+        <p:txBody>
+          <a:bodyPr anchor="ctr"/>
+          <a:lstStyle/>
+          <a:p>
+            <a:pPr algn="ctr"/>
+            <a:endParaRPr lang="ko-KR" altLang="en-US" sz="1600" dirty="0"/>
+          </a:p>
+        </p:txBody>
+      </p:sp>
+      <p:sp>
+        <p:nvSpPr>
+          <p:cNvPr id="8" name="직사각형 7">
+            <a:extLst>
+              <a:ext uri="{FF2B5EF4-FFF2-40B4-BE49-F238E27FC236}">
+                <a16:creationId xmlns:a16="http://schemas.microsoft.com/office/drawing/2014/main" xmlns="" id="{6B8B80B4-792D-174E-8B2C-A10CA85CDD01}"/>
+              </a:ext>
+            </a:extLst>
+          </p:cNvPr>
+          <p:cNvSpPr/>
+          <p:nvPr/>
+        </p:nvSpPr>
+        <p:spPr>
+          <a:xfrm>
+            <a:off x="0" y="199491"/>
+            <a:ext cx="4768342" cy="490328"/>
+          </a:xfrm>
+          <a:prstGeom prst="rect">
+            <a:avLst/>
+          </a:prstGeom>
+          <a:solidFill>
+            <a:schemeClr val="accent5">
+              <a:lumMod val="40000"/>
+              <a:lumOff val="60000"/>
+            </a:schemeClr>
+          </a:solidFill>
+          <a:ln>
             <a:solidFill>
               <a:schemeClr val="accent5">
-                <a:lumMod val="60000"/>
-                <a:lumOff val="40000"/>
+                <a:lumMod val="40000"/>
+                <a:lumOff val="60000"/>
               </a:schemeClr>
             </a:solidFill>
           </a:ln>
         </p:spPr>
         <p:style>
-          <a:lnRef idx="1">
-            <a:schemeClr val="accent1"/>
+          <a:lnRef idx="2">
+            <a:schemeClr val="accent1">
+              <a:shade val="50000"/>
+            </a:schemeClr>
           </a:lnRef>
-          <a:fillRef idx="0">
+          <a:fillRef idx="1">
             <a:schemeClr val="accent1"/>
           </a:fillRef>
           <a:effectRef idx="0">
             <a:schemeClr val="accent1"/>
           </a:effectRef>
           <a:fontRef idx="minor">
-            <a:schemeClr val="tx1"/>
+            <a:schemeClr val="lt1"/>
           </a:fontRef>
         </p:style>
         <p:txBody>
@@ -4780,14 +5319,74 @@
       </p:sp>
       <p:sp>
         <p:nvSpPr>
-          <p:cNvPr id="11" name="TextBox 10"/>
+          <p:cNvPr id="9" name="직각 삼각형[R] 8">
+            <a:extLst>
+              <a:ext uri="{FF2B5EF4-FFF2-40B4-BE49-F238E27FC236}">
+                <a16:creationId xmlns:a16="http://schemas.microsoft.com/office/drawing/2014/main" xmlns="" id="{E9289217-6E56-7D4B-B6FB-329F373CAF3E}"/>
+              </a:ext>
+            </a:extLst>
+          </p:cNvPr>
+          <p:cNvSpPr/>
+          <p:nvPr/>
+        </p:nvSpPr>
+        <p:spPr>
+          <a:xfrm flipH="1">
+            <a:off x="4351984" y="276690"/>
+            <a:ext cx="475099" cy="490328"/>
+          </a:xfrm>
+          <a:prstGeom prst="rtTriangle">
+            <a:avLst/>
+          </a:prstGeom>
+          <a:solidFill>
+            <a:schemeClr val="accent5">
+              <a:lumMod val="75000"/>
+            </a:schemeClr>
+          </a:solidFill>
+          <a:ln>
+            <a:noFill/>
+          </a:ln>
+        </p:spPr>
+        <p:style>
+          <a:lnRef idx="2">
+            <a:schemeClr val="accent1">
+              <a:shade val="50000"/>
+            </a:schemeClr>
+          </a:lnRef>
+          <a:fillRef idx="1">
+            <a:schemeClr val="accent1"/>
+          </a:fillRef>
+          <a:effectRef idx="0">
+            <a:schemeClr val="accent1"/>
+          </a:effectRef>
+          <a:fontRef idx="minor">
+            <a:schemeClr val="lt1"/>
+          </a:fontRef>
+        </p:style>
+        <p:txBody>
+          <a:bodyPr rtlCol="0" anchor="ctr"/>
+          <a:lstStyle/>
+          <a:p>
+            <a:pPr algn="ctr"/>
+            <a:endParaRPr kumimoji="1" lang="ko-KR" altLang="en-US"/>
+          </a:p>
+        </p:txBody>
+      </p:sp>
+      <p:sp>
+        <p:nvSpPr>
+          <p:cNvPr id="20" name="TextBox 19">
+            <a:extLst>
+              <a:ext uri="{FF2B5EF4-FFF2-40B4-BE49-F238E27FC236}">
+                <a16:creationId xmlns:a16="http://schemas.microsoft.com/office/drawing/2014/main" xmlns="" id="{849EE5DD-2363-0B42-B4FD-2464134E7BE2}"/>
+              </a:ext>
+            </a:extLst>
+          </p:cNvPr>
           <p:cNvSpPr txBox="1"/>
           <p:nvPr/>
         </p:nvSpPr>
         <p:spPr>
           <a:xfrm>
-            <a:off x="3788209" y="3015340"/>
-            <a:ext cx="4693272" cy="769441"/>
+            <a:off x="212837" y="199491"/>
+            <a:ext cx="3914854" cy="830997"/>
           </a:xfrm>
           <a:prstGeom prst="rect">
             <a:avLst/>
@@ -4801,16 +5400,428 @@
           <a:lstStyle/>
           <a:p>
             <a:r>
-              <a:rPr lang="en-US" altLang="ko-KR" sz="4400">
+              <a:rPr kumimoji="1" lang="en-US" altLang="ko-KR" sz="2400" dirty="0" smtClean="0">
+                <a:latin typeface="배달의민족 주아" pitchFamily="18" charset="-127"/>
+                <a:ea typeface="배달의민족 주아" pitchFamily="18" charset="-127"/>
+              </a:rPr>
+              <a:t>02. </a:t>
+            </a:r>
+            <a:r>
+              <a:rPr kumimoji="1" lang="ko-KR" altLang="en-US" sz="2400" dirty="0" smtClean="0">
+                <a:latin typeface="배달의민족 주아" pitchFamily="18" charset="-127"/>
+                <a:ea typeface="배달의민족 주아" pitchFamily="18" charset="-127"/>
+              </a:rPr>
+              <a:t>분석 설계 </a:t>
+            </a:r>
+            <a:r>
+              <a:rPr kumimoji="1" lang="en-US" altLang="ko-KR" sz="2400" dirty="0" smtClean="0">
+                <a:latin typeface="배달의민족 주아" pitchFamily="18" charset="-127"/>
+                <a:ea typeface="배달의민족 주아" pitchFamily="18" charset="-127"/>
+              </a:rPr>
+              <a:t>- </a:t>
+            </a:r>
+            <a:r>
+              <a:rPr kumimoji="1" lang="ko-KR" altLang="en-US" sz="2400" dirty="0" smtClean="0">
+                <a:latin typeface="배달의민족 주아" pitchFamily="18" charset="-127"/>
+                <a:ea typeface="배달의민족 주아" pitchFamily="18" charset="-127"/>
+              </a:rPr>
+              <a:t>기능 요구 모델링</a:t>
+            </a:r>
+          </a:p>
+          <a:p>
+            <a:endParaRPr kumimoji="1" lang="ko-KR" altLang="en-US" sz="2400" dirty="0">
+              <a:latin typeface="배달의민족 주아" pitchFamily="18" charset="-127"/>
+              <a:ea typeface="배달의민족 주아" pitchFamily="18" charset="-127"/>
+            </a:endParaRPr>
+          </a:p>
+        </p:txBody>
+      </p:sp>
+      <p:sp>
+        <p:nvSpPr>
+          <p:cNvPr id="6" name="TextBox 5"/>
+          <p:cNvSpPr txBox="1"/>
+          <p:nvPr/>
+        </p:nvSpPr>
+        <p:spPr>
+          <a:xfrm>
+            <a:off x="489857" y="810815"/>
+            <a:ext cx="1746568" cy="369332"/>
+          </a:xfrm>
+          <a:prstGeom prst="rect">
+            <a:avLst/>
+          </a:prstGeom>
+          <a:noFill/>
+        </p:spPr>
+        <p:txBody>
+          <a:bodyPr wrap="none" rtlCol="0">
+            <a:spAutoFit/>
+          </a:bodyPr>
+          <a:lstStyle/>
+          <a:p>
+            <a:r>
+              <a:rPr lang="en-US" altLang="ko-KR" dirty="0" smtClean="0">
                 <a:solidFill>
                   <a:schemeClr val="bg1"/>
                 </a:solidFill>
                 <a:latin typeface="배달의민족 주아" pitchFamily="18" charset="-127"/>
                 <a:ea typeface="배달의민족 주아" pitchFamily="18" charset="-127"/>
               </a:rPr>
-              <a:t>Thank you so much</a:t>
-            </a:r>
-            <a:endParaRPr lang="ko-KR" altLang="en-US" sz="4400">
+              <a:t>- </a:t>
+            </a:r>
+            <a:r>
+              <a:rPr lang="ko-KR" altLang="en-US" dirty="0" smtClean="0">
+                <a:solidFill>
+                  <a:schemeClr val="bg1"/>
+                </a:solidFill>
+                <a:latin typeface="배달의민족 주아" pitchFamily="18" charset="-127"/>
+                <a:ea typeface="배달의민족 주아" pitchFamily="18" charset="-127"/>
+              </a:rPr>
+              <a:t> </a:t>
+            </a:r>
+            <a:r>
+              <a:rPr lang="en-US" altLang="ko-KR" dirty="0" smtClean="0">
+                <a:solidFill>
+                  <a:schemeClr val="bg1"/>
+                </a:solidFill>
+                <a:latin typeface="배달의민족 주아" pitchFamily="18" charset="-127"/>
+                <a:ea typeface="배달의민족 주아" pitchFamily="18" charset="-127"/>
+              </a:rPr>
+              <a:t>c</a:t>
+            </a:r>
+            <a:r>
+              <a:rPr lang="en-US" altLang="ko-KR" dirty="0" smtClean="0">
+                <a:solidFill>
+                  <a:schemeClr val="bg1"/>
+                </a:solidFill>
+                <a:latin typeface="배달의민족 주아" pitchFamily="18" charset="-127"/>
+                <a:ea typeface="배달의민족 주아" pitchFamily="18" charset="-127"/>
+              </a:rPr>
+              <a:t>lass diagram</a:t>
+            </a:r>
+          </a:p>
+        </p:txBody>
+      </p:sp>
+    </p:spTree>
+    <p:extLst>
+      <p:ext uri="{BB962C8B-B14F-4D97-AF65-F5344CB8AC3E}">
+        <p14:creationId xmlns:p14="http://schemas.microsoft.com/office/powerpoint/2010/main" xmlns="" val="2090930175"/>
+      </p:ext>
+    </p:extLst>
+  </p:cSld>
+  <p:clrMapOvr>
+    <a:masterClrMapping/>
+  </p:clrMapOvr>
+</p:sld>
+</file>
+
+<file path=ppt/slides/slide14.xml><?xml version="1.0" encoding="utf-8"?>
+<p:sld xmlns:a="http://schemas.openxmlformats.org/drawingml/2006/main" xmlns:r="http://schemas.openxmlformats.org/officeDocument/2006/relationships" xmlns:p="http://schemas.openxmlformats.org/presentationml/2006/main">
+  <p:cSld>
+    <p:spTree>
+      <p:nvGrpSpPr>
+        <p:cNvPr id="1" name=""/>
+        <p:cNvGrpSpPr/>
+        <p:nvPr/>
+      </p:nvGrpSpPr>
+      <p:grpSpPr>
+        <a:xfrm>
+          <a:off x="0" y="0"/>
+          <a:ext cx="0" cy="0"/>
+          <a:chOff x="0" y="0"/>
+          <a:chExt cx="0" cy="0"/>
+        </a:xfrm>
+      </p:grpSpPr>
+      <p:sp>
+        <p:nvSpPr>
+          <p:cNvPr id="34" name="직사각형 33">
+            <a:extLst>
+              <a:ext uri="{FF2B5EF4-FFF2-40B4-BE49-F238E27FC236}">
+                <a16:creationId xmlns:a16="http://schemas.microsoft.com/office/drawing/2014/main" xmlns="" id="{37CB002D-8420-B548-9BEA-2E18D8A9A204}"/>
+              </a:ext>
+            </a:extLst>
+          </p:cNvPr>
+          <p:cNvSpPr/>
+          <p:nvPr/>
+        </p:nvSpPr>
+        <p:spPr>
+          <a:xfrm>
+            <a:off x="0" y="1180147"/>
+            <a:ext cx="12192000" cy="5419364"/>
+          </a:xfrm>
+          <a:prstGeom prst="rect">
+            <a:avLst/>
+          </a:prstGeom>
+          <a:solidFill>
+            <a:schemeClr val="bg1">
+              <a:lumMod val="95000"/>
+            </a:schemeClr>
+          </a:solidFill>
+          <a:ln>
+            <a:noFill/>
+          </a:ln>
+        </p:spPr>
+        <p:style>
+          <a:lnRef idx="2">
+            <a:schemeClr val="accent1">
+              <a:shade val="50000"/>
+            </a:schemeClr>
+          </a:lnRef>
+          <a:fillRef idx="1">
+            <a:schemeClr val="accent1"/>
+          </a:fillRef>
+          <a:effectRef idx="0">
+            <a:schemeClr val="accent1"/>
+          </a:effectRef>
+          <a:fontRef idx="minor">
+            <a:schemeClr val="lt1"/>
+          </a:fontRef>
+        </p:style>
+        <p:txBody>
+          <a:bodyPr anchor="ctr"/>
+          <a:lstStyle/>
+          <a:p>
+            <a:pPr algn="ctr"/>
+            <a:endParaRPr lang="ko-KR" altLang="en-US" sz="1600" dirty="0"/>
+          </a:p>
+        </p:txBody>
+      </p:sp>
+      <p:sp>
+        <p:nvSpPr>
+          <p:cNvPr id="8" name="직사각형 7">
+            <a:extLst>
+              <a:ext uri="{FF2B5EF4-FFF2-40B4-BE49-F238E27FC236}">
+                <a16:creationId xmlns:a16="http://schemas.microsoft.com/office/drawing/2014/main" xmlns="" id="{6B8B80B4-792D-174E-8B2C-A10CA85CDD01}"/>
+              </a:ext>
+            </a:extLst>
+          </p:cNvPr>
+          <p:cNvSpPr/>
+          <p:nvPr/>
+        </p:nvSpPr>
+        <p:spPr>
+          <a:xfrm>
+            <a:off x="0" y="199491"/>
+            <a:ext cx="4768342" cy="490328"/>
+          </a:xfrm>
+          <a:prstGeom prst="rect">
+            <a:avLst/>
+          </a:prstGeom>
+          <a:solidFill>
+            <a:schemeClr val="accent5">
+              <a:lumMod val="40000"/>
+              <a:lumOff val="60000"/>
+            </a:schemeClr>
+          </a:solidFill>
+          <a:ln>
+            <a:solidFill>
+              <a:schemeClr val="accent5">
+                <a:lumMod val="40000"/>
+                <a:lumOff val="60000"/>
+              </a:schemeClr>
+            </a:solidFill>
+          </a:ln>
+        </p:spPr>
+        <p:style>
+          <a:lnRef idx="2">
+            <a:schemeClr val="accent1">
+              <a:shade val="50000"/>
+            </a:schemeClr>
+          </a:lnRef>
+          <a:fillRef idx="1">
+            <a:schemeClr val="accent1"/>
+          </a:fillRef>
+          <a:effectRef idx="0">
+            <a:schemeClr val="accent1"/>
+          </a:effectRef>
+          <a:fontRef idx="minor">
+            <a:schemeClr val="lt1"/>
+          </a:fontRef>
+        </p:style>
+        <p:txBody>
+          <a:bodyPr rtlCol="0" anchor="ctr"/>
+          <a:lstStyle/>
+          <a:p>
+            <a:pPr algn="ctr"/>
+            <a:endParaRPr kumimoji="1" lang="ko-KR" altLang="en-US"/>
+          </a:p>
+        </p:txBody>
+      </p:sp>
+      <p:sp>
+        <p:nvSpPr>
+          <p:cNvPr id="9" name="직각 삼각형[R] 8">
+            <a:extLst>
+              <a:ext uri="{FF2B5EF4-FFF2-40B4-BE49-F238E27FC236}">
+                <a16:creationId xmlns:a16="http://schemas.microsoft.com/office/drawing/2014/main" xmlns="" id="{E9289217-6E56-7D4B-B6FB-329F373CAF3E}"/>
+              </a:ext>
+            </a:extLst>
+          </p:cNvPr>
+          <p:cNvSpPr/>
+          <p:nvPr/>
+        </p:nvSpPr>
+        <p:spPr>
+          <a:xfrm flipH="1">
+            <a:off x="4351984" y="276690"/>
+            <a:ext cx="475099" cy="490328"/>
+          </a:xfrm>
+          <a:prstGeom prst="rtTriangle">
+            <a:avLst/>
+          </a:prstGeom>
+          <a:solidFill>
+            <a:schemeClr val="accent5">
+              <a:lumMod val="75000"/>
+            </a:schemeClr>
+          </a:solidFill>
+          <a:ln>
+            <a:noFill/>
+          </a:ln>
+        </p:spPr>
+        <p:style>
+          <a:lnRef idx="2">
+            <a:schemeClr val="accent1">
+              <a:shade val="50000"/>
+            </a:schemeClr>
+          </a:lnRef>
+          <a:fillRef idx="1">
+            <a:schemeClr val="accent1"/>
+          </a:fillRef>
+          <a:effectRef idx="0">
+            <a:schemeClr val="accent1"/>
+          </a:effectRef>
+          <a:fontRef idx="minor">
+            <a:schemeClr val="lt1"/>
+          </a:fontRef>
+        </p:style>
+        <p:txBody>
+          <a:bodyPr rtlCol="0" anchor="ctr"/>
+          <a:lstStyle/>
+          <a:p>
+            <a:pPr algn="ctr"/>
+            <a:endParaRPr kumimoji="1" lang="ko-KR" altLang="en-US"/>
+          </a:p>
+        </p:txBody>
+      </p:sp>
+      <p:sp>
+        <p:nvSpPr>
+          <p:cNvPr id="20" name="TextBox 19">
+            <a:extLst>
+              <a:ext uri="{FF2B5EF4-FFF2-40B4-BE49-F238E27FC236}">
+                <a16:creationId xmlns:a16="http://schemas.microsoft.com/office/drawing/2014/main" xmlns="" id="{849EE5DD-2363-0B42-B4FD-2464134E7BE2}"/>
+              </a:ext>
+            </a:extLst>
+          </p:cNvPr>
+          <p:cNvSpPr txBox="1"/>
+          <p:nvPr/>
+        </p:nvSpPr>
+        <p:spPr>
+          <a:xfrm>
+            <a:off x="212837" y="199491"/>
+            <a:ext cx="3914854" cy="461665"/>
+          </a:xfrm>
+          <a:prstGeom prst="rect">
+            <a:avLst/>
+          </a:prstGeom>
+          <a:noFill/>
+        </p:spPr>
+        <p:txBody>
+          <a:bodyPr wrap="none" rtlCol="0">
+            <a:spAutoFit/>
+          </a:bodyPr>
+          <a:lstStyle/>
+          <a:p>
+            <a:r>
+              <a:rPr kumimoji="1" lang="en-US" altLang="ko-KR" sz="2400" dirty="0">
+                <a:latin typeface="배달의민족 주아" pitchFamily="18" charset="-127"/>
+                <a:ea typeface="배달의민족 주아" pitchFamily="18" charset="-127"/>
+              </a:rPr>
+              <a:t>02. </a:t>
+            </a:r>
+            <a:r>
+              <a:rPr kumimoji="1" lang="ko-KR" altLang="en-US" sz="2400" dirty="0">
+                <a:latin typeface="배달의민족 주아" pitchFamily="18" charset="-127"/>
+                <a:ea typeface="배달의민족 주아" pitchFamily="18" charset="-127"/>
+              </a:rPr>
+              <a:t>분석 </a:t>
+            </a:r>
+            <a:r>
+              <a:rPr kumimoji="1" lang="ko-KR" altLang="en-US" sz="2400" dirty="0" smtClean="0">
+                <a:latin typeface="배달의민족 주아" pitchFamily="18" charset="-127"/>
+                <a:ea typeface="배달의민족 주아" pitchFamily="18" charset="-127"/>
+              </a:rPr>
+              <a:t>설계 </a:t>
+            </a:r>
+            <a:r>
+              <a:rPr kumimoji="1" lang="en-US" altLang="ko-KR" sz="2400" dirty="0" smtClean="0">
+                <a:latin typeface="배달의민족 주아" pitchFamily="18" charset="-127"/>
+                <a:ea typeface="배달의민족 주아" pitchFamily="18" charset="-127"/>
+              </a:rPr>
+              <a:t>- </a:t>
+            </a:r>
+            <a:r>
+              <a:rPr kumimoji="1" lang="ko-KR" altLang="en-US" sz="2400" dirty="0" smtClean="0">
+                <a:latin typeface="배달의민족 주아" pitchFamily="18" charset="-127"/>
+                <a:ea typeface="배달의민족 주아" pitchFamily="18" charset="-127"/>
+              </a:rPr>
+              <a:t>기능 요구 모델링</a:t>
+            </a:r>
+            <a:endParaRPr kumimoji="1" lang="ko-KR" altLang="en-US" sz="2400" dirty="0">
+              <a:latin typeface="배달의민족 주아" pitchFamily="18" charset="-127"/>
+              <a:ea typeface="배달의민족 주아" pitchFamily="18" charset="-127"/>
+            </a:endParaRPr>
+          </a:p>
+        </p:txBody>
+      </p:sp>
+      <p:sp>
+        <p:nvSpPr>
+          <p:cNvPr id="6" name="TextBox 5"/>
+          <p:cNvSpPr txBox="1"/>
+          <p:nvPr/>
+        </p:nvSpPr>
+        <p:spPr>
+          <a:xfrm>
+            <a:off x="489857" y="810815"/>
+            <a:ext cx="1170513" cy="369332"/>
+          </a:xfrm>
+          <a:prstGeom prst="rect">
+            <a:avLst/>
+          </a:prstGeom>
+          <a:noFill/>
+        </p:spPr>
+        <p:txBody>
+          <a:bodyPr wrap="none" rtlCol="0">
+            <a:spAutoFit/>
+          </a:bodyPr>
+          <a:lstStyle/>
+          <a:p>
+            <a:r>
+              <a:rPr lang="en-US" altLang="ko-KR" dirty="0" smtClean="0">
+                <a:solidFill>
+                  <a:schemeClr val="bg1"/>
+                </a:solidFill>
+                <a:latin typeface="배달의민족 주아" pitchFamily="18" charset="-127"/>
+                <a:ea typeface="배달의민족 주아" pitchFamily="18" charset="-127"/>
+              </a:rPr>
+              <a:t>- ERD </a:t>
+            </a:r>
+            <a:r>
+              <a:rPr lang="ko-KR" altLang="en-US" dirty="0" smtClean="0">
+                <a:solidFill>
+                  <a:schemeClr val="bg1"/>
+                </a:solidFill>
+                <a:latin typeface="배달의민족 주아" pitchFamily="18" charset="-127"/>
+                <a:ea typeface="배달의민족 주아" pitchFamily="18" charset="-127"/>
+              </a:rPr>
+              <a:t>논</a:t>
+            </a:r>
+            <a:r>
+              <a:rPr lang="ko-KR" altLang="en-US" dirty="0" smtClean="0">
+                <a:solidFill>
+                  <a:schemeClr val="bg1"/>
+                </a:solidFill>
+                <a:latin typeface="배달의민족 주아" pitchFamily="18" charset="-127"/>
+                <a:ea typeface="배달의민족 주아" pitchFamily="18" charset="-127"/>
+              </a:rPr>
+              <a:t>리</a:t>
+            </a:r>
+            <a:endParaRPr lang="en-US" altLang="ko-KR" dirty="0" smtClean="0">
               <a:solidFill>
                 <a:schemeClr val="bg1"/>
               </a:solidFill>
@@ -4820,16 +5831,220 @@
           </a:p>
         </p:txBody>
       </p:sp>
-      <p:sp>
-        <p:nvSpPr>
-          <p:cNvPr id="14" name="TextBox 13"/>
+    </p:spTree>
+    <p:extLst>
+      <p:ext uri="{BB962C8B-B14F-4D97-AF65-F5344CB8AC3E}">
+        <p14:creationId xmlns:p14="http://schemas.microsoft.com/office/powerpoint/2010/main" xmlns="" val="2090930175"/>
+      </p:ext>
+    </p:extLst>
+  </p:cSld>
+  <p:clrMapOvr>
+    <a:masterClrMapping/>
+  </p:clrMapOvr>
+</p:sld>
+</file>
+
+<file path=ppt/slides/slide15.xml><?xml version="1.0" encoding="utf-8"?>
+<p:sld xmlns:a="http://schemas.openxmlformats.org/drawingml/2006/main" xmlns:r="http://schemas.openxmlformats.org/officeDocument/2006/relationships" xmlns:p="http://schemas.openxmlformats.org/presentationml/2006/main">
+  <p:cSld>
+    <p:spTree>
+      <p:nvGrpSpPr>
+        <p:cNvPr id="1" name=""/>
+        <p:cNvGrpSpPr/>
+        <p:nvPr/>
+      </p:nvGrpSpPr>
+      <p:grpSpPr>
+        <a:xfrm>
+          <a:off x="0" y="0"/>
+          <a:ext cx="0" cy="0"/>
+          <a:chOff x="0" y="0"/>
+          <a:chExt cx="0" cy="0"/>
+        </a:xfrm>
+      </p:grpSpPr>
+      <p:sp>
+        <p:nvSpPr>
+          <p:cNvPr id="34" name="직사각형 33">
+            <a:extLst>
+              <a:ext uri="{FF2B5EF4-FFF2-40B4-BE49-F238E27FC236}">
+                <a16:creationId xmlns:a16="http://schemas.microsoft.com/office/drawing/2014/main" xmlns="" id="{37CB002D-8420-B548-9BEA-2E18D8A9A204}"/>
+              </a:ext>
+            </a:extLst>
+          </p:cNvPr>
+          <p:cNvSpPr/>
+          <p:nvPr/>
+        </p:nvSpPr>
+        <p:spPr>
+          <a:xfrm>
+            <a:off x="0" y="1180147"/>
+            <a:ext cx="12192000" cy="5419364"/>
+          </a:xfrm>
+          <a:prstGeom prst="rect">
+            <a:avLst/>
+          </a:prstGeom>
+          <a:solidFill>
+            <a:schemeClr val="bg1">
+              <a:lumMod val="95000"/>
+            </a:schemeClr>
+          </a:solidFill>
+          <a:ln>
+            <a:noFill/>
+          </a:ln>
+        </p:spPr>
+        <p:style>
+          <a:lnRef idx="2">
+            <a:schemeClr val="accent1">
+              <a:shade val="50000"/>
+            </a:schemeClr>
+          </a:lnRef>
+          <a:fillRef idx="1">
+            <a:schemeClr val="accent1"/>
+          </a:fillRef>
+          <a:effectRef idx="0">
+            <a:schemeClr val="accent1"/>
+          </a:effectRef>
+          <a:fontRef idx="minor">
+            <a:schemeClr val="lt1"/>
+          </a:fontRef>
+        </p:style>
+        <p:txBody>
+          <a:bodyPr anchor="ctr"/>
+          <a:lstStyle/>
+          <a:p>
+            <a:pPr algn="ctr"/>
+            <a:endParaRPr lang="ko-KR" altLang="en-US" sz="1600" dirty="0"/>
+          </a:p>
+        </p:txBody>
+      </p:sp>
+      <p:sp>
+        <p:nvSpPr>
+          <p:cNvPr id="8" name="직사각형 7">
+            <a:extLst>
+              <a:ext uri="{FF2B5EF4-FFF2-40B4-BE49-F238E27FC236}">
+                <a16:creationId xmlns:a16="http://schemas.microsoft.com/office/drawing/2014/main" xmlns="" id="{6B8B80B4-792D-174E-8B2C-A10CA85CDD01}"/>
+              </a:ext>
+            </a:extLst>
+          </p:cNvPr>
+          <p:cNvSpPr/>
+          <p:nvPr/>
+        </p:nvSpPr>
+        <p:spPr>
+          <a:xfrm>
+            <a:off x="0" y="199491"/>
+            <a:ext cx="4768342" cy="490328"/>
+          </a:xfrm>
+          <a:prstGeom prst="rect">
+            <a:avLst/>
+          </a:prstGeom>
+          <a:solidFill>
+            <a:schemeClr val="accent5">
+              <a:lumMod val="40000"/>
+              <a:lumOff val="60000"/>
+            </a:schemeClr>
+          </a:solidFill>
+          <a:ln>
+            <a:solidFill>
+              <a:schemeClr val="accent5">
+                <a:lumMod val="40000"/>
+                <a:lumOff val="60000"/>
+              </a:schemeClr>
+            </a:solidFill>
+          </a:ln>
+        </p:spPr>
+        <p:style>
+          <a:lnRef idx="2">
+            <a:schemeClr val="accent1">
+              <a:shade val="50000"/>
+            </a:schemeClr>
+          </a:lnRef>
+          <a:fillRef idx="1">
+            <a:schemeClr val="accent1"/>
+          </a:fillRef>
+          <a:effectRef idx="0">
+            <a:schemeClr val="accent1"/>
+          </a:effectRef>
+          <a:fontRef idx="minor">
+            <a:schemeClr val="lt1"/>
+          </a:fontRef>
+        </p:style>
+        <p:txBody>
+          <a:bodyPr rtlCol="0" anchor="ctr"/>
+          <a:lstStyle/>
+          <a:p>
+            <a:pPr algn="ctr"/>
+            <a:endParaRPr kumimoji="1" lang="ko-KR" altLang="en-US"/>
+          </a:p>
+        </p:txBody>
+      </p:sp>
+      <p:sp>
+        <p:nvSpPr>
+          <p:cNvPr id="9" name="직각 삼각형[R] 8">
+            <a:extLst>
+              <a:ext uri="{FF2B5EF4-FFF2-40B4-BE49-F238E27FC236}">
+                <a16:creationId xmlns:a16="http://schemas.microsoft.com/office/drawing/2014/main" xmlns="" id="{E9289217-6E56-7D4B-B6FB-329F373CAF3E}"/>
+              </a:ext>
+            </a:extLst>
+          </p:cNvPr>
+          <p:cNvSpPr/>
+          <p:nvPr/>
+        </p:nvSpPr>
+        <p:spPr>
+          <a:xfrm flipH="1">
+            <a:off x="4351984" y="276690"/>
+            <a:ext cx="475099" cy="490328"/>
+          </a:xfrm>
+          <a:prstGeom prst="rtTriangle">
+            <a:avLst/>
+          </a:prstGeom>
+          <a:solidFill>
+            <a:schemeClr val="accent5">
+              <a:lumMod val="75000"/>
+            </a:schemeClr>
+          </a:solidFill>
+          <a:ln>
+            <a:noFill/>
+          </a:ln>
+        </p:spPr>
+        <p:style>
+          <a:lnRef idx="2">
+            <a:schemeClr val="accent1">
+              <a:shade val="50000"/>
+            </a:schemeClr>
+          </a:lnRef>
+          <a:fillRef idx="1">
+            <a:schemeClr val="accent1"/>
+          </a:fillRef>
+          <a:effectRef idx="0">
+            <a:schemeClr val="accent1"/>
+          </a:effectRef>
+          <a:fontRef idx="minor">
+            <a:schemeClr val="lt1"/>
+          </a:fontRef>
+        </p:style>
+        <p:txBody>
+          <a:bodyPr rtlCol="0" anchor="ctr"/>
+          <a:lstStyle/>
+          <a:p>
+            <a:pPr algn="ctr"/>
+            <a:endParaRPr kumimoji="1" lang="ko-KR" altLang="en-US"/>
+          </a:p>
+        </p:txBody>
+      </p:sp>
+      <p:sp>
+        <p:nvSpPr>
+          <p:cNvPr id="20" name="TextBox 19">
+            <a:extLst>
+              <a:ext uri="{FF2B5EF4-FFF2-40B4-BE49-F238E27FC236}">
+                <a16:creationId xmlns:a16="http://schemas.microsoft.com/office/drawing/2014/main" xmlns="" id="{849EE5DD-2363-0B42-B4FD-2464134E7BE2}"/>
+              </a:ext>
+            </a:extLst>
+          </p:cNvPr>
           <p:cNvSpPr txBox="1"/>
           <p:nvPr/>
         </p:nvSpPr>
         <p:spPr>
           <a:xfrm>
-            <a:off x="6492821" y="6052459"/>
-            <a:ext cx="5508303" cy="338554"/>
+            <a:off x="212837" y="199491"/>
+            <a:ext cx="3900427" cy="461665"/>
           </a:xfrm>
           <a:prstGeom prst="rect">
             <a:avLst/>
@@ -4837,59 +6052,1409 @@
           <a:noFill/>
         </p:spPr>
         <p:txBody>
-          <a:bodyPr wrap="square" rtlCol="0">
+          <a:bodyPr wrap="none" rtlCol="0">
             <a:spAutoFit/>
           </a:bodyPr>
           <a:lstStyle/>
           <a:p>
-            <a:pPr algn="r"/>
-            <a:r>
-              <a:rPr lang="en-US" altLang="ko-KR" sz="1600">
+            <a:r>
+              <a:rPr kumimoji="1" lang="en-US" altLang="ko-KR" sz="2400" dirty="0">
+                <a:latin typeface="배달의민족 주아" pitchFamily="18" charset="-127"/>
+                <a:ea typeface="배달의민족 주아" pitchFamily="18" charset="-127"/>
+              </a:rPr>
+              <a:t>02. </a:t>
+            </a:r>
+            <a:r>
+              <a:rPr kumimoji="1" lang="ko-KR" altLang="en-US" sz="2400" dirty="0">
+                <a:latin typeface="배달의민족 주아" pitchFamily="18" charset="-127"/>
+                <a:ea typeface="배달의민족 주아" pitchFamily="18" charset="-127"/>
+              </a:rPr>
+              <a:t>분석 </a:t>
+            </a:r>
+            <a:r>
+              <a:rPr kumimoji="1" lang="ko-KR" altLang="en-US" sz="2400" dirty="0" smtClean="0">
+                <a:latin typeface="배달의민족 주아" pitchFamily="18" charset="-127"/>
+                <a:ea typeface="배달의민족 주아" pitchFamily="18" charset="-127"/>
+              </a:rPr>
+              <a:t>설계 </a:t>
+            </a:r>
+            <a:r>
+              <a:rPr kumimoji="1" lang="en-US" altLang="ko-KR" sz="2400" dirty="0" smtClean="0">
+                <a:latin typeface="배달의민족 주아" pitchFamily="18" charset="-127"/>
+                <a:ea typeface="배달의민족 주아" pitchFamily="18" charset="-127"/>
+              </a:rPr>
+              <a:t>-</a:t>
+            </a:r>
+            <a:r>
+              <a:rPr kumimoji="1" lang="en-US" altLang="ko-KR" sz="2400" dirty="0" smtClean="0">
+                <a:latin typeface="배달의민족 주아" pitchFamily="18" charset="-127"/>
+                <a:ea typeface="배달의민족 주아" pitchFamily="18" charset="-127"/>
+              </a:rPr>
+              <a:t> </a:t>
+            </a:r>
+            <a:r>
+              <a:rPr kumimoji="1" lang="ko-KR" altLang="en-US" sz="2400" dirty="0" smtClean="0">
+                <a:latin typeface="배달의민족 주아" pitchFamily="18" charset="-127"/>
+                <a:ea typeface="배달의민족 주아" pitchFamily="18" charset="-127"/>
+              </a:rPr>
+              <a:t>분석 설계 모델링</a:t>
+            </a:r>
+            <a:endParaRPr kumimoji="1" lang="ko-KR" altLang="en-US" sz="2400" dirty="0">
+              <a:latin typeface="배달의민족 주아" pitchFamily="18" charset="-127"/>
+              <a:ea typeface="배달의민족 주아" pitchFamily="18" charset="-127"/>
+            </a:endParaRPr>
+          </a:p>
+        </p:txBody>
+      </p:sp>
+      <p:sp>
+        <p:nvSpPr>
+          <p:cNvPr id="6" name="TextBox 5"/>
+          <p:cNvSpPr txBox="1"/>
+          <p:nvPr/>
+        </p:nvSpPr>
+        <p:spPr>
+          <a:xfrm>
+            <a:off x="489857" y="810815"/>
+            <a:ext cx="1181734" cy="369332"/>
+          </a:xfrm>
+          <a:prstGeom prst="rect">
+            <a:avLst/>
+          </a:prstGeom>
+          <a:noFill/>
+        </p:spPr>
+        <p:txBody>
+          <a:bodyPr wrap="none" rtlCol="0">
+            <a:spAutoFit/>
+          </a:bodyPr>
+          <a:lstStyle/>
+          <a:p>
+            <a:pPr>
+              <a:buFontTx/>
+              <a:buChar char="-"/>
+            </a:pPr>
+            <a:r>
+              <a:rPr lang="en-US" altLang="ko-KR" dirty="0" smtClean="0">
                 <a:solidFill>
                   <a:schemeClr val="bg1"/>
                 </a:solidFill>
                 <a:latin typeface="배달의민족 주아" pitchFamily="18" charset="-127"/>
                 <a:ea typeface="배달의민족 주아" pitchFamily="18" charset="-127"/>
               </a:rPr>
-              <a:t>Our PPT is quite exceptional , Actually We are exceptional.</a:t>
-            </a:r>
-          </a:p>
-        </p:txBody>
-      </p:sp>
-      <p:pic>
-        <p:nvPicPr>
-          <p:cNvPr id="7" name="그림 6">
-            <a:extLst>
-              <a:ext uri="{FF2B5EF4-FFF2-40B4-BE49-F238E27FC236}">
-                <a16:creationId xmlns:a16="http://schemas.microsoft.com/office/drawing/2014/main" id="{95C89E7D-FCD8-254C-B718-BA729EAAFC40}"/>
-              </a:ext>
-            </a:extLst>
-          </p:cNvPr>
-          <p:cNvPicPr>
-            <a:picLocks noChangeAspect="1"/>
-          </p:cNvPicPr>
-          <p:nvPr/>
-        </p:nvPicPr>
-        <p:blipFill>
-          <a:blip r:embed="rId2"/>
-          <a:stretch>
-            <a:fillRect/>
-          </a:stretch>
-        </p:blipFill>
-        <p:spPr>
-          <a:xfrm>
-            <a:off x="6416619" y="6041573"/>
-            <a:ext cx="386945" cy="386945"/>
-          </a:xfrm>
-          <a:prstGeom prst="rect">
-            <a:avLst/>
-          </a:prstGeom>
-        </p:spPr>
-      </p:pic>
+              <a:t> ERD </a:t>
+            </a:r>
+            <a:r>
+              <a:rPr lang="ko-KR" altLang="en-US" dirty="0" smtClean="0">
+                <a:solidFill>
+                  <a:schemeClr val="bg1"/>
+                </a:solidFill>
+                <a:latin typeface="배달의민족 주아" pitchFamily="18" charset="-127"/>
+                <a:ea typeface="배달의민족 주아" pitchFamily="18" charset="-127"/>
+              </a:rPr>
+              <a:t>물리</a:t>
+            </a:r>
+            <a:endParaRPr lang="en-US" altLang="ko-KR" dirty="0" smtClean="0">
+              <a:solidFill>
+                <a:schemeClr val="bg1"/>
+              </a:solidFill>
+              <a:latin typeface="배달의민족 주아" pitchFamily="18" charset="-127"/>
+              <a:ea typeface="배달의민족 주아" pitchFamily="18" charset="-127"/>
+            </a:endParaRPr>
+          </a:p>
+        </p:txBody>
+      </p:sp>
     </p:spTree>
     <p:extLst>
       <p:ext uri="{BB962C8B-B14F-4D97-AF65-F5344CB8AC3E}">
-        <p14:creationId xmlns:p14="http://schemas.microsoft.com/office/powerpoint/2010/main" val="3212234621"/>
+        <p14:creationId xmlns:p14="http://schemas.microsoft.com/office/powerpoint/2010/main" xmlns="" val="2090930175"/>
+      </p:ext>
+    </p:extLst>
+  </p:cSld>
+  <p:clrMapOvr>
+    <a:masterClrMapping/>
+  </p:clrMapOvr>
+</p:sld>
+</file>
+
+<file path=ppt/slides/slide16.xml><?xml version="1.0" encoding="utf-8"?>
+<p:sld xmlns:a="http://schemas.openxmlformats.org/drawingml/2006/main" xmlns:r="http://schemas.openxmlformats.org/officeDocument/2006/relationships" xmlns:p="http://schemas.openxmlformats.org/presentationml/2006/main">
+  <p:cSld>
+    <p:spTree>
+      <p:nvGrpSpPr>
+        <p:cNvPr id="1" name=""/>
+        <p:cNvGrpSpPr/>
+        <p:nvPr/>
+      </p:nvGrpSpPr>
+      <p:grpSpPr>
+        <a:xfrm>
+          <a:off x="0" y="0"/>
+          <a:ext cx="0" cy="0"/>
+          <a:chOff x="0" y="0"/>
+          <a:chExt cx="0" cy="0"/>
+        </a:xfrm>
+      </p:grpSpPr>
+      <p:sp>
+        <p:nvSpPr>
+          <p:cNvPr id="34" name="직사각형 33">
+            <a:extLst>
+              <a:ext uri="{FF2B5EF4-FFF2-40B4-BE49-F238E27FC236}">
+                <a16:creationId xmlns:a16="http://schemas.microsoft.com/office/drawing/2014/main" xmlns="" id="{37CB002D-8420-B548-9BEA-2E18D8A9A204}"/>
+              </a:ext>
+            </a:extLst>
+          </p:cNvPr>
+          <p:cNvSpPr/>
+          <p:nvPr/>
+        </p:nvSpPr>
+        <p:spPr>
+          <a:xfrm>
+            <a:off x="0" y="1180147"/>
+            <a:ext cx="12192000" cy="5419364"/>
+          </a:xfrm>
+          <a:prstGeom prst="rect">
+            <a:avLst/>
+          </a:prstGeom>
+          <a:solidFill>
+            <a:schemeClr val="bg1">
+              <a:lumMod val="95000"/>
+            </a:schemeClr>
+          </a:solidFill>
+          <a:ln>
+            <a:noFill/>
+          </a:ln>
+        </p:spPr>
+        <p:style>
+          <a:lnRef idx="2">
+            <a:schemeClr val="accent1">
+              <a:shade val="50000"/>
+            </a:schemeClr>
+          </a:lnRef>
+          <a:fillRef idx="1">
+            <a:schemeClr val="accent1"/>
+          </a:fillRef>
+          <a:effectRef idx="0">
+            <a:schemeClr val="accent1"/>
+          </a:effectRef>
+          <a:fontRef idx="minor">
+            <a:schemeClr val="lt1"/>
+          </a:fontRef>
+        </p:style>
+        <p:txBody>
+          <a:bodyPr anchor="ctr"/>
+          <a:lstStyle/>
+          <a:p>
+            <a:pPr algn="ctr"/>
+            <a:endParaRPr lang="ko-KR" altLang="en-US" sz="1600" dirty="0"/>
+          </a:p>
+        </p:txBody>
+      </p:sp>
+      <p:sp>
+        <p:nvSpPr>
+          <p:cNvPr id="8" name="직사각형 7">
+            <a:extLst>
+              <a:ext uri="{FF2B5EF4-FFF2-40B4-BE49-F238E27FC236}">
+                <a16:creationId xmlns:a16="http://schemas.microsoft.com/office/drawing/2014/main" xmlns="" id="{6B8B80B4-792D-174E-8B2C-A10CA85CDD01}"/>
+              </a:ext>
+            </a:extLst>
+          </p:cNvPr>
+          <p:cNvSpPr/>
+          <p:nvPr/>
+        </p:nvSpPr>
+        <p:spPr>
+          <a:xfrm>
+            <a:off x="0" y="199491"/>
+            <a:ext cx="4768342" cy="490328"/>
+          </a:xfrm>
+          <a:prstGeom prst="rect">
+            <a:avLst/>
+          </a:prstGeom>
+          <a:solidFill>
+            <a:schemeClr val="accent5">
+              <a:lumMod val="40000"/>
+              <a:lumOff val="60000"/>
+            </a:schemeClr>
+          </a:solidFill>
+          <a:ln>
+            <a:solidFill>
+              <a:schemeClr val="accent5">
+                <a:lumMod val="40000"/>
+                <a:lumOff val="60000"/>
+              </a:schemeClr>
+            </a:solidFill>
+          </a:ln>
+        </p:spPr>
+        <p:style>
+          <a:lnRef idx="2">
+            <a:schemeClr val="accent1">
+              <a:shade val="50000"/>
+            </a:schemeClr>
+          </a:lnRef>
+          <a:fillRef idx="1">
+            <a:schemeClr val="accent1"/>
+          </a:fillRef>
+          <a:effectRef idx="0">
+            <a:schemeClr val="accent1"/>
+          </a:effectRef>
+          <a:fontRef idx="minor">
+            <a:schemeClr val="lt1"/>
+          </a:fontRef>
+        </p:style>
+        <p:txBody>
+          <a:bodyPr rtlCol="0" anchor="ctr"/>
+          <a:lstStyle/>
+          <a:p>
+            <a:pPr algn="ctr"/>
+            <a:endParaRPr kumimoji="1" lang="ko-KR" altLang="en-US"/>
+          </a:p>
+        </p:txBody>
+      </p:sp>
+      <p:sp>
+        <p:nvSpPr>
+          <p:cNvPr id="9" name="직각 삼각형[R] 8">
+            <a:extLst>
+              <a:ext uri="{FF2B5EF4-FFF2-40B4-BE49-F238E27FC236}">
+                <a16:creationId xmlns:a16="http://schemas.microsoft.com/office/drawing/2014/main" xmlns="" id="{E9289217-6E56-7D4B-B6FB-329F373CAF3E}"/>
+              </a:ext>
+            </a:extLst>
+          </p:cNvPr>
+          <p:cNvSpPr/>
+          <p:nvPr/>
+        </p:nvSpPr>
+        <p:spPr>
+          <a:xfrm flipH="1">
+            <a:off x="4351984" y="276690"/>
+            <a:ext cx="475099" cy="490328"/>
+          </a:xfrm>
+          <a:prstGeom prst="rtTriangle">
+            <a:avLst/>
+          </a:prstGeom>
+          <a:solidFill>
+            <a:schemeClr val="accent5">
+              <a:lumMod val="75000"/>
+            </a:schemeClr>
+          </a:solidFill>
+          <a:ln>
+            <a:noFill/>
+          </a:ln>
+        </p:spPr>
+        <p:style>
+          <a:lnRef idx="2">
+            <a:schemeClr val="accent1">
+              <a:shade val="50000"/>
+            </a:schemeClr>
+          </a:lnRef>
+          <a:fillRef idx="1">
+            <a:schemeClr val="accent1"/>
+          </a:fillRef>
+          <a:effectRef idx="0">
+            <a:schemeClr val="accent1"/>
+          </a:effectRef>
+          <a:fontRef idx="minor">
+            <a:schemeClr val="lt1"/>
+          </a:fontRef>
+        </p:style>
+        <p:txBody>
+          <a:bodyPr rtlCol="0" anchor="ctr"/>
+          <a:lstStyle/>
+          <a:p>
+            <a:pPr algn="ctr"/>
+            <a:endParaRPr kumimoji="1" lang="ko-KR" altLang="en-US"/>
+          </a:p>
+        </p:txBody>
+      </p:sp>
+      <p:sp>
+        <p:nvSpPr>
+          <p:cNvPr id="20" name="TextBox 19">
+            <a:extLst>
+              <a:ext uri="{FF2B5EF4-FFF2-40B4-BE49-F238E27FC236}">
+                <a16:creationId xmlns:a16="http://schemas.microsoft.com/office/drawing/2014/main" xmlns="" id="{849EE5DD-2363-0B42-B4FD-2464134E7BE2}"/>
+              </a:ext>
+            </a:extLst>
+          </p:cNvPr>
+          <p:cNvSpPr txBox="1"/>
+          <p:nvPr/>
+        </p:nvSpPr>
+        <p:spPr>
+          <a:xfrm>
+            <a:off x="212837" y="199491"/>
+            <a:ext cx="3900427" cy="461665"/>
+          </a:xfrm>
+          <a:prstGeom prst="rect">
+            <a:avLst/>
+          </a:prstGeom>
+          <a:noFill/>
+        </p:spPr>
+        <p:txBody>
+          <a:bodyPr wrap="none" rtlCol="0">
+            <a:spAutoFit/>
+          </a:bodyPr>
+          <a:lstStyle/>
+          <a:p>
+            <a:r>
+              <a:rPr kumimoji="1" lang="en-US" altLang="ko-KR" sz="2400" dirty="0">
+                <a:latin typeface="배달의민족 주아" pitchFamily="18" charset="-127"/>
+                <a:ea typeface="배달의민족 주아" pitchFamily="18" charset="-127"/>
+              </a:rPr>
+              <a:t>02. </a:t>
+            </a:r>
+            <a:r>
+              <a:rPr kumimoji="1" lang="ko-KR" altLang="en-US" sz="2400" dirty="0">
+                <a:latin typeface="배달의민족 주아" pitchFamily="18" charset="-127"/>
+                <a:ea typeface="배달의민족 주아" pitchFamily="18" charset="-127"/>
+              </a:rPr>
+              <a:t>분석 </a:t>
+            </a:r>
+            <a:r>
+              <a:rPr kumimoji="1" lang="ko-KR" altLang="en-US" sz="2400" dirty="0" smtClean="0">
+                <a:latin typeface="배달의민족 주아" pitchFamily="18" charset="-127"/>
+                <a:ea typeface="배달의민족 주아" pitchFamily="18" charset="-127"/>
+              </a:rPr>
+              <a:t>설계 </a:t>
+            </a:r>
+            <a:r>
+              <a:rPr kumimoji="1" lang="en-US" altLang="ko-KR" sz="2400" dirty="0" smtClean="0">
+                <a:latin typeface="배달의민족 주아" pitchFamily="18" charset="-127"/>
+                <a:ea typeface="배달의민족 주아" pitchFamily="18" charset="-127"/>
+              </a:rPr>
+              <a:t>- </a:t>
+            </a:r>
+            <a:r>
+              <a:rPr kumimoji="1" lang="ko-KR" altLang="en-US" sz="2400" dirty="0" smtClean="0">
+                <a:latin typeface="배달의민족 주아" pitchFamily="18" charset="-127"/>
+                <a:ea typeface="배달의민족 주아" pitchFamily="18" charset="-127"/>
+              </a:rPr>
+              <a:t>분석 설계 모델링</a:t>
+            </a:r>
+            <a:endParaRPr kumimoji="1" lang="ko-KR" altLang="en-US" sz="2400" dirty="0">
+              <a:latin typeface="배달의민족 주아" pitchFamily="18" charset="-127"/>
+              <a:ea typeface="배달의민족 주아" pitchFamily="18" charset="-127"/>
+            </a:endParaRPr>
+          </a:p>
+        </p:txBody>
+      </p:sp>
+      <p:sp>
+        <p:nvSpPr>
+          <p:cNvPr id="6" name="TextBox 5"/>
+          <p:cNvSpPr txBox="1"/>
+          <p:nvPr/>
+        </p:nvSpPr>
+        <p:spPr>
+          <a:xfrm>
+            <a:off x="489857" y="810815"/>
+            <a:ext cx="1321196" cy="369332"/>
+          </a:xfrm>
+          <a:prstGeom prst="rect">
+            <a:avLst/>
+          </a:prstGeom>
+          <a:noFill/>
+        </p:spPr>
+        <p:txBody>
+          <a:bodyPr wrap="none" rtlCol="0">
+            <a:spAutoFit/>
+          </a:bodyPr>
+          <a:lstStyle/>
+          <a:p>
+            <a:r>
+              <a:rPr lang="en-US" altLang="ko-KR" dirty="0" smtClean="0">
+                <a:solidFill>
+                  <a:schemeClr val="bg1"/>
+                </a:solidFill>
+                <a:latin typeface="배달의민족 주아" pitchFamily="18" charset="-127"/>
+                <a:ea typeface="배달의민족 주아" pitchFamily="18" charset="-127"/>
+              </a:rPr>
+              <a:t>- </a:t>
+            </a:r>
+            <a:r>
+              <a:rPr lang="ko-KR" altLang="en-US" dirty="0" smtClean="0">
+                <a:solidFill>
+                  <a:schemeClr val="bg1"/>
+                </a:solidFill>
+                <a:latin typeface="배달의민족 주아" pitchFamily="18" charset="-127"/>
+                <a:ea typeface="배달의민족 주아" pitchFamily="18" charset="-127"/>
+              </a:rPr>
+              <a:t>스토리 보드</a:t>
+            </a:r>
+            <a:endParaRPr lang="en-US" altLang="ko-KR" dirty="0" smtClean="0">
+              <a:solidFill>
+                <a:schemeClr val="bg1"/>
+              </a:solidFill>
+              <a:latin typeface="배달의민족 주아" pitchFamily="18" charset="-127"/>
+              <a:ea typeface="배달의민족 주아" pitchFamily="18" charset="-127"/>
+            </a:endParaRPr>
+          </a:p>
+        </p:txBody>
+      </p:sp>
+    </p:spTree>
+    <p:extLst>
+      <p:ext uri="{BB962C8B-B14F-4D97-AF65-F5344CB8AC3E}">
+        <p14:creationId xmlns:p14="http://schemas.microsoft.com/office/powerpoint/2010/main" xmlns="" val="2090930175"/>
+      </p:ext>
+    </p:extLst>
+  </p:cSld>
+  <p:clrMapOvr>
+    <a:masterClrMapping/>
+  </p:clrMapOvr>
+</p:sld>
+</file>
+
+<file path=ppt/slides/slide17.xml><?xml version="1.0" encoding="utf-8"?>
+<p:sld xmlns:a="http://schemas.openxmlformats.org/drawingml/2006/main" xmlns:r="http://schemas.openxmlformats.org/officeDocument/2006/relationships" xmlns:p="http://schemas.openxmlformats.org/presentationml/2006/main">
+  <p:cSld>
+    <p:spTree>
+      <p:nvGrpSpPr>
+        <p:cNvPr id="1" name=""/>
+        <p:cNvGrpSpPr/>
+        <p:nvPr/>
+      </p:nvGrpSpPr>
+      <p:grpSpPr>
+        <a:xfrm>
+          <a:off x="0" y="0"/>
+          <a:ext cx="0" cy="0"/>
+          <a:chOff x="0" y="0"/>
+          <a:chExt cx="0" cy="0"/>
+        </a:xfrm>
+      </p:grpSpPr>
+      <p:sp>
+        <p:nvSpPr>
+          <p:cNvPr id="34" name="직사각형 33">
+            <a:extLst>
+              <a:ext uri="{FF2B5EF4-FFF2-40B4-BE49-F238E27FC236}">
+                <a16:creationId xmlns:a16="http://schemas.microsoft.com/office/drawing/2014/main" xmlns="" id="{37CB002D-8420-B548-9BEA-2E18D8A9A204}"/>
+              </a:ext>
+            </a:extLst>
+          </p:cNvPr>
+          <p:cNvSpPr/>
+          <p:nvPr/>
+        </p:nvSpPr>
+        <p:spPr>
+          <a:xfrm>
+            <a:off x="0" y="1180147"/>
+            <a:ext cx="12192000" cy="5419364"/>
+          </a:xfrm>
+          <a:prstGeom prst="rect">
+            <a:avLst/>
+          </a:prstGeom>
+          <a:solidFill>
+            <a:schemeClr val="bg1">
+              <a:lumMod val="95000"/>
+            </a:schemeClr>
+          </a:solidFill>
+          <a:ln>
+            <a:noFill/>
+          </a:ln>
+        </p:spPr>
+        <p:style>
+          <a:lnRef idx="2">
+            <a:schemeClr val="accent1">
+              <a:shade val="50000"/>
+            </a:schemeClr>
+          </a:lnRef>
+          <a:fillRef idx="1">
+            <a:schemeClr val="accent1"/>
+          </a:fillRef>
+          <a:effectRef idx="0">
+            <a:schemeClr val="accent1"/>
+          </a:effectRef>
+          <a:fontRef idx="minor">
+            <a:schemeClr val="lt1"/>
+          </a:fontRef>
+        </p:style>
+        <p:txBody>
+          <a:bodyPr anchor="ctr"/>
+          <a:lstStyle/>
+          <a:p>
+            <a:pPr algn="ctr"/>
+            <a:endParaRPr lang="ko-KR" altLang="en-US" sz="1600" dirty="0"/>
+          </a:p>
+        </p:txBody>
+      </p:sp>
+      <p:sp>
+        <p:nvSpPr>
+          <p:cNvPr id="8" name="직사각형 7">
+            <a:extLst>
+              <a:ext uri="{FF2B5EF4-FFF2-40B4-BE49-F238E27FC236}">
+                <a16:creationId xmlns:a16="http://schemas.microsoft.com/office/drawing/2014/main" xmlns="" id="{6B8B80B4-792D-174E-8B2C-A10CA85CDD01}"/>
+              </a:ext>
+            </a:extLst>
+          </p:cNvPr>
+          <p:cNvSpPr/>
+          <p:nvPr/>
+        </p:nvSpPr>
+        <p:spPr>
+          <a:xfrm>
+            <a:off x="0" y="199491"/>
+            <a:ext cx="4768342" cy="490328"/>
+          </a:xfrm>
+          <a:prstGeom prst="rect">
+            <a:avLst/>
+          </a:prstGeom>
+          <a:solidFill>
+            <a:schemeClr val="accent5">
+              <a:lumMod val="40000"/>
+              <a:lumOff val="60000"/>
+            </a:schemeClr>
+          </a:solidFill>
+          <a:ln>
+            <a:solidFill>
+              <a:schemeClr val="accent5">
+                <a:lumMod val="40000"/>
+                <a:lumOff val="60000"/>
+              </a:schemeClr>
+            </a:solidFill>
+          </a:ln>
+        </p:spPr>
+        <p:style>
+          <a:lnRef idx="2">
+            <a:schemeClr val="accent1">
+              <a:shade val="50000"/>
+            </a:schemeClr>
+          </a:lnRef>
+          <a:fillRef idx="1">
+            <a:schemeClr val="accent1"/>
+          </a:fillRef>
+          <a:effectRef idx="0">
+            <a:schemeClr val="accent1"/>
+          </a:effectRef>
+          <a:fontRef idx="minor">
+            <a:schemeClr val="lt1"/>
+          </a:fontRef>
+        </p:style>
+        <p:txBody>
+          <a:bodyPr rtlCol="0" anchor="ctr"/>
+          <a:lstStyle/>
+          <a:p>
+            <a:pPr algn="ctr"/>
+            <a:endParaRPr kumimoji="1" lang="ko-KR" altLang="en-US"/>
+          </a:p>
+        </p:txBody>
+      </p:sp>
+      <p:sp>
+        <p:nvSpPr>
+          <p:cNvPr id="9" name="직각 삼각형[R] 8">
+            <a:extLst>
+              <a:ext uri="{FF2B5EF4-FFF2-40B4-BE49-F238E27FC236}">
+                <a16:creationId xmlns:a16="http://schemas.microsoft.com/office/drawing/2014/main" xmlns="" id="{E9289217-6E56-7D4B-B6FB-329F373CAF3E}"/>
+              </a:ext>
+            </a:extLst>
+          </p:cNvPr>
+          <p:cNvSpPr/>
+          <p:nvPr/>
+        </p:nvSpPr>
+        <p:spPr>
+          <a:xfrm flipH="1">
+            <a:off x="4351984" y="276690"/>
+            <a:ext cx="475099" cy="490328"/>
+          </a:xfrm>
+          <a:prstGeom prst="rtTriangle">
+            <a:avLst/>
+          </a:prstGeom>
+          <a:solidFill>
+            <a:schemeClr val="accent5">
+              <a:lumMod val="75000"/>
+            </a:schemeClr>
+          </a:solidFill>
+          <a:ln>
+            <a:noFill/>
+          </a:ln>
+        </p:spPr>
+        <p:style>
+          <a:lnRef idx="2">
+            <a:schemeClr val="accent1">
+              <a:shade val="50000"/>
+            </a:schemeClr>
+          </a:lnRef>
+          <a:fillRef idx="1">
+            <a:schemeClr val="accent1"/>
+          </a:fillRef>
+          <a:effectRef idx="0">
+            <a:schemeClr val="accent1"/>
+          </a:effectRef>
+          <a:fontRef idx="minor">
+            <a:schemeClr val="lt1"/>
+          </a:fontRef>
+        </p:style>
+        <p:txBody>
+          <a:bodyPr rtlCol="0" anchor="ctr"/>
+          <a:lstStyle/>
+          <a:p>
+            <a:pPr algn="ctr"/>
+            <a:endParaRPr kumimoji="1" lang="ko-KR" altLang="en-US"/>
+          </a:p>
+        </p:txBody>
+      </p:sp>
+      <p:sp>
+        <p:nvSpPr>
+          <p:cNvPr id="20" name="TextBox 19">
+            <a:extLst>
+              <a:ext uri="{FF2B5EF4-FFF2-40B4-BE49-F238E27FC236}">
+                <a16:creationId xmlns:a16="http://schemas.microsoft.com/office/drawing/2014/main" xmlns="" id="{849EE5DD-2363-0B42-B4FD-2464134E7BE2}"/>
+              </a:ext>
+            </a:extLst>
+          </p:cNvPr>
+          <p:cNvSpPr txBox="1"/>
+          <p:nvPr/>
+        </p:nvSpPr>
+        <p:spPr>
+          <a:xfrm>
+            <a:off x="212837" y="199491"/>
+            <a:ext cx="3900427" cy="830997"/>
+          </a:xfrm>
+          <a:prstGeom prst="rect">
+            <a:avLst/>
+          </a:prstGeom>
+          <a:noFill/>
+        </p:spPr>
+        <p:txBody>
+          <a:bodyPr wrap="none" rtlCol="0">
+            <a:spAutoFit/>
+          </a:bodyPr>
+          <a:lstStyle/>
+          <a:p>
+            <a:r>
+              <a:rPr kumimoji="1" lang="en-US" altLang="ko-KR" sz="2400" dirty="0">
+                <a:latin typeface="배달의민족 주아" pitchFamily="18" charset="-127"/>
+                <a:ea typeface="배달의민족 주아" pitchFamily="18" charset="-127"/>
+              </a:rPr>
+              <a:t>02. </a:t>
+            </a:r>
+            <a:r>
+              <a:rPr kumimoji="1" lang="ko-KR" altLang="en-US" sz="2400" dirty="0">
+                <a:latin typeface="배달의민족 주아" pitchFamily="18" charset="-127"/>
+                <a:ea typeface="배달의민족 주아" pitchFamily="18" charset="-127"/>
+              </a:rPr>
+              <a:t>분석 </a:t>
+            </a:r>
+            <a:r>
+              <a:rPr kumimoji="1" lang="ko-KR" altLang="en-US" sz="2400" dirty="0" smtClean="0">
+                <a:latin typeface="배달의민족 주아" pitchFamily="18" charset="-127"/>
+                <a:ea typeface="배달의민족 주아" pitchFamily="18" charset="-127"/>
+              </a:rPr>
+              <a:t>설계 </a:t>
+            </a:r>
+            <a:r>
+              <a:rPr kumimoji="1" lang="en-US" altLang="ko-KR" sz="2400" dirty="0" smtClean="0">
+                <a:latin typeface="배달의민족 주아" pitchFamily="18" charset="-127"/>
+                <a:ea typeface="배달의민족 주아" pitchFamily="18" charset="-127"/>
+              </a:rPr>
+              <a:t>- </a:t>
+            </a:r>
+            <a:r>
+              <a:rPr kumimoji="1" lang="ko-KR" altLang="en-US" sz="2400" dirty="0" smtClean="0">
+                <a:latin typeface="배달의민족 주아" pitchFamily="18" charset="-127"/>
+                <a:ea typeface="배달의민족 주아" pitchFamily="18" charset="-127"/>
+              </a:rPr>
+              <a:t>분석 설계 모델링</a:t>
+            </a:r>
+          </a:p>
+          <a:p>
+            <a:endParaRPr kumimoji="1" lang="ko-KR" altLang="en-US" sz="2400" dirty="0">
+              <a:latin typeface="배달의민족 주아" pitchFamily="18" charset="-127"/>
+              <a:ea typeface="배달의민족 주아" pitchFamily="18" charset="-127"/>
+            </a:endParaRPr>
+          </a:p>
+        </p:txBody>
+      </p:sp>
+      <p:sp>
+        <p:nvSpPr>
+          <p:cNvPr id="6" name="TextBox 5"/>
+          <p:cNvSpPr txBox="1"/>
+          <p:nvPr/>
+        </p:nvSpPr>
+        <p:spPr>
+          <a:xfrm>
+            <a:off x="489857" y="810815"/>
+            <a:ext cx="1321196" cy="369332"/>
+          </a:xfrm>
+          <a:prstGeom prst="rect">
+            <a:avLst/>
+          </a:prstGeom>
+          <a:noFill/>
+        </p:spPr>
+        <p:txBody>
+          <a:bodyPr wrap="none" rtlCol="0">
+            <a:spAutoFit/>
+          </a:bodyPr>
+          <a:lstStyle/>
+          <a:p>
+            <a:r>
+              <a:rPr lang="en-US" altLang="ko-KR" dirty="0" smtClean="0">
+                <a:solidFill>
+                  <a:schemeClr val="bg1"/>
+                </a:solidFill>
+                <a:latin typeface="배달의민족 주아" pitchFamily="18" charset="-127"/>
+                <a:ea typeface="배달의민족 주아" pitchFamily="18" charset="-127"/>
+              </a:rPr>
+              <a:t>- </a:t>
+            </a:r>
+            <a:r>
+              <a:rPr lang="ko-KR" altLang="en-US" dirty="0" smtClean="0">
+                <a:solidFill>
+                  <a:schemeClr val="bg1"/>
+                </a:solidFill>
+                <a:latin typeface="배달의민족 주아" pitchFamily="18" charset="-127"/>
+                <a:ea typeface="배달의민족 주아" pitchFamily="18" charset="-127"/>
+              </a:rPr>
+              <a:t> </a:t>
+            </a:r>
+            <a:r>
+              <a:rPr lang="ko-KR" altLang="en-US" dirty="0" smtClean="0">
+                <a:solidFill>
+                  <a:schemeClr val="bg1"/>
+                </a:solidFill>
+                <a:latin typeface="배달의민족 주아" pitchFamily="18" charset="-127"/>
+                <a:ea typeface="배달의민족 주아" pitchFamily="18" charset="-127"/>
+              </a:rPr>
+              <a:t>체크리스트</a:t>
+            </a:r>
+            <a:endParaRPr lang="en-US" altLang="ko-KR" dirty="0" smtClean="0">
+              <a:solidFill>
+                <a:schemeClr val="bg1"/>
+              </a:solidFill>
+              <a:latin typeface="배달의민족 주아" pitchFamily="18" charset="-127"/>
+              <a:ea typeface="배달의민족 주아" pitchFamily="18" charset="-127"/>
+            </a:endParaRPr>
+          </a:p>
+        </p:txBody>
+      </p:sp>
+    </p:spTree>
+    <p:extLst>
+      <p:ext uri="{BB962C8B-B14F-4D97-AF65-F5344CB8AC3E}">
+        <p14:creationId xmlns:p14="http://schemas.microsoft.com/office/powerpoint/2010/main" xmlns="" val="2090930175"/>
+      </p:ext>
+    </p:extLst>
+  </p:cSld>
+  <p:clrMapOvr>
+    <a:masterClrMapping/>
+  </p:clrMapOvr>
+</p:sld>
+</file>
+
+<file path=ppt/slides/slide18.xml><?xml version="1.0" encoding="utf-8"?>
+<p:sld xmlns:a="http://schemas.openxmlformats.org/drawingml/2006/main" xmlns:r="http://schemas.openxmlformats.org/officeDocument/2006/relationships" xmlns:p="http://schemas.openxmlformats.org/presentationml/2006/main">
+  <p:cSld>
+    <p:spTree>
+      <p:nvGrpSpPr>
+        <p:cNvPr id="1" name=""/>
+        <p:cNvGrpSpPr/>
+        <p:nvPr/>
+      </p:nvGrpSpPr>
+      <p:grpSpPr>
+        <a:xfrm>
+          <a:off x="0" y="0"/>
+          <a:ext cx="0" cy="0"/>
+          <a:chOff x="0" y="0"/>
+          <a:chExt cx="0" cy="0"/>
+        </a:xfrm>
+      </p:grpSpPr>
+      <p:sp>
+        <p:nvSpPr>
+          <p:cNvPr id="34" name="직사각형 33">
+            <a:extLst>
+              <a:ext uri="{FF2B5EF4-FFF2-40B4-BE49-F238E27FC236}">
+                <a16:creationId xmlns:a16="http://schemas.microsoft.com/office/drawing/2014/main" xmlns="" id="{37CB002D-8420-B548-9BEA-2E18D8A9A204}"/>
+              </a:ext>
+            </a:extLst>
+          </p:cNvPr>
+          <p:cNvSpPr/>
+          <p:nvPr/>
+        </p:nvSpPr>
+        <p:spPr>
+          <a:xfrm>
+            <a:off x="0" y="1180147"/>
+            <a:ext cx="12192000" cy="5419364"/>
+          </a:xfrm>
+          <a:prstGeom prst="rect">
+            <a:avLst/>
+          </a:prstGeom>
+          <a:solidFill>
+            <a:schemeClr val="bg1">
+              <a:lumMod val="95000"/>
+            </a:schemeClr>
+          </a:solidFill>
+          <a:ln>
+            <a:noFill/>
+          </a:ln>
+        </p:spPr>
+        <p:style>
+          <a:lnRef idx="2">
+            <a:schemeClr val="accent1">
+              <a:shade val="50000"/>
+            </a:schemeClr>
+          </a:lnRef>
+          <a:fillRef idx="1">
+            <a:schemeClr val="accent1"/>
+          </a:fillRef>
+          <a:effectRef idx="0">
+            <a:schemeClr val="accent1"/>
+          </a:effectRef>
+          <a:fontRef idx="minor">
+            <a:schemeClr val="lt1"/>
+          </a:fontRef>
+        </p:style>
+        <p:txBody>
+          <a:bodyPr anchor="ctr"/>
+          <a:lstStyle/>
+          <a:p>
+            <a:pPr algn="ctr"/>
+            <a:endParaRPr lang="ko-KR" altLang="en-US" sz="1600" dirty="0"/>
+          </a:p>
+        </p:txBody>
+      </p:sp>
+      <p:sp>
+        <p:nvSpPr>
+          <p:cNvPr id="8" name="직사각형 7">
+            <a:extLst>
+              <a:ext uri="{FF2B5EF4-FFF2-40B4-BE49-F238E27FC236}">
+                <a16:creationId xmlns:a16="http://schemas.microsoft.com/office/drawing/2014/main" xmlns="" id="{6B8B80B4-792D-174E-8B2C-A10CA85CDD01}"/>
+              </a:ext>
+            </a:extLst>
+          </p:cNvPr>
+          <p:cNvSpPr/>
+          <p:nvPr/>
+        </p:nvSpPr>
+        <p:spPr>
+          <a:xfrm>
+            <a:off x="0" y="199491"/>
+            <a:ext cx="4768342" cy="490328"/>
+          </a:xfrm>
+          <a:prstGeom prst="rect">
+            <a:avLst/>
+          </a:prstGeom>
+          <a:solidFill>
+            <a:schemeClr val="accent5">
+              <a:lumMod val="40000"/>
+              <a:lumOff val="60000"/>
+            </a:schemeClr>
+          </a:solidFill>
+          <a:ln>
+            <a:solidFill>
+              <a:schemeClr val="accent5">
+                <a:lumMod val="40000"/>
+                <a:lumOff val="60000"/>
+              </a:schemeClr>
+            </a:solidFill>
+          </a:ln>
+        </p:spPr>
+        <p:style>
+          <a:lnRef idx="2">
+            <a:schemeClr val="accent1">
+              <a:shade val="50000"/>
+            </a:schemeClr>
+          </a:lnRef>
+          <a:fillRef idx="1">
+            <a:schemeClr val="accent1"/>
+          </a:fillRef>
+          <a:effectRef idx="0">
+            <a:schemeClr val="accent1"/>
+          </a:effectRef>
+          <a:fontRef idx="minor">
+            <a:schemeClr val="lt1"/>
+          </a:fontRef>
+        </p:style>
+        <p:txBody>
+          <a:bodyPr rtlCol="0" anchor="ctr"/>
+          <a:lstStyle/>
+          <a:p>
+            <a:pPr algn="ctr"/>
+            <a:endParaRPr kumimoji="1" lang="ko-KR" altLang="en-US"/>
+          </a:p>
+        </p:txBody>
+      </p:sp>
+      <p:sp>
+        <p:nvSpPr>
+          <p:cNvPr id="9" name="직각 삼각형[R] 8">
+            <a:extLst>
+              <a:ext uri="{FF2B5EF4-FFF2-40B4-BE49-F238E27FC236}">
+                <a16:creationId xmlns:a16="http://schemas.microsoft.com/office/drawing/2014/main" xmlns="" id="{E9289217-6E56-7D4B-B6FB-329F373CAF3E}"/>
+              </a:ext>
+            </a:extLst>
+          </p:cNvPr>
+          <p:cNvSpPr/>
+          <p:nvPr/>
+        </p:nvSpPr>
+        <p:spPr>
+          <a:xfrm flipH="1">
+            <a:off x="4351984" y="276690"/>
+            <a:ext cx="475099" cy="490328"/>
+          </a:xfrm>
+          <a:prstGeom prst="rtTriangle">
+            <a:avLst/>
+          </a:prstGeom>
+          <a:solidFill>
+            <a:schemeClr val="accent5">
+              <a:lumMod val="75000"/>
+            </a:schemeClr>
+          </a:solidFill>
+          <a:ln>
+            <a:noFill/>
+          </a:ln>
+        </p:spPr>
+        <p:style>
+          <a:lnRef idx="2">
+            <a:schemeClr val="accent1">
+              <a:shade val="50000"/>
+            </a:schemeClr>
+          </a:lnRef>
+          <a:fillRef idx="1">
+            <a:schemeClr val="accent1"/>
+          </a:fillRef>
+          <a:effectRef idx="0">
+            <a:schemeClr val="accent1"/>
+          </a:effectRef>
+          <a:fontRef idx="minor">
+            <a:schemeClr val="lt1"/>
+          </a:fontRef>
+        </p:style>
+        <p:txBody>
+          <a:bodyPr rtlCol="0" anchor="ctr"/>
+          <a:lstStyle/>
+          <a:p>
+            <a:pPr algn="ctr"/>
+            <a:endParaRPr kumimoji="1" lang="ko-KR" altLang="en-US"/>
+          </a:p>
+        </p:txBody>
+      </p:sp>
+      <p:sp>
+        <p:nvSpPr>
+          <p:cNvPr id="20" name="TextBox 19">
+            <a:extLst>
+              <a:ext uri="{FF2B5EF4-FFF2-40B4-BE49-F238E27FC236}">
+                <a16:creationId xmlns:a16="http://schemas.microsoft.com/office/drawing/2014/main" xmlns="" id="{849EE5DD-2363-0B42-B4FD-2464134E7BE2}"/>
+              </a:ext>
+            </a:extLst>
+          </p:cNvPr>
+          <p:cNvSpPr txBox="1"/>
+          <p:nvPr/>
+        </p:nvSpPr>
+        <p:spPr>
+          <a:xfrm>
+            <a:off x="212837" y="199491"/>
+            <a:ext cx="3900427" cy="830997"/>
+          </a:xfrm>
+          <a:prstGeom prst="rect">
+            <a:avLst/>
+          </a:prstGeom>
+          <a:noFill/>
+        </p:spPr>
+        <p:txBody>
+          <a:bodyPr wrap="none" rtlCol="0">
+            <a:spAutoFit/>
+          </a:bodyPr>
+          <a:lstStyle/>
+          <a:p>
+            <a:r>
+              <a:rPr kumimoji="1" lang="en-US" altLang="ko-KR" sz="2400" dirty="0">
+                <a:latin typeface="배달의민족 주아" pitchFamily="18" charset="-127"/>
+                <a:ea typeface="배달의민족 주아" pitchFamily="18" charset="-127"/>
+              </a:rPr>
+              <a:t>02. </a:t>
+            </a:r>
+            <a:r>
+              <a:rPr kumimoji="1" lang="ko-KR" altLang="en-US" sz="2400" dirty="0">
+                <a:latin typeface="배달의민족 주아" pitchFamily="18" charset="-127"/>
+                <a:ea typeface="배달의민족 주아" pitchFamily="18" charset="-127"/>
+              </a:rPr>
+              <a:t>분석 </a:t>
+            </a:r>
+            <a:r>
+              <a:rPr kumimoji="1" lang="ko-KR" altLang="en-US" sz="2400" dirty="0" smtClean="0">
+                <a:latin typeface="배달의민족 주아" pitchFamily="18" charset="-127"/>
+                <a:ea typeface="배달의민족 주아" pitchFamily="18" charset="-127"/>
+              </a:rPr>
+              <a:t>설계 </a:t>
+            </a:r>
+            <a:r>
+              <a:rPr kumimoji="1" lang="en-US" altLang="ko-KR" sz="2400" dirty="0" smtClean="0">
+                <a:latin typeface="배달의민족 주아" pitchFamily="18" charset="-127"/>
+                <a:ea typeface="배달의민족 주아" pitchFamily="18" charset="-127"/>
+              </a:rPr>
+              <a:t>- </a:t>
+            </a:r>
+            <a:r>
+              <a:rPr kumimoji="1" lang="ko-KR" altLang="en-US" sz="2400" dirty="0" smtClean="0">
+                <a:latin typeface="배달의민족 주아" pitchFamily="18" charset="-127"/>
+                <a:ea typeface="배달의민족 주아" pitchFamily="18" charset="-127"/>
+              </a:rPr>
+              <a:t>분석 설계 모델링</a:t>
+            </a:r>
+          </a:p>
+          <a:p>
+            <a:endParaRPr kumimoji="1" lang="ko-KR" altLang="en-US" sz="2400" dirty="0">
+              <a:latin typeface="배달의민족 주아" pitchFamily="18" charset="-127"/>
+              <a:ea typeface="배달의민족 주아" pitchFamily="18" charset="-127"/>
+            </a:endParaRPr>
+          </a:p>
+        </p:txBody>
+      </p:sp>
+      <p:sp>
+        <p:nvSpPr>
+          <p:cNvPr id="6" name="TextBox 5"/>
+          <p:cNvSpPr txBox="1"/>
+          <p:nvPr/>
+        </p:nvSpPr>
+        <p:spPr>
+          <a:xfrm>
+            <a:off x="489857" y="810815"/>
+            <a:ext cx="1386918" cy="369332"/>
+          </a:xfrm>
+          <a:prstGeom prst="rect">
+            <a:avLst/>
+          </a:prstGeom>
+          <a:noFill/>
+        </p:spPr>
+        <p:txBody>
+          <a:bodyPr wrap="none" rtlCol="0">
+            <a:spAutoFit/>
+          </a:bodyPr>
+          <a:lstStyle/>
+          <a:p>
+            <a:r>
+              <a:rPr lang="en-US" altLang="ko-KR" dirty="0" smtClean="0">
+                <a:solidFill>
+                  <a:schemeClr val="bg1"/>
+                </a:solidFill>
+                <a:latin typeface="배달의민족 주아" pitchFamily="18" charset="-127"/>
+                <a:ea typeface="배달의민족 주아" pitchFamily="18" charset="-127"/>
+              </a:rPr>
+              <a:t>- </a:t>
+            </a:r>
+            <a:r>
+              <a:rPr lang="ko-KR" altLang="en-US" dirty="0" smtClean="0">
+                <a:solidFill>
+                  <a:schemeClr val="bg1"/>
+                </a:solidFill>
+                <a:latin typeface="배달의민족 주아" pitchFamily="18" charset="-127"/>
+                <a:ea typeface="배달의민족 주아" pitchFamily="18" charset="-127"/>
+              </a:rPr>
+              <a:t> </a:t>
+            </a:r>
+            <a:r>
+              <a:rPr lang="ko-KR" altLang="en-US" dirty="0" smtClean="0">
+                <a:solidFill>
+                  <a:schemeClr val="bg1"/>
+                </a:solidFill>
+                <a:latin typeface="배달의민족 주아" pitchFamily="18" charset="-127"/>
+                <a:ea typeface="배달의민족 주아" pitchFamily="18" charset="-127"/>
+              </a:rPr>
+              <a:t>트러블 슈팅</a:t>
+            </a:r>
+            <a:endParaRPr lang="en-US" altLang="ko-KR" dirty="0" smtClean="0">
+              <a:solidFill>
+                <a:schemeClr val="bg1"/>
+              </a:solidFill>
+              <a:latin typeface="배달의민족 주아" pitchFamily="18" charset="-127"/>
+              <a:ea typeface="배달의민족 주아" pitchFamily="18" charset="-127"/>
+            </a:endParaRPr>
+          </a:p>
+        </p:txBody>
+      </p:sp>
+    </p:spTree>
+    <p:extLst>
+      <p:ext uri="{BB962C8B-B14F-4D97-AF65-F5344CB8AC3E}">
+        <p14:creationId xmlns:p14="http://schemas.microsoft.com/office/powerpoint/2010/main" xmlns="" val="2090930175"/>
+      </p:ext>
+    </p:extLst>
+  </p:cSld>
+  <p:clrMapOvr>
+    <a:masterClrMapping/>
+  </p:clrMapOvr>
+</p:sld>
+</file>
+
+<file path=ppt/slides/slide19.xml><?xml version="1.0" encoding="utf-8"?>
+<p:sld xmlns:a="http://schemas.openxmlformats.org/drawingml/2006/main" xmlns:r="http://schemas.openxmlformats.org/officeDocument/2006/relationships" xmlns:p="http://schemas.openxmlformats.org/presentationml/2006/main">
+  <p:cSld>
+    <p:spTree>
+      <p:nvGrpSpPr>
+        <p:cNvPr id="1" name=""/>
+        <p:cNvGrpSpPr/>
+        <p:nvPr/>
+      </p:nvGrpSpPr>
+      <p:grpSpPr>
+        <a:xfrm>
+          <a:off x="0" y="0"/>
+          <a:ext cx="0" cy="0"/>
+          <a:chOff x="0" y="0"/>
+          <a:chExt cx="0" cy="0"/>
+        </a:xfrm>
+      </p:grpSpPr>
+      <p:sp>
+        <p:nvSpPr>
+          <p:cNvPr id="34" name="직사각형 33">
+            <a:extLst>
+              <a:ext uri="{FF2B5EF4-FFF2-40B4-BE49-F238E27FC236}">
+                <a16:creationId xmlns:a16="http://schemas.microsoft.com/office/drawing/2014/main" xmlns="" id="{37CB002D-8420-B548-9BEA-2E18D8A9A204}"/>
+              </a:ext>
+            </a:extLst>
+          </p:cNvPr>
+          <p:cNvSpPr/>
+          <p:nvPr/>
+        </p:nvSpPr>
+        <p:spPr>
+          <a:xfrm>
+            <a:off x="0" y="1180147"/>
+            <a:ext cx="12192000" cy="5419364"/>
+          </a:xfrm>
+          <a:prstGeom prst="rect">
+            <a:avLst/>
+          </a:prstGeom>
+          <a:solidFill>
+            <a:schemeClr val="bg1">
+              <a:lumMod val="95000"/>
+            </a:schemeClr>
+          </a:solidFill>
+          <a:ln>
+            <a:noFill/>
+          </a:ln>
+        </p:spPr>
+        <p:style>
+          <a:lnRef idx="2">
+            <a:schemeClr val="accent1">
+              <a:shade val="50000"/>
+            </a:schemeClr>
+          </a:lnRef>
+          <a:fillRef idx="1">
+            <a:schemeClr val="accent1"/>
+          </a:fillRef>
+          <a:effectRef idx="0">
+            <a:schemeClr val="accent1"/>
+          </a:effectRef>
+          <a:fontRef idx="minor">
+            <a:schemeClr val="lt1"/>
+          </a:fontRef>
+        </p:style>
+        <p:txBody>
+          <a:bodyPr anchor="ctr"/>
+          <a:lstStyle/>
+          <a:p>
+            <a:pPr algn="ctr"/>
+            <a:endParaRPr lang="ko-KR" altLang="en-US" sz="1600" dirty="0"/>
+          </a:p>
+        </p:txBody>
+      </p:sp>
+      <p:sp>
+        <p:nvSpPr>
+          <p:cNvPr id="8" name="직사각형 7">
+            <a:extLst>
+              <a:ext uri="{FF2B5EF4-FFF2-40B4-BE49-F238E27FC236}">
+                <a16:creationId xmlns:a16="http://schemas.microsoft.com/office/drawing/2014/main" xmlns="" id="{6B8B80B4-792D-174E-8B2C-A10CA85CDD01}"/>
+              </a:ext>
+            </a:extLst>
+          </p:cNvPr>
+          <p:cNvSpPr/>
+          <p:nvPr/>
+        </p:nvSpPr>
+        <p:spPr>
+          <a:xfrm>
+            <a:off x="0" y="199491"/>
+            <a:ext cx="4768342" cy="490328"/>
+          </a:xfrm>
+          <a:prstGeom prst="rect">
+            <a:avLst/>
+          </a:prstGeom>
+          <a:solidFill>
+            <a:schemeClr val="accent5">
+              <a:lumMod val="40000"/>
+              <a:lumOff val="60000"/>
+            </a:schemeClr>
+          </a:solidFill>
+          <a:ln>
+            <a:solidFill>
+              <a:schemeClr val="accent5">
+                <a:lumMod val="40000"/>
+                <a:lumOff val="60000"/>
+              </a:schemeClr>
+            </a:solidFill>
+          </a:ln>
+        </p:spPr>
+        <p:style>
+          <a:lnRef idx="2">
+            <a:schemeClr val="accent1">
+              <a:shade val="50000"/>
+            </a:schemeClr>
+          </a:lnRef>
+          <a:fillRef idx="1">
+            <a:schemeClr val="accent1"/>
+          </a:fillRef>
+          <a:effectRef idx="0">
+            <a:schemeClr val="accent1"/>
+          </a:effectRef>
+          <a:fontRef idx="minor">
+            <a:schemeClr val="lt1"/>
+          </a:fontRef>
+        </p:style>
+        <p:txBody>
+          <a:bodyPr rtlCol="0" anchor="ctr"/>
+          <a:lstStyle/>
+          <a:p>
+            <a:pPr algn="ctr"/>
+            <a:endParaRPr kumimoji="1" lang="ko-KR" altLang="en-US"/>
+          </a:p>
+        </p:txBody>
+      </p:sp>
+      <p:sp>
+        <p:nvSpPr>
+          <p:cNvPr id="9" name="직각 삼각형[R] 8">
+            <a:extLst>
+              <a:ext uri="{FF2B5EF4-FFF2-40B4-BE49-F238E27FC236}">
+                <a16:creationId xmlns:a16="http://schemas.microsoft.com/office/drawing/2014/main" xmlns="" id="{E9289217-6E56-7D4B-B6FB-329F373CAF3E}"/>
+              </a:ext>
+            </a:extLst>
+          </p:cNvPr>
+          <p:cNvSpPr/>
+          <p:nvPr/>
+        </p:nvSpPr>
+        <p:spPr>
+          <a:xfrm flipH="1">
+            <a:off x="4351984" y="276690"/>
+            <a:ext cx="475099" cy="490328"/>
+          </a:xfrm>
+          <a:prstGeom prst="rtTriangle">
+            <a:avLst/>
+          </a:prstGeom>
+          <a:solidFill>
+            <a:schemeClr val="accent5">
+              <a:lumMod val="75000"/>
+            </a:schemeClr>
+          </a:solidFill>
+          <a:ln>
+            <a:noFill/>
+          </a:ln>
+        </p:spPr>
+        <p:style>
+          <a:lnRef idx="2">
+            <a:schemeClr val="accent1">
+              <a:shade val="50000"/>
+            </a:schemeClr>
+          </a:lnRef>
+          <a:fillRef idx="1">
+            <a:schemeClr val="accent1"/>
+          </a:fillRef>
+          <a:effectRef idx="0">
+            <a:schemeClr val="accent1"/>
+          </a:effectRef>
+          <a:fontRef idx="minor">
+            <a:schemeClr val="lt1"/>
+          </a:fontRef>
+        </p:style>
+        <p:txBody>
+          <a:bodyPr rtlCol="0" anchor="ctr"/>
+          <a:lstStyle/>
+          <a:p>
+            <a:pPr algn="ctr"/>
+            <a:endParaRPr kumimoji="1" lang="ko-KR" altLang="en-US"/>
+          </a:p>
+        </p:txBody>
+      </p:sp>
+      <p:sp>
+        <p:nvSpPr>
+          <p:cNvPr id="20" name="TextBox 19">
+            <a:extLst>
+              <a:ext uri="{FF2B5EF4-FFF2-40B4-BE49-F238E27FC236}">
+                <a16:creationId xmlns:a16="http://schemas.microsoft.com/office/drawing/2014/main" xmlns="" id="{849EE5DD-2363-0B42-B4FD-2464134E7BE2}"/>
+              </a:ext>
+            </a:extLst>
+          </p:cNvPr>
+          <p:cNvSpPr txBox="1"/>
+          <p:nvPr/>
+        </p:nvSpPr>
+        <p:spPr>
+          <a:xfrm>
+            <a:off x="212837" y="199491"/>
+            <a:ext cx="1162498" cy="461665"/>
+          </a:xfrm>
+          <a:prstGeom prst="rect">
+            <a:avLst/>
+          </a:prstGeom>
+          <a:noFill/>
+        </p:spPr>
+        <p:txBody>
+          <a:bodyPr wrap="none" rtlCol="0">
+            <a:spAutoFit/>
+          </a:bodyPr>
+          <a:lstStyle/>
+          <a:p>
+            <a:r>
+              <a:rPr kumimoji="1" lang="en-US" altLang="ko-KR" sz="2400" dirty="0">
+                <a:latin typeface="배달의민족 주아" pitchFamily="18" charset="-127"/>
+                <a:ea typeface="배달의민족 주아" pitchFamily="18" charset="-127"/>
+              </a:rPr>
+              <a:t>03. </a:t>
+            </a:r>
+            <a:r>
+              <a:rPr kumimoji="1" lang="ko-KR" altLang="en-US" sz="2400" dirty="0">
+                <a:latin typeface="배달의민족 주아" pitchFamily="18" charset="-127"/>
+                <a:ea typeface="배달의민족 주아" pitchFamily="18" charset="-127"/>
+              </a:rPr>
+              <a:t>시연</a:t>
+            </a:r>
+          </a:p>
+        </p:txBody>
+      </p:sp>
+      <p:sp>
+        <p:nvSpPr>
+          <p:cNvPr id="10" name="TextBox 9"/>
+          <p:cNvSpPr txBox="1"/>
+          <p:nvPr/>
+        </p:nvSpPr>
+        <p:spPr>
+          <a:xfrm>
+            <a:off x="489857" y="810815"/>
+            <a:ext cx="1213794" cy="369332"/>
+          </a:xfrm>
+          <a:prstGeom prst="rect">
+            <a:avLst/>
+          </a:prstGeom>
+          <a:noFill/>
+        </p:spPr>
+        <p:txBody>
+          <a:bodyPr wrap="none" rtlCol="0">
+            <a:spAutoFit/>
+          </a:bodyPr>
+          <a:lstStyle/>
+          <a:p>
+            <a:r>
+              <a:rPr lang="en-US" altLang="ko-KR" dirty="0" smtClean="0">
+                <a:solidFill>
+                  <a:schemeClr val="bg1"/>
+                </a:solidFill>
+                <a:latin typeface="배달의민족 주아" pitchFamily="18" charset="-127"/>
+                <a:ea typeface="배달의민족 주아" pitchFamily="18" charset="-127"/>
+              </a:rPr>
+              <a:t>- </a:t>
+            </a:r>
+            <a:r>
+              <a:rPr lang="ko-KR" altLang="en-US" dirty="0" smtClean="0">
+                <a:solidFill>
+                  <a:schemeClr val="bg1"/>
+                </a:solidFill>
+                <a:latin typeface="배달의민족 주아" pitchFamily="18" charset="-127"/>
+                <a:ea typeface="배달의민족 주아" pitchFamily="18" charset="-127"/>
+              </a:rPr>
+              <a:t> </a:t>
+            </a:r>
+            <a:r>
+              <a:rPr lang="ko-KR" altLang="en-US" dirty="0" smtClean="0">
+                <a:solidFill>
+                  <a:schemeClr val="bg1"/>
+                </a:solidFill>
+                <a:latin typeface="배달의민족 주아" pitchFamily="18" charset="-127"/>
+                <a:ea typeface="배달의민족 주아" pitchFamily="18" charset="-127"/>
+              </a:rPr>
+              <a:t>시연 영상</a:t>
+            </a:r>
+            <a:endParaRPr lang="en-US" altLang="ko-KR" dirty="0" smtClean="0">
+              <a:solidFill>
+                <a:schemeClr val="bg1"/>
+              </a:solidFill>
+              <a:latin typeface="배달의민족 주아" pitchFamily="18" charset="-127"/>
+              <a:ea typeface="배달의민족 주아" pitchFamily="18" charset="-127"/>
+            </a:endParaRPr>
+          </a:p>
+        </p:txBody>
+      </p:sp>
+    </p:spTree>
+    <p:extLst>
+      <p:ext uri="{BB962C8B-B14F-4D97-AF65-F5344CB8AC3E}">
+        <p14:creationId xmlns:p14="http://schemas.microsoft.com/office/powerpoint/2010/main" xmlns="" val="3982081280"/>
       </p:ext>
     </p:extLst>
   </p:cSld>
@@ -4929,7 +7494,7 @@
           <p:cNvPr id="4" name="직사각형 3">
             <a:extLst>
               <a:ext uri="{FF2B5EF4-FFF2-40B4-BE49-F238E27FC236}">
-                <a16:creationId xmlns:a16="http://schemas.microsoft.com/office/drawing/2014/main" id="{24D03CC3-E4DA-4E0C-ABE6-32A57A1DFBBE}"/>
+                <a16:creationId xmlns:a16="http://schemas.microsoft.com/office/drawing/2014/main" xmlns="" id="{24D03CC3-E4DA-4E0C-ABE6-32A57A1DFBBE}"/>
               </a:ext>
             </a:extLst>
           </p:cNvPr>
@@ -5123,7 +7688,2349 @@
     </p:spTree>
     <p:extLst>
       <p:ext uri="{BB962C8B-B14F-4D97-AF65-F5344CB8AC3E}">
-        <p14:creationId xmlns:p14="http://schemas.microsoft.com/office/powerpoint/2010/main" val="1567012970"/>
+        <p14:creationId xmlns:p14="http://schemas.microsoft.com/office/powerpoint/2010/main" xmlns="" val="1567012970"/>
+      </p:ext>
+    </p:extLst>
+  </p:cSld>
+  <p:clrMapOvr>
+    <a:masterClrMapping/>
+  </p:clrMapOvr>
+</p:sld>
+</file>
+
+<file path=ppt/slides/slide20.xml><?xml version="1.0" encoding="utf-8"?>
+<p:sld xmlns:a="http://schemas.openxmlformats.org/drawingml/2006/main" xmlns:r="http://schemas.openxmlformats.org/officeDocument/2006/relationships" xmlns:p="http://schemas.openxmlformats.org/presentationml/2006/main">
+  <p:cSld>
+    <p:spTree>
+      <p:nvGrpSpPr>
+        <p:cNvPr id="1" name=""/>
+        <p:cNvGrpSpPr/>
+        <p:nvPr/>
+      </p:nvGrpSpPr>
+      <p:grpSpPr>
+        <a:xfrm>
+          <a:off x="0" y="0"/>
+          <a:ext cx="0" cy="0"/>
+          <a:chOff x="0" y="0"/>
+          <a:chExt cx="0" cy="0"/>
+        </a:xfrm>
+      </p:grpSpPr>
+      <p:sp>
+        <p:nvSpPr>
+          <p:cNvPr id="34" name="직사각형 33">
+            <a:extLst>
+              <a:ext uri="{FF2B5EF4-FFF2-40B4-BE49-F238E27FC236}">
+                <a16:creationId xmlns:a16="http://schemas.microsoft.com/office/drawing/2014/main" xmlns="" id="{37CB002D-8420-B548-9BEA-2E18D8A9A204}"/>
+              </a:ext>
+            </a:extLst>
+          </p:cNvPr>
+          <p:cNvSpPr/>
+          <p:nvPr/>
+        </p:nvSpPr>
+        <p:spPr>
+          <a:xfrm>
+            <a:off x="0" y="1180147"/>
+            <a:ext cx="12192000" cy="5419364"/>
+          </a:xfrm>
+          <a:prstGeom prst="rect">
+            <a:avLst/>
+          </a:prstGeom>
+          <a:solidFill>
+            <a:schemeClr val="bg1">
+              <a:lumMod val="95000"/>
+            </a:schemeClr>
+          </a:solidFill>
+          <a:ln>
+            <a:noFill/>
+          </a:ln>
+        </p:spPr>
+        <p:style>
+          <a:lnRef idx="2">
+            <a:schemeClr val="accent1">
+              <a:shade val="50000"/>
+            </a:schemeClr>
+          </a:lnRef>
+          <a:fillRef idx="1">
+            <a:schemeClr val="accent1"/>
+          </a:fillRef>
+          <a:effectRef idx="0">
+            <a:schemeClr val="accent1"/>
+          </a:effectRef>
+          <a:fontRef idx="minor">
+            <a:schemeClr val="lt1"/>
+          </a:fontRef>
+        </p:style>
+        <p:txBody>
+          <a:bodyPr anchor="ctr"/>
+          <a:lstStyle/>
+          <a:p>
+            <a:pPr algn="ctr"/>
+            <a:endParaRPr lang="ko-KR" altLang="en-US" sz="1600" dirty="0"/>
+          </a:p>
+        </p:txBody>
+      </p:sp>
+      <p:sp>
+        <p:nvSpPr>
+          <p:cNvPr id="8" name="직사각형 7">
+            <a:extLst>
+              <a:ext uri="{FF2B5EF4-FFF2-40B4-BE49-F238E27FC236}">
+                <a16:creationId xmlns:a16="http://schemas.microsoft.com/office/drawing/2014/main" xmlns="" id="{6B8B80B4-792D-174E-8B2C-A10CA85CDD01}"/>
+              </a:ext>
+            </a:extLst>
+          </p:cNvPr>
+          <p:cNvSpPr/>
+          <p:nvPr/>
+        </p:nvSpPr>
+        <p:spPr>
+          <a:xfrm>
+            <a:off x="0" y="199491"/>
+            <a:ext cx="4768342" cy="490328"/>
+          </a:xfrm>
+          <a:prstGeom prst="rect">
+            <a:avLst/>
+          </a:prstGeom>
+          <a:solidFill>
+            <a:schemeClr val="accent5">
+              <a:lumMod val="40000"/>
+              <a:lumOff val="60000"/>
+            </a:schemeClr>
+          </a:solidFill>
+          <a:ln>
+            <a:solidFill>
+              <a:schemeClr val="accent5">
+                <a:lumMod val="40000"/>
+                <a:lumOff val="60000"/>
+              </a:schemeClr>
+            </a:solidFill>
+          </a:ln>
+        </p:spPr>
+        <p:style>
+          <a:lnRef idx="2">
+            <a:schemeClr val="accent1">
+              <a:shade val="50000"/>
+            </a:schemeClr>
+          </a:lnRef>
+          <a:fillRef idx="1">
+            <a:schemeClr val="accent1"/>
+          </a:fillRef>
+          <a:effectRef idx="0">
+            <a:schemeClr val="accent1"/>
+          </a:effectRef>
+          <a:fontRef idx="minor">
+            <a:schemeClr val="lt1"/>
+          </a:fontRef>
+        </p:style>
+        <p:txBody>
+          <a:bodyPr rtlCol="0" anchor="ctr"/>
+          <a:lstStyle/>
+          <a:p>
+            <a:pPr algn="ctr"/>
+            <a:endParaRPr kumimoji="1" lang="ko-KR" altLang="en-US"/>
+          </a:p>
+        </p:txBody>
+      </p:sp>
+      <p:sp>
+        <p:nvSpPr>
+          <p:cNvPr id="9" name="직각 삼각형[R] 8">
+            <a:extLst>
+              <a:ext uri="{FF2B5EF4-FFF2-40B4-BE49-F238E27FC236}">
+                <a16:creationId xmlns:a16="http://schemas.microsoft.com/office/drawing/2014/main" xmlns="" id="{E9289217-6E56-7D4B-B6FB-329F373CAF3E}"/>
+              </a:ext>
+            </a:extLst>
+          </p:cNvPr>
+          <p:cNvSpPr/>
+          <p:nvPr/>
+        </p:nvSpPr>
+        <p:spPr>
+          <a:xfrm flipH="1">
+            <a:off x="4351984" y="276690"/>
+            <a:ext cx="475099" cy="490328"/>
+          </a:xfrm>
+          <a:prstGeom prst="rtTriangle">
+            <a:avLst/>
+          </a:prstGeom>
+          <a:solidFill>
+            <a:schemeClr val="accent5">
+              <a:lumMod val="75000"/>
+            </a:schemeClr>
+          </a:solidFill>
+          <a:ln>
+            <a:noFill/>
+          </a:ln>
+        </p:spPr>
+        <p:style>
+          <a:lnRef idx="2">
+            <a:schemeClr val="accent1">
+              <a:shade val="50000"/>
+            </a:schemeClr>
+          </a:lnRef>
+          <a:fillRef idx="1">
+            <a:schemeClr val="accent1"/>
+          </a:fillRef>
+          <a:effectRef idx="0">
+            <a:schemeClr val="accent1"/>
+          </a:effectRef>
+          <a:fontRef idx="minor">
+            <a:schemeClr val="lt1"/>
+          </a:fontRef>
+        </p:style>
+        <p:txBody>
+          <a:bodyPr rtlCol="0" anchor="ctr"/>
+          <a:lstStyle/>
+          <a:p>
+            <a:pPr algn="ctr"/>
+            <a:endParaRPr kumimoji="1" lang="ko-KR" altLang="en-US"/>
+          </a:p>
+        </p:txBody>
+      </p:sp>
+      <p:sp>
+        <p:nvSpPr>
+          <p:cNvPr id="20" name="TextBox 19">
+            <a:extLst>
+              <a:ext uri="{FF2B5EF4-FFF2-40B4-BE49-F238E27FC236}">
+                <a16:creationId xmlns:a16="http://schemas.microsoft.com/office/drawing/2014/main" xmlns="" id="{849EE5DD-2363-0B42-B4FD-2464134E7BE2}"/>
+              </a:ext>
+            </a:extLst>
+          </p:cNvPr>
+          <p:cNvSpPr txBox="1"/>
+          <p:nvPr/>
+        </p:nvSpPr>
+        <p:spPr>
+          <a:xfrm>
+            <a:off x="212837" y="199491"/>
+            <a:ext cx="1795684" cy="461665"/>
+          </a:xfrm>
+          <a:prstGeom prst="rect">
+            <a:avLst/>
+          </a:prstGeom>
+          <a:noFill/>
+        </p:spPr>
+        <p:txBody>
+          <a:bodyPr wrap="none" rtlCol="0">
+            <a:spAutoFit/>
+          </a:bodyPr>
+          <a:lstStyle/>
+          <a:p>
+            <a:r>
+              <a:rPr kumimoji="1" lang="en-US" altLang="ko-KR" sz="2400" dirty="0">
+                <a:latin typeface="배달의민족 주아" pitchFamily="18" charset="-127"/>
+                <a:ea typeface="배달의민족 주아" pitchFamily="18" charset="-127"/>
+              </a:rPr>
+              <a:t>04. </a:t>
+            </a:r>
+            <a:r>
+              <a:rPr kumimoji="1" lang="ko-KR" altLang="en-US" sz="2400" dirty="0">
+                <a:latin typeface="배달의민족 주아" pitchFamily="18" charset="-127"/>
+                <a:ea typeface="배달의민족 주아" pitchFamily="18" charset="-127"/>
+              </a:rPr>
+              <a:t>기술 소개</a:t>
+            </a:r>
+          </a:p>
+        </p:txBody>
+      </p:sp>
+      <p:sp>
+        <p:nvSpPr>
+          <p:cNvPr id="7" name="TextBox 6"/>
+          <p:cNvSpPr txBox="1"/>
+          <p:nvPr/>
+        </p:nvSpPr>
+        <p:spPr>
+          <a:xfrm>
+            <a:off x="489857" y="810815"/>
+            <a:ext cx="1234633" cy="369332"/>
+          </a:xfrm>
+          <a:prstGeom prst="rect">
+            <a:avLst/>
+          </a:prstGeom>
+          <a:noFill/>
+        </p:spPr>
+        <p:txBody>
+          <a:bodyPr wrap="none" rtlCol="0">
+            <a:spAutoFit/>
+          </a:bodyPr>
+          <a:lstStyle/>
+          <a:p>
+            <a:r>
+              <a:rPr lang="en-US" altLang="ko-KR" dirty="0" smtClean="0">
+                <a:solidFill>
+                  <a:schemeClr val="bg1"/>
+                </a:solidFill>
+                <a:latin typeface="배달의민족 주아" pitchFamily="18" charset="-127"/>
+                <a:ea typeface="배달의민족 주아" pitchFamily="18" charset="-127"/>
+              </a:rPr>
+              <a:t>- </a:t>
+            </a:r>
+            <a:r>
+              <a:rPr lang="ko-KR" altLang="en-US" dirty="0" smtClean="0">
+                <a:solidFill>
+                  <a:schemeClr val="bg1"/>
+                </a:solidFill>
+                <a:latin typeface="배달의민족 주아" pitchFamily="18" charset="-127"/>
+                <a:ea typeface="배달의민족 주아" pitchFamily="18" charset="-127"/>
+              </a:rPr>
+              <a:t> </a:t>
+            </a:r>
+            <a:r>
+              <a:rPr lang="ko-KR" altLang="en-US" dirty="0" smtClean="0">
+                <a:solidFill>
+                  <a:schemeClr val="bg1"/>
+                </a:solidFill>
+                <a:latin typeface="배달의민족 주아" pitchFamily="18" charset="-127"/>
+                <a:ea typeface="배달의민족 주아" pitchFamily="18" charset="-127"/>
+              </a:rPr>
+              <a:t>개발 환경</a:t>
+            </a:r>
+            <a:endParaRPr lang="en-US" altLang="ko-KR" dirty="0" smtClean="0">
+              <a:solidFill>
+                <a:schemeClr val="bg1"/>
+              </a:solidFill>
+              <a:latin typeface="배달의민족 주아" pitchFamily="18" charset="-127"/>
+              <a:ea typeface="배달의민족 주아" pitchFamily="18" charset="-127"/>
+            </a:endParaRPr>
+          </a:p>
+        </p:txBody>
+      </p:sp>
+    </p:spTree>
+    <p:extLst>
+      <p:ext uri="{BB962C8B-B14F-4D97-AF65-F5344CB8AC3E}">
+        <p14:creationId xmlns:p14="http://schemas.microsoft.com/office/powerpoint/2010/main" xmlns="" val="2050327707"/>
+      </p:ext>
+    </p:extLst>
+  </p:cSld>
+  <p:clrMapOvr>
+    <a:masterClrMapping/>
+  </p:clrMapOvr>
+</p:sld>
+</file>
+
+<file path=ppt/slides/slide21.xml><?xml version="1.0" encoding="utf-8"?>
+<p:sld xmlns:a="http://schemas.openxmlformats.org/drawingml/2006/main" xmlns:r="http://schemas.openxmlformats.org/officeDocument/2006/relationships" xmlns:p="http://schemas.openxmlformats.org/presentationml/2006/main">
+  <p:cSld>
+    <p:spTree>
+      <p:nvGrpSpPr>
+        <p:cNvPr id="1" name=""/>
+        <p:cNvGrpSpPr/>
+        <p:nvPr/>
+      </p:nvGrpSpPr>
+      <p:grpSpPr>
+        <a:xfrm>
+          <a:off x="0" y="0"/>
+          <a:ext cx="0" cy="0"/>
+          <a:chOff x="0" y="0"/>
+          <a:chExt cx="0" cy="0"/>
+        </a:xfrm>
+      </p:grpSpPr>
+      <p:sp>
+        <p:nvSpPr>
+          <p:cNvPr id="34" name="직사각형 33">
+            <a:extLst>
+              <a:ext uri="{FF2B5EF4-FFF2-40B4-BE49-F238E27FC236}">
+                <a16:creationId xmlns:a16="http://schemas.microsoft.com/office/drawing/2014/main" xmlns="" id="{37CB002D-8420-B548-9BEA-2E18D8A9A204}"/>
+              </a:ext>
+            </a:extLst>
+          </p:cNvPr>
+          <p:cNvSpPr/>
+          <p:nvPr/>
+        </p:nvSpPr>
+        <p:spPr>
+          <a:xfrm>
+            <a:off x="0" y="1180147"/>
+            <a:ext cx="12192000" cy="5419364"/>
+          </a:xfrm>
+          <a:prstGeom prst="rect">
+            <a:avLst/>
+          </a:prstGeom>
+          <a:solidFill>
+            <a:schemeClr val="bg1">
+              <a:lumMod val="95000"/>
+            </a:schemeClr>
+          </a:solidFill>
+          <a:ln>
+            <a:noFill/>
+          </a:ln>
+        </p:spPr>
+        <p:style>
+          <a:lnRef idx="2">
+            <a:schemeClr val="accent1">
+              <a:shade val="50000"/>
+            </a:schemeClr>
+          </a:lnRef>
+          <a:fillRef idx="1">
+            <a:schemeClr val="accent1"/>
+          </a:fillRef>
+          <a:effectRef idx="0">
+            <a:schemeClr val="accent1"/>
+          </a:effectRef>
+          <a:fontRef idx="minor">
+            <a:schemeClr val="lt1"/>
+          </a:fontRef>
+        </p:style>
+        <p:txBody>
+          <a:bodyPr anchor="ctr"/>
+          <a:lstStyle/>
+          <a:p>
+            <a:pPr algn="ctr"/>
+            <a:endParaRPr lang="ko-KR" altLang="en-US" sz="1600" dirty="0"/>
+          </a:p>
+        </p:txBody>
+      </p:sp>
+      <p:sp>
+        <p:nvSpPr>
+          <p:cNvPr id="8" name="직사각형 7">
+            <a:extLst>
+              <a:ext uri="{FF2B5EF4-FFF2-40B4-BE49-F238E27FC236}">
+                <a16:creationId xmlns:a16="http://schemas.microsoft.com/office/drawing/2014/main" xmlns="" id="{6B8B80B4-792D-174E-8B2C-A10CA85CDD01}"/>
+              </a:ext>
+            </a:extLst>
+          </p:cNvPr>
+          <p:cNvSpPr/>
+          <p:nvPr/>
+        </p:nvSpPr>
+        <p:spPr>
+          <a:xfrm>
+            <a:off x="0" y="199491"/>
+            <a:ext cx="4768342" cy="490328"/>
+          </a:xfrm>
+          <a:prstGeom prst="rect">
+            <a:avLst/>
+          </a:prstGeom>
+          <a:solidFill>
+            <a:schemeClr val="accent5">
+              <a:lumMod val="40000"/>
+              <a:lumOff val="60000"/>
+            </a:schemeClr>
+          </a:solidFill>
+          <a:ln>
+            <a:solidFill>
+              <a:schemeClr val="accent5">
+                <a:lumMod val="40000"/>
+                <a:lumOff val="60000"/>
+              </a:schemeClr>
+            </a:solidFill>
+          </a:ln>
+        </p:spPr>
+        <p:style>
+          <a:lnRef idx="2">
+            <a:schemeClr val="accent1">
+              <a:shade val="50000"/>
+            </a:schemeClr>
+          </a:lnRef>
+          <a:fillRef idx="1">
+            <a:schemeClr val="accent1"/>
+          </a:fillRef>
+          <a:effectRef idx="0">
+            <a:schemeClr val="accent1"/>
+          </a:effectRef>
+          <a:fontRef idx="minor">
+            <a:schemeClr val="lt1"/>
+          </a:fontRef>
+        </p:style>
+        <p:txBody>
+          <a:bodyPr rtlCol="0" anchor="ctr"/>
+          <a:lstStyle/>
+          <a:p>
+            <a:pPr algn="ctr"/>
+            <a:endParaRPr kumimoji="1" lang="ko-KR" altLang="en-US"/>
+          </a:p>
+        </p:txBody>
+      </p:sp>
+      <p:sp>
+        <p:nvSpPr>
+          <p:cNvPr id="9" name="직각 삼각형[R] 8">
+            <a:extLst>
+              <a:ext uri="{FF2B5EF4-FFF2-40B4-BE49-F238E27FC236}">
+                <a16:creationId xmlns:a16="http://schemas.microsoft.com/office/drawing/2014/main" xmlns="" id="{E9289217-6E56-7D4B-B6FB-329F373CAF3E}"/>
+              </a:ext>
+            </a:extLst>
+          </p:cNvPr>
+          <p:cNvSpPr/>
+          <p:nvPr/>
+        </p:nvSpPr>
+        <p:spPr>
+          <a:xfrm flipH="1">
+            <a:off x="4351984" y="276690"/>
+            <a:ext cx="475099" cy="490328"/>
+          </a:xfrm>
+          <a:prstGeom prst="rtTriangle">
+            <a:avLst/>
+          </a:prstGeom>
+          <a:solidFill>
+            <a:schemeClr val="accent5">
+              <a:lumMod val="75000"/>
+            </a:schemeClr>
+          </a:solidFill>
+          <a:ln>
+            <a:noFill/>
+          </a:ln>
+        </p:spPr>
+        <p:style>
+          <a:lnRef idx="2">
+            <a:schemeClr val="accent1">
+              <a:shade val="50000"/>
+            </a:schemeClr>
+          </a:lnRef>
+          <a:fillRef idx="1">
+            <a:schemeClr val="accent1"/>
+          </a:fillRef>
+          <a:effectRef idx="0">
+            <a:schemeClr val="accent1"/>
+          </a:effectRef>
+          <a:fontRef idx="minor">
+            <a:schemeClr val="lt1"/>
+          </a:fontRef>
+        </p:style>
+        <p:txBody>
+          <a:bodyPr rtlCol="0" anchor="ctr"/>
+          <a:lstStyle/>
+          <a:p>
+            <a:pPr algn="ctr"/>
+            <a:endParaRPr kumimoji="1" lang="ko-KR" altLang="en-US"/>
+          </a:p>
+        </p:txBody>
+      </p:sp>
+      <p:sp>
+        <p:nvSpPr>
+          <p:cNvPr id="20" name="TextBox 19">
+            <a:extLst>
+              <a:ext uri="{FF2B5EF4-FFF2-40B4-BE49-F238E27FC236}">
+                <a16:creationId xmlns:a16="http://schemas.microsoft.com/office/drawing/2014/main" xmlns="" id="{849EE5DD-2363-0B42-B4FD-2464134E7BE2}"/>
+              </a:ext>
+            </a:extLst>
+          </p:cNvPr>
+          <p:cNvSpPr txBox="1"/>
+          <p:nvPr/>
+        </p:nvSpPr>
+        <p:spPr>
+          <a:xfrm>
+            <a:off x="212837" y="199491"/>
+            <a:ext cx="1795684" cy="461665"/>
+          </a:xfrm>
+          <a:prstGeom prst="rect">
+            <a:avLst/>
+          </a:prstGeom>
+          <a:noFill/>
+        </p:spPr>
+        <p:txBody>
+          <a:bodyPr wrap="none" rtlCol="0">
+            <a:spAutoFit/>
+          </a:bodyPr>
+          <a:lstStyle/>
+          <a:p>
+            <a:r>
+              <a:rPr kumimoji="1" lang="en-US" altLang="ko-KR" sz="2400" dirty="0" smtClean="0">
+                <a:latin typeface="배달의민족 주아" pitchFamily="18" charset="-127"/>
+                <a:ea typeface="배달의민족 주아" pitchFamily="18" charset="-127"/>
+              </a:rPr>
+              <a:t>04. </a:t>
+            </a:r>
+            <a:r>
+              <a:rPr kumimoji="1" lang="ko-KR" altLang="en-US" sz="2400" dirty="0" smtClean="0">
+                <a:latin typeface="배달의민족 주아" pitchFamily="18" charset="-127"/>
+                <a:ea typeface="배달의민족 주아" pitchFamily="18" charset="-127"/>
+              </a:rPr>
+              <a:t>기술 </a:t>
+            </a:r>
+            <a:r>
+              <a:rPr kumimoji="1" lang="ko-KR" altLang="en-US" sz="2400" dirty="0" smtClean="0">
+                <a:latin typeface="배달의민족 주아" pitchFamily="18" charset="-127"/>
+                <a:ea typeface="배달의민족 주아" pitchFamily="18" charset="-127"/>
+              </a:rPr>
+              <a:t>소개</a:t>
+            </a:r>
+            <a:endParaRPr kumimoji="1" lang="ko-KR" altLang="en-US" sz="2400" dirty="0">
+              <a:latin typeface="배달의민족 주아" pitchFamily="18" charset="-127"/>
+              <a:ea typeface="배달의민족 주아" pitchFamily="18" charset="-127"/>
+            </a:endParaRPr>
+          </a:p>
+        </p:txBody>
+      </p:sp>
+      <p:sp>
+        <p:nvSpPr>
+          <p:cNvPr id="6" name="TextBox 5"/>
+          <p:cNvSpPr txBox="1"/>
+          <p:nvPr/>
+        </p:nvSpPr>
+        <p:spPr>
+          <a:xfrm>
+            <a:off x="489857" y="810815"/>
+            <a:ext cx="1531188" cy="369332"/>
+          </a:xfrm>
+          <a:prstGeom prst="rect">
+            <a:avLst/>
+          </a:prstGeom>
+          <a:noFill/>
+        </p:spPr>
+        <p:txBody>
+          <a:bodyPr wrap="none" rtlCol="0">
+            <a:spAutoFit/>
+          </a:bodyPr>
+          <a:lstStyle/>
+          <a:p>
+            <a:r>
+              <a:rPr lang="en-US" altLang="ko-KR" dirty="0" smtClean="0">
+                <a:solidFill>
+                  <a:schemeClr val="bg1"/>
+                </a:solidFill>
+                <a:latin typeface="배달의민족 주아" pitchFamily="18" charset="-127"/>
+                <a:ea typeface="배달의민족 주아" pitchFamily="18" charset="-127"/>
+              </a:rPr>
+              <a:t>- </a:t>
+            </a:r>
+            <a:r>
+              <a:rPr lang="ko-KR" altLang="en-US" dirty="0" smtClean="0">
+                <a:solidFill>
+                  <a:schemeClr val="bg1"/>
+                </a:solidFill>
+                <a:latin typeface="배달의민족 주아" pitchFamily="18" charset="-127"/>
+                <a:ea typeface="배달의민족 주아" pitchFamily="18" charset="-127"/>
+              </a:rPr>
+              <a:t> </a:t>
+            </a:r>
+            <a:r>
+              <a:rPr lang="ko-KR" altLang="en-US" dirty="0" err="1" smtClean="0">
+                <a:solidFill>
+                  <a:schemeClr val="bg1"/>
+                </a:solidFill>
+                <a:latin typeface="배달의민족 주아" pitchFamily="18" charset="-127"/>
+                <a:ea typeface="배달의민족 주아" pitchFamily="18" charset="-127"/>
+              </a:rPr>
+              <a:t>파이어베이스</a:t>
+            </a:r>
+            <a:endParaRPr lang="en-US" altLang="ko-KR" dirty="0" smtClean="0">
+              <a:solidFill>
+                <a:schemeClr val="bg1"/>
+              </a:solidFill>
+              <a:latin typeface="배달의민족 주아" pitchFamily="18" charset="-127"/>
+              <a:ea typeface="배달의민족 주아" pitchFamily="18" charset="-127"/>
+            </a:endParaRPr>
+          </a:p>
+        </p:txBody>
+      </p:sp>
+    </p:spTree>
+    <p:extLst>
+      <p:ext uri="{BB962C8B-B14F-4D97-AF65-F5344CB8AC3E}">
+        <p14:creationId xmlns:p14="http://schemas.microsoft.com/office/powerpoint/2010/main" xmlns="" val="2050327707"/>
+      </p:ext>
+    </p:extLst>
+  </p:cSld>
+  <p:clrMapOvr>
+    <a:masterClrMapping/>
+  </p:clrMapOvr>
+</p:sld>
+</file>
+
+<file path=ppt/slides/slide22.xml><?xml version="1.0" encoding="utf-8"?>
+<p:sld xmlns:a="http://schemas.openxmlformats.org/drawingml/2006/main" xmlns:r="http://schemas.openxmlformats.org/officeDocument/2006/relationships" xmlns:p="http://schemas.openxmlformats.org/presentationml/2006/main">
+  <p:cSld>
+    <p:spTree>
+      <p:nvGrpSpPr>
+        <p:cNvPr id="1" name=""/>
+        <p:cNvGrpSpPr/>
+        <p:nvPr/>
+      </p:nvGrpSpPr>
+      <p:grpSpPr>
+        <a:xfrm>
+          <a:off x="0" y="0"/>
+          <a:ext cx="0" cy="0"/>
+          <a:chOff x="0" y="0"/>
+          <a:chExt cx="0" cy="0"/>
+        </a:xfrm>
+      </p:grpSpPr>
+      <p:sp>
+        <p:nvSpPr>
+          <p:cNvPr id="34" name="직사각형 33">
+            <a:extLst>
+              <a:ext uri="{FF2B5EF4-FFF2-40B4-BE49-F238E27FC236}">
+                <a16:creationId xmlns:a16="http://schemas.microsoft.com/office/drawing/2014/main" xmlns="" id="{37CB002D-8420-B548-9BEA-2E18D8A9A204}"/>
+              </a:ext>
+            </a:extLst>
+          </p:cNvPr>
+          <p:cNvSpPr/>
+          <p:nvPr/>
+        </p:nvSpPr>
+        <p:spPr>
+          <a:xfrm>
+            <a:off x="0" y="1180147"/>
+            <a:ext cx="12192000" cy="5419364"/>
+          </a:xfrm>
+          <a:prstGeom prst="rect">
+            <a:avLst/>
+          </a:prstGeom>
+          <a:solidFill>
+            <a:schemeClr val="bg1">
+              <a:lumMod val="95000"/>
+            </a:schemeClr>
+          </a:solidFill>
+          <a:ln>
+            <a:noFill/>
+          </a:ln>
+        </p:spPr>
+        <p:style>
+          <a:lnRef idx="2">
+            <a:schemeClr val="accent1">
+              <a:shade val="50000"/>
+            </a:schemeClr>
+          </a:lnRef>
+          <a:fillRef idx="1">
+            <a:schemeClr val="accent1"/>
+          </a:fillRef>
+          <a:effectRef idx="0">
+            <a:schemeClr val="accent1"/>
+          </a:effectRef>
+          <a:fontRef idx="minor">
+            <a:schemeClr val="lt1"/>
+          </a:fontRef>
+        </p:style>
+        <p:txBody>
+          <a:bodyPr anchor="ctr"/>
+          <a:lstStyle/>
+          <a:p>
+            <a:pPr algn="ctr"/>
+            <a:endParaRPr lang="ko-KR" altLang="en-US" sz="1600" dirty="0"/>
+          </a:p>
+        </p:txBody>
+      </p:sp>
+      <p:sp>
+        <p:nvSpPr>
+          <p:cNvPr id="8" name="직사각형 7">
+            <a:extLst>
+              <a:ext uri="{FF2B5EF4-FFF2-40B4-BE49-F238E27FC236}">
+                <a16:creationId xmlns:a16="http://schemas.microsoft.com/office/drawing/2014/main" xmlns="" id="{6B8B80B4-792D-174E-8B2C-A10CA85CDD01}"/>
+              </a:ext>
+            </a:extLst>
+          </p:cNvPr>
+          <p:cNvSpPr/>
+          <p:nvPr/>
+        </p:nvSpPr>
+        <p:spPr>
+          <a:xfrm>
+            <a:off x="0" y="199491"/>
+            <a:ext cx="4768342" cy="490328"/>
+          </a:xfrm>
+          <a:prstGeom prst="rect">
+            <a:avLst/>
+          </a:prstGeom>
+          <a:solidFill>
+            <a:schemeClr val="accent5">
+              <a:lumMod val="40000"/>
+              <a:lumOff val="60000"/>
+            </a:schemeClr>
+          </a:solidFill>
+          <a:ln>
+            <a:solidFill>
+              <a:schemeClr val="accent5">
+                <a:lumMod val="40000"/>
+                <a:lumOff val="60000"/>
+              </a:schemeClr>
+            </a:solidFill>
+          </a:ln>
+        </p:spPr>
+        <p:style>
+          <a:lnRef idx="2">
+            <a:schemeClr val="accent1">
+              <a:shade val="50000"/>
+            </a:schemeClr>
+          </a:lnRef>
+          <a:fillRef idx="1">
+            <a:schemeClr val="accent1"/>
+          </a:fillRef>
+          <a:effectRef idx="0">
+            <a:schemeClr val="accent1"/>
+          </a:effectRef>
+          <a:fontRef idx="minor">
+            <a:schemeClr val="lt1"/>
+          </a:fontRef>
+        </p:style>
+        <p:txBody>
+          <a:bodyPr rtlCol="0" anchor="ctr"/>
+          <a:lstStyle/>
+          <a:p>
+            <a:pPr algn="ctr"/>
+            <a:endParaRPr kumimoji="1" lang="ko-KR" altLang="en-US"/>
+          </a:p>
+        </p:txBody>
+      </p:sp>
+      <p:sp>
+        <p:nvSpPr>
+          <p:cNvPr id="9" name="직각 삼각형[R] 8">
+            <a:extLst>
+              <a:ext uri="{FF2B5EF4-FFF2-40B4-BE49-F238E27FC236}">
+                <a16:creationId xmlns:a16="http://schemas.microsoft.com/office/drawing/2014/main" xmlns="" id="{E9289217-6E56-7D4B-B6FB-329F373CAF3E}"/>
+              </a:ext>
+            </a:extLst>
+          </p:cNvPr>
+          <p:cNvSpPr/>
+          <p:nvPr/>
+        </p:nvSpPr>
+        <p:spPr>
+          <a:xfrm flipH="1">
+            <a:off x="4351984" y="276690"/>
+            <a:ext cx="475099" cy="490328"/>
+          </a:xfrm>
+          <a:prstGeom prst="rtTriangle">
+            <a:avLst/>
+          </a:prstGeom>
+          <a:solidFill>
+            <a:schemeClr val="accent5">
+              <a:lumMod val="75000"/>
+            </a:schemeClr>
+          </a:solidFill>
+          <a:ln>
+            <a:noFill/>
+          </a:ln>
+        </p:spPr>
+        <p:style>
+          <a:lnRef idx="2">
+            <a:schemeClr val="accent1">
+              <a:shade val="50000"/>
+            </a:schemeClr>
+          </a:lnRef>
+          <a:fillRef idx="1">
+            <a:schemeClr val="accent1"/>
+          </a:fillRef>
+          <a:effectRef idx="0">
+            <a:schemeClr val="accent1"/>
+          </a:effectRef>
+          <a:fontRef idx="minor">
+            <a:schemeClr val="lt1"/>
+          </a:fontRef>
+        </p:style>
+        <p:txBody>
+          <a:bodyPr rtlCol="0" anchor="ctr"/>
+          <a:lstStyle/>
+          <a:p>
+            <a:pPr algn="ctr"/>
+            <a:endParaRPr kumimoji="1" lang="ko-KR" altLang="en-US"/>
+          </a:p>
+        </p:txBody>
+      </p:sp>
+      <p:sp>
+        <p:nvSpPr>
+          <p:cNvPr id="20" name="TextBox 19">
+            <a:extLst>
+              <a:ext uri="{FF2B5EF4-FFF2-40B4-BE49-F238E27FC236}">
+                <a16:creationId xmlns:a16="http://schemas.microsoft.com/office/drawing/2014/main" xmlns="" id="{849EE5DD-2363-0B42-B4FD-2464134E7BE2}"/>
+              </a:ext>
+            </a:extLst>
+          </p:cNvPr>
+          <p:cNvSpPr txBox="1"/>
+          <p:nvPr/>
+        </p:nvSpPr>
+        <p:spPr>
+          <a:xfrm>
+            <a:off x="212837" y="199491"/>
+            <a:ext cx="2252540" cy="461665"/>
+          </a:xfrm>
+          <a:prstGeom prst="rect">
+            <a:avLst/>
+          </a:prstGeom>
+          <a:noFill/>
+        </p:spPr>
+        <p:txBody>
+          <a:bodyPr wrap="none" rtlCol="0">
+            <a:spAutoFit/>
+          </a:bodyPr>
+          <a:lstStyle/>
+          <a:p>
+            <a:r>
+              <a:rPr kumimoji="1" lang="en-US" altLang="ko-KR" sz="2400" dirty="0" smtClean="0">
+                <a:latin typeface="배달의민족 주아" pitchFamily="18" charset="-127"/>
+                <a:ea typeface="배달의민족 주아" pitchFamily="18" charset="-127"/>
+              </a:rPr>
+              <a:t>05. </a:t>
+            </a:r>
+            <a:r>
+              <a:rPr kumimoji="1" lang="ko-KR" altLang="en-US" sz="2400" dirty="0" smtClean="0">
+                <a:latin typeface="배달의민족 주아" pitchFamily="18" charset="-127"/>
+                <a:ea typeface="배달의민족 주아" pitchFamily="18" charset="-127"/>
+              </a:rPr>
+              <a:t>프로젝트 일정</a:t>
+            </a:r>
+            <a:endParaRPr kumimoji="1" lang="ko-KR" altLang="en-US" sz="2400" dirty="0">
+              <a:latin typeface="배달의민족 주아" pitchFamily="18" charset="-127"/>
+              <a:ea typeface="배달의민족 주아" pitchFamily="18" charset="-127"/>
+            </a:endParaRPr>
+          </a:p>
+        </p:txBody>
+      </p:sp>
+      <p:sp>
+        <p:nvSpPr>
+          <p:cNvPr id="6" name="TextBox 5"/>
+          <p:cNvSpPr txBox="1"/>
+          <p:nvPr/>
+        </p:nvSpPr>
+        <p:spPr>
+          <a:xfrm>
+            <a:off x="489857" y="810815"/>
+            <a:ext cx="1584088" cy="369332"/>
+          </a:xfrm>
+          <a:prstGeom prst="rect">
+            <a:avLst/>
+          </a:prstGeom>
+          <a:noFill/>
+        </p:spPr>
+        <p:txBody>
+          <a:bodyPr wrap="none" rtlCol="0">
+            <a:spAutoFit/>
+          </a:bodyPr>
+          <a:lstStyle/>
+          <a:p>
+            <a:r>
+              <a:rPr lang="en-US" altLang="ko-KR" dirty="0" smtClean="0">
+                <a:solidFill>
+                  <a:schemeClr val="bg1"/>
+                </a:solidFill>
+                <a:latin typeface="배달의민족 주아" pitchFamily="18" charset="-127"/>
+                <a:ea typeface="배달의민족 주아" pitchFamily="18" charset="-127"/>
+              </a:rPr>
+              <a:t>-  </a:t>
+            </a:r>
+            <a:r>
+              <a:rPr lang="ko-KR" altLang="en-US" dirty="0" smtClean="0">
+                <a:solidFill>
+                  <a:schemeClr val="bg1"/>
+                </a:solidFill>
+                <a:latin typeface="배달의민족 주아" pitchFamily="18" charset="-127"/>
+                <a:ea typeface="배달의민족 주아" pitchFamily="18" charset="-127"/>
+              </a:rPr>
+              <a:t>프로젝트 일정</a:t>
+            </a:r>
+            <a:endParaRPr lang="en-US" altLang="ko-KR" dirty="0" smtClean="0">
+              <a:solidFill>
+                <a:schemeClr val="bg1"/>
+              </a:solidFill>
+              <a:latin typeface="배달의민족 주아" pitchFamily="18" charset="-127"/>
+              <a:ea typeface="배달의민족 주아" pitchFamily="18" charset="-127"/>
+            </a:endParaRPr>
+          </a:p>
+        </p:txBody>
+      </p:sp>
+    </p:spTree>
+    <p:extLst>
+      <p:ext uri="{BB962C8B-B14F-4D97-AF65-F5344CB8AC3E}">
+        <p14:creationId xmlns:p14="http://schemas.microsoft.com/office/powerpoint/2010/main" xmlns="" val="2050327707"/>
+      </p:ext>
+    </p:extLst>
+  </p:cSld>
+  <p:clrMapOvr>
+    <a:masterClrMapping/>
+  </p:clrMapOvr>
+</p:sld>
+</file>
+
+<file path=ppt/slides/slide23.xml><?xml version="1.0" encoding="utf-8"?>
+<p:sld xmlns:a="http://schemas.openxmlformats.org/drawingml/2006/main" xmlns:r="http://schemas.openxmlformats.org/officeDocument/2006/relationships" xmlns:p="http://schemas.openxmlformats.org/presentationml/2006/main">
+  <p:cSld>
+    <p:spTree>
+      <p:nvGrpSpPr>
+        <p:cNvPr id="1" name=""/>
+        <p:cNvGrpSpPr/>
+        <p:nvPr/>
+      </p:nvGrpSpPr>
+      <p:grpSpPr>
+        <a:xfrm>
+          <a:off x="0" y="0"/>
+          <a:ext cx="0" cy="0"/>
+          <a:chOff x="0" y="0"/>
+          <a:chExt cx="0" cy="0"/>
+        </a:xfrm>
+      </p:grpSpPr>
+      <p:sp>
+        <p:nvSpPr>
+          <p:cNvPr id="34" name="직사각형 33">
+            <a:extLst>
+              <a:ext uri="{FF2B5EF4-FFF2-40B4-BE49-F238E27FC236}">
+                <a16:creationId xmlns:a16="http://schemas.microsoft.com/office/drawing/2014/main" xmlns="" id="{37CB002D-8420-B548-9BEA-2E18D8A9A204}"/>
+              </a:ext>
+            </a:extLst>
+          </p:cNvPr>
+          <p:cNvSpPr/>
+          <p:nvPr/>
+        </p:nvSpPr>
+        <p:spPr>
+          <a:xfrm>
+            <a:off x="0" y="1180147"/>
+            <a:ext cx="12192000" cy="5419364"/>
+          </a:xfrm>
+          <a:prstGeom prst="rect">
+            <a:avLst/>
+          </a:prstGeom>
+          <a:solidFill>
+            <a:schemeClr val="bg1">
+              <a:lumMod val="95000"/>
+            </a:schemeClr>
+          </a:solidFill>
+          <a:ln>
+            <a:noFill/>
+          </a:ln>
+        </p:spPr>
+        <p:style>
+          <a:lnRef idx="2">
+            <a:schemeClr val="accent1">
+              <a:shade val="50000"/>
+            </a:schemeClr>
+          </a:lnRef>
+          <a:fillRef idx="1">
+            <a:schemeClr val="accent1"/>
+          </a:fillRef>
+          <a:effectRef idx="0">
+            <a:schemeClr val="accent1"/>
+          </a:effectRef>
+          <a:fontRef idx="minor">
+            <a:schemeClr val="lt1"/>
+          </a:fontRef>
+        </p:style>
+        <p:txBody>
+          <a:bodyPr anchor="ctr"/>
+          <a:lstStyle/>
+          <a:p>
+            <a:pPr algn="ctr"/>
+            <a:endParaRPr lang="ko-KR" altLang="en-US" sz="1600" dirty="0"/>
+          </a:p>
+        </p:txBody>
+      </p:sp>
+      <p:sp>
+        <p:nvSpPr>
+          <p:cNvPr id="8" name="직사각형 7">
+            <a:extLst>
+              <a:ext uri="{FF2B5EF4-FFF2-40B4-BE49-F238E27FC236}">
+                <a16:creationId xmlns:a16="http://schemas.microsoft.com/office/drawing/2014/main" xmlns="" id="{6B8B80B4-792D-174E-8B2C-A10CA85CDD01}"/>
+              </a:ext>
+            </a:extLst>
+          </p:cNvPr>
+          <p:cNvSpPr/>
+          <p:nvPr/>
+        </p:nvSpPr>
+        <p:spPr>
+          <a:xfrm>
+            <a:off x="0" y="199491"/>
+            <a:ext cx="4768342" cy="490328"/>
+          </a:xfrm>
+          <a:prstGeom prst="rect">
+            <a:avLst/>
+          </a:prstGeom>
+          <a:solidFill>
+            <a:schemeClr val="accent5">
+              <a:lumMod val="40000"/>
+              <a:lumOff val="60000"/>
+            </a:schemeClr>
+          </a:solidFill>
+          <a:ln>
+            <a:solidFill>
+              <a:schemeClr val="accent5">
+                <a:lumMod val="40000"/>
+                <a:lumOff val="60000"/>
+              </a:schemeClr>
+            </a:solidFill>
+          </a:ln>
+        </p:spPr>
+        <p:style>
+          <a:lnRef idx="2">
+            <a:schemeClr val="accent1">
+              <a:shade val="50000"/>
+            </a:schemeClr>
+          </a:lnRef>
+          <a:fillRef idx="1">
+            <a:schemeClr val="accent1"/>
+          </a:fillRef>
+          <a:effectRef idx="0">
+            <a:schemeClr val="accent1"/>
+          </a:effectRef>
+          <a:fontRef idx="minor">
+            <a:schemeClr val="lt1"/>
+          </a:fontRef>
+        </p:style>
+        <p:txBody>
+          <a:bodyPr rtlCol="0" anchor="ctr"/>
+          <a:lstStyle/>
+          <a:p>
+            <a:pPr algn="ctr"/>
+            <a:endParaRPr kumimoji="1" lang="ko-KR" altLang="en-US"/>
+          </a:p>
+        </p:txBody>
+      </p:sp>
+      <p:sp>
+        <p:nvSpPr>
+          <p:cNvPr id="9" name="직각 삼각형[R] 8">
+            <a:extLst>
+              <a:ext uri="{FF2B5EF4-FFF2-40B4-BE49-F238E27FC236}">
+                <a16:creationId xmlns:a16="http://schemas.microsoft.com/office/drawing/2014/main" xmlns="" id="{E9289217-6E56-7D4B-B6FB-329F373CAF3E}"/>
+              </a:ext>
+            </a:extLst>
+          </p:cNvPr>
+          <p:cNvSpPr/>
+          <p:nvPr/>
+        </p:nvSpPr>
+        <p:spPr>
+          <a:xfrm flipH="1">
+            <a:off x="4351984" y="276690"/>
+            <a:ext cx="475099" cy="490328"/>
+          </a:xfrm>
+          <a:prstGeom prst="rtTriangle">
+            <a:avLst/>
+          </a:prstGeom>
+          <a:solidFill>
+            <a:schemeClr val="accent5">
+              <a:lumMod val="75000"/>
+            </a:schemeClr>
+          </a:solidFill>
+          <a:ln>
+            <a:noFill/>
+          </a:ln>
+        </p:spPr>
+        <p:style>
+          <a:lnRef idx="2">
+            <a:schemeClr val="accent1">
+              <a:shade val="50000"/>
+            </a:schemeClr>
+          </a:lnRef>
+          <a:fillRef idx="1">
+            <a:schemeClr val="accent1"/>
+          </a:fillRef>
+          <a:effectRef idx="0">
+            <a:schemeClr val="accent1"/>
+          </a:effectRef>
+          <a:fontRef idx="minor">
+            <a:schemeClr val="lt1"/>
+          </a:fontRef>
+        </p:style>
+        <p:txBody>
+          <a:bodyPr rtlCol="0" anchor="ctr"/>
+          <a:lstStyle/>
+          <a:p>
+            <a:pPr algn="ctr"/>
+            <a:endParaRPr kumimoji="1" lang="ko-KR" altLang="en-US"/>
+          </a:p>
+        </p:txBody>
+      </p:sp>
+      <p:sp>
+        <p:nvSpPr>
+          <p:cNvPr id="20" name="TextBox 19">
+            <a:extLst>
+              <a:ext uri="{FF2B5EF4-FFF2-40B4-BE49-F238E27FC236}">
+                <a16:creationId xmlns:a16="http://schemas.microsoft.com/office/drawing/2014/main" xmlns="" id="{849EE5DD-2363-0B42-B4FD-2464134E7BE2}"/>
+              </a:ext>
+            </a:extLst>
+          </p:cNvPr>
+          <p:cNvSpPr txBox="1"/>
+          <p:nvPr/>
+        </p:nvSpPr>
+        <p:spPr>
+          <a:xfrm>
+            <a:off x="212837" y="199491"/>
+            <a:ext cx="2252540" cy="461665"/>
+          </a:xfrm>
+          <a:prstGeom prst="rect">
+            <a:avLst/>
+          </a:prstGeom>
+          <a:noFill/>
+        </p:spPr>
+        <p:txBody>
+          <a:bodyPr wrap="none" rtlCol="0">
+            <a:spAutoFit/>
+          </a:bodyPr>
+          <a:lstStyle/>
+          <a:p>
+            <a:r>
+              <a:rPr kumimoji="1" lang="en-US" altLang="ko-KR" sz="2400" dirty="0" smtClean="0">
+                <a:latin typeface="배달의민족 주아" pitchFamily="18" charset="-127"/>
+                <a:ea typeface="배달의민족 주아" pitchFamily="18" charset="-127"/>
+              </a:rPr>
+              <a:t>05. </a:t>
+            </a:r>
+            <a:r>
+              <a:rPr kumimoji="1" lang="ko-KR" altLang="en-US" sz="2400" dirty="0" smtClean="0">
+                <a:latin typeface="배달의민족 주아" pitchFamily="18" charset="-127"/>
+                <a:ea typeface="배달의민족 주아" pitchFamily="18" charset="-127"/>
+              </a:rPr>
+              <a:t>프로젝트 일정</a:t>
+            </a:r>
+            <a:endParaRPr kumimoji="1" lang="ko-KR" altLang="en-US" sz="2400" dirty="0">
+              <a:latin typeface="배달의민족 주아" pitchFamily="18" charset="-127"/>
+              <a:ea typeface="배달의민족 주아" pitchFamily="18" charset="-127"/>
+            </a:endParaRPr>
+          </a:p>
+        </p:txBody>
+      </p:sp>
+      <p:sp>
+        <p:nvSpPr>
+          <p:cNvPr id="6" name="TextBox 5"/>
+          <p:cNvSpPr txBox="1"/>
+          <p:nvPr/>
+        </p:nvSpPr>
+        <p:spPr>
+          <a:xfrm>
+            <a:off x="489857" y="810815"/>
+            <a:ext cx="1160895" cy="369332"/>
+          </a:xfrm>
+          <a:prstGeom prst="rect">
+            <a:avLst/>
+          </a:prstGeom>
+          <a:noFill/>
+        </p:spPr>
+        <p:txBody>
+          <a:bodyPr wrap="none" rtlCol="0">
+            <a:spAutoFit/>
+          </a:bodyPr>
+          <a:lstStyle/>
+          <a:p>
+            <a:r>
+              <a:rPr lang="en-US" altLang="ko-KR" dirty="0" smtClean="0">
+                <a:solidFill>
+                  <a:schemeClr val="bg1"/>
+                </a:solidFill>
+                <a:latin typeface="배달의민족 주아" pitchFamily="18" charset="-127"/>
+                <a:ea typeface="배달의민족 주아" pitchFamily="18" charset="-127"/>
+              </a:rPr>
+              <a:t>- </a:t>
+            </a:r>
+            <a:r>
+              <a:rPr lang="ko-KR" altLang="en-US" dirty="0" smtClean="0">
+                <a:solidFill>
+                  <a:schemeClr val="bg1"/>
+                </a:solidFill>
+                <a:latin typeface="배달의민족 주아" pitchFamily="18" charset="-127"/>
+                <a:ea typeface="배달의민족 주아" pitchFamily="18" charset="-127"/>
+              </a:rPr>
+              <a:t> </a:t>
+            </a:r>
+            <a:r>
+              <a:rPr lang="ko-KR" altLang="en-US" dirty="0" err="1" smtClean="0">
+                <a:solidFill>
+                  <a:schemeClr val="bg1"/>
+                </a:solidFill>
+                <a:latin typeface="배달의민족 주아" pitchFamily="18" charset="-127"/>
+                <a:ea typeface="배달의민족 주아" pitchFamily="18" charset="-127"/>
+              </a:rPr>
+              <a:t>칸반보드</a:t>
+            </a:r>
+            <a:endParaRPr lang="en-US" altLang="ko-KR" dirty="0" smtClean="0">
+              <a:solidFill>
+                <a:schemeClr val="bg1"/>
+              </a:solidFill>
+              <a:latin typeface="배달의민족 주아" pitchFamily="18" charset="-127"/>
+              <a:ea typeface="배달의민족 주아" pitchFamily="18" charset="-127"/>
+            </a:endParaRPr>
+          </a:p>
+        </p:txBody>
+      </p:sp>
+    </p:spTree>
+    <p:extLst>
+      <p:ext uri="{BB962C8B-B14F-4D97-AF65-F5344CB8AC3E}">
+        <p14:creationId xmlns:p14="http://schemas.microsoft.com/office/powerpoint/2010/main" xmlns="" val="2050327707"/>
+      </p:ext>
+    </p:extLst>
+  </p:cSld>
+  <p:clrMapOvr>
+    <a:masterClrMapping/>
+  </p:clrMapOvr>
+</p:sld>
+</file>
+
+<file path=ppt/slides/slide24.xml><?xml version="1.0" encoding="utf-8"?>
+<p:sld xmlns:a="http://schemas.openxmlformats.org/drawingml/2006/main" xmlns:r="http://schemas.openxmlformats.org/officeDocument/2006/relationships" xmlns:p="http://schemas.openxmlformats.org/presentationml/2006/main">
+  <p:cSld>
+    <p:spTree>
+      <p:nvGrpSpPr>
+        <p:cNvPr id="1" name=""/>
+        <p:cNvGrpSpPr/>
+        <p:nvPr/>
+      </p:nvGrpSpPr>
+      <p:grpSpPr>
+        <a:xfrm>
+          <a:off x="0" y="0"/>
+          <a:ext cx="0" cy="0"/>
+          <a:chOff x="0" y="0"/>
+          <a:chExt cx="0" cy="0"/>
+        </a:xfrm>
+      </p:grpSpPr>
+      <p:sp>
+        <p:nvSpPr>
+          <p:cNvPr id="34" name="직사각형 33">
+            <a:extLst>
+              <a:ext uri="{FF2B5EF4-FFF2-40B4-BE49-F238E27FC236}">
+                <a16:creationId xmlns:a16="http://schemas.microsoft.com/office/drawing/2014/main" xmlns="" id="{37CB002D-8420-B548-9BEA-2E18D8A9A204}"/>
+              </a:ext>
+            </a:extLst>
+          </p:cNvPr>
+          <p:cNvSpPr/>
+          <p:nvPr/>
+        </p:nvSpPr>
+        <p:spPr>
+          <a:xfrm>
+            <a:off x="0" y="1180147"/>
+            <a:ext cx="12192000" cy="5419364"/>
+          </a:xfrm>
+          <a:prstGeom prst="rect">
+            <a:avLst/>
+          </a:prstGeom>
+          <a:solidFill>
+            <a:schemeClr val="bg1">
+              <a:lumMod val="95000"/>
+            </a:schemeClr>
+          </a:solidFill>
+          <a:ln>
+            <a:noFill/>
+          </a:ln>
+        </p:spPr>
+        <p:style>
+          <a:lnRef idx="2">
+            <a:schemeClr val="accent1">
+              <a:shade val="50000"/>
+            </a:schemeClr>
+          </a:lnRef>
+          <a:fillRef idx="1">
+            <a:schemeClr val="accent1"/>
+          </a:fillRef>
+          <a:effectRef idx="0">
+            <a:schemeClr val="accent1"/>
+          </a:effectRef>
+          <a:fontRef idx="minor">
+            <a:schemeClr val="lt1"/>
+          </a:fontRef>
+        </p:style>
+        <p:txBody>
+          <a:bodyPr anchor="ctr"/>
+          <a:lstStyle/>
+          <a:p>
+            <a:pPr algn="ctr"/>
+            <a:endParaRPr lang="ko-KR" altLang="en-US" sz="1600" dirty="0"/>
+          </a:p>
+        </p:txBody>
+      </p:sp>
+      <p:sp>
+        <p:nvSpPr>
+          <p:cNvPr id="8" name="직사각형 7">
+            <a:extLst>
+              <a:ext uri="{FF2B5EF4-FFF2-40B4-BE49-F238E27FC236}">
+                <a16:creationId xmlns:a16="http://schemas.microsoft.com/office/drawing/2014/main" xmlns="" id="{6B8B80B4-792D-174E-8B2C-A10CA85CDD01}"/>
+              </a:ext>
+            </a:extLst>
+          </p:cNvPr>
+          <p:cNvSpPr/>
+          <p:nvPr/>
+        </p:nvSpPr>
+        <p:spPr>
+          <a:xfrm>
+            <a:off x="0" y="199491"/>
+            <a:ext cx="4768342" cy="490328"/>
+          </a:xfrm>
+          <a:prstGeom prst="rect">
+            <a:avLst/>
+          </a:prstGeom>
+          <a:solidFill>
+            <a:schemeClr val="accent5">
+              <a:lumMod val="40000"/>
+              <a:lumOff val="60000"/>
+            </a:schemeClr>
+          </a:solidFill>
+          <a:ln>
+            <a:solidFill>
+              <a:schemeClr val="accent5">
+                <a:lumMod val="40000"/>
+                <a:lumOff val="60000"/>
+              </a:schemeClr>
+            </a:solidFill>
+          </a:ln>
+        </p:spPr>
+        <p:style>
+          <a:lnRef idx="2">
+            <a:schemeClr val="accent1">
+              <a:shade val="50000"/>
+            </a:schemeClr>
+          </a:lnRef>
+          <a:fillRef idx="1">
+            <a:schemeClr val="accent1"/>
+          </a:fillRef>
+          <a:effectRef idx="0">
+            <a:schemeClr val="accent1"/>
+          </a:effectRef>
+          <a:fontRef idx="minor">
+            <a:schemeClr val="lt1"/>
+          </a:fontRef>
+        </p:style>
+        <p:txBody>
+          <a:bodyPr rtlCol="0" anchor="ctr"/>
+          <a:lstStyle/>
+          <a:p>
+            <a:pPr algn="ctr"/>
+            <a:endParaRPr kumimoji="1" lang="ko-KR" altLang="en-US"/>
+          </a:p>
+        </p:txBody>
+      </p:sp>
+      <p:sp>
+        <p:nvSpPr>
+          <p:cNvPr id="9" name="직각 삼각형[R] 8">
+            <a:extLst>
+              <a:ext uri="{FF2B5EF4-FFF2-40B4-BE49-F238E27FC236}">
+                <a16:creationId xmlns:a16="http://schemas.microsoft.com/office/drawing/2014/main" xmlns="" id="{E9289217-6E56-7D4B-B6FB-329F373CAF3E}"/>
+              </a:ext>
+            </a:extLst>
+          </p:cNvPr>
+          <p:cNvSpPr/>
+          <p:nvPr/>
+        </p:nvSpPr>
+        <p:spPr>
+          <a:xfrm flipH="1">
+            <a:off x="4351984" y="276690"/>
+            <a:ext cx="475099" cy="490328"/>
+          </a:xfrm>
+          <a:prstGeom prst="rtTriangle">
+            <a:avLst/>
+          </a:prstGeom>
+          <a:solidFill>
+            <a:schemeClr val="accent5">
+              <a:lumMod val="75000"/>
+            </a:schemeClr>
+          </a:solidFill>
+          <a:ln>
+            <a:noFill/>
+          </a:ln>
+        </p:spPr>
+        <p:style>
+          <a:lnRef idx="2">
+            <a:schemeClr val="accent1">
+              <a:shade val="50000"/>
+            </a:schemeClr>
+          </a:lnRef>
+          <a:fillRef idx="1">
+            <a:schemeClr val="accent1"/>
+          </a:fillRef>
+          <a:effectRef idx="0">
+            <a:schemeClr val="accent1"/>
+          </a:effectRef>
+          <a:fontRef idx="minor">
+            <a:schemeClr val="lt1"/>
+          </a:fontRef>
+        </p:style>
+        <p:txBody>
+          <a:bodyPr rtlCol="0" anchor="ctr"/>
+          <a:lstStyle/>
+          <a:p>
+            <a:pPr algn="ctr"/>
+            <a:endParaRPr kumimoji="1" lang="ko-KR" altLang="en-US"/>
+          </a:p>
+        </p:txBody>
+      </p:sp>
+      <p:sp>
+        <p:nvSpPr>
+          <p:cNvPr id="20" name="TextBox 19">
+            <a:extLst>
+              <a:ext uri="{FF2B5EF4-FFF2-40B4-BE49-F238E27FC236}">
+                <a16:creationId xmlns:a16="http://schemas.microsoft.com/office/drawing/2014/main" xmlns="" id="{849EE5DD-2363-0B42-B4FD-2464134E7BE2}"/>
+              </a:ext>
+            </a:extLst>
+          </p:cNvPr>
+          <p:cNvSpPr txBox="1"/>
+          <p:nvPr/>
+        </p:nvSpPr>
+        <p:spPr>
+          <a:xfrm>
+            <a:off x="212837" y="199491"/>
+            <a:ext cx="2252540" cy="461665"/>
+          </a:xfrm>
+          <a:prstGeom prst="rect">
+            <a:avLst/>
+          </a:prstGeom>
+          <a:noFill/>
+        </p:spPr>
+        <p:txBody>
+          <a:bodyPr wrap="none" rtlCol="0">
+            <a:spAutoFit/>
+          </a:bodyPr>
+          <a:lstStyle/>
+          <a:p>
+            <a:r>
+              <a:rPr kumimoji="1" lang="en-US" altLang="ko-KR" sz="2400" dirty="0" smtClean="0">
+                <a:latin typeface="배달의민족 주아" pitchFamily="18" charset="-127"/>
+                <a:ea typeface="배달의민족 주아" pitchFamily="18" charset="-127"/>
+              </a:rPr>
+              <a:t>05. </a:t>
+            </a:r>
+            <a:r>
+              <a:rPr kumimoji="1" lang="ko-KR" altLang="en-US" sz="2400" dirty="0" smtClean="0">
+                <a:latin typeface="배달의민족 주아" pitchFamily="18" charset="-127"/>
+                <a:ea typeface="배달의민족 주아" pitchFamily="18" charset="-127"/>
+              </a:rPr>
+              <a:t>프로젝트 일정</a:t>
+            </a:r>
+            <a:endParaRPr kumimoji="1" lang="ko-KR" altLang="en-US" sz="2400" dirty="0">
+              <a:latin typeface="배달의민족 주아" pitchFamily="18" charset="-127"/>
+              <a:ea typeface="배달의민족 주아" pitchFamily="18" charset="-127"/>
+            </a:endParaRPr>
+          </a:p>
+        </p:txBody>
+      </p:sp>
+      <p:sp>
+        <p:nvSpPr>
+          <p:cNvPr id="6" name="TextBox 5"/>
+          <p:cNvSpPr txBox="1"/>
+          <p:nvPr/>
+        </p:nvSpPr>
+        <p:spPr>
+          <a:xfrm>
+            <a:off x="489857" y="810815"/>
+            <a:ext cx="971741" cy="369332"/>
+          </a:xfrm>
+          <a:prstGeom prst="rect">
+            <a:avLst/>
+          </a:prstGeom>
+          <a:noFill/>
+        </p:spPr>
+        <p:txBody>
+          <a:bodyPr wrap="none" rtlCol="0">
+            <a:spAutoFit/>
+          </a:bodyPr>
+          <a:lstStyle/>
+          <a:p>
+            <a:r>
+              <a:rPr lang="en-US" altLang="ko-KR" dirty="0" smtClean="0">
+                <a:solidFill>
+                  <a:schemeClr val="bg1"/>
+                </a:solidFill>
+                <a:latin typeface="배달의민족 주아" pitchFamily="18" charset="-127"/>
+                <a:ea typeface="배달의민족 주아" pitchFamily="18" charset="-127"/>
+              </a:rPr>
+              <a:t>- </a:t>
+            </a:r>
+            <a:r>
+              <a:rPr lang="ko-KR" altLang="en-US" dirty="0" smtClean="0">
+                <a:solidFill>
+                  <a:schemeClr val="bg1"/>
+                </a:solidFill>
+                <a:latin typeface="배달의민족 주아" pitchFamily="18" charset="-127"/>
+                <a:ea typeface="배달의민족 주아" pitchFamily="18" charset="-127"/>
+              </a:rPr>
+              <a:t> </a:t>
+            </a:r>
+            <a:r>
+              <a:rPr lang="ko-KR" altLang="en-US" dirty="0" smtClean="0">
+                <a:solidFill>
+                  <a:schemeClr val="bg1"/>
+                </a:solidFill>
+                <a:latin typeface="배달의민족 주아" pitchFamily="18" charset="-127"/>
+                <a:ea typeface="배달의민족 주아" pitchFamily="18" charset="-127"/>
+              </a:rPr>
+              <a:t>회의</a:t>
+            </a:r>
+            <a:r>
+              <a:rPr lang="ko-KR" altLang="en-US" dirty="0" smtClean="0">
+                <a:solidFill>
+                  <a:schemeClr val="bg1"/>
+                </a:solidFill>
+                <a:latin typeface="배달의민족 주아" pitchFamily="18" charset="-127"/>
+                <a:ea typeface="배달의민족 주아" pitchFamily="18" charset="-127"/>
+              </a:rPr>
+              <a:t>록</a:t>
+            </a:r>
+            <a:endParaRPr lang="en-US" altLang="ko-KR" dirty="0" smtClean="0">
+              <a:solidFill>
+                <a:schemeClr val="bg1"/>
+              </a:solidFill>
+              <a:latin typeface="배달의민족 주아" pitchFamily="18" charset="-127"/>
+              <a:ea typeface="배달의민족 주아" pitchFamily="18" charset="-127"/>
+            </a:endParaRPr>
+          </a:p>
+        </p:txBody>
+      </p:sp>
+    </p:spTree>
+    <p:extLst>
+      <p:ext uri="{BB962C8B-B14F-4D97-AF65-F5344CB8AC3E}">
+        <p14:creationId xmlns:p14="http://schemas.microsoft.com/office/powerpoint/2010/main" xmlns="" val="2050327707"/>
+      </p:ext>
+    </p:extLst>
+  </p:cSld>
+  <p:clrMapOvr>
+    <a:masterClrMapping/>
+  </p:clrMapOvr>
+</p:sld>
+</file>
+
+<file path=ppt/slides/slide25.xml><?xml version="1.0" encoding="utf-8"?>
+<p:sld xmlns:a="http://schemas.openxmlformats.org/drawingml/2006/main" xmlns:r="http://schemas.openxmlformats.org/officeDocument/2006/relationships" xmlns:p="http://schemas.openxmlformats.org/presentationml/2006/main">
+  <p:cSld>
+    <p:spTree>
+      <p:nvGrpSpPr>
+        <p:cNvPr id="1" name=""/>
+        <p:cNvGrpSpPr/>
+        <p:nvPr/>
+      </p:nvGrpSpPr>
+      <p:grpSpPr>
+        <a:xfrm>
+          <a:off x="0" y="0"/>
+          <a:ext cx="0" cy="0"/>
+          <a:chOff x="0" y="0"/>
+          <a:chExt cx="0" cy="0"/>
+        </a:xfrm>
+      </p:grpSpPr>
+      <p:sp>
+        <p:nvSpPr>
+          <p:cNvPr id="34" name="직사각형 33">
+            <a:extLst>
+              <a:ext uri="{FF2B5EF4-FFF2-40B4-BE49-F238E27FC236}">
+                <a16:creationId xmlns:a16="http://schemas.microsoft.com/office/drawing/2014/main" xmlns="" id="{37CB002D-8420-B548-9BEA-2E18D8A9A204}"/>
+              </a:ext>
+            </a:extLst>
+          </p:cNvPr>
+          <p:cNvSpPr/>
+          <p:nvPr/>
+        </p:nvSpPr>
+        <p:spPr>
+          <a:xfrm>
+            <a:off x="0" y="1180147"/>
+            <a:ext cx="12192000" cy="5419364"/>
+          </a:xfrm>
+          <a:prstGeom prst="rect">
+            <a:avLst/>
+          </a:prstGeom>
+          <a:solidFill>
+            <a:schemeClr val="bg1">
+              <a:lumMod val="95000"/>
+            </a:schemeClr>
+          </a:solidFill>
+          <a:ln>
+            <a:noFill/>
+          </a:ln>
+        </p:spPr>
+        <p:style>
+          <a:lnRef idx="2">
+            <a:schemeClr val="accent1">
+              <a:shade val="50000"/>
+            </a:schemeClr>
+          </a:lnRef>
+          <a:fillRef idx="1">
+            <a:schemeClr val="accent1"/>
+          </a:fillRef>
+          <a:effectRef idx="0">
+            <a:schemeClr val="accent1"/>
+          </a:effectRef>
+          <a:fontRef idx="minor">
+            <a:schemeClr val="lt1"/>
+          </a:fontRef>
+        </p:style>
+        <p:txBody>
+          <a:bodyPr anchor="ctr"/>
+          <a:lstStyle/>
+          <a:p>
+            <a:pPr algn="ctr"/>
+            <a:endParaRPr lang="ko-KR" altLang="en-US" sz="1600" dirty="0"/>
+          </a:p>
+        </p:txBody>
+      </p:sp>
+      <p:sp>
+        <p:nvSpPr>
+          <p:cNvPr id="8" name="직사각형 7">
+            <a:extLst>
+              <a:ext uri="{FF2B5EF4-FFF2-40B4-BE49-F238E27FC236}">
+                <a16:creationId xmlns:a16="http://schemas.microsoft.com/office/drawing/2014/main" xmlns="" id="{6B8B80B4-792D-174E-8B2C-A10CA85CDD01}"/>
+              </a:ext>
+            </a:extLst>
+          </p:cNvPr>
+          <p:cNvSpPr/>
+          <p:nvPr/>
+        </p:nvSpPr>
+        <p:spPr>
+          <a:xfrm>
+            <a:off x="0" y="199491"/>
+            <a:ext cx="4768342" cy="490328"/>
+          </a:xfrm>
+          <a:prstGeom prst="rect">
+            <a:avLst/>
+          </a:prstGeom>
+          <a:solidFill>
+            <a:schemeClr val="accent5">
+              <a:lumMod val="40000"/>
+              <a:lumOff val="60000"/>
+            </a:schemeClr>
+          </a:solidFill>
+          <a:ln>
+            <a:solidFill>
+              <a:schemeClr val="accent5">
+                <a:lumMod val="40000"/>
+                <a:lumOff val="60000"/>
+              </a:schemeClr>
+            </a:solidFill>
+          </a:ln>
+        </p:spPr>
+        <p:style>
+          <a:lnRef idx="2">
+            <a:schemeClr val="accent1">
+              <a:shade val="50000"/>
+            </a:schemeClr>
+          </a:lnRef>
+          <a:fillRef idx="1">
+            <a:schemeClr val="accent1"/>
+          </a:fillRef>
+          <a:effectRef idx="0">
+            <a:schemeClr val="accent1"/>
+          </a:effectRef>
+          <a:fontRef idx="minor">
+            <a:schemeClr val="lt1"/>
+          </a:fontRef>
+        </p:style>
+        <p:txBody>
+          <a:bodyPr rtlCol="0" anchor="ctr"/>
+          <a:lstStyle/>
+          <a:p>
+            <a:pPr algn="ctr"/>
+            <a:endParaRPr kumimoji="1" lang="ko-KR" altLang="en-US"/>
+          </a:p>
+        </p:txBody>
+      </p:sp>
+      <p:sp>
+        <p:nvSpPr>
+          <p:cNvPr id="9" name="직각 삼각형[R] 8">
+            <a:extLst>
+              <a:ext uri="{FF2B5EF4-FFF2-40B4-BE49-F238E27FC236}">
+                <a16:creationId xmlns:a16="http://schemas.microsoft.com/office/drawing/2014/main" xmlns="" id="{E9289217-6E56-7D4B-B6FB-329F373CAF3E}"/>
+              </a:ext>
+            </a:extLst>
+          </p:cNvPr>
+          <p:cNvSpPr/>
+          <p:nvPr/>
+        </p:nvSpPr>
+        <p:spPr>
+          <a:xfrm flipH="1">
+            <a:off x="4351984" y="276690"/>
+            <a:ext cx="475099" cy="490328"/>
+          </a:xfrm>
+          <a:prstGeom prst="rtTriangle">
+            <a:avLst/>
+          </a:prstGeom>
+          <a:solidFill>
+            <a:schemeClr val="accent5">
+              <a:lumMod val="75000"/>
+            </a:schemeClr>
+          </a:solidFill>
+          <a:ln>
+            <a:noFill/>
+          </a:ln>
+        </p:spPr>
+        <p:style>
+          <a:lnRef idx="2">
+            <a:schemeClr val="accent1">
+              <a:shade val="50000"/>
+            </a:schemeClr>
+          </a:lnRef>
+          <a:fillRef idx="1">
+            <a:schemeClr val="accent1"/>
+          </a:fillRef>
+          <a:effectRef idx="0">
+            <a:schemeClr val="accent1"/>
+          </a:effectRef>
+          <a:fontRef idx="minor">
+            <a:schemeClr val="lt1"/>
+          </a:fontRef>
+        </p:style>
+        <p:txBody>
+          <a:bodyPr rtlCol="0" anchor="ctr"/>
+          <a:lstStyle/>
+          <a:p>
+            <a:pPr algn="ctr"/>
+            <a:endParaRPr kumimoji="1" lang="ko-KR" altLang="en-US"/>
+          </a:p>
+        </p:txBody>
+      </p:sp>
+      <p:sp>
+        <p:nvSpPr>
+          <p:cNvPr id="20" name="TextBox 19">
+            <a:extLst>
+              <a:ext uri="{FF2B5EF4-FFF2-40B4-BE49-F238E27FC236}">
+                <a16:creationId xmlns:a16="http://schemas.microsoft.com/office/drawing/2014/main" xmlns="" id="{849EE5DD-2363-0B42-B4FD-2464134E7BE2}"/>
+              </a:ext>
+            </a:extLst>
+          </p:cNvPr>
+          <p:cNvSpPr txBox="1"/>
+          <p:nvPr/>
+        </p:nvSpPr>
+        <p:spPr>
+          <a:xfrm>
+            <a:off x="212837" y="199491"/>
+            <a:ext cx="2252540" cy="461665"/>
+          </a:xfrm>
+          <a:prstGeom prst="rect">
+            <a:avLst/>
+          </a:prstGeom>
+          <a:noFill/>
+        </p:spPr>
+        <p:txBody>
+          <a:bodyPr wrap="none" rtlCol="0">
+            <a:spAutoFit/>
+          </a:bodyPr>
+          <a:lstStyle/>
+          <a:p>
+            <a:r>
+              <a:rPr kumimoji="1" lang="en-US" altLang="ko-KR" sz="2400" dirty="0" smtClean="0">
+                <a:latin typeface="배달의민족 주아" pitchFamily="18" charset="-127"/>
+                <a:ea typeface="배달의민족 주아" pitchFamily="18" charset="-127"/>
+              </a:rPr>
+              <a:t>05. </a:t>
+            </a:r>
+            <a:r>
+              <a:rPr kumimoji="1" lang="ko-KR" altLang="en-US" sz="2400" dirty="0" smtClean="0">
+                <a:latin typeface="배달의민족 주아" pitchFamily="18" charset="-127"/>
+                <a:ea typeface="배달의민족 주아" pitchFamily="18" charset="-127"/>
+              </a:rPr>
+              <a:t>프로젝트 일정</a:t>
+            </a:r>
+            <a:endParaRPr kumimoji="1" lang="ko-KR" altLang="en-US" sz="2400" dirty="0">
+              <a:latin typeface="배달의민족 주아" pitchFamily="18" charset="-127"/>
+              <a:ea typeface="배달의민족 주아" pitchFamily="18" charset="-127"/>
+            </a:endParaRPr>
+          </a:p>
+        </p:txBody>
+      </p:sp>
+      <p:sp>
+        <p:nvSpPr>
+          <p:cNvPr id="6" name="TextBox 5"/>
+          <p:cNvSpPr txBox="1"/>
+          <p:nvPr/>
+        </p:nvSpPr>
+        <p:spPr>
+          <a:xfrm>
+            <a:off x="489857" y="810815"/>
+            <a:ext cx="1213794" cy="369332"/>
+          </a:xfrm>
+          <a:prstGeom prst="rect">
+            <a:avLst/>
+          </a:prstGeom>
+          <a:noFill/>
+        </p:spPr>
+        <p:txBody>
+          <a:bodyPr wrap="none" rtlCol="0">
+            <a:spAutoFit/>
+          </a:bodyPr>
+          <a:lstStyle/>
+          <a:p>
+            <a:r>
+              <a:rPr lang="en-US" altLang="ko-KR" dirty="0" smtClean="0">
+                <a:solidFill>
+                  <a:schemeClr val="bg1"/>
+                </a:solidFill>
+                <a:latin typeface="배달의민족 주아" pitchFamily="18" charset="-127"/>
+                <a:ea typeface="배달의민족 주아" pitchFamily="18" charset="-127"/>
+              </a:rPr>
+              <a:t>- </a:t>
+            </a:r>
+            <a:r>
+              <a:rPr lang="ko-KR" altLang="en-US" dirty="0" smtClean="0">
+                <a:solidFill>
+                  <a:schemeClr val="bg1"/>
+                </a:solidFill>
+                <a:latin typeface="배달의민족 주아" pitchFamily="18" charset="-127"/>
+                <a:ea typeface="배달의민족 주아" pitchFamily="18" charset="-127"/>
+              </a:rPr>
+              <a:t> </a:t>
+            </a:r>
+            <a:r>
+              <a:rPr lang="ko-KR" altLang="en-US" dirty="0" smtClean="0">
+                <a:solidFill>
+                  <a:schemeClr val="bg1"/>
+                </a:solidFill>
+                <a:latin typeface="배달의민족 주아" pitchFamily="18" charset="-127"/>
+                <a:ea typeface="배달의민족 주아" pitchFamily="18" charset="-127"/>
+              </a:rPr>
+              <a:t>버전 관리</a:t>
+            </a:r>
+            <a:endParaRPr lang="en-US" altLang="ko-KR" dirty="0" smtClean="0">
+              <a:solidFill>
+                <a:schemeClr val="bg1"/>
+              </a:solidFill>
+              <a:latin typeface="배달의민족 주아" pitchFamily="18" charset="-127"/>
+              <a:ea typeface="배달의민족 주아" pitchFamily="18" charset="-127"/>
+            </a:endParaRPr>
+          </a:p>
+        </p:txBody>
+      </p:sp>
+    </p:spTree>
+    <p:extLst>
+      <p:ext uri="{BB962C8B-B14F-4D97-AF65-F5344CB8AC3E}">
+        <p14:creationId xmlns:p14="http://schemas.microsoft.com/office/powerpoint/2010/main" xmlns="" val="2050327707"/>
+      </p:ext>
+    </p:extLst>
+  </p:cSld>
+  <p:clrMapOvr>
+    <a:masterClrMapping/>
+  </p:clrMapOvr>
+</p:sld>
+</file>
+
+<file path=ppt/slides/slide26.xml><?xml version="1.0" encoding="utf-8"?>
+<p:sld xmlns:a="http://schemas.openxmlformats.org/drawingml/2006/main" xmlns:r="http://schemas.openxmlformats.org/officeDocument/2006/relationships" xmlns:p="http://schemas.openxmlformats.org/presentationml/2006/main">
+  <p:cSld>
+    <p:spTree>
+      <p:nvGrpSpPr>
+        <p:cNvPr id="1" name=""/>
+        <p:cNvGrpSpPr/>
+        <p:nvPr/>
+      </p:nvGrpSpPr>
+      <p:grpSpPr>
+        <a:xfrm>
+          <a:off x="0" y="0"/>
+          <a:ext cx="0" cy="0"/>
+          <a:chOff x="0" y="0"/>
+          <a:chExt cx="0" cy="0"/>
+        </a:xfrm>
+      </p:grpSpPr>
+      <p:sp>
+        <p:nvSpPr>
+          <p:cNvPr id="34" name="직사각형 33">
+            <a:extLst>
+              <a:ext uri="{FF2B5EF4-FFF2-40B4-BE49-F238E27FC236}">
+                <a16:creationId xmlns:a16="http://schemas.microsoft.com/office/drawing/2014/main" xmlns="" id="{37CB002D-8420-B548-9BEA-2E18D8A9A204}"/>
+              </a:ext>
+            </a:extLst>
+          </p:cNvPr>
+          <p:cNvSpPr/>
+          <p:nvPr/>
+        </p:nvSpPr>
+        <p:spPr>
+          <a:xfrm>
+            <a:off x="0" y="1180147"/>
+            <a:ext cx="12192000" cy="5419364"/>
+          </a:xfrm>
+          <a:prstGeom prst="rect">
+            <a:avLst/>
+          </a:prstGeom>
+          <a:solidFill>
+            <a:schemeClr val="bg1">
+              <a:lumMod val="95000"/>
+            </a:schemeClr>
+          </a:solidFill>
+          <a:ln>
+            <a:noFill/>
+          </a:ln>
+        </p:spPr>
+        <p:style>
+          <a:lnRef idx="2">
+            <a:schemeClr val="accent1">
+              <a:shade val="50000"/>
+            </a:schemeClr>
+          </a:lnRef>
+          <a:fillRef idx="1">
+            <a:schemeClr val="accent1"/>
+          </a:fillRef>
+          <a:effectRef idx="0">
+            <a:schemeClr val="accent1"/>
+          </a:effectRef>
+          <a:fontRef idx="minor">
+            <a:schemeClr val="lt1"/>
+          </a:fontRef>
+        </p:style>
+        <p:txBody>
+          <a:bodyPr anchor="ctr"/>
+          <a:lstStyle/>
+          <a:p>
+            <a:pPr algn="ctr"/>
+            <a:endParaRPr lang="ko-KR" altLang="en-US" sz="1600" dirty="0"/>
+          </a:p>
+        </p:txBody>
+      </p:sp>
+      <p:sp>
+        <p:nvSpPr>
+          <p:cNvPr id="8" name="직사각형 7">
+            <a:extLst>
+              <a:ext uri="{FF2B5EF4-FFF2-40B4-BE49-F238E27FC236}">
+                <a16:creationId xmlns:a16="http://schemas.microsoft.com/office/drawing/2014/main" xmlns="" id="{6B8B80B4-792D-174E-8B2C-A10CA85CDD01}"/>
+              </a:ext>
+            </a:extLst>
+          </p:cNvPr>
+          <p:cNvSpPr/>
+          <p:nvPr/>
+        </p:nvSpPr>
+        <p:spPr>
+          <a:xfrm>
+            <a:off x="0" y="199491"/>
+            <a:ext cx="4768342" cy="490328"/>
+          </a:xfrm>
+          <a:prstGeom prst="rect">
+            <a:avLst/>
+          </a:prstGeom>
+          <a:solidFill>
+            <a:schemeClr val="accent5">
+              <a:lumMod val="40000"/>
+              <a:lumOff val="60000"/>
+            </a:schemeClr>
+          </a:solidFill>
+          <a:ln>
+            <a:solidFill>
+              <a:schemeClr val="accent5">
+                <a:lumMod val="40000"/>
+                <a:lumOff val="60000"/>
+              </a:schemeClr>
+            </a:solidFill>
+          </a:ln>
+        </p:spPr>
+        <p:style>
+          <a:lnRef idx="2">
+            <a:schemeClr val="accent1">
+              <a:shade val="50000"/>
+            </a:schemeClr>
+          </a:lnRef>
+          <a:fillRef idx="1">
+            <a:schemeClr val="accent1"/>
+          </a:fillRef>
+          <a:effectRef idx="0">
+            <a:schemeClr val="accent1"/>
+          </a:effectRef>
+          <a:fontRef idx="minor">
+            <a:schemeClr val="lt1"/>
+          </a:fontRef>
+        </p:style>
+        <p:txBody>
+          <a:bodyPr rtlCol="0" anchor="ctr"/>
+          <a:lstStyle/>
+          <a:p>
+            <a:pPr algn="ctr"/>
+            <a:endParaRPr kumimoji="1" lang="ko-KR" altLang="en-US"/>
+          </a:p>
+        </p:txBody>
+      </p:sp>
+      <p:sp>
+        <p:nvSpPr>
+          <p:cNvPr id="9" name="직각 삼각형[R] 8">
+            <a:extLst>
+              <a:ext uri="{FF2B5EF4-FFF2-40B4-BE49-F238E27FC236}">
+                <a16:creationId xmlns:a16="http://schemas.microsoft.com/office/drawing/2014/main" xmlns="" id="{E9289217-6E56-7D4B-B6FB-329F373CAF3E}"/>
+              </a:ext>
+            </a:extLst>
+          </p:cNvPr>
+          <p:cNvSpPr/>
+          <p:nvPr/>
+        </p:nvSpPr>
+        <p:spPr>
+          <a:xfrm flipH="1">
+            <a:off x="4351984" y="276690"/>
+            <a:ext cx="475099" cy="490328"/>
+          </a:xfrm>
+          <a:prstGeom prst="rtTriangle">
+            <a:avLst/>
+          </a:prstGeom>
+          <a:solidFill>
+            <a:schemeClr val="accent5">
+              <a:lumMod val="75000"/>
+            </a:schemeClr>
+          </a:solidFill>
+          <a:ln>
+            <a:noFill/>
+          </a:ln>
+        </p:spPr>
+        <p:style>
+          <a:lnRef idx="2">
+            <a:schemeClr val="accent1">
+              <a:shade val="50000"/>
+            </a:schemeClr>
+          </a:lnRef>
+          <a:fillRef idx="1">
+            <a:schemeClr val="accent1"/>
+          </a:fillRef>
+          <a:effectRef idx="0">
+            <a:schemeClr val="accent1"/>
+          </a:effectRef>
+          <a:fontRef idx="minor">
+            <a:schemeClr val="lt1"/>
+          </a:fontRef>
+        </p:style>
+        <p:txBody>
+          <a:bodyPr rtlCol="0" anchor="ctr"/>
+          <a:lstStyle/>
+          <a:p>
+            <a:pPr algn="ctr"/>
+            <a:endParaRPr kumimoji="1" lang="ko-KR" altLang="en-US"/>
+          </a:p>
+        </p:txBody>
+      </p:sp>
+      <p:sp>
+        <p:nvSpPr>
+          <p:cNvPr id="20" name="TextBox 19">
+            <a:extLst>
+              <a:ext uri="{FF2B5EF4-FFF2-40B4-BE49-F238E27FC236}">
+                <a16:creationId xmlns:a16="http://schemas.microsoft.com/office/drawing/2014/main" xmlns="" id="{849EE5DD-2363-0B42-B4FD-2464134E7BE2}"/>
+              </a:ext>
+            </a:extLst>
+          </p:cNvPr>
+          <p:cNvSpPr txBox="1"/>
+          <p:nvPr/>
+        </p:nvSpPr>
+        <p:spPr>
+          <a:xfrm>
+            <a:off x="212837" y="199491"/>
+            <a:ext cx="1773242" cy="461665"/>
+          </a:xfrm>
+          <a:prstGeom prst="rect">
+            <a:avLst/>
+          </a:prstGeom>
+          <a:noFill/>
+        </p:spPr>
+        <p:txBody>
+          <a:bodyPr wrap="none" rtlCol="0">
+            <a:spAutoFit/>
+          </a:bodyPr>
+          <a:lstStyle/>
+          <a:p>
+            <a:r>
+              <a:rPr kumimoji="1" lang="en-US" altLang="ko-KR" sz="2400" dirty="0">
+                <a:latin typeface="배달의민족 주아" pitchFamily="18" charset="-127"/>
+                <a:ea typeface="배달의민족 주아" pitchFamily="18" charset="-127"/>
+              </a:rPr>
+              <a:t>05. </a:t>
+            </a:r>
+            <a:r>
+              <a:rPr kumimoji="1" lang="ko-KR" altLang="en-US" sz="2400" dirty="0">
+                <a:latin typeface="배달의민족 주아" pitchFamily="18" charset="-127"/>
+                <a:ea typeface="배달의민족 주아" pitchFamily="18" charset="-127"/>
+              </a:rPr>
+              <a:t>팀원 소개</a:t>
+            </a:r>
+          </a:p>
+        </p:txBody>
+      </p:sp>
+    </p:spTree>
+    <p:extLst>
+      <p:ext uri="{BB962C8B-B14F-4D97-AF65-F5344CB8AC3E}">
+        <p14:creationId xmlns:p14="http://schemas.microsoft.com/office/powerpoint/2010/main" xmlns="" val="3002724931"/>
+      </p:ext>
+    </p:extLst>
+  </p:cSld>
+  <p:clrMapOvr>
+    <a:masterClrMapping/>
+  </p:clrMapOvr>
+</p:sld>
+</file>
+
+<file path=ppt/slides/slide27.xml><?xml version="1.0" encoding="utf-8"?>
+<p:sld xmlns:a="http://schemas.openxmlformats.org/drawingml/2006/main" xmlns:r="http://schemas.openxmlformats.org/officeDocument/2006/relationships" xmlns:p="http://schemas.openxmlformats.org/presentationml/2006/main">
+  <p:cSld>
+    <p:spTree>
+      <p:nvGrpSpPr>
+        <p:cNvPr id="1" name=""/>
+        <p:cNvGrpSpPr/>
+        <p:nvPr/>
+      </p:nvGrpSpPr>
+      <p:grpSpPr>
+        <a:xfrm>
+          <a:off x="0" y="0"/>
+          <a:ext cx="0" cy="0"/>
+          <a:chOff x="0" y="0"/>
+          <a:chExt cx="0" cy="0"/>
+        </a:xfrm>
+      </p:grpSpPr>
+      <p:sp>
+        <p:nvSpPr>
+          <p:cNvPr id="2" name="왼쪽 대괄호[L] 1">
+            <a:extLst>
+              <a:ext uri="{FF2B5EF4-FFF2-40B4-BE49-F238E27FC236}">
+                <a16:creationId xmlns:a16="http://schemas.microsoft.com/office/drawing/2014/main" xmlns="" id="{FD2BE796-18C4-7542-922F-AC07CCDE25AD}"/>
+              </a:ext>
+            </a:extLst>
+          </p:cNvPr>
+          <p:cNvSpPr/>
+          <p:nvPr/>
+        </p:nvSpPr>
+        <p:spPr>
+          <a:xfrm>
+            <a:off x="3655094" y="2971800"/>
+            <a:ext cx="73152" cy="914400"/>
+          </a:xfrm>
+          <a:prstGeom prst="leftBracket">
+            <a:avLst/>
+          </a:prstGeom>
+          <a:ln w="57150">
+            <a:solidFill>
+              <a:schemeClr val="accent5">
+                <a:lumMod val="60000"/>
+                <a:lumOff val="40000"/>
+              </a:schemeClr>
+            </a:solidFill>
+          </a:ln>
+        </p:spPr>
+        <p:style>
+          <a:lnRef idx="1">
+            <a:schemeClr val="accent1"/>
+          </a:lnRef>
+          <a:fillRef idx="0">
+            <a:schemeClr val="accent1"/>
+          </a:fillRef>
+          <a:effectRef idx="0">
+            <a:schemeClr val="accent1"/>
+          </a:effectRef>
+          <a:fontRef idx="minor">
+            <a:schemeClr val="tx1"/>
+          </a:fontRef>
+        </p:style>
+        <p:txBody>
+          <a:bodyPr rtlCol="0" anchor="ctr"/>
+          <a:lstStyle/>
+          <a:p>
+            <a:pPr algn="ctr"/>
+            <a:endParaRPr kumimoji="1" lang="ko-KR" altLang="en-US"/>
+          </a:p>
+        </p:txBody>
+      </p:sp>
+      <p:sp>
+        <p:nvSpPr>
+          <p:cNvPr id="13" name="왼쪽 대괄호[L] 12">
+            <a:extLst>
+              <a:ext uri="{FF2B5EF4-FFF2-40B4-BE49-F238E27FC236}">
+                <a16:creationId xmlns:a16="http://schemas.microsoft.com/office/drawing/2014/main" xmlns="" id="{EFECA2F4-7A60-7B4A-9E41-4C7AFF855ED1}"/>
+              </a:ext>
+            </a:extLst>
+          </p:cNvPr>
+          <p:cNvSpPr/>
+          <p:nvPr/>
+        </p:nvSpPr>
+        <p:spPr>
+          <a:xfrm flipH="1">
+            <a:off x="8444541" y="2971799"/>
+            <a:ext cx="73152" cy="914400"/>
+          </a:xfrm>
+          <a:prstGeom prst="leftBracket">
+            <a:avLst/>
+          </a:prstGeom>
+          <a:ln w="57150">
+            <a:solidFill>
+              <a:schemeClr val="accent5">
+                <a:lumMod val="60000"/>
+                <a:lumOff val="40000"/>
+              </a:schemeClr>
+            </a:solidFill>
+          </a:ln>
+        </p:spPr>
+        <p:style>
+          <a:lnRef idx="1">
+            <a:schemeClr val="accent1"/>
+          </a:lnRef>
+          <a:fillRef idx="0">
+            <a:schemeClr val="accent1"/>
+          </a:fillRef>
+          <a:effectRef idx="0">
+            <a:schemeClr val="accent1"/>
+          </a:effectRef>
+          <a:fontRef idx="minor">
+            <a:schemeClr val="tx1"/>
+          </a:fontRef>
+        </p:style>
+        <p:txBody>
+          <a:bodyPr rtlCol="0" anchor="ctr"/>
+          <a:lstStyle/>
+          <a:p>
+            <a:pPr algn="ctr"/>
+            <a:endParaRPr kumimoji="1" lang="ko-KR" altLang="en-US"/>
+          </a:p>
+        </p:txBody>
+      </p:sp>
+      <p:sp>
+        <p:nvSpPr>
+          <p:cNvPr id="11" name="TextBox 10"/>
+          <p:cNvSpPr txBox="1"/>
+          <p:nvPr/>
+        </p:nvSpPr>
+        <p:spPr>
+          <a:xfrm>
+            <a:off x="3788209" y="3015340"/>
+            <a:ext cx="4693272" cy="769441"/>
+          </a:xfrm>
+          <a:prstGeom prst="rect">
+            <a:avLst/>
+          </a:prstGeom>
+          <a:noFill/>
+        </p:spPr>
+        <p:txBody>
+          <a:bodyPr wrap="none" rtlCol="0">
+            <a:spAutoFit/>
+          </a:bodyPr>
+          <a:lstStyle/>
+          <a:p>
+            <a:r>
+              <a:rPr lang="en-US" altLang="ko-KR" sz="4400">
+                <a:solidFill>
+                  <a:schemeClr val="bg1"/>
+                </a:solidFill>
+                <a:latin typeface="배달의민족 주아" pitchFamily="18" charset="-127"/>
+                <a:ea typeface="배달의민족 주아" pitchFamily="18" charset="-127"/>
+              </a:rPr>
+              <a:t>Thank you so much</a:t>
+            </a:r>
+            <a:endParaRPr lang="ko-KR" altLang="en-US" sz="4400">
+              <a:solidFill>
+                <a:schemeClr val="bg1"/>
+              </a:solidFill>
+              <a:latin typeface="배달의민족 주아" pitchFamily="18" charset="-127"/>
+              <a:ea typeface="배달의민족 주아" pitchFamily="18" charset="-127"/>
+            </a:endParaRPr>
+          </a:p>
+        </p:txBody>
+      </p:sp>
+      <p:sp>
+        <p:nvSpPr>
+          <p:cNvPr id="14" name="TextBox 13"/>
+          <p:cNvSpPr txBox="1"/>
+          <p:nvPr/>
+        </p:nvSpPr>
+        <p:spPr>
+          <a:xfrm>
+            <a:off x="6492821" y="6052459"/>
+            <a:ext cx="5508303" cy="338554"/>
+          </a:xfrm>
+          <a:prstGeom prst="rect">
+            <a:avLst/>
+          </a:prstGeom>
+          <a:noFill/>
+        </p:spPr>
+        <p:txBody>
+          <a:bodyPr wrap="square" rtlCol="0">
+            <a:spAutoFit/>
+          </a:bodyPr>
+          <a:lstStyle/>
+          <a:p>
+            <a:pPr algn="r"/>
+            <a:r>
+              <a:rPr lang="en-US" altLang="ko-KR" sz="1600">
+                <a:solidFill>
+                  <a:schemeClr val="bg1"/>
+                </a:solidFill>
+                <a:latin typeface="배달의민족 주아" pitchFamily="18" charset="-127"/>
+                <a:ea typeface="배달의민족 주아" pitchFamily="18" charset="-127"/>
+              </a:rPr>
+              <a:t>Our PPT is quite exceptional , Actually We are exceptional.</a:t>
+            </a:r>
+          </a:p>
+        </p:txBody>
+      </p:sp>
+      <p:pic>
+        <p:nvPicPr>
+          <p:cNvPr id="7" name="그림 6">
+            <a:extLst>
+              <a:ext uri="{FF2B5EF4-FFF2-40B4-BE49-F238E27FC236}">
+                <a16:creationId xmlns:a16="http://schemas.microsoft.com/office/drawing/2014/main" xmlns="" id="{95C89E7D-FCD8-254C-B718-BA729EAAFC40}"/>
+              </a:ext>
+            </a:extLst>
+          </p:cNvPr>
+          <p:cNvPicPr>
+            <a:picLocks noChangeAspect="1"/>
+          </p:cNvPicPr>
+          <p:nvPr/>
+        </p:nvPicPr>
+        <p:blipFill>
+          <a:blip r:embed="rId2"/>
+          <a:stretch>
+            <a:fillRect/>
+          </a:stretch>
+        </p:blipFill>
+        <p:spPr>
+          <a:xfrm>
+            <a:off x="6416619" y="6041573"/>
+            <a:ext cx="386945" cy="386945"/>
+          </a:xfrm>
+          <a:prstGeom prst="rect">
+            <a:avLst/>
+          </a:prstGeom>
+        </p:spPr>
+      </p:pic>
+    </p:spTree>
+    <p:extLst>
+      <p:ext uri="{BB962C8B-B14F-4D97-AF65-F5344CB8AC3E}">
+        <p14:creationId xmlns:p14="http://schemas.microsoft.com/office/powerpoint/2010/main" xmlns="" val="3212234621"/>
       </p:ext>
     </p:extLst>
   </p:cSld>
@@ -5163,7 +10070,7 @@
           <p:cNvPr id="6" name="그림 5" descr="html5.png">
             <a:extLst>
               <a:ext uri="{FF2B5EF4-FFF2-40B4-BE49-F238E27FC236}">
-                <a16:creationId xmlns:a16="http://schemas.microsoft.com/office/drawing/2014/main" id="{2F4D2618-1A23-41D3-BEFB-694548B8E123}"/>
+                <a16:creationId xmlns:a16="http://schemas.microsoft.com/office/drawing/2014/main" xmlns="" id="{2F4D2618-1A23-41D3-BEFB-694548B8E123}"/>
               </a:ext>
             </a:extLst>
           </p:cNvPr>
@@ -5193,7 +10100,7 @@
           <p:cNvPr id="7" name="그림 6" descr="bootstraplogo.png">
             <a:extLst>
               <a:ext uri="{FF2B5EF4-FFF2-40B4-BE49-F238E27FC236}">
-                <a16:creationId xmlns:a16="http://schemas.microsoft.com/office/drawing/2014/main" id="{9B0027A7-1163-4A5A-8B53-3AE3E446DB9A}"/>
+                <a16:creationId xmlns:a16="http://schemas.microsoft.com/office/drawing/2014/main" xmlns="" id="{9B0027A7-1163-4A5A-8B53-3AE3E446DB9A}"/>
               </a:ext>
             </a:extLst>
           </p:cNvPr>
@@ -5223,7 +10130,7 @@
           <p:cNvPr id="8" name="그림 7" descr="jquery-logo.png">
             <a:extLst>
               <a:ext uri="{FF2B5EF4-FFF2-40B4-BE49-F238E27FC236}">
-                <a16:creationId xmlns:a16="http://schemas.microsoft.com/office/drawing/2014/main" id="{90B15745-ACD9-4CFC-9535-4A20161303F5}"/>
+                <a16:creationId xmlns:a16="http://schemas.microsoft.com/office/drawing/2014/main" xmlns="" id="{90B15745-ACD9-4CFC-9535-4A20161303F5}"/>
               </a:ext>
             </a:extLst>
           </p:cNvPr>
@@ -5253,7 +10160,7 @@
           <p:cNvPr id="9" name="그림 8" descr="AJAX_logo_by_gengns.svg.png">
             <a:extLst>
               <a:ext uri="{FF2B5EF4-FFF2-40B4-BE49-F238E27FC236}">
-                <a16:creationId xmlns:a16="http://schemas.microsoft.com/office/drawing/2014/main" id="{3178746F-5547-4508-BD10-ED7288D1160A}"/>
+                <a16:creationId xmlns:a16="http://schemas.microsoft.com/office/drawing/2014/main" xmlns="" id="{3178746F-5547-4508-BD10-ED7288D1160A}"/>
               </a:ext>
             </a:extLst>
           </p:cNvPr>
@@ -5283,7 +10190,7 @@
           <p:cNvPr id="25" name="그림 24">
             <a:extLst>
               <a:ext uri="{FF2B5EF4-FFF2-40B4-BE49-F238E27FC236}">
-                <a16:creationId xmlns:a16="http://schemas.microsoft.com/office/drawing/2014/main" id="{3DCEF43E-F12F-417F-A6CB-B35D966AD967}"/>
+                <a16:creationId xmlns:a16="http://schemas.microsoft.com/office/drawing/2014/main" xmlns="" id="{3DCEF43E-F12F-417F-A6CB-B35D966AD967}"/>
               </a:ext>
             </a:extLst>
           </p:cNvPr>
@@ -5313,7 +10220,7 @@
           <p:cNvPr id="27" name="그림 26">
             <a:extLst>
               <a:ext uri="{FF2B5EF4-FFF2-40B4-BE49-F238E27FC236}">
-                <a16:creationId xmlns:a16="http://schemas.microsoft.com/office/drawing/2014/main" id="{73F96CE1-978A-46D1-B49F-D0EE61A23324}"/>
+                <a16:creationId xmlns:a16="http://schemas.microsoft.com/office/drawing/2014/main" xmlns="" id="{73F96CE1-978A-46D1-B49F-D0EE61A23324}"/>
               </a:ext>
             </a:extLst>
           </p:cNvPr>
@@ -5343,7 +10250,7 @@
           <p:cNvPr id="29" name="그래픽 28">
             <a:extLst>
               <a:ext uri="{FF2B5EF4-FFF2-40B4-BE49-F238E27FC236}">
-                <a16:creationId xmlns:a16="http://schemas.microsoft.com/office/drawing/2014/main" id="{2FEDF07C-8471-49AF-8187-0B09508B6D75}"/>
+                <a16:creationId xmlns:a16="http://schemas.microsoft.com/office/drawing/2014/main" xmlns="" id="{2FEDF07C-8471-49AF-8187-0B09508B6D75}"/>
               </a:ext>
             </a:extLst>
           </p:cNvPr>
@@ -5356,7 +10263,7 @@
           <a:blip r:embed="rId9">
             <a:extLst>
               <a:ext uri="{96DAC541-7B7A-43D3-8B79-37D633B846F1}">
-                <asvg:svgBlip xmlns:asvg="http://schemas.microsoft.com/office/drawing/2016/SVG/main" r:embed="rId10"/>
+                <asvg:svgBlip xmlns:asvg="http://schemas.microsoft.com/office/drawing/2016/SVG/main" xmlns="" r:embed="rId10"/>
               </a:ext>
             </a:extLst>
           </a:blip>
@@ -5379,7 +10286,7 @@
           <p:cNvPr id="31" name="그림 30">
             <a:extLst>
               <a:ext uri="{FF2B5EF4-FFF2-40B4-BE49-F238E27FC236}">
-                <a16:creationId xmlns:a16="http://schemas.microsoft.com/office/drawing/2014/main" id="{A7D6FD87-1371-46C1-A82C-036B92C36643}"/>
+                <a16:creationId xmlns:a16="http://schemas.microsoft.com/office/drawing/2014/main" xmlns="" id="{A7D6FD87-1371-46C1-A82C-036B92C36643}"/>
               </a:ext>
             </a:extLst>
           </p:cNvPr>
@@ -5408,7 +10315,7 @@
           <p:cNvPr id="36" name="그림 35">
             <a:extLst>
               <a:ext uri="{FF2B5EF4-FFF2-40B4-BE49-F238E27FC236}">
-                <a16:creationId xmlns:a16="http://schemas.microsoft.com/office/drawing/2014/main" id="{0E5BE0C9-D438-4700-B07F-62D1D097CE15}"/>
+                <a16:creationId xmlns:a16="http://schemas.microsoft.com/office/drawing/2014/main" xmlns="" id="{0E5BE0C9-D438-4700-B07F-62D1D097CE15}"/>
               </a:ext>
             </a:extLst>
           </p:cNvPr>
@@ -5437,7 +10344,7 @@
           <p:cNvPr id="37" name="TextBox 36">
             <a:extLst>
               <a:ext uri="{FF2B5EF4-FFF2-40B4-BE49-F238E27FC236}">
-                <a16:creationId xmlns:a16="http://schemas.microsoft.com/office/drawing/2014/main" id="{244F21BF-C98A-45E4-BDF9-D37CFD90465A}"/>
+                <a16:creationId xmlns:a16="http://schemas.microsoft.com/office/drawing/2014/main" xmlns="" id="{244F21BF-C98A-45E4-BDF9-D37CFD90465A}"/>
               </a:ext>
             </a:extLst>
           </p:cNvPr>
@@ -5472,7 +10379,7 @@
           <p:cNvPr id="39" name="그림 38">
             <a:extLst>
               <a:ext uri="{FF2B5EF4-FFF2-40B4-BE49-F238E27FC236}">
-                <a16:creationId xmlns:a16="http://schemas.microsoft.com/office/drawing/2014/main" id="{A5C19A91-D5AD-483C-A5D9-EBEC66E8B83A}"/>
+                <a16:creationId xmlns:a16="http://schemas.microsoft.com/office/drawing/2014/main" xmlns="" id="{A5C19A91-D5AD-483C-A5D9-EBEC66E8B83A}"/>
               </a:ext>
             </a:extLst>
           </p:cNvPr>
@@ -5501,7 +10408,7 @@
           <p:cNvPr id="42" name="그림 41">
             <a:extLst>
               <a:ext uri="{FF2B5EF4-FFF2-40B4-BE49-F238E27FC236}">
-                <a16:creationId xmlns:a16="http://schemas.microsoft.com/office/drawing/2014/main" id="{E70BD89E-5149-4561-B980-5AB46D17C144}"/>
+                <a16:creationId xmlns:a16="http://schemas.microsoft.com/office/drawing/2014/main" xmlns="" id="{E70BD89E-5149-4561-B980-5AB46D17C144}"/>
               </a:ext>
             </a:extLst>
           </p:cNvPr>
@@ -5531,7 +10438,7 @@
           <p:cNvPr id="43" name="그림 42">
             <a:extLst>
               <a:ext uri="{FF2B5EF4-FFF2-40B4-BE49-F238E27FC236}">
-                <a16:creationId xmlns:a16="http://schemas.microsoft.com/office/drawing/2014/main" id="{268C365E-0B34-4212-816A-2CFBCFCE7F1E}"/>
+                <a16:creationId xmlns:a16="http://schemas.microsoft.com/office/drawing/2014/main" xmlns="" id="{268C365E-0B34-4212-816A-2CFBCFCE7F1E}"/>
               </a:ext>
             </a:extLst>
           </p:cNvPr>
@@ -5559,7 +10466,7 @@
     </p:spTree>
     <p:extLst>
       <p:ext uri="{BB962C8B-B14F-4D97-AF65-F5344CB8AC3E}">
-        <p14:creationId xmlns:p14="http://schemas.microsoft.com/office/powerpoint/2010/main" val="85008995"/>
+        <p14:creationId xmlns:p14="http://schemas.microsoft.com/office/powerpoint/2010/main" xmlns="" val="85008995"/>
       </p:ext>
     </p:extLst>
   </p:cSld>
@@ -5599,7 +10506,7 @@
           <p:cNvPr id="11" name="그림 10" descr="java-card.png">
             <a:extLst>
               <a:ext uri="{FF2B5EF4-FFF2-40B4-BE49-F238E27FC236}">
-                <a16:creationId xmlns:a16="http://schemas.microsoft.com/office/drawing/2014/main" id="{B17A0F97-2FFF-4139-A10B-2D005DAAB990}"/>
+                <a16:creationId xmlns:a16="http://schemas.microsoft.com/office/drawing/2014/main" xmlns="" id="{B17A0F97-2FFF-4139-A10B-2D005DAAB990}"/>
               </a:ext>
             </a:extLst>
           </p:cNvPr>
@@ -5629,7 +10536,7 @@
           <p:cNvPr id="12" name="그림 11" descr="spring-by-pivotal-9066b55828deb3c10e27e609af322c40.png">
             <a:extLst>
               <a:ext uri="{FF2B5EF4-FFF2-40B4-BE49-F238E27FC236}">
-                <a16:creationId xmlns:a16="http://schemas.microsoft.com/office/drawing/2014/main" id="{58086CB2-27F8-4B15-B300-DEECDD1F24D8}"/>
+                <a16:creationId xmlns:a16="http://schemas.microsoft.com/office/drawing/2014/main" xmlns="" id="{58086CB2-27F8-4B15-B300-DEECDD1F24D8}"/>
               </a:ext>
             </a:extLst>
           </p:cNvPr>
@@ -5659,7 +10566,7 @@
           <p:cNvPr id="13" name="그림 12" descr="mybatis.png">
             <a:extLst>
               <a:ext uri="{FF2B5EF4-FFF2-40B4-BE49-F238E27FC236}">
-                <a16:creationId xmlns:a16="http://schemas.microsoft.com/office/drawing/2014/main" id="{42FD58B8-660F-4CBE-9928-D52AE0BA2DCD}"/>
+                <a16:creationId xmlns:a16="http://schemas.microsoft.com/office/drawing/2014/main" xmlns="" id="{42FD58B8-660F-4CBE-9928-D52AE0BA2DCD}"/>
               </a:ext>
             </a:extLst>
           </p:cNvPr>
@@ -5689,7 +10596,7 @@
           <p:cNvPr id="24" name="TextBox 23">
             <a:extLst>
               <a:ext uri="{FF2B5EF4-FFF2-40B4-BE49-F238E27FC236}">
-                <a16:creationId xmlns:a16="http://schemas.microsoft.com/office/drawing/2014/main" id="{080356E6-1932-4849-A648-661A1C4AE05B}"/>
+                <a16:creationId xmlns:a16="http://schemas.microsoft.com/office/drawing/2014/main" xmlns="" id="{080356E6-1932-4849-A648-661A1C4AE05B}"/>
               </a:ext>
             </a:extLst>
           </p:cNvPr>
@@ -5724,7 +10631,7 @@
           <p:cNvPr id="3" name="그림 2">
             <a:extLst>
               <a:ext uri="{FF2B5EF4-FFF2-40B4-BE49-F238E27FC236}">
-                <a16:creationId xmlns:a16="http://schemas.microsoft.com/office/drawing/2014/main" id="{B96D1DAE-9992-4D39-B8CD-E3F792B2D86B}"/>
+                <a16:creationId xmlns:a16="http://schemas.microsoft.com/office/drawing/2014/main" xmlns="" id="{B96D1DAE-9992-4D39-B8CD-E3F792B2D86B}"/>
               </a:ext>
             </a:extLst>
           </p:cNvPr>
@@ -5754,7 +10661,7 @@
           <p:cNvPr id="5" name="그림 4">
             <a:extLst>
               <a:ext uri="{FF2B5EF4-FFF2-40B4-BE49-F238E27FC236}">
-                <a16:creationId xmlns:a16="http://schemas.microsoft.com/office/drawing/2014/main" id="{29FF0A52-B639-4CE8-BBF2-E19AE86A83A4}"/>
+                <a16:creationId xmlns:a16="http://schemas.microsoft.com/office/drawing/2014/main" xmlns="" id="{29FF0A52-B639-4CE8-BBF2-E19AE86A83A4}"/>
               </a:ext>
             </a:extLst>
           </p:cNvPr>
@@ -5781,7 +10688,7 @@
     </p:spTree>
     <p:extLst>
       <p:ext uri="{BB962C8B-B14F-4D97-AF65-F5344CB8AC3E}">
-        <p14:creationId xmlns:p14="http://schemas.microsoft.com/office/powerpoint/2010/main" val="4013065126"/>
+        <p14:creationId xmlns:p14="http://schemas.microsoft.com/office/powerpoint/2010/main" xmlns="" val="4013065126"/>
       </p:ext>
     </p:extLst>
   </p:cSld>
@@ -5821,7 +10728,7 @@
           <p:cNvPr id="16" name="그림 15" descr="mariadb-usa-inc.png">
             <a:extLst>
               <a:ext uri="{FF2B5EF4-FFF2-40B4-BE49-F238E27FC236}">
-                <a16:creationId xmlns:a16="http://schemas.microsoft.com/office/drawing/2014/main" id="{BCF287D9-65E2-455E-95AF-7543781D3BE0}"/>
+                <a16:creationId xmlns:a16="http://schemas.microsoft.com/office/drawing/2014/main" xmlns="" id="{BCF287D9-65E2-455E-95AF-7543781D3BE0}"/>
               </a:ext>
             </a:extLst>
           </p:cNvPr>
@@ -5851,7 +10758,7 @@
           <p:cNvPr id="17" name="그림 16" descr="1_AD9ZSLXKAhZ-_WomszsmPg.png">
             <a:extLst>
               <a:ext uri="{FF2B5EF4-FFF2-40B4-BE49-F238E27FC236}">
-                <a16:creationId xmlns:a16="http://schemas.microsoft.com/office/drawing/2014/main" id="{47BA5490-3870-4251-802F-BC64038EB3C8}"/>
+                <a16:creationId xmlns:a16="http://schemas.microsoft.com/office/drawing/2014/main" xmlns="" id="{47BA5490-3870-4251-802F-BC64038EB3C8}"/>
               </a:ext>
             </a:extLst>
           </p:cNvPr>
@@ -5881,7 +10788,7 @@
           <p:cNvPr id="18" name="그림 17" descr="1_ipwpqqrhz0lkd_5setxqcq.png">
             <a:extLst>
               <a:ext uri="{FF2B5EF4-FFF2-40B4-BE49-F238E27FC236}">
-                <a16:creationId xmlns:a16="http://schemas.microsoft.com/office/drawing/2014/main" id="{88DC51E6-FADF-47F5-A1DE-442BC1F559FF}"/>
+                <a16:creationId xmlns:a16="http://schemas.microsoft.com/office/drawing/2014/main" xmlns="" id="{88DC51E6-FADF-47F5-A1DE-442BC1F559FF}"/>
               </a:ext>
             </a:extLst>
           </p:cNvPr>
@@ -5911,7 +10818,7 @@
           <p:cNvPr id="19" name="그림 18" descr="tomcat.png">
             <a:extLst>
               <a:ext uri="{FF2B5EF4-FFF2-40B4-BE49-F238E27FC236}">
-                <a16:creationId xmlns:a16="http://schemas.microsoft.com/office/drawing/2014/main" id="{BFA4FCAC-EE8B-427F-B0A1-A68E2F8701F0}"/>
+                <a16:creationId xmlns:a16="http://schemas.microsoft.com/office/drawing/2014/main" xmlns="" id="{BFA4FCAC-EE8B-427F-B0A1-A68E2F8701F0}"/>
               </a:ext>
             </a:extLst>
           </p:cNvPr>
@@ -5939,7 +10846,7 @@
     </p:spTree>
     <p:extLst>
       <p:ext uri="{BB962C8B-B14F-4D97-AF65-F5344CB8AC3E}">
-        <p14:creationId xmlns:p14="http://schemas.microsoft.com/office/powerpoint/2010/main" val="625832521"/>
+        <p14:creationId xmlns:p14="http://schemas.microsoft.com/office/powerpoint/2010/main" xmlns="" val="625832521"/>
       </p:ext>
     </p:extLst>
   </p:cSld>
@@ -5971,7 +10878,7 @@
           <p:cNvPr id="7" name="TextBox 6">
             <a:extLst>
               <a:ext uri="{FF2B5EF4-FFF2-40B4-BE49-F238E27FC236}">
-                <a16:creationId xmlns:a16="http://schemas.microsoft.com/office/drawing/2014/main" id="{42FE3236-750D-A047-B36B-3A3B34F30683}"/>
+                <a16:creationId xmlns:a16="http://schemas.microsoft.com/office/drawing/2014/main" xmlns="" id="{42FE3236-750D-A047-B36B-3A3B34F30683}"/>
               </a:ext>
             </a:extLst>
           </p:cNvPr>
@@ -6030,7 +10937,7 @@
           <p:cNvPr id="22" name="TextBox 21">
             <a:extLst>
               <a:ext uri="{FF2B5EF4-FFF2-40B4-BE49-F238E27FC236}">
-                <a16:creationId xmlns:a16="http://schemas.microsoft.com/office/drawing/2014/main" id="{891037EF-45BE-2049-B684-DDCDF37608A5}"/>
+                <a16:creationId xmlns:a16="http://schemas.microsoft.com/office/drawing/2014/main" xmlns="" id="{891037EF-45BE-2049-B684-DDCDF37608A5}"/>
               </a:ext>
             </a:extLst>
           </p:cNvPr>
@@ -6079,7 +10986,7 @@
           <p:cNvPr id="28" name="TextBox 27">
             <a:extLst>
               <a:ext uri="{FF2B5EF4-FFF2-40B4-BE49-F238E27FC236}">
-                <a16:creationId xmlns:a16="http://schemas.microsoft.com/office/drawing/2014/main" id="{3CBBC928-2143-ED49-9C10-4DD06080EC37}"/>
+                <a16:creationId xmlns:a16="http://schemas.microsoft.com/office/drawing/2014/main" xmlns="" id="{3CBBC928-2143-ED49-9C10-4DD06080EC37}"/>
               </a:ext>
             </a:extLst>
           </p:cNvPr>
@@ -6128,7 +11035,7 @@
           <p:cNvPr id="33" name="TextBox 32">
             <a:extLst>
               <a:ext uri="{FF2B5EF4-FFF2-40B4-BE49-F238E27FC236}">
-                <a16:creationId xmlns:a16="http://schemas.microsoft.com/office/drawing/2014/main" id="{9C8B4252-4EEE-734E-AFA7-0099FFEA17CC}"/>
+                <a16:creationId xmlns:a16="http://schemas.microsoft.com/office/drawing/2014/main" xmlns="" id="{9C8B4252-4EEE-734E-AFA7-0099FFEA17CC}"/>
               </a:ext>
             </a:extLst>
           </p:cNvPr>
@@ -6187,7 +11094,7 @@
           <p:cNvPr id="3" name="모서리가 둥근 직사각형 2">
             <a:extLst>
               <a:ext uri="{FF2B5EF4-FFF2-40B4-BE49-F238E27FC236}">
-                <a16:creationId xmlns:a16="http://schemas.microsoft.com/office/drawing/2014/main" id="{B15BC01F-85DD-6C4D-969F-ADCBD2EA1767}"/>
+                <a16:creationId xmlns:a16="http://schemas.microsoft.com/office/drawing/2014/main" xmlns="" id="{B15BC01F-85DD-6C4D-969F-ADCBD2EA1767}"/>
               </a:ext>
             </a:extLst>
           </p:cNvPr>
@@ -6241,7 +11148,7 @@
           <p:cNvPr id="4" name="직사각형 3">
             <a:extLst>
               <a:ext uri="{FF2B5EF4-FFF2-40B4-BE49-F238E27FC236}">
-                <a16:creationId xmlns:a16="http://schemas.microsoft.com/office/drawing/2014/main" id="{54DE23C4-D779-3D4A-955D-339E1BFECDE9}"/>
+                <a16:creationId xmlns:a16="http://schemas.microsoft.com/office/drawing/2014/main" xmlns="" id="{54DE23C4-D779-3D4A-955D-339E1BFECDE9}"/>
               </a:ext>
             </a:extLst>
           </p:cNvPr>
@@ -6295,7 +11202,7 @@
           <p:cNvPr id="37" name="직사각형 36">
             <a:extLst>
               <a:ext uri="{FF2B5EF4-FFF2-40B4-BE49-F238E27FC236}">
-                <a16:creationId xmlns:a16="http://schemas.microsoft.com/office/drawing/2014/main" id="{9E85BA02-5CD5-C244-B2E5-5A66D4E9D24A}"/>
+                <a16:creationId xmlns:a16="http://schemas.microsoft.com/office/drawing/2014/main" xmlns="" id="{9E85BA02-5CD5-C244-B2E5-5A66D4E9D24A}"/>
               </a:ext>
             </a:extLst>
           </p:cNvPr>
@@ -6349,7 +11256,7 @@
           <p:cNvPr id="40" name="모서리가 둥근 직사각형 39">
             <a:extLst>
               <a:ext uri="{FF2B5EF4-FFF2-40B4-BE49-F238E27FC236}">
-                <a16:creationId xmlns:a16="http://schemas.microsoft.com/office/drawing/2014/main" id="{08DCDE5E-8FBD-9F45-B642-7F7DC2A30298}"/>
+                <a16:creationId xmlns:a16="http://schemas.microsoft.com/office/drawing/2014/main" xmlns="" id="{08DCDE5E-8FBD-9F45-B642-7F7DC2A30298}"/>
               </a:ext>
             </a:extLst>
           </p:cNvPr>
@@ -6403,7 +11310,7 @@
           <p:cNvPr id="41" name="직사각형 40">
             <a:extLst>
               <a:ext uri="{FF2B5EF4-FFF2-40B4-BE49-F238E27FC236}">
-                <a16:creationId xmlns:a16="http://schemas.microsoft.com/office/drawing/2014/main" id="{7DED2737-C550-0043-A389-B804C5C9CDED}"/>
+                <a16:creationId xmlns:a16="http://schemas.microsoft.com/office/drawing/2014/main" xmlns="" id="{7DED2737-C550-0043-A389-B804C5C9CDED}"/>
               </a:ext>
             </a:extLst>
           </p:cNvPr>
@@ -6457,7 +11364,7 @@
           <p:cNvPr id="42" name="직사각형 41">
             <a:extLst>
               <a:ext uri="{FF2B5EF4-FFF2-40B4-BE49-F238E27FC236}">
-                <a16:creationId xmlns:a16="http://schemas.microsoft.com/office/drawing/2014/main" id="{DA2565A9-A39B-8C49-8DF8-F04B259702F2}"/>
+                <a16:creationId xmlns:a16="http://schemas.microsoft.com/office/drawing/2014/main" xmlns="" id="{DA2565A9-A39B-8C49-8DF8-F04B259702F2}"/>
               </a:ext>
             </a:extLst>
           </p:cNvPr>
@@ -6511,7 +11418,7 @@
           <p:cNvPr id="43" name="직사각형 42">
             <a:extLst>
               <a:ext uri="{FF2B5EF4-FFF2-40B4-BE49-F238E27FC236}">
-                <a16:creationId xmlns:a16="http://schemas.microsoft.com/office/drawing/2014/main" id="{3C4567BC-0D51-9846-8D02-B52A3DAD6382}"/>
+                <a16:creationId xmlns:a16="http://schemas.microsoft.com/office/drawing/2014/main" xmlns="" id="{3C4567BC-0D51-9846-8D02-B52A3DAD6382}"/>
               </a:ext>
             </a:extLst>
           </p:cNvPr>
@@ -6565,7 +11472,7 @@
           <p:cNvPr id="44" name="모서리가 둥근 직사각형 43">
             <a:extLst>
               <a:ext uri="{FF2B5EF4-FFF2-40B4-BE49-F238E27FC236}">
-                <a16:creationId xmlns:a16="http://schemas.microsoft.com/office/drawing/2014/main" id="{192C4406-F5BE-AB4A-BC1D-5F2AC2B497E5}"/>
+                <a16:creationId xmlns:a16="http://schemas.microsoft.com/office/drawing/2014/main" xmlns="" id="{192C4406-F5BE-AB4A-BC1D-5F2AC2B497E5}"/>
               </a:ext>
             </a:extLst>
           </p:cNvPr>
@@ -6619,7 +11526,7 @@
           <p:cNvPr id="45" name="직사각형 44">
             <a:extLst>
               <a:ext uri="{FF2B5EF4-FFF2-40B4-BE49-F238E27FC236}">
-                <a16:creationId xmlns:a16="http://schemas.microsoft.com/office/drawing/2014/main" id="{40A1B75A-1C2F-3C4B-A218-8DEF5EA1A240}"/>
+                <a16:creationId xmlns:a16="http://schemas.microsoft.com/office/drawing/2014/main" xmlns="" id="{40A1B75A-1C2F-3C4B-A218-8DEF5EA1A240}"/>
               </a:ext>
             </a:extLst>
           </p:cNvPr>
@@ -6673,7 +11580,7 @@
           <p:cNvPr id="46" name="직사각형 45">
             <a:extLst>
               <a:ext uri="{FF2B5EF4-FFF2-40B4-BE49-F238E27FC236}">
-                <a16:creationId xmlns:a16="http://schemas.microsoft.com/office/drawing/2014/main" id="{1E8C94F4-E033-604B-8A58-00F978D2EB43}"/>
+                <a16:creationId xmlns:a16="http://schemas.microsoft.com/office/drawing/2014/main" xmlns="" id="{1E8C94F4-E033-604B-8A58-00F978D2EB43}"/>
               </a:ext>
             </a:extLst>
           </p:cNvPr>
@@ -6727,7 +11634,7 @@
           <p:cNvPr id="47" name="직사각형 46">
             <a:extLst>
               <a:ext uri="{FF2B5EF4-FFF2-40B4-BE49-F238E27FC236}">
-                <a16:creationId xmlns:a16="http://schemas.microsoft.com/office/drawing/2014/main" id="{33CE4ED5-DA1F-5940-AC3E-08F271B2E1E5}"/>
+                <a16:creationId xmlns:a16="http://schemas.microsoft.com/office/drawing/2014/main" xmlns="" id="{33CE4ED5-DA1F-5940-AC3E-08F271B2E1E5}"/>
               </a:ext>
             </a:extLst>
           </p:cNvPr>
@@ -6781,7 +11688,7 @@
           <p:cNvPr id="48" name="직사각형 47">
             <a:extLst>
               <a:ext uri="{FF2B5EF4-FFF2-40B4-BE49-F238E27FC236}">
-                <a16:creationId xmlns:a16="http://schemas.microsoft.com/office/drawing/2014/main" id="{EF879863-4002-0649-908E-E3FA425C7515}"/>
+                <a16:creationId xmlns:a16="http://schemas.microsoft.com/office/drawing/2014/main" xmlns="" id="{EF879863-4002-0649-908E-E3FA425C7515}"/>
               </a:ext>
             </a:extLst>
           </p:cNvPr>
@@ -6835,7 +11742,7 @@
           <p:cNvPr id="49" name="모서리가 둥근 직사각형 48">
             <a:extLst>
               <a:ext uri="{FF2B5EF4-FFF2-40B4-BE49-F238E27FC236}">
-                <a16:creationId xmlns:a16="http://schemas.microsoft.com/office/drawing/2014/main" id="{D9415A5C-B5F6-434A-AAC2-5D23A69D0690}"/>
+                <a16:creationId xmlns:a16="http://schemas.microsoft.com/office/drawing/2014/main" xmlns="" id="{D9415A5C-B5F6-434A-AAC2-5D23A69D0690}"/>
               </a:ext>
             </a:extLst>
           </p:cNvPr>
@@ -6889,7 +11796,7 @@
           <p:cNvPr id="50" name="직사각형 49">
             <a:extLst>
               <a:ext uri="{FF2B5EF4-FFF2-40B4-BE49-F238E27FC236}">
-                <a16:creationId xmlns:a16="http://schemas.microsoft.com/office/drawing/2014/main" id="{A2E4B733-0B2F-EB44-9495-3D7B493225B5}"/>
+                <a16:creationId xmlns:a16="http://schemas.microsoft.com/office/drawing/2014/main" xmlns="" id="{A2E4B733-0B2F-EB44-9495-3D7B493225B5}"/>
               </a:ext>
             </a:extLst>
           </p:cNvPr>
@@ -6943,7 +11850,7 @@
           <p:cNvPr id="51" name="직사각형 50">
             <a:extLst>
               <a:ext uri="{FF2B5EF4-FFF2-40B4-BE49-F238E27FC236}">
-                <a16:creationId xmlns:a16="http://schemas.microsoft.com/office/drawing/2014/main" id="{25B6C46A-2DED-544B-825A-A3E9D8F9B9F1}"/>
+                <a16:creationId xmlns:a16="http://schemas.microsoft.com/office/drawing/2014/main" xmlns="" id="{25B6C46A-2DED-544B-825A-A3E9D8F9B9F1}"/>
               </a:ext>
             </a:extLst>
           </p:cNvPr>
@@ -6997,7 +11904,7 @@
           <p:cNvPr id="52" name="직사각형 51">
             <a:extLst>
               <a:ext uri="{FF2B5EF4-FFF2-40B4-BE49-F238E27FC236}">
-                <a16:creationId xmlns:a16="http://schemas.microsoft.com/office/drawing/2014/main" id="{9B00F2CE-B862-1F45-A8EF-EEAB910DC2DD}"/>
+                <a16:creationId xmlns:a16="http://schemas.microsoft.com/office/drawing/2014/main" xmlns="" id="{9B00F2CE-B862-1F45-A8EF-EEAB910DC2DD}"/>
               </a:ext>
             </a:extLst>
           </p:cNvPr>
@@ -7051,7 +11958,7 @@
           <p:cNvPr id="53" name="직사각형 52">
             <a:extLst>
               <a:ext uri="{FF2B5EF4-FFF2-40B4-BE49-F238E27FC236}">
-                <a16:creationId xmlns:a16="http://schemas.microsoft.com/office/drawing/2014/main" id="{C840DF5C-D742-454B-9744-B666449F3463}"/>
+                <a16:creationId xmlns:a16="http://schemas.microsoft.com/office/drawing/2014/main" xmlns="" id="{C840DF5C-D742-454B-9744-B666449F3463}"/>
               </a:ext>
             </a:extLst>
           </p:cNvPr>
@@ -7105,7 +12012,7 @@
           <p:cNvPr id="54" name="직사각형 53">
             <a:extLst>
               <a:ext uri="{FF2B5EF4-FFF2-40B4-BE49-F238E27FC236}">
-                <a16:creationId xmlns:a16="http://schemas.microsoft.com/office/drawing/2014/main" id="{7FD7FDAD-86FC-2F4C-974B-9A9A60523BA0}"/>
+                <a16:creationId xmlns:a16="http://schemas.microsoft.com/office/drawing/2014/main" xmlns="" id="{7FD7FDAD-86FC-2F4C-974B-9A9A60523BA0}"/>
               </a:ext>
             </a:extLst>
           </p:cNvPr>
@@ -7159,7 +12066,7 @@
           <p:cNvPr id="36" name="직사각형 35">
             <a:extLst>
               <a:ext uri="{FF2B5EF4-FFF2-40B4-BE49-F238E27FC236}">
-                <a16:creationId xmlns:a16="http://schemas.microsoft.com/office/drawing/2014/main" id="{2E8730FD-3FE0-CF49-87D6-55D4CADD52EC}"/>
+                <a16:creationId xmlns:a16="http://schemas.microsoft.com/office/drawing/2014/main" xmlns="" id="{2E8730FD-3FE0-CF49-87D6-55D4CADD52EC}"/>
               </a:ext>
             </a:extLst>
           </p:cNvPr>
@@ -7213,7 +12120,7 @@
           <p:cNvPr id="38" name="TextBox 37">
             <a:extLst>
               <a:ext uri="{FF2B5EF4-FFF2-40B4-BE49-F238E27FC236}">
-                <a16:creationId xmlns:a16="http://schemas.microsoft.com/office/drawing/2014/main" id="{D924124E-8556-6D40-B0AF-F8C8FE260281}"/>
+                <a16:creationId xmlns:a16="http://schemas.microsoft.com/office/drawing/2014/main" xmlns="" id="{D924124E-8556-6D40-B0AF-F8C8FE260281}"/>
               </a:ext>
             </a:extLst>
           </p:cNvPr>
@@ -7262,7 +12169,7 @@
           <p:cNvPr id="26" name="TextBox 25">
             <a:extLst>
               <a:ext uri="{FF2B5EF4-FFF2-40B4-BE49-F238E27FC236}">
-                <a16:creationId xmlns:a16="http://schemas.microsoft.com/office/drawing/2014/main" id="{9C8B4252-4EEE-734E-AFA7-0099FFEA17CC}"/>
+                <a16:creationId xmlns:a16="http://schemas.microsoft.com/office/drawing/2014/main" xmlns="" id="{9C8B4252-4EEE-734E-AFA7-0099FFEA17CC}"/>
               </a:ext>
             </a:extLst>
           </p:cNvPr>
@@ -7319,7 +12226,7 @@
     </p:spTree>
     <p:extLst>
       <p:ext uri="{BB962C8B-B14F-4D97-AF65-F5344CB8AC3E}">
-        <p14:creationId xmlns:p14="http://schemas.microsoft.com/office/powerpoint/2010/main" val="275772099"/>
+        <p14:creationId xmlns:p14="http://schemas.microsoft.com/office/powerpoint/2010/main" xmlns="" val="275772099"/>
       </p:ext>
     </p:extLst>
   </p:cSld>
@@ -7351,7 +12258,7 @@
           <p:cNvPr id="34" name="직사각형 33">
             <a:extLst>
               <a:ext uri="{FF2B5EF4-FFF2-40B4-BE49-F238E27FC236}">
-                <a16:creationId xmlns:a16="http://schemas.microsoft.com/office/drawing/2014/main" id="{37CB002D-8420-B548-9BEA-2E18D8A9A204}"/>
+                <a16:creationId xmlns:a16="http://schemas.microsoft.com/office/drawing/2014/main" xmlns="" id="{37CB002D-8420-B548-9BEA-2E18D8A9A204}"/>
               </a:ext>
             </a:extLst>
           </p:cNvPr>
@@ -7405,7 +12312,7 @@
           <p:cNvPr id="8" name="직사각형 7">
             <a:extLst>
               <a:ext uri="{FF2B5EF4-FFF2-40B4-BE49-F238E27FC236}">
-                <a16:creationId xmlns:a16="http://schemas.microsoft.com/office/drawing/2014/main" id="{6B8B80B4-792D-174E-8B2C-A10CA85CDD01}"/>
+                <a16:creationId xmlns:a16="http://schemas.microsoft.com/office/drawing/2014/main" xmlns="" id="{6B8B80B4-792D-174E-8B2C-A10CA85CDD01}"/>
               </a:ext>
             </a:extLst>
           </p:cNvPr>
@@ -7465,7 +12372,7 @@
           <p:cNvPr id="9" name="직각 삼각형[R] 8">
             <a:extLst>
               <a:ext uri="{FF2B5EF4-FFF2-40B4-BE49-F238E27FC236}">
-                <a16:creationId xmlns:a16="http://schemas.microsoft.com/office/drawing/2014/main" id="{E9289217-6E56-7D4B-B6FB-329F373CAF3E}"/>
+                <a16:creationId xmlns:a16="http://schemas.microsoft.com/office/drawing/2014/main" xmlns="" id="{E9289217-6E56-7D4B-B6FB-329F373CAF3E}"/>
               </a:ext>
             </a:extLst>
           </p:cNvPr>
@@ -7519,7 +12426,7 @@
           <p:cNvPr id="20" name="TextBox 19">
             <a:extLst>
               <a:ext uri="{FF2B5EF4-FFF2-40B4-BE49-F238E27FC236}">
-                <a16:creationId xmlns:a16="http://schemas.microsoft.com/office/drawing/2014/main" id="{849EE5DD-2363-0B42-B4FD-2464134E7BE2}"/>
+                <a16:creationId xmlns:a16="http://schemas.microsoft.com/office/drawing/2014/main" xmlns="" id="{849EE5DD-2363-0B42-B4FD-2464134E7BE2}"/>
               </a:ext>
             </a:extLst>
           </p:cNvPr>
@@ -7559,10 +12466,62 @@
           </a:p>
         </p:txBody>
       </p:sp>
+      <p:sp>
+        <p:nvSpPr>
+          <p:cNvPr id="6" name="TextBox 5"/>
+          <p:cNvSpPr txBox="1"/>
+          <p:nvPr/>
+        </p:nvSpPr>
+        <p:spPr>
+          <a:xfrm>
+            <a:off x="489857" y="810815"/>
+            <a:ext cx="1622560" cy="369332"/>
+          </a:xfrm>
+          <a:prstGeom prst="rect">
+            <a:avLst/>
+          </a:prstGeom>
+          <a:noFill/>
+        </p:spPr>
+        <p:txBody>
+          <a:bodyPr wrap="none" rtlCol="0">
+            <a:spAutoFit/>
+          </a:bodyPr>
+          <a:lstStyle/>
+          <a:p>
+            <a:r>
+              <a:rPr lang="en-US" altLang="ko-KR" dirty="0" smtClean="0">
+                <a:solidFill>
+                  <a:schemeClr val="bg1"/>
+                </a:solidFill>
+                <a:latin typeface="배달의민족 주아" pitchFamily="18" charset="-127"/>
+                <a:ea typeface="배달의민족 주아" pitchFamily="18" charset="-127"/>
+              </a:rPr>
+              <a:t>-  </a:t>
+            </a:r>
+            <a:r>
+              <a:rPr lang="ko-KR" altLang="en-US" dirty="0" smtClean="0">
+                <a:solidFill>
+                  <a:schemeClr val="bg1"/>
+                </a:solidFill>
+                <a:latin typeface="배달의민족 주아" pitchFamily="18" charset="-127"/>
+                <a:ea typeface="배달의민족 주아" pitchFamily="18" charset="-127"/>
+              </a:rPr>
+              <a:t>주제 선정 이유</a:t>
+            </a:r>
+            <a:endParaRPr lang="en-US" altLang="ko-KR" dirty="0" smtClean="0">
+              <a:solidFill>
+                <a:schemeClr val="bg1"/>
+              </a:solidFill>
+              <a:latin typeface="배달의민족 주아" pitchFamily="18" charset="-127"/>
+              <a:ea typeface="배달의민족 주아" pitchFamily="18" charset="-127"/>
+            </a:endParaRPr>
+          </a:p>
+        </p:txBody>
+      </p:sp>
     </p:spTree>
     <p:extLst>
       <p:ext uri="{BB962C8B-B14F-4D97-AF65-F5344CB8AC3E}">
-        <p14:creationId xmlns:p14="http://schemas.microsoft.com/office/powerpoint/2010/main" val="1147906695"/>
+        <p14:creationId xmlns:p14="http://schemas.microsoft.com/office/powerpoint/2010/main" xmlns="" val="1147906695"/>
       </p:ext>
     </p:extLst>
   </p:cSld>
@@ -7594,7 +12553,7 @@
           <p:cNvPr id="34" name="직사각형 33">
             <a:extLst>
               <a:ext uri="{FF2B5EF4-FFF2-40B4-BE49-F238E27FC236}">
-                <a16:creationId xmlns:a16="http://schemas.microsoft.com/office/drawing/2014/main" id="{37CB002D-8420-B548-9BEA-2E18D8A9A204}"/>
+                <a16:creationId xmlns:a16="http://schemas.microsoft.com/office/drawing/2014/main" xmlns="" id="{37CB002D-8420-B548-9BEA-2E18D8A9A204}"/>
               </a:ext>
             </a:extLst>
           </p:cNvPr>
@@ -7648,7 +12607,7 @@
           <p:cNvPr id="8" name="직사각형 7">
             <a:extLst>
               <a:ext uri="{FF2B5EF4-FFF2-40B4-BE49-F238E27FC236}">
-                <a16:creationId xmlns:a16="http://schemas.microsoft.com/office/drawing/2014/main" id="{6B8B80B4-792D-174E-8B2C-A10CA85CDD01}"/>
+                <a16:creationId xmlns:a16="http://schemas.microsoft.com/office/drawing/2014/main" xmlns="" id="{6B8B80B4-792D-174E-8B2C-A10CA85CDD01}"/>
               </a:ext>
             </a:extLst>
           </p:cNvPr>
@@ -7708,7 +12667,7 @@
           <p:cNvPr id="9" name="직각 삼각형[R] 8">
             <a:extLst>
               <a:ext uri="{FF2B5EF4-FFF2-40B4-BE49-F238E27FC236}">
-                <a16:creationId xmlns:a16="http://schemas.microsoft.com/office/drawing/2014/main" id="{E9289217-6E56-7D4B-B6FB-329F373CAF3E}"/>
+                <a16:creationId xmlns:a16="http://schemas.microsoft.com/office/drawing/2014/main" xmlns="" id="{E9289217-6E56-7D4B-B6FB-329F373CAF3E}"/>
               </a:ext>
             </a:extLst>
           </p:cNvPr>
@@ -7762,7 +12721,7 @@
           <p:cNvPr id="20" name="TextBox 19">
             <a:extLst>
               <a:ext uri="{FF2B5EF4-FFF2-40B4-BE49-F238E27FC236}">
-                <a16:creationId xmlns:a16="http://schemas.microsoft.com/office/drawing/2014/main" id="{849EE5DD-2363-0B42-B4FD-2464134E7BE2}"/>
+                <a16:creationId xmlns:a16="http://schemas.microsoft.com/office/drawing/2014/main" xmlns="" id="{849EE5DD-2363-0B42-B4FD-2464134E7BE2}"/>
               </a:ext>
             </a:extLst>
           </p:cNvPr>
@@ -7772,7 +12731,7 @@
         <p:spPr>
           <a:xfrm>
             <a:off x="212837" y="199491"/>
-            <a:ext cx="1741182" cy="461665"/>
+            <a:ext cx="1693092" cy="461665"/>
           </a:xfrm>
           <a:prstGeom prst="rect">
             <a:avLst/>
@@ -7790,22 +12749,84 @@
                 <a:latin typeface="배달의민족 주아" pitchFamily="18" charset="-127"/>
                 <a:ea typeface="배달의민족 주아" pitchFamily="18" charset="-127"/>
               </a:rPr>
-              <a:t>02. </a:t>
+              <a:t>01. </a:t>
             </a:r>
             <a:r>
               <a:rPr kumimoji="1" lang="ko-KR" altLang="en-US" sz="2400" dirty="0">
                 <a:latin typeface="배달의민족 주아" pitchFamily="18" charset="-127"/>
                 <a:ea typeface="배달의민족 주아" pitchFamily="18" charset="-127"/>
               </a:rPr>
-              <a:t>분석 설계</a:t>
-            </a:r>
+              <a:t>주제 선정</a:t>
+            </a:r>
+          </a:p>
+        </p:txBody>
+      </p:sp>
+      <p:sp>
+        <p:nvSpPr>
+          <p:cNvPr id="6" name="TextBox 5"/>
+          <p:cNvSpPr txBox="1"/>
+          <p:nvPr/>
+        </p:nvSpPr>
+        <p:spPr>
+          <a:xfrm>
+            <a:off x="489857" y="810815"/>
+            <a:ext cx="1140056" cy="369332"/>
+          </a:xfrm>
+          <a:prstGeom prst="rect">
+            <a:avLst/>
+          </a:prstGeom>
+          <a:noFill/>
+        </p:spPr>
+        <p:txBody>
+          <a:bodyPr wrap="none" rtlCol="0">
+            <a:spAutoFit/>
+          </a:bodyPr>
+          <a:lstStyle/>
+          <a:p>
+            <a:r>
+              <a:rPr lang="en-US" altLang="ko-KR" dirty="0" smtClean="0">
+                <a:solidFill>
+                  <a:schemeClr val="bg1"/>
+                </a:solidFill>
+                <a:latin typeface="배달의민족 주아" pitchFamily="18" charset="-127"/>
+                <a:ea typeface="배달의민족 주아" pitchFamily="18" charset="-127"/>
+              </a:rPr>
+              <a:t>- </a:t>
+            </a:r>
+            <a:r>
+              <a:rPr lang="ko-KR" altLang="en-US" dirty="0" smtClean="0">
+                <a:solidFill>
+                  <a:schemeClr val="bg1"/>
+                </a:solidFill>
+                <a:latin typeface="배달의민족 주아" pitchFamily="18" charset="-127"/>
+                <a:ea typeface="배달의민족 주아" pitchFamily="18" charset="-127"/>
+              </a:rPr>
+              <a:t> </a:t>
+            </a:r>
+            <a:r>
+              <a:rPr lang="ko-KR" altLang="en-US" dirty="0" smtClean="0">
+                <a:solidFill>
+                  <a:schemeClr val="bg1"/>
+                </a:solidFill>
+                <a:latin typeface="배달의민족 주아" pitchFamily="18" charset="-127"/>
+                <a:ea typeface="배달의민족 주아" pitchFamily="18" charset="-127"/>
+              </a:rPr>
+              <a:t>시나리오</a:t>
+            </a:r>
+            <a:endParaRPr lang="en-US" altLang="ko-KR" dirty="0" smtClean="0">
+              <a:solidFill>
+                <a:schemeClr val="bg1"/>
+              </a:solidFill>
+              <a:latin typeface="배달의민족 주아" pitchFamily="18" charset="-127"/>
+              <a:ea typeface="배달의민족 주아" pitchFamily="18" charset="-127"/>
+            </a:endParaRPr>
           </a:p>
         </p:txBody>
       </p:sp>
     </p:spTree>
     <p:extLst>
       <p:ext uri="{BB962C8B-B14F-4D97-AF65-F5344CB8AC3E}">
-        <p14:creationId xmlns:p14="http://schemas.microsoft.com/office/powerpoint/2010/main" val="2090930175"/>
+        <p14:creationId xmlns:p14="http://schemas.microsoft.com/office/powerpoint/2010/main" xmlns="" val="1147906695"/>
       </p:ext>
     </p:extLst>
   </p:cSld>
@@ -7837,7 +12858,7 @@
           <p:cNvPr id="34" name="직사각형 33">
             <a:extLst>
               <a:ext uri="{FF2B5EF4-FFF2-40B4-BE49-F238E27FC236}">
-                <a16:creationId xmlns:a16="http://schemas.microsoft.com/office/drawing/2014/main" id="{37CB002D-8420-B548-9BEA-2E18D8A9A204}"/>
+                <a16:creationId xmlns:a16="http://schemas.microsoft.com/office/drawing/2014/main" xmlns="" id="{37CB002D-8420-B548-9BEA-2E18D8A9A204}"/>
               </a:ext>
             </a:extLst>
           </p:cNvPr>
@@ -7891,7 +12912,7 @@
           <p:cNvPr id="8" name="직사각형 7">
             <a:extLst>
               <a:ext uri="{FF2B5EF4-FFF2-40B4-BE49-F238E27FC236}">
-                <a16:creationId xmlns:a16="http://schemas.microsoft.com/office/drawing/2014/main" id="{6B8B80B4-792D-174E-8B2C-A10CA85CDD01}"/>
+                <a16:creationId xmlns:a16="http://schemas.microsoft.com/office/drawing/2014/main" xmlns="" id="{6B8B80B4-792D-174E-8B2C-A10CA85CDD01}"/>
               </a:ext>
             </a:extLst>
           </p:cNvPr>
@@ -7951,7 +12972,7 @@
           <p:cNvPr id="9" name="직각 삼각형[R] 8">
             <a:extLst>
               <a:ext uri="{FF2B5EF4-FFF2-40B4-BE49-F238E27FC236}">
-                <a16:creationId xmlns:a16="http://schemas.microsoft.com/office/drawing/2014/main" id="{E9289217-6E56-7D4B-B6FB-329F373CAF3E}"/>
+                <a16:creationId xmlns:a16="http://schemas.microsoft.com/office/drawing/2014/main" xmlns="" id="{E9289217-6E56-7D4B-B6FB-329F373CAF3E}"/>
               </a:ext>
             </a:extLst>
           </p:cNvPr>
@@ -8005,7 +13026,7 @@
           <p:cNvPr id="20" name="TextBox 19">
             <a:extLst>
               <a:ext uri="{FF2B5EF4-FFF2-40B4-BE49-F238E27FC236}">
-                <a16:creationId xmlns:a16="http://schemas.microsoft.com/office/drawing/2014/main" id="{849EE5DD-2363-0B42-B4FD-2464134E7BE2}"/>
+                <a16:creationId xmlns:a16="http://schemas.microsoft.com/office/drawing/2014/main" xmlns="" id="{849EE5DD-2363-0B42-B4FD-2464134E7BE2}"/>
               </a:ext>
             </a:extLst>
           </p:cNvPr>
@@ -8015,7 +13036,7 @@
         <p:spPr>
           <a:xfrm>
             <a:off x="212837" y="199491"/>
-            <a:ext cx="1162498" cy="461665"/>
+            <a:ext cx="3706464" cy="830997"/>
           </a:xfrm>
           <a:prstGeom prst="rect">
             <a:avLst/>
@@ -8033,22 +13054,101 @@
                 <a:latin typeface="배달의민족 주아" pitchFamily="18" charset="-127"/>
                 <a:ea typeface="배달의민족 주아" pitchFamily="18" charset="-127"/>
               </a:rPr>
-              <a:t>03. </a:t>
+              <a:t>02. </a:t>
             </a:r>
             <a:r>
               <a:rPr kumimoji="1" lang="ko-KR" altLang="en-US" sz="2400" dirty="0">
                 <a:latin typeface="배달의민족 주아" pitchFamily="18" charset="-127"/>
                 <a:ea typeface="배달의민족 주아" pitchFamily="18" charset="-127"/>
               </a:rPr>
-              <a:t>시연</a:t>
-            </a:r>
+              <a:t>분석 </a:t>
+            </a:r>
+            <a:r>
+              <a:rPr kumimoji="1" lang="ko-KR" altLang="en-US" sz="2400" dirty="0" smtClean="0">
+                <a:latin typeface="배달의민족 주아" pitchFamily="18" charset="-127"/>
+                <a:ea typeface="배달의민족 주아" pitchFamily="18" charset="-127"/>
+              </a:rPr>
+              <a:t>설계 </a:t>
+            </a:r>
+            <a:r>
+              <a:rPr kumimoji="1" lang="en-US" altLang="ko-KR" sz="2400" dirty="0" smtClean="0">
+                <a:latin typeface="배달의민족 주아" pitchFamily="18" charset="-127"/>
+                <a:ea typeface="배달의민족 주아" pitchFamily="18" charset="-127"/>
+              </a:rPr>
+              <a:t>- </a:t>
+            </a:r>
+            <a:r>
+              <a:rPr kumimoji="1" lang="ko-KR" altLang="en-US" sz="2400" dirty="0" smtClean="0">
+                <a:latin typeface="배달의민족 주아" pitchFamily="18" charset="-127"/>
+                <a:ea typeface="배달의민족 주아" pitchFamily="18" charset="-127"/>
+              </a:rPr>
+              <a:t>요구 사항 정의</a:t>
+            </a:r>
+          </a:p>
+          <a:p>
+            <a:endParaRPr kumimoji="1" lang="ko-KR" altLang="en-US" sz="2400" dirty="0">
+              <a:latin typeface="배달의민족 주아" pitchFamily="18" charset="-127"/>
+              <a:ea typeface="배달의민족 주아" pitchFamily="18" charset="-127"/>
+            </a:endParaRPr>
+          </a:p>
+        </p:txBody>
+      </p:sp>
+      <p:sp>
+        <p:nvSpPr>
+          <p:cNvPr id="6" name="TextBox 5"/>
+          <p:cNvSpPr txBox="1"/>
+          <p:nvPr/>
+        </p:nvSpPr>
+        <p:spPr>
+          <a:xfrm>
+            <a:off x="489857" y="810815"/>
+            <a:ext cx="1787669" cy="369332"/>
+          </a:xfrm>
+          <a:prstGeom prst="rect">
+            <a:avLst/>
+          </a:prstGeom>
+          <a:noFill/>
+        </p:spPr>
+        <p:txBody>
+          <a:bodyPr wrap="none" rtlCol="0">
+            <a:spAutoFit/>
+          </a:bodyPr>
+          <a:lstStyle/>
+          <a:p>
+            <a:r>
+              <a:rPr lang="en-US" altLang="ko-KR" dirty="0" smtClean="0">
+                <a:solidFill>
+                  <a:schemeClr val="bg1"/>
+                </a:solidFill>
+                <a:latin typeface="배달의민족 주아" pitchFamily="18" charset="-127"/>
+                <a:ea typeface="배달의민족 주아" pitchFamily="18" charset="-127"/>
+              </a:rPr>
+              <a:t>-  </a:t>
+            </a:r>
+            <a:r>
+              <a:rPr lang="ko-KR" altLang="en-US" dirty="0" smtClean="0">
+                <a:solidFill>
+                  <a:schemeClr val="bg1"/>
+                </a:solidFill>
+                <a:latin typeface="배달의민족 주아" pitchFamily="18" charset="-127"/>
+                <a:ea typeface="배달의민족 주아" pitchFamily="18" charset="-127"/>
+              </a:rPr>
+              <a:t>요구사항 정의서</a:t>
+            </a:r>
+            <a:endParaRPr lang="en-US" altLang="ko-KR" dirty="0" smtClean="0">
+              <a:solidFill>
+                <a:schemeClr val="bg1"/>
+              </a:solidFill>
+              <a:latin typeface="배달의민족 주아" pitchFamily="18" charset="-127"/>
+              <a:ea typeface="배달의민족 주아" pitchFamily="18" charset="-127"/>
+            </a:endParaRPr>
           </a:p>
         </p:txBody>
       </p:sp>
     </p:spTree>
     <p:extLst>
       <p:ext uri="{BB962C8B-B14F-4D97-AF65-F5344CB8AC3E}">
-        <p14:creationId xmlns:p14="http://schemas.microsoft.com/office/powerpoint/2010/main" val="3982081280"/>
+        <p14:creationId xmlns:p14="http://schemas.microsoft.com/office/powerpoint/2010/main" xmlns="" val="2090930175"/>
       </p:ext>
     </p:extLst>
   </p:cSld>
@@ -8347,7 +13447,7 @@
   <a:extraClrSchemeLst/>
   <a:extLst>
     <a:ext uri="{05A4C25C-085E-4340-85A3-A5531E510DB2}">
-      <thm15:themeFamily xmlns:thm15="http://schemas.microsoft.com/office/thememl/2012/main" name="Office Theme" id="{62F939B6-93AF-4DB8-9C6B-D6C7DFDC589F}" vid="{4A3C46E8-61CC-4603-A589-7422A47A8E4A}"/>
+      <thm15:themeFamily xmlns:thm15="http://schemas.microsoft.com/office/thememl/2012/main" xmlns="" name="Office Theme" id="{62F939B6-93AF-4DB8-9C6B-D6C7DFDC589F}" vid="{4A3C46E8-61CC-4603-A589-7422A47A8E4A}"/>
     </a:ext>
   </a:extLst>
 </a:theme>
@@ -8642,7 +13742,7 @@
   <a:extraClrSchemeLst/>
   <a:extLst>
     <a:ext uri="{05A4C25C-085E-4340-85A3-A5531E510DB2}">
-      <thm15:themeFamily xmlns:thm15="http://schemas.microsoft.com/office/thememl/2012/main" name="Office Theme" id="{62F939B6-93AF-4DB8-9C6B-D6C7DFDC589F}" vid="{4A3C46E8-61CC-4603-A589-7422A47A8E4A}"/>
+      <thm15:themeFamily xmlns:thm15="http://schemas.microsoft.com/office/thememl/2012/main" xmlns="" name="Office Theme" id="{62F939B6-93AF-4DB8-9C6B-D6C7DFDC589F}" vid="{4A3C46E8-61CC-4603-A589-7422A47A8E4A}"/>
     </a:ext>
   </a:extLst>
 </a:theme>

--- a/4조/발표영상 및 PPT/OWL.pptx
+++ b/4조/발표영상 및 PPT/OWL.pptx
@@ -39,12 +39,12 @@
   <p:notesSz cx="6858000" cy="9144000"/>
   <p:embeddedFontLst>
     <p:embeddedFont>
-      <p:font typeface="맑은 고딕" pitchFamily="50" charset="-127"/>
+      <p:font typeface="맑은 고딕" panose="020B0503020000020004" pitchFamily="50" charset="-127"/>
       <p:regular r:id="rId29"/>
       <p:bold r:id="rId30"/>
     </p:embeddedFont>
     <p:embeddedFont>
-      <p:font typeface="배달의민족 주아" pitchFamily="18" charset="-127"/>
+      <p:font typeface="배달의민족 주아" panose="02020603020101020101" pitchFamily="18" charset="-127"/>
       <p:regular r:id="rId31"/>
     </p:embeddedFont>
   </p:embeddedFontLst>
@@ -145,7 +145,7 @@
   </p:defaultTextStyle>
   <p:extLst>
     <p:ext uri="{EFAFB233-063F-42B5-8137-9DF3F51BA10A}">
-      <p15:sldGuideLst xmlns:p15="http://schemas.microsoft.com/office/powerpoint/2012/main" xmlns="">
+      <p15:sldGuideLst xmlns:p15="http://schemas.microsoft.com/office/powerpoint/2012/main">
         <p15:guide id="1" orient="horz" pos="2160">
           <p15:clr>
             <a:srgbClr val="A4A3A4"/>
@@ -388,7 +388,7 @@
     </p:spTree>
     <p:extLst>
       <p:ext uri="{BB962C8B-B14F-4D97-AF65-F5344CB8AC3E}">
-        <p14:creationId xmlns:p14="http://schemas.microsoft.com/office/powerpoint/2010/main" xmlns="" val="1461798389"/>
+        <p14:creationId xmlns:p14="http://schemas.microsoft.com/office/powerpoint/2010/main" val="1461798389"/>
       </p:ext>
     </p:extLst>
   </p:cSld>
@@ -510,7 +510,7 @@
           <p:cNvPr id="2" name="제목 1">
             <a:extLst>
               <a:ext uri="{FF2B5EF4-FFF2-40B4-BE49-F238E27FC236}">
-                <a16:creationId xmlns:a16="http://schemas.microsoft.com/office/drawing/2014/main" xmlns="" id="{F0215948-5B1A-E54E-93AD-8B579A758275}"/>
+                <a16:creationId xmlns:a16="http://schemas.microsoft.com/office/drawing/2014/main" id="{F0215948-5B1A-E54E-93AD-8B579A758275}"/>
               </a:ext>
             </a:extLst>
           </p:cNvPr>
@@ -547,7 +547,7 @@
           <p:cNvPr id="3" name="부제목 2">
             <a:extLst>
               <a:ext uri="{FF2B5EF4-FFF2-40B4-BE49-F238E27FC236}">
-                <a16:creationId xmlns:a16="http://schemas.microsoft.com/office/drawing/2014/main" xmlns="" id="{588E59E6-D1AC-D84D-B0EB-CCA091FBF5B9}"/>
+                <a16:creationId xmlns:a16="http://schemas.microsoft.com/office/drawing/2014/main" id="{588E59E6-D1AC-D84D-B0EB-CCA091FBF5B9}"/>
               </a:ext>
             </a:extLst>
           </p:cNvPr>
@@ -617,7 +617,7 @@
           <p:cNvPr id="4" name="날짜 개체 틀 3">
             <a:extLst>
               <a:ext uri="{FF2B5EF4-FFF2-40B4-BE49-F238E27FC236}">
-                <a16:creationId xmlns:a16="http://schemas.microsoft.com/office/drawing/2014/main" xmlns="" id="{D0FE2932-8A68-1E4D-9017-7FC216DBA319}"/>
+                <a16:creationId xmlns:a16="http://schemas.microsoft.com/office/drawing/2014/main" id="{D0FE2932-8A68-1E4D-9017-7FC216DBA319}"/>
               </a:ext>
             </a:extLst>
           </p:cNvPr>
@@ -647,7 +647,7 @@
           <p:cNvPr id="5" name="바닥글 개체 틀 4">
             <a:extLst>
               <a:ext uri="{FF2B5EF4-FFF2-40B4-BE49-F238E27FC236}">
-                <a16:creationId xmlns:a16="http://schemas.microsoft.com/office/drawing/2014/main" xmlns="" id="{3C412354-D2D2-5B45-8D74-78B85A897400}"/>
+                <a16:creationId xmlns:a16="http://schemas.microsoft.com/office/drawing/2014/main" id="{3C412354-D2D2-5B45-8D74-78B85A897400}"/>
               </a:ext>
             </a:extLst>
           </p:cNvPr>
@@ -672,7 +672,7 @@
           <p:cNvPr id="6" name="슬라이드 번호 개체 틀 5">
             <a:extLst>
               <a:ext uri="{FF2B5EF4-FFF2-40B4-BE49-F238E27FC236}">
-                <a16:creationId xmlns:a16="http://schemas.microsoft.com/office/drawing/2014/main" xmlns="" id="{DD4B9E51-C76B-8248-A3F3-BE36807ACF51}"/>
+                <a16:creationId xmlns:a16="http://schemas.microsoft.com/office/drawing/2014/main" id="{DD4B9E51-C76B-8248-A3F3-BE36807ACF51}"/>
               </a:ext>
             </a:extLst>
           </p:cNvPr>
@@ -700,7 +700,7 @@
     </p:spTree>
     <p:extLst>
       <p:ext uri="{BB962C8B-B14F-4D97-AF65-F5344CB8AC3E}">
-        <p14:creationId xmlns:p14="http://schemas.microsoft.com/office/powerpoint/2010/main" xmlns="" val="3379003660"/>
+        <p14:creationId xmlns:p14="http://schemas.microsoft.com/office/powerpoint/2010/main" val="3379003660"/>
       </p:ext>
     </p:extLst>
   </p:cSld>
@@ -732,7 +732,7 @@
           <p:cNvPr id="2" name="제목 1">
             <a:extLst>
               <a:ext uri="{FF2B5EF4-FFF2-40B4-BE49-F238E27FC236}">
-                <a16:creationId xmlns:a16="http://schemas.microsoft.com/office/drawing/2014/main" xmlns="" id="{2A5E2B98-A3FC-FA4D-A2BD-D8450F5D8D26}"/>
+                <a16:creationId xmlns:a16="http://schemas.microsoft.com/office/drawing/2014/main" id="{2A5E2B98-A3FC-FA4D-A2BD-D8450F5D8D26}"/>
               </a:ext>
             </a:extLst>
           </p:cNvPr>
@@ -760,7 +760,7 @@
           <p:cNvPr id="3" name="세로 텍스트 개체 틀 2">
             <a:extLst>
               <a:ext uri="{FF2B5EF4-FFF2-40B4-BE49-F238E27FC236}">
-                <a16:creationId xmlns:a16="http://schemas.microsoft.com/office/drawing/2014/main" xmlns="" id="{6A079FFF-2472-FA47-B6AC-F80C7746F99D}"/>
+                <a16:creationId xmlns:a16="http://schemas.microsoft.com/office/drawing/2014/main" id="{6A079FFF-2472-FA47-B6AC-F80C7746F99D}"/>
               </a:ext>
             </a:extLst>
           </p:cNvPr>
@@ -792,7 +792,7 @@
           <p:cNvPr id="4" name="날짜 개체 틀 3">
             <a:extLst>
               <a:ext uri="{FF2B5EF4-FFF2-40B4-BE49-F238E27FC236}">
-                <a16:creationId xmlns:a16="http://schemas.microsoft.com/office/drawing/2014/main" xmlns="" id="{98C0AE3F-9567-F945-9095-A599EAF6BEE3}"/>
+                <a16:creationId xmlns:a16="http://schemas.microsoft.com/office/drawing/2014/main" id="{98C0AE3F-9567-F945-9095-A599EAF6BEE3}"/>
               </a:ext>
             </a:extLst>
           </p:cNvPr>
@@ -822,7 +822,7 @@
           <p:cNvPr id="5" name="바닥글 개체 틀 4">
             <a:extLst>
               <a:ext uri="{FF2B5EF4-FFF2-40B4-BE49-F238E27FC236}">
-                <a16:creationId xmlns:a16="http://schemas.microsoft.com/office/drawing/2014/main" xmlns="" id="{985BE14D-E304-4540-B91A-45368E6891AC}"/>
+                <a16:creationId xmlns:a16="http://schemas.microsoft.com/office/drawing/2014/main" id="{985BE14D-E304-4540-B91A-45368E6891AC}"/>
               </a:ext>
             </a:extLst>
           </p:cNvPr>
@@ -847,7 +847,7 @@
           <p:cNvPr id="6" name="슬라이드 번호 개체 틀 5">
             <a:extLst>
               <a:ext uri="{FF2B5EF4-FFF2-40B4-BE49-F238E27FC236}">
-                <a16:creationId xmlns:a16="http://schemas.microsoft.com/office/drawing/2014/main" xmlns="" id="{2695B521-7F98-BF41-B606-35A7CC96F9D7}"/>
+                <a16:creationId xmlns:a16="http://schemas.microsoft.com/office/drawing/2014/main" id="{2695B521-7F98-BF41-B606-35A7CC96F9D7}"/>
               </a:ext>
             </a:extLst>
           </p:cNvPr>
@@ -875,7 +875,7 @@
     </p:spTree>
     <p:extLst>
       <p:ext uri="{BB962C8B-B14F-4D97-AF65-F5344CB8AC3E}">
-        <p14:creationId xmlns:p14="http://schemas.microsoft.com/office/powerpoint/2010/main" xmlns="" val="2677970395"/>
+        <p14:creationId xmlns:p14="http://schemas.microsoft.com/office/powerpoint/2010/main" val="2677970395"/>
       </p:ext>
     </p:extLst>
   </p:cSld>
@@ -907,7 +907,7 @@
           <p:cNvPr id="2" name="세로 제목 1">
             <a:extLst>
               <a:ext uri="{FF2B5EF4-FFF2-40B4-BE49-F238E27FC236}">
-                <a16:creationId xmlns:a16="http://schemas.microsoft.com/office/drawing/2014/main" xmlns="" id="{CC9F30B6-7E51-E849-9012-A2137E7DDD2A}"/>
+                <a16:creationId xmlns:a16="http://schemas.microsoft.com/office/drawing/2014/main" id="{CC9F30B6-7E51-E849-9012-A2137E7DDD2A}"/>
               </a:ext>
             </a:extLst>
           </p:cNvPr>
@@ -940,7 +940,7 @@
           <p:cNvPr id="3" name="세로 텍스트 개체 틀 2">
             <a:extLst>
               <a:ext uri="{FF2B5EF4-FFF2-40B4-BE49-F238E27FC236}">
-                <a16:creationId xmlns:a16="http://schemas.microsoft.com/office/drawing/2014/main" xmlns="" id="{7B69FA03-416D-8C4A-AE97-8A6CECC42143}"/>
+                <a16:creationId xmlns:a16="http://schemas.microsoft.com/office/drawing/2014/main" id="{7B69FA03-416D-8C4A-AE97-8A6CECC42143}"/>
               </a:ext>
             </a:extLst>
           </p:cNvPr>
@@ -977,7 +977,7 @@
           <p:cNvPr id="4" name="날짜 개체 틀 3">
             <a:extLst>
               <a:ext uri="{FF2B5EF4-FFF2-40B4-BE49-F238E27FC236}">
-                <a16:creationId xmlns:a16="http://schemas.microsoft.com/office/drawing/2014/main" xmlns="" id="{D4C60FB7-084B-C546-AA5A-31F216EEEECF}"/>
+                <a16:creationId xmlns:a16="http://schemas.microsoft.com/office/drawing/2014/main" id="{D4C60FB7-084B-C546-AA5A-31F216EEEECF}"/>
               </a:ext>
             </a:extLst>
           </p:cNvPr>
@@ -1007,7 +1007,7 @@
           <p:cNvPr id="5" name="바닥글 개체 틀 4">
             <a:extLst>
               <a:ext uri="{FF2B5EF4-FFF2-40B4-BE49-F238E27FC236}">
-                <a16:creationId xmlns:a16="http://schemas.microsoft.com/office/drawing/2014/main" xmlns="" id="{78E3B417-D516-7441-91B1-954736D5687B}"/>
+                <a16:creationId xmlns:a16="http://schemas.microsoft.com/office/drawing/2014/main" id="{78E3B417-D516-7441-91B1-954736D5687B}"/>
               </a:ext>
             </a:extLst>
           </p:cNvPr>
@@ -1032,7 +1032,7 @@
           <p:cNvPr id="6" name="슬라이드 번호 개체 틀 5">
             <a:extLst>
               <a:ext uri="{FF2B5EF4-FFF2-40B4-BE49-F238E27FC236}">
-                <a16:creationId xmlns:a16="http://schemas.microsoft.com/office/drawing/2014/main" xmlns="" id="{58F0D530-E2C2-254A-9891-CE4FEBFB8F75}"/>
+                <a16:creationId xmlns:a16="http://schemas.microsoft.com/office/drawing/2014/main" id="{58F0D530-E2C2-254A-9891-CE4FEBFB8F75}"/>
               </a:ext>
             </a:extLst>
           </p:cNvPr>
@@ -1060,7 +1060,7 @@
     </p:spTree>
     <p:extLst>
       <p:ext uri="{BB962C8B-B14F-4D97-AF65-F5344CB8AC3E}">
-        <p14:creationId xmlns:p14="http://schemas.microsoft.com/office/powerpoint/2010/main" xmlns="" val="3932676663"/>
+        <p14:creationId xmlns:p14="http://schemas.microsoft.com/office/powerpoint/2010/main" val="3932676663"/>
       </p:ext>
     </p:extLst>
   </p:cSld>
@@ -1092,7 +1092,7 @@
           <p:cNvPr id="2" name="제목 1">
             <a:extLst>
               <a:ext uri="{FF2B5EF4-FFF2-40B4-BE49-F238E27FC236}">
-                <a16:creationId xmlns:a16="http://schemas.microsoft.com/office/drawing/2014/main" xmlns="" id="{25908939-8DB2-E548-ACE8-A5E3DB62C879}"/>
+                <a16:creationId xmlns:a16="http://schemas.microsoft.com/office/drawing/2014/main" id="{25908939-8DB2-E548-ACE8-A5E3DB62C879}"/>
               </a:ext>
             </a:extLst>
           </p:cNvPr>
@@ -1120,7 +1120,7 @@
           <p:cNvPr id="3" name="내용 개체 틀 2">
             <a:extLst>
               <a:ext uri="{FF2B5EF4-FFF2-40B4-BE49-F238E27FC236}">
-                <a16:creationId xmlns:a16="http://schemas.microsoft.com/office/drawing/2014/main" xmlns="" id="{3E0E5E13-51CA-F449-A7FF-A628F1A4CA5F}"/>
+                <a16:creationId xmlns:a16="http://schemas.microsoft.com/office/drawing/2014/main" id="{3E0E5E13-51CA-F449-A7FF-A628F1A4CA5F}"/>
               </a:ext>
             </a:extLst>
           </p:cNvPr>
@@ -1152,7 +1152,7 @@
           <p:cNvPr id="4" name="날짜 개체 틀 3">
             <a:extLst>
               <a:ext uri="{FF2B5EF4-FFF2-40B4-BE49-F238E27FC236}">
-                <a16:creationId xmlns:a16="http://schemas.microsoft.com/office/drawing/2014/main" xmlns="" id="{A133EAE4-BEA2-1548-A59F-046FF0521C68}"/>
+                <a16:creationId xmlns:a16="http://schemas.microsoft.com/office/drawing/2014/main" id="{A133EAE4-BEA2-1548-A59F-046FF0521C68}"/>
               </a:ext>
             </a:extLst>
           </p:cNvPr>
@@ -1182,7 +1182,7 @@
           <p:cNvPr id="5" name="바닥글 개체 틀 4">
             <a:extLst>
               <a:ext uri="{FF2B5EF4-FFF2-40B4-BE49-F238E27FC236}">
-                <a16:creationId xmlns:a16="http://schemas.microsoft.com/office/drawing/2014/main" xmlns="" id="{1C4AB806-1717-6841-A40B-D91B892BC0AC}"/>
+                <a16:creationId xmlns:a16="http://schemas.microsoft.com/office/drawing/2014/main" id="{1C4AB806-1717-6841-A40B-D91B892BC0AC}"/>
               </a:ext>
             </a:extLst>
           </p:cNvPr>
@@ -1207,7 +1207,7 @@
           <p:cNvPr id="6" name="슬라이드 번호 개체 틀 5">
             <a:extLst>
               <a:ext uri="{FF2B5EF4-FFF2-40B4-BE49-F238E27FC236}">
-                <a16:creationId xmlns:a16="http://schemas.microsoft.com/office/drawing/2014/main" xmlns="" id="{C498F8E6-61EE-9A40-A82C-56B21C4FBA2E}"/>
+                <a16:creationId xmlns:a16="http://schemas.microsoft.com/office/drawing/2014/main" id="{C498F8E6-61EE-9A40-A82C-56B21C4FBA2E}"/>
               </a:ext>
             </a:extLst>
           </p:cNvPr>
@@ -1235,7 +1235,7 @@
     </p:spTree>
     <p:extLst>
       <p:ext uri="{BB962C8B-B14F-4D97-AF65-F5344CB8AC3E}">
-        <p14:creationId xmlns:p14="http://schemas.microsoft.com/office/powerpoint/2010/main" xmlns="" val="3610979407"/>
+        <p14:creationId xmlns:p14="http://schemas.microsoft.com/office/powerpoint/2010/main" val="3610979407"/>
       </p:ext>
     </p:extLst>
   </p:cSld>
@@ -1267,7 +1267,7 @@
           <p:cNvPr id="2" name="제목 1">
             <a:extLst>
               <a:ext uri="{FF2B5EF4-FFF2-40B4-BE49-F238E27FC236}">
-                <a16:creationId xmlns:a16="http://schemas.microsoft.com/office/drawing/2014/main" xmlns="" id="{20738035-A752-A04F-AC37-BE71AD6A1D56}"/>
+                <a16:creationId xmlns:a16="http://schemas.microsoft.com/office/drawing/2014/main" id="{20738035-A752-A04F-AC37-BE71AD6A1D56}"/>
               </a:ext>
             </a:extLst>
           </p:cNvPr>
@@ -1304,7 +1304,7 @@
           <p:cNvPr id="3" name="텍스트 개체 틀 2">
             <a:extLst>
               <a:ext uri="{FF2B5EF4-FFF2-40B4-BE49-F238E27FC236}">
-                <a16:creationId xmlns:a16="http://schemas.microsoft.com/office/drawing/2014/main" xmlns="" id="{45ED5397-BA55-5E49-8353-8A17C30A646F}"/>
+                <a16:creationId xmlns:a16="http://schemas.microsoft.com/office/drawing/2014/main" id="{45ED5397-BA55-5E49-8353-8A17C30A646F}"/>
               </a:ext>
             </a:extLst>
           </p:cNvPr>
@@ -1432,7 +1432,7 @@
           <p:cNvPr id="4" name="날짜 개체 틀 3">
             <a:extLst>
               <a:ext uri="{FF2B5EF4-FFF2-40B4-BE49-F238E27FC236}">
-                <a16:creationId xmlns:a16="http://schemas.microsoft.com/office/drawing/2014/main" xmlns="" id="{7DE34B4F-B9C4-6441-A021-A747F74D9083}"/>
+                <a16:creationId xmlns:a16="http://schemas.microsoft.com/office/drawing/2014/main" id="{7DE34B4F-B9C4-6441-A021-A747F74D9083}"/>
               </a:ext>
             </a:extLst>
           </p:cNvPr>
@@ -1462,7 +1462,7 @@
           <p:cNvPr id="5" name="바닥글 개체 틀 4">
             <a:extLst>
               <a:ext uri="{FF2B5EF4-FFF2-40B4-BE49-F238E27FC236}">
-                <a16:creationId xmlns:a16="http://schemas.microsoft.com/office/drawing/2014/main" xmlns="" id="{A5B6457E-0B56-1849-8C54-FFA2CC53DD8E}"/>
+                <a16:creationId xmlns:a16="http://schemas.microsoft.com/office/drawing/2014/main" id="{A5B6457E-0B56-1849-8C54-FFA2CC53DD8E}"/>
               </a:ext>
             </a:extLst>
           </p:cNvPr>
@@ -1487,7 +1487,7 @@
           <p:cNvPr id="6" name="슬라이드 번호 개체 틀 5">
             <a:extLst>
               <a:ext uri="{FF2B5EF4-FFF2-40B4-BE49-F238E27FC236}">
-                <a16:creationId xmlns:a16="http://schemas.microsoft.com/office/drawing/2014/main" xmlns="" id="{513D8DC1-B9C2-EC42-AB77-8CA99AF0B5D7}"/>
+                <a16:creationId xmlns:a16="http://schemas.microsoft.com/office/drawing/2014/main" id="{513D8DC1-B9C2-EC42-AB77-8CA99AF0B5D7}"/>
               </a:ext>
             </a:extLst>
           </p:cNvPr>
@@ -1515,7 +1515,7 @@
     </p:spTree>
     <p:extLst>
       <p:ext uri="{BB962C8B-B14F-4D97-AF65-F5344CB8AC3E}">
-        <p14:creationId xmlns:p14="http://schemas.microsoft.com/office/powerpoint/2010/main" xmlns="" val="1759907452"/>
+        <p14:creationId xmlns:p14="http://schemas.microsoft.com/office/powerpoint/2010/main" val="1759907452"/>
       </p:ext>
     </p:extLst>
   </p:cSld>
@@ -1547,7 +1547,7 @@
           <p:cNvPr id="2" name="제목 1">
             <a:extLst>
               <a:ext uri="{FF2B5EF4-FFF2-40B4-BE49-F238E27FC236}">
-                <a16:creationId xmlns:a16="http://schemas.microsoft.com/office/drawing/2014/main" xmlns="" id="{572AC94E-DE91-3648-9D50-663BA6102CE3}"/>
+                <a16:creationId xmlns:a16="http://schemas.microsoft.com/office/drawing/2014/main" id="{572AC94E-DE91-3648-9D50-663BA6102CE3}"/>
               </a:ext>
             </a:extLst>
           </p:cNvPr>
@@ -1575,7 +1575,7 @@
           <p:cNvPr id="3" name="내용 개체 틀 2">
             <a:extLst>
               <a:ext uri="{FF2B5EF4-FFF2-40B4-BE49-F238E27FC236}">
-                <a16:creationId xmlns:a16="http://schemas.microsoft.com/office/drawing/2014/main" xmlns="" id="{D767EA31-594C-0C4F-ABE8-4C1F0DC90912}"/>
+                <a16:creationId xmlns:a16="http://schemas.microsoft.com/office/drawing/2014/main" id="{D767EA31-594C-0C4F-ABE8-4C1F0DC90912}"/>
               </a:ext>
             </a:extLst>
           </p:cNvPr>
@@ -1612,7 +1612,7 @@
           <p:cNvPr id="4" name="내용 개체 틀 3">
             <a:extLst>
               <a:ext uri="{FF2B5EF4-FFF2-40B4-BE49-F238E27FC236}">
-                <a16:creationId xmlns:a16="http://schemas.microsoft.com/office/drawing/2014/main" xmlns="" id="{B2622D40-DAB4-7248-A1B5-FF4E3669FB92}"/>
+                <a16:creationId xmlns:a16="http://schemas.microsoft.com/office/drawing/2014/main" id="{B2622D40-DAB4-7248-A1B5-FF4E3669FB92}"/>
               </a:ext>
             </a:extLst>
           </p:cNvPr>
@@ -1649,7 +1649,7 @@
           <p:cNvPr id="5" name="날짜 개체 틀 4">
             <a:extLst>
               <a:ext uri="{FF2B5EF4-FFF2-40B4-BE49-F238E27FC236}">
-                <a16:creationId xmlns:a16="http://schemas.microsoft.com/office/drawing/2014/main" xmlns="" id="{55D8839B-9014-BA4A-A907-E47C2462E550}"/>
+                <a16:creationId xmlns:a16="http://schemas.microsoft.com/office/drawing/2014/main" id="{55D8839B-9014-BA4A-A907-E47C2462E550}"/>
               </a:ext>
             </a:extLst>
           </p:cNvPr>
@@ -1679,7 +1679,7 @@
           <p:cNvPr id="6" name="바닥글 개체 틀 5">
             <a:extLst>
               <a:ext uri="{FF2B5EF4-FFF2-40B4-BE49-F238E27FC236}">
-                <a16:creationId xmlns:a16="http://schemas.microsoft.com/office/drawing/2014/main" xmlns="" id="{0CF04C83-BF5E-5C44-855B-07A61405377B}"/>
+                <a16:creationId xmlns:a16="http://schemas.microsoft.com/office/drawing/2014/main" id="{0CF04C83-BF5E-5C44-855B-07A61405377B}"/>
               </a:ext>
             </a:extLst>
           </p:cNvPr>
@@ -1704,7 +1704,7 @@
           <p:cNvPr id="7" name="슬라이드 번호 개체 틀 6">
             <a:extLst>
               <a:ext uri="{FF2B5EF4-FFF2-40B4-BE49-F238E27FC236}">
-                <a16:creationId xmlns:a16="http://schemas.microsoft.com/office/drawing/2014/main" xmlns="" id="{EAE3301C-ED85-6E4E-97CB-26B53561128B}"/>
+                <a16:creationId xmlns:a16="http://schemas.microsoft.com/office/drawing/2014/main" id="{EAE3301C-ED85-6E4E-97CB-26B53561128B}"/>
               </a:ext>
             </a:extLst>
           </p:cNvPr>
@@ -1732,7 +1732,7 @@
     </p:spTree>
     <p:extLst>
       <p:ext uri="{BB962C8B-B14F-4D97-AF65-F5344CB8AC3E}">
-        <p14:creationId xmlns:p14="http://schemas.microsoft.com/office/powerpoint/2010/main" xmlns="" val="4178646919"/>
+        <p14:creationId xmlns:p14="http://schemas.microsoft.com/office/powerpoint/2010/main" val="4178646919"/>
       </p:ext>
     </p:extLst>
   </p:cSld>
@@ -1764,7 +1764,7 @@
           <p:cNvPr id="2" name="제목 1">
             <a:extLst>
               <a:ext uri="{FF2B5EF4-FFF2-40B4-BE49-F238E27FC236}">
-                <a16:creationId xmlns:a16="http://schemas.microsoft.com/office/drawing/2014/main" xmlns="" id="{2D48C063-E021-C841-B92D-A087198E7C60}"/>
+                <a16:creationId xmlns:a16="http://schemas.microsoft.com/office/drawing/2014/main" id="{2D48C063-E021-C841-B92D-A087198E7C60}"/>
               </a:ext>
             </a:extLst>
           </p:cNvPr>
@@ -1797,7 +1797,7 @@
           <p:cNvPr id="3" name="텍스트 개체 틀 2">
             <a:extLst>
               <a:ext uri="{FF2B5EF4-FFF2-40B4-BE49-F238E27FC236}">
-                <a16:creationId xmlns:a16="http://schemas.microsoft.com/office/drawing/2014/main" xmlns="" id="{015AAEF1-6ADE-2A4F-A1B2-B4214FBACDB8}"/>
+                <a16:creationId xmlns:a16="http://schemas.microsoft.com/office/drawing/2014/main" id="{015AAEF1-6ADE-2A4F-A1B2-B4214FBACDB8}"/>
               </a:ext>
             </a:extLst>
           </p:cNvPr>
@@ -1871,7 +1871,7 @@
           <p:cNvPr id="4" name="내용 개체 틀 3">
             <a:extLst>
               <a:ext uri="{FF2B5EF4-FFF2-40B4-BE49-F238E27FC236}">
-                <a16:creationId xmlns:a16="http://schemas.microsoft.com/office/drawing/2014/main" xmlns="" id="{DD0A6D24-CF00-D447-BA91-083FD7FD1EDF}"/>
+                <a16:creationId xmlns:a16="http://schemas.microsoft.com/office/drawing/2014/main" id="{DD0A6D24-CF00-D447-BA91-083FD7FD1EDF}"/>
               </a:ext>
             </a:extLst>
           </p:cNvPr>
@@ -1908,7 +1908,7 @@
           <p:cNvPr id="5" name="텍스트 개체 틀 4">
             <a:extLst>
               <a:ext uri="{FF2B5EF4-FFF2-40B4-BE49-F238E27FC236}">
-                <a16:creationId xmlns:a16="http://schemas.microsoft.com/office/drawing/2014/main" xmlns="" id="{B1A05A70-C9A1-994D-98CF-9B83235CF9EE}"/>
+                <a16:creationId xmlns:a16="http://schemas.microsoft.com/office/drawing/2014/main" id="{B1A05A70-C9A1-994D-98CF-9B83235CF9EE}"/>
               </a:ext>
             </a:extLst>
           </p:cNvPr>
@@ -1982,7 +1982,7 @@
           <p:cNvPr id="6" name="내용 개체 틀 5">
             <a:extLst>
               <a:ext uri="{FF2B5EF4-FFF2-40B4-BE49-F238E27FC236}">
-                <a16:creationId xmlns:a16="http://schemas.microsoft.com/office/drawing/2014/main" xmlns="" id="{2EBD6979-0DF5-C248-A430-408686A9D3DD}"/>
+                <a16:creationId xmlns:a16="http://schemas.microsoft.com/office/drawing/2014/main" id="{2EBD6979-0DF5-C248-A430-408686A9D3DD}"/>
               </a:ext>
             </a:extLst>
           </p:cNvPr>
@@ -2019,7 +2019,7 @@
           <p:cNvPr id="7" name="날짜 개체 틀 6">
             <a:extLst>
               <a:ext uri="{FF2B5EF4-FFF2-40B4-BE49-F238E27FC236}">
-                <a16:creationId xmlns:a16="http://schemas.microsoft.com/office/drawing/2014/main" xmlns="" id="{1ECD500E-620C-2444-99DF-1F1E77D80078}"/>
+                <a16:creationId xmlns:a16="http://schemas.microsoft.com/office/drawing/2014/main" id="{1ECD500E-620C-2444-99DF-1F1E77D80078}"/>
               </a:ext>
             </a:extLst>
           </p:cNvPr>
@@ -2049,7 +2049,7 @@
           <p:cNvPr id="8" name="바닥글 개체 틀 7">
             <a:extLst>
               <a:ext uri="{FF2B5EF4-FFF2-40B4-BE49-F238E27FC236}">
-                <a16:creationId xmlns:a16="http://schemas.microsoft.com/office/drawing/2014/main" xmlns="" id="{5FC09583-EDEB-8140-9E03-7E3D359A6F6A}"/>
+                <a16:creationId xmlns:a16="http://schemas.microsoft.com/office/drawing/2014/main" id="{5FC09583-EDEB-8140-9E03-7E3D359A6F6A}"/>
               </a:ext>
             </a:extLst>
           </p:cNvPr>
@@ -2074,7 +2074,7 @@
           <p:cNvPr id="9" name="슬라이드 번호 개체 틀 8">
             <a:extLst>
               <a:ext uri="{FF2B5EF4-FFF2-40B4-BE49-F238E27FC236}">
-                <a16:creationId xmlns:a16="http://schemas.microsoft.com/office/drawing/2014/main" xmlns="" id="{95125583-F585-AF4D-8136-8CC5AC5DE6DD}"/>
+                <a16:creationId xmlns:a16="http://schemas.microsoft.com/office/drawing/2014/main" id="{95125583-F585-AF4D-8136-8CC5AC5DE6DD}"/>
               </a:ext>
             </a:extLst>
           </p:cNvPr>
@@ -2102,7 +2102,7 @@
     </p:spTree>
     <p:extLst>
       <p:ext uri="{BB962C8B-B14F-4D97-AF65-F5344CB8AC3E}">
-        <p14:creationId xmlns:p14="http://schemas.microsoft.com/office/powerpoint/2010/main" xmlns="" val="2545313846"/>
+        <p14:creationId xmlns:p14="http://schemas.microsoft.com/office/powerpoint/2010/main" val="2545313846"/>
       </p:ext>
     </p:extLst>
   </p:cSld>
@@ -2134,7 +2134,7 @@
           <p:cNvPr id="2" name="제목 1">
             <a:extLst>
               <a:ext uri="{FF2B5EF4-FFF2-40B4-BE49-F238E27FC236}">
-                <a16:creationId xmlns:a16="http://schemas.microsoft.com/office/drawing/2014/main" xmlns="" id="{F49BD015-8352-6342-BF8C-4736C2A1DAE4}"/>
+                <a16:creationId xmlns:a16="http://schemas.microsoft.com/office/drawing/2014/main" id="{F49BD015-8352-6342-BF8C-4736C2A1DAE4}"/>
               </a:ext>
             </a:extLst>
           </p:cNvPr>
@@ -2162,7 +2162,7 @@
           <p:cNvPr id="3" name="날짜 개체 틀 2">
             <a:extLst>
               <a:ext uri="{FF2B5EF4-FFF2-40B4-BE49-F238E27FC236}">
-                <a16:creationId xmlns:a16="http://schemas.microsoft.com/office/drawing/2014/main" xmlns="" id="{2F95FE88-801B-5043-8A28-57A8255CDB66}"/>
+                <a16:creationId xmlns:a16="http://schemas.microsoft.com/office/drawing/2014/main" id="{2F95FE88-801B-5043-8A28-57A8255CDB66}"/>
               </a:ext>
             </a:extLst>
           </p:cNvPr>
@@ -2192,7 +2192,7 @@
           <p:cNvPr id="4" name="바닥글 개체 틀 3">
             <a:extLst>
               <a:ext uri="{FF2B5EF4-FFF2-40B4-BE49-F238E27FC236}">
-                <a16:creationId xmlns:a16="http://schemas.microsoft.com/office/drawing/2014/main" xmlns="" id="{1B29247F-613F-8041-A68F-2E695BEFA12E}"/>
+                <a16:creationId xmlns:a16="http://schemas.microsoft.com/office/drawing/2014/main" id="{1B29247F-613F-8041-A68F-2E695BEFA12E}"/>
               </a:ext>
             </a:extLst>
           </p:cNvPr>
@@ -2217,7 +2217,7 @@
           <p:cNvPr id="5" name="슬라이드 번호 개체 틀 4">
             <a:extLst>
               <a:ext uri="{FF2B5EF4-FFF2-40B4-BE49-F238E27FC236}">
-                <a16:creationId xmlns:a16="http://schemas.microsoft.com/office/drawing/2014/main" xmlns="" id="{B20387DC-5EE6-F94C-86EA-19E6A36F2376}"/>
+                <a16:creationId xmlns:a16="http://schemas.microsoft.com/office/drawing/2014/main" id="{B20387DC-5EE6-F94C-86EA-19E6A36F2376}"/>
               </a:ext>
             </a:extLst>
           </p:cNvPr>
@@ -2245,7 +2245,7 @@
     </p:spTree>
     <p:extLst>
       <p:ext uri="{BB962C8B-B14F-4D97-AF65-F5344CB8AC3E}">
-        <p14:creationId xmlns:p14="http://schemas.microsoft.com/office/powerpoint/2010/main" xmlns="" val="450827391"/>
+        <p14:creationId xmlns:p14="http://schemas.microsoft.com/office/powerpoint/2010/main" val="450827391"/>
       </p:ext>
     </p:extLst>
   </p:cSld>
@@ -2277,7 +2277,7 @@
           <p:cNvPr id="2" name="날짜 개체 틀 1">
             <a:extLst>
               <a:ext uri="{FF2B5EF4-FFF2-40B4-BE49-F238E27FC236}">
-                <a16:creationId xmlns:a16="http://schemas.microsoft.com/office/drawing/2014/main" xmlns="" id="{AC54CF41-2CCB-2546-8A51-3EC7908852B3}"/>
+                <a16:creationId xmlns:a16="http://schemas.microsoft.com/office/drawing/2014/main" id="{AC54CF41-2CCB-2546-8A51-3EC7908852B3}"/>
               </a:ext>
             </a:extLst>
           </p:cNvPr>
@@ -2307,7 +2307,7 @@
           <p:cNvPr id="3" name="바닥글 개체 틀 2">
             <a:extLst>
               <a:ext uri="{FF2B5EF4-FFF2-40B4-BE49-F238E27FC236}">
-                <a16:creationId xmlns:a16="http://schemas.microsoft.com/office/drawing/2014/main" xmlns="" id="{5C41C900-20D4-1E46-A503-DEA018F92506}"/>
+                <a16:creationId xmlns:a16="http://schemas.microsoft.com/office/drawing/2014/main" id="{5C41C900-20D4-1E46-A503-DEA018F92506}"/>
               </a:ext>
             </a:extLst>
           </p:cNvPr>
@@ -2332,7 +2332,7 @@
           <p:cNvPr id="4" name="슬라이드 번호 개체 틀 3">
             <a:extLst>
               <a:ext uri="{FF2B5EF4-FFF2-40B4-BE49-F238E27FC236}">
-                <a16:creationId xmlns:a16="http://schemas.microsoft.com/office/drawing/2014/main" xmlns="" id="{473903CA-6145-3846-B5B6-56790FC68ACB}"/>
+                <a16:creationId xmlns:a16="http://schemas.microsoft.com/office/drawing/2014/main" id="{473903CA-6145-3846-B5B6-56790FC68ACB}"/>
               </a:ext>
             </a:extLst>
           </p:cNvPr>
@@ -2360,7 +2360,7 @@
     </p:spTree>
     <p:extLst>
       <p:ext uri="{BB962C8B-B14F-4D97-AF65-F5344CB8AC3E}">
-        <p14:creationId xmlns:p14="http://schemas.microsoft.com/office/powerpoint/2010/main" xmlns="" val="4096272925"/>
+        <p14:creationId xmlns:p14="http://schemas.microsoft.com/office/powerpoint/2010/main" val="4096272925"/>
       </p:ext>
     </p:extLst>
   </p:cSld>
@@ -2392,7 +2392,7 @@
           <p:cNvPr id="2" name="제목 1">
             <a:extLst>
               <a:ext uri="{FF2B5EF4-FFF2-40B4-BE49-F238E27FC236}">
-                <a16:creationId xmlns:a16="http://schemas.microsoft.com/office/drawing/2014/main" xmlns="" id="{5BB53706-6F59-164D-8AB3-61AA4193855E}"/>
+                <a16:creationId xmlns:a16="http://schemas.microsoft.com/office/drawing/2014/main" id="{5BB53706-6F59-164D-8AB3-61AA4193855E}"/>
               </a:ext>
             </a:extLst>
           </p:cNvPr>
@@ -2429,7 +2429,7 @@
           <p:cNvPr id="3" name="내용 개체 틀 2">
             <a:extLst>
               <a:ext uri="{FF2B5EF4-FFF2-40B4-BE49-F238E27FC236}">
-                <a16:creationId xmlns:a16="http://schemas.microsoft.com/office/drawing/2014/main" xmlns="" id="{7705A654-A7BC-6F44-B678-0077F702E549}"/>
+                <a16:creationId xmlns:a16="http://schemas.microsoft.com/office/drawing/2014/main" id="{7705A654-A7BC-6F44-B678-0077F702E549}"/>
               </a:ext>
             </a:extLst>
           </p:cNvPr>
@@ -2494,7 +2494,7 @@
           <p:cNvPr id="4" name="텍스트 개체 틀 3">
             <a:extLst>
               <a:ext uri="{FF2B5EF4-FFF2-40B4-BE49-F238E27FC236}">
-                <a16:creationId xmlns:a16="http://schemas.microsoft.com/office/drawing/2014/main" xmlns="" id="{85861AE6-FE95-6C4A-A5DD-59F45593D0F8}"/>
+                <a16:creationId xmlns:a16="http://schemas.microsoft.com/office/drawing/2014/main" id="{85861AE6-FE95-6C4A-A5DD-59F45593D0F8}"/>
               </a:ext>
             </a:extLst>
           </p:cNvPr>
@@ -2568,7 +2568,7 @@
           <p:cNvPr id="5" name="날짜 개체 틀 4">
             <a:extLst>
               <a:ext uri="{FF2B5EF4-FFF2-40B4-BE49-F238E27FC236}">
-                <a16:creationId xmlns:a16="http://schemas.microsoft.com/office/drawing/2014/main" xmlns="" id="{CEC38569-2EC9-484E-BC36-4FD46BA240E8}"/>
+                <a16:creationId xmlns:a16="http://schemas.microsoft.com/office/drawing/2014/main" id="{CEC38569-2EC9-484E-BC36-4FD46BA240E8}"/>
               </a:ext>
             </a:extLst>
           </p:cNvPr>
@@ -2598,7 +2598,7 @@
           <p:cNvPr id="6" name="바닥글 개체 틀 5">
             <a:extLst>
               <a:ext uri="{FF2B5EF4-FFF2-40B4-BE49-F238E27FC236}">
-                <a16:creationId xmlns:a16="http://schemas.microsoft.com/office/drawing/2014/main" xmlns="" id="{B10CDF1C-8E4C-8241-BA2C-C99E5B7E9191}"/>
+                <a16:creationId xmlns:a16="http://schemas.microsoft.com/office/drawing/2014/main" id="{B10CDF1C-8E4C-8241-BA2C-C99E5B7E9191}"/>
               </a:ext>
             </a:extLst>
           </p:cNvPr>
@@ -2623,7 +2623,7 @@
           <p:cNvPr id="7" name="슬라이드 번호 개체 틀 6">
             <a:extLst>
               <a:ext uri="{FF2B5EF4-FFF2-40B4-BE49-F238E27FC236}">
-                <a16:creationId xmlns:a16="http://schemas.microsoft.com/office/drawing/2014/main" xmlns="" id="{14D33965-C422-214D-8E44-BED179F2B464}"/>
+                <a16:creationId xmlns:a16="http://schemas.microsoft.com/office/drawing/2014/main" id="{14D33965-C422-214D-8E44-BED179F2B464}"/>
               </a:ext>
             </a:extLst>
           </p:cNvPr>
@@ -2651,7 +2651,7 @@
     </p:spTree>
     <p:extLst>
       <p:ext uri="{BB962C8B-B14F-4D97-AF65-F5344CB8AC3E}">
-        <p14:creationId xmlns:p14="http://schemas.microsoft.com/office/powerpoint/2010/main" xmlns="" val="1612699754"/>
+        <p14:creationId xmlns:p14="http://schemas.microsoft.com/office/powerpoint/2010/main" val="1612699754"/>
       </p:ext>
     </p:extLst>
   </p:cSld>
@@ -2683,7 +2683,7 @@
           <p:cNvPr id="2" name="제목 1">
             <a:extLst>
               <a:ext uri="{FF2B5EF4-FFF2-40B4-BE49-F238E27FC236}">
-                <a16:creationId xmlns:a16="http://schemas.microsoft.com/office/drawing/2014/main" xmlns="" id="{CE4343F3-D339-3D4A-9995-04AF273A728B}"/>
+                <a16:creationId xmlns:a16="http://schemas.microsoft.com/office/drawing/2014/main" id="{CE4343F3-D339-3D4A-9995-04AF273A728B}"/>
               </a:ext>
             </a:extLst>
           </p:cNvPr>
@@ -2720,7 +2720,7 @@
           <p:cNvPr id="3" name="그림 개체 틀 2">
             <a:extLst>
               <a:ext uri="{FF2B5EF4-FFF2-40B4-BE49-F238E27FC236}">
-                <a16:creationId xmlns:a16="http://schemas.microsoft.com/office/drawing/2014/main" xmlns="" id="{466D680B-DF64-1E47-B558-E4E9FCE8C012}"/>
+                <a16:creationId xmlns:a16="http://schemas.microsoft.com/office/drawing/2014/main" id="{466D680B-DF64-1E47-B558-E4E9FCE8C012}"/>
               </a:ext>
             </a:extLst>
           </p:cNvPr>
@@ -2787,7 +2787,7 @@
           <p:cNvPr id="4" name="텍스트 개체 틀 3">
             <a:extLst>
               <a:ext uri="{FF2B5EF4-FFF2-40B4-BE49-F238E27FC236}">
-                <a16:creationId xmlns:a16="http://schemas.microsoft.com/office/drawing/2014/main" xmlns="" id="{D01AC4ED-49CE-8D45-919C-2793B67A77A8}"/>
+                <a16:creationId xmlns:a16="http://schemas.microsoft.com/office/drawing/2014/main" id="{D01AC4ED-49CE-8D45-919C-2793B67A77A8}"/>
               </a:ext>
             </a:extLst>
           </p:cNvPr>
@@ -2861,7 +2861,7 @@
           <p:cNvPr id="5" name="날짜 개체 틀 4">
             <a:extLst>
               <a:ext uri="{FF2B5EF4-FFF2-40B4-BE49-F238E27FC236}">
-                <a16:creationId xmlns:a16="http://schemas.microsoft.com/office/drawing/2014/main" xmlns="" id="{6154C891-D6C4-F84E-AF79-923E3C88E217}"/>
+                <a16:creationId xmlns:a16="http://schemas.microsoft.com/office/drawing/2014/main" id="{6154C891-D6C4-F84E-AF79-923E3C88E217}"/>
               </a:ext>
             </a:extLst>
           </p:cNvPr>
@@ -2891,7 +2891,7 @@
           <p:cNvPr id="6" name="바닥글 개체 틀 5">
             <a:extLst>
               <a:ext uri="{FF2B5EF4-FFF2-40B4-BE49-F238E27FC236}">
-                <a16:creationId xmlns:a16="http://schemas.microsoft.com/office/drawing/2014/main" xmlns="" id="{C9DE4D14-A320-6446-8026-44D5260079EA}"/>
+                <a16:creationId xmlns:a16="http://schemas.microsoft.com/office/drawing/2014/main" id="{C9DE4D14-A320-6446-8026-44D5260079EA}"/>
               </a:ext>
             </a:extLst>
           </p:cNvPr>
@@ -2916,7 +2916,7 @@
           <p:cNvPr id="7" name="슬라이드 번호 개체 틀 6">
             <a:extLst>
               <a:ext uri="{FF2B5EF4-FFF2-40B4-BE49-F238E27FC236}">
-                <a16:creationId xmlns:a16="http://schemas.microsoft.com/office/drawing/2014/main" xmlns="" id="{3B086DF2-9F59-6945-B2A9-CB77FF8B2FFB}"/>
+                <a16:creationId xmlns:a16="http://schemas.microsoft.com/office/drawing/2014/main" id="{3B086DF2-9F59-6945-B2A9-CB77FF8B2FFB}"/>
               </a:ext>
             </a:extLst>
           </p:cNvPr>
@@ -2944,7 +2944,7 @@
     </p:spTree>
     <p:extLst>
       <p:ext uri="{BB962C8B-B14F-4D97-AF65-F5344CB8AC3E}">
-        <p14:creationId xmlns:p14="http://schemas.microsoft.com/office/powerpoint/2010/main" xmlns="" val="2057299818"/>
+        <p14:creationId xmlns:p14="http://schemas.microsoft.com/office/powerpoint/2010/main" val="2057299818"/>
       </p:ext>
     </p:extLst>
   </p:cSld>
@@ -2984,7 +2984,7 @@
           <p:cNvPr id="2" name="제목 개체 틀 1">
             <a:extLst>
               <a:ext uri="{FF2B5EF4-FFF2-40B4-BE49-F238E27FC236}">
-                <a16:creationId xmlns:a16="http://schemas.microsoft.com/office/drawing/2014/main" xmlns="" id="{FA4F4CFC-3045-7748-B28E-892F3216124E}"/>
+                <a16:creationId xmlns:a16="http://schemas.microsoft.com/office/drawing/2014/main" id="{FA4F4CFC-3045-7748-B28E-892F3216124E}"/>
               </a:ext>
             </a:extLst>
           </p:cNvPr>
@@ -3022,7 +3022,7 @@
           <p:cNvPr id="3" name="텍스트 개체 틀 2">
             <a:extLst>
               <a:ext uri="{FF2B5EF4-FFF2-40B4-BE49-F238E27FC236}">
-                <a16:creationId xmlns:a16="http://schemas.microsoft.com/office/drawing/2014/main" xmlns="" id="{57A11C7A-7CAD-7B4E-B8E7-FD3E44F2AD60}"/>
+                <a16:creationId xmlns:a16="http://schemas.microsoft.com/office/drawing/2014/main" id="{57A11C7A-7CAD-7B4E-B8E7-FD3E44F2AD60}"/>
               </a:ext>
             </a:extLst>
           </p:cNvPr>
@@ -3064,7 +3064,7 @@
           <p:cNvPr id="4" name="날짜 개체 틀 3">
             <a:extLst>
               <a:ext uri="{FF2B5EF4-FFF2-40B4-BE49-F238E27FC236}">
-                <a16:creationId xmlns:a16="http://schemas.microsoft.com/office/drawing/2014/main" xmlns="" id="{2ED43360-5054-BC43-AAE8-E246BC0C435E}"/>
+                <a16:creationId xmlns:a16="http://schemas.microsoft.com/office/drawing/2014/main" id="{2ED43360-5054-BC43-AAE8-E246BC0C435E}"/>
               </a:ext>
             </a:extLst>
           </p:cNvPr>
@@ -3112,7 +3112,7 @@
           <p:cNvPr id="5" name="바닥글 개체 틀 4">
             <a:extLst>
               <a:ext uri="{FF2B5EF4-FFF2-40B4-BE49-F238E27FC236}">
-                <a16:creationId xmlns:a16="http://schemas.microsoft.com/office/drawing/2014/main" xmlns="" id="{F947AE0D-B559-3345-9906-9F20127E89C2}"/>
+                <a16:creationId xmlns:a16="http://schemas.microsoft.com/office/drawing/2014/main" id="{F947AE0D-B559-3345-9906-9F20127E89C2}"/>
               </a:ext>
             </a:extLst>
           </p:cNvPr>
@@ -3155,7 +3155,7 @@
           <p:cNvPr id="6" name="슬라이드 번호 개체 틀 5">
             <a:extLst>
               <a:ext uri="{FF2B5EF4-FFF2-40B4-BE49-F238E27FC236}">
-                <a16:creationId xmlns:a16="http://schemas.microsoft.com/office/drawing/2014/main" xmlns="" id="{A2C0E009-4D69-E141-BDE3-7A5BCBD91A1C}"/>
+                <a16:creationId xmlns:a16="http://schemas.microsoft.com/office/drawing/2014/main" id="{A2C0E009-4D69-E141-BDE3-7A5BCBD91A1C}"/>
               </a:ext>
             </a:extLst>
           </p:cNvPr>
@@ -3201,7 +3201,7 @@
     </p:spTree>
     <p:extLst>
       <p:ext uri="{BB962C8B-B14F-4D97-AF65-F5344CB8AC3E}">
-        <p14:creationId xmlns:p14="http://schemas.microsoft.com/office/powerpoint/2010/main" xmlns="" val="2669113475"/>
+        <p14:creationId xmlns:p14="http://schemas.microsoft.com/office/powerpoint/2010/main" val="2669113475"/>
       </p:ext>
     </p:extLst>
   </p:cSld>
@@ -3532,7 +3532,7 @@
           <p:cNvPr id="2" name="왼쪽 대괄호[L] 1">
             <a:extLst>
               <a:ext uri="{FF2B5EF4-FFF2-40B4-BE49-F238E27FC236}">
-                <a16:creationId xmlns:a16="http://schemas.microsoft.com/office/drawing/2014/main" xmlns="" id="{FD2BE796-18C4-7542-922F-AC07CCDE25AD}"/>
+                <a16:creationId xmlns:a16="http://schemas.microsoft.com/office/drawing/2014/main" id="{FD2BE796-18C4-7542-922F-AC07CCDE25AD}"/>
               </a:ext>
             </a:extLst>
           </p:cNvPr>
@@ -3585,7 +3585,7 @@
           <p:cNvPr id="13" name="왼쪽 대괄호[L] 12">
             <a:extLst>
               <a:ext uri="{FF2B5EF4-FFF2-40B4-BE49-F238E27FC236}">
-                <a16:creationId xmlns:a16="http://schemas.microsoft.com/office/drawing/2014/main" xmlns="" id="{EFECA2F4-7A60-7B4A-9E41-4C7AFF855ED1}"/>
+                <a16:creationId xmlns:a16="http://schemas.microsoft.com/office/drawing/2014/main" id="{EFECA2F4-7A60-7B4A-9E41-4C7AFF855ED1}"/>
               </a:ext>
             </a:extLst>
           </p:cNvPr>
@@ -3833,7 +3833,7 @@
           <p:cNvPr id="3" name="직사각형 2">
             <a:extLst>
               <a:ext uri="{FF2B5EF4-FFF2-40B4-BE49-F238E27FC236}">
-                <a16:creationId xmlns:a16="http://schemas.microsoft.com/office/drawing/2014/main" xmlns="" id="{4882F748-B720-47A9-9623-8E981C6C522A}"/>
+                <a16:creationId xmlns:a16="http://schemas.microsoft.com/office/drawing/2014/main" id="{4882F748-B720-47A9-9623-8E981C6C522A}"/>
               </a:ext>
             </a:extLst>
           </p:cNvPr>
@@ -3953,7 +3953,7 @@
     </p:spTree>
     <p:extLst>
       <p:ext uri="{BB962C8B-B14F-4D97-AF65-F5344CB8AC3E}">
-        <p14:creationId xmlns:p14="http://schemas.microsoft.com/office/powerpoint/2010/main" xmlns="" val="3212234621"/>
+        <p14:creationId xmlns:p14="http://schemas.microsoft.com/office/powerpoint/2010/main" val="3212234621"/>
       </p:ext>
     </p:extLst>
   </p:cSld>
@@ -4205,7 +4205,7 @@
           <p:cNvPr id="34" name="직사각형 33">
             <a:extLst>
               <a:ext uri="{FF2B5EF4-FFF2-40B4-BE49-F238E27FC236}">
-                <a16:creationId xmlns:a16="http://schemas.microsoft.com/office/drawing/2014/main" xmlns="" id="{37CB002D-8420-B548-9BEA-2E18D8A9A204}"/>
+                <a16:creationId xmlns:a16="http://schemas.microsoft.com/office/drawing/2014/main" id="{37CB002D-8420-B548-9BEA-2E18D8A9A204}"/>
               </a:ext>
             </a:extLst>
           </p:cNvPr>
@@ -4266,7 +4266,7 @@
           <a:blip r:embed="rId2">
             <a:extLst>
               <a:ext uri="{28A0092B-C50C-407E-A947-70E740481C1C}">
-                <a14:useLocalDpi xmlns:a14="http://schemas.microsoft.com/office/drawing/2010/main" xmlns="" val="0"/>
+                <a14:useLocalDpi xmlns:a14="http://schemas.microsoft.com/office/drawing/2010/main" val="0"/>
               </a:ext>
             </a:extLst>
           </a:blip>
@@ -4290,14 +4290,14 @@
           <a:effectLst/>
           <a:extLst>
             <a:ext uri="{909E8E84-426E-40DD-AFC4-6F175D3DCCD1}">
-              <a14:hiddenFill xmlns:a14="http://schemas.microsoft.com/office/drawing/2010/main" xmlns="">
+              <a14:hiddenFill xmlns:a14="http://schemas.microsoft.com/office/drawing/2010/main">
                 <a:solidFill>
                   <a:schemeClr val="accent1"/>
                 </a:solidFill>
               </a14:hiddenFill>
             </a:ext>
             <a:ext uri="{91240B29-F687-4F45-9708-019B960494DF}">
-              <a14:hiddenLine xmlns:a14="http://schemas.microsoft.com/office/drawing/2010/main" xmlns="" w="9525">
+              <a14:hiddenLine xmlns:a14="http://schemas.microsoft.com/office/drawing/2010/main" w="9525">
                 <a:solidFill>
                   <a:schemeClr val="tx1"/>
                 </a:solidFill>
@@ -4307,7 +4307,7 @@
               </a14:hiddenLine>
             </a:ext>
             <a:ext uri="{AF507438-7753-43E0-B8FC-AC1667EBCBE1}">
-              <a14:hiddenEffects xmlns:a14="http://schemas.microsoft.com/office/drawing/2010/main" xmlns="">
+              <a14:hiddenEffects xmlns:a14="http://schemas.microsoft.com/office/drawing/2010/main">
                 <a:effectLst>
                   <a:outerShdw dist="35921" dir="2700000" algn="ctr" rotWithShape="0">
                     <a:schemeClr val="bg2"/>
@@ -4330,7 +4330,7 @@
           <a:blip r:embed="rId3">
             <a:extLst>
               <a:ext uri="{28A0092B-C50C-407E-A947-70E740481C1C}">
-                <a14:useLocalDpi xmlns:a14="http://schemas.microsoft.com/office/drawing/2010/main" xmlns="" val="0"/>
+                <a14:useLocalDpi xmlns:a14="http://schemas.microsoft.com/office/drawing/2010/main" val="0"/>
               </a:ext>
             </a:extLst>
           </a:blip>
@@ -4354,14 +4354,14 @@
           <a:effectLst/>
           <a:extLst>
             <a:ext uri="{909E8E84-426E-40DD-AFC4-6F175D3DCCD1}">
-              <a14:hiddenFill xmlns:a14="http://schemas.microsoft.com/office/drawing/2010/main" xmlns="">
+              <a14:hiddenFill xmlns:a14="http://schemas.microsoft.com/office/drawing/2010/main">
                 <a:solidFill>
                   <a:schemeClr val="accent1"/>
                 </a:solidFill>
               </a14:hiddenFill>
             </a:ext>
             <a:ext uri="{91240B29-F687-4F45-9708-019B960494DF}">
-              <a14:hiddenLine xmlns:a14="http://schemas.microsoft.com/office/drawing/2010/main" xmlns="" w="9525">
+              <a14:hiddenLine xmlns:a14="http://schemas.microsoft.com/office/drawing/2010/main" w="9525">
                 <a:solidFill>
                   <a:schemeClr val="tx1"/>
                 </a:solidFill>
@@ -4371,7 +4371,7 @@
               </a14:hiddenLine>
             </a:ext>
             <a:ext uri="{AF507438-7753-43E0-B8FC-AC1667EBCBE1}">
-              <a14:hiddenEffects xmlns:a14="http://schemas.microsoft.com/office/drawing/2010/main" xmlns="">
+              <a14:hiddenEffects xmlns:a14="http://schemas.microsoft.com/office/drawing/2010/main">
                 <a:effectLst>
                   <a:outerShdw dist="35921" dir="2700000" algn="ctr" rotWithShape="0">
                     <a:schemeClr val="bg2"/>
@@ -4394,7 +4394,7 @@
           <a:blip r:embed="rId4">
             <a:extLst>
               <a:ext uri="{28A0092B-C50C-407E-A947-70E740481C1C}">
-                <a14:useLocalDpi xmlns:a14="http://schemas.microsoft.com/office/drawing/2010/main" xmlns="" val="0"/>
+                <a14:useLocalDpi xmlns:a14="http://schemas.microsoft.com/office/drawing/2010/main" val="0"/>
               </a:ext>
             </a:extLst>
           </a:blip>
@@ -4418,14 +4418,14 @@
           <a:effectLst/>
           <a:extLst>
             <a:ext uri="{909E8E84-426E-40DD-AFC4-6F175D3DCCD1}">
-              <a14:hiddenFill xmlns:a14="http://schemas.microsoft.com/office/drawing/2010/main" xmlns="">
+              <a14:hiddenFill xmlns:a14="http://schemas.microsoft.com/office/drawing/2010/main">
                 <a:solidFill>
                   <a:schemeClr val="accent1"/>
                 </a:solidFill>
               </a14:hiddenFill>
             </a:ext>
             <a:ext uri="{91240B29-F687-4F45-9708-019B960494DF}">
-              <a14:hiddenLine xmlns:a14="http://schemas.microsoft.com/office/drawing/2010/main" xmlns="" w="9525">
+              <a14:hiddenLine xmlns:a14="http://schemas.microsoft.com/office/drawing/2010/main" w="9525">
                 <a:solidFill>
                   <a:schemeClr val="tx1"/>
                 </a:solidFill>
@@ -4435,7 +4435,7 @@
               </a14:hiddenLine>
             </a:ext>
             <a:ext uri="{AF507438-7753-43E0-B8FC-AC1667EBCBE1}">
-              <a14:hiddenEffects xmlns:a14="http://schemas.microsoft.com/office/drawing/2010/main" xmlns="">
+              <a14:hiddenEffects xmlns:a14="http://schemas.microsoft.com/office/drawing/2010/main">
                 <a:effectLst>
                   <a:outerShdw dist="35921" dir="2700000" algn="ctr" rotWithShape="0">
                     <a:schemeClr val="bg2"/>
@@ -4458,7 +4458,7 @@
           <a:blip r:embed="rId5">
             <a:extLst>
               <a:ext uri="{28A0092B-C50C-407E-A947-70E740481C1C}">
-                <a14:useLocalDpi xmlns:a14="http://schemas.microsoft.com/office/drawing/2010/main" xmlns="" val="0"/>
+                <a14:useLocalDpi xmlns:a14="http://schemas.microsoft.com/office/drawing/2010/main" val="0"/>
               </a:ext>
             </a:extLst>
           </a:blip>
@@ -4482,14 +4482,14 @@
           <a:effectLst/>
           <a:extLst>
             <a:ext uri="{909E8E84-426E-40DD-AFC4-6F175D3DCCD1}">
-              <a14:hiddenFill xmlns:a14="http://schemas.microsoft.com/office/drawing/2010/main" xmlns="">
+              <a14:hiddenFill xmlns:a14="http://schemas.microsoft.com/office/drawing/2010/main">
                 <a:solidFill>
                   <a:schemeClr val="accent1"/>
                 </a:solidFill>
               </a14:hiddenFill>
             </a:ext>
             <a:ext uri="{91240B29-F687-4F45-9708-019B960494DF}">
-              <a14:hiddenLine xmlns:a14="http://schemas.microsoft.com/office/drawing/2010/main" xmlns="" w="9525">
+              <a14:hiddenLine xmlns:a14="http://schemas.microsoft.com/office/drawing/2010/main" w="9525">
                 <a:solidFill>
                   <a:schemeClr val="tx1"/>
                 </a:solidFill>
@@ -4499,7 +4499,7 @@
               </a14:hiddenLine>
             </a:ext>
             <a:ext uri="{AF507438-7753-43E0-B8FC-AC1667EBCBE1}">
-              <a14:hiddenEffects xmlns:a14="http://schemas.microsoft.com/office/drawing/2010/main" xmlns="">
+              <a14:hiddenEffects xmlns:a14="http://schemas.microsoft.com/office/drawing/2010/main">
                 <a:effectLst>
                   <a:outerShdw dist="35921" dir="2700000" algn="ctr" rotWithShape="0">
                     <a:schemeClr val="bg2"/>
@@ -4515,7 +4515,7 @@
           <p:cNvPr id="15" name="직사각형 14">
             <a:extLst>
               <a:ext uri="{FF2B5EF4-FFF2-40B4-BE49-F238E27FC236}">
-                <a16:creationId xmlns:a16="http://schemas.microsoft.com/office/drawing/2014/main" xmlns="" id="{6B8B80B4-792D-174E-8B2C-A10CA85CDD01}"/>
+                <a16:creationId xmlns:a16="http://schemas.microsoft.com/office/drawing/2014/main" id="{6B8B80B4-792D-174E-8B2C-A10CA85CDD01}"/>
               </a:ext>
             </a:extLst>
           </p:cNvPr>
@@ -4569,7 +4569,7 @@
           <p:cNvPr id="16" name="직각 삼각형[R] 8">
             <a:extLst>
               <a:ext uri="{FF2B5EF4-FFF2-40B4-BE49-F238E27FC236}">
-                <a16:creationId xmlns:a16="http://schemas.microsoft.com/office/drawing/2014/main" xmlns="" id="{E9289217-6E56-7D4B-B6FB-329F373CAF3E}"/>
+                <a16:creationId xmlns:a16="http://schemas.microsoft.com/office/drawing/2014/main" id="{E9289217-6E56-7D4B-B6FB-329F373CAF3E}"/>
               </a:ext>
             </a:extLst>
           </p:cNvPr>
@@ -4627,7 +4627,7 @@
           <p:cNvPr id="17" name="TextBox 16">
             <a:extLst>
               <a:ext uri="{FF2B5EF4-FFF2-40B4-BE49-F238E27FC236}">
-                <a16:creationId xmlns:a16="http://schemas.microsoft.com/office/drawing/2014/main" xmlns="" id="{849EE5DD-2363-0B42-B4FD-2464134E7BE2}"/>
+                <a16:creationId xmlns:a16="http://schemas.microsoft.com/office/drawing/2014/main" id="{849EE5DD-2363-0B42-B4FD-2464134E7BE2}"/>
               </a:ext>
             </a:extLst>
           </p:cNvPr>
@@ -4726,20 +4726,13 @@
     </p:spTree>
     <p:extLst>
       <p:ext uri="{BB962C8B-B14F-4D97-AF65-F5344CB8AC3E}">
-        <p14:creationId xmlns:p14="http://schemas.microsoft.com/office/powerpoint/2010/main" xmlns="" val="1604158710"/>
+        <p14:creationId xmlns:p14="http://schemas.microsoft.com/office/powerpoint/2010/main" val="1604158710"/>
       </p:ext>
     </p:extLst>
   </p:cSld>
   <p:clrMapOvr>
     <a:masterClrMapping/>
   </p:clrMapOvr>
-  <p:timing>
-    <p:tnLst>
-      <p:par>
-        <p:cTn id="1" dur="indefinite" restart="never" nodeType="tmRoot"/>
-      </p:par>
-    </p:tnLst>
-  </p:timing>
 </p:sld>
 </file>
 
@@ -4765,7 +4758,7 @@
           <p:cNvPr id="34" name="직사각형 33">
             <a:extLst>
               <a:ext uri="{FF2B5EF4-FFF2-40B4-BE49-F238E27FC236}">
-                <a16:creationId xmlns:a16="http://schemas.microsoft.com/office/drawing/2014/main" xmlns="" id="{37CB002D-8420-B548-9BEA-2E18D8A9A204}"/>
+                <a16:creationId xmlns:a16="http://schemas.microsoft.com/office/drawing/2014/main" id="{37CB002D-8420-B548-9BEA-2E18D8A9A204}"/>
               </a:ext>
             </a:extLst>
           </p:cNvPr>
@@ -4817,7 +4810,7 @@
           <p:cNvPr id="6" name="직사각형 5">
             <a:extLst>
               <a:ext uri="{FF2B5EF4-FFF2-40B4-BE49-F238E27FC236}">
-                <a16:creationId xmlns:a16="http://schemas.microsoft.com/office/drawing/2014/main" xmlns="" id="{4D0119AE-4EA2-499B-9972-C575E5EBA5AD}"/>
+                <a16:creationId xmlns:a16="http://schemas.microsoft.com/office/drawing/2014/main" id="{4D0119AE-4EA2-499B-9972-C575E5EBA5AD}"/>
               </a:ext>
             </a:extLst>
           </p:cNvPr>
@@ -4871,7 +4864,7 @@
           <p:cNvPr id="7" name="직각 삼각형[R] 8">
             <a:extLst>
               <a:ext uri="{FF2B5EF4-FFF2-40B4-BE49-F238E27FC236}">
-                <a16:creationId xmlns:a16="http://schemas.microsoft.com/office/drawing/2014/main" xmlns="" id="{69CAA8AD-6975-4A66-B3B6-BC48151AA50D}"/>
+                <a16:creationId xmlns:a16="http://schemas.microsoft.com/office/drawing/2014/main" id="{69CAA8AD-6975-4A66-B3B6-BC48151AA50D}"/>
               </a:ext>
             </a:extLst>
           </p:cNvPr>
@@ -4929,7 +4922,7 @@
           <p:cNvPr id="10" name="TextBox 9">
             <a:extLst>
               <a:ext uri="{FF2B5EF4-FFF2-40B4-BE49-F238E27FC236}">
-                <a16:creationId xmlns:a16="http://schemas.microsoft.com/office/drawing/2014/main" xmlns="" id="{B19F3D26-132C-40C5-B9DB-D8F1B785953C}"/>
+                <a16:creationId xmlns:a16="http://schemas.microsoft.com/office/drawing/2014/main" id="{B19F3D26-132C-40C5-B9DB-D8F1B785953C}"/>
               </a:ext>
             </a:extLst>
           </p:cNvPr>
@@ -4988,7 +4981,7 @@
           <p:cNvPr id="11" name="TextBox 10">
             <a:extLst>
               <a:ext uri="{FF2B5EF4-FFF2-40B4-BE49-F238E27FC236}">
-                <a16:creationId xmlns:a16="http://schemas.microsoft.com/office/drawing/2014/main" xmlns="" id="{BB37E292-F07C-46B7-81A2-6CEC087515E5}"/>
+                <a16:creationId xmlns:a16="http://schemas.microsoft.com/office/drawing/2014/main" id="{BB37E292-F07C-46B7-81A2-6CEC087515E5}"/>
               </a:ext>
             </a:extLst>
           </p:cNvPr>
@@ -5036,7 +5029,7 @@
           <p:cNvPr id="3" name="그림 2">
             <a:extLst>
               <a:ext uri="{FF2B5EF4-FFF2-40B4-BE49-F238E27FC236}">
-                <a16:creationId xmlns:a16="http://schemas.microsoft.com/office/drawing/2014/main" xmlns="" id="{7B4F7FAE-8574-4214-83A6-271461904801}"/>
+                <a16:creationId xmlns:a16="http://schemas.microsoft.com/office/drawing/2014/main" id="{7B4F7FAE-8574-4214-83A6-271461904801}"/>
               </a:ext>
             </a:extLst>
           </p:cNvPr>
@@ -5066,7 +5059,7 @@
           <p:cNvPr id="13" name="그림 12">
             <a:extLst>
               <a:ext uri="{FF2B5EF4-FFF2-40B4-BE49-F238E27FC236}">
-                <a16:creationId xmlns:a16="http://schemas.microsoft.com/office/drawing/2014/main" xmlns="" id="{1F0CC549-B920-4EE2-A9C3-58ADFB3CB69E}"/>
+                <a16:creationId xmlns:a16="http://schemas.microsoft.com/office/drawing/2014/main" id="{1F0CC549-B920-4EE2-A9C3-58ADFB3CB69E}"/>
               </a:ext>
             </a:extLst>
           </p:cNvPr>
@@ -5094,20 +5087,13 @@
     </p:spTree>
     <p:extLst>
       <p:ext uri="{BB962C8B-B14F-4D97-AF65-F5344CB8AC3E}">
-        <p14:creationId xmlns:p14="http://schemas.microsoft.com/office/powerpoint/2010/main" xmlns="" val="2988965705"/>
+        <p14:creationId xmlns:p14="http://schemas.microsoft.com/office/powerpoint/2010/main" val="2988965705"/>
       </p:ext>
     </p:extLst>
   </p:cSld>
   <p:clrMapOvr>
     <a:masterClrMapping/>
   </p:clrMapOvr>
-  <p:timing>
-    <p:tnLst>
-      <p:par>
-        <p:cTn id="1" dur="indefinite" restart="never" nodeType="tmRoot"/>
-      </p:par>
-    </p:tnLst>
-  </p:timing>
 </p:sld>
 </file>
 
@@ -5133,7 +5119,7 @@
           <p:cNvPr id="34" name="직사각형 33">
             <a:extLst>
               <a:ext uri="{FF2B5EF4-FFF2-40B4-BE49-F238E27FC236}">
-                <a16:creationId xmlns:a16="http://schemas.microsoft.com/office/drawing/2014/main" xmlns="" id="{37CB002D-8420-B548-9BEA-2E18D8A9A204}"/>
+                <a16:creationId xmlns:a16="http://schemas.microsoft.com/office/drawing/2014/main" id="{37CB002D-8420-B548-9BEA-2E18D8A9A204}"/>
               </a:ext>
             </a:extLst>
           </p:cNvPr>
@@ -5185,7 +5171,7 @@
           <p:cNvPr id="7" name="직사각형 6">
             <a:extLst>
               <a:ext uri="{FF2B5EF4-FFF2-40B4-BE49-F238E27FC236}">
-                <a16:creationId xmlns:a16="http://schemas.microsoft.com/office/drawing/2014/main" xmlns="" id="{2391BDF5-629B-4AF3-A8CE-E4EA9DCEA48B}"/>
+                <a16:creationId xmlns:a16="http://schemas.microsoft.com/office/drawing/2014/main" id="{2391BDF5-629B-4AF3-A8CE-E4EA9DCEA48B}"/>
               </a:ext>
             </a:extLst>
           </p:cNvPr>
@@ -5239,7 +5225,7 @@
           <p:cNvPr id="10" name="직각 삼각형[R] 8">
             <a:extLst>
               <a:ext uri="{FF2B5EF4-FFF2-40B4-BE49-F238E27FC236}">
-                <a16:creationId xmlns:a16="http://schemas.microsoft.com/office/drawing/2014/main" xmlns="" id="{7E7A9195-0E51-4445-93B6-2976F8FBE0D8}"/>
+                <a16:creationId xmlns:a16="http://schemas.microsoft.com/office/drawing/2014/main" id="{7E7A9195-0E51-4445-93B6-2976F8FBE0D8}"/>
               </a:ext>
             </a:extLst>
           </p:cNvPr>
@@ -5297,7 +5283,7 @@
           <p:cNvPr id="11" name="TextBox 10">
             <a:extLst>
               <a:ext uri="{FF2B5EF4-FFF2-40B4-BE49-F238E27FC236}">
-                <a16:creationId xmlns:a16="http://schemas.microsoft.com/office/drawing/2014/main" xmlns="" id="{651A2FE2-9AA3-4B6C-B724-5E77A728E14B}"/>
+                <a16:creationId xmlns:a16="http://schemas.microsoft.com/office/drawing/2014/main" id="{651A2FE2-9AA3-4B6C-B724-5E77A728E14B}"/>
               </a:ext>
             </a:extLst>
           </p:cNvPr>
@@ -5356,7 +5342,7 @@
           <p:cNvPr id="12" name="TextBox 11">
             <a:extLst>
               <a:ext uri="{FF2B5EF4-FFF2-40B4-BE49-F238E27FC236}">
-                <a16:creationId xmlns:a16="http://schemas.microsoft.com/office/drawing/2014/main" xmlns="" id="{D21DA38C-7DA6-4F89-9FAE-3F48885F2EE8}"/>
+                <a16:creationId xmlns:a16="http://schemas.microsoft.com/office/drawing/2014/main" id="{D21DA38C-7DA6-4F89-9FAE-3F48885F2EE8}"/>
               </a:ext>
             </a:extLst>
           </p:cNvPr>
@@ -5404,7 +5390,7 @@
           <p:cNvPr id="9" name="표 8">
             <a:extLst>
               <a:ext uri="{FF2B5EF4-FFF2-40B4-BE49-F238E27FC236}">
-                <a16:creationId xmlns:a16="http://schemas.microsoft.com/office/drawing/2014/main" xmlns="" id="{665E0FFB-A2F3-4614-9211-B06E44671153}"/>
+                <a16:creationId xmlns:a16="http://schemas.microsoft.com/office/drawing/2014/main" id="{665E0FFB-A2F3-4614-9211-B06E44671153}"/>
               </a:ext>
             </a:extLst>
           </p:cNvPr>
@@ -5414,7 +5400,7 @@
           <p:nvPr>
             <p:extLst>
               <p:ext uri="{D42A27DB-BD31-4B8C-83A1-F6EECF244321}">
-                <p14:modId xmlns:p14="http://schemas.microsoft.com/office/powerpoint/2010/main" xmlns="" val="279655140"/>
+                <p14:modId xmlns:p14="http://schemas.microsoft.com/office/powerpoint/2010/main" val="279655140"/>
               </p:ext>
             </p:extLst>
           </p:nvPr>
@@ -5431,42 +5417,42 @@
                 <a:gridCol w="3682067">
                   <a:extLst>
                     <a:ext uri="{9D8B030D-6E8A-4147-A177-3AD203B41FA5}">
-                      <a16:colId xmlns:a16="http://schemas.microsoft.com/office/drawing/2014/main" xmlns="" val="20000"/>
+                      <a16:colId xmlns:a16="http://schemas.microsoft.com/office/drawing/2014/main" val="20000"/>
                     </a:ext>
                   </a:extLst>
                 </a:gridCol>
                 <a:gridCol w="1275267">
                   <a:extLst>
                     <a:ext uri="{9D8B030D-6E8A-4147-A177-3AD203B41FA5}">
-                      <a16:colId xmlns:a16="http://schemas.microsoft.com/office/drawing/2014/main" xmlns="" val="20001"/>
+                      <a16:colId xmlns:a16="http://schemas.microsoft.com/office/drawing/2014/main" val="20001"/>
                     </a:ext>
                   </a:extLst>
                 </a:gridCol>
                 <a:gridCol w="1275267">
                   <a:extLst>
                     <a:ext uri="{9D8B030D-6E8A-4147-A177-3AD203B41FA5}">
-                      <a16:colId xmlns:a16="http://schemas.microsoft.com/office/drawing/2014/main" xmlns="" val="20002"/>
+                      <a16:colId xmlns:a16="http://schemas.microsoft.com/office/drawing/2014/main" val="20002"/>
                     </a:ext>
                   </a:extLst>
                 </a:gridCol>
                 <a:gridCol w="1275267">
                   <a:extLst>
                     <a:ext uri="{9D8B030D-6E8A-4147-A177-3AD203B41FA5}">
-                      <a16:colId xmlns:a16="http://schemas.microsoft.com/office/drawing/2014/main" xmlns="" val="20003"/>
+                      <a16:colId xmlns:a16="http://schemas.microsoft.com/office/drawing/2014/main" val="20003"/>
                     </a:ext>
                   </a:extLst>
                 </a:gridCol>
                 <a:gridCol w="1275267">
                   <a:extLst>
                     <a:ext uri="{9D8B030D-6E8A-4147-A177-3AD203B41FA5}">
-                      <a16:colId xmlns:a16="http://schemas.microsoft.com/office/drawing/2014/main" xmlns="" val="20004"/>
+                      <a16:colId xmlns:a16="http://schemas.microsoft.com/office/drawing/2014/main" val="20004"/>
                     </a:ext>
                   </a:extLst>
                 </a:gridCol>
                 <a:gridCol w="1275267">
                   <a:extLst>
                     <a:ext uri="{9D8B030D-6E8A-4147-A177-3AD203B41FA5}">
-                      <a16:colId xmlns:a16="http://schemas.microsoft.com/office/drawing/2014/main" xmlns="" val="20005"/>
+                      <a16:colId xmlns:a16="http://schemas.microsoft.com/office/drawing/2014/main" val="20005"/>
                     </a:ext>
                   </a:extLst>
                 </a:gridCol>
@@ -5834,7 +5820,7 @@
                 </a:tc>
                 <a:extLst>
                   <a:ext uri="{0D108BD9-81ED-4DB2-BD59-A6C34878D82A}">
-                    <a16:rowId xmlns:a16="http://schemas.microsoft.com/office/drawing/2014/main" xmlns="" val="10000"/>
+                    <a16:rowId xmlns:a16="http://schemas.microsoft.com/office/drawing/2014/main" val="10000"/>
                   </a:ext>
                 </a:extLst>
               </a:tr>
@@ -6163,7 +6149,7 @@
                 </a:tc>
                 <a:extLst>
                   <a:ext uri="{0D108BD9-81ED-4DB2-BD59-A6C34878D82A}">
-                    <a16:rowId xmlns:a16="http://schemas.microsoft.com/office/drawing/2014/main" xmlns="" val="10001"/>
+                    <a16:rowId xmlns:a16="http://schemas.microsoft.com/office/drawing/2014/main" val="10001"/>
                   </a:ext>
                 </a:extLst>
               </a:tr>
@@ -6508,7 +6494,7 @@
                 </a:tc>
                 <a:extLst>
                   <a:ext uri="{0D108BD9-81ED-4DB2-BD59-A6C34878D82A}">
-                    <a16:rowId xmlns:a16="http://schemas.microsoft.com/office/drawing/2014/main" xmlns="" val="10002"/>
+                    <a16:rowId xmlns:a16="http://schemas.microsoft.com/office/drawing/2014/main" val="10002"/>
                   </a:ext>
                 </a:extLst>
               </a:tr>
@@ -6837,7 +6823,7 @@
                 </a:tc>
                 <a:extLst>
                   <a:ext uri="{0D108BD9-81ED-4DB2-BD59-A6C34878D82A}">
-                    <a16:rowId xmlns:a16="http://schemas.microsoft.com/office/drawing/2014/main" xmlns="" val="10003"/>
+                    <a16:rowId xmlns:a16="http://schemas.microsoft.com/office/drawing/2014/main" val="10003"/>
                   </a:ext>
                 </a:extLst>
               </a:tr>
@@ -7179,7 +7165,7 @@
                 </a:tc>
                 <a:extLst>
                   <a:ext uri="{0D108BD9-81ED-4DB2-BD59-A6C34878D82A}">
-                    <a16:rowId xmlns:a16="http://schemas.microsoft.com/office/drawing/2014/main" xmlns="" val="10004"/>
+                    <a16:rowId xmlns:a16="http://schemas.microsoft.com/office/drawing/2014/main" val="10004"/>
                   </a:ext>
                 </a:extLst>
               </a:tr>
@@ -7510,7 +7496,7 @@
                 </a:tc>
                 <a:extLst>
                   <a:ext uri="{0D108BD9-81ED-4DB2-BD59-A6C34878D82A}">
-                    <a16:rowId xmlns:a16="http://schemas.microsoft.com/office/drawing/2014/main" xmlns="" val="10005"/>
+                    <a16:rowId xmlns:a16="http://schemas.microsoft.com/office/drawing/2014/main" val="10005"/>
                   </a:ext>
                 </a:extLst>
               </a:tr>
@@ -7852,7 +7838,7 @@
                 </a:tc>
                 <a:extLst>
                   <a:ext uri="{0D108BD9-81ED-4DB2-BD59-A6C34878D82A}">
-                    <a16:rowId xmlns:a16="http://schemas.microsoft.com/office/drawing/2014/main" xmlns="" val="10006"/>
+                    <a16:rowId xmlns:a16="http://schemas.microsoft.com/office/drawing/2014/main" val="10006"/>
                   </a:ext>
                 </a:extLst>
               </a:tr>
@@ -8183,7 +8169,7 @@
                 </a:tc>
                 <a:extLst>
                   <a:ext uri="{0D108BD9-81ED-4DB2-BD59-A6C34878D82A}">
-                    <a16:rowId xmlns:a16="http://schemas.microsoft.com/office/drawing/2014/main" xmlns="" val="10007"/>
+                    <a16:rowId xmlns:a16="http://schemas.microsoft.com/office/drawing/2014/main" val="10007"/>
                   </a:ext>
                 </a:extLst>
               </a:tr>
@@ -8516,7 +8502,7 @@
                 </a:tc>
                 <a:extLst>
                   <a:ext uri="{0D108BD9-81ED-4DB2-BD59-A6C34878D82A}">
-                    <a16:rowId xmlns:a16="http://schemas.microsoft.com/office/drawing/2014/main" xmlns="" val="10008"/>
+                    <a16:rowId xmlns:a16="http://schemas.microsoft.com/office/drawing/2014/main" val="10008"/>
                   </a:ext>
                 </a:extLst>
               </a:tr>
@@ -8849,7 +8835,7 @@
                 </a:tc>
                 <a:extLst>
                   <a:ext uri="{0D108BD9-81ED-4DB2-BD59-A6C34878D82A}">
-                    <a16:rowId xmlns:a16="http://schemas.microsoft.com/office/drawing/2014/main" xmlns="" val="10009"/>
+                    <a16:rowId xmlns:a16="http://schemas.microsoft.com/office/drawing/2014/main" val="10009"/>
                   </a:ext>
                 </a:extLst>
               </a:tr>
@@ -9180,7 +9166,7 @@
                 </a:tc>
                 <a:extLst>
                   <a:ext uri="{0D108BD9-81ED-4DB2-BD59-A6C34878D82A}">
-                    <a16:rowId xmlns:a16="http://schemas.microsoft.com/office/drawing/2014/main" xmlns="" val="10010"/>
+                    <a16:rowId xmlns:a16="http://schemas.microsoft.com/office/drawing/2014/main" val="10010"/>
                   </a:ext>
                 </a:extLst>
               </a:tr>
@@ -9515,7 +9501,7 @@
                 </a:tc>
                 <a:extLst>
                   <a:ext uri="{0D108BD9-81ED-4DB2-BD59-A6C34878D82A}">
-                    <a16:rowId xmlns:a16="http://schemas.microsoft.com/office/drawing/2014/main" xmlns="" val="10011"/>
+                    <a16:rowId xmlns:a16="http://schemas.microsoft.com/office/drawing/2014/main" val="10011"/>
                   </a:ext>
                 </a:extLst>
               </a:tr>
@@ -9857,7 +9843,7 @@
                 </a:tc>
                 <a:extLst>
                   <a:ext uri="{0D108BD9-81ED-4DB2-BD59-A6C34878D82A}">
-                    <a16:rowId xmlns:a16="http://schemas.microsoft.com/office/drawing/2014/main" xmlns="" val="10012"/>
+                    <a16:rowId xmlns:a16="http://schemas.microsoft.com/office/drawing/2014/main" val="10012"/>
                   </a:ext>
                 </a:extLst>
               </a:tr>
@@ -10188,7 +10174,7 @@
                 </a:tc>
                 <a:extLst>
                   <a:ext uri="{0D108BD9-81ED-4DB2-BD59-A6C34878D82A}">
-                    <a16:rowId xmlns:a16="http://schemas.microsoft.com/office/drawing/2014/main" xmlns="" val="10013"/>
+                    <a16:rowId xmlns:a16="http://schemas.microsoft.com/office/drawing/2014/main" val="10013"/>
                   </a:ext>
                 </a:extLst>
               </a:tr>
@@ -10523,7 +10509,7 @@
                 </a:tc>
                 <a:extLst>
                   <a:ext uri="{0D108BD9-81ED-4DB2-BD59-A6C34878D82A}">
-                    <a16:rowId xmlns:a16="http://schemas.microsoft.com/office/drawing/2014/main" xmlns="" val="10014"/>
+                    <a16:rowId xmlns:a16="http://schemas.microsoft.com/office/drawing/2014/main" val="10014"/>
                   </a:ext>
                 </a:extLst>
               </a:tr>
@@ -10854,7 +10840,7 @@
                 </a:tc>
                 <a:extLst>
                   <a:ext uri="{0D108BD9-81ED-4DB2-BD59-A6C34878D82A}">
-                    <a16:rowId xmlns:a16="http://schemas.microsoft.com/office/drawing/2014/main" xmlns="" val="10015"/>
+                    <a16:rowId xmlns:a16="http://schemas.microsoft.com/office/drawing/2014/main" val="10015"/>
                   </a:ext>
                 </a:extLst>
               </a:tr>
@@ -11185,7 +11171,7 @@
                 </a:tc>
                 <a:extLst>
                   <a:ext uri="{0D108BD9-81ED-4DB2-BD59-A6C34878D82A}">
-                    <a16:rowId xmlns:a16="http://schemas.microsoft.com/office/drawing/2014/main" xmlns="" val="10016"/>
+                    <a16:rowId xmlns:a16="http://schemas.microsoft.com/office/drawing/2014/main" val="10016"/>
                   </a:ext>
                 </a:extLst>
               </a:tr>
@@ -11196,20 +11182,13 @@
     </p:spTree>
     <p:extLst>
       <p:ext uri="{BB962C8B-B14F-4D97-AF65-F5344CB8AC3E}">
-        <p14:creationId xmlns:p14="http://schemas.microsoft.com/office/powerpoint/2010/main" xmlns="" val="2090930175"/>
+        <p14:creationId xmlns:p14="http://schemas.microsoft.com/office/powerpoint/2010/main" val="2090930175"/>
       </p:ext>
     </p:extLst>
   </p:cSld>
   <p:clrMapOvr>
     <a:masterClrMapping/>
   </p:clrMapOvr>
-  <p:timing>
-    <p:tnLst>
-      <p:par>
-        <p:cTn id="1" dur="indefinite" restart="never" nodeType="tmRoot"/>
-      </p:par>
-    </p:tnLst>
-  </p:timing>
 </p:sld>
 </file>
 
@@ -11235,7 +11214,7 @@
           <p:cNvPr id="34" name="직사각형 33">
             <a:extLst>
               <a:ext uri="{FF2B5EF4-FFF2-40B4-BE49-F238E27FC236}">
-                <a16:creationId xmlns:a16="http://schemas.microsoft.com/office/drawing/2014/main" xmlns="" id="{37CB002D-8420-B548-9BEA-2E18D8A9A204}"/>
+                <a16:creationId xmlns:a16="http://schemas.microsoft.com/office/drawing/2014/main" id="{37CB002D-8420-B548-9BEA-2E18D8A9A204}"/>
               </a:ext>
             </a:extLst>
           </p:cNvPr>
@@ -11287,7 +11266,7 @@
           <p:cNvPr id="7" name="직사각형 6">
             <a:extLst>
               <a:ext uri="{FF2B5EF4-FFF2-40B4-BE49-F238E27FC236}">
-                <a16:creationId xmlns:a16="http://schemas.microsoft.com/office/drawing/2014/main" xmlns="" id="{2391BDF5-629B-4AF3-A8CE-E4EA9DCEA48B}"/>
+                <a16:creationId xmlns:a16="http://schemas.microsoft.com/office/drawing/2014/main" id="{2391BDF5-629B-4AF3-A8CE-E4EA9DCEA48B}"/>
               </a:ext>
             </a:extLst>
           </p:cNvPr>
@@ -11341,7 +11320,7 @@
           <p:cNvPr id="10" name="직각 삼각형[R] 8">
             <a:extLst>
               <a:ext uri="{FF2B5EF4-FFF2-40B4-BE49-F238E27FC236}">
-                <a16:creationId xmlns:a16="http://schemas.microsoft.com/office/drawing/2014/main" xmlns="" id="{7E7A9195-0E51-4445-93B6-2976F8FBE0D8}"/>
+                <a16:creationId xmlns:a16="http://schemas.microsoft.com/office/drawing/2014/main" id="{7E7A9195-0E51-4445-93B6-2976F8FBE0D8}"/>
               </a:ext>
             </a:extLst>
           </p:cNvPr>
@@ -11399,7 +11378,7 @@
           <p:cNvPr id="11" name="TextBox 10">
             <a:extLst>
               <a:ext uri="{FF2B5EF4-FFF2-40B4-BE49-F238E27FC236}">
-                <a16:creationId xmlns:a16="http://schemas.microsoft.com/office/drawing/2014/main" xmlns="" id="{651A2FE2-9AA3-4B6C-B724-5E77A728E14B}"/>
+                <a16:creationId xmlns:a16="http://schemas.microsoft.com/office/drawing/2014/main" id="{651A2FE2-9AA3-4B6C-B724-5E77A728E14B}"/>
               </a:ext>
             </a:extLst>
           </p:cNvPr>
@@ -11458,7 +11437,7 @@
           <p:cNvPr id="12" name="TextBox 11">
             <a:extLst>
               <a:ext uri="{FF2B5EF4-FFF2-40B4-BE49-F238E27FC236}">
-                <a16:creationId xmlns:a16="http://schemas.microsoft.com/office/drawing/2014/main" xmlns="" id="{D21DA38C-7DA6-4F89-9FAE-3F48885F2EE8}"/>
+                <a16:creationId xmlns:a16="http://schemas.microsoft.com/office/drawing/2014/main" id="{D21DA38C-7DA6-4F89-9FAE-3F48885F2EE8}"/>
               </a:ext>
             </a:extLst>
           </p:cNvPr>
@@ -11509,7 +11488,7 @@
           <p:cNvPr id="3" name="그림 2">
             <a:extLst>
               <a:ext uri="{FF2B5EF4-FFF2-40B4-BE49-F238E27FC236}">
-                <a16:creationId xmlns:a16="http://schemas.microsoft.com/office/drawing/2014/main" xmlns="" id="{32648A20-ECE1-4E97-8248-F6320E7D2E3B}"/>
+                <a16:creationId xmlns:a16="http://schemas.microsoft.com/office/drawing/2014/main" id="{32648A20-ECE1-4E97-8248-F6320E7D2E3B}"/>
               </a:ext>
             </a:extLst>
           </p:cNvPr>
@@ -11537,20 +11516,13 @@
     </p:spTree>
     <p:extLst>
       <p:ext uri="{BB962C8B-B14F-4D97-AF65-F5344CB8AC3E}">
-        <p14:creationId xmlns:p14="http://schemas.microsoft.com/office/powerpoint/2010/main" xmlns="" val="329235135"/>
+        <p14:creationId xmlns:p14="http://schemas.microsoft.com/office/powerpoint/2010/main" val="329235135"/>
       </p:ext>
     </p:extLst>
   </p:cSld>
   <p:clrMapOvr>
     <a:masterClrMapping/>
   </p:clrMapOvr>
-  <p:timing>
-    <p:tnLst>
-      <p:par>
-        <p:cTn id="1" dur="indefinite" restart="never" nodeType="tmRoot"/>
-      </p:par>
-    </p:tnLst>
-  </p:timing>
 </p:sld>
 </file>
 
@@ -11576,7 +11548,7 @@
           <p:cNvPr id="34" name="직사각형 33">
             <a:extLst>
               <a:ext uri="{FF2B5EF4-FFF2-40B4-BE49-F238E27FC236}">
-                <a16:creationId xmlns:a16="http://schemas.microsoft.com/office/drawing/2014/main" xmlns="" id="{37CB002D-8420-B548-9BEA-2E18D8A9A204}"/>
+                <a16:creationId xmlns:a16="http://schemas.microsoft.com/office/drawing/2014/main" id="{37CB002D-8420-B548-9BEA-2E18D8A9A204}"/>
               </a:ext>
             </a:extLst>
           </p:cNvPr>
@@ -11628,7 +11600,7 @@
           <p:cNvPr id="7" name="직사각형 6">
             <a:extLst>
               <a:ext uri="{FF2B5EF4-FFF2-40B4-BE49-F238E27FC236}">
-                <a16:creationId xmlns:a16="http://schemas.microsoft.com/office/drawing/2014/main" xmlns="" id="{2391BDF5-629B-4AF3-A8CE-E4EA9DCEA48B}"/>
+                <a16:creationId xmlns:a16="http://schemas.microsoft.com/office/drawing/2014/main" id="{2391BDF5-629B-4AF3-A8CE-E4EA9DCEA48B}"/>
               </a:ext>
             </a:extLst>
           </p:cNvPr>
@@ -11682,7 +11654,7 @@
           <p:cNvPr id="10" name="직각 삼각형[R] 8">
             <a:extLst>
               <a:ext uri="{FF2B5EF4-FFF2-40B4-BE49-F238E27FC236}">
-                <a16:creationId xmlns:a16="http://schemas.microsoft.com/office/drawing/2014/main" xmlns="" id="{7E7A9195-0E51-4445-93B6-2976F8FBE0D8}"/>
+                <a16:creationId xmlns:a16="http://schemas.microsoft.com/office/drawing/2014/main" id="{7E7A9195-0E51-4445-93B6-2976F8FBE0D8}"/>
               </a:ext>
             </a:extLst>
           </p:cNvPr>
@@ -11740,7 +11712,7 @@
           <p:cNvPr id="11" name="TextBox 10">
             <a:extLst>
               <a:ext uri="{FF2B5EF4-FFF2-40B4-BE49-F238E27FC236}">
-                <a16:creationId xmlns:a16="http://schemas.microsoft.com/office/drawing/2014/main" xmlns="" id="{651A2FE2-9AA3-4B6C-B724-5E77A728E14B}"/>
+                <a16:creationId xmlns:a16="http://schemas.microsoft.com/office/drawing/2014/main" id="{651A2FE2-9AA3-4B6C-B724-5E77A728E14B}"/>
               </a:ext>
             </a:extLst>
           </p:cNvPr>
@@ -11799,7 +11771,7 @@
           <p:cNvPr id="12" name="TextBox 11">
             <a:extLst>
               <a:ext uri="{FF2B5EF4-FFF2-40B4-BE49-F238E27FC236}">
-                <a16:creationId xmlns:a16="http://schemas.microsoft.com/office/drawing/2014/main" xmlns="" id="{D21DA38C-7DA6-4F89-9FAE-3F48885F2EE8}"/>
+                <a16:creationId xmlns:a16="http://schemas.microsoft.com/office/drawing/2014/main" id="{D21DA38C-7DA6-4F89-9FAE-3F48885F2EE8}"/>
               </a:ext>
             </a:extLst>
           </p:cNvPr>
@@ -11838,20 +11810,13 @@
     </p:spTree>
     <p:extLst>
       <p:ext uri="{BB962C8B-B14F-4D97-AF65-F5344CB8AC3E}">
-        <p14:creationId xmlns:p14="http://schemas.microsoft.com/office/powerpoint/2010/main" xmlns="" val="2628453059"/>
+        <p14:creationId xmlns:p14="http://schemas.microsoft.com/office/powerpoint/2010/main" val="2628453059"/>
       </p:ext>
     </p:extLst>
   </p:cSld>
   <p:clrMapOvr>
     <a:masterClrMapping/>
   </p:clrMapOvr>
-  <p:timing>
-    <p:tnLst>
-      <p:par>
-        <p:cTn id="1" dur="indefinite" restart="never" nodeType="tmRoot"/>
-      </p:par>
-    </p:tnLst>
-  </p:timing>
 </p:sld>
 </file>
 
@@ -11877,7 +11842,7 @@
           <p:cNvPr id="34" name="직사각형 33">
             <a:extLst>
               <a:ext uri="{FF2B5EF4-FFF2-40B4-BE49-F238E27FC236}">
-                <a16:creationId xmlns:a16="http://schemas.microsoft.com/office/drawing/2014/main" xmlns="" id="{37CB002D-8420-B548-9BEA-2E18D8A9A204}"/>
+                <a16:creationId xmlns:a16="http://schemas.microsoft.com/office/drawing/2014/main" id="{37CB002D-8420-B548-9BEA-2E18D8A9A204}"/>
               </a:ext>
             </a:extLst>
           </p:cNvPr>
@@ -11929,7 +11894,7 @@
           <p:cNvPr id="7" name="직사각형 6">
             <a:extLst>
               <a:ext uri="{FF2B5EF4-FFF2-40B4-BE49-F238E27FC236}">
-                <a16:creationId xmlns:a16="http://schemas.microsoft.com/office/drawing/2014/main" xmlns="" id="{2391BDF5-629B-4AF3-A8CE-E4EA9DCEA48B}"/>
+                <a16:creationId xmlns:a16="http://schemas.microsoft.com/office/drawing/2014/main" id="{2391BDF5-629B-4AF3-A8CE-E4EA9DCEA48B}"/>
               </a:ext>
             </a:extLst>
           </p:cNvPr>
@@ -11983,7 +11948,7 @@
           <p:cNvPr id="10" name="직각 삼각형[R] 8">
             <a:extLst>
               <a:ext uri="{FF2B5EF4-FFF2-40B4-BE49-F238E27FC236}">
-                <a16:creationId xmlns:a16="http://schemas.microsoft.com/office/drawing/2014/main" xmlns="" id="{7E7A9195-0E51-4445-93B6-2976F8FBE0D8}"/>
+                <a16:creationId xmlns:a16="http://schemas.microsoft.com/office/drawing/2014/main" id="{7E7A9195-0E51-4445-93B6-2976F8FBE0D8}"/>
               </a:ext>
             </a:extLst>
           </p:cNvPr>
@@ -12041,7 +12006,7 @@
           <p:cNvPr id="11" name="TextBox 10">
             <a:extLst>
               <a:ext uri="{FF2B5EF4-FFF2-40B4-BE49-F238E27FC236}">
-                <a16:creationId xmlns:a16="http://schemas.microsoft.com/office/drawing/2014/main" xmlns="" id="{651A2FE2-9AA3-4B6C-B724-5E77A728E14B}"/>
+                <a16:creationId xmlns:a16="http://schemas.microsoft.com/office/drawing/2014/main" id="{651A2FE2-9AA3-4B6C-B724-5E77A728E14B}"/>
               </a:ext>
             </a:extLst>
           </p:cNvPr>
@@ -12100,7 +12065,7 @@
           <p:cNvPr id="12" name="TextBox 11">
             <a:extLst>
               <a:ext uri="{FF2B5EF4-FFF2-40B4-BE49-F238E27FC236}">
-                <a16:creationId xmlns:a16="http://schemas.microsoft.com/office/drawing/2014/main" xmlns="" id="{D21DA38C-7DA6-4F89-9FAE-3F48885F2EE8}"/>
+                <a16:creationId xmlns:a16="http://schemas.microsoft.com/office/drawing/2014/main" id="{D21DA38C-7DA6-4F89-9FAE-3F48885F2EE8}"/>
               </a:ext>
             </a:extLst>
           </p:cNvPr>
@@ -12158,7 +12123,7 @@
           <p:cNvPr id="3" name="그림 2">
             <a:extLst>
               <a:ext uri="{FF2B5EF4-FFF2-40B4-BE49-F238E27FC236}">
-                <a16:creationId xmlns:a16="http://schemas.microsoft.com/office/drawing/2014/main" xmlns="" id="{B898E38C-2AAF-45D7-B9AB-5FE3FAE18685}"/>
+                <a16:creationId xmlns:a16="http://schemas.microsoft.com/office/drawing/2014/main" id="{B898E38C-2AAF-45D7-B9AB-5FE3FAE18685}"/>
               </a:ext>
             </a:extLst>
           </p:cNvPr>
@@ -12186,20 +12151,13 @@
     </p:spTree>
     <p:extLst>
       <p:ext uri="{BB962C8B-B14F-4D97-AF65-F5344CB8AC3E}">
-        <p14:creationId xmlns:p14="http://schemas.microsoft.com/office/powerpoint/2010/main" xmlns="" val="1140614862"/>
+        <p14:creationId xmlns:p14="http://schemas.microsoft.com/office/powerpoint/2010/main" val="1140614862"/>
       </p:ext>
     </p:extLst>
   </p:cSld>
   <p:clrMapOvr>
     <a:masterClrMapping/>
   </p:clrMapOvr>
-  <p:timing>
-    <p:tnLst>
-      <p:par>
-        <p:cTn id="1" dur="indefinite" restart="never" nodeType="tmRoot"/>
-      </p:par>
-    </p:tnLst>
-  </p:timing>
 </p:sld>
 </file>
 
@@ -12225,7 +12183,7 @@
           <p:cNvPr id="34" name="직사각형 33">
             <a:extLst>
               <a:ext uri="{FF2B5EF4-FFF2-40B4-BE49-F238E27FC236}">
-                <a16:creationId xmlns:a16="http://schemas.microsoft.com/office/drawing/2014/main" xmlns="" id="{37CB002D-8420-B548-9BEA-2E18D8A9A204}"/>
+                <a16:creationId xmlns:a16="http://schemas.microsoft.com/office/drawing/2014/main" id="{37CB002D-8420-B548-9BEA-2E18D8A9A204}"/>
               </a:ext>
             </a:extLst>
           </p:cNvPr>
@@ -12277,7 +12235,7 @@
           <p:cNvPr id="7" name="직사각형 6">
             <a:extLst>
               <a:ext uri="{FF2B5EF4-FFF2-40B4-BE49-F238E27FC236}">
-                <a16:creationId xmlns:a16="http://schemas.microsoft.com/office/drawing/2014/main" xmlns="" id="{2391BDF5-629B-4AF3-A8CE-E4EA9DCEA48B}"/>
+                <a16:creationId xmlns:a16="http://schemas.microsoft.com/office/drawing/2014/main" id="{2391BDF5-629B-4AF3-A8CE-E4EA9DCEA48B}"/>
               </a:ext>
             </a:extLst>
           </p:cNvPr>
@@ -12331,7 +12289,7 @@
           <p:cNvPr id="10" name="직각 삼각형[R] 8">
             <a:extLst>
               <a:ext uri="{FF2B5EF4-FFF2-40B4-BE49-F238E27FC236}">
-                <a16:creationId xmlns:a16="http://schemas.microsoft.com/office/drawing/2014/main" xmlns="" id="{7E7A9195-0E51-4445-93B6-2976F8FBE0D8}"/>
+                <a16:creationId xmlns:a16="http://schemas.microsoft.com/office/drawing/2014/main" id="{7E7A9195-0E51-4445-93B6-2976F8FBE0D8}"/>
               </a:ext>
             </a:extLst>
           </p:cNvPr>
@@ -12389,7 +12347,7 @@
           <p:cNvPr id="11" name="TextBox 10">
             <a:extLst>
               <a:ext uri="{FF2B5EF4-FFF2-40B4-BE49-F238E27FC236}">
-                <a16:creationId xmlns:a16="http://schemas.microsoft.com/office/drawing/2014/main" xmlns="" id="{651A2FE2-9AA3-4B6C-B724-5E77A728E14B}"/>
+                <a16:creationId xmlns:a16="http://schemas.microsoft.com/office/drawing/2014/main" id="{651A2FE2-9AA3-4B6C-B724-5E77A728E14B}"/>
               </a:ext>
             </a:extLst>
           </p:cNvPr>
@@ -12448,7 +12406,7 @@
           <p:cNvPr id="12" name="TextBox 11">
             <a:extLst>
               <a:ext uri="{FF2B5EF4-FFF2-40B4-BE49-F238E27FC236}">
-                <a16:creationId xmlns:a16="http://schemas.microsoft.com/office/drawing/2014/main" xmlns="" id="{D21DA38C-7DA6-4F89-9FAE-3F48885F2EE8}"/>
+                <a16:creationId xmlns:a16="http://schemas.microsoft.com/office/drawing/2014/main" id="{D21DA38C-7DA6-4F89-9FAE-3F48885F2EE8}"/>
               </a:ext>
             </a:extLst>
           </p:cNvPr>
@@ -12506,7 +12464,7 @@
           <p:cNvPr id="3" name="그림 2">
             <a:extLst>
               <a:ext uri="{FF2B5EF4-FFF2-40B4-BE49-F238E27FC236}">
-                <a16:creationId xmlns:a16="http://schemas.microsoft.com/office/drawing/2014/main" xmlns="" id="{A16C6481-38E1-45EE-A913-C9EC77F3B736}"/>
+                <a16:creationId xmlns:a16="http://schemas.microsoft.com/office/drawing/2014/main" id="{A16C6481-38E1-45EE-A913-C9EC77F3B736}"/>
               </a:ext>
             </a:extLst>
           </p:cNvPr>
@@ -12534,20 +12492,13 @@
     </p:spTree>
     <p:extLst>
       <p:ext uri="{BB962C8B-B14F-4D97-AF65-F5344CB8AC3E}">
-        <p14:creationId xmlns:p14="http://schemas.microsoft.com/office/powerpoint/2010/main" xmlns="" val="2687937703"/>
+        <p14:creationId xmlns:p14="http://schemas.microsoft.com/office/powerpoint/2010/main" val="2687937703"/>
       </p:ext>
     </p:extLst>
   </p:cSld>
   <p:clrMapOvr>
     <a:masterClrMapping/>
   </p:clrMapOvr>
-  <p:timing>
-    <p:tnLst>
-      <p:par>
-        <p:cTn id="1" dur="indefinite" restart="never" nodeType="tmRoot"/>
-      </p:par>
-    </p:tnLst>
-  </p:timing>
 </p:sld>
 </file>
 
@@ -12573,7 +12524,7 @@
           <p:cNvPr id="34" name="직사각형 33">
             <a:extLst>
               <a:ext uri="{FF2B5EF4-FFF2-40B4-BE49-F238E27FC236}">
-                <a16:creationId xmlns:a16="http://schemas.microsoft.com/office/drawing/2014/main" xmlns="" id="{37CB002D-8420-B548-9BEA-2E18D8A9A204}"/>
+                <a16:creationId xmlns:a16="http://schemas.microsoft.com/office/drawing/2014/main" id="{37CB002D-8420-B548-9BEA-2E18D8A9A204}"/>
               </a:ext>
             </a:extLst>
           </p:cNvPr>
@@ -12625,7 +12576,7 @@
           <p:cNvPr id="7" name="직사각형 6">
             <a:extLst>
               <a:ext uri="{FF2B5EF4-FFF2-40B4-BE49-F238E27FC236}">
-                <a16:creationId xmlns:a16="http://schemas.microsoft.com/office/drawing/2014/main" xmlns="" id="{2391BDF5-629B-4AF3-A8CE-E4EA9DCEA48B}"/>
+                <a16:creationId xmlns:a16="http://schemas.microsoft.com/office/drawing/2014/main" id="{2391BDF5-629B-4AF3-A8CE-E4EA9DCEA48B}"/>
               </a:ext>
             </a:extLst>
           </p:cNvPr>
@@ -12679,7 +12630,7 @@
           <p:cNvPr id="10" name="직각 삼각형[R] 8">
             <a:extLst>
               <a:ext uri="{FF2B5EF4-FFF2-40B4-BE49-F238E27FC236}">
-                <a16:creationId xmlns:a16="http://schemas.microsoft.com/office/drawing/2014/main" xmlns="" id="{7E7A9195-0E51-4445-93B6-2976F8FBE0D8}"/>
+                <a16:creationId xmlns:a16="http://schemas.microsoft.com/office/drawing/2014/main" id="{7E7A9195-0E51-4445-93B6-2976F8FBE0D8}"/>
               </a:ext>
             </a:extLst>
           </p:cNvPr>
@@ -12737,7 +12688,7 @@
           <p:cNvPr id="11" name="TextBox 10">
             <a:extLst>
               <a:ext uri="{FF2B5EF4-FFF2-40B4-BE49-F238E27FC236}">
-                <a16:creationId xmlns:a16="http://schemas.microsoft.com/office/drawing/2014/main" xmlns="" id="{651A2FE2-9AA3-4B6C-B724-5E77A728E14B}"/>
+                <a16:creationId xmlns:a16="http://schemas.microsoft.com/office/drawing/2014/main" id="{651A2FE2-9AA3-4B6C-B724-5E77A728E14B}"/>
               </a:ext>
             </a:extLst>
           </p:cNvPr>
@@ -12796,7 +12747,7 @@
           <p:cNvPr id="12" name="TextBox 11">
             <a:extLst>
               <a:ext uri="{FF2B5EF4-FFF2-40B4-BE49-F238E27FC236}">
-                <a16:creationId xmlns:a16="http://schemas.microsoft.com/office/drawing/2014/main" xmlns="" id="{D21DA38C-7DA6-4F89-9FAE-3F48885F2EE8}"/>
+                <a16:creationId xmlns:a16="http://schemas.microsoft.com/office/drawing/2014/main" id="{D21DA38C-7DA6-4F89-9FAE-3F48885F2EE8}"/>
               </a:ext>
             </a:extLst>
           </p:cNvPr>
@@ -12844,7 +12795,7 @@
           <p:cNvPr id="8" name="그림 7" descr="project.png">
             <a:extLst>
               <a:ext uri="{FF2B5EF4-FFF2-40B4-BE49-F238E27FC236}">
-                <a16:creationId xmlns:a16="http://schemas.microsoft.com/office/drawing/2014/main" xmlns="" id="{94C6DFB3-DB07-4BBD-8A90-D6DC4E76B4FB}"/>
+                <a16:creationId xmlns:a16="http://schemas.microsoft.com/office/drawing/2014/main" id="{94C6DFB3-DB07-4BBD-8A90-D6DC4E76B4FB}"/>
               </a:ext>
             </a:extLst>
           </p:cNvPr>
@@ -12874,7 +12825,7 @@
           <p:cNvPr id="9" name="직사각형 8">
             <a:extLst>
               <a:ext uri="{FF2B5EF4-FFF2-40B4-BE49-F238E27FC236}">
-                <a16:creationId xmlns:a16="http://schemas.microsoft.com/office/drawing/2014/main" xmlns="" id="{2B655D1F-B376-427A-93A4-ED9CCA9D2FBE}"/>
+                <a16:creationId xmlns:a16="http://schemas.microsoft.com/office/drawing/2014/main" id="{2B655D1F-B376-427A-93A4-ED9CCA9D2FBE}"/>
               </a:ext>
             </a:extLst>
           </p:cNvPr>
@@ -12929,7 +12880,7 @@
           <p:cNvPr id="14" name="직사각형 13">
             <a:extLst>
               <a:ext uri="{FF2B5EF4-FFF2-40B4-BE49-F238E27FC236}">
-                <a16:creationId xmlns:a16="http://schemas.microsoft.com/office/drawing/2014/main" xmlns="" id="{3D104EBF-4BFE-4E20-A86F-78BE14F60AAA}"/>
+                <a16:creationId xmlns:a16="http://schemas.microsoft.com/office/drawing/2014/main" id="{3D104EBF-4BFE-4E20-A86F-78BE14F60AAA}"/>
               </a:ext>
             </a:extLst>
           </p:cNvPr>
@@ -13015,7 +12966,7 @@
           <p:cNvPr id="15" name="직사각형 14">
             <a:extLst>
               <a:ext uri="{FF2B5EF4-FFF2-40B4-BE49-F238E27FC236}">
-                <a16:creationId xmlns:a16="http://schemas.microsoft.com/office/drawing/2014/main" xmlns="" id="{42A6EEBA-1237-4F63-A179-995D66216390}"/>
+                <a16:creationId xmlns:a16="http://schemas.microsoft.com/office/drawing/2014/main" id="{42A6EEBA-1237-4F63-A179-995D66216390}"/>
               </a:ext>
             </a:extLst>
           </p:cNvPr>
@@ -13081,7 +13032,7 @@
           <p:cNvPr id="16" name="직사각형 15">
             <a:extLst>
               <a:ext uri="{FF2B5EF4-FFF2-40B4-BE49-F238E27FC236}">
-                <a16:creationId xmlns:a16="http://schemas.microsoft.com/office/drawing/2014/main" xmlns="" id="{82A9DFA1-A623-438D-AA8F-546E81E48A1C}"/>
+                <a16:creationId xmlns:a16="http://schemas.microsoft.com/office/drawing/2014/main" id="{82A9DFA1-A623-438D-AA8F-546E81E48A1C}"/>
               </a:ext>
             </a:extLst>
           </p:cNvPr>
@@ -13227,7 +13178,7 @@
           <p:cNvPr id="17" name="직사각형 16">
             <a:extLst>
               <a:ext uri="{FF2B5EF4-FFF2-40B4-BE49-F238E27FC236}">
-                <a16:creationId xmlns:a16="http://schemas.microsoft.com/office/drawing/2014/main" xmlns="" id="{A0EB9F3E-F26A-49C5-9DE3-1F816E4E9505}"/>
+                <a16:creationId xmlns:a16="http://schemas.microsoft.com/office/drawing/2014/main" id="{A0EB9F3E-F26A-49C5-9DE3-1F816E4E9505}"/>
               </a:ext>
             </a:extLst>
           </p:cNvPr>
@@ -13282,7 +13233,7 @@
           <p:cNvPr id="18" name="직사각형 17">
             <a:extLst>
               <a:ext uri="{FF2B5EF4-FFF2-40B4-BE49-F238E27FC236}">
-                <a16:creationId xmlns:a16="http://schemas.microsoft.com/office/drawing/2014/main" xmlns="" id="{1B80D2C9-8086-45DE-B639-CB177FB69190}"/>
+                <a16:creationId xmlns:a16="http://schemas.microsoft.com/office/drawing/2014/main" id="{1B80D2C9-8086-45DE-B639-CB177FB69190}"/>
               </a:ext>
             </a:extLst>
           </p:cNvPr>
@@ -13337,7 +13288,7 @@
           <p:cNvPr id="19" name="직사각형 18">
             <a:extLst>
               <a:ext uri="{FF2B5EF4-FFF2-40B4-BE49-F238E27FC236}">
-                <a16:creationId xmlns:a16="http://schemas.microsoft.com/office/drawing/2014/main" xmlns="" id="{0867AD9A-73B6-4677-B3BD-62772315948C}"/>
+                <a16:creationId xmlns:a16="http://schemas.microsoft.com/office/drawing/2014/main" id="{0867AD9A-73B6-4677-B3BD-62772315948C}"/>
               </a:ext>
             </a:extLst>
           </p:cNvPr>
@@ -13392,7 +13343,7 @@
           <p:cNvPr id="20" name="꺾인 연결선 58">
             <a:extLst>
               <a:ext uri="{FF2B5EF4-FFF2-40B4-BE49-F238E27FC236}">
-                <a16:creationId xmlns:a16="http://schemas.microsoft.com/office/drawing/2014/main" xmlns="" id="{31D74E14-5173-4DE6-AA87-A409BA62CF36}"/>
+                <a16:creationId xmlns:a16="http://schemas.microsoft.com/office/drawing/2014/main" id="{31D74E14-5173-4DE6-AA87-A409BA62CF36}"/>
               </a:ext>
             </a:extLst>
           </p:cNvPr>
@@ -13439,7 +13390,7 @@
           <p:cNvPr id="21" name="꺾인 연결선 64">
             <a:extLst>
               <a:ext uri="{FF2B5EF4-FFF2-40B4-BE49-F238E27FC236}">
-                <a16:creationId xmlns:a16="http://schemas.microsoft.com/office/drawing/2014/main" xmlns="" id="{EB57FBEA-D585-4F2B-9CCD-74F1DB6A7723}"/>
+                <a16:creationId xmlns:a16="http://schemas.microsoft.com/office/drawing/2014/main" id="{EB57FBEA-D585-4F2B-9CCD-74F1DB6A7723}"/>
               </a:ext>
             </a:extLst>
           </p:cNvPr>
@@ -13486,7 +13437,7 @@
           <p:cNvPr id="22" name="꺾인 연결선 70">
             <a:extLst>
               <a:ext uri="{FF2B5EF4-FFF2-40B4-BE49-F238E27FC236}">
-                <a16:creationId xmlns:a16="http://schemas.microsoft.com/office/drawing/2014/main" xmlns="" id="{147C10A9-563A-4AAD-9856-F8D05AEC3DE6}"/>
+                <a16:creationId xmlns:a16="http://schemas.microsoft.com/office/drawing/2014/main" id="{147C10A9-563A-4AAD-9856-F8D05AEC3DE6}"/>
               </a:ext>
             </a:extLst>
           </p:cNvPr>
@@ -13534,7 +13485,7 @@
           <p:cNvPr id="23" name="꺾인 연결선 95">
             <a:extLst>
               <a:ext uri="{FF2B5EF4-FFF2-40B4-BE49-F238E27FC236}">
-                <a16:creationId xmlns:a16="http://schemas.microsoft.com/office/drawing/2014/main" xmlns="" id="{003088A3-6436-4F52-A651-D77938EF3EDC}"/>
+                <a16:creationId xmlns:a16="http://schemas.microsoft.com/office/drawing/2014/main" id="{003088A3-6436-4F52-A651-D77938EF3EDC}"/>
               </a:ext>
             </a:extLst>
           </p:cNvPr>
@@ -13583,7 +13534,7 @@
           <p:cNvPr id="13" name="직사각형 12">
             <a:extLst>
               <a:ext uri="{FF2B5EF4-FFF2-40B4-BE49-F238E27FC236}">
-                <a16:creationId xmlns:a16="http://schemas.microsoft.com/office/drawing/2014/main" xmlns="" id="{2D9AF9C4-6E0C-4987-97E1-4A91E0976C22}"/>
+                <a16:creationId xmlns:a16="http://schemas.microsoft.com/office/drawing/2014/main" id="{2D9AF9C4-6E0C-4987-97E1-4A91E0976C22}"/>
               </a:ext>
             </a:extLst>
           </p:cNvPr>
@@ -13690,7 +13641,7 @@
     </p:spTree>
     <p:extLst>
       <p:ext uri="{BB962C8B-B14F-4D97-AF65-F5344CB8AC3E}">
-        <p14:creationId xmlns:p14="http://schemas.microsoft.com/office/powerpoint/2010/main" xmlns="" val="3341693835"/>
+        <p14:creationId xmlns:p14="http://schemas.microsoft.com/office/powerpoint/2010/main" val="3341693835"/>
       </p:ext>
     </p:extLst>
   </p:cSld>
@@ -14146,7 +14097,7 @@
           <p:cNvPr id="34" name="직사각형 33">
             <a:extLst>
               <a:ext uri="{FF2B5EF4-FFF2-40B4-BE49-F238E27FC236}">
-                <a16:creationId xmlns:a16="http://schemas.microsoft.com/office/drawing/2014/main" xmlns="" id="{37CB002D-8420-B548-9BEA-2E18D8A9A204}"/>
+                <a16:creationId xmlns:a16="http://schemas.microsoft.com/office/drawing/2014/main" id="{37CB002D-8420-B548-9BEA-2E18D8A9A204}"/>
               </a:ext>
             </a:extLst>
           </p:cNvPr>
@@ -14198,7 +14149,7 @@
           <p:cNvPr id="7" name="직사각형 6">
             <a:extLst>
               <a:ext uri="{FF2B5EF4-FFF2-40B4-BE49-F238E27FC236}">
-                <a16:creationId xmlns:a16="http://schemas.microsoft.com/office/drawing/2014/main" xmlns="" id="{2391BDF5-629B-4AF3-A8CE-E4EA9DCEA48B}"/>
+                <a16:creationId xmlns:a16="http://schemas.microsoft.com/office/drawing/2014/main" id="{2391BDF5-629B-4AF3-A8CE-E4EA9DCEA48B}"/>
               </a:ext>
             </a:extLst>
           </p:cNvPr>
@@ -14252,7 +14203,7 @@
           <p:cNvPr id="10" name="직각 삼각형[R] 8">
             <a:extLst>
               <a:ext uri="{FF2B5EF4-FFF2-40B4-BE49-F238E27FC236}">
-                <a16:creationId xmlns:a16="http://schemas.microsoft.com/office/drawing/2014/main" xmlns="" id="{7E7A9195-0E51-4445-93B6-2976F8FBE0D8}"/>
+                <a16:creationId xmlns:a16="http://schemas.microsoft.com/office/drawing/2014/main" id="{7E7A9195-0E51-4445-93B6-2976F8FBE0D8}"/>
               </a:ext>
             </a:extLst>
           </p:cNvPr>
@@ -14310,7 +14261,7 @@
           <p:cNvPr id="11" name="TextBox 10">
             <a:extLst>
               <a:ext uri="{FF2B5EF4-FFF2-40B4-BE49-F238E27FC236}">
-                <a16:creationId xmlns:a16="http://schemas.microsoft.com/office/drawing/2014/main" xmlns="" id="{651A2FE2-9AA3-4B6C-B724-5E77A728E14B}"/>
+                <a16:creationId xmlns:a16="http://schemas.microsoft.com/office/drawing/2014/main" id="{651A2FE2-9AA3-4B6C-B724-5E77A728E14B}"/>
               </a:ext>
             </a:extLst>
           </p:cNvPr>
@@ -14369,7 +14320,7 @@
           <p:cNvPr id="12" name="TextBox 11">
             <a:extLst>
               <a:ext uri="{FF2B5EF4-FFF2-40B4-BE49-F238E27FC236}">
-                <a16:creationId xmlns:a16="http://schemas.microsoft.com/office/drawing/2014/main" xmlns="" id="{D21DA38C-7DA6-4F89-9FAE-3F48885F2EE8}"/>
+                <a16:creationId xmlns:a16="http://schemas.microsoft.com/office/drawing/2014/main" id="{D21DA38C-7DA6-4F89-9FAE-3F48885F2EE8}"/>
               </a:ext>
             </a:extLst>
           </p:cNvPr>
@@ -14417,7 +14368,7 @@
           <p:cNvPr id="3" name="그림 2">
             <a:extLst>
               <a:ext uri="{FF2B5EF4-FFF2-40B4-BE49-F238E27FC236}">
-                <a16:creationId xmlns:a16="http://schemas.microsoft.com/office/drawing/2014/main" xmlns="" id="{01F5F861-AEFE-467F-AD0B-F6BBD35F86F5}"/>
+                <a16:creationId xmlns:a16="http://schemas.microsoft.com/office/drawing/2014/main" id="{01F5F861-AEFE-467F-AD0B-F6BBD35F86F5}"/>
               </a:ext>
             </a:extLst>
           </p:cNvPr>
@@ -14447,7 +14398,7 @@
           <p:cNvPr id="2" name="그림 1">
             <a:extLst>
               <a:ext uri="{FF2B5EF4-FFF2-40B4-BE49-F238E27FC236}">
-                <a16:creationId xmlns:a16="http://schemas.microsoft.com/office/drawing/2014/main" xmlns="" id="{7619FDC5-1711-4CD6-810C-0C8610B47164}"/>
+                <a16:creationId xmlns:a16="http://schemas.microsoft.com/office/drawing/2014/main" id="{7619FDC5-1711-4CD6-810C-0C8610B47164}"/>
               </a:ext>
             </a:extLst>
           </p:cNvPr>
@@ -14477,7 +14428,7 @@
           <p:cNvPr id="4" name="그림 3">
             <a:extLst>
               <a:ext uri="{FF2B5EF4-FFF2-40B4-BE49-F238E27FC236}">
-                <a16:creationId xmlns:a16="http://schemas.microsoft.com/office/drawing/2014/main" xmlns="" id="{BDB9CE97-51FA-4179-9F58-ACED939895B9}"/>
+                <a16:creationId xmlns:a16="http://schemas.microsoft.com/office/drawing/2014/main" id="{BDB9CE97-51FA-4179-9F58-ACED939895B9}"/>
               </a:ext>
             </a:extLst>
           </p:cNvPr>
@@ -14507,7 +14458,7 @@
           <p:cNvPr id="5" name="그림 4">
             <a:extLst>
               <a:ext uri="{FF2B5EF4-FFF2-40B4-BE49-F238E27FC236}">
-                <a16:creationId xmlns:a16="http://schemas.microsoft.com/office/drawing/2014/main" xmlns="" id="{D187D07F-F2DD-4EB0-8DA3-6622ABEF8789}"/>
+                <a16:creationId xmlns:a16="http://schemas.microsoft.com/office/drawing/2014/main" id="{D187D07F-F2DD-4EB0-8DA3-6622ABEF8789}"/>
               </a:ext>
             </a:extLst>
           </p:cNvPr>
@@ -14537,7 +14488,7 @@
           <p:cNvPr id="6" name="그림 5">
             <a:extLst>
               <a:ext uri="{FF2B5EF4-FFF2-40B4-BE49-F238E27FC236}">
-                <a16:creationId xmlns:a16="http://schemas.microsoft.com/office/drawing/2014/main" xmlns="" id="{828C1E59-3A1C-4D97-A7F0-8A6FA9684F72}"/>
+                <a16:creationId xmlns:a16="http://schemas.microsoft.com/office/drawing/2014/main" id="{828C1E59-3A1C-4D97-A7F0-8A6FA9684F72}"/>
               </a:ext>
             </a:extLst>
           </p:cNvPr>
@@ -14564,20 +14515,13 @@
     </p:spTree>
     <p:extLst>
       <p:ext uri="{BB962C8B-B14F-4D97-AF65-F5344CB8AC3E}">
-        <p14:creationId xmlns:p14="http://schemas.microsoft.com/office/powerpoint/2010/main" xmlns="" val="3595836347"/>
+        <p14:creationId xmlns:p14="http://schemas.microsoft.com/office/powerpoint/2010/main" val="3595836347"/>
       </p:ext>
     </p:extLst>
   </p:cSld>
   <p:clrMapOvr>
     <a:masterClrMapping/>
   </p:clrMapOvr>
-  <p:timing>
-    <p:tnLst>
-      <p:par>
-        <p:cTn id="1" dur="indefinite" restart="never" nodeType="tmRoot"/>
-      </p:par>
-    </p:tnLst>
-  </p:timing>
 </p:sld>
 </file>
 
@@ -14603,7 +14547,7 @@
           <p:cNvPr id="34" name="직사각형 33">
             <a:extLst>
               <a:ext uri="{FF2B5EF4-FFF2-40B4-BE49-F238E27FC236}">
-                <a16:creationId xmlns:a16="http://schemas.microsoft.com/office/drawing/2014/main" xmlns="" id="{37CB002D-8420-B548-9BEA-2E18D8A9A204}"/>
+                <a16:creationId xmlns:a16="http://schemas.microsoft.com/office/drawing/2014/main" id="{37CB002D-8420-B548-9BEA-2E18D8A9A204}"/>
               </a:ext>
             </a:extLst>
           </p:cNvPr>
@@ -14655,7 +14599,7 @@
           <p:cNvPr id="7" name="직사각형 6">
             <a:extLst>
               <a:ext uri="{FF2B5EF4-FFF2-40B4-BE49-F238E27FC236}">
-                <a16:creationId xmlns:a16="http://schemas.microsoft.com/office/drawing/2014/main" xmlns="" id="{2391BDF5-629B-4AF3-A8CE-E4EA9DCEA48B}"/>
+                <a16:creationId xmlns:a16="http://schemas.microsoft.com/office/drawing/2014/main" id="{2391BDF5-629B-4AF3-A8CE-E4EA9DCEA48B}"/>
               </a:ext>
             </a:extLst>
           </p:cNvPr>
@@ -14709,7 +14653,7 @@
           <p:cNvPr id="10" name="직각 삼각형[R] 8">
             <a:extLst>
               <a:ext uri="{FF2B5EF4-FFF2-40B4-BE49-F238E27FC236}">
-                <a16:creationId xmlns:a16="http://schemas.microsoft.com/office/drawing/2014/main" xmlns="" id="{7E7A9195-0E51-4445-93B6-2976F8FBE0D8}"/>
+                <a16:creationId xmlns:a16="http://schemas.microsoft.com/office/drawing/2014/main" id="{7E7A9195-0E51-4445-93B6-2976F8FBE0D8}"/>
               </a:ext>
             </a:extLst>
           </p:cNvPr>
@@ -14767,7 +14711,7 @@
           <p:cNvPr id="11" name="TextBox 10">
             <a:extLst>
               <a:ext uri="{FF2B5EF4-FFF2-40B4-BE49-F238E27FC236}">
-                <a16:creationId xmlns:a16="http://schemas.microsoft.com/office/drawing/2014/main" xmlns="" id="{651A2FE2-9AA3-4B6C-B724-5E77A728E14B}"/>
+                <a16:creationId xmlns:a16="http://schemas.microsoft.com/office/drawing/2014/main" id="{651A2FE2-9AA3-4B6C-B724-5E77A728E14B}"/>
               </a:ext>
             </a:extLst>
           </p:cNvPr>
@@ -14826,7 +14770,7 @@
           <p:cNvPr id="12" name="TextBox 11">
             <a:extLst>
               <a:ext uri="{FF2B5EF4-FFF2-40B4-BE49-F238E27FC236}">
-                <a16:creationId xmlns:a16="http://schemas.microsoft.com/office/drawing/2014/main" xmlns="" id="{D21DA38C-7DA6-4F89-9FAE-3F48885F2EE8}"/>
+                <a16:creationId xmlns:a16="http://schemas.microsoft.com/office/drawing/2014/main" id="{D21DA38C-7DA6-4F89-9FAE-3F48885F2EE8}"/>
               </a:ext>
             </a:extLst>
           </p:cNvPr>
@@ -14872,20 +14816,13 @@
     </p:spTree>
     <p:extLst>
       <p:ext uri="{BB962C8B-B14F-4D97-AF65-F5344CB8AC3E}">
-        <p14:creationId xmlns:p14="http://schemas.microsoft.com/office/powerpoint/2010/main" xmlns="" val="1554640197"/>
+        <p14:creationId xmlns:p14="http://schemas.microsoft.com/office/powerpoint/2010/main" val="1554640197"/>
       </p:ext>
     </p:extLst>
   </p:cSld>
   <p:clrMapOvr>
     <a:masterClrMapping/>
   </p:clrMapOvr>
-  <p:timing>
-    <p:tnLst>
-      <p:par>
-        <p:cTn id="1" dur="indefinite" restart="never" nodeType="tmRoot"/>
-      </p:par>
-    </p:tnLst>
-  </p:timing>
 </p:sld>
 </file>
 
@@ -14919,7 +14856,7 @@
           <p:cNvPr id="7" name="TextBox 6">
             <a:extLst>
               <a:ext uri="{FF2B5EF4-FFF2-40B4-BE49-F238E27FC236}">
-                <a16:creationId xmlns:a16="http://schemas.microsoft.com/office/drawing/2014/main" xmlns="" id="{42FE3236-750D-A047-B36B-3A3B34F30683}"/>
+                <a16:creationId xmlns:a16="http://schemas.microsoft.com/office/drawing/2014/main" id="{42FE3236-750D-A047-B36B-3A3B34F30683}"/>
               </a:ext>
             </a:extLst>
           </p:cNvPr>
@@ -14968,7 +14905,7 @@
           <p:cNvPr id="22" name="TextBox 21">
             <a:extLst>
               <a:ext uri="{FF2B5EF4-FFF2-40B4-BE49-F238E27FC236}">
-                <a16:creationId xmlns:a16="http://schemas.microsoft.com/office/drawing/2014/main" xmlns="" id="{891037EF-45BE-2049-B684-DDCDF37608A5}"/>
+                <a16:creationId xmlns:a16="http://schemas.microsoft.com/office/drawing/2014/main" id="{891037EF-45BE-2049-B684-DDCDF37608A5}"/>
               </a:ext>
             </a:extLst>
           </p:cNvPr>
@@ -15017,7 +14954,7 @@
           <p:cNvPr id="28" name="TextBox 27">
             <a:extLst>
               <a:ext uri="{FF2B5EF4-FFF2-40B4-BE49-F238E27FC236}">
-                <a16:creationId xmlns:a16="http://schemas.microsoft.com/office/drawing/2014/main" xmlns="" id="{3CBBC928-2143-ED49-9C10-4DD06080EC37}"/>
+                <a16:creationId xmlns:a16="http://schemas.microsoft.com/office/drawing/2014/main" id="{3CBBC928-2143-ED49-9C10-4DD06080EC37}"/>
               </a:ext>
             </a:extLst>
           </p:cNvPr>
@@ -15066,7 +15003,7 @@
           <p:cNvPr id="33" name="TextBox 32">
             <a:extLst>
               <a:ext uri="{FF2B5EF4-FFF2-40B4-BE49-F238E27FC236}">
-                <a16:creationId xmlns:a16="http://schemas.microsoft.com/office/drawing/2014/main" xmlns="" id="{9C8B4252-4EEE-734E-AFA7-0099FFEA17CC}"/>
+                <a16:creationId xmlns:a16="http://schemas.microsoft.com/office/drawing/2014/main" id="{9C8B4252-4EEE-734E-AFA7-0099FFEA17CC}"/>
               </a:ext>
             </a:extLst>
           </p:cNvPr>
@@ -15115,7 +15052,7 @@
           <p:cNvPr id="3" name="모서리가 둥근 직사각형 2">
             <a:extLst>
               <a:ext uri="{FF2B5EF4-FFF2-40B4-BE49-F238E27FC236}">
-                <a16:creationId xmlns:a16="http://schemas.microsoft.com/office/drawing/2014/main" xmlns="" id="{B15BC01F-85DD-6C4D-969F-ADCBD2EA1767}"/>
+                <a16:creationId xmlns:a16="http://schemas.microsoft.com/office/drawing/2014/main" id="{B15BC01F-85DD-6C4D-969F-ADCBD2EA1767}"/>
               </a:ext>
             </a:extLst>
           </p:cNvPr>
@@ -15177,7 +15114,7 @@
           <p:cNvPr id="4" name="직사각형 3">
             <a:extLst>
               <a:ext uri="{FF2B5EF4-FFF2-40B4-BE49-F238E27FC236}">
-                <a16:creationId xmlns:a16="http://schemas.microsoft.com/office/drawing/2014/main" xmlns="" id="{54DE23C4-D779-3D4A-955D-339E1BFECDE9}"/>
+                <a16:creationId xmlns:a16="http://schemas.microsoft.com/office/drawing/2014/main" id="{54DE23C4-D779-3D4A-955D-339E1BFECDE9}"/>
               </a:ext>
             </a:extLst>
           </p:cNvPr>
@@ -15239,7 +15176,7 @@
           <p:cNvPr id="37" name="직사각형 36">
             <a:extLst>
               <a:ext uri="{FF2B5EF4-FFF2-40B4-BE49-F238E27FC236}">
-                <a16:creationId xmlns:a16="http://schemas.microsoft.com/office/drawing/2014/main" xmlns="" id="{9E85BA02-5CD5-C244-B2E5-5A66D4E9D24A}"/>
+                <a16:creationId xmlns:a16="http://schemas.microsoft.com/office/drawing/2014/main" id="{9E85BA02-5CD5-C244-B2E5-5A66D4E9D24A}"/>
               </a:ext>
             </a:extLst>
           </p:cNvPr>
@@ -15297,7 +15234,7 @@
           <p:cNvPr id="40" name="모서리가 둥근 직사각형 39">
             <a:extLst>
               <a:ext uri="{FF2B5EF4-FFF2-40B4-BE49-F238E27FC236}">
-                <a16:creationId xmlns:a16="http://schemas.microsoft.com/office/drawing/2014/main" xmlns="" id="{08DCDE5E-8FBD-9F45-B642-7F7DC2A30298}"/>
+                <a16:creationId xmlns:a16="http://schemas.microsoft.com/office/drawing/2014/main" id="{08DCDE5E-8FBD-9F45-B642-7F7DC2A30298}"/>
               </a:ext>
             </a:extLst>
           </p:cNvPr>
@@ -15359,7 +15296,7 @@
           <p:cNvPr id="41" name="직사각형 40">
             <a:extLst>
               <a:ext uri="{FF2B5EF4-FFF2-40B4-BE49-F238E27FC236}">
-                <a16:creationId xmlns:a16="http://schemas.microsoft.com/office/drawing/2014/main" xmlns="" id="{7DED2737-C550-0043-A389-B804C5C9CDED}"/>
+                <a16:creationId xmlns:a16="http://schemas.microsoft.com/office/drawing/2014/main" id="{7DED2737-C550-0043-A389-B804C5C9CDED}"/>
               </a:ext>
             </a:extLst>
           </p:cNvPr>
@@ -15421,7 +15358,7 @@
           <p:cNvPr id="42" name="직사각형 41">
             <a:extLst>
               <a:ext uri="{FF2B5EF4-FFF2-40B4-BE49-F238E27FC236}">
-                <a16:creationId xmlns:a16="http://schemas.microsoft.com/office/drawing/2014/main" xmlns="" id="{DA2565A9-A39B-8C49-8DF8-F04B259702F2}"/>
+                <a16:creationId xmlns:a16="http://schemas.microsoft.com/office/drawing/2014/main" id="{DA2565A9-A39B-8C49-8DF8-F04B259702F2}"/>
               </a:ext>
             </a:extLst>
           </p:cNvPr>
@@ -15479,7 +15416,7 @@
           <p:cNvPr id="43" name="직사각형 42">
             <a:extLst>
               <a:ext uri="{FF2B5EF4-FFF2-40B4-BE49-F238E27FC236}">
-                <a16:creationId xmlns:a16="http://schemas.microsoft.com/office/drawing/2014/main" xmlns="" id="{3C4567BC-0D51-9846-8D02-B52A3DAD6382}"/>
+                <a16:creationId xmlns:a16="http://schemas.microsoft.com/office/drawing/2014/main" id="{3C4567BC-0D51-9846-8D02-B52A3DAD6382}"/>
               </a:ext>
             </a:extLst>
           </p:cNvPr>
@@ -15540,7 +15477,7 @@
           <p:cNvPr id="44" name="모서리가 둥근 직사각형 43">
             <a:extLst>
               <a:ext uri="{FF2B5EF4-FFF2-40B4-BE49-F238E27FC236}">
-                <a16:creationId xmlns:a16="http://schemas.microsoft.com/office/drawing/2014/main" xmlns="" id="{192C4406-F5BE-AB4A-BC1D-5F2AC2B497E5}"/>
+                <a16:creationId xmlns:a16="http://schemas.microsoft.com/office/drawing/2014/main" id="{192C4406-F5BE-AB4A-BC1D-5F2AC2B497E5}"/>
               </a:ext>
             </a:extLst>
           </p:cNvPr>
@@ -15602,7 +15539,7 @@
           <p:cNvPr id="45" name="직사각형 44">
             <a:extLst>
               <a:ext uri="{FF2B5EF4-FFF2-40B4-BE49-F238E27FC236}">
-                <a16:creationId xmlns:a16="http://schemas.microsoft.com/office/drawing/2014/main" xmlns="" id="{40A1B75A-1C2F-3C4B-A218-8DEF5EA1A240}"/>
+                <a16:creationId xmlns:a16="http://schemas.microsoft.com/office/drawing/2014/main" id="{40A1B75A-1C2F-3C4B-A218-8DEF5EA1A240}"/>
               </a:ext>
             </a:extLst>
           </p:cNvPr>
@@ -15664,7 +15601,7 @@
           <p:cNvPr id="46" name="직사각형 45">
             <a:extLst>
               <a:ext uri="{FF2B5EF4-FFF2-40B4-BE49-F238E27FC236}">
-                <a16:creationId xmlns:a16="http://schemas.microsoft.com/office/drawing/2014/main" xmlns="" id="{1E8C94F4-E033-604B-8A58-00F978D2EB43}"/>
+                <a16:creationId xmlns:a16="http://schemas.microsoft.com/office/drawing/2014/main" id="{1E8C94F4-E033-604B-8A58-00F978D2EB43}"/>
               </a:ext>
             </a:extLst>
           </p:cNvPr>
@@ -15722,7 +15659,7 @@
           <p:cNvPr id="47" name="직사각형 46">
             <a:extLst>
               <a:ext uri="{FF2B5EF4-FFF2-40B4-BE49-F238E27FC236}">
-                <a16:creationId xmlns:a16="http://schemas.microsoft.com/office/drawing/2014/main" xmlns="" id="{33CE4ED5-DA1F-5940-AC3E-08F271B2E1E5}"/>
+                <a16:creationId xmlns:a16="http://schemas.microsoft.com/office/drawing/2014/main" id="{33CE4ED5-DA1F-5940-AC3E-08F271B2E1E5}"/>
               </a:ext>
             </a:extLst>
           </p:cNvPr>
@@ -15783,7 +15720,7 @@
           <p:cNvPr id="48" name="직사각형 47">
             <a:extLst>
               <a:ext uri="{FF2B5EF4-FFF2-40B4-BE49-F238E27FC236}">
-                <a16:creationId xmlns:a16="http://schemas.microsoft.com/office/drawing/2014/main" xmlns="" id="{EF879863-4002-0649-908E-E3FA425C7515}"/>
+                <a16:creationId xmlns:a16="http://schemas.microsoft.com/office/drawing/2014/main" id="{EF879863-4002-0649-908E-E3FA425C7515}"/>
               </a:ext>
             </a:extLst>
           </p:cNvPr>
@@ -15844,7 +15781,7 @@
           <p:cNvPr id="49" name="모서리가 둥근 직사각형 48">
             <a:extLst>
               <a:ext uri="{FF2B5EF4-FFF2-40B4-BE49-F238E27FC236}">
-                <a16:creationId xmlns:a16="http://schemas.microsoft.com/office/drawing/2014/main" xmlns="" id="{D9415A5C-B5F6-434A-AAC2-5D23A69D0690}"/>
+                <a16:creationId xmlns:a16="http://schemas.microsoft.com/office/drawing/2014/main" id="{D9415A5C-B5F6-434A-AAC2-5D23A69D0690}"/>
               </a:ext>
             </a:extLst>
           </p:cNvPr>
@@ -15906,7 +15843,7 @@
           <p:cNvPr id="50" name="직사각형 49">
             <a:extLst>
               <a:ext uri="{FF2B5EF4-FFF2-40B4-BE49-F238E27FC236}">
-                <a16:creationId xmlns:a16="http://schemas.microsoft.com/office/drawing/2014/main" xmlns="" id="{A2E4B733-0B2F-EB44-9495-3D7B493225B5}"/>
+                <a16:creationId xmlns:a16="http://schemas.microsoft.com/office/drawing/2014/main" id="{A2E4B733-0B2F-EB44-9495-3D7B493225B5}"/>
               </a:ext>
             </a:extLst>
           </p:cNvPr>
@@ -15968,7 +15905,7 @@
           <p:cNvPr id="51" name="직사각형 50">
             <a:extLst>
               <a:ext uri="{FF2B5EF4-FFF2-40B4-BE49-F238E27FC236}">
-                <a16:creationId xmlns:a16="http://schemas.microsoft.com/office/drawing/2014/main" xmlns="" id="{25B6C46A-2DED-544B-825A-A3E9D8F9B9F1}"/>
+                <a16:creationId xmlns:a16="http://schemas.microsoft.com/office/drawing/2014/main" id="{25B6C46A-2DED-544B-825A-A3E9D8F9B9F1}"/>
               </a:ext>
             </a:extLst>
           </p:cNvPr>
@@ -16026,7 +15963,7 @@
           <p:cNvPr id="52" name="직사각형 51">
             <a:extLst>
               <a:ext uri="{FF2B5EF4-FFF2-40B4-BE49-F238E27FC236}">
-                <a16:creationId xmlns:a16="http://schemas.microsoft.com/office/drawing/2014/main" xmlns="" id="{9B00F2CE-B862-1F45-A8EF-EEAB910DC2DD}"/>
+                <a16:creationId xmlns:a16="http://schemas.microsoft.com/office/drawing/2014/main" id="{9B00F2CE-B862-1F45-A8EF-EEAB910DC2DD}"/>
               </a:ext>
             </a:extLst>
           </p:cNvPr>
@@ -16087,7 +16024,7 @@
           <p:cNvPr id="53" name="직사각형 52">
             <a:extLst>
               <a:ext uri="{FF2B5EF4-FFF2-40B4-BE49-F238E27FC236}">
-                <a16:creationId xmlns:a16="http://schemas.microsoft.com/office/drawing/2014/main" xmlns="" id="{C840DF5C-D742-454B-9744-B666449F3463}"/>
+                <a16:creationId xmlns:a16="http://schemas.microsoft.com/office/drawing/2014/main" id="{C840DF5C-D742-454B-9744-B666449F3463}"/>
               </a:ext>
             </a:extLst>
           </p:cNvPr>
@@ -16148,7 +16085,7 @@
           <p:cNvPr id="54" name="직사각형 53">
             <a:extLst>
               <a:ext uri="{FF2B5EF4-FFF2-40B4-BE49-F238E27FC236}">
-                <a16:creationId xmlns:a16="http://schemas.microsoft.com/office/drawing/2014/main" xmlns="" id="{7FD7FDAD-86FC-2F4C-974B-9A9A60523BA0}"/>
+                <a16:creationId xmlns:a16="http://schemas.microsoft.com/office/drawing/2014/main" id="{7FD7FDAD-86FC-2F4C-974B-9A9A60523BA0}"/>
               </a:ext>
             </a:extLst>
           </p:cNvPr>
@@ -16209,7 +16146,7 @@
           <p:cNvPr id="36" name="직사각형 35">
             <a:extLst>
               <a:ext uri="{FF2B5EF4-FFF2-40B4-BE49-F238E27FC236}">
-                <a16:creationId xmlns:a16="http://schemas.microsoft.com/office/drawing/2014/main" xmlns="" id="{2E8730FD-3FE0-CF49-87D6-55D4CADD52EC}"/>
+                <a16:creationId xmlns:a16="http://schemas.microsoft.com/office/drawing/2014/main" id="{2E8730FD-3FE0-CF49-87D6-55D4CADD52EC}"/>
               </a:ext>
             </a:extLst>
           </p:cNvPr>
@@ -16270,7 +16207,7 @@
           <p:cNvPr id="38" name="TextBox 37">
             <a:extLst>
               <a:ext uri="{FF2B5EF4-FFF2-40B4-BE49-F238E27FC236}">
-                <a16:creationId xmlns:a16="http://schemas.microsoft.com/office/drawing/2014/main" xmlns="" id="{D924124E-8556-6D40-B0AF-F8C8FE260281}"/>
+                <a16:creationId xmlns:a16="http://schemas.microsoft.com/office/drawing/2014/main" id="{D924124E-8556-6D40-B0AF-F8C8FE260281}"/>
               </a:ext>
             </a:extLst>
           </p:cNvPr>
@@ -16325,7 +16262,7 @@
           <p:cNvPr id="26" name="TextBox 25">
             <a:extLst>
               <a:ext uri="{FF2B5EF4-FFF2-40B4-BE49-F238E27FC236}">
-                <a16:creationId xmlns:a16="http://schemas.microsoft.com/office/drawing/2014/main" xmlns="" id="{9C8B4252-4EEE-734E-AFA7-0099FFEA17CC}"/>
+                <a16:creationId xmlns:a16="http://schemas.microsoft.com/office/drawing/2014/main" id="{9C8B4252-4EEE-734E-AFA7-0099FFEA17CC}"/>
               </a:ext>
             </a:extLst>
           </p:cNvPr>
@@ -16380,7 +16317,7 @@
           <p:cNvPr id="27" name="TextBox 26">
             <a:extLst>
               <a:ext uri="{FF2B5EF4-FFF2-40B4-BE49-F238E27FC236}">
-                <a16:creationId xmlns:a16="http://schemas.microsoft.com/office/drawing/2014/main" xmlns="" id="{9C8B4252-4EEE-734E-AFA7-0099FFEA17CC}"/>
+                <a16:creationId xmlns:a16="http://schemas.microsoft.com/office/drawing/2014/main" id="{9C8B4252-4EEE-734E-AFA7-0099FFEA17CC}"/>
               </a:ext>
             </a:extLst>
           </p:cNvPr>
@@ -16435,7 +16372,7 @@
           <p:cNvPr id="29" name="TextBox 28">
             <a:extLst>
               <a:ext uri="{FF2B5EF4-FFF2-40B4-BE49-F238E27FC236}">
-                <a16:creationId xmlns:a16="http://schemas.microsoft.com/office/drawing/2014/main" xmlns="" id="{9C8B4252-4EEE-734E-AFA7-0099FFEA17CC}"/>
+                <a16:creationId xmlns:a16="http://schemas.microsoft.com/office/drawing/2014/main" id="{9C8B4252-4EEE-734E-AFA7-0099FFEA17CC}"/>
               </a:ext>
             </a:extLst>
           </p:cNvPr>
@@ -16490,7 +16427,7 @@
           <p:cNvPr id="30" name="TextBox 29">
             <a:extLst>
               <a:ext uri="{FF2B5EF4-FFF2-40B4-BE49-F238E27FC236}">
-                <a16:creationId xmlns:a16="http://schemas.microsoft.com/office/drawing/2014/main" xmlns="" id="{9C8B4252-4EEE-734E-AFA7-0099FFEA17CC}"/>
+                <a16:creationId xmlns:a16="http://schemas.microsoft.com/office/drawing/2014/main" id="{9C8B4252-4EEE-734E-AFA7-0099FFEA17CC}"/>
               </a:ext>
             </a:extLst>
           </p:cNvPr>
@@ -16545,7 +16482,7 @@
           <p:cNvPr id="31" name="TextBox 30">
             <a:extLst>
               <a:ext uri="{FF2B5EF4-FFF2-40B4-BE49-F238E27FC236}">
-                <a16:creationId xmlns:a16="http://schemas.microsoft.com/office/drawing/2014/main" xmlns="" id="{9C8B4252-4EEE-734E-AFA7-0099FFEA17CC}"/>
+                <a16:creationId xmlns:a16="http://schemas.microsoft.com/office/drawing/2014/main" id="{9C8B4252-4EEE-734E-AFA7-0099FFEA17CC}"/>
               </a:ext>
             </a:extLst>
           </p:cNvPr>
@@ -16600,7 +16537,7 @@
           <p:cNvPr id="32" name="TextBox 31">
             <a:extLst>
               <a:ext uri="{FF2B5EF4-FFF2-40B4-BE49-F238E27FC236}">
-                <a16:creationId xmlns:a16="http://schemas.microsoft.com/office/drawing/2014/main" xmlns="" id="{9C8B4252-4EEE-734E-AFA7-0099FFEA17CC}"/>
+                <a16:creationId xmlns:a16="http://schemas.microsoft.com/office/drawing/2014/main" id="{9C8B4252-4EEE-734E-AFA7-0099FFEA17CC}"/>
               </a:ext>
             </a:extLst>
           </p:cNvPr>
@@ -16655,7 +16592,7 @@
           <p:cNvPr id="34" name="TextBox 33">
             <a:extLst>
               <a:ext uri="{FF2B5EF4-FFF2-40B4-BE49-F238E27FC236}">
-                <a16:creationId xmlns:a16="http://schemas.microsoft.com/office/drawing/2014/main" xmlns="" id="{9C8B4252-4EEE-734E-AFA7-0099FFEA17CC}"/>
+                <a16:creationId xmlns:a16="http://schemas.microsoft.com/office/drawing/2014/main" id="{9C8B4252-4EEE-734E-AFA7-0099FFEA17CC}"/>
               </a:ext>
             </a:extLst>
           </p:cNvPr>
@@ -16723,7 +16660,7 @@
           <p:cNvPr id="35" name="TextBox 34">
             <a:extLst>
               <a:ext uri="{FF2B5EF4-FFF2-40B4-BE49-F238E27FC236}">
-                <a16:creationId xmlns:a16="http://schemas.microsoft.com/office/drawing/2014/main" xmlns="" id="{9C8B4252-4EEE-734E-AFA7-0099FFEA17CC}"/>
+                <a16:creationId xmlns:a16="http://schemas.microsoft.com/office/drawing/2014/main" id="{9C8B4252-4EEE-734E-AFA7-0099FFEA17CC}"/>
               </a:ext>
             </a:extLst>
           </p:cNvPr>
@@ -16778,7 +16715,7 @@
           <p:cNvPr id="55" name="TextBox 54">
             <a:extLst>
               <a:ext uri="{FF2B5EF4-FFF2-40B4-BE49-F238E27FC236}">
-                <a16:creationId xmlns:a16="http://schemas.microsoft.com/office/drawing/2014/main" xmlns="" id="{9C8B4252-4EEE-734E-AFA7-0099FFEA17CC}"/>
+                <a16:creationId xmlns:a16="http://schemas.microsoft.com/office/drawing/2014/main" id="{9C8B4252-4EEE-734E-AFA7-0099FFEA17CC}"/>
               </a:ext>
             </a:extLst>
           </p:cNvPr>
@@ -16833,7 +16770,7 @@
           <p:cNvPr id="56" name="TextBox 55">
             <a:extLst>
               <a:ext uri="{FF2B5EF4-FFF2-40B4-BE49-F238E27FC236}">
-                <a16:creationId xmlns:a16="http://schemas.microsoft.com/office/drawing/2014/main" xmlns="" id="{9C8B4252-4EEE-734E-AFA7-0099FFEA17CC}"/>
+                <a16:creationId xmlns:a16="http://schemas.microsoft.com/office/drawing/2014/main" id="{9C8B4252-4EEE-734E-AFA7-0099FFEA17CC}"/>
               </a:ext>
             </a:extLst>
           </p:cNvPr>
@@ -16886,20 +16823,13 @@
     </p:spTree>
     <p:extLst>
       <p:ext uri="{BB962C8B-B14F-4D97-AF65-F5344CB8AC3E}">
-        <p14:creationId xmlns:p14="http://schemas.microsoft.com/office/powerpoint/2010/main" xmlns="" val="275772099"/>
+        <p14:creationId xmlns:p14="http://schemas.microsoft.com/office/powerpoint/2010/main" val="275772099"/>
       </p:ext>
     </p:extLst>
   </p:cSld>
   <p:clrMapOvr>
     <a:masterClrMapping/>
   </p:clrMapOvr>
-  <p:timing>
-    <p:tnLst>
-      <p:par>
-        <p:cTn id="1" dur="indefinite" restart="never" nodeType="tmRoot"/>
-      </p:par>
-    </p:tnLst>
-  </p:timing>
 </p:sld>
 </file>
 
@@ -16925,7 +16855,7 @@
           <p:cNvPr id="34" name="직사각형 33">
             <a:extLst>
               <a:ext uri="{FF2B5EF4-FFF2-40B4-BE49-F238E27FC236}">
-                <a16:creationId xmlns:a16="http://schemas.microsoft.com/office/drawing/2014/main" xmlns="" id="{37CB002D-8420-B548-9BEA-2E18D8A9A204}"/>
+                <a16:creationId xmlns:a16="http://schemas.microsoft.com/office/drawing/2014/main" id="{37CB002D-8420-B548-9BEA-2E18D8A9A204}"/>
               </a:ext>
             </a:extLst>
           </p:cNvPr>
@@ -16977,7 +16907,7 @@
           <p:cNvPr id="7" name="직사각형 6">
             <a:extLst>
               <a:ext uri="{FF2B5EF4-FFF2-40B4-BE49-F238E27FC236}">
-                <a16:creationId xmlns:a16="http://schemas.microsoft.com/office/drawing/2014/main" xmlns="" id="{6B8B80B4-792D-174E-8B2C-A10CA85CDD01}"/>
+                <a16:creationId xmlns:a16="http://schemas.microsoft.com/office/drawing/2014/main" id="{6B8B80B4-792D-174E-8B2C-A10CA85CDD01}"/>
               </a:ext>
             </a:extLst>
           </p:cNvPr>
@@ -17031,7 +16961,7 @@
           <p:cNvPr id="11" name="직각 삼각형[R] 8">
             <a:extLst>
               <a:ext uri="{FF2B5EF4-FFF2-40B4-BE49-F238E27FC236}">
-                <a16:creationId xmlns:a16="http://schemas.microsoft.com/office/drawing/2014/main" xmlns="" id="{E9289217-6E56-7D4B-B6FB-329F373CAF3E}"/>
+                <a16:creationId xmlns:a16="http://schemas.microsoft.com/office/drawing/2014/main" id="{E9289217-6E56-7D4B-B6FB-329F373CAF3E}"/>
               </a:ext>
             </a:extLst>
           </p:cNvPr>
@@ -17089,7 +17019,7 @@
           <p:cNvPr id="12" name="TextBox 11">
             <a:extLst>
               <a:ext uri="{FF2B5EF4-FFF2-40B4-BE49-F238E27FC236}">
-                <a16:creationId xmlns:a16="http://schemas.microsoft.com/office/drawing/2014/main" xmlns="" id="{849EE5DD-2363-0B42-B4FD-2464134E7BE2}"/>
+                <a16:creationId xmlns:a16="http://schemas.microsoft.com/office/drawing/2014/main" id="{849EE5DD-2363-0B42-B4FD-2464134E7BE2}"/>
               </a:ext>
             </a:extLst>
           </p:cNvPr>
@@ -17138,7 +17068,7 @@
           <p:cNvPr id="2" name="타원 1">
             <a:extLst>
               <a:ext uri="{FF2B5EF4-FFF2-40B4-BE49-F238E27FC236}">
-                <a16:creationId xmlns:a16="http://schemas.microsoft.com/office/drawing/2014/main" xmlns="" id="{E1EFFF1F-F5CA-4DD2-849E-59987C5ECCCB}"/>
+                <a16:creationId xmlns:a16="http://schemas.microsoft.com/office/drawing/2014/main" id="{E1EFFF1F-F5CA-4DD2-849E-59987C5ECCCB}"/>
               </a:ext>
             </a:extLst>
           </p:cNvPr>
@@ -17188,7 +17118,7 @@
           <p:cNvPr id="4" name="이등변 삼각형 3">
             <a:extLst>
               <a:ext uri="{FF2B5EF4-FFF2-40B4-BE49-F238E27FC236}">
-                <a16:creationId xmlns:a16="http://schemas.microsoft.com/office/drawing/2014/main" xmlns="" id="{513D87CD-D553-4DB4-9F33-C915BFF1E62A}"/>
+                <a16:creationId xmlns:a16="http://schemas.microsoft.com/office/drawing/2014/main" id="{513D87CD-D553-4DB4-9F33-C915BFF1E62A}"/>
               </a:ext>
             </a:extLst>
           </p:cNvPr>
@@ -17237,20 +17167,13 @@
     </p:spTree>
     <p:extLst>
       <p:ext uri="{BB962C8B-B14F-4D97-AF65-F5344CB8AC3E}">
-        <p14:creationId xmlns:p14="http://schemas.microsoft.com/office/powerpoint/2010/main" xmlns="" val="3982081280"/>
+        <p14:creationId xmlns:p14="http://schemas.microsoft.com/office/powerpoint/2010/main" val="3982081280"/>
       </p:ext>
     </p:extLst>
   </p:cSld>
   <p:clrMapOvr>
     <a:masterClrMapping/>
   </p:clrMapOvr>
-  <p:timing>
-    <p:tnLst>
-      <p:par>
-        <p:cTn id="1" dur="indefinite" restart="never" nodeType="tmRoot"/>
-      </p:par>
-    </p:tnLst>
-  </p:timing>
 </p:sld>
 </file>
 
@@ -17276,7 +17199,7 @@
           <p:cNvPr id="34" name="직사각형 33">
             <a:extLst>
               <a:ext uri="{FF2B5EF4-FFF2-40B4-BE49-F238E27FC236}">
-                <a16:creationId xmlns:a16="http://schemas.microsoft.com/office/drawing/2014/main" xmlns="" id="{37CB002D-8420-B548-9BEA-2E18D8A9A204}"/>
+                <a16:creationId xmlns:a16="http://schemas.microsoft.com/office/drawing/2014/main" id="{37CB002D-8420-B548-9BEA-2E18D8A9A204}"/>
               </a:ext>
             </a:extLst>
           </p:cNvPr>
@@ -17376,7 +17299,7 @@
           <p:cNvPr id="8" name="직사각형 7">
             <a:extLst>
               <a:ext uri="{FF2B5EF4-FFF2-40B4-BE49-F238E27FC236}">
-                <a16:creationId xmlns:a16="http://schemas.microsoft.com/office/drawing/2014/main" xmlns="" id="{6B8B80B4-792D-174E-8B2C-A10CA85CDD01}"/>
+                <a16:creationId xmlns:a16="http://schemas.microsoft.com/office/drawing/2014/main" id="{6B8B80B4-792D-174E-8B2C-A10CA85CDD01}"/>
               </a:ext>
             </a:extLst>
           </p:cNvPr>
@@ -17430,7 +17353,7 @@
           <p:cNvPr id="9" name="직각 삼각형[R] 8">
             <a:extLst>
               <a:ext uri="{FF2B5EF4-FFF2-40B4-BE49-F238E27FC236}">
-                <a16:creationId xmlns:a16="http://schemas.microsoft.com/office/drawing/2014/main" xmlns="" id="{E9289217-6E56-7D4B-B6FB-329F373CAF3E}"/>
+                <a16:creationId xmlns:a16="http://schemas.microsoft.com/office/drawing/2014/main" id="{E9289217-6E56-7D4B-B6FB-329F373CAF3E}"/>
               </a:ext>
             </a:extLst>
           </p:cNvPr>
@@ -17488,7 +17411,7 @@
           <p:cNvPr id="20" name="TextBox 19">
             <a:extLst>
               <a:ext uri="{FF2B5EF4-FFF2-40B4-BE49-F238E27FC236}">
-                <a16:creationId xmlns:a16="http://schemas.microsoft.com/office/drawing/2014/main" xmlns="" id="{849EE5DD-2363-0B42-B4FD-2464134E7BE2}"/>
+                <a16:creationId xmlns:a16="http://schemas.microsoft.com/office/drawing/2014/main" id="{849EE5DD-2363-0B42-B4FD-2464134E7BE2}"/>
               </a:ext>
             </a:extLst>
           </p:cNvPr>
@@ -17587,7 +17510,7 @@
           <p:cNvPr id="10" name="그림 9" descr="html5.png">
             <a:extLst>
               <a:ext uri="{FF2B5EF4-FFF2-40B4-BE49-F238E27FC236}">
-                <a16:creationId xmlns:a16="http://schemas.microsoft.com/office/drawing/2014/main" xmlns="" id="{2F4D2618-1A23-41D3-BEFB-694548B8E123}"/>
+                <a16:creationId xmlns:a16="http://schemas.microsoft.com/office/drawing/2014/main" id="{2F4D2618-1A23-41D3-BEFB-694548B8E123}"/>
               </a:ext>
             </a:extLst>
           </p:cNvPr>
@@ -17617,7 +17540,7 @@
           <p:cNvPr id="11" name="그림 10" descr="bootstraplogo.png">
             <a:extLst>
               <a:ext uri="{FF2B5EF4-FFF2-40B4-BE49-F238E27FC236}">
-                <a16:creationId xmlns:a16="http://schemas.microsoft.com/office/drawing/2014/main" xmlns="" id="{9B0027A7-1163-4A5A-8B53-3AE3E446DB9A}"/>
+                <a16:creationId xmlns:a16="http://schemas.microsoft.com/office/drawing/2014/main" id="{9B0027A7-1163-4A5A-8B53-3AE3E446DB9A}"/>
               </a:ext>
             </a:extLst>
           </p:cNvPr>
@@ -17647,7 +17570,7 @@
           <p:cNvPr id="12" name="그림 11" descr="jquery-logo.png">
             <a:extLst>
               <a:ext uri="{FF2B5EF4-FFF2-40B4-BE49-F238E27FC236}">
-                <a16:creationId xmlns:a16="http://schemas.microsoft.com/office/drawing/2014/main" xmlns="" id="{90B15745-ACD9-4CFC-9535-4A20161303F5}"/>
+                <a16:creationId xmlns:a16="http://schemas.microsoft.com/office/drawing/2014/main" id="{90B15745-ACD9-4CFC-9535-4A20161303F5}"/>
               </a:ext>
             </a:extLst>
           </p:cNvPr>
@@ -17677,7 +17600,7 @@
           <p:cNvPr id="13" name="그림 12" descr="AJAX_logo_by_gengns.svg.png">
             <a:extLst>
               <a:ext uri="{FF2B5EF4-FFF2-40B4-BE49-F238E27FC236}">
-                <a16:creationId xmlns:a16="http://schemas.microsoft.com/office/drawing/2014/main" xmlns="" id="{3178746F-5547-4508-BD10-ED7288D1160A}"/>
+                <a16:creationId xmlns:a16="http://schemas.microsoft.com/office/drawing/2014/main" id="{3178746F-5547-4508-BD10-ED7288D1160A}"/>
               </a:ext>
             </a:extLst>
           </p:cNvPr>
@@ -17707,7 +17630,7 @@
           <p:cNvPr id="14" name="그림 13">
             <a:extLst>
               <a:ext uri="{FF2B5EF4-FFF2-40B4-BE49-F238E27FC236}">
-                <a16:creationId xmlns:a16="http://schemas.microsoft.com/office/drawing/2014/main" xmlns="" id="{3DCEF43E-F12F-417F-A6CB-B35D966AD967}"/>
+                <a16:creationId xmlns:a16="http://schemas.microsoft.com/office/drawing/2014/main" id="{3DCEF43E-F12F-417F-A6CB-B35D966AD967}"/>
               </a:ext>
             </a:extLst>
           </p:cNvPr>
@@ -17737,7 +17660,7 @@
           <p:cNvPr id="15" name="그림 14">
             <a:extLst>
               <a:ext uri="{FF2B5EF4-FFF2-40B4-BE49-F238E27FC236}">
-                <a16:creationId xmlns:a16="http://schemas.microsoft.com/office/drawing/2014/main" xmlns="" id="{73F96CE1-978A-46D1-B49F-D0EE61A23324}"/>
+                <a16:creationId xmlns:a16="http://schemas.microsoft.com/office/drawing/2014/main" id="{73F96CE1-978A-46D1-B49F-D0EE61A23324}"/>
               </a:ext>
             </a:extLst>
           </p:cNvPr>
@@ -17767,7 +17690,7 @@
           <p:cNvPr id="16" name="그래픽 28">
             <a:extLst>
               <a:ext uri="{FF2B5EF4-FFF2-40B4-BE49-F238E27FC236}">
-                <a16:creationId xmlns:a16="http://schemas.microsoft.com/office/drawing/2014/main" xmlns="" id="{2FEDF07C-8471-49AF-8187-0B09508B6D75}"/>
+                <a16:creationId xmlns:a16="http://schemas.microsoft.com/office/drawing/2014/main" id="{2FEDF07C-8471-49AF-8187-0B09508B6D75}"/>
               </a:ext>
             </a:extLst>
           </p:cNvPr>
@@ -17780,7 +17703,7 @@
           <a:blip r:embed="rId8">
             <a:extLst>
               <a:ext uri="{96DAC541-7B7A-43D3-8B79-37D633B846F1}">
-                <asvg:svgBlip xmlns:asvg="http://schemas.microsoft.com/office/drawing/2016/SVG/main" xmlns="" r:embed="rId9"/>
+                <asvg:svgBlip xmlns:asvg="http://schemas.microsoft.com/office/drawing/2016/SVG/main" r:embed="rId9"/>
               </a:ext>
             </a:extLst>
           </a:blip>
@@ -17803,7 +17726,7 @@
           <p:cNvPr id="17" name="그림 16">
             <a:extLst>
               <a:ext uri="{FF2B5EF4-FFF2-40B4-BE49-F238E27FC236}">
-                <a16:creationId xmlns:a16="http://schemas.microsoft.com/office/drawing/2014/main" xmlns="" id="{A7D6FD87-1371-46C1-A82C-036B92C36643}"/>
+                <a16:creationId xmlns:a16="http://schemas.microsoft.com/office/drawing/2014/main" id="{A7D6FD87-1371-46C1-A82C-036B92C36643}"/>
               </a:ext>
             </a:extLst>
           </p:cNvPr>
@@ -17832,7 +17755,7 @@
           <p:cNvPr id="18" name="그림 17">
             <a:extLst>
               <a:ext uri="{FF2B5EF4-FFF2-40B4-BE49-F238E27FC236}">
-                <a16:creationId xmlns:a16="http://schemas.microsoft.com/office/drawing/2014/main" xmlns="" id="{0E5BE0C9-D438-4700-B07F-62D1D097CE15}"/>
+                <a16:creationId xmlns:a16="http://schemas.microsoft.com/office/drawing/2014/main" id="{0E5BE0C9-D438-4700-B07F-62D1D097CE15}"/>
               </a:ext>
             </a:extLst>
           </p:cNvPr>
@@ -17861,7 +17784,7 @@
           <p:cNvPr id="21" name="그림 20">
             <a:extLst>
               <a:ext uri="{FF2B5EF4-FFF2-40B4-BE49-F238E27FC236}">
-                <a16:creationId xmlns:a16="http://schemas.microsoft.com/office/drawing/2014/main" xmlns="" id="{E70BD89E-5149-4561-B980-5AB46D17C144}"/>
+                <a16:creationId xmlns:a16="http://schemas.microsoft.com/office/drawing/2014/main" id="{E70BD89E-5149-4561-B980-5AB46D17C144}"/>
               </a:ext>
             </a:extLst>
           </p:cNvPr>
@@ -17891,7 +17814,7 @@
           <p:cNvPr id="22" name="그림 21">
             <a:extLst>
               <a:ext uri="{FF2B5EF4-FFF2-40B4-BE49-F238E27FC236}">
-                <a16:creationId xmlns:a16="http://schemas.microsoft.com/office/drawing/2014/main" xmlns="" id="{268C365E-0B34-4212-816A-2CFBCFCE7F1E}"/>
+                <a16:creationId xmlns:a16="http://schemas.microsoft.com/office/drawing/2014/main" id="{268C365E-0B34-4212-816A-2CFBCFCE7F1E}"/>
               </a:ext>
             </a:extLst>
           </p:cNvPr>
@@ -17928,7 +17851,7 @@
           <a:blip r:embed="rId14">
             <a:extLst>
               <a:ext uri="{28A0092B-C50C-407E-A947-70E740481C1C}">
-                <a14:useLocalDpi xmlns:a14="http://schemas.microsoft.com/office/drawing/2010/main" xmlns="" val="0"/>
+                <a14:useLocalDpi xmlns:a14="http://schemas.microsoft.com/office/drawing/2010/main" val="0"/>
               </a:ext>
             </a:extLst>
           </a:blip>
@@ -17951,14 +17874,14 @@
           </a:ln>
           <a:extLst>
             <a:ext uri="{909E8E84-426E-40DD-AFC4-6F175D3DCCD1}">
-              <a14:hiddenFill xmlns:a14="http://schemas.microsoft.com/office/drawing/2010/main" xmlns="">
+              <a14:hiddenFill xmlns:a14="http://schemas.microsoft.com/office/drawing/2010/main">
                 <a:solidFill>
                   <a:schemeClr val="accent1"/>
                 </a:solidFill>
               </a14:hiddenFill>
             </a:ext>
             <a:ext uri="{91240B29-F687-4F45-9708-019B960494DF}">
-              <a14:hiddenLine xmlns:a14="http://schemas.microsoft.com/office/drawing/2010/main" xmlns="" w="9525">
+              <a14:hiddenLine xmlns:a14="http://schemas.microsoft.com/office/drawing/2010/main" w="9525">
                 <a:solidFill>
                   <a:schemeClr val="tx1"/>
                 </a:solidFill>
@@ -17982,7 +17905,7 @@
           <a:blip r:embed="rId15">
             <a:extLst>
               <a:ext uri="{28A0092B-C50C-407E-A947-70E740481C1C}">
-                <a14:useLocalDpi xmlns:a14="http://schemas.microsoft.com/office/drawing/2010/main" xmlns="" val="0"/>
+                <a14:useLocalDpi xmlns:a14="http://schemas.microsoft.com/office/drawing/2010/main" val="0"/>
               </a:ext>
             </a:extLst>
           </a:blip>
@@ -18107,7 +18030,7 @@
           <p:cNvPr id="33" name="그림 32" descr="mybatis.png">
             <a:extLst>
               <a:ext uri="{FF2B5EF4-FFF2-40B4-BE49-F238E27FC236}">
-                <a16:creationId xmlns:a16="http://schemas.microsoft.com/office/drawing/2014/main" xmlns="" id="{42FD58B8-660F-4CBE-9928-D52AE0BA2DCD}"/>
+                <a16:creationId xmlns:a16="http://schemas.microsoft.com/office/drawing/2014/main" id="{42FD58B8-660F-4CBE-9928-D52AE0BA2DCD}"/>
               </a:ext>
             </a:extLst>
           </p:cNvPr>
@@ -18137,7 +18060,7 @@
           <p:cNvPr id="35" name="그림 34">
             <a:extLst>
               <a:ext uri="{FF2B5EF4-FFF2-40B4-BE49-F238E27FC236}">
-                <a16:creationId xmlns:a16="http://schemas.microsoft.com/office/drawing/2014/main" xmlns="" id="{B96D1DAE-9992-4D39-B8CD-E3F792B2D86B}"/>
+                <a16:creationId xmlns:a16="http://schemas.microsoft.com/office/drawing/2014/main" id="{B96D1DAE-9992-4D39-B8CD-E3F792B2D86B}"/>
               </a:ext>
             </a:extLst>
           </p:cNvPr>
@@ -18167,7 +18090,7 @@
           <p:cNvPr id="36" name="그림 35">
             <a:extLst>
               <a:ext uri="{FF2B5EF4-FFF2-40B4-BE49-F238E27FC236}">
-                <a16:creationId xmlns:a16="http://schemas.microsoft.com/office/drawing/2014/main" xmlns="" id="{A5C19A91-D5AD-483C-A5D9-EBEC66E8B83A}"/>
+                <a16:creationId xmlns:a16="http://schemas.microsoft.com/office/drawing/2014/main" id="{A5C19A91-D5AD-483C-A5D9-EBEC66E8B83A}"/>
               </a:ext>
             </a:extLst>
           </p:cNvPr>
@@ -18196,7 +18119,7 @@
           <p:cNvPr id="37" name="그림 36" descr="java-card.png">
             <a:extLst>
               <a:ext uri="{FF2B5EF4-FFF2-40B4-BE49-F238E27FC236}">
-                <a16:creationId xmlns:a16="http://schemas.microsoft.com/office/drawing/2014/main" xmlns="" id="{B17A0F97-2FFF-4139-A10B-2D005DAAB990}"/>
+                <a16:creationId xmlns:a16="http://schemas.microsoft.com/office/drawing/2014/main" id="{B17A0F97-2FFF-4139-A10B-2D005DAAB990}"/>
               </a:ext>
             </a:extLst>
           </p:cNvPr>
@@ -18226,7 +18149,7 @@
           <p:cNvPr id="38" name="그림 37" descr="spring-by-pivotal-9066b55828deb3c10e27e609af322c40.png">
             <a:extLst>
               <a:ext uri="{FF2B5EF4-FFF2-40B4-BE49-F238E27FC236}">
-                <a16:creationId xmlns:a16="http://schemas.microsoft.com/office/drawing/2014/main" xmlns="" id="{58086CB2-27F8-4B15-B300-DEECDD1F24D8}"/>
+                <a16:creationId xmlns:a16="http://schemas.microsoft.com/office/drawing/2014/main" id="{58086CB2-27F8-4B15-B300-DEECDD1F24D8}"/>
               </a:ext>
             </a:extLst>
           </p:cNvPr>
@@ -18256,7 +18179,7 @@
           <p:cNvPr id="39" name="그림 38">
             <a:extLst>
               <a:ext uri="{FF2B5EF4-FFF2-40B4-BE49-F238E27FC236}">
-                <a16:creationId xmlns:a16="http://schemas.microsoft.com/office/drawing/2014/main" xmlns="" id="{29FF0A52-B639-4CE8-BBF2-E19AE86A83A4}"/>
+                <a16:creationId xmlns:a16="http://schemas.microsoft.com/office/drawing/2014/main" id="{29FF0A52-B639-4CE8-BBF2-E19AE86A83A4}"/>
               </a:ext>
             </a:extLst>
           </p:cNvPr>
@@ -18292,7 +18215,7 @@
           <a:blip r:embed="rId22">
             <a:extLst>
               <a:ext uri="{28A0092B-C50C-407E-A947-70E740481C1C}">
-                <a14:useLocalDpi xmlns:a14="http://schemas.microsoft.com/office/drawing/2010/main" xmlns="" val="0"/>
+                <a14:useLocalDpi xmlns:a14="http://schemas.microsoft.com/office/drawing/2010/main" val="0"/>
               </a:ext>
             </a:extLst>
           </a:blip>
@@ -18407,7 +18330,7 @@
           <p:cNvPr id="46" name="그림 45" descr="tomcat.png">
             <a:extLst>
               <a:ext uri="{FF2B5EF4-FFF2-40B4-BE49-F238E27FC236}">
-                <a16:creationId xmlns:a16="http://schemas.microsoft.com/office/drawing/2014/main" xmlns="" id="{BFA4FCAC-EE8B-427F-B0A1-A68E2F8701F0}"/>
+                <a16:creationId xmlns:a16="http://schemas.microsoft.com/office/drawing/2014/main" id="{BFA4FCAC-EE8B-427F-B0A1-A68E2F8701F0}"/>
               </a:ext>
             </a:extLst>
           </p:cNvPr>
@@ -18444,7 +18367,7 @@
           <a:blip r:embed="rId24">
             <a:extLst>
               <a:ext uri="{28A0092B-C50C-407E-A947-70E740481C1C}">
-                <a14:useLocalDpi xmlns:a14="http://schemas.microsoft.com/office/drawing/2010/main" xmlns="" val="0"/>
+                <a14:useLocalDpi xmlns:a14="http://schemas.microsoft.com/office/drawing/2010/main" val="0"/>
               </a:ext>
             </a:extLst>
           </a:blip>
@@ -18466,7 +18389,7 @@
           <p:cNvPr id="44" name="그림 43" descr="1_AD9ZSLXKAhZ-_WomszsmPg.png">
             <a:extLst>
               <a:ext uri="{FF2B5EF4-FFF2-40B4-BE49-F238E27FC236}">
-                <a16:creationId xmlns:a16="http://schemas.microsoft.com/office/drawing/2014/main" xmlns="" id="{47BA5490-3870-4251-802F-BC64038EB3C8}"/>
+                <a16:creationId xmlns:a16="http://schemas.microsoft.com/office/drawing/2014/main" id="{47BA5490-3870-4251-802F-BC64038EB3C8}"/>
               </a:ext>
             </a:extLst>
           </p:cNvPr>
@@ -18503,7 +18426,7 @@
           <a:blip r:embed="rId26">
             <a:extLst>
               <a:ext uri="{28A0092B-C50C-407E-A947-70E740481C1C}">
-                <a14:useLocalDpi xmlns:a14="http://schemas.microsoft.com/office/drawing/2010/main" xmlns="" val="0"/>
+                <a14:useLocalDpi xmlns:a14="http://schemas.microsoft.com/office/drawing/2010/main" val="0"/>
               </a:ext>
             </a:extLst>
           </a:blip>
@@ -18533,7 +18456,7 @@
           <a:blip r:embed="rId27">
             <a:extLst>
               <a:ext uri="{28A0092B-C50C-407E-A947-70E740481C1C}">
-                <a14:useLocalDpi xmlns:a14="http://schemas.microsoft.com/office/drawing/2010/main" xmlns="" val="0"/>
+                <a14:useLocalDpi xmlns:a14="http://schemas.microsoft.com/office/drawing/2010/main" val="0"/>
               </a:ext>
             </a:extLst>
           </a:blip>
@@ -18563,7 +18486,7 @@
           <a:blip r:embed="rId28">
             <a:extLst>
               <a:ext uri="{28A0092B-C50C-407E-A947-70E740481C1C}">
-                <a14:useLocalDpi xmlns:a14="http://schemas.microsoft.com/office/drawing/2010/main" xmlns="" val="0"/>
+                <a14:useLocalDpi xmlns:a14="http://schemas.microsoft.com/office/drawing/2010/main" val="0"/>
               </a:ext>
             </a:extLst>
           </a:blip>
@@ -18593,7 +18516,7 @@
           <a:blip r:embed="rId29">
             <a:extLst>
               <a:ext uri="{28A0092B-C50C-407E-A947-70E740481C1C}">
-                <a14:useLocalDpi xmlns:a14="http://schemas.microsoft.com/office/drawing/2010/main" xmlns="" val="0"/>
+                <a14:useLocalDpi xmlns:a14="http://schemas.microsoft.com/office/drawing/2010/main" val="0"/>
               </a:ext>
             </a:extLst>
           </a:blip>
@@ -18622,7 +18545,7 @@
           <a:blip r:embed="rId30">
             <a:extLst>
               <a:ext uri="{28A0092B-C50C-407E-A947-70E740481C1C}">
-                <a14:useLocalDpi xmlns:a14="http://schemas.microsoft.com/office/drawing/2010/main" xmlns="" val="0"/>
+                <a14:useLocalDpi xmlns:a14="http://schemas.microsoft.com/office/drawing/2010/main" val="0"/>
               </a:ext>
             </a:extLst>
           </a:blip>
@@ -18651,7 +18574,7 @@
           <a:blip r:embed="rId31">
             <a:extLst>
               <a:ext uri="{28A0092B-C50C-407E-A947-70E740481C1C}">
-                <a14:useLocalDpi xmlns:a14="http://schemas.microsoft.com/office/drawing/2010/main" xmlns="" val="0"/>
+                <a14:useLocalDpi xmlns:a14="http://schemas.microsoft.com/office/drawing/2010/main" val="0"/>
               </a:ext>
             </a:extLst>
           </a:blip>
@@ -18681,7 +18604,7 @@
           <a:blip r:embed="rId32">
             <a:extLst>
               <a:ext uri="{28A0092B-C50C-407E-A947-70E740481C1C}">
-                <a14:useLocalDpi xmlns:a14="http://schemas.microsoft.com/office/drawing/2010/main" xmlns="" val="0"/>
+                <a14:useLocalDpi xmlns:a14="http://schemas.microsoft.com/office/drawing/2010/main" val="0"/>
               </a:ext>
             </a:extLst>
           </a:blip>
@@ -18728,7 +18651,7 @@
           <p:cNvPr id="45" name="그림 44" descr="1_ipwpqqrhz0lkd_5setxqcq.png">
             <a:extLst>
               <a:ext uri="{FF2B5EF4-FFF2-40B4-BE49-F238E27FC236}">
-                <a16:creationId xmlns:a16="http://schemas.microsoft.com/office/drawing/2014/main" xmlns="" id="{88DC51E6-FADF-47F5-A1DE-442BC1F559FF}"/>
+                <a16:creationId xmlns:a16="http://schemas.microsoft.com/office/drawing/2014/main" id="{88DC51E6-FADF-47F5-A1DE-442BC1F559FF}"/>
               </a:ext>
             </a:extLst>
           </p:cNvPr>
@@ -18758,7 +18681,7 @@
           <p:cNvPr id="3" name="직사각형 2">
             <a:extLst>
               <a:ext uri="{FF2B5EF4-FFF2-40B4-BE49-F238E27FC236}">
-                <a16:creationId xmlns:a16="http://schemas.microsoft.com/office/drawing/2014/main" xmlns="" id="{79D07E1F-B5A6-4388-913A-4E90E9212C51}"/>
+                <a16:creationId xmlns:a16="http://schemas.microsoft.com/office/drawing/2014/main" id="{79D07E1F-B5A6-4388-913A-4E90E9212C51}"/>
               </a:ext>
             </a:extLst>
           </p:cNvPr>
@@ -18807,20 +18730,13 @@
     </p:spTree>
     <p:extLst>
       <p:ext uri="{BB962C8B-B14F-4D97-AF65-F5344CB8AC3E}">
-        <p14:creationId xmlns:p14="http://schemas.microsoft.com/office/powerpoint/2010/main" xmlns="" val="151754873"/>
+        <p14:creationId xmlns:p14="http://schemas.microsoft.com/office/powerpoint/2010/main" val="151754873"/>
       </p:ext>
     </p:extLst>
   </p:cSld>
   <p:clrMapOvr>
     <a:masterClrMapping/>
   </p:clrMapOvr>
-  <p:timing>
-    <p:tnLst>
-      <p:par>
-        <p:cTn id="1" dur="indefinite" restart="never" nodeType="tmRoot"/>
-      </p:par>
-    </p:tnLst>
-  </p:timing>
 </p:sld>
 </file>
 
@@ -18846,7 +18762,7 @@
           <p:cNvPr id="34" name="직사각형 33">
             <a:extLst>
               <a:ext uri="{FF2B5EF4-FFF2-40B4-BE49-F238E27FC236}">
-                <a16:creationId xmlns:a16="http://schemas.microsoft.com/office/drawing/2014/main" xmlns="" id="{37CB002D-8420-B548-9BEA-2E18D8A9A204}"/>
+                <a16:creationId xmlns:a16="http://schemas.microsoft.com/office/drawing/2014/main" id="{37CB002D-8420-B548-9BEA-2E18D8A9A204}"/>
               </a:ext>
             </a:extLst>
           </p:cNvPr>
@@ -18946,7 +18862,7 @@
           <p:cNvPr id="8" name="직사각형 7">
             <a:extLst>
               <a:ext uri="{FF2B5EF4-FFF2-40B4-BE49-F238E27FC236}">
-                <a16:creationId xmlns:a16="http://schemas.microsoft.com/office/drawing/2014/main" xmlns="" id="{6B8B80B4-792D-174E-8B2C-A10CA85CDD01}"/>
+                <a16:creationId xmlns:a16="http://schemas.microsoft.com/office/drawing/2014/main" id="{6B8B80B4-792D-174E-8B2C-A10CA85CDD01}"/>
               </a:ext>
             </a:extLst>
           </p:cNvPr>
@@ -19000,7 +18916,7 @@
           <p:cNvPr id="9" name="직각 삼각형[R] 8">
             <a:extLst>
               <a:ext uri="{FF2B5EF4-FFF2-40B4-BE49-F238E27FC236}">
-                <a16:creationId xmlns:a16="http://schemas.microsoft.com/office/drawing/2014/main" xmlns="" id="{E9289217-6E56-7D4B-B6FB-329F373CAF3E}"/>
+                <a16:creationId xmlns:a16="http://schemas.microsoft.com/office/drawing/2014/main" id="{E9289217-6E56-7D4B-B6FB-329F373CAF3E}"/>
               </a:ext>
             </a:extLst>
           </p:cNvPr>
@@ -19058,7 +18974,7 @@
           <p:cNvPr id="20" name="TextBox 19">
             <a:extLst>
               <a:ext uri="{FF2B5EF4-FFF2-40B4-BE49-F238E27FC236}">
-                <a16:creationId xmlns:a16="http://schemas.microsoft.com/office/drawing/2014/main" xmlns="" id="{849EE5DD-2363-0B42-B4FD-2464134E7BE2}"/>
+                <a16:creationId xmlns:a16="http://schemas.microsoft.com/office/drawing/2014/main" id="{849EE5DD-2363-0B42-B4FD-2464134E7BE2}"/>
               </a:ext>
             </a:extLst>
           </p:cNvPr>
@@ -19157,7 +19073,7 @@
           <p:cNvPr id="10" name="그림 9" descr="html5.png">
             <a:extLst>
               <a:ext uri="{FF2B5EF4-FFF2-40B4-BE49-F238E27FC236}">
-                <a16:creationId xmlns:a16="http://schemas.microsoft.com/office/drawing/2014/main" xmlns="" id="{2F4D2618-1A23-41D3-BEFB-694548B8E123}"/>
+                <a16:creationId xmlns:a16="http://schemas.microsoft.com/office/drawing/2014/main" id="{2F4D2618-1A23-41D3-BEFB-694548B8E123}"/>
               </a:ext>
             </a:extLst>
           </p:cNvPr>
@@ -19187,7 +19103,7 @@
           <p:cNvPr id="11" name="그림 10" descr="bootstraplogo.png">
             <a:extLst>
               <a:ext uri="{FF2B5EF4-FFF2-40B4-BE49-F238E27FC236}">
-                <a16:creationId xmlns:a16="http://schemas.microsoft.com/office/drawing/2014/main" xmlns="" id="{9B0027A7-1163-4A5A-8B53-3AE3E446DB9A}"/>
+                <a16:creationId xmlns:a16="http://schemas.microsoft.com/office/drawing/2014/main" id="{9B0027A7-1163-4A5A-8B53-3AE3E446DB9A}"/>
               </a:ext>
             </a:extLst>
           </p:cNvPr>
@@ -19217,7 +19133,7 @@
           <p:cNvPr id="12" name="그림 11" descr="jquery-logo.png">
             <a:extLst>
               <a:ext uri="{FF2B5EF4-FFF2-40B4-BE49-F238E27FC236}">
-                <a16:creationId xmlns:a16="http://schemas.microsoft.com/office/drawing/2014/main" xmlns="" id="{90B15745-ACD9-4CFC-9535-4A20161303F5}"/>
+                <a16:creationId xmlns:a16="http://schemas.microsoft.com/office/drawing/2014/main" id="{90B15745-ACD9-4CFC-9535-4A20161303F5}"/>
               </a:ext>
             </a:extLst>
           </p:cNvPr>
@@ -19247,7 +19163,7 @@
           <p:cNvPr id="13" name="그림 12" descr="AJAX_logo_by_gengns.svg.png">
             <a:extLst>
               <a:ext uri="{FF2B5EF4-FFF2-40B4-BE49-F238E27FC236}">
-                <a16:creationId xmlns:a16="http://schemas.microsoft.com/office/drawing/2014/main" xmlns="" id="{3178746F-5547-4508-BD10-ED7288D1160A}"/>
+                <a16:creationId xmlns:a16="http://schemas.microsoft.com/office/drawing/2014/main" id="{3178746F-5547-4508-BD10-ED7288D1160A}"/>
               </a:ext>
             </a:extLst>
           </p:cNvPr>
@@ -19277,7 +19193,7 @@
           <p:cNvPr id="14" name="그림 13">
             <a:extLst>
               <a:ext uri="{FF2B5EF4-FFF2-40B4-BE49-F238E27FC236}">
-                <a16:creationId xmlns:a16="http://schemas.microsoft.com/office/drawing/2014/main" xmlns="" id="{3DCEF43E-F12F-417F-A6CB-B35D966AD967}"/>
+                <a16:creationId xmlns:a16="http://schemas.microsoft.com/office/drawing/2014/main" id="{3DCEF43E-F12F-417F-A6CB-B35D966AD967}"/>
               </a:ext>
             </a:extLst>
           </p:cNvPr>
@@ -19307,7 +19223,7 @@
           <p:cNvPr id="15" name="그림 14">
             <a:extLst>
               <a:ext uri="{FF2B5EF4-FFF2-40B4-BE49-F238E27FC236}">
-                <a16:creationId xmlns:a16="http://schemas.microsoft.com/office/drawing/2014/main" xmlns="" id="{73F96CE1-978A-46D1-B49F-D0EE61A23324}"/>
+                <a16:creationId xmlns:a16="http://schemas.microsoft.com/office/drawing/2014/main" id="{73F96CE1-978A-46D1-B49F-D0EE61A23324}"/>
               </a:ext>
             </a:extLst>
           </p:cNvPr>
@@ -19337,7 +19253,7 @@
           <p:cNvPr id="16" name="그래픽 28">
             <a:extLst>
               <a:ext uri="{FF2B5EF4-FFF2-40B4-BE49-F238E27FC236}">
-                <a16:creationId xmlns:a16="http://schemas.microsoft.com/office/drawing/2014/main" xmlns="" id="{2FEDF07C-8471-49AF-8187-0B09508B6D75}"/>
+                <a16:creationId xmlns:a16="http://schemas.microsoft.com/office/drawing/2014/main" id="{2FEDF07C-8471-49AF-8187-0B09508B6D75}"/>
               </a:ext>
             </a:extLst>
           </p:cNvPr>
@@ -19350,7 +19266,7 @@
           <a:blip r:embed="rId8">
             <a:extLst>
               <a:ext uri="{96DAC541-7B7A-43D3-8B79-37D633B846F1}">
-                <asvg:svgBlip xmlns:asvg="http://schemas.microsoft.com/office/drawing/2016/SVG/main" xmlns="" r:embed="rId9"/>
+                <asvg:svgBlip xmlns:asvg="http://schemas.microsoft.com/office/drawing/2016/SVG/main" r:embed="rId9"/>
               </a:ext>
             </a:extLst>
           </a:blip>
@@ -19373,7 +19289,7 @@
           <p:cNvPr id="17" name="그림 16">
             <a:extLst>
               <a:ext uri="{FF2B5EF4-FFF2-40B4-BE49-F238E27FC236}">
-                <a16:creationId xmlns:a16="http://schemas.microsoft.com/office/drawing/2014/main" xmlns="" id="{A7D6FD87-1371-46C1-A82C-036B92C36643}"/>
+                <a16:creationId xmlns:a16="http://schemas.microsoft.com/office/drawing/2014/main" id="{A7D6FD87-1371-46C1-A82C-036B92C36643}"/>
               </a:ext>
             </a:extLst>
           </p:cNvPr>
@@ -19402,7 +19318,7 @@
           <p:cNvPr id="18" name="그림 17">
             <a:extLst>
               <a:ext uri="{FF2B5EF4-FFF2-40B4-BE49-F238E27FC236}">
-                <a16:creationId xmlns:a16="http://schemas.microsoft.com/office/drawing/2014/main" xmlns="" id="{0E5BE0C9-D438-4700-B07F-62D1D097CE15}"/>
+                <a16:creationId xmlns:a16="http://schemas.microsoft.com/office/drawing/2014/main" id="{0E5BE0C9-D438-4700-B07F-62D1D097CE15}"/>
               </a:ext>
             </a:extLst>
           </p:cNvPr>
@@ -19431,7 +19347,7 @@
           <p:cNvPr id="21" name="그림 20">
             <a:extLst>
               <a:ext uri="{FF2B5EF4-FFF2-40B4-BE49-F238E27FC236}">
-                <a16:creationId xmlns:a16="http://schemas.microsoft.com/office/drawing/2014/main" xmlns="" id="{E70BD89E-5149-4561-B980-5AB46D17C144}"/>
+                <a16:creationId xmlns:a16="http://schemas.microsoft.com/office/drawing/2014/main" id="{E70BD89E-5149-4561-B980-5AB46D17C144}"/>
               </a:ext>
             </a:extLst>
           </p:cNvPr>
@@ -19461,7 +19377,7 @@
           <p:cNvPr id="22" name="그림 21">
             <a:extLst>
               <a:ext uri="{FF2B5EF4-FFF2-40B4-BE49-F238E27FC236}">
-                <a16:creationId xmlns:a16="http://schemas.microsoft.com/office/drawing/2014/main" xmlns="" id="{268C365E-0B34-4212-816A-2CFBCFCE7F1E}"/>
+                <a16:creationId xmlns:a16="http://schemas.microsoft.com/office/drawing/2014/main" id="{268C365E-0B34-4212-816A-2CFBCFCE7F1E}"/>
               </a:ext>
             </a:extLst>
           </p:cNvPr>
@@ -19498,7 +19414,7 @@
           <a:blip r:embed="rId14">
             <a:extLst>
               <a:ext uri="{28A0092B-C50C-407E-A947-70E740481C1C}">
-                <a14:useLocalDpi xmlns:a14="http://schemas.microsoft.com/office/drawing/2010/main" xmlns="" val="0"/>
+                <a14:useLocalDpi xmlns:a14="http://schemas.microsoft.com/office/drawing/2010/main" val="0"/>
               </a:ext>
             </a:extLst>
           </a:blip>
@@ -19521,14 +19437,14 @@
           </a:ln>
           <a:extLst>
             <a:ext uri="{909E8E84-426E-40DD-AFC4-6F175D3DCCD1}">
-              <a14:hiddenFill xmlns:a14="http://schemas.microsoft.com/office/drawing/2010/main" xmlns="">
+              <a14:hiddenFill xmlns:a14="http://schemas.microsoft.com/office/drawing/2010/main">
                 <a:solidFill>
                   <a:schemeClr val="accent1"/>
                 </a:solidFill>
               </a14:hiddenFill>
             </a:ext>
             <a:ext uri="{91240B29-F687-4F45-9708-019B960494DF}">
-              <a14:hiddenLine xmlns:a14="http://schemas.microsoft.com/office/drawing/2010/main" xmlns="" w="9525">
+              <a14:hiddenLine xmlns:a14="http://schemas.microsoft.com/office/drawing/2010/main" w="9525">
                 <a:solidFill>
                   <a:schemeClr val="tx1"/>
                 </a:solidFill>
@@ -19552,7 +19468,7 @@
           <a:blip r:embed="rId15">
             <a:extLst>
               <a:ext uri="{28A0092B-C50C-407E-A947-70E740481C1C}">
-                <a14:useLocalDpi xmlns:a14="http://schemas.microsoft.com/office/drawing/2010/main" xmlns="" val="0"/>
+                <a14:useLocalDpi xmlns:a14="http://schemas.microsoft.com/office/drawing/2010/main" val="0"/>
               </a:ext>
             </a:extLst>
           </a:blip>
@@ -19677,7 +19593,7 @@
           <p:cNvPr id="33" name="그림 32" descr="mybatis.png">
             <a:extLst>
               <a:ext uri="{FF2B5EF4-FFF2-40B4-BE49-F238E27FC236}">
-                <a16:creationId xmlns:a16="http://schemas.microsoft.com/office/drawing/2014/main" xmlns="" id="{42FD58B8-660F-4CBE-9928-D52AE0BA2DCD}"/>
+                <a16:creationId xmlns:a16="http://schemas.microsoft.com/office/drawing/2014/main" id="{42FD58B8-660F-4CBE-9928-D52AE0BA2DCD}"/>
               </a:ext>
             </a:extLst>
           </p:cNvPr>
@@ -19707,7 +19623,7 @@
           <p:cNvPr id="35" name="그림 34">
             <a:extLst>
               <a:ext uri="{FF2B5EF4-FFF2-40B4-BE49-F238E27FC236}">
-                <a16:creationId xmlns:a16="http://schemas.microsoft.com/office/drawing/2014/main" xmlns="" id="{B96D1DAE-9992-4D39-B8CD-E3F792B2D86B}"/>
+                <a16:creationId xmlns:a16="http://schemas.microsoft.com/office/drawing/2014/main" id="{B96D1DAE-9992-4D39-B8CD-E3F792B2D86B}"/>
               </a:ext>
             </a:extLst>
           </p:cNvPr>
@@ -19737,7 +19653,7 @@
           <p:cNvPr id="36" name="그림 35">
             <a:extLst>
               <a:ext uri="{FF2B5EF4-FFF2-40B4-BE49-F238E27FC236}">
-                <a16:creationId xmlns:a16="http://schemas.microsoft.com/office/drawing/2014/main" xmlns="" id="{A5C19A91-D5AD-483C-A5D9-EBEC66E8B83A}"/>
+                <a16:creationId xmlns:a16="http://schemas.microsoft.com/office/drawing/2014/main" id="{A5C19A91-D5AD-483C-A5D9-EBEC66E8B83A}"/>
               </a:ext>
             </a:extLst>
           </p:cNvPr>
@@ -19766,7 +19682,7 @@
           <p:cNvPr id="37" name="그림 36" descr="java-card.png">
             <a:extLst>
               <a:ext uri="{FF2B5EF4-FFF2-40B4-BE49-F238E27FC236}">
-                <a16:creationId xmlns:a16="http://schemas.microsoft.com/office/drawing/2014/main" xmlns="" id="{B17A0F97-2FFF-4139-A10B-2D005DAAB990}"/>
+                <a16:creationId xmlns:a16="http://schemas.microsoft.com/office/drawing/2014/main" id="{B17A0F97-2FFF-4139-A10B-2D005DAAB990}"/>
               </a:ext>
             </a:extLst>
           </p:cNvPr>
@@ -19796,7 +19712,7 @@
           <p:cNvPr id="38" name="그림 37" descr="spring-by-pivotal-9066b55828deb3c10e27e609af322c40.png">
             <a:extLst>
               <a:ext uri="{FF2B5EF4-FFF2-40B4-BE49-F238E27FC236}">
-                <a16:creationId xmlns:a16="http://schemas.microsoft.com/office/drawing/2014/main" xmlns="" id="{58086CB2-27F8-4B15-B300-DEECDD1F24D8}"/>
+                <a16:creationId xmlns:a16="http://schemas.microsoft.com/office/drawing/2014/main" id="{58086CB2-27F8-4B15-B300-DEECDD1F24D8}"/>
               </a:ext>
             </a:extLst>
           </p:cNvPr>
@@ -19826,7 +19742,7 @@
           <p:cNvPr id="39" name="그림 38">
             <a:extLst>
               <a:ext uri="{FF2B5EF4-FFF2-40B4-BE49-F238E27FC236}">
-                <a16:creationId xmlns:a16="http://schemas.microsoft.com/office/drawing/2014/main" xmlns="" id="{29FF0A52-B639-4CE8-BBF2-E19AE86A83A4}"/>
+                <a16:creationId xmlns:a16="http://schemas.microsoft.com/office/drawing/2014/main" id="{29FF0A52-B639-4CE8-BBF2-E19AE86A83A4}"/>
               </a:ext>
             </a:extLst>
           </p:cNvPr>
@@ -19862,7 +19778,7 @@
           <a:blip r:embed="rId22">
             <a:extLst>
               <a:ext uri="{28A0092B-C50C-407E-A947-70E740481C1C}">
-                <a14:useLocalDpi xmlns:a14="http://schemas.microsoft.com/office/drawing/2010/main" xmlns="" val="0"/>
+                <a14:useLocalDpi xmlns:a14="http://schemas.microsoft.com/office/drawing/2010/main" val="0"/>
               </a:ext>
             </a:extLst>
           </a:blip>
@@ -19977,7 +19893,7 @@
           <p:cNvPr id="46" name="그림 45" descr="tomcat.png">
             <a:extLst>
               <a:ext uri="{FF2B5EF4-FFF2-40B4-BE49-F238E27FC236}">
-                <a16:creationId xmlns:a16="http://schemas.microsoft.com/office/drawing/2014/main" xmlns="" id="{BFA4FCAC-EE8B-427F-B0A1-A68E2F8701F0}"/>
+                <a16:creationId xmlns:a16="http://schemas.microsoft.com/office/drawing/2014/main" id="{BFA4FCAC-EE8B-427F-B0A1-A68E2F8701F0}"/>
               </a:ext>
             </a:extLst>
           </p:cNvPr>
@@ -20014,7 +19930,7 @@
           <a:blip r:embed="rId24">
             <a:extLst>
               <a:ext uri="{28A0092B-C50C-407E-A947-70E740481C1C}">
-                <a14:useLocalDpi xmlns:a14="http://schemas.microsoft.com/office/drawing/2010/main" xmlns="" val="0"/>
+                <a14:useLocalDpi xmlns:a14="http://schemas.microsoft.com/office/drawing/2010/main" val="0"/>
               </a:ext>
             </a:extLst>
           </a:blip>
@@ -20036,7 +19952,7 @@
           <p:cNvPr id="44" name="그림 43" descr="1_AD9ZSLXKAhZ-_WomszsmPg.png">
             <a:extLst>
               <a:ext uri="{FF2B5EF4-FFF2-40B4-BE49-F238E27FC236}">
-                <a16:creationId xmlns:a16="http://schemas.microsoft.com/office/drawing/2014/main" xmlns="" id="{47BA5490-3870-4251-802F-BC64038EB3C8}"/>
+                <a16:creationId xmlns:a16="http://schemas.microsoft.com/office/drawing/2014/main" id="{47BA5490-3870-4251-802F-BC64038EB3C8}"/>
               </a:ext>
             </a:extLst>
           </p:cNvPr>
@@ -20073,7 +19989,7 @@
           <a:blip r:embed="rId26">
             <a:extLst>
               <a:ext uri="{28A0092B-C50C-407E-A947-70E740481C1C}">
-                <a14:useLocalDpi xmlns:a14="http://schemas.microsoft.com/office/drawing/2010/main" xmlns="" val="0"/>
+                <a14:useLocalDpi xmlns:a14="http://schemas.microsoft.com/office/drawing/2010/main" val="0"/>
               </a:ext>
             </a:extLst>
           </a:blip>
@@ -20103,7 +20019,7 @@
           <a:blip r:embed="rId27">
             <a:extLst>
               <a:ext uri="{28A0092B-C50C-407E-A947-70E740481C1C}">
-                <a14:useLocalDpi xmlns:a14="http://schemas.microsoft.com/office/drawing/2010/main" xmlns="" val="0"/>
+                <a14:useLocalDpi xmlns:a14="http://schemas.microsoft.com/office/drawing/2010/main" val="0"/>
               </a:ext>
             </a:extLst>
           </a:blip>
@@ -20133,7 +20049,7 @@
           <a:blip r:embed="rId28">
             <a:extLst>
               <a:ext uri="{28A0092B-C50C-407E-A947-70E740481C1C}">
-                <a14:useLocalDpi xmlns:a14="http://schemas.microsoft.com/office/drawing/2010/main" xmlns="" val="0"/>
+                <a14:useLocalDpi xmlns:a14="http://schemas.microsoft.com/office/drawing/2010/main" val="0"/>
               </a:ext>
             </a:extLst>
           </a:blip>
@@ -20163,7 +20079,7 @@
           <a:blip r:embed="rId29">
             <a:extLst>
               <a:ext uri="{28A0092B-C50C-407E-A947-70E740481C1C}">
-                <a14:useLocalDpi xmlns:a14="http://schemas.microsoft.com/office/drawing/2010/main" xmlns="" val="0"/>
+                <a14:useLocalDpi xmlns:a14="http://schemas.microsoft.com/office/drawing/2010/main" val="0"/>
               </a:ext>
             </a:extLst>
           </a:blip>
@@ -20192,7 +20108,7 @@
           <a:blip r:embed="rId30">
             <a:extLst>
               <a:ext uri="{28A0092B-C50C-407E-A947-70E740481C1C}">
-                <a14:useLocalDpi xmlns:a14="http://schemas.microsoft.com/office/drawing/2010/main" xmlns="" val="0"/>
+                <a14:useLocalDpi xmlns:a14="http://schemas.microsoft.com/office/drawing/2010/main" val="0"/>
               </a:ext>
             </a:extLst>
           </a:blip>
@@ -20221,7 +20137,7 @@
           <a:blip r:embed="rId31">
             <a:extLst>
               <a:ext uri="{28A0092B-C50C-407E-A947-70E740481C1C}">
-                <a14:useLocalDpi xmlns:a14="http://schemas.microsoft.com/office/drawing/2010/main" xmlns="" val="0"/>
+                <a14:useLocalDpi xmlns:a14="http://schemas.microsoft.com/office/drawing/2010/main" val="0"/>
               </a:ext>
             </a:extLst>
           </a:blip>
@@ -20251,7 +20167,7 @@
           <a:blip r:embed="rId32">
             <a:extLst>
               <a:ext uri="{28A0092B-C50C-407E-A947-70E740481C1C}">
-                <a14:useLocalDpi xmlns:a14="http://schemas.microsoft.com/office/drawing/2010/main" xmlns="" val="0"/>
+                <a14:useLocalDpi xmlns:a14="http://schemas.microsoft.com/office/drawing/2010/main" val="0"/>
               </a:ext>
             </a:extLst>
           </a:blip>
@@ -20298,7 +20214,7 @@
           <p:cNvPr id="45" name="그림 44" descr="1_ipwpqqrhz0lkd_5setxqcq.png">
             <a:extLst>
               <a:ext uri="{FF2B5EF4-FFF2-40B4-BE49-F238E27FC236}">
-                <a16:creationId xmlns:a16="http://schemas.microsoft.com/office/drawing/2014/main" xmlns="" id="{88DC51E6-FADF-47F5-A1DE-442BC1F559FF}"/>
+                <a16:creationId xmlns:a16="http://schemas.microsoft.com/office/drawing/2014/main" id="{88DC51E6-FADF-47F5-A1DE-442BC1F559FF}"/>
               </a:ext>
             </a:extLst>
           </p:cNvPr>
@@ -20328,7 +20244,7 @@
           <p:cNvPr id="47" name="직사각형 46">
             <a:extLst>
               <a:ext uri="{FF2B5EF4-FFF2-40B4-BE49-F238E27FC236}">
-                <a16:creationId xmlns:a16="http://schemas.microsoft.com/office/drawing/2014/main" xmlns="" id="{1E3510DE-0ABB-4E9C-9FBB-D5921D7C69B4}"/>
+                <a16:creationId xmlns:a16="http://schemas.microsoft.com/office/drawing/2014/main" id="{1E3510DE-0ABB-4E9C-9FBB-D5921D7C69B4}"/>
               </a:ext>
             </a:extLst>
           </p:cNvPr>
@@ -20379,7 +20295,7 @@
           <p:cNvPr id="48" name="직사각형 47">
             <a:extLst>
               <a:ext uri="{FF2B5EF4-FFF2-40B4-BE49-F238E27FC236}">
-                <a16:creationId xmlns:a16="http://schemas.microsoft.com/office/drawing/2014/main" xmlns="" id="{249F868B-A0C3-487D-9255-34EFF1903B88}"/>
+                <a16:creationId xmlns:a16="http://schemas.microsoft.com/office/drawing/2014/main" id="{249F868B-A0C3-487D-9255-34EFF1903B88}"/>
               </a:ext>
             </a:extLst>
           </p:cNvPr>
@@ -20428,20 +20344,13 @@
     </p:spTree>
     <p:extLst>
       <p:ext uri="{BB962C8B-B14F-4D97-AF65-F5344CB8AC3E}">
-        <p14:creationId xmlns:p14="http://schemas.microsoft.com/office/powerpoint/2010/main" xmlns="" val="4093535410"/>
+        <p14:creationId xmlns:p14="http://schemas.microsoft.com/office/powerpoint/2010/main" val="4093535410"/>
       </p:ext>
     </p:extLst>
   </p:cSld>
   <p:clrMapOvr>
     <a:masterClrMapping/>
   </p:clrMapOvr>
-  <p:timing>
-    <p:tnLst>
-      <p:par>
-        <p:cTn id="1" dur="indefinite" restart="never" nodeType="tmRoot"/>
-      </p:par>
-    </p:tnLst>
-  </p:timing>
 </p:sld>
 </file>
 
@@ -20467,7 +20376,7 @@
           <p:cNvPr id="34" name="직사각형 33">
             <a:extLst>
               <a:ext uri="{FF2B5EF4-FFF2-40B4-BE49-F238E27FC236}">
-                <a16:creationId xmlns:a16="http://schemas.microsoft.com/office/drawing/2014/main" xmlns="" id="{37CB002D-8420-B548-9BEA-2E18D8A9A204}"/>
+                <a16:creationId xmlns:a16="http://schemas.microsoft.com/office/drawing/2014/main" id="{37CB002D-8420-B548-9BEA-2E18D8A9A204}"/>
               </a:ext>
             </a:extLst>
           </p:cNvPr>
@@ -20567,7 +20476,7 @@
           <p:cNvPr id="8" name="직사각형 7">
             <a:extLst>
               <a:ext uri="{FF2B5EF4-FFF2-40B4-BE49-F238E27FC236}">
-                <a16:creationId xmlns:a16="http://schemas.microsoft.com/office/drawing/2014/main" xmlns="" id="{6B8B80B4-792D-174E-8B2C-A10CA85CDD01}"/>
+                <a16:creationId xmlns:a16="http://schemas.microsoft.com/office/drawing/2014/main" id="{6B8B80B4-792D-174E-8B2C-A10CA85CDD01}"/>
               </a:ext>
             </a:extLst>
           </p:cNvPr>
@@ -20621,7 +20530,7 @@
           <p:cNvPr id="9" name="직각 삼각형[R] 8">
             <a:extLst>
               <a:ext uri="{FF2B5EF4-FFF2-40B4-BE49-F238E27FC236}">
-                <a16:creationId xmlns:a16="http://schemas.microsoft.com/office/drawing/2014/main" xmlns="" id="{E9289217-6E56-7D4B-B6FB-329F373CAF3E}"/>
+                <a16:creationId xmlns:a16="http://schemas.microsoft.com/office/drawing/2014/main" id="{E9289217-6E56-7D4B-B6FB-329F373CAF3E}"/>
               </a:ext>
             </a:extLst>
           </p:cNvPr>
@@ -20679,7 +20588,7 @@
           <p:cNvPr id="20" name="TextBox 19">
             <a:extLst>
               <a:ext uri="{FF2B5EF4-FFF2-40B4-BE49-F238E27FC236}">
-                <a16:creationId xmlns:a16="http://schemas.microsoft.com/office/drawing/2014/main" xmlns="" id="{849EE5DD-2363-0B42-B4FD-2464134E7BE2}"/>
+                <a16:creationId xmlns:a16="http://schemas.microsoft.com/office/drawing/2014/main" id="{849EE5DD-2363-0B42-B4FD-2464134E7BE2}"/>
               </a:ext>
             </a:extLst>
           </p:cNvPr>
@@ -20778,7 +20687,7 @@
           <p:cNvPr id="10" name="그림 9" descr="html5.png">
             <a:extLst>
               <a:ext uri="{FF2B5EF4-FFF2-40B4-BE49-F238E27FC236}">
-                <a16:creationId xmlns:a16="http://schemas.microsoft.com/office/drawing/2014/main" xmlns="" id="{2F4D2618-1A23-41D3-BEFB-694548B8E123}"/>
+                <a16:creationId xmlns:a16="http://schemas.microsoft.com/office/drawing/2014/main" id="{2F4D2618-1A23-41D3-BEFB-694548B8E123}"/>
               </a:ext>
             </a:extLst>
           </p:cNvPr>
@@ -20808,7 +20717,7 @@
           <p:cNvPr id="11" name="그림 10" descr="bootstraplogo.png">
             <a:extLst>
               <a:ext uri="{FF2B5EF4-FFF2-40B4-BE49-F238E27FC236}">
-                <a16:creationId xmlns:a16="http://schemas.microsoft.com/office/drawing/2014/main" xmlns="" id="{9B0027A7-1163-4A5A-8B53-3AE3E446DB9A}"/>
+                <a16:creationId xmlns:a16="http://schemas.microsoft.com/office/drawing/2014/main" id="{9B0027A7-1163-4A5A-8B53-3AE3E446DB9A}"/>
               </a:ext>
             </a:extLst>
           </p:cNvPr>
@@ -20838,7 +20747,7 @@
           <p:cNvPr id="12" name="그림 11" descr="jquery-logo.png">
             <a:extLst>
               <a:ext uri="{FF2B5EF4-FFF2-40B4-BE49-F238E27FC236}">
-                <a16:creationId xmlns:a16="http://schemas.microsoft.com/office/drawing/2014/main" xmlns="" id="{90B15745-ACD9-4CFC-9535-4A20161303F5}"/>
+                <a16:creationId xmlns:a16="http://schemas.microsoft.com/office/drawing/2014/main" id="{90B15745-ACD9-4CFC-9535-4A20161303F5}"/>
               </a:ext>
             </a:extLst>
           </p:cNvPr>
@@ -20868,7 +20777,7 @@
           <p:cNvPr id="13" name="그림 12" descr="AJAX_logo_by_gengns.svg.png">
             <a:extLst>
               <a:ext uri="{FF2B5EF4-FFF2-40B4-BE49-F238E27FC236}">
-                <a16:creationId xmlns:a16="http://schemas.microsoft.com/office/drawing/2014/main" xmlns="" id="{3178746F-5547-4508-BD10-ED7288D1160A}"/>
+                <a16:creationId xmlns:a16="http://schemas.microsoft.com/office/drawing/2014/main" id="{3178746F-5547-4508-BD10-ED7288D1160A}"/>
               </a:ext>
             </a:extLst>
           </p:cNvPr>
@@ -20898,7 +20807,7 @@
           <p:cNvPr id="14" name="그림 13">
             <a:extLst>
               <a:ext uri="{FF2B5EF4-FFF2-40B4-BE49-F238E27FC236}">
-                <a16:creationId xmlns:a16="http://schemas.microsoft.com/office/drawing/2014/main" xmlns="" id="{3DCEF43E-F12F-417F-A6CB-B35D966AD967}"/>
+                <a16:creationId xmlns:a16="http://schemas.microsoft.com/office/drawing/2014/main" id="{3DCEF43E-F12F-417F-A6CB-B35D966AD967}"/>
               </a:ext>
             </a:extLst>
           </p:cNvPr>
@@ -20928,7 +20837,7 @@
           <p:cNvPr id="15" name="그림 14">
             <a:extLst>
               <a:ext uri="{FF2B5EF4-FFF2-40B4-BE49-F238E27FC236}">
-                <a16:creationId xmlns:a16="http://schemas.microsoft.com/office/drawing/2014/main" xmlns="" id="{73F96CE1-978A-46D1-B49F-D0EE61A23324}"/>
+                <a16:creationId xmlns:a16="http://schemas.microsoft.com/office/drawing/2014/main" id="{73F96CE1-978A-46D1-B49F-D0EE61A23324}"/>
               </a:ext>
             </a:extLst>
           </p:cNvPr>
@@ -20958,7 +20867,7 @@
           <p:cNvPr id="16" name="그래픽 28">
             <a:extLst>
               <a:ext uri="{FF2B5EF4-FFF2-40B4-BE49-F238E27FC236}">
-                <a16:creationId xmlns:a16="http://schemas.microsoft.com/office/drawing/2014/main" xmlns="" id="{2FEDF07C-8471-49AF-8187-0B09508B6D75}"/>
+                <a16:creationId xmlns:a16="http://schemas.microsoft.com/office/drawing/2014/main" id="{2FEDF07C-8471-49AF-8187-0B09508B6D75}"/>
               </a:ext>
             </a:extLst>
           </p:cNvPr>
@@ -20971,7 +20880,7 @@
           <a:blip r:embed="rId8">
             <a:extLst>
               <a:ext uri="{96DAC541-7B7A-43D3-8B79-37D633B846F1}">
-                <asvg:svgBlip xmlns:asvg="http://schemas.microsoft.com/office/drawing/2016/SVG/main" xmlns="" r:embed="rId9"/>
+                <asvg:svgBlip xmlns:asvg="http://schemas.microsoft.com/office/drawing/2016/SVG/main" r:embed="rId9"/>
               </a:ext>
             </a:extLst>
           </a:blip>
@@ -20994,7 +20903,7 @@
           <p:cNvPr id="17" name="그림 16">
             <a:extLst>
               <a:ext uri="{FF2B5EF4-FFF2-40B4-BE49-F238E27FC236}">
-                <a16:creationId xmlns:a16="http://schemas.microsoft.com/office/drawing/2014/main" xmlns="" id="{A7D6FD87-1371-46C1-A82C-036B92C36643}"/>
+                <a16:creationId xmlns:a16="http://schemas.microsoft.com/office/drawing/2014/main" id="{A7D6FD87-1371-46C1-A82C-036B92C36643}"/>
               </a:ext>
             </a:extLst>
           </p:cNvPr>
@@ -21023,7 +20932,7 @@
           <p:cNvPr id="18" name="그림 17">
             <a:extLst>
               <a:ext uri="{FF2B5EF4-FFF2-40B4-BE49-F238E27FC236}">
-                <a16:creationId xmlns:a16="http://schemas.microsoft.com/office/drawing/2014/main" xmlns="" id="{0E5BE0C9-D438-4700-B07F-62D1D097CE15}"/>
+                <a16:creationId xmlns:a16="http://schemas.microsoft.com/office/drawing/2014/main" id="{0E5BE0C9-D438-4700-B07F-62D1D097CE15}"/>
               </a:ext>
             </a:extLst>
           </p:cNvPr>
@@ -21052,7 +20961,7 @@
           <p:cNvPr id="21" name="그림 20">
             <a:extLst>
               <a:ext uri="{FF2B5EF4-FFF2-40B4-BE49-F238E27FC236}">
-                <a16:creationId xmlns:a16="http://schemas.microsoft.com/office/drawing/2014/main" xmlns="" id="{E70BD89E-5149-4561-B980-5AB46D17C144}"/>
+                <a16:creationId xmlns:a16="http://schemas.microsoft.com/office/drawing/2014/main" id="{E70BD89E-5149-4561-B980-5AB46D17C144}"/>
               </a:ext>
             </a:extLst>
           </p:cNvPr>
@@ -21082,7 +20991,7 @@
           <p:cNvPr id="22" name="그림 21">
             <a:extLst>
               <a:ext uri="{FF2B5EF4-FFF2-40B4-BE49-F238E27FC236}">
-                <a16:creationId xmlns:a16="http://schemas.microsoft.com/office/drawing/2014/main" xmlns="" id="{268C365E-0B34-4212-816A-2CFBCFCE7F1E}"/>
+                <a16:creationId xmlns:a16="http://schemas.microsoft.com/office/drawing/2014/main" id="{268C365E-0B34-4212-816A-2CFBCFCE7F1E}"/>
               </a:ext>
             </a:extLst>
           </p:cNvPr>
@@ -21119,7 +21028,7 @@
           <a:blip r:embed="rId14">
             <a:extLst>
               <a:ext uri="{28A0092B-C50C-407E-A947-70E740481C1C}">
-                <a14:useLocalDpi xmlns:a14="http://schemas.microsoft.com/office/drawing/2010/main" xmlns="" val="0"/>
+                <a14:useLocalDpi xmlns:a14="http://schemas.microsoft.com/office/drawing/2010/main" val="0"/>
               </a:ext>
             </a:extLst>
           </a:blip>
@@ -21142,14 +21051,14 @@
           </a:ln>
           <a:extLst>
             <a:ext uri="{909E8E84-426E-40DD-AFC4-6F175D3DCCD1}">
-              <a14:hiddenFill xmlns:a14="http://schemas.microsoft.com/office/drawing/2010/main" xmlns="">
+              <a14:hiddenFill xmlns:a14="http://schemas.microsoft.com/office/drawing/2010/main">
                 <a:solidFill>
                   <a:schemeClr val="accent1"/>
                 </a:solidFill>
               </a14:hiddenFill>
             </a:ext>
             <a:ext uri="{91240B29-F687-4F45-9708-019B960494DF}">
-              <a14:hiddenLine xmlns:a14="http://schemas.microsoft.com/office/drawing/2010/main" xmlns="" w="9525">
+              <a14:hiddenLine xmlns:a14="http://schemas.microsoft.com/office/drawing/2010/main" w="9525">
                 <a:solidFill>
                   <a:schemeClr val="tx1"/>
                 </a:solidFill>
@@ -21173,7 +21082,7 @@
           <a:blip r:embed="rId15">
             <a:extLst>
               <a:ext uri="{28A0092B-C50C-407E-A947-70E740481C1C}">
-                <a14:useLocalDpi xmlns:a14="http://schemas.microsoft.com/office/drawing/2010/main" xmlns="" val="0"/>
+                <a14:useLocalDpi xmlns:a14="http://schemas.microsoft.com/office/drawing/2010/main" val="0"/>
               </a:ext>
             </a:extLst>
           </a:blip>
@@ -21298,7 +21207,7 @@
           <p:cNvPr id="33" name="그림 32" descr="mybatis.png">
             <a:extLst>
               <a:ext uri="{FF2B5EF4-FFF2-40B4-BE49-F238E27FC236}">
-                <a16:creationId xmlns:a16="http://schemas.microsoft.com/office/drawing/2014/main" xmlns="" id="{42FD58B8-660F-4CBE-9928-D52AE0BA2DCD}"/>
+                <a16:creationId xmlns:a16="http://schemas.microsoft.com/office/drawing/2014/main" id="{42FD58B8-660F-4CBE-9928-D52AE0BA2DCD}"/>
               </a:ext>
             </a:extLst>
           </p:cNvPr>
@@ -21328,7 +21237,7 @@
           <p:cNvPr id="35" name="그림 34">
             <a:extLst>
               <a:ext uri="{FF2B5EF4-FFF2-40B4-BE49-F238E27FC236}">
-                <a16:creationId xmlns:a16="http://schemas.microsoft.com/office/drawing/2014/main" xmlns="" id="{B96D1DAE-9992-4D39-B8CD-E3F792B2D86B}"/>
+                <a16:creationId xmlns:a16="http://schemas.microsoft.com/office/drawing/2014/main" id="{B96D1DAE-9992-4D39-B8CD-E3F792B2D86B}"/>
               </a:ext>
             </a:extLst>
           </p:cNvPr>
@@ -21358,7 +21267,7 @@
           <p:cNvPr id="36" name="그림 35">
             <a:extLst>
               <a:ext uri="{FF2B5EF4-FFF2-40B4-BE49-F238E27FC236}">
-                <a16:creationId xmlns:a16="http://schemas.microsoft.com/office/drawing/2014/main" xmlns="" id="{A5C19A91-D5AD-483C-A5D9-EBEC66E8B83A}"/>
+                <a16:creationId xmlns:a16="http://schemas.microsoft.com/office/drawing/2014/main" id="{A5C19A91-D5AD-483C-A5D9-EBEC66E8B83A}"/>
               </a:ext>
             </a:extLst>
           </p:cNvPr>
@@ -21387,7 +21296,7 @@
           <p:cNvPr id="37" name="그림 36" descr="java-card.png">
             <a:extLst>
               <a:ext uri="{FF2B5EF4-FFF2-40B4-BE49-F238E27FC236}">
-                <a16:creationId xmlns:a16="http://schemas.microsoft.com/office/drawing/2014/main" xmlns="" id="{B17A0F97-2FFF-4139-A10B-2D005DAAB990}"/>
+                <a16:creationId xmlns:a16="http://schemas.microsoft.com/office/drawing/2014/main" id="{B17A0F97-2FFF-4139-A10B-2D005DAAB990}"/>
               </a:ext>
             </a:extLst>
           </p:cNvPr>
@@ -21417,7 +21326,7 @@
           <p:cNvPr id="38" name="그림 37" descr="spring-by-pivotal-9066b55828deb3c10e27e609af322c40.png">
             <a:extLst>
               <a:ext uri="{FF2B5EF4-FFF2-40B4-BE49-F238E27FC236}">
-                <a16:creationId xmlns:a16="http://schemas.microsoft.com/office/drawing/2014/main" xmlns="" id="{58086CB2-27F8-4B15-B300-DEECDD1F24D8}"/>
+                <a16:creationId xmlns:a16="http://schemas.microsoft.com/office/drawing/2014/main" id="{58086CB2-27F8-4B15-B300-DEECDD1F24D8}"/>
               </a:ext>
             </a:extLst>
           </p:cNvPr>
@@ -21447,7 +21356,7 @@
           <p:cNvPr id="39" name="그림 38">
             <a:extLst>
               <a:ext uri="{FF2B5EF4-FFF2-40B4-BE49-F238E27FC236}">
-                <a16:creationId xmlns:a16="http://schemas.microsoft.com/office/drawing/2014/main" xmlns="" id="{29FF0A52-B639-4CE8-BBF2-E19AE86A83A4}"/>
+                <a16:creationId xmlns:a16="http://schemas.microsoft.com/office/drawing/2014/main" id="{29FF0A52-B639-4CE8-BBF2-E19AE86A83A4}"/>
               </a:ext>
             </a:extLst>
           </p:cNvPr>
@@ -21483,7 +21392,7 @@
           <a:blip r:embed="rId22">
             <a:extLst>
               <a:ext uri="{28A0092B-C50C-407E-A947-70E740481C1C}">
-                <a14:useLocalDpi xmlns:a14="http://schemas.microsoft.com/office/drawing/2010/main" xmlns="" val="0"/>
+                <a14:useLocalDpi xmlns:a14="http://schemas.microsoft.com/office/drawing/2010/main" val="0"/>
               </a:ext>
             </a:extLst>
           </a:blip>
@@ -21598,7 +21507,7 @@
           <p:cNvPr id="46" name="그림 45" descr="tomcat.png">
             <a:extLst>
               <a:ext uri="{FF2B5EF4-FFF2-40B4-BE49-F238E27FC236}">
-                <a16:creationId xmlns:a16="http://schemas.microsoft.com/office/drawing/2014/main" xmlns="" id="{BFA4FCAC-EE8B-427F-B0A1-A68E2F8701F0}"/>
+                <a16:creationId xmlns:a16="http://schemas.microsoft.com/office/drawing/2014/main" id="{BFA4FCAC-EE8B-427F-B0A1-A68E2F8701F0}"/>
               </a:ext>
             </a:extLst>
           </p:cNvPr>
@@ -21635,7 +21544,7 @@
           <a:blip r:embed="rId24">
             <a:extLst>
               <a:ext uri="{28A0092B-C50C-407E-A947-70E740481C1C}">
-                <a14:useLocalDpi xmlns:a14="http://schemas.microsoft.com/office/drawing/2010/main" xmlns="" val="0"/>
+                <a14:useLocalDpi xmlns:a14="http://schemas.microsoft.com/office/drawing/2010/main" val="0"/>
               </a:ext>
             </a:extLst>
           </a:blip>
@@ -21657,7 +21566,7 @@
           <p:cNvPr id="44" name="그림 43" descr="1_AD9ZSLXKAhZ-_WomszsmPg.png">
             <a:extLst>
               <a:ext uri="{FF2B5EF4-FFF2-40B4-BE49-F238E27FC236}">
-                <a16:creationId xmlns:a16="http://schemas.microsoft.com/office/drawing/2014/main" xmlns="" id="{47BA5490-3870-4251-802F-BC64038EB3C8}"/>
+                <a16:creationId xmlns:a16="http://schemas.microsoft.com/office/drawing/2014/main" id="{47BA5490-3870-4251-802F-BC64038EB3C8}"/>
               </a:ext>
             </a:extLst>
           </p:cNvPr>
@@ -21674,8 +21583,8 @@
         </p:blipFill>
         <p:spPr>
           <a:xfrm>
-            <a:off x="8856213" y="5663402"/>
-            <a:ext cx="1583187" cy="594684"/>
+            <a:off x="8856214" y="5746234"/>
+            <a:ext cx="1502794" cy="564486"/>
           </a:xfrm>
           <a:prstGeom prst="rect">
             <a:avLst/>
@@ -21694,7 +21603,7 @@
           <a:blip r:embed="rId26">
             <a:extLst>
               <a:ext uri="{28A0092B-C50C-407E-A947-70E740481C1C}">
-                <a14:useLocalDpi xmlns:a14="http://schemas.microsoft.com/office/drawing/2010/main" xmlns="" val="0"/>
+                <a14:useLocalDpi xmlns:a14="http://schemas.microsoft.com/office/drawing/2010/main" val="0"/>
               </a:ext>
             </a:extLst>
           </a:blip>
@@ -21704,7 +21613,7 @@
         </p:blipFill>
         <p:spPr>
           <a:xfrm>
-            <a:off x="8854394" y="4692501"/>
+            <a:off x="8851731" y="4780947"/>
             <a:ext cx="1504613" cy="770334"/>
           </a:xfrm>
           <a:prstGeom prst="rect">
@@ -21724,7 +21633,7 @@
           <a:blip r:embed="rId27">
             <a:extLst>
               <a:ext uri="{28A0092B-C50C-407E-A947-70E740481C1C}">
-                <a14:useLocalDpi xmlns:a14="http://schemas.microsoft.com/office/drawing/2010/main" xmlns="" val="0"/>
+                <a14:useLocalDpi xmlns:a14="http://schemas.microsoft.com/office/drawing/2010/main" val="0"/>
               </a:ext>
             </a:extLst>
           </a:blip>
@@ -21754,7 +21663,7 @@
           <a:blip r:embed="rId28">
             <a:extLst>
               <a:ext uri="{28A0092B-C50C-407E-A947-70E740481C1C}">
-                <a14:useLocalDpi xmlns:a14="http://schemas.microsoft.com/office/drawing/2010/main" xmlns="" val="0"/>
+                <a14:useLocalDpi xmlns:a14="http://schemas.microsoft.com/office/drawing/2010/main" val="0"/>
               </a:ext>
             </a:extLst>
           </a:blip>
@@ -21784,7 +21693,7 @@
           <a:blip r:embed="rId29">
             <a:extLst>
               <a:ext uri="{28A0092B-C50C-407E-A947-70E740481C1C}">
-                <a14:useLocalDpi xmlns:a14="http://schemas.microsoft.com/office/drawing/2010/main" xmlns="" val="0"/>
+                <a14:useLocalDpi xmlns:a14="http://schemas.microsoft.com/office/drawing/2010/main" val="0"/>
               </a:ext>
             </a:extLst>
           </a:blip>
@@ -21813,7 +21722,7 @@
           <a:blip r:embed="rId30">
             <a:extLst>
               <a:ext uri="{28A0092B-C50C-407E-A947-70E740481C1C}">
-                <a14:useLocalDpi xmlns:a14="http://schemas.microsoft.com/office/drawing/2010/main" xmlns="" val="0"/>
+                <a14:useLocalDpi xmlns:a14="http://schemas.microsoft.com/office/drawing/2010/main" val="0"/>
               </a:ext>
             </a:extLst>
           </a:blip>
@@ -21842,7 +21751,7 @@
           <a:blip r:embed="rId31">
             <a:extLst>
               <a:ext uri="{28A0092B-C50C-407E-A947-70E740481C1C}">
-                <a14:useLocalDpi xmlns:a14="http://schemas.microsoft.com/office/drawing/2010/main" xmlns="" val="0"/>
+                <a14:useLocalDpi xmlns:a14="http://schemas.microsoft.com/office/drawing/2010/main" val="0"/>
               </a:ext>
             </a:extLst>
           </a:blip>
@@ -21868,22 +21777,21 @@
           </p:cNvPicPr>
           <p:nvPr/>
         </p:nvPicPr>
-        <p:blipFill>
+        <p:blipFill rotWithShape="1">
           <a:blip r:embed="rId32">
             <a:extLst>
               <a:ext uri="{28A0092B-C50C-407E-A947-70E740481C1C}">
-                <a14:useLocalDpi xmlns:a14="http://schemas.microsoft.com/office/drawing/2010/main" xmlns="" val="0"/>
+                <a14:useLocalDpi xmlns:a14="http://schemas.microsoft.com/office/drawing/2010/main" val="0"/>
               </a:ext>
             </a:extLst>
           </a:blip>
-          <a:stretch>
-            <a:fillRect/>
-          </a:stretch>
+          <a:srcRect r="6773"/>
+          <a:stretch/>
         </p:blipFill>
         <p:spPr>
           <a:xfrm>
-            <a:off x="10083739" y="3275223"/>
-            <a:ext cx="1850168" cy="854864"/>
+            <a:off x="10183425" y="3167424"/>
+            <a:ext cx="1724851" cy="854864"/>
           </a:xfrm>
           <a:prstGeom prst="rect">
             <a:avLst/>
@@ -21906,8 +21814,8 @@
         </p:blipFill>
         <p:spPr>
           <a:xfrm>
-            <a:off x="8996352" y="3921778"/>
-            <a:ext cx="1780505" cy="610054"/>
+            <a:off x="8880040" y="4299006"/>
+            <a:ext cx="1257357" cy="430808"/>
           </a:xfrm>
           <a:prstGeom prst="rect">
             <a:avLst/>
@@ -21919,7 +21827,7 @@
           <p:cNvPr id="45" name="그림 44" descr="1_ipwpqqrhz0lkd_5setxqcq.png">
             <a:extLst>
               <a:ext uri="{FF2B5EF4-FFF2-40B4-BE49-F238E27FC236}">
-                <a16:creationId xmlns:a16="http://schemas.microsoft.com/office/drawing/2014/main" xmlns="" id="{88DC51E6-FADF-47F5-A1DE-442BC1F559FF}"/>
+                <a16:creationId xmlns:a16="http://schemas.microsoft.com/office/drawing/2014/main" id="{88DC51E6-FADF-47F5-A1DE-442BC1F559FF}"/>
               </a:ext>
             </a:extLst>
           </p:cNvPr>
@@ -21949,7 +21857,7 @@
           <p:cNvPr id="47" name="직사각형 46">
             <a:extLst>
               <a:ext uri="{FF2B5EF4-FFF2-40B4-BE49-F238E27FC236}">
-                <a16:creationId xmlns:a16="http://schemas.microsoft.com/office/drawing/2014/main" xmlns="" id="{B37BB561-4363-43FA-856A-85194295F566}"/>
+                <a16:creationId xmlns:a16="http://schemas.microsoft.com/office/drawing/2014/main" id="{B37BB561-4363-43FA-856A-85194295F566}"/>
               </a:ext>
             </a:extLst>
           </p:cNvPr>
@@ -21995,23 +21903,46 @@
           </a:p>
         </p:txBody>
       </p:sp>
+      <p:pic>
+        <p:nvPicPr>
+          <p:cNvPr id="4" name="그림 3">
+            <a:extLst>
+              <a:ext uri="{FF2B5EF4-FFF2-40B4-BE49-F238E27FC236}">
+                <a16:creationId xmlns:a16="http://schemas.microsoft.com/office/drawing/2014/main" id="{F865E3F6-B0B3-431B-9CB5-47DFE917A496}"/>
+              </a:ext>
+            </a:extLst>
+          </p:cNvPr>
+          <p:cNvPicPr>
+            <a:picLocks noChangeAspect="1"/>
+          </p:cNvPicPr>
+          <p:nvPr/>
+        </p:nvPicPr>
+        <p:blipFill>
+          <a:blip r:embed="rId35"/>
+          <a:stretch>
+            <a:fillRect/>
+          </a:stretch>
+        </p:blipFill>
+        <p:spPr>
+          <a:xfrm>
+            <a:off x="9351097" y="3895289"/>
+            <a:ext cx="2208780" cy="318214"/>
+          </a:xfrm>
+          <a:prstGeom prst="rect">
+            <a:avLst/>
+          </a:prstGeom>
+        </p:spPr>
+      </p:pic>
     </p:spTree>
     <p:extLst>
       <p:ext uri="{BB962C8B-B14F-4D97-AF65-F5344CB8AC3E}">
-        <p14:creationId xmlns:p14="http://schemas.microsoft.com/office/powerpoint/2010/main" xmlns="" val="2522595429"/>
+        <p14:creationId xmlns:p14="http://schemas.microsoft.com/office/powerpoint/2010/main" val="2522595429"/>
       </p:ext>
     </p:extLst>
   </p:cSld>
   <p:clrMapOvr>
     <a:masterClrMapping/>
   </p:clrMapOvr>
-  <p:timing>
-    <p:tnLst>
-      <p:par>
-        <p:cTn id="1" dur="indefinite" restart="never" nodeType="tmRoot"/>
-      </p:par>
-    </p:tnLst>
-  </p:timing>
 </p:sld>
 </file>
 
@@ -22037,7 +21968,7 @@
           <p:cNvPr id="34" name="직사각형 33">
             <a:extLst>
               <a:ext uri="{FF2B5EF4-FFF2-40B4-BE49-F238E27FC236}">
-                <a16:creationId xmlns:a16="http://schemas.microsoft.com/office/drawing/2014/main" xmlns="" id="{37CB002D-8420-B548-9BEA-2E18D8A9A204}"/>
+                <a16:creationId xmlns:a16="http://schemas.microsoft.com/office/drawing/2014/main" id="{37CB002D-8420-B548-9BEA-2E18D8A9A204}"/>
               </a:ext>
             </a:extLst>
           </p:cNvPr>
@@ -22131,7 +22062,7 @@
           <p:cNvPr id="7" name="직사각형 6">
             <a:extLst>
               <a:ext uri="{FF2B5EF4-FFF2-40B4-BE49-F238E27FC236}">
-                <a16:creationId xmlns:a16="http://schemas.microsoft.com/office/drawing/2014/main" xmlns="" id="{6B8B80B4-792D-174E-8B2C-A10CA85CDD01}"/>
+                <a16:creationId xmlns:a16="http://schemas.microsoft.com/office/drawing/2014/main" id="{6B8B80B4-792D-174E-8B2C-A10CA85CDD01}"/>
               </a:ext>
             </a:extLst>
           </p:cNvPr>
@@ -22185,7 +22116,7 @@
           <p:cNvPr id="10" name="직각 삼각형[R] 8">
             <a:extLst>
               <a:ext uri="{FF2B5EF4-FFF2-40B4-BE49-F238E27FC236}">
-                <a16:creationId xmlns:a16="http://schemas.microsoft.com/office/drawing/2014/main" xmlns="" id="{E9289217-6E56-7D4B-B6FB-329F373CAF3E}"/>
+                <a16:creationId xmlns:a16="http://schemas.microsoft.com/office/drawing/2014/main" id="{E9289217-6E56-7D4B-B6FB-329F373CAF3E}"/>
               </a:ext>
             </a:extLst>
           </p:cNvPr>
@@ -22243,7 +22174,7 @@
           <p:cNvPr id="11" name="TextBox 10">
             <a:extLst>
               <a:ext uri="{FF2B5EF4-FFF2-40B4-BE49-F238E27FC236}">
-                <a16:creationId xmlns:a16="http://schemas.microsoft.com/office/drawing/2014/main" xmlns="" id="{849EE5DD-2363-0B42-B4FD-2464134E7BE2}"/>
+                <a16:creationId xmlns:a16="http://schemas.microsoft.com/office/drawing/2014/main" id="{849EE5DD-2363-0B42-B4FD-2464134E7BE2}"/>
               </a:ext>
             </a:extLst>
           </p:cNvPr>
@@ -22286,20 +22217,13 @@
     </p:spTree>
     <p:extLst>
       <p:ext uri="{BB962C8B-B14F-4D97-AF65-F5344CB8AC3E}">
-        <p14:creationId xmlns:p14="http://schemas.microsoft.com/office/powerpoint/2010/main" xmlns="" val="2050327707"/>
+        <p14:creationId xmlns:p14="http://schemas.microsoft.com/office/powerpoint/2010/main" val="2050327707"/>
       </p:ext>
     </p:extLst>
   </p:cSld>
   <p:clrMapOvr>
     <a:masterClrMapping/>
   </p:clrMapOvr>
-  <p:timing>
-    <p:tnLst>
-      <p:par>
-        <p:cTn id="1" dur="indefinite" restart="never" nodeType="tmRoot"/>
-      </p:par>
-    </p:tnLst>
-  </p:timing>
 </p:sld>
 </file>
 
@@ -22325,7 +22249,7 @@
           <p:cNvPr id="34" name="직사각형 33">
             <a:extLst>
               <a:ext uri="{FF2B5EF4-FFF2-40B4-BE49-F238E27FC236}">
-                <a16:creationId xmlns:a16="http://schemas.microsoft.com/office/drawing/2014/main" xmlns="" id="{37CB002D-8420-B548-9BEA-2E18D8A9A204}"/>
+                <a16:creationId xmlns:a16="http://schemas.microsoft.com/office/drawing/2014/main" id="{37CB002D-8420-B548-9BEA-2E18D8A9A204}"/>
               </a:ext>
             </a:extLst>
           </p:cNvPr>
@@ -22377,7 +22301,7 @@
           <p:cNvPr id="7" name="직사각형 6">
             <a:extLst>
               <a:ext uri="{FF2B5EF4-FFF2-40B4-BE49-F238E27FC236}">
-                <a16:creationId xmlns:a16="http://schemas.microsoft.com/office/drawing/2014/main" xmlns="" id="{6B8B80B4-792D-174E-8B2C-A10CA85CDD01}"/>
+                <a16:creationId xmlns:a16="http://schemas.microsoft.com/office/drawing/2014/main" id="{6B8B80B4-792D-174E-8B2C-A10CA85CDD01}"/>
               </a:ext>
             </a:extLst>
           </p:cNvPr>
@@ -22431,7 +22355,7 @@
           <p:cNvPr id="10" name="직각 삼각형[R] 8">
             <a:extLst>
               <a:ext uri="{FF2B5EF4-FFF2-40B4-BE49-F238E27FC236}">
-                <a16:creationId xmlns:a16="http://schemas.microsoft.com/office/drawing/2014/main" xmlns="" id="{E9289217-6E56-7D4B-B6FB-329F373CAF3E}"/>
+                <a16:creationId xmlns:a16="http://schemas.microsoft.com/office/drawing/2014/main" id="{E9289217-6E56-7D4B-B6FB-329F373CAF3E}"/>
               </a:ext>
             </a:extLst>
           </p:cNvPr>
@@ -22489,7 +22413,7 @@
           <p:cNvPr id="11" name="TextBox 10">
             <a:extLst>
               <a:ext uri="{FF2B5EF4-FFF2-40B4-BE49-F238E27FC236}">
-                <a16:creationId xmlns:a16="http://schemas.microsoft.com/office/drawing/2014/main" xmlns="" id="{849EE5DD-2363-0B42-B4FD-2464134E7BE2}"/>
+                <a16:creationId xmlns:a16="http://schemas.microsoft.com/office/drawing/2014/main" id="{849EE5DD-2363-0B42-B4FD-2464134E7BE2}"/>
               </a:ext>
             </a:extLst>
           </p:cNvPr>
@@ -22534,7 +22458,7 @@
           <p:cNvPr id="9" name="TextBox 8">
             <a:extLst>
               <a:ext uri="{FF2B5EF4-FFF2-40B4-BE49-F238E27FC236}">
-                <a16:creationId xmlns:a16="http://schemas.microsoft.com/office/drawing/2014/main" xmlns="" id="{237C338B-611A-40FE-8585-1CC256C852D1}"/>
+                <a16:creationId xmlns:a16="http://schemas.microsoft.com/office/drawing/2014/main" id="{237C338B-611A-40FE-8585-1CC256C852D1}"/>
               </a:ext>
             </a:extLst>
           </p:cNvPr>
@@ -22575,7 +22499,7 @@
           <p:cNvPr id="5" name="그림 4">
             <a:extLst>
               <a:ext uri="{FF2B5EF4-FFF2-40B4-BE49-F238E27FC236}">
-                <a16:creationId xmlns:a16="http://schemas.microsoft.com/office/drawing/2014/main" xmlns="" id="{1FF764AB-E522-4FB1-80B8-CB98E1AEFC83}"/>
+                <a16:creationId xmlns:a16="http://schemas.microsoft.com/office/drawing/2014/main" id="{1FF764AB-E522-4FB1-80B8-CB98E1AEFC83}"/>
               </a:ext>
             </a:extLst>
           </p:cNvPr>
@@ -22605,7 +22529,7 @@
           <p:cNvPr id="8" name="직사각형 7">
             <a:extLst>
               <a:ext uri="{FF2B5EF4-FFF2-40B4-BE49-F238E27FC236}">
-                <a16:creationId xmlns:a16="http://schemas.microsoft.com/office/drawing/2014/main" xmlns="" id="{5B4D6C43-2F19-4E50-95F2-6D7DA8516E95}"/>
+                <a16:creationId xmlns:a16="http://schemas.microsoft.com/office/drawing/2014/main" id="{5B4D6C43-2F19-4E50-95F2-6D7DA8516E95}"/>
               </a:ext>
             </a:extLst>
           </p:cNvPr>
@@ -22870,7 +22794,7 @@
           <p:cNvPr id="12" name="직사각형 11">
             <a:extLst>
               <a:ext uri="{FF2B5EF4-FFF2-40B4-BE49-F238E27FC236}">
-                <a16:creationId xmlns:a16="http://schemas.microsoft.com/office/drawing/2014/main" xmlns="" id="{4995ECC9-1E8C-4CAE-99AA-F5DD40B995F1}"/>
+                <a16:creationId xmlns:a16="http://schemas.microsoft.com/office/drawing/2014/main" id="{4995ECC9-1E8C-4CAE-99AA-F5DD40B995F1}"/>
               </a:ext>
             </a:extLst>
           </p:cNvPr>
@@ -23133,7 +23057,7 @@
           <p:cNvPr id="13" name="직사각형 12">
             <a:extLst>
               <a:ext uri="{FF2B5EF4-FFF2-40B4-BE49-F238E27FC236}">
-                <a16:creationId xmlns:a16="http://schemas.microsoft.com/office/drawing/2014/main" xmlns="" id="{E4EB45DA-9A47-4871-8747-E29A8FD11133}"/>
+                <a16:creationId xmlns:a16="http://schemas.microsoft.com/office/drawing/2014/main" id="{E4EB45DA-9A47-4871-8747-E29A8FD11133}"/>
               </a:ext>
             </a:extLst>
           </p:cNvPr>
@@ -23363,7 +23287,7 @@
           <p:cNvPr id="14" name="직사각형 13">
             <a:extLst>
               <a:ext uri="{FF2B5EF4-FFF2-40B4-BE49-F238E27FC236}">
-                <a16:creationId xmlns:a16="http://schemas.microsoft.com/office/drawing/2014/main" xmlns="" id="{79D0FFC0-4ABF-41AB-B8E9-6B7D5F3B31AA}"/>
+                <a16:creationId xmlns:a16="http://schemas.microsoft.com/office/drawing/2014/main" id="{79D0FFC0-4ABF-41AB-B8E9-6B7D5F3B31AA}"/>
               </a:ext>
             </a:extLst>
           </p:cNvPr>
@@ -23626,7 +23550,7 @@
           <p:cNvPr id="15" name="직사각형 14">
             <a:extLst>
               <a:ext uri="{FF2B5EF4-FFF2-40B4-BE49-F238E27FC236}">
-                <a16:creationId xmlns:a16="http://schemas.microsoft.com/office/drawing/2014/main" xmlns="" id="{99DD3749-D532-4536-97C3-F488104ABD01}"/>
+                <a16:creationId xmlns:a16="http://schemas.microsoft.com/office/drawing/2014/main" id="{99DD3749-D532-4536-97C3-F488104ABD01}"/>
               </a:ext>
             </a:extLst>
           </p:cNvPr>
@@ -23876,7 +23800,7 @@
           <p:cNvPr id="3" name="그림 2">
             <a:extLst>
               <a:ext uri="{FF2B5EF4-FFF2-40B4-BE49-F238E27FC236}">
-                <a16:creationId xmlns:a16="http://schemas.microsoft.com/office/drawing/2014/main" xmlns="" id="{5ED97960-1731-4D0A-9769-B3EEF36CF65B}"/>
+                <a16:creationId xmlns:a16="http://schemas.microsoft.com/office/drawing/2014/main" id="{5ED97960-1731-4D0A-9769-B3EEF36CF65B}"/>
               </a:ext>
             </a:extLst>
           </p:cNvPr>
@@ -23904,20 +23828,13 @@
     </p:spTree>
     <p:extLst>
       <p:ext uri="{BB962C8B-B14F-4D97-AF65-F5344CB8AC3E}">
-        <p14:creationId xmlns:p14="http://schemas.microsoft.com/office/powerpoint/2010/main" xmlns="" val="2592604711"/>
+        <p14:creationId xmlns:p14="http://schemas.microsoft.com/office/powerpoint/2010/main" val="2592604711"/>
       </p:ext>
     </p:extLst>
   </p:cSld>
   <p:clrMapOvr>
     <a:masterClrMapping/>
   </p:clrMapOvr>
-  <p:timing>
-    <p:tnLst>
-      <p:par>
-        <p:cTn id="1" dur="indefinite" restart="never" nodeType="tmRoot"/>
-      </p:par>
-    </p:tnLst>
-  </p:timing>
 </p:sld>
 </file>
 
@@ -23943,7 +23860,7 @@
           <p:cNvPr id="2" name="왼쪽 대괄호[L] 1">
             <a:extLst>
               <a:ext uri="{FF2B5EF4-FFF2-40B4-BE49-F238E27FC236}">
-                <a16:creationId xmlns:a16="http://schemas.microsoft.com/office/drawing/2014/main" xmlns="" id="{FD2BE796-18C4-7542-922F-AC07CCDE25AD}"/>
+                <a16:creationId xmlns:a16="http://schemas.microsoft.com/office/drawing/2014/main" id="{FD2BE796-18C4-7542-922F-AC07CCDE25AD}"/>
               </a:ext>
             </a:extLst>
           </p:cNvPr>
@@ -23992,7 +23909,7 @@
           <p:cNvPr id="13" name="왼쪽 대괄호[L] 12">
             <a:extLst>
               <a:ext uri="{FF2B5EF4-FFF2-40B4-BE49-F238E27FC236}">
-                <a16:creationId xmlns:a16="http://schemas.microsoft.com/office/drawing/2014/main" xmlns="" id="{EFECA2F4-7A60-7B4A-9E41-4C7AFF855ED1}"/>
+                <a16:creationId xmlns:a16="http://schemas.microsoft.com/office/drawing/2014/main" id="{EFECA2F4-7A60-7B4A-9E41-4C7AFF855ED1}"/>
               </a:ext>
             </a:extLst>
           </p:cNvPr>
@@ -24139,7 +24056,7 @@
           <p:cNvPr id="7" name="그림 6">
             <a:extLst>
               <a:ext uri="{FF2B5EF4-FFF2-40B4-BE49-F238E27FC236}">
-                <a16:creationId xmlns:a16="http://schemas.microsoft.com/office/drawing/2014/main" xmlns="" id="{95C89E7D-FCD8-254C-B718-BA729EAAFC40}"/>
+                <a16:creationId xmlns:a16="http://schemas.microsoft.com/office/drawing/2014/main" id="{95C89E7D-FCD8-254C-B718-BA729EAAFC40}"/>
               </a:ext>
             </a:extLst>
           </p:cNvPr>
@@ -24167,20 +24084,13 @@
     </p:spTree>
     <p:extLst>
       <p:ext uri="{BB962C8B-B14F-4D97-AF65-F5344CB8AC3E}">
-        <p14:creationId xmlns:p14="http://schemas.microsoft.com/office/powerpoint/2010/main" xmlns="" val="3212234621"/>
+        <p14:creationId xmlns:p14="http://schemas.microsoft.com/office/powerpoint/2010/main" val="3212234621"/>
       </p:ext>
     </p:extLst>
   </p:cSld>
   <p:clrMapOvr>
     <a:masterClrMapping/>
   </p:clrMapOvr>
-  <p:timing>
-    <p:tnLst>
-      <p:par>
-        <p:cTn id="1" dur="indefinite" restart="never" nodeType="tmRoot"/>
-      </p:par>
-    </p:tnLst>
-  </p:timing>
 </p:sld>
 </file>
 
@@ -24206,7 +24116,7 @@
           <p:cNvPr id="34" name="직사각형 33">
             <a:extLst>
               <a:ext uri="{FF2B5EF4-FFF2-40B4-BE49-F238E27FC236}">
-                <a16:creationId xmlns:a16="http://schemas.microsoft.com/office/drawing/2014/main" xmlns="" id="{37CB002D-8420-B548-9BEA-2E18D8A9A204}"/>
+                <a16:creationId xmlns:a16="http://schemas.microsoft.com/office/drawing/2014/main" id="{37CB002D-8420-B548-9BEA-2E18D8A9A204}"/>
               </a:ext>
             </a:extLst>
           </p:cNvPr>
@@ -24300,7 +24210,7 @@
           <p:cNvPr id="7" name="직사각형 6">
             <a:extLst>
               <a:ext uri="{FF2B5EF4-FFF2-40B4-BE49-F238E27FC236}">
-                <a16:creationId xmlns:a16="http://schemas.microsoft.com/office/drawing/2014/main" xmlns="" id="{6B8B80B4-792D-174E-8B2C-A10CA85CDD01}"/>
+                <a16:creationId xmlns:a16="http://schemas.microsoft.com/office/drawing/2014/main" id="{6B8B80B4-792D-174E-8B2C-A10CA85CDD01}"/>
               </a:ext>
             </a:extLst>
           </p:cNvPr>
@@ -24354,7 +24264,7 @@
           <p:cNvPr id="10" name="직각 삼각형[R] 8">
             <a:extLst>
               <a:ext uri="{FF2B5EF4-FFF2-40B4-BE49-F238E27FC236}">
-                <a16:creationId xmlns:a16="http://schemas.microsoft.com/office/drawing/2014/main" xmlns="" id="{E9289217-6E56-7D4B-B6FB-329F373CAF3E}"/>
+                <a16:creationId xmlns:a16="http://schemas.microsoft.com/office/drawing/2014/main" id="{E9289217-6E56-7D4B-B6FB-329F373CAF3E}"/>
               </a:ext>
             </a:extLst>
           </p:cNvPr>
@@ -24412,7 +24322,7 @@
           <p:cNvPr id="11" name="TextBox 10">
             <a:extLst>
               <a:ext uri="{FF2B5EF4-FFF2-40B4-BE49-F238E27FC236}">
-                <a16:creationId xmlns:a16="http://schemas.microsoft.com/office/drawing/2014/main" xmlns="" id="{849EE5DD-2363-0B42-B4FD-2464134E7BE2}"/>
+                <a16:creationId xmlns:a16="http://schemas.microsoft.com/office/drawing/2014/main" id="{849EE5DD-2363-0B42-B4FD-2464134E7BE2}"/>
               </a:ext>
             </a:extLst>
           </p:cNvPr>
@@ -24717,7 +24627,7 @@
           <a:blip r:embed="rId2">
             <a:extLst>
               <a:ext uri="{28A0092B-C50C-407E-A947-70E740481C1C}">
-                <a14:useLocalDpi xmlns:a14="http://schemas.microsoft.com/office/drawing/2010/main" xmlns="" val="0"/>
+                <a14:useLocalDpi xmlns:a14="http://schemas.microsoft.com/office/drawing/2010/main" val="0"/>
               </a:ext>
             </a:extLst>
           </a:blip>
@@ -24747,7 +24657,7 @@
           <a:blip r:embed="rId3">
             <a:extLst>
               <a:ext uri="{28A0092B-C50C-407E-A947-70E740481C1C}">
-                <a14:useLocalDpi xmlns:a14="http://schemas.microsoft.com/office/drawing/2010/main" xmlns="" val="0"/>
+                <a14:useLocalDpi xmlns:a14="http://schemas.microsoft.com/office/drawing/2010/main" val="0"/>
               </a:ext>
             </a:extLst>
           </a:blip>
@@ -25210,7 +25120,7 @@
           <p:cNvPr id="8" name="그림 7">
             <a:extLst>
               <a:ext uri="{FF2B5EF4-FFF2-40B4-BE49-F238E27FC236}">
-                <a16:creationId xmlns:a16="http://schemas.microsoft.com/office/drawing/2014/main" xmlns="" id="{6BC28ED5-3D0E-4FD2-A862-E7BDFD329728}"/>
+                <a16:creationId xmlns:a16="http://schemas.microsoft.com/office/drawing/2014/main" id="{6BC28ED5-3D0E-4FD2-A862-E7BDFD329728}"/>
               </a:ext>
             </a:extLst>
           </p:cNvPr>
@@ -25240,7 +25150,7 @@
           <p:cNvPr id="19" name="그림 18">
             <a:extLst>
               <a:ext uri="{FF2B5EF4-FFF2-40B4-BE49-F238E27FC236}">
-                <a16:creationId xmlns:a16="http://schemas.microsoft.com/office/drawing/2014/main" xmlns="" id="{D36FBBEF-F0F0-49C9-85E7-5B7C42440BBB}"/>
+                <a16:creationId xmlns:a16="http://schemas.microsoft.com/office/drawing/2014/main" id="{D36FBBEF-F0F0-49C9-85E7-5B7C42440BBB}"/>
               </a:ext>
             </a:extLst>
           </p:cNvPr>
@@ -25268,7 +25178,7 @@
     </p:spTree>
     <p:extLst>
       <p:ext uri="{BB962C8B-B14F-4D97-AF65-F5344CB8AC3E}">
-        <p14:creationId xmlns:p14="http://schemas.microsoft.com/office/powerpoint/2010/main" xmlns="" val="1147906695"/>
+        <p14:creationId xmlns:p14="http://schemas.microsoft.com/office/powerpoint/2010/main" val="1147906695"/>
       </p:ext>
     </p:extLst>
   </p:cSld>
@@ -25467,7 +25377,7 @@
           <p:cNvPr id="34" name="직사각형 33">
             <a:extLst>
               <a:ext uri="{FF2B5EF4-FFF2-40B4-BE49-F238E27FC236}">
-                <a16:creationId xmlns:a16="http://schemas.microsoft.com/office/drawing/2014/main" xmlns="" id="{37CB002D-8420-B548-9BEA-2E18D8A9A204}"/>
+                <a16:creationId xmlns:a16="http://schemas.microsoft.com/office/drawing/2014/main" id="{37CB002D-8420-B548-9BEA-2E18D8A9A204}"/>
               </a:ext>
             </a:extLst>
           </p:cNvPr>
@@ -25571,7 +25481,7 @@
           <p:cNvPr id="7" name="직사각형 6">
             <a:extLst>
               <a:ext uri="{FF2B5EF4-FFF2-40B4-BE49-F238E27FC236}">
-                <a16:creationId xmlns:a16="http://schemas.microsoft.com/office/drawing/2014/main" xmlns="" id="{6B8B80B4-792D-174E-8B2C-A10CA85CDD01}"/>
+                <a16:creationId xmlns:a16="http://schemas.microsoft.com/office/drawing/2014/main" id="{6B8B80B4-792D-174E-8B2C-A10CA85CDD01}"/>
               </a:ext>
             </a:extLst>
           </p:cNvPr>
@@ -25625,7 +25535,7 @@
           <p:cNvPr id="10" name="직각 삼각형[R] 8">
             <a:extLst>
               <a:ext uri="{FF2B5EF4-FFF2-40B4-BE49-F238E27FC236}">
-                <a16:creationId xmlns:a16="http://schemas.microsoft.com/office/drawing/2014/main" xmlns="" id="{E9289217-6E56-7D4B-B6FB-329F373CAF3E}"/>
+                <a16:creationId xmlns:a16="http://schemas.microsoft.com/office/drawing/2014/main" id="{E9289217-6E56-7D4B-B6FB-329F373CAF3E}"/>
               </a:ext>
             </a:extLst>
           </p:cNvPr>
@@ -25683,7 +25593,7 @@
           <p:cNvPr id="11" name="TextBox 10">
             <a:extLst>
               <a:ext uri="{FF2B5EF4-FFF2-40B4-BE49-F238E27FC236}">
-                <a16:creationId xmlns:a16="http://schemas.microsoft.com/office/drawing/2014/main" xmlns="" id="{849EE5DD-2363-0B42-B4FD-2464134E7BE2}"/>
+                <a16:creationId xmlns:a16="http://schemas.microsoft.com/office/drawing/2014/main" id="{849EE5DD-2363-0B42-B4FD-2464134E7BE2}"/>
               </a:ext>
             </a:extLst>
           </p:cNvPr>
@@ -25739,7 +25649,7 @@
           <a:blip r:embed="rId2">
             <a:extLst>
               <a:ext uri="{28A0092B-C50C-407E-A947-70E740481C1C}">
-                <a14:useLocalDpi xmlns:a14="http://schemas.microsoft.com/office/drawing/2010/main" xmlns="" val="0"/>
+                <a14:useLocalDpi xmlns:a14="http://schemas.microsoft.com/office/drawing/2010/main" val="0"/>
               </a:ext>
             </a:extLst>
           </a:blip>
@@ -26179,7 +26089,7 @@
           <p:cNvPr id="12" name="TextBox 11">
             <a:extLst>
               <a:ext uri="{FF2B5EF4-FFF2-40B4-BE49-F238E27FC236}">
-                <a16:creationId xmlns:a16="http://schemas.microsoft.com/office/drawing/2014/main" xmlns="" id="{70B8D085-D359-4E13-A05F-5A724B992E70}"/>
+                <a16:creationId xmlns:a16="http://schemas.microsoft.com/office/drawing/2014/main" id="{70B8D085-D359-4E13-A05F-5A724B992E70}"/>
               </a:ext>
             </a:extLst>
           </p:cNvPr>
@@ -26221,7 +26131,7 @@
     </p:spTree>
     <p:extLst>
       <p:ext uri="{BB962C8B-B14F-4D97-AF65-F5344CB8AC3E}">
-        <p14:creationId xmlns:p14="http://schemas.microsoft.com/office/powerpoint/2010/main" xmlns="" val="1710795167"/>
+        <p14:creationId xmlns:p14="http://schemas.microsoft.com/office/powerpoint/2010/main" val="1710795167"/>
       </p:ext>
     </p:extLst>
   </p:cSld>
@@ -26593,7 +26503,7 @@
           <p:cNvPr id="34" name="직사각형 33">
             <a:extLst>
               <a:ext uri="{FF2B5EF4-FFF2-40B4-BE49-F238E27FC236}">
-                <a16:creationId xmlns:a16="http://schemas.microsoft.com/office/drawing/2014/main" xmlns="" id="{37CB002D-8420-B548-9BEA-2E18D8A9A204}"/>
+                <a16:creationId xmlns:a16="http://schemas.microsoft.com/office/drawing/2014/main" id="{37CB002D-8420-B548-9BEA-2E18D8A9A204}"/>
               </a:ext>
             </a:extLst>
           </p:cNvPr>
@@ -26645,7 +26555,7 @@
           <p:cNvPr id="10" name="직사각형 9">
             <a:extLst>
               <a:ext uri="{FF2B5EF4-FFF2-40B4-BE49-F238E27FC236}">
-                <a16:creationId xmlns:a16="http://schemas.microsoft.com/office/drawing/2014/main" xmlns="" id="{6B8B80B4-792D-174E-8B2C-A10CA85CDD01}"/>
+                <a16:creationId xmlns:a16="http://schemas.microsoft.com/office/drawing/2014/main" id="{6B8B80B4-792D-174E-8B2C-A10CA85CDD01}"/>
               </a:ext>
             </a:extLst>
           </p:cNvPr>
@@ -26699,7 +26609,7 @@
           <p:cNvPr id="11" name="직각 삼각형[R] 8">
             <a:extLst>
               <a:ext uri="{FF2B5EF4-FFF2-40B4-BE49-F238E27FC236}">
-                <a16:creationId xmlns:a16="http://schemas.microsoft.com/office/drawing/2014/main" xmlns="" id="{E9289217-6E56-7D4B-B6FB-329F373CAF3E}"/>
+                <a16:creationId xmlns:a16="http://schemas.microsoft.com/office/drawing/2014/main" id="{E9289217-6E56-7D4B-B6FB-329F373CAF3E}"/>
               </a:ext>
             </a:extLst>
           </p:cNvPr>
@@ -26757,7 +26667,7 @@
           <p:cNvPr id="12" name="TextBox 11">
             <a:extLst>
               <a:ext uri="{FF2B5EF4-FFF2-40B4-BE49-F238E27FC236}">
-                <a16:creationId xmlns:a16="http://schemas.microsoft.com/office/drawing/2014/main" xmlns="" id="{849EE5DD-2363-0B42-B4FD-2464134E7BE2}"/>
+                <a16:creationId xmlns:a16="http://schemas.microsoft.com/office/drawing/2014/main" id="{849EE5DD-2363-0B42-B4FD-2464134E7BE2}"/>
               </a:ext>
             </a:extLst>
           </p:cNvPr>
@@ -26855,7 +26765,7 @@
           <a:blip r:embed="rId2">
             <a:extLst>
               <a:ext uri="{28A0092B-C50C-407E-A947-70E740481C1C}">
-                <a14:useLocalDpi xmlns:a14="http://schemas.microsoft.com/office/drawing/2010/main" xmlns="" val="0"/>
+                <a14:useLocalDpi xmlns:a14="http://schemas.microsoft.com/office/drawing/2010/main" val="0"/>
               </a:ext>
             </a:extLst>
           </a:blip>
@@ -26879,14 +26789,14 @@
           <a:effectLst/>
           <a:extLst>
             <a:ext uri="{909E8E84-426E-40DD-AFC4-6F175D3DCCD1}">
-              <a14:hiddenFill xmlns:a14="http://schemas.microsoft.com/office/drawing/2010/main" xmlns="">
+              <a14:hiddenFill xmlns:a14="http://schemas.microsoft.com/office/drawing/2010/main">
                 <a:solidFill>
                   <a:schemeClr val="accent1"/>
                 </a:solidFill>
               </a14:hiddenFill>
             </a:ext>
             <a:ext uri="{91240B29-F687-4F45-9708-019B960494DF}">
-              <a14:hiddenLine xmlns:a14="http://schemas.microsoft.com/office/drawing/2010/main" xmlns="" w="9525">
+              <a14:hiddenLine xmlns:a14="http://schemas.microsoft.com/office/drawing/2010/main" w="9525">
                 <a:solidFill>
                   <a:schemeClr val="tx1"/>
                 </a:solidFill>
@@ -26896,7 +26806,7 @@
               </a14:hiddenLine>
             </a:ext>
             <a:ext uri="{AF507438-7753-43E0-B8FC-AC1667EBCBE1}">
-              <a14:hiddenEffects xmlns:a14="http://schemas.microsoft.com/office/drawing/2010/main" xmlns="">
+              <a14:hiddenEffects xmlns:a14="http://schemas.microsoft.com/office/drawing/2010/main">
                 <a:effectLst>
                   <a:outerShdw dist="35921" dir="2700000" algn="ctr" rotWithShape="0">
                     <a:schemeClr val="bg2"/>
@@ -27102,7 +27012,7 @@
     </p:spTree>
     <p:extLst>
       <p:ext uri="{BB962C8B-B14F-4D97-AF65-F5344CB8AC3E}">
-        <p14:creationId xmlns:p14="http://schemas.microsoft.com/office/powerpoint/2010/main" xmlns="" val="3466639219"/>
+        <p14:creationId xmlns:p14="http://schemas.microsoft.com/office/powerpoint/2010/main" val="3466639219"/>
       </p:ext>
     </p:extLst>
   </p:cSld>
@@ -27268,7 +27178,7 @@
           <p:cNvPr id="34" name="직사각형 33">
             <a:extLst>
               <a:ext uri="{FF2B5EF4-FFF2-40B4-BE49-F238E27FC236}">
-                <a16:creationId xmlns:a16="http://schemas.microsoft.com/office/drawing/2014/main" xmlns="" id="{37CB002D-8420-B548-9BEA-2E18D8A9A204}"/>
+                <a16:creationId xmlns:a16="http://schemas.microsoft.com/office/drawing/2014/main" id="{37CB002D-8420-B548-9BEA-2E18D8A9A204}"/>
               </a:ext>
             </a:extLst>
           </p:cNvPr>
@@ -27320,7 +27230,7 @@
           <p:cNvPr id="7" name="직사각형 6">
             <a:extLst>
               <a:ext uri="{FF2B5EF4-FFF2-40B4-BE49-F238E27FC236}">
-                <a16:creationId xmlns:a16="http://schemas.microsoft.com/office/drawing/2014/main" xmlns="" id="{6B8B80B4-792D-174E-8B2C-A10CA85CDD01}"/>
+                <a16:creationId xmlns:a16="http://schemas.microsoft.com/office/drawing/2014/main" id="{6B8B80B4-792D-174E-8B2C-A10CA85CDD01}"/>
               </a:ext>
             </a:extLst>
           </p:cNvPr>
@@ -27374,7 +27284,7 @@
           <p:cNvPr id="10" name="직각 삼각형[R] 8">
             <a:extLst>
               <a:ext uri="{FF2B5EF4-FFF2-40B4-BE49-F238E27FC236}">
-                <a16:creationId xmlns:a16="http://schemas.microsoft.com/office/drawing/2014/main" xmlns="" id="{E9289217-6E56-7D4B-B6FB-329F373CAF3E}"/>
+                <a16:creationId xmlns:a16="http://schemas.microsoft.com/office/drawing/2014/main" id="{E9289217-6E56-7D4B-B6FB-329F373CAF3E}"/>
               </a:ext>
             </a:extLst>
           </p:cNvPr>
@@ -27432,7 +27342,7 @@
           <p:cNvPr id="11" name="TextBox 10">
             <a:extLst>
               <a:ext uri="{FF2B5EF4-FFF2-40B4-BE49-F238E27FC236}">
-                <a16:creationId xmlns:a16="http://schemas.microsoft.com/office/drawing/2014/main" xmlns="" id="{849EE5DD-2363-0B42-B4FD-2464134E7BE2}"/>
+                <a16:creationId xmlns:a16="http://schemas.microsoft.com/office/drawing/2014/main" id="{849EE5DD-2363-0B42-B4FD-2464134E7BE2}"/>
               </a:ext>
             </a:extLst>
           </p:cNvPr>
@@ -27530,7 +27440,7 @@
           <a:blip r:embed="rId2">
             <a:extLst>
               <a:ext uri="{28A0092B-C50C-407E-A947-70E740481C1C}">
-                <a14:useLocalDpi xmlns:a14="http://schemas.microsoft.com/office/drawing/2010/main" xmlns="" val="0"/>
+                <a14:useLocalDpi xmlns:a14="http://schemas.microsoft.com/office/drawing/2010/main" val="0"/>
               </a:ext>
             </a:extLst>
           </a:blip>
@@ -27551,20 +27461,13 @@
     </p:spTree>
     <p:extLst>
       <p:ext uri="{BB962C8B-B14F-4D97-AF65-F5344CB8AC3E}">
-        <p14:creationId xmlns:p14="http://schemas.microsoft.com/office/powerpoint/2010/main" xmlns="" val="427819900"/>
+        <p14:creationId xmlns:p14="http://schemas.microsoft.com/office/powerpoint/2010/main" val="427819900"/>
       </p:ext>
     </p:extLst>
   </p:cSld>
   <p:clrMapOvr>
     <a:masterClrMapping/>
   </p:clrMapOvr>
-  <p:timing>
-    <p:tnLst>
-      <p:par>
-        <p:cTn id="1" dur="indefinite" restart="never" nodeType="tmRoot"/>
-      </p:par>
-    </p:tnLst>
-  </p:timing>
 </p:sld>
 </file>
 
@@ -27590,7 +27493,7 @@
           <p:cNvPr id="34" name="직사각형 33">
             <a:extLst>
               <a:ext uri="{FF2B5EF4-FFF2-40B4-BE49-F238E27FC236}">
-                <a16:creationId xmlns:a16="http://schemas.microsoft.com/office/drawing/2014/main" xmlns="" id="{37CB002D-8420-B548-9BEA-2E18D8A9A204}"/>
+                <a16:creationId xmlns:a16="http://schemas.microsoft.com/office/drawing/2014/main" id="{37CB002D-8420-B548-9BEA-2E18D8A9A204}"/>
               </a:ext>
             </a:extLst>
           </p:cNvPr>
@@ -27642,7 +27545,7 @@
           <p:cNvPr id="7" name="직사각형 6">
             <a:extLst>
               <a:ext uri="{FF2B5EF4-FFF2-40B4-BE49-F238E27FC236}">
-                <a16:creationId xmlns:a16="http://schemas.microsoft.com/office/drawing/2014/main" xmlns="" id="{6B8B80B4-792D-174E-8B2C-A10CA85CDD01}"/>
+                <a16:creationId xmlns:a16="http://schemas.microsoft.com/office/drawing/2014/main" id="{6B8B80B4-792D-174E-8B2C-A10CA85CDD01}"/>
               </a:ext>
             </a:extLst>
           </p:cNvPr>
@@ -27696,7 +27599,7 @@
           <p:cNvPr id="10" name="직각 삼각형[R] 8">
             <a:extLst>
               <a:ext uri="{FF2B5EF4-FFF2-40B4-BE49-F238E27FC236}">
-                <a16:creationId xmlns:a16="http://schemas.microsoft.com/office/drawing/2014/main" xmlns="" id="{E9289217-6E56-7D4B-B6FB-329F373CAF3E}"/>
+                <a16:creationId xmlns:a16="http://schemas.microsoft.com/office/drawing/2014/main" id="{E9289217-6E56-7D4B-B6FB-329F373CAF3E}"/>
               </a:ext>
             </a:extLst>
           </p:cNvPr>
@@ -27754,7 +27657,7 @@
           <p:cNvPr id="11" name="TextBox 10">
             <a:extLst>
               <a:ext uri="{FF2B5EF4-FFF2-40B4-BE49-F238E27FC236}">
-                <a16:creationId xmlns:a16="http://schemas.microsoft.com/office/drawing/2014/main" xmlns="" id="{849EE5DD-2363-0B42-B4FD-2464134E7BE2}"/>
+                <a16:creationId xmlns:a16="http://schemas.microsoft.com/office/drawing/2014/main" id="{849EE5DD-2363-0B42-B4FD-2464134E7BE2}"/>
               </a:ext>
             </a:extLst>
           </p:cNvPr>
@@ -27862,7 +27765,7 @@
           <a:blip r:embed="rId2">
             <a:extLst>
               <a:ext uri="{28A0092B-C50C-407E-A947-70E740481C1C}">
-                <a14:useLocalDpi xmlns:a14="http://schemas.microsoft.com/office/drawing/2010/main" xmlns="" val="0"/>
+                <a14:useLocalDpi xmlns:a14="http://schemas.microsoft.com/office/drawing/2010/main" val="0"/>
               </a:ext>
             </a:extLst>
           </a:blip>
@@ -27952,7 +27855,7 @@
     </p:spTree>
     <p:extLst>
       <p:ext uri="{BB962C8B-B14F-4D97-AF65-F5344CB8AC3E}">
-        <p14:creationId xmlns:p14="http://schemas.microsoft.com/office/powerpoint/2010/main" xmlns="" val="3412258853"/>
+        <p14:creationId xmlns:p14="http://schemas.microsoft.com/office/powerpoint/2010/main" val="3412258853"/>
       </p:ext>
     </p:extLst>
   </p:cSld>
@@ -28186,7 +28089,7 @@
           <p:cNvPr id="34" name="직사각형 33">
             <a:extLst>
               <a:ext uri="{FF2B5EF4-FFF2-40B4-BE49-F238E27FC236}">
-                <a16:creationId xmlns:a16="http://schemas.microsoft.com/office/drawing/2014/main" xmlns="" id="{37CB002D-8420-B548-9BEA-2E18D8A9A204}"/>
+                <a16:creationId xmlns:a16="http://schemas.microsoft.com/office/drawing/2014/main" id="{37CB002D-8420-B548-9BEA-2E18D8A9A204}"/>
               </a:ext>
             </a:extLst>
           </p:cNvPr>
@@ -28282,7 +28185,7 @@
           <p:cNvPr id="11" name="직사각형 10">
             <a:extLst>
               <a:ext uri="{FF2B5EF4-FFF2-40B4-BE49-F238E27FC236}">
-                <a16:creationId xmlns:a16="http://schemas.microsoft.com/office/drawing/2014/main" xmlns="" id="{AA9D6EFD-6D6D-4286-A3E1-6986A6A88F88}"/>
+                <a16:creationId xmlns:a16="http://schemas.microsoft.com/office/drawing/2014/main" id="{AA9D6EFD-6D6D-4286-A3E1-6986A6A88F88}"/>
               </a:ext>
             </a:extLst>
           </p:cNvPr>
@@ -28336,7 +28239,7 @@
           <p:cNvPr id="12" name="직각 삼각형[R] 8">
             <a:extLst>
               <a:ext uri="{FF2B5EF4-FFF2-40B4-BE49-F238E27FC236}">
-                <a16:creationId xmlns:a16="http://schemas.microsoft.com/office/drawing/2014/main" xmlns="" id="{D6AE2E71-22A2-4A0C-8FBF-2D8EE5EA1743}"/>
+                <a16:creationId xmlns:a16="http://schemas.microsoft.com/office/drawing/2014/main" id="{D6AE2E71-22A2-4A0C-8FBF-2D8EE5EA1743}"/>
               </a:ext>
             </a:extLst>
           </p:cNvPr>
@@ -28394,7 +28297,7 @@
           <p:cNvPr id="13" name="TextBox 12">
             <a:extLst>
               <a:ext uri="{FF2B5EF4-FFF2-40B4-BE49-F238E27FC236}">
-                <a16:creationId xmlns:a16="http://schemas.microsoft.com/office/drawing/2014/main" xmlns="" id="{F6787889-B58E-40BF-A0DC-EA161598A458}"/>
+                <a16:creationId xmlns:a16="http://schemas.microsoft.com/office/drawing/2014/main" id="{F6787889-B58E-40BF-A0DC-EA161598A458}"/>
               </a:ext>
             </a:extLst>
           </p:cNvPr>
@@ -28439,7 +28342,7 @@
           <p:cNvPr id="3" name="그림 2">
             <a:extLst>
               <a:ext uri="{FF2B5EF4-FFF2-40B4-BE49-F238E27FC236}">
-                <a16:creationId xmlns:a16="http://schemas.microsoft.com/office/drawing/2014/main" xmlns="" id="{C40BC21A-E539-46F1-B9C2-609BBE3CF8CC}"/>
+                <a16:creationId xmlns:a16="http://schemas.microsoft.com/office/drawing/2014/main" id="{C40BC21A-E539-46F1-B9C2-609BBE3CF8CC}"/>
               </a:ext>
             </a:extLst>
           </p:cNvPr>
@@ -28467,20 +28370,13 @@
     </p:spTree>
     <p:extLst>
       <p:ext uri="{BB962C8B-B14F-4D97-AF65-F5344CB8AC3E}">
-        <p14:creationId xmlns:p14="http://schemas.microsoft.com/office/powerpoint/2010/main" xmlns="" val="545874650"/>
+        <p14:creationId xmlns:p14="http://schemas.microsoft.com/office/powerpoint/2010/main" val="545874650"/>
       </p:ext>
     </p:extLst>
   </p:cSld>
   <p:clrMapOvr>
     <a:masterClrMapping/>
   </p:clrMapOvr>
-  <p:timing>
-    <p:tnLst>
-      <p:par>
-        <p:cTn id="1" dur="indefinite" restart="never" nodeType="tmRoot"/>
-      </p:par>
-    </p:tnLst>
-  </p:timing>
 </p:sld>
 </file>
 
@@ -28506,7 +28402,7 @@
           <p:cNvPr id="34" name="직사각형 33">
             <a:extLst>
               <a:ext uri="{FF2B5EF4-FFF2-40B4-BE49-F238E27FC236}">
-                <a16:creationId xmlns:a16="http://schemas.microsoft.com/office/drawing/2014/main" xmlns="" id="{37CB002D-8420-B548-9BEA-2E18D8A9A204}"/>
+                <a16:creationId xmlns:a16="http://schemas.microsoft.com/office/drawing/2014/main" id="{37CB002D-8420-B548-9BEA-2E18D8A9A204}"/>
               </a:ext>
             </a:extLst>
           </p:cNvPr>
@@ -28560,7 +28456,7 @@
           <p:cNvPr id="7" name="직사각형 6">
             <a:extLst>
               <a:ext uri="{FF2B5EF4-FFF2-40B4-BE49-F238E27FC236}">
-                <a16:creationId xmlns:a16="http://schemas.microsoft.com/office/drawing/2014/main" xmlns="" id="{6B8B80B4-792D-174E-8B2C-A10CA85CDD01}"/>
+                <a16:creationId xmlns:a16="http://schemas.microsoft.com/office/drawing/2014/main" id="{6B8B80B4-792D-174E-8B2C-A10CA85CDD01}"/>
               </a:ext>
             </a:extLst>
           </p:cNvPr>
@@ -28614,7 +28510,7 @@
           <p:cNvPr id="10" name="직각 삼각형[R] 8">
             <a:extLst>
               <a:ext uri="{FF2B5EF4-FFF2-40B4-BE49-F238E27FC236}">
-                <a16:creationId xmlns:a16="http://schemas.microsoft.com/office/drawing/2014/main" xmlns="" id="{E9289217-6E56-7D4B-B6FB-329F373CAF3E}"/>
+                <a16:creationId xmlns:a16="http://schemas.microsoft.com/office/drawing/2014/main" id="{E9289217-6E56-7D4B-B6FB-329F373CAF3E}"/>
               </a:ext>
             </a:extLst>
           </p:cNvPr>
@@ -28672,7 +28568,7 @@
           <p:cNvPr id="11" name="TextBox 10">
             <a:extLst>
               <a:ext uri="{FF2B5EF4-FFF2-40B4-BE49-F238E27FC236}">
-                <a16:creationId xmlns:a16="http://schemas.microsoft.com/office/drawing/2014/main" xmlns="" id="{849EE5DD-2363-0B42-B4FD-2464134E7BE2}"/>
+                <a16:creationId xmlns:a16="http://schemas.microsoft.com/office/drawing/2014/main" id="{849EE5DD-2363-0B42-B4FD-2464134E7BE2}"/>
               </a:ext>
             </a:extLst>
           </p:cNvPr>
@@ -28771,20 +28667,13 @@
     </p:spTree>
     <p:extLst>
       <p:ext uri="{BB962C8B-B14F-4D97-AF65-F5344CB8AC3E}">
-        <p14:creationId xmlns:p14="http://schemas.microsoft.com/office/powerpoint/2010/main" xmlns="" val="1147906695"/>
+        <p14:creationId xmlns:p14="http://schemas.microsoft.com/office/powerpoint/2010/main" val="1147906695"/>
       </p:ext>
     </p:extLst>
   </p:cSld>
   <p:clrMapOvr>
     <a:masterClrMapping/>
   </p:clrMapOvr>
-  <p:timing>
-    <p:tnLst>
-      <p:par>
-        <p:cTn id="1" dur="indefinite" restart="never" nodeType="tmRoot"/>
-      </p:par>
-    </p:tnLst>
-  </p:timing>
 </p:sld>
 </file>
 
@@ -29077,7 +28966,7 @@
   <a:extraClrSchemeLst/>
   <a:extLst>
     <a:ext uri="{05A4C25C-085E-4340-85A3-A5531E510DB2}">
-      <thm15:themeFamily xmlns:thm15="http://schemas.microsoft.com/office/thememl/2012/main" xmlns="" name="Office Theme" id="{62F939B6-93AF-4DB8-9C6B-D6C7DFDC589F}" vid="{4A3C46E8-61CC-4603-A589-7422A47A8E4A}"/>
+      <thm15:themeFamily xmlns:thm15="http://schemas.microsoft.com/office/thememl/2012/main" name="Office Theme" id="{62F939B6-93AF-4DB8-9C6B-D6C7DFDC589F}" vid="{4A3C46E8-61CC-4603-A589-7422A47A8E4A}"/>
     </a:ext>
   </a:extLst>
 </a:theme>
@@ -29372,7 +29261,7 @@
   <a:extraClrSchemeLst/>
   <a:extLst>
     <a:ext uri="{05A4C25C-085E-4340-85A3-A5531E510DB2}">
-      <thm15:themeFamily xmlns:thm15="http://schemas.microsoft.com/office/thememl/2012/main" xmlns="" name="Office Theme" id="{62F939B6-93AF-4DB8-9C6B-D6C7DFDC589F}" vid="{4A3C46E8-61CC-4603-A589-7422A47A8E4A}"/>
+      <thm15:themeFamily xmlns:thm15="http://schemas.microsoft.com/office/thememl/2012/main" name="Office Theme" id="{62F939B6-93AF-4DB8-9C6B-D6C7DFDC589F}" vid="{4A3C46E8-61CC-4603-A589-7422A47A8E4A}"/>
     </a:ext>
   </a:extLst>
 </a:theme>

--- a/4조/발표영상 및 PPT/OWL.pptx
+++ b/4조/발표영상 및 PPT/OWL.pptx
@@ -39,12 +39,12 @@
   <p:notesSz cx="6858000" cy="9144000"/>
   <p:embeddedFontLst>
     <p:embeddedFont>
-      <p:font typeface="맑은 고딕" panose="020B0503020000020004" pitchFamily="50" charset="-127"/>
+      <p:font typeface="맑은 고딕" pitchFamily="50" charset="-127"/>
       <p:regular r:id="rId29"/>
       <p:bold r:id="rId30"/>
     </p:embeddedFont>
     <p:embeddedFont>
-      <p:font typeface="배달의민족 주아" panose="02020603020101020101" pitchFamily="18" charset="-127"/>
+      <p:font typeface="배달의민족 주아" pitchFamily="18" charset="-127"/>
       <p:regular r:id="rId31"/>
     </p:embeddedFont>
   </p:embeddedFontLst>
@@ -145,7 +145,7 @@
   </p:defaultTextStyle>
   <p:extLst>
     <p:ext uri="{EFAFB233-063F-42B5-8137-9DF3F51BA10A}">
-      <p15:sldGuideLst xmlns:p15="http://schemas.microsoft.com/office/powerpoint/2012/main">
+      <p15:sldGuideLst xmlns:p15="http://schemas.microsoft.com/office/powerpoint/2012/main" xmlns="">
         <p15:guide id="1" orient="horz" pos="2160">
           <p15:clr>
             <a:srgbClr val="A4A3A4"/>
@@ -388,7 +388,7 @@
     </p:spTree>
     <p:extLst>
       <p:ext uri="{BB962C8B-B14F-4D97-AF65-F5344CB8AC3E}">
-        <p14:creationId xmlns:p14="http://schemas.microsoft.com/office/powerpoint/2010/main" val="1461798389"/>
+        <p14:creationId xmlns:p14="http://schemas.microsoft.com/office/powerpoint/2010/main" xmlns="" val="1461798389"/>
       </p:ext>
     </p:extLst>
   </p:cSld>
@@ -510,7 +510,7 @@
           <p:cNvPr id="2" name="제목 1">
             <a:extLst>
               <a:ext uri="{FF2B5EF4-FFF2-40B4-BE49-F238E27FC236}">
-                <a16:creationId xmlns:a16="http://schemas.microsoft.com/office/drawing/2014/main" id="{F0215948-5B1A-E54E-93AD-8B579A758275}"/>
+                <a16:creationId xmlns:a16="http://schemas.microsoft.com/office/drawing/2014/main" xmlns="" id="{F0215948-5B1A-E54E-93AD-8B579A758275}"/>
               </a:ext>
             </a:extLst>
           </p:cNvPr>
@@ -547,7 +547,7 @@
           <p:cNvPr id="3" name="부제목 2">
             <a:extLst>
               <a:ext uri="{FF2B5EF4-FFF2-40B4-BE49-F238E27FC236}">
-                <a16:creationId xmlns:a16="http://schemas.microsoft.com/office/drawing/2014/main" id="{588E59E6-D1AC-D84D-B0EB-CCA091FBF5B9}"/>
+                <a16:creationId xmlns:a16="http://schemas.microsoft.com/office/drawing/2014/main" xmlns="" id="{588E59E6-D1AC-D84D-B0EB-CCA091FBF5B9}"/>
               </a:ext>
             </a:extLst>
           </p:cNvPr>
@@ -617,7 +617,7 @@
           <p:cNvPr id="4" name="날짜 개체 틀 3">
             <a:extLst>
               <a:ext uri="{FF2B5EF4-FFF2-40B4-BE49-F238E27FC236}">
-                <a16:creationId xmlns:a16="http://schemas.microsoft.com/office/drawing/2014/main" id="{D0FE2932-8A68-1E4D-9017-7FC216DBA319}"/>
+                <a16:creationId xmlns:a16="http://schemas.microsoft.com/office/drawing/2014/main" xmlns="" id="{D0FE2932-8A68-1E4D-9017-7FC216DBA319}"/>
               </a:ext>
             </a:extLst>
           </p:cNvPr>
@@ -647,7 +647,7 @@
           <p:cNvPr id="5" name="바닥글 개체 틀 4">
             <a:extLst>
               <a:ext uri="{FF2B5EF4-FFF2-40B4-BE49-F238E27FC236}">
-                <a16:creationId xmlns:a16="http://schemas.microsoft.com/office/drawing/2014/main" id="{3C412354-D2D2-5B45-8D74-78B85A897400}"/>
+                <a16:creationId xmlns:a16="http://schemas.microsoft.com/office/drawing/2014/main" xmlns="" id="{3C412354-D2D2-5B45-8D74-78B85A897400}"/>
               </a:ext>
             </a:extLst>
           </p:cNvPr>
@@ -672,7 +672,7 @@
           <p:cNvPr id="6" name="슬라이드 번호 개체 틀 5">
             <a:extLst>
               <a:ext uri="{FF2B5EF4-FFF2-40B4-BE49-F238E27FC236}">
-                <a16:creationId xmlns:a16="http://schemas.microsoft.com/office/drawing/2014/main" id="{DD4B9E51-C76B-8248-A3F3-BE36807ACF51}"/>
+                <a16:creationId xmlns:a16="http://schemas.microsoft.com/office/drawing/2014/main" xmlns="" id="{DD4B9E51-C76B-8248-A3F3-BE36807ACF51}"/>
               </a:ext>
             </a:extLst>
           </p:cNvPr>
@@ -700,7 +700,7 @@
     </p:spTree>
     <p:extLst>
       <p:ext uri="{BB962C8B-B14F-4D97-AF65-F5344CB8AC3E}">
-        <p14:creationId xmlns:p14="http://schemas.microsoft.com/office/powerpoint/2010/main" val="3379003660"/>
+        <p14:creationId xmlns:p14="http://schemas.microsoft.com/office/powerpoint/2010/main" xmlns="" val="3379003660"/>
       </p:ext>
     </p:extLst>
   </p:cSld>
@@ -732,7 +732,7 @@
           <p:cNvPr id="2" name="제목 1">
             <a:extLst>
               <a:ext uri="{FF2B5EF4-FFF2-40B4-BE49-F238E27FC236}">
-                <a16:creationId xmlns:a16="http://schemas.microsoft.com/office/drawing/2014/main" id="{2A5E2B98-A3FC-FA4D-A2BD-D8450F5D8D26}"/>
+                <a16:creationId xmlns:a16="http://schemas.microsoft.com/office/drawing/2014/main" xmlns="" id="{2A5E2B98-A3FC-FA4D-A2BD-D8450F5D8D26}"/>
               </a:ext>
             </a:extLst>
           </p:cNvPr>
@@ -760,7 +760,7 @@
           <p:cNvPr id="3" name="세로 텍스트 개체 틀 2">
             <a:extLst>
               <a:ext uri="{FF2B5EF4-FFF2-40B4-BE49-F238E27FC236}">
-                <a16:creationId xmlns:a16="http://schemas.microsoft.com/office/drawing/2014/main" id="{6A079FFF-2472-FA47-B6AC-F80C7746F99D}"/>
+                <a16:creationId xmlns:a16="http://schemas.microsoft.com/office/drawing/2014/main" xmlns="" id="{6A079FFF-2472-FA47-B6AC-F80C7746F99D}"/>
               </a:ext>
             </a:extLst>
           </p:cNvPr>
@@ -792,7 +792,7 @@
           <p:cNvPr id="4" name="날짜 개체 틀 3">
             <a:extLst>
               <a:ext uri="{FF2B5EF4-FFF2-40B4-BE49-F238E27FC236}">
-                <a16:creationId xmlns:a16="http://schemas.microsoft.com/office/drawing/2014/main" id="{98C0AE3F-9567-F945-9095-A599EAF6BEE3}"/>
+                <a16:creationId xmlns:a16="http://schemas.microsoft.com/office/drawing/2014/main" xmlns="" id="{98C0AE3F-9567-F945-9095-A599EAF6BEE3}"/>
               </a:ext>
             </a:extLst>
           </p:cNvPr>
@@ -822,7 +822,7 @@
           <p:cNvPr id="5" name="바닥글 개체 틀 4">
             <a:extLst>
               <a:ext uri="{FF2B5EF4-FFF2-40B4-BE49-F238E27FC236}">
-                <a16:creationId xmlns:a16="http://schemas.microsoft.com/office/drawing/2014/main" id="{985BE14D-E304-4540-B91A-45368E6891AC}"/>
+                <a16:creationId xmlns:a16="http://schemas.microsoft.com/office/drawing/2014/main" xmlns="" id="{985BE14D-E304-4540-B91A-45368E6891AC}"/>
               </a:ext>
             </a:extLst>
           </p:cNvPr>
@@ -847,7 +847,7 @@
           <p:cNvPr id="6" name="슬라이드 번호 개체 틀 5">
             <a:extLst>
               <a:ext uri="{FF2B5EF4-FFF2-40B4-BE49-F238E27FC236}">
-                <a16:creationId xmlns:a16="http://schemas.microsoft.com/office/drawing/2014/main" id="{2695B521-7F98-BF41-B606-35A7CC96F9D7}"/>
+                <a16:creationId xmlns:a16="http://schemas.microsoft.com/office/drawing/2014/main" xmlns="" id="{2695B521-7F98-BF41-B606-35A7CC96F9D7}"/>
               </a:ext>
             </a:extLst>
           </p:cNvPr>
@@ -875,7 +875,7 @@
     </p:spTree>
     <p:extLst>
       <p:ext uri="{BB962C8B-B14F-4D97-AF65-F5344CB8AC3E}">
-        <p14:creationId xmlns:p14="http://schemas.microsoft.com/office/powerpoint/2010/main" val="2677970395"/>
+        <p14:creationId xmlns:p14="http://schemas.microsoft.com/office/powerpoint/2010/main" xmlns="" val="2677970395"/>
       </p:ext>
     </p:extLst>
   </p:cSld>
@@ -907,7 +907,7 @@
           <p:cNvPr id="2" name="세로 제목 1">
             <a:extLst>
               <a:ext uri="{FF2B5EF4-FFF2-40B4-BE49-F238E27FC236}">
-                <a16:creationId xmlns:a16="http://schemas.microsoft.com/office/drawing/2014/main" id="{CC9F30B6-7E51-E849-9012-A2137E7DDD2A}"/>
+                <a16:creationId xmlns:a16="http://schemas.microsoft.com/office/drawing/2014/main" xmlns="" id="{CC9F30B6-7E51-E849-9012-A2137E7DDD2A}"/>
               </a:ext>
             </a:extLst>
           </p:cNvPr>
@@ -940,7 +940,7 @@
           <p:cNvPr id="3" name="세로 텍스트 개체 틀 2">
             <a:extLst>
               <a:ext uri="{FF2B5EF4-FFF2-40B4-BE49-F238E27FC236}">
-                <a16:creationId xmlns:a16="http://schemas.microsoft.com/office/drawing/2014/main" id="{7B69FA03-416D-8C4A-AE97-8A6CECC42143}"/>
+                <a16:creationId xmlns:a16="http://schemas.microsoft.com/office/drawing/2014/main" xmlns="" id="{7B69FA03-416D-8C4A-AE97-8A6CECC42143}"/>
               </a:ext>
             </a:extLst>
           </p:cNvPr>
@@ -977,7 +977,7 @@
           <p:cNvPr id="4" name="날짜 개체 틀 3">
             <a:extLst>
               <a:ext uri="{FF2B5EF4-FFF2-40B4-BE49-F238E27FC236}">
-                <a16:creationId xmlns:a16="http://schemas.microsoft.com/office/drawing/2014/main" id="{D4C60FB7-084B-C546-AA5A-31F216EEEECF}"/>
+                <a16:creationId xmlns:a16="http://schemas.microsoft.com/office/drawing/2014/main" xmlns="" id="{D4C60FB7-084B-C546-AA5A-31F216EEEECF}"/>
               </a:ext>
             </a:extLst>
           </p:cNvPr>
@@ -1007,7 +1007,7 @@
           <p:cNvPr id="5" name="바닥글 개체 틀 4">
             <a:extLst>
               <a:ext uri="{FF2B5EF4-FFF2-40B4-BE49-F238E27FC236}">
-                <a16:creationId xmlns:a16="http://schemas.microsoft.com/office/drawing/2014/main" id="{78E3B417-D516-7441-91B1-954736D5687B}"/>
+                <a16:creationId xmlns:a16="http://schemas.microsoft.com/office/drawing/2014/main" xmlns="" id="{78E3B417-D516-7441-91B1-954736D5687B}"/>
               </a:ext>
             </a:extLst>
           </p:cNvPr>
@@ -1032,7 +1032,7 @@
           <p:cNvPr id="6" name="슬라이드 번호 개체 틀 5">
             <a:extLst>
               <a:ext uri="{FF2B5EF4-FFF2-40B4-BE49-F238E27FC236}">
-                <a16:creationId xmlns:a16="http://schemas.microsoft.com/office/drawing/2014/main" id="{58F0D530-E2C2-254A-9891-CE4FEBFB8F75}"/>
+                <a16:creationId xmlns:a16="http://schemas.microsoft.com/office/drawing/2014/main" xmlns="" id="{58F0D530-E2C2-254A-9891-CE4FEBFB8F75}"/>
               </a:ext>
             </a:extLst>
           </p:cNvPr>
@@ -1060,7 +1060,7 @@
     </p:spTree>
     <p:extLst>
       <p:ext uri="{BB962C8B-B14F-4D97-AF65-F5344CB8AC3E}">
-        <p14:creationId xmlns:p14="http://schemas.microsoft.com/office/powerpoint/2010/main" val="3932676663"/>
+        <p14:creationId xmlns:p14="http://schemas.microsoft.com/office/powerpoint/2010/main" xmlns="" val="3932676663"/>
       </p:ext>
     </p:extLst>
   </p:cSld>
@@ -1092,7 +1092,7 @@
           <p:cNvPr id="2" name="제목 1">
             <a:extLst>
               <a:ext uri="{FF2B5EF4-FFF2-40B4-BE49-F238E27FC236}">
-                <a16:creationId xmlns:a16="http://schemas.microsoft.com/office/drawing/2014/main" id="{25908939-8DB2-E548-ACE8-A5E3DB62C879}"/>
+                <a16:creationId xmlns:a16="http://schemas.microsoft.com/office/drawing/2014/main" xmlns="" id="{25908939-8DB2-E548-ACE8-A5E3DB62C879}"/>
               </a:ext>
             </a:extLst>
           </p:cNvPr>
@@ -1120,7 +1120,7 @@
           <p:cNvPr id="3" name="내용 개체 틀 2">
             <a:extLst>
               <a:ext uri="{FF2B5EF4-FFF2-40B4-BE49-F238E27FC236}">
-                <a16:creationId xmlns:a16="http://schemas.microsoft.com/office/drawing/2014/main" id="{3E0E5E13-51CA-F449-A7FF-A628F1A4CA5F}"/>
+                <a16:creationId xmlns:a16="http://schemas.microsoft.com/office/drawing/2014/main" xmlns="" id="{3E0E5E13-51CA-F449-A7FF-A628F1A4CA5F}"/>
               </a:ext>
             </a:extLst>
           </p:cNvPr>
@@ -1152,7 +1152,7 @@
           <p:cNvPr id="4" name="날짜 개체 틀 3">
             <a:extLst>
               <a:ext uri="{FF2B5EF4-FFF2-40B4-BE49-F238E27FC236}">
-                <a16:creationId xmlns:a16="http://schemas.microsoft.com/office/drawing/2014/main" id="{A133EAE4-BEA2-1548-A59F-046FF0521C68}"/>
+                <a16:creationId xmlns:a16="http://schemas.microsoft.com/office/drawing/2014/main" xmlns="" id="{A133EAE4-BEA2-1548-A59F-046FF0521C68}"/>
               </a:ext>
             </a:extLst>
           </p:cNvPr>
@@ -1182,7 +1182,7 @@
           <p:cNvPr id="5" name="바닥글 개체 틀 4">
             <a:extLst>
               <a:ext uri="{FF2B5EF4-FFF2-40B4-BE49-F238E27FC236}">
-                <a16:creationId xmlns:a16="http://schemas.microsoft.com/office/drawing/2014/main" id="{1C4AB806-1717-6841-A40B-D91B892BC0AC}"/>
+                <a16:creationId xmlns:a16="http://schemas.microsoft.com/office/drawing/2014/main" xmlns="" id="{1C4AB806-1717-6841-A40B-D91B892BC0AC}"/>
               </a:ext>
             </a:extLst>
           </p:cNvPr>
@@ -1207,7 +1207,7 @@
           <p:cNvPr id="6" name="슬라이드 번호 개체 틀 5">
             <a:extLst>
               <a:ext uri="{FF2B5EF4-FFF2-40B4-BE49-F238E27FC236}">
-                <a16:creationId xmlns:a16="http://schemas.microsoft.com/office/drawing/2014/main" id="{C498F8E6-61EE-9A40-A82C-56B21C4FBA2E}"/>
+                <a16:creationId xmlns:a16="http://schemas.microsoft.com/office/drawing/2014/main" xmlns="" id="{C498F8E6-61EE-9A40-A82C-56B21C4FBA2E}"/>
               </a:ext>
             </a:extLst>
           </p:cNvPr>
@@ -1235,7 +1235,7 @@
     </p:spTree>
     <p:extLst>
       <p:ext uri="{BB962C8B-B14F-4D97-AF65-F5344CB8AC3E}">
-        <p14:creationId xmlns:p14="http://schemas.microsoft.com/office/powerpoint/2010/main" val="3610979407"/>
+        <p14:creationId xmlns:p14="http://schemas.microsoft.com/office/powerpoint/2010/main" xmlns="" val="3610979407"/>
       </p:ext>
     </p:extLst>
   </p:cSld>
@@ -1267,7 +1267,7 @@
           <p:cNvPr id="2" name="제목 1">
             <a:extLst>
               <a:ext uri="{FF2B5EF4-FFF2-40B4-BE49-F238E27FC236}">
-                <a16:creationId xmlns:a16="http://schemas.microsoft.com/office/drawing/2014/main" id="{20738035-A752-A04F-AC37-BE71AD6A1D56}"/>
+                <a16:creationId xmlns:a16="http://schemas.microsoft.com/office/drawing/2014/main" xmlns="" id="{20738035-A752-A04F-AC37-BE71AD6A1D56}"/>
               </a:ext>
             </a:extLst>
           </p:cNvPr>
@@ -1304,7 +1304,7 @@
           <p:cNvPr id="3" name="텍스트 개체 틀 2">
             <a:extLst>
               <a:ext uri="{FF2B5EF4-FFF2-40B4-BE49-F238E27FC236}">
-                <a16:creationId xmlns:a16="http://schemas.microsoft.com/office/drawing/2014/main" id="{45ED5397-BA55-5E49-8353-8A17C30A646F}"/>
+                <a16:creationId xmlns:a16="http://schemas.microsoft.com/office/drawing/2014/main" xmlns="" id="{45ED5397-BA55-5E49-8353-8A17C30A646F}"/>
               </a:ext>
             </a:extLst>
           </p:cNvPr>
@@ -1432,7 +1432,7 @@
           <p:cNvPr id="4" name="날짜 개체 틀 3">
             <a:extLst>
               <a:ext uri="{FF2B5EF4-FFF2-40B4-BE49-F238E27FC236}">
-                <a16:creationId xmlns:a16="http://schemas.microsoft.com/office/drawing/2014/main" id="{7DE34B4F-B9C4-6441-A021-A747F74D9083}"/>
+                <a16:creationId xmlns:a16="http://schemas.microsoft.com/office/drawing/2014/main" xmlns="" id="{7DE34B4F-B9C4-6441-A021-A747F74D9083}"/>
               </a:ext>
             </a:extLst>
           </p:cNvPr>
@@ -1462,7 +1462,7 @@
           <p:cNvPr id="5" name="바닥글 개체 틀 4">
             <a:extLst>
               <a:ext uri="{FF2B5EF4-FFF2-40B4-BE49-F238E27FC236}">
-                <a16:creationId xmlns:a16="http://schemas.microsoft.com/office/drawing/2014/main" id="{A5B6457E-0B56-1849-8C54-FFA2CC53DD8E}"/>
+                <a16:creationId xmlns:a16="http://schemas.microsoft.com/office/drawing/2014/main" xmlns="" id="{A5B6457E-0B56-1849-8C54-FFA2CC53DD8E}"/>
               </a:ext>
             </a:extLst>
           </p:cNvPr>
@@ -1487,7 +1487,7 @@
           <p:cNvPr id="6" name="슬라이드 번호 개체 틀 5">
             <a:extLst>
               <a:ext uri="{FF2B5EF4-FFF2-40B4-BE49-F238E27FC236}">
-                <a16:creationId xmlns:a16="http://schemas.microsoft.com/office/drawing/2014/main" id="{513D8DC1-B9C2-EC42-AB77-8CA99AF0B5D7}"/>
+                <a16:creationId xmlns:a16="http://schemas.microsoft.com/office/drawing/2014/main" xmlns="" id="{513D8DC1-B9C2-EC42-AB77-8CA99AF0B5D7}"/>
               </a:ext>
             </a:extLst>
           </p:cNvPr>
@@ -1515,7 +1515,7 @@
     </p:spTree>
     <p:extLst>
       <p:ext uri="{BB962C8B-B14F-4D97-AF65-F5344CB8AC3E}">
-        <p14:creationId xmlns:p14="http://schemas.microsoft.com/office/powerpoint/2010/main" val="1759907452"/>
+        <p14:creationId xmlns:p14="http://schemas.microsoft.com/office/powerpoint/2010/main" xmlns="" val="1759907452"/>
       </p:ext>
     </p:extLst>
   </p:cSld>
@@ -1547,7 +1547,7 @@
           <p:cNvPr id="2" name="제목 1">
             <a:extLst>
               <a:ext uri="{FF2B5EF4-FFF2-40B4-BE49-F238E27FC236}">
-                <a16:creationId xmlns:a16="http://schemas.microsoft.com/office/drawing/2014/main" id="{572AC94E-DE91-3648-9D50-663BA6102CE3}"/>
+                <a16:creationId xmlns:a16="http://schemas.microsoft.com/office/drawing/2014/main" xmlns="" id="{572AC94E-DE91-3648-9D50-663BA6102CE3}"/>
               </a:ext>
             </a:extLst>
           </p:cNvPr>
@@ -1575,7 +1575,7 @@
           <p:cNvPr id="3" name="내용 개체 틀 2">
             <a:extLst>
               <a:ext uri="{FF2B5EF4-FFF2-40B4-BE49-F238E27FC236}">
-                <a16:creationId xmlns:a16="http://schemas.microsoft.com/office/drawing/2014/main" id="{D767EA31-594C-0C4F-ABE8-4C1F0DC90912}"/>
+                <a16:creationId xmlns:a16="http://schemas.microsoft.com/office/drawing/2014/main" xmlns="" id="{D767EA31-594C-0C4F-ABE8-4C1F0DC90912}"/>
               </a:ext>
             </a:extLst>
           </p:cNvPr>
@@ -1612,7 +1612,7 @@
           <p:cNvPr id="4" name="내용 개체 틀 3">
             <a:extLst>
               <a:ext uri="{FF2B5EF4-FFF2-40B4-BE49-F238E27FC236}">
-                <a16:creationId xmlns:a16="http://schemas.microsoft.com/office/drawing/2014/main" id="{B2622D40-DAB4-7248-A1B5-FF4E3669FB92}"/>
+                <a16:creationId xmlns:a16="http://schemas.microsoft.com/office/drawing/2014/main" xmlns="" id="{B2622D40-DAB4-7248-A1B5-FF4E3669FB92}"/>
               </a:ext>
             </a:extLst>
           </p:cNvPr>
@@ -1649,7 +1649,7 @@
           <p:cNvPr id="5" name="날짜 개체 틀 4">
             <a:extLst>
               <a:ext uri="{FF2B5EF4-FFF2-40B4-BE49-F238E27FC236}">
-                <a16:creationId xmlns:a16="http://schemas.microsoft.com/office/drawing/2014/main" id="{55D8839B-9014-BA4A-A907-E47C2462E550}"/>
+                <a16:creationId xmlns:a16="http://schemas.microsoft.com/office/drawing/2014/main" xmlns="" id="{55D8839B-9014-BA4A-A907-E47C2462E550}"/>
               </a:ext>
             </a:extLst>
           </p:cNvPr>
@@ -1679,7 +1679,7 @@
           <p:cNvPr id="6" name="바닥글 개체 틀 5">
             <a:extLst>
               <a:ext uri="{FF2B5EF4-FFF2-40B4-BE49-F238E27FC236}">
-                <a16:creationId xmlns:a16="http://schemas.microsoft.com/office/drawing/2014/main" id="{0CF04C83-BF5E-5C44-855B-07A61405377B}"/>
+                <a16:creationId xmlns:a16="http://schemas.microsoft.com/office/drawing/2014/main" xmlns="" id="{0CF04C83-BF5E-5C44-855B-07A61405377B}"/>
               </a:ext>
             </a:extLst>
           </p:cNvPr>
@@ -1704,7 +1704,7 @@
           <p:cNvPr id="7" name="슬라이드 번호 개체 틀 6">
             <a:extLst>
               <a:ext uri="{FF2B5EF4-FFF2-40B4-BE49-F238E27FC236}">
-                <a16:creationId xmlns:a16="http://schemas.microsoft.com/office/drawing/2014/main" id="{EAE3301C-ED85-6E4E-97CB-26B53561128B}"/>
+                <a16:creationId xmlns:a16="http://schemas.microsoft.com/office/drawing/2014/main" xmlns="" id="{EAE3301C-ED85-6E4E-97CB-26B53561128B}"/>
               </a:ext>
             </a:extLst>
           </p:cNvPr>
@@ -1732,7 +1732,7 @@
     </p:spTree>
     <p:extLst>
       <p:ext uri="{BB962C8B-B14F-4D97-AF65-F5344CB8AC3E}">
-        <p14:creationId xmlns:p14="http://schemas.microsoft.com/office/powerpoint/2010/main" val="4178646919"/>
+        <p14:creationId xmlns:p14="http://schemas.microsoft.com/office/powerpoint/2010/main" xmlns="" val="4178646919"/>
       </p:ext>
     </p:extLst>
   </p:cSld>
@@ -1764,7 +1764,7 @@
           <p:cNvPr id="2" name="제목 1">
             <a:extLst>
               <a:ext uri="{FF2B5EF4-FFF2-40B4-BE49-F238E27FC236}">
-                <a16:creationId xmlns:a16="http://schemas.microsoft.com/office/drawing/2014/main" id="{2D48C063-E021-C841-B92D-A087198E7C60}"/>
+                <a16:creationId xmlns:a16="http://schemas.microsoft.com/office/drawing/2014/main" xmlns="" id="{2D48C063-E021-C841-B92D-A087198E7C60}"/>
               </a:ext>
             </a:extLst>
           </p:cNvPr>
@@ -1797,7 +1797,7 @@
           <p:cNvPr id="3" name="텍스트 개체 틀 2">
             <a:extLst>
               <a:ext uri="{FF2B5EF4-FFF2-40B4-BE49-F238E27FC236}">
-                <a16:creationId xmlns:a16="http://schemas.microsoft.com/office/drawing/2014/main" id="{015AAEF1-6ADE-2A4F-A1B2-B4214FBACDB8}"/>
+                <a16:creationId xmlns:a16="http://schemas.microsoft.com/office/drawing/2014/main" xmlns="" id="{015AAEF1-6ADE-2A4F-A1B2-B4214FBACDB8}"/>
               </a:ext>
             </a:extLst>
           </p:cNvPr>
@@ -1871,7 +1871,7 @@
           <p:cNvPr id="4" name="내용 개체 틀 3">
             <a:extLst>
               <a:ext uri="{FF2B5EF4-FFF2-40B4-BE49-F238E27FC236}">
-                <a16:creationId xmlns:a16="http://schemas.microsoft.com/office/drawing/2014/main" id="{DD0A6D24-CF00-D447-BA91-083FD7FD1EDF}"/>
+                <a16:creationId xmlns:a16="http://schemas.microsoft.com/office/drawing/2014/main" xmlns="" id="{DD0A6D24-CF00-D447-BA91-083FD7FD1EDF}"/>
               </a:ext>
             </a:extLst>
           </p:cNvPr>
@@ -1908,7 +1908,7 @@
           <p:cNvPr id="5" name="텍스트 개체 틀 4">
             <a:extLst>
               <a:ext uri="{FF2B5EF4-FFF2-40B4-BE49-F238E27FC236}">
-                <a16:creationId xmlns:a16="http://schemas.microsoft.com/office/drawing/2014/main" id="{B1A05A70-C9A1-994D-98CF-9B83235CF9EE}"/>
+                <a16:creationId xmlns:a16="http://schemas.microsoft.com/office/drawing/2014/main" xmlns="" id="{B1A05A70-C9A1-994D-98CF-9B83235CF9EE}"/>
               </a:ext>
             </a:extLst>
           </p:cNvPr>
@@ -1982,7 +1982,7 @@
           <p:cNvPr id="6" name="내용 개체 틀 5">
             <a:extLst>
               <a:ext uri="{FF2B5EF4-FFF2-40B4-BE49-F238E27FC236}">
-                <a16:creationId xmlns:a16="http://schemas.microsoft.com/office/drawing/2014/main" id="{2EBD6979-0DF5-C248-A430-408686A9D3DD}"/>
+                <a16:creationId xmlns:a16="http://schemas.microsoft.com/office/drawing/2014/main" xmlns="" id="{2EBD6979-0DF5-C248-A430-408686A9D3DD}"/>
               </a:ext>
             </a:extLst>
           </p:cNvPr>
@@ -2019,7 +2019,7 @@
           <p:cNvPr id="7" name="날짜 개체 틀 6">
             <a:extLst>
               <a:ext uri="{FF2B5EF4-FFF2-40B4-BE49-F238E27FC236}">
-                <a16:creationId xmlns:a16="http://schemas.microsoft.com/office/drawing/2014/main" id="{1ECD500E-620C-2444-99DF-1F1E77D80078}"/>
+                <a16:creationId xmlns:a16="http://schemas.microsoft.com/office/drawing/2014/main" xmlns="" id="{1ECD500E-620C-2444-99DF-1F1E77D80078}"/>
               </a:ext>
             </a:extLst>
           </p:cNvPr>
@@ -2049,7 +2049,7 @@
           <p:cNvPr id="8" name="바닥글 개체 틀 7">
             <a:extLst>
               <a:ext uri="{FF2B5EF4-FFF2-40B4-BE49-F238E27FC236}">
-                <a16:creationId xmlns:a16="http://schemas.microsoft.com/office/drawing/2014/main" id="{5FC09583-EDEB-8140-9E03-7E3D359A6F6A}"/>
+                <a16:creationId xmlns:a16="http://schemas.microsoft.com/office/drawing/2014/main" xmlns="" id="{5FC09583-EDEB-8140-9E03-7E3D359A6F6A}"/>
               </a:ext>
             </a:extLst>
           </p:cNvPr>
@@ -2074,7 +2074,7 @@
           <p:cNvPr id="9" name="슬라이드 번호 개체 틀 8">
             <a:extLst>
               <a:ext uri="{FF2B5EF4-FFF2-40B4-BE49-F238E27FC236}">
-                <a16:creationId xmlns:a16="http://schemas.microsoft.com/office/drawing/2014/main" id="{95125583-F585-AF4D-8136-8CC5AC5DE6DD}"/>
+                <a16:creationId xmlns:a16="http://schemas.microsoft.com/office/drawing/2014/main" xmlns="" id="{95125583-F585-AF4D-8136-8CC5AC5DE6DD}"/>
               </a:ext>
             </a:extLst>
           </p:cNvPr>
@@ -2102,7 +2102,7 @@
     </p:spTree>
     <p:extLst>
       <p:ext uri="{BB962C8B-B14F-4D97-AF65-F5344CB8AC3E}">
-        <p14:creationId xmlns:p14="http://schemas.microsoft.com/office/powerpoint/2010/main" val="2545313846"/>
+        <p14:creationId xmlns:p14="http://schemas.microsoft.com/office/powerpoint/2010/main" xmlns="" val="2545313846"/>
       </p:ext>
     </p:extLst>
   </p:cSld>
@@ -2134,7 +2134,7 @@
           <p:cNvPr id="2" name="제목 1">
             <a:extLst>
               <a:ext uri="{FF2B5EF4-FFF2-40B4-BE49-F238E27FC236}">
-                <a16:creationId xmlns:a16="http://schemas.microsoft.com/office/drawing/2014/main" id="{F49BD015-8352-6342-BF8C-4736C2A1DAE4}"/>
+                <a16:creationId xmlns:a16="http://schemas.microsoft.com/office/drawing/2014/main" xmlns="" id="{F49BD015-8352-6342-BF8C-4736C2A1DAE4}"/>
               </a:ext>
             </a:extLst>
           </p:cNvPr>
@@ -2162,7 +2162,7 @@
           <p:cNvPr id="3" name="날짜 개체 틀 2">
             <a:extLst>
               <a:ext uri="{FF2B5EF4-FFF2-40B4-BE49-F238E27FC236}">
-                <a16:creationId xmlns:a16="http://schemas.microsoft.com/office/drawing/2014/main" id="{2F95FE88-801B-5043-8A28-57A8255CDB66}"/>
+                <a16:creationId xmlns:a16="http://schemas.microsoft.com/office/drawing/2014/main" xmlns="" id="{2F95FE88-801B-5043-8A28-57A8255CDB66}"/>
               </a:ext>
             </a:extLst>
           </p:cNvPr>
@@ -2192,7 +2192,7 @@
           <p:cNvPr id="4" name="바닥글 개체 틀 3">
             <a:extLst>
               <a:ext uri="{FF2B5EF4-FFF2-40B4-BE49-F238E27FC236}">
-                <a16:creationId xmlns:a16="http://schemas.microsoft.com/office/drawing/2014/main" id="{1B29247F-613F-8041-A68F-2E695BEFA12E}"/>
+                <a16:creationId xmlns:a16="http://schemas.microsoft.com/office/drawing/2014/main" xmlns="" id="{1B29247F-613F-8041-A68F-2E695BEFA12E}"/>
               </a:ext>
             </a:extLst>
           </p:cNvPr>
@@ -2217,7 +2217,7 @@
           <p:cNvPr id="5" name="슬라이드 번호 개체 틀 4">
             <a:extLst>
               <a:ext uri="{FF2B5EF4-FFF2-40B4-BE49-F238E27FC236}">
-                <a16:creationId xmlns:a16="http://schemas.microsoft.com/office/drawing/2014/main" id="{B20387DC-5EE6-F94C-86EA-19E6A36F2376}"/>
+                <a16:creationId xmlns:a16="http://schemas.microsoft.com/office/drawing/2014/main" xmlns="" id="{B20387DC-5EE6-F94C-86EA-19E6A36F2376}"/>
               </a:ext>
             </a:extLst>
           </p:cNvPr>
@@ -2245,7 +2245,7 @@
     </p:spTree>
     <p:extLst>
       <p:ext uri="{BB962C8B-B14F-4D97-AF65-F5344CB8AC3E}">
-        <p14:creationId xmlns:p14="http://schemas.microsoft.com/office/powerpoint/2010/main" val="450827391"/>
+        <p14:creationId xmlns:p14="http://schemas.microsoft.com/office/powerpoint/2010/main" xmlns="" val="450827391"/>
       </p:ext>
     </p:extLst>
   </p:cSld>
@@ -2277,7 +2277,7 @@
           <p:cNvPr id="2" name="날짜 개체 틀 1">
             <a:extLst>
               <a:ext uri="{FF2B5EF4-FFF2-40B4-BE49-F238E27FC236}">
-                <a16:creationId xmlns:a16="http://schemas.microsoft.com/office/drawing/2014/main" id="{AC54CF41-2CCB-2546-8A51-3EC7908852B3}"/>
+                <a16:creationId xmlns:a16="http://schemas.microsoft.com/office/drawing/2014/main" xmlns="" id="{AC54CF41-2CCB-2546-8A51-3EC7908852B3}"/>
               </a:ext>
             </a:extLst>
           </p:cNvPr>
@@ -2307,7 +2307,7 @@
           <p:cNvPr id="3" name="바닥글 개체 틀 2">
             <a:extLst>
               <a:ext uri="{FF2B5EF4-FFF2-40B4-BE49-F238E27FC236}">
-                <a16:creationId xmlns:a16="http://schemas.microsoft.com/office/drawing/2014/main" id="{5C41C900-20D4-1E46-A503-DEA018F92506}"/>
+                <a16:creationId xmlns:a16="http://schemas.microsoft.com/office/drawing/2014/main" xmlns="" id="{5C41C900-20D4-1E46-A503-DEA018F92506}"/>
               </a:ext>
             </a:extLst>
           </p:cNvPr>
@@ -2332,7 +2332,7 @@
           <p:cNvPr id="4" name="슬라이드 번호 개체 틀 3">
             <a:extLst>
               <a:ext uri="{FF2B5EF4-FFF2-40B4-BE49-F238E27FC236}">
-                <a16:creationId xmlns:a16="http://schemas.microsoft.com/office/drawing/2014/main" id="{473903CA-6145-3846-B5B6-56790FC68ACB}"/>
+                <a16:creationId xmlns:a16="http://schemas.microsoft.com/office/drawing/2014/main" xmlns="" id="{473903CA-6145-3846-B5B6-56790FC68ACB}"/>
               </a:ext>
             </a:extLst>
           </p:cNvPr>
@@ -2360,7 +2360,7 @@
     </p:spTree>
     <p:extLst>
       <p:ext uri="{BB962C8B-B14F-4D97-AF65-F5344CB8AC3E}">
-        <p14:creationId xmlns:p14="http://schemas.microsoft.com/office/powerpoint/2010/main" val="4096272925"/>
+        <p14:creationId xmlns:p14="http://schemas.microsoft.com/office/powerpoint/2010/main" xmlns="" val="4096272925"/>
       </p:ext>
     </p:extLst>
   </p:cSld>
@@ -2392,7 +2392,7 @@
           <p:cNvPr id="2" name="제목 1">
             <a:extLst>
               <a:ext uri="{FF2B5EF4-FFF2-40B4-BE49-F238E27FC236}">
-                <a16:creationId xmlns:a16="http://schemas.microsoft.com/office/drawing/2014/main" id="{5BB53706-6F59-164D-8AB3-61AA4193855E}"/>
+                <a16:creationId xmlns:a16="http://schemas.microsoft.com/office/drawing/2014/main" xmlns="" id="{5BB53706-6F59-164D-8AB3-61AA4193855E}"/>
               </a:ext>
             </a:extLst>
           </p:cNvPr>
@@ -2429,7 +2429,7 @@
           <p:cNvPr id="3" name="내용 개체 틀 2">
             <a:extLst>
               <a:ext uri="{FF2B5EF4-FFF2-40B4-BE49-F238E27FC236}">
-                <a16:creationId xmlns:a16="http://schemas.microsoft.com/office/drawing/2014/main" id="{7705A654-A7BC-6F44-B678-0077F702E549}"/>
+                <a16:creationId xmlns:a16="http://schemas.microsoft.com/office/drawing/2014/main" xmlns="" id="{7705A654-A7BC-6F44-B678-0077F702E549}"/>
               </a:ext>
             </a:extLst>
           </p:cNvPr>
@@ -2494,7 +2494,7 @@
           <p:cNvPr id="4" name="텍스트 개체 틀 3">
             <a:extLst>
               <a:ext uri="{FF2B5EF4-FFF2-40B4-BE49-F238E27FC236}">
-                <a16:creationId xmlns:a16="http://schemas.microsoft.com/office/drawing/2014/main" id="{85861AE6-FE95-6C4A-A5DD-59F45593D0F8}"/>
+                <a16:creationId xmlns:a16="http://schemas.microsoft.com/office/drawing/2014/main" xmlns="" id="{85861AE6-FE95-6C4A-A5DD-59F45593D0F8}"/>
               </a:ext>
             </a:extLst>
           </p:cNvPr>
@@ -2568,7 +2568,7 @@
           <p:cNvPr id="5" name="날짜 개체 틀 4">
             <a:extLst>
               <a:ext uri="{FF2B5EF4-FFF2-40B4-BE49-F238E27FC236}">
-                <a16:creationId xmlns:a16="http://schemas.microsoft.com/office/drawing/2014/main" id="{CEC38569-2EC9-484E-BC36-4FD46BA240E8}"/>
+                <a16:creationId xmlns:a16="http://schemas.microsoft.com/office/drawing/2014/main" xmlns="" id="{CEC38569-2EC9-484E-BC36-4FD46BA240E8}"/>
               </a:ext>
             </a:extLst>
           </p:cNvPr>
@@ -2598,7 +2598,7 @@
           <p:cNvPr id="6" name="바닥글 개체 틀 5">
             <a:extLst>
               <a:ext uri="{FF2B5EF4-FFF2-40B4-BE49-F238E27FC236}">
-                <a16:creationId xmlns:a16="http://schemas.microsoft.com/office/drawing/2014/main" id="{B10CDF1C-8E4C-8241-BA2C-C99E5B7E9191}"/>
+                <a16:creationId xmlns:a16="http://schemas.microsoft.com/office/drawing/2014/main" xmlns="" id="{B10CDF1C-8E4C-8241-BA2C-C99E5B7E9191}"/>
               </a:ext>
             </a:extLst>
           </p:cNvPr>
@@ -2623,7 +2623,7 @@
           <p:cNvPr id="7" name="슬라이드 번호 개체 틀 6">
             <a:extLst>
               <a:ext uri="{FF2B5EF4-FFF2-40B4-BE49-F238E27FC236}">
-                <a16:creationId xmlns:a16="http://schemas.microsoft.com/office/drawing/2014/main" id="{14D33965-C422-214D-8E44-BED179F2B464}"/>
+                <a16:creationId xmlns:a16="http://schemas.microsoft.com/office/drawing/2014/main" xmlns="" id="{14D33965-C422-214D-8E44-BED179F2B464}"/>
               </a:ext>
             </a:extLst>
           </p:cNvPr>
@@ -2651,7 +2651,7 @@
     </p:spTree>
     <p:extLst>
       <p:ext uri="{BB962C8B-B14F-4D97-AF65-F5344CB8AC3E}">
-        <p14:creationId xmlns:p14="http://schemas.microsoft.com/office/powerpoint/2010/main" val="1612699754"/>
+        <p14:creationId xmlns:p14="http://schemas.microsoft.com/office/powerpoint/2010/main" xmlns="" val="1612699754"/>
       </p:ext>
     </p:extLst>
   </p:cSld>
@@ -2683,7 +2683,7 @@
           <p:cNvPr id="2" name="제목 1">
             <a:extLst>
               <a:ext uri="{FF2B5EF4-FFF2-40B4-BE49-F238E27FC236}">
-                <a16:creationId xmlns:a16="http://schemas.microsoft.com/office/drawing/2014/main" id="{CE4343F3-D339-3D4A-9995-04AF273A728B}"/>
+                <a16:creationId xmlns:a16="http://schemas.microsoft.com/office/drawing/2014/main" xmlns="" id="{CE4343F3-D339-3D4A-9995-04AF273A728B}"/>
               </a:ext>
             </a:extLst>
           </p:cNvPr>
@@ -2720,7 +2720,7 @@
           <p:cNvPr id="3" name="그림 개체 틀 2">
             <a:extLst>
               <a:ext uri="{FF2B5EF4-FFF2-40B4-BE49-F238E27FC236}">
-                <a16:creationId xmlns:a16="http://schemas.microsoft.com/office/drawing/2014/main" id="{466D680B-DF64-1E47-B558-E4E9FCE8C012}"/>
+                <a16:creationId xmlns:a16="http://schemas.microsoft.com/office/drawing/2014/main" xmlns="" id="{466D680B-DF64-1E47-B558-E4E9FCE8C012}"/>
               </a:ext>
             </a:extLst>
           </p:cNvPr>
@@ -2787,7 +2787,7 @@
           <p:cNvPr id="4" name="텍스트 개체 틀 3">
             <a:extLst>
               <a:ext uri="{FF2B5EF4-FFF2-40B4-BE49-F238E27FC236}">
-                <a16:creationId xmlns:a16="http://schemas.microsoft.com/office/drawing/2014/main" id="{D01AC4ED-49CE-8D45-919C-2793B67A77A8}"/>
+                <a16:creationId xmlns:a16="http://schemas.microsoft.com/office/drawing/2014/main" xmlns="" id="{D01AC4ED-49CE-8D45-919C-2793B67A77A8}"/>
               </a:ext>
             </a:extLst>
           </p:cNvPr>
@@ -2861,7 +2861,7 @@
           <p:cNvPr id="5" name="날짜 개체 틀 4">
             <a:extLst>
               <a:ext uri="{FF2B5EF4-FFF2-40B4-BE49-F238E27FC236}">
-                <a16:creationId xmlns:a16="http://schemas.microsoft.com/office/drawing/2014/main" id="{6154C891-D6C4-F84E-AF79-923E3C88E217}"/>
+                <a16:creationId xmlns:a16="http://schemas.microsoft.com/office/drawing/2014/main" xmlns="" id="{6154C891-D6C4-F84E-AF79-923E3C88E217}"/>
               </a:ext>
             </a:extLst>
           </p:cNvPr>
@@ -2891,7 +2891,7 @@
           <p:cNvPr id="6" name="바닥글 개체 틀 5">
             <a:extLst>
               <a:ext uri="{FF2B5EF4-FFF2-40B4-BE49-F238E27FC236}">
-                <a16:creationId xmlns:a16="http://schemas.microsoft.com/office/drawing/2014/main" id="{C9DE4D14-A320-6446-8026-44D5260079EA}"/>
+                <a16:creationId xmlns:a16="http://schemas.microsoft.com/office/drawing/2014/main" xmlns="" id="{C9DE4D14-A320-6446-8026-44D5260079EA}"/>
               </a:ext>
             </a:extLst>
           </p:cNvPr>
@@ -2916,7 +2916,7 @@
           <p:cNvPr id="7" name="슬라이드 번호 개체 틀 6">
             <a:extLst>
               <a:ext uri="{FF2B5EF4-FFF2-40B4-BE49-F238E27FC236}">
-                <a16:creationId xmlns:a16="http://schemas.microsoft.com/office/drawing/2014/main" id="{3B086DF2-9F59-6945-B2A9-CB77FF8B2FFB}"/>
+                <a16:creationId xmlns:a16="http://schemas.microsoft.com/office/drawing/2014/main" xmlns="" id="{3B086DF2-9F59-6945-B2A9-CB77FF8B2FFB}"/>
               </a:ext>
             </a:extLst>
           </p:cNvPr>
@@ -2944,7 +2944,7 @@
     </p:spTree>
     <p:extLst>
       <p:ext uri="{BB962C8B-B14F-4D97-AF65-F5344CB8AC3E}">
-        <p14:creationId xmlns:p14="http://schemas.microsoft.com/office/powerpoint/2010/main" val="2057299818"/>
+        <p14:creationId xmlns:p14="http://schemas.microsoft.com/office/powerpoint/2010/main" xmlns="" val="2057299818"/>
       </p:ext>
     </p:extLst>
   </p:cSld>
@@ -2984,7 +2984,7 @@
           <p:cNvPr id="2" name="제목 개체 틀 1">
             <a:extLst>
               <a:ext uri="{FF2B5EF4-FFF2-40B4-BE49-F238E27FC236}">
-                <a16:creationId xmlns:a16="http://schemas.microsoft.com/office/drawing/2014/main" id="{FA4F4CFC-3045-7748-B28E-892F3216124E}"/>
+                <a16:creationId xmlns:a16="http://schemas.microsoft.com/office/drawing/2014/main" xmlns="" id="{FA4F4CFC-3045-7748-B28E-892F3216124E}"/>
               </a:ext>
             </a:extLst>
           </p:cNvPr>
@@ -3022,7 +3022,7 @@
           <p:cNvPr id="3" name="텍스트 개체 틀 2">
             <a:extLst>
               <a:ext uri="{FF2B5EF4-FFF2-40B4-BE49-F238E27FC236}">
-                <a16:creationId xmlns:a16="http://schemas.microsoft.com/office/drawing/2014/main" id="{57A11C7A-7CAD-7B4E-B8E7-FD3E44F2AD60}"/>
+                <a16:creationId xmlns:a16="http://schemas.microsoft.com/office/drawing/2014/main" xmlns="" id="{57A11C7A-7CAD-7B4E-B8E7-FD3E44F2AD60}"/>
               </a:ext>
             </a:extLst>
           </p:cNvPr>
@@ -3064,7 +3064,7 @@
           <p:cNvPr id="4" name="날짜 개체 틀 3">
             <a:extLst>
               <a:ext uri="{FF2B5EF4-FFF2-40B4-BE49-F238E27FC236}">
-                <a16:creationId xmlns:a16="http://schemas.microsoft.com/office/drawing/2014/main" id="{2ED43360-5054-BC43-AAE8-E246BC0C435E}"/>
+                <a16:creationId xmlns:a16="http://schemas.microsoft.com/office/drawing/2014/main" xmlns="" id="{2ED43360-5054-BC43-AAE8-E246BC0C435E}"/>
               </a:ext>
             </a:extLst>
           </p:cNvPr>
@@ -3112,7 +3112,7 @@
           <p:cNvPr id="5" name="바닥글 개체 틀 4">
             <a:extLst>
               <a:ext uri="{FF2B5EF4-FFF2-40B4-BE49-F238E27FC236}">
-                <a16:creationId xmlns:a16="http://schemas.microsoft.com/office/drawing/2014/main" id="{F947AE0D-B559-3345-9906-9F20127E89C2}"/>
+                <a16:creationId xmlns:a16="http://schemas.microsoft.com/office/drawing/2014/main" xmlns="" id="{F947AE0D-B559-3345-9906-9F20127E89C2}"/>
               </a:ext>
             </a:extLst>
           </p:cNvPr>
@@ -3155,7 +3155,7 @@
           <p:cNvPr id="6" name="슬라이드 번호 개체 틀 5">
             <a:extLst>
               <a:ext uri="{FF2B5EF4-FFF2-40B4-BE49-F238E27FC236}">
-                <a16:creationId xmlns:a16="http://schemas.microsoft.com/office/drawing/2014/main" id="{A2C0E009-4D69-E141-BDE3-7A5BCBD91A1C}"/>
+                <a16:creationId xmlns:a16="http://schemas.microsoft.com/office/drawing/2014/main" xmlns="" id="{A2C0E009-4D69-E141-BDE3-7A5BCBD91A1C}"/>
               </a:ext>
             </a:extLst>
           </p:cNvPr>
@@ -3201,7 +3201,7 @@
     </p:spTree>
     <p:extLst>
       <p:ext uri="{BB962C8B-B14F-4D97-AF65-F5344CB8AC3E}">
-        <p14:creationId xmlns:p14="http://schemas.microsoft.com/office/powerpoint/2010/main" val="2669113475"/>
+        <p14:creationId xmlns:p14="http://schemas.microsoft.com/office/powerpoint/2010/main" xmlns="" val="2669113475"/>
       </p:ext>
     </p:extLst>
   </p:cSld>
@@ -3532,7 +3532,7 @@
           <p:cNvPr id="2" name="왼쪽 대괄호[L] 1">
             <a:extLst>
               <a:ext uri="{FF2B5EF4-FFF2-40B4-BE49-F238E27FC236}">
-                <a16:creationId xmlns:a16="http://schemas.microsoft.com/office/drawing/2014/main" id="{FD2BE796-18C4-7542-922F-AC07CCDE25AD}"/>
+                <a16:creationId xmlns:a16="http://schemas.microsoft.com/office/drawing/2014/main" xmlns="" id="{FD2BE796-18C4-7542-922F-AC07CCDE25AD}"/>
               </a:ext>
             </a:extLst>
           </p:cNvPr>
@@ -3585,7 +3585,7 @@
           <p:cNvPr id="13" name="왼쪽 대괄호[L] 12">
             <a:extLst>
               <a:ext uri="{FF2B5EF4-FFF2-40B4-BE49-F238E27FC236}">
-                <a16:creationId xmlns:a16="http://schemas.microsoft.com/office/drawing/2014/main" id="{EFECA2F4-7A60-7B4A-9E41-4C7AFF855ED1}"/>
+                <a16:creationId xmlns:a16="http://schemas.microsoft.com/office/drawing/2014/main" xmlns="" id="{EFECA2F4-7A60-7B4A-9E41-4C7AFF855ED1}"/>
               </a:ext>
             </a:extLst>
           </p:cNvPr>
@@ -3833,7 +3833,7 @@
           <p:cNvPr id="3" name="직사각형 2">
             <a:extLst>
               <a:ext uri="{FF2B5EF4-FFF2-40B4-BE49-F238E27FC236}">
-                <a16:creationId xmlns:a16="http://schemas.microsoft.com/office/drawing/2014/main" id="{4882F748-B720-47A9-9623-8E981C6C522A}"/>
+                <a16:creationId xmlns:a16="http://schemas.microsoft.com/office/drawing/2014/main" xmlns="" id="{4882F748-B720-47A9-9623-8E981C6C522A}"/>
               </a:ext>
             </a:extLst>
           </p:cNvPr>
@@ -3953,7 +3953,7 @@
     </p:spTree>
     <p:extLst>
       <p:ext uri="{BB962C8B-B14F-4D97-AF65-F5344CB8AC3E}">
-        <p14:creationId xmlns:p14="http://schemas.microsoft.com/office/powerpoint/2010/main" val="3212234621"/>
+        <p14:creationId xmlns:p14="http://schemas.microsoft.com/office/powerpoint/2010/main" xmlns="" val="3212234621"/>
       </p:ext>
     </p:extLst>
   </p:cSld>
@@ -4205,7 +4205,7 @@
           <p:cNvPr id="34" name="직사각형 33">
             <a:extLst>
               <a:ext uri="{FF2B5EF4-FFF2-40B4-BE49-F238E27FC236}">
-                <a16:creationId xmlns:a16="http://schemas.microsoft.com/office/drawing/2014/main" id="{37CB002D-8420-B548-9BEA-2E18D8A9A204}"/>
+                <a16:creationId xmlns:a16="http://schemas.microsoft.com/office/drawing/2014/main" xmlns="" id="{37CB002D-8420-B548-9BEA-2E18D8A9A204}"/>
               </a:ext>
             </a:extLst>
           </p:cNvPr>
@@ -4266,7 +4266,7 @@
           <a:blip r:embed="rId2">
             <a:extLst>
               <a:ext uri="{28A0092B-C50C-407E-A947-70E740481C1C}">
-                <a14:useLocalDpi xmlns:a14="http://schemas.microsoft.com/office/drawing/2010/main" val="0"/>
+                <a14:useLocalDpi xmlns:a14="http://schemas.microsoft.com/office/drawing/2010/main" xmlns="" val="0"/>
               </a:ext>
             </a:extLst>
           </a:blip>
@@ -4290,14 +4290,14 @@
           <a:effectLst/>
           <a:extLst>
             <a:ext uri="{909E8E84-426E-40DD-AFC4-6F175D3DCCD1}">
-              <a14:hiddenFill xmlns:a14="http://schemas.microsoft.com/office/drawing/2010/main">
+              <a14:hiddenFill xmlns:a14="http://schemas.microsoft.com/office/drawing/2010/main" xmlns="">
                 <a:solidFill>
                   <a:schemeClr val="accent1"/>
                 </a:solidFill>
               </a14:hiddenFill>
             </a:ext>
             <a:ext uri="{91240B29-F687-4F45-9708-019B960494DF}">
-              <a14:hiddenLine xmlns:a14="http://schemas.microsoft.com/office/drawing/2010/main" w="9525">
+              <a14:hiddenLine xmlns:a14="http://schemas.microsoft.com/office/drawing/2010/main" xmlns="" w="9525">
                 <a:solidFill>
                   <a:schemeClr val="tx1"/>
                 </a:solidFill>
@@ -4307,7 +4307,7 @@
               </a14:hiddenLine>
             </a:ext>
             <a:ext uri="{AF507438-7753-43E0-B8FC-AC1667EBCBE1}">
-              <a14:hiddenEffects xmlns:a14="http://schemas.microsoft.com/office/drawing/2010/main">
+              <a14:hiddenEffects xmlns:a14="http://schemas.microsoft.com/office/drawing/2010/main" xmlns="">
                 <a:effectLst>
                   <a:outerShdw dist="35921" dir="2700000" algn="ctr" rotWithShape="0">
                     <a:schemeClr val="bg2"/>
@@ -4330,7 +4330,7 @@
           <a:blip r:embed="rId3">
             <a:extLst>
               <a:ext uri="{28A0092B-C50C-407E-A947-70E740481C1C}">
-                <a14:useLocalDpi xmlns:a14="http://schemas.microsoft.com/office/drawing/2010/main" val="0"/>
+                <a14:useLocalDpi xmlns:a14="http://schemas.microsoft.com/office/drawing/2010/main" xmlns="" val="0"/>
               </a:ext>
             </a:extLst>
           </a:blip>
@@ -4354,14 +4354,14 @@
           <a:effectLst/>
           <a:extLst>
             <a:ext uri="{909E8E84-426E-40DD-AFC4-6F175D3DCCD1}">
-              <a14:hiddenFill xmlns:a14="http://schemas.microsoft.com/office/drawing/2010/main">
+              <a14:hiddenFill xmlns:a14="http://schemas.microsoft.com/office/drawing/2010/main" xmlns="">
                 <a:solidFill>
                   <a:schemeClr val="accent1"/>
                 </a:solidFill>
               </a14:hiddenFill>
             </a:ext>
             <a:ext uri="{91240B29-F687-4F45-9708-019B960494DF}">
-              <a14:hiddenLine xmlns:a14="http://schemas.microsoft.com/office/drawing/2010/main" w="9525">
+              <a14:hiddenLine xmlns:a14="http://schemas.microsoft.com/office/drawing/2010/main" xmlns="" w="9525">
                 <a:solidFill>
                   <a:schemeClr val="tx1"/>
                 </a:solidFill>
@@ -4371,7 +4371,7 @@
               </a14:hiddenLine>
             </a:ext>
             <a:ext uri="{AF507438-7753-43E0-B8FC-AC1667EBCBE1}">
-              <a14:hiddenEffects xmlns:a14="http://schemas.microsoft.com/office/drawing/2010/main">
+              <a14:hiddenEffects xmlns:a14="http://schemas.microsoft.com/office/drawing/2010/main" xmlns="">
                 <a:effectLst>
                   <a:outerShdw dist="35921" dir="2700000" algn="ctr" rotWithShape="0">
                     <a:schemeClr val="bg2"/>
@@ -4394,7 +4394,7 @@
           <a:blip r:embed="rId4">
             <a:extLst>
               <a:ext uri="{28A0092B-C50C-407E-A947-70E740481C1C}">
-                <a14:useLocalDpi xmlns:a14="http://schemas.microsoft.com/office/drawing/2010/main" val="0"/>
+                <a14:useLocalDpi xmlns:a14="http://schemas.microsoft.com/office/drawing/2010/main" xmlns="" val="0"/>
               </a:ext>
             </a:extLst>
           </a:blip>
@@ -4418,14 +4418,14 @@
           <a:effectLst/>
           <a:extLst>
             <a:ext uri="{909E8E84-426E-40DD-AFC4-6F175D3DCCD1}">
-              <a14:hiddenFill xmlns:a14="http://schemas.microsoft.com/office/drawing/2010/main">
+              <a14:hiddenFill xmlns:a14="http://schemas.microsoft.com/office/drawing/2010/main" xmlns="">
                 <a:solidFill>
                   <a:schemeClr val="accent1"/>
                 </a:solidFill>
               </a14:hiddenFill>
             </a:ext>
             <a:ext uri="{91240B29-F687-4F45-9708-019B960494DF}">
-              <a14:hiddenLine xmlns:a14="http://schemas.microsoft.com/office/drawing/2010/main" w="9525">
+              <a14:hiddenLine xmlns:a14="http://schemas.microsoft.com/office/drawing/2010/main" xmlns="" w="9525">
                 <a:solidFill>
                   <a:schemeClr val="tx1"/>
                 </a:solidFill>
@@ -4435,7 +4435,7 @@
               </a14:hiddenLine>
             </a:ext>
             <a:ext uri="{AF507438-7753-43E0-B8FC-AC1667EBCBE1}">
-              <a14:hiddenEffects xmlns:a14="http://schemas.microsoft.com/office/drawing/2010/main">
+              <a14:hiddenEffects xmlns:a14="http://schemas.microsoft.com/office/drawing/2010/main" xmlns="">
                 <a:effectLst>
                   <a:outerShdw dist="35921" dir="2700000" algn="ctr" rotWithShape="0">
                     <a:schemeClr val="bg2"/>
@@ -4458,7 +4458,7 @@
           <a:blip r:embed="rId5">
             <a:extLst>
               <a:ext uri="{28A0092B-C50C-407E-A947-70E740481C1C}">
-                <a14:useLocalDpi xmlns:a14="http://schemas.microsoft.com/office/drawing/2010/main" val="0"/>
+                <a14:useLocalDpi xmlns:a14="http://schemas.microsoft.com/office/drawing/2010/main" xmlns="" val="0"/>
               </a:ext>
             </a:extLst>
           </a:blip>
@@ -4482,14 +4482,14 @@
           <a:effectLst/>
           <a:extLst>
             <a:ext uri="{909E8E84-426E-40DD-AFC4-6F175D3DCCD1}">
-              <a14:hiddenFill xmlns:a14="http://schemas.microsoft.com/office/drawing/2010/main">
+              <a14:hiddenFill xmlns:a14="http://schemas.microsoft.com/office/drawing/2010/main" xmlns="">
                 <a:solidFill>
                   <a:schemeClr val="accent1"/>
                 </a:solidFill>
               </a14:hiddenFill>
             </a:ext>
             <a:ext uri="{91240B29-F687-4F45-9708-019B960494DF}">
-              <a14:hiddenLine xmlns:a14="http://schemas.microsoft.com/office/drawing/2010/main" w="9525">
+              <a14:hiddenLine xmlns:a14="http://schemas.microsoft.com/office/drawing/2010/main" xmlns="" w="9525">
                 <a:solidFill>
                   <a:schemeClr val="tx1"/>
                 </a:solidFill>
@@ -4499,7 +4499,7 @@
               </a14:hiddenLine>
             </a:ext>
             <a:ext uri="{AF507438-7753-43E0-B8FC-AC1667EBCBE1}">
-              <a14:hiddenEffects xmlns:a14="http://schemas.microsoft.com/office/drawing/2010/main">
+              <a14:hiddenEffects xmlns:a14="http://schemas.microsoft.com/office/drawing/2010/main" xmlns="">
                 <a:effectLst>
                   <a:outerShdw dist="35921" dir="2700000" algn="ctr" rotWithShape="0">
                     <a:schemeClr val="bg2"/>
@@ -4515,7 +4515,7 @@
           <p:cNvPr id="15" name="직사각형 14">
             <a:extLst>
               <a:ext uri="{FF2B5EF4-FFF2-40B4-BE49-F238E27FC236}">
-                <a16:creationId xmlns:a16="http://schemas.microsoft.com/office/drawing/2014/main" id="{6B8B80B4-792D-174E-8B2C-A10CA85CDD01}"/>
+                <a16:creationId xmlns:a16="http://schemas.microsoft.com/office/drawing/2014/main" xmlns="" id="{6B8B80B4-792D-174E-8B2C-A10CA85CDD01}"/>
               </a:ext>
             </a:extLst>
           </p:cNvPr>
@@ -4569,7 +4569,7 @@
           <p:cNvPr id="16" name="직각 삼각형[R] 8">
             <a:extLst>
               <a:ext uri="{FF2B5EF4-FFF2-40B4-BE49-F238E27FC236}">
-                <a16:creationId xmlns:a16="http://schemas.microsoft.com/office/drawing/2014/main" id="{E9289217-6E56-7D4B-B6FB-329F373CAF3E}"/>
+                <a16:creationId xmlns:a16="http://schemas.microsoft.com/office/drawing/2014/main" xmlns="" id="{E9289217-6E56-7D4B-B6FB-329F373CAF3E}"/>
               </a:ext>
             </a:extLst>
           </p:cNvPr>
@@ -4627,7 +4627,7 @@
           <p:cNvPr id="17" name="TextBox 16">
             <a:extLst>
               <a:ext uri="{FF2B5EF4-FFF2-40B4-BE49-F238E27FC236}">
-                <a16:creationId xmlns:a16="http://schemas.microsoft.com/office/drawing/2014/main" id="{849EE5DD-2363-0B42-B4FD-2464134E7BE2}"/>
+                <a16:creationId xmlns:a16="http://schemas.microsoft.com/office/drawing/2014/main" xmlns="" id="{849EE5DD-2363-0B42-B4FD-2464134E7BE2}"/>
               </a:ext>
             </a:extLst>
           </p:cNvPr>
@@ -4726,13 +4726,20 @@
     </p:spTree>
     <p:extLst>
       <p:ext uri="{BB962C8B-B14F-4D97-AF65-F5344CB8AC3E}">
-        <p14:creationId xmlns:p14="http://schemas.microsoft.com/office/powerpoint/2010/main" val="1604158710"/>
+        <p14:creationId xmlns:p14="http://schemas.microsoft.com/office/powerpoint/2010/main" xmlns="" val="1604158710"/>
       </p:ext>
     </p:extLst>
   </p:cSld>
   <p:clrMapOvr>
     <a:masterClrMapping/>
   </p:clrMapOvr>
+  <p:timing>
+    <p:tnLst>
+      <p:par>
+        <p:cTn id="1" dur="indefinite" restart="never" nodeType="tmRoot"/>
+      </p:par>
+    </p:tnLst>
+  </p:timing>
 </p:sld>
 </file>
 
@@ -4758,7 +4765,7 @@
           <p:cNvPr id="34" name="직사각형 33">
             <a:extLst>
               <a:ext uri="{FF2B5EF4-FFF2-40B4-BE49-F238E27FC236}">
-                <a16:creationId xmlns:a16="http://schemas.microsoft.com/office/drawing/2014/main" id="{37CB002D-8420-B548-9BEA-2E18D8A9A204}"/>
+                <a16:creationId xmlns:a16="http://schemas.microsoft.com/office/drawing/2014/main" xmlns="" id="{37CB002D-8420-B548-9BEA-2E18D8A9A204}"/>
               </a:ext>
             </a:extLst>
           </p:cNvPr>
@@ -4810,7 +4817,7 @@
           <p:cNvPr id="6" name="직사각형 5">
             <a:extLst>
               <a:ext uri="{FF2B5EF4-FFF2-40B4-BE49-F238E27FC236}">
-                <a16:creationId xmlns:a16="http://schemas.microsoft.com/office/drawing/2014/main" id="{4D0119AE-4EA2-499B-9972-C575E5EBA5AD}"/>
+                <a16:creationId xmlns:a16="http://schemas.microsoft.com/office/drawing/2014/main" xmlns="" id="{4D0119AE-4EA2-499B-9972-C575E5EBA5AD}"/>
               </a:ext>
             </a:extLst>
           </p:cNvPr>
@@ -4864,7 +4871,7 @@
           <p:cNvPr id="7" name="직각 삼각형[R] 8">
             <a:extLst>
               <a:ext uri="{FF2B5EF4-FFF2-40B4-BE49-F238E27FC236}">
-                <a16:creationId xmlns:a16="http://schemas.microsoft.com/office/drawing/2014/main" id="{69CAA8AD-6975-4A66-B3B6-BC48151AA50D}"/>
+                <a16:creationId xmlns:a16="http://schemas.microsoft.com/office/drawing/2014/main" xmlns="" id="{69CAA8AD-6975-4A66-B3B6-BC48151AA50D}"/>
               </a:ext>
             </a:extLst>
           </p:cNvPr>
@@ -4922,7 +4929,7 @@
           <p:cNvPr id="10" name="TextBox 9">
             <a:extLst>
               <a:ext uri="{FF2B5EF4-FFF2-40B4-BE49-F238E27FC236}">
-                <a16:creationId xmlns:a16="http://schemas.microsoft.com/office/drawing/2014/main" id="{B19F3D26-132C-40C5-B9DB-D8F1B785953C}"/>
+                <a16:creationId xmlns:a16="http://schemas.microsoft.com/office/drawing/2014/main" xmlns="" id="{B19F3D26-132C-40C5-B9DB-D8F1B785953C}"/>
               </a:ext>
             </a:extLst>
           </p:cNvPr>
@@ -4981,7 +4988,7 @@
           <p:cNvPr id="11" name="TextBox 10">
             <a:extLst>
               <a:ext uri="{FF2B5EF4-FFF2-40B4-BE49-F238E27FC236}">
-                <a16:creationId xmlns:a16="http://schemas.microsoft.com/office/drawing/2014/main" id="{BB37E292-F07C-46B7-81A2-6CEC087515E5}"/>
+                <a16:creationId xmlns:a16="http://schemas.microsoft.com/office/drawing/2014/main" xmlns="" id="{BB37E292-F07C-46B7-81A2-6CEC087515E5}"/>
               </a:ext>
             </a:extLst>
           </p:cNvPr>
@@ -5029,7 +5036,7 @@
           <p:cNvPr id="3" name="그림 2">
             <a:extLst>
               <a:ext uri="{FF2B5EF4-FFF2-40B4-BE49-F238E27FC236}">
-                <a16:creationId xmlns:a16="http://schemas.microsoft.com/office/drawing/2014/main" id="{7B4F7FAE-8574-4214-83A6-271461904801}"/>
+                <a16:creationId xmlns:a16="http://schemas.microsoft.com/office/drawing/2014/main" xmlns="" id="{7B4F7FAE-8574-4214-83A6-271461904801}"/>
               </a:ext>
             </a:extLst>
           </p:cNvPr>
@@ -5059,7 +5066,7 @@
           <p:cNvPr id="13" name="그림 12">
             <a:extLst>
               <a:ext uri="{FF2B5EF4-FFF2-40B4-BE49-F238E27FC236}">
-                <a16:creationId xmlns:a16="http://schemas.microsoft.com/office/drawing/2014/main" id="{1F0CC549-B920-4EE2-A9C3-58ADFB3CB69E}"/>
+                <a16:creationId xmlns:a16="http://schemas.microsoft.com/office/drawing/2014/main" xmlns="" id="{1F0CC549-B920-4EE2-A9C3-58ADFB3CB69E}"/>
               </a:ext>
             </a:extLst>
           </p:cNvPr>
@@ -5087,13 +5094,20 @@
     </p:spTree>
     <p:extLst>
       <p:ext uri="{BB962C8B-B14F-4D97-AF65-F5344CB8AC3E}">
-        <p14:creationId xmlns:p14="http://schemas.microsoft.com/office/powerpoint/2010/main" val="2988965705"/>
+        <p14:creationId xmlns:p14="http://schemas.microsoft.com/office/powerpoint/2010/main" xmlns="" val="2988965705"/>
       </p:ext>
     </p:extLst>
   </p:cSld>
   <p:clrMapOvr>
     <a:masterClrMapping/>
   </p:clrMapOvr>
+  <p:timing>
+    <p:tnLst>
+      <p:par>
+        <p:cTn id="1" dur="indefinite" restart="never" nodeType="tmRoot"/>
+      </p:par>
+    </p:tnLst>
+  </p:timing>
 </p:sld>
 </file>
 
@@ -5119,7 +5133,7 @@
           <p:cNvPr id="34" name="직사각형 33">
             <a:extLst>
               <a:ext uri="{FF2B5EF4-FFF2-40B4-BE49-F238E27FC236}">
-                <a16:creationId xmlns:a16="http://schemas.microsoft.com/office/drawing/2014/main" id="{37CB002D-8420-B548-9BEA-2E18D8A9A204}"/>
+                <a16:creationId xmlns:a16="http://schemas.microsoft.com/office/drawing/2014/main" xmlns="" id="{37CB002D-8420-B548-9BEA-2E18D8A9A204}"/>
               </a:ext>
             </a:extLst>
           </p:cNvPr>
@@ -5171,7 +5185,7 @@
           <p:cNvPr id="7" name="직사각형 6">
             <a:extLst>
               <a:ext uri="{FF2B5EF4-FFF2-40B4-BE49-F238E27FC236}">
-                <a16:creationId xmlns:a16="http://schemas.microsoft.com/office/drawing/2014/main" id="{2391BDF5-629B-4AF3-A8CE-E4EA9DCEA48B}"/>
+                <a16:creationId xmlns:a16="http://schemas.microsoft.com/office/drawing/2014/main" xmlns="" id="{2391BDF5-629B-4AF3-A8CE-E4EA9DCEA48B}"/>
               </a:ext>
             </a:extLst>
           </p:cNvPr>
@@ -5225,7 +5239,7 @@
           <p:cNvPr id="10" name="직각 삼각형[R] 8">
             <a:extLst>
               <a:ext uri="{FF2B5EF4-FFF2-40B4-BE49-F238E27FC236}">
-                <a16:creationId xmlns:a16="http://schemas.microsoft.com/office/drawing/2014/main" id="{7E7A9195-0E51-4445-93B6-2976F8FBE0D8}"/>
+                <a16:creationId xmlns:a16="http://schemas.microsoft.com/office/drawing/2014/main" xmlns="" id="{7E7A9195-0E51-4445-93B6-2976F8FBE0D8}"/>
               </a:ext>
             </a:extLst>
           </p:cNvPr>
@@ -5283,7 +5297,7 @@
           <p:cNvPr id="11" name="TextBox 10">
             <a:extLst>
               <a:ext uri="{FF2B5EF4-FFF2-40B4-BE49-F238E27FC236}">
-                <a16:creationId xmlns:a16="http://schemas.microsoft.com/office/drawing/2014/main" id="{651A2FE2-9AA3-4B6C-B724-5E77A728E14B}"/>
+                <a16:creationId xmlns:a16="http://schemas.microsoft.com/office/drawing/2014/main" xmlns="" id="{651A2FE2-9AA3-4B6C-B724-5E77A728E14B}"/>
               </a:ext>
             </a:extLst>
           </p:cNvPr>
@@ -5342,7 +5356,7 @@
           <p:cNvPr id="12" name="TextBox 11">
             <a:extLst>
               <a:ext uri="{FF2B5EF4-FFF2-40B4-BE49-F238E27FC236}">
-                <a16:creationId xmlns:a16="http://schemas.microsoft.com/office/drawing/2014/main" id="{D21DA38C-7DA6-4F89-9FAE-3F48885F2EE8}"/>
+                <a16:creationId xmlns:a16="http://schemas.microsoft.com/office/drawing/2014/main" xmlns="" id="{D21DA38C-7DA6-4F89-9FAE-3F48885F2EE8}"/>
               </a:ext>
             </a:extLst>
           </p:cNvPr>
@@ -5390,7 +5404,7 @@
           <p:cNvPr id="9" name="표 8">
             <a:extLst>
               <a:ext uri="{FF2B5EF4-FFF2-40B4-BE49-F238E27FC236}">
-                <a16:creationId xmlns:a16="http://schemas.microsoft.com/office/drawing/2014/main" id="{665E0FFB-A2F3-4614-9211-B06E44671153}"/>
+                <a16:creationId xmlns:a16="http://schemas.microsoft.com/office/drawing/2014/main" xmlns="" id="{665E0FFB-A2F3-4614-9211-B06E44671153}"/>
               </a:ext>
             </a:extLst>
           </p:cNvPr>
@@ -5400,7 +5414,7 @@
           <p:nvPr>
             <p:extLst>
               <p:ext uri="{D42A27DB-BD31-4B8C-83A1-F6EECF244321}">
-                <p14:modId xmlns:p14="http://schemas.microsoft.com/office/powerpoint/2010/main" val="279655140"/>
+                <p14:modId xmlns:p14="http://schemas.microsoft.com/office/powerpoint/2010/main" xmlns="" val="279655140"/>
               </p:ext>
             </p:extLst>
           </p:nvPr>
@@ -5417,42 +5431,42 @@
                 <a:gridCol w="3682067">
                   <a:extLst>
                     <a:ext uri="{9D8B030D-6E8A-4147-A177-3AD203B41FA5}">
-                      <a16:colId xmlns:a16="http://schemas.microsoft.com/office/drawing/2014/main" val="20000"/>
+                      <a16:colId xmlns:a16="http://schemas.microsoft.com/office/drawing/2014/main" xmlns="" val="20000"/>
                     </a:ext>
                   </a:extLst>
                 </a:gridCol>
                 <a:gridCol w="1275267">
                   <a:extLst>
                     <a:ext uri="{9D8B030D-6E8A-4147-A177-3AD203B41FA5}">
-                      <a16:colId xmlns:a16="http://schemas.microsoft.com/office/drawing/2014/main" val="20001"/>
+                      <a16:colId xmlns:a16="http://schemas.microsoft.com/office/drawing/2014/main" xmlns="" val="20001"/>
                     </a:ext>
                   </a:extLst>
                 </a:gridCol>
                 <a:gridCol w="1275267">
                   <a:extLst>
                     <a:ext uri="{9D8B030D-6E8A-4147-A177-3AD203B41FA5}">
-                      <a16:colId xmlns:a16="http://schemas.microsoft.com/office/drawing/2014/main" val="20002"/>
+                      <a16:colId xmlns:a16="http://schemas.microsoft.com/office/drawing/2014/main" xmlns="" val="20002"/>
                     </a:ext>
                   </a:extLst>
                 </a:gridCol>
                 <a:gridCol w="1275267">
                   <a:extLst>
                     <a:ext uri="{9D8B030D-6E8A-4147-A177-3AD203B41FA5}">
-                      <a16:colId xmlns:a16="http://schemas.microsoft.com/office/drawing/2014/main" val="20003"/>
+                      <a16:colId xmlns:a16="http://schemas.microsoft.com/office/drawing/2014/main" xmlns="" val="20003"/>
                     </a:ext>
                   </a:extLst>
                 </a:gridCol>
                 <a:gridCol w="1275267">
                   <a:extLst>
                     <a:ext uri="{9D8B030D-6E8A-4147-A177-3AD203B41FA5}">
-                      <a16:colId xmlns:a16="http://schemas.microsoft.com/office/drawing/2014/main" val="20004"/>
+                      <a16:colId xmlns:a16="http://schemas.microsoft.com/office/drawing/2014/main" xmlns="" val="20004"/>
                     </a:ext>
                   </a:extLst>
                 </a:gridCol>
                 <a:gridCol w="1275267">
                   <a:extLst>
                     <a:ext uri="{9D8B030D-6E8A-4147-A177-3AD203B41FA5}">
-                      <a16:colId xmlns:a16="http://schemas.microsoft.com/office/drawing/2014/main" val="20005"/>
+                      <a16:colId xmlns:a16="http://schemas.microsoft.com/office/drawing/2014/main" xmlns="" val="20005"/>
                     </a:ext>
                   </a:extLst>
                 </a:gridCol>
@@ -5820,7 +5834,7 @@
                 </a:tc>
                 <a:extLst>
                   <a:ext uri="{0D108BD9-81ED-4DB2-BD59-A6C34878D82A}">
-                    <a16:rowId xmlns:a16="http://schemas.microsoft.com/office/drawing/2014/main" val="10000"/>
+                    <a16:rowId xmlns:a16="http://schemas.microsoft.com/office/drawing/2014/main" xmlns="" val="10000"/>
                   </a:ext>
                 </a:extLst>
               </a:tr>
@@ -5928,9 +5942,7 @@
                       <a:headEnd type="none" w="med" len="med"/>
                       <a:tailEnd type="none" w="med" len="med"/>
                     </a:lnB>
-                    <a:solidFill>
-                      <a:schemeClr val="bg1"/>
-                    </a:solidFill>
+                    <a:noFill/>
                   </a:tcPr>
                 </a:tc>
                 <a:tc>
@@ -5982,9 +5994,7 @@
                       <a:headEnd type="none" w="med" len="med"/>
                       <a:tailEnd type="none" w="med" len="med"/>
                     </a:lnB>
-                    <a:solidFill>
-                      <a:schemeClr val="bg1"/>
-                    </a:solidFill>
+                    <a:noFill/>
                   </a:tcPr>
                 </a:tc>
                 <a:tc>
@@ -6036,9 +6046,7 @@
                       <a:headEnd type="none" w="med" len="med"/>
                       <a:tailEnd type="none" w="med" len="med"/>
                     </a:lnB>
-                    <a:solidFill>
-                      <a:schemeClr val="bg1"/>
-                    </a:solidFill>
+                    <a:noFill/>
                   </a:tcPr>
                 </a:tc>
                 <a:tc>
@@ -6090,9 +6098,7 @@
                       <a:headEnd type="none" w="med" len="med"/>
                       <a:tailEnd type="none" w="med" len="med"/>
                     </a:lnB>
-                    <a:solidFill>
-                      <a:schemeClr val="bg1"/>
-                    </a:solidFill>
+                    <a:noFill/>
                   </a:tcPr>
                 </a:tc>
                 <a:tc>
@@ -6149,7 +6155,7 @@
                 </a:tc>
                 <a:extLst>
                   <a:ext uri="{0D108BD9-81ED-4DB2-BD59-A6C34878D82A}">
-                    <a16:rowId xmlns:a16="http://schemas.microsoft.com/office/drawing/2014/main" val="10001"/>
+                    <a16:rowId xmlns:a16="http://schemas.microsoft.com/office/drawing/2014/main" xmlns="" val="10001"/>
                   </a:ext>
                 </a:extLst>
               </a:tr>
@@ -6271,9 +6277,59 @@
                       <a:headEnd type="none" w="med" len="med"/>
                       <a:tailEnd type="none" w="med" len="med"/>
                     </a:lnB>
-                    <a:solidFill>
-                      <a:schemeClr val="bg1"/>
-                    </a:solidFill>
+                    <a:noFill/>
+                  </a:tcPr>
+                </a:tc>
+                <a:tc>
+                  <a:txBody>
+                    <a:bodyPr/>
+                    <a:lstStyle/>
+                    <a:p>
+                      <a:pPr rtl="0" fontAlgn="b"/>
+                      <a:endParaRPr lang="ko-KR" altLang="en-US" sz="1200" dirty="0">
+                        <a:latin typeface="배달의민족 주아" pitchFamily="18" charset="-127"/>
+                        <a:ea typeface="배달의민족 주아" pitchFamily="18" charset="-127"/>
+                      </a:endParaRPr>
+                    </a:p>
+                  </a:txBody>
+                  <a:tcPr marL="19614" marR="19614" marT="13076" marB="13076" anchor="ctr">
+                    <a:lnL w="9525" cap="flat" cmpd="sng" algn="ctr">
+                      <a:solidFill>
+                        <a:srgbClr val="CCCCCC"/>
+                      </a:solidFill>
+                      <a:prstDash val="solid"/>
+                      <a:round/>
+                      <a:headEnd type="none" w="med" len="med"/>
+                      <a:tailEnd type="none" w="med" len="med"/>
+                    </a:lnL>
+                    <a:lnR w="9525" cap="flat" cmpd="sng" algn="ctr">
+                      <a:solidFill>
+                        <a:srgbClr val="CCCCCC"/>
+                      </a:solidFill>
+                      <a:prstDash val="solid"/>
+                      <a:round/>
+                      <a:headEnd type="none" w="med" len="med"/>
+                      <a:tailEnd type="none" w="med" len="med"/>
+                    </a:lnR>
+                    <a:lnT w="9525" cap="flat" cmpd="sng" algn="ctr">
+                      <a:solidFill>
+                        <a:srgbClr val="CCCCCC"/>
+                      </a:solidFill>
+                      <a:prstDash val="solid"/>
+                      <a:round/>
+                      <a:headEnd type="none" w="med" len="med"/>
+                      <a:tailEnd type="none" w="med" len="med"/>
+                    </a:lnT>
+                    <a:lnB w="9525" cap="flat" cmpd="sng" algn="ctr">
+                      <a:solidFill>
+                        <a:srgbClr val="CCCCCC"/>
+                      </a:solidFill>
+                      <a:prstDash val="solid"/>
+                      <a:round/>
+                      <a:headEnd type="none" w="med" len="med"/>
+                      <a:tailEnd type="none" w="med" len="med"/>
+                    </a:lnB>
+                    <a:noFill/>
                   </a:tcPr>
                 </a:tc>
                 <a:tc>
@@ -6325,9 +6381,7 @@
                       <a:headEnd type="none" w="med" len="med"/>
                       <a:tailEnd type="none" w="med" len="med"/>
                     </a:lnB>
-                    <a:solidFill>
-                      <a:schemeClr val="bg1"/>
-                    </a:solidFill>
+                    <a:noFill/>
                   </a:tcPr>
                 </a:tc>
                 <a:tc>
@@ -6379,9 +6433,7 @@
                       <a:headEnd type="none" w="med" len="med"/>
                       <a:tailEnd type="none" w="med" len="med"/>
                     </a:lnB>
-                    <a:solidFill>
-                      <a:schemeClr val="bg1"/>
-                    </a:solidFill>
+                    <a:noFill/>
                   </a:tcPr>
                 </a:tc>
                 <a:tc>
@@ -6390,7 +6442,7 @@
                     <a:lstStyle/>
                     <a:p>
                       <a:pPr rtl="0" fontAlgn="b"/>
-                      <a:endParaRPr lang="ko-KR" altLang="en-US" sz="1200">
+                      <a:endParaRPr lang="ko-KR" altLang="en-US" sz="1200" dirty="0">
                         <a:latin typeface="배달의민족 주아" pitchFamily="18" charset="-127"/>
                         <a:ea typeface="배달의민족 주아" pitchFamily="18" charset="-127"/>
                       </a:endParaRPr>
@@ -6433,68 +6485,12 @@
                       <a:headEnd type="none" w="med" len="med"/>
                       <a:tailEnd type="none" w="med" len="med"/>
                     </a:lnB>
-                    <a:solidFill>
-                      <a:schemeClr val="bg1"/>
-                    </a:solidFill>
-                  </a:tcPr>
-                </a:tc>
-                <a:tc>
-                  <a:txBody>
-                    <a:bodyPr/>
-                    <a:lstStyle/>
-                    <a:p>
-                      <a:pPr rtl="0" fontAlgn="b"/>
-                      <a:endParaRPr lang="ko-KR" altLang="en-US" sz="1200">
-                        <a:latin typeface="배달의민족 주아" pitchFamily="18" charset="-127"/>
-                        <a:ea typeface="배달의민족 주아" pitchFamily="18" charset="-127"/>
-                      </a:endParaRPr>
-                    </a:p>
-                  </a:txBody>
-                  <a:tcPr marL="19614" marR="19614" marT="13076" marB="13076" anchor="ctr">
-                    <a:lnL w="9525" cap="flat" cmpd="sng" algn="ctr">
-                      <a:solidFill>
-                        <a:srgbClr val="CCCCCC"/>
-                      </a:solidFill>
-                      <a:prstDash val="solid"/>
-                      <a:round/>
-                      <a:headEnd type="none" w="med" len="med"/>
-                      <a:tailEnd type="none" w="med" len="med"/>
-                    </a:lnL>
-                    <a:lnR w="9525" cap="flat" cmpd="sng" algn="ctr">
-                      <a:solidFill>
-                        <a:srgbClr val="CCCCCC"/>
-                      </a:solidFill>
-                      <a:prstDash val="solid"/>
-                      <a:round/>
-                      <a:headEnd type="none" w="med" len="med"/>
-                      <a:tailEnd type="none" w="med" len="med"/>
-                    </a:lnR>
-                    <a:lnT w="9525" cap="flat" cmpd="sng" algn="ctr">
-                      <a:solidFill>
-                        <a:srgbClr val="CCCCCC"/>
-                      </a:solidFill>
-                      <a:prstDash val="solid"/>
-                      <a:round/>
-                      <a:headEnd type="none" w="med" len="med"/>
-                      <a:tailEnd type="none" w="med" len="med"/>
-                    </a:lnT>
-                    <a:lnB w="9525" cap="flat" cmpd="sng" algn="ctr">
-                      <a:solidFill>
-                        <a:srgbClr val="CCCCCC"/>
-                      </a:solidFill>
-                      <a:prstDash val="solid"/>
-                      <a:round/>
-                      <a:headEnd type="none" w="med" len="med"/>
-                      <a:tailEnd type="none" w="med" len="med"/>
-                    </a:lnB>
-                    <a:solidFill>
-                      <a:schemeClr val="bg1"/>
-                    </a:solidFill>
+                    <a:noFill/>
                   </a:tcPr>
                 </a:tc>
                 <a:extLst>
                   <a:ext uri="{0D108BD9-81ED-4DB2-BD59-A6C34878D82A}">
-                    <a16:rowId xmlns:a16="http://schemas.microsoft.com/office/drawing/2014/main" val="10002"/>
+                    <a16:rowId xmlns:a16="http://schemas.microsoft.com/office/drawing/2014/main" xmlns="" val="10002"/>
                   </a:ext>
                 </a:extLst>
               </a:tr>
@@ -6602,9 +6598,7 @@
                       <a:headEnd type="none" w="med" len="med"/>
                       <a:tailEnd type="none" w="med" len="med"/>
                     </a:lnB>
-                    <a:solidFill>
-                      <a:schemeClr val="bg1"/>
-                    </a:solidFill>
+                    <a:noFill/>
                   </a:tcPr>
                 </a:tc>
                 <a:tc>
@@ -6656,9 +6650,7 @@
                       <a:headEnd type="none" w="med" len="med"/>
                       <a:tailEnd type="none" w="med" len="med"/>
                     </a:lnB>
-                    <a:solidFill>
-                      <a:schemeClr val="bg1"/>
-                    </a:solidFill>
+                    <a:noFill/>
                   </a:tcPr>
                 </a:tc>
                 <a:tc>
@@ -6710,9 +6702,7 @@
                       <a:headEnd type="none" w="med" len="med"/>
                       <a:tailEnd type="none" w="med" len="med"/>
                     </a:lnB>
-                    <a:solidFill>
-                      <a:schemeClr val="bg1"/>
-                    </a:solidFill>
+                    <a:noFill/>
                   </a:tcPr>
                 </a:tc>
                 <a:tc>
@@ -6764,9 +6754,7 @@
                       <a:headEnd type="none" w="med" len="med"/>
                       <a:tailEnd type="none" w="med" len="med"/>
                     </a:lnB>
-                    <a:solidFill>
-                      <a:schemeClr val="bg1"/>
-                    </a:solidFill>
+                    <a:noFill/>
                   </a:tcPr>
                 </a:tc>
                 <a:tc>
@@ -6823,7 +6811,7 @@
                 </a:tc>
                 <a:extLst>
                   <a:ext uri="{0D108BD9-81ED-4DB2-BD59-A6C34878D82A}">
-                    <a16:rowId xmlns:a16="http://schemas.microsoft.com/office/drawing/2014/main" val="10003"/>
+                    <a16:rowId xmlns:a16="http://schemas.microsoft.com/office/drawing/2014/main" xmlns="" val="10003"/>
                   </a:ext>
                 </a:extLst>
               </a:tr>
@@ -6942,9 +6930,7 @@
                       <a:headEnd type="none" w="med" len="med"/>
                       <a:tailEnd type="none" w="med" len="med"/>
                     </a:lnB>
-                    <a:solidFill>
-                      <a:schemeClr val="bg1"/>
-                    </a:solidFill>
+                    <a:noFill/>
                   </a:tcPr>
                 </a:tc>
                 <a:tc>
@@ -6996,9 +6982,7 @@
                       <a:headEnd type="none" w="med" len="med"/>
                       <a:tailEnd type="none" w="med" len="med"/>
                     </a:lnB>
-                    <a:solidFill>
-                      <a:schemeClr val="bg1"/>
-                    </a:solidFill>
+                    <a:noFill/>
                   </a:tcPr>
                 </a:tc>
                 <a:tc>
@@ -7050,9 +7034,7 @@
                       <a:headEnd type="none" w="med" len="med"/>
                       <a:tailEnd type="none" w="med" len="med"/>
                     </a:lnB>
-                    <a:solidFill>
-                      <a:schemeClr val="bg1"/>
-                    </a:solidFill>
+                    <a:noFill/>
                   </a:tcPr>
                 </a:tc>
                 <a:tc>
@@ -7104,9 +7086,7 @@
                       <a:headEnd type="none" w="med" len="med"/>
                       <a:tailEnd type="none" w="med" len="med"/>
                     </a:lnB>
-                    <a:solidFill>
-                      <a:schemeClr val="bg1"/>
-                    </a:solidFill>
+                    <a:noFill/>
                   </a:tcPr>
                 </a:tc>
                 <a:tc>
@@ -7158,14 +7138,12 @@
                       <a:headEnd type="none" w="med" len="med"/>
                       <a:tailEnd type="none" w="med" len="med"/>
                     </a:lnB>
-                    <a:solidFill>
-                      <a:schemeClr val="bg1"/>
-                    </a:solidFill>
+                    <a:noFill/>
                   </a:tcPr>
                 </a:tc>
                 <a:extLst>
                   <a:ext uri="{0D108BD9-81ED-4DB2-BD59-A6C34878D82A}">
-                    <a16:rowId xmlns:a16="http://schemas.microsoft.com/office/drawing/2014/main" val="10004"/>
+                    <a16:rowId xmlns:a16="http://schemas.microsoft.com/office/drawing/2014/main" xmlns="" val="10004"/>
                   </a:ext>
                 </a:extLst>
               </a:tr>
@@ -7273,9 +7251,7 @@
                       <a:headEnd type="none" w="med" len="med"/>
                       <a:tailEnd type="none" w="med" len="med"/>
                     </a:lnB>
-                    <a:solidFill>
-                      <a:schemeClr val="bg1"/>
-                    </a:solidFill>
+                    <a:noFill/>
                   </a:tcPr>
                 </a:tc>
                 <a:tc>
@@ -7327,9 +7303,7 @@
                       <a:headEnd type="none" w="med" len="med"/>
                       <a:tailEnd type="none" w="med" len="med"/>
                     </a:lnB>
-                    <a:solidFill>
-                      <a:schemeClr val="bg1"/>
-                    </a:solidFill>
+                    <a:noFill/>
                   </a:tcPr>
                 </a:tc>
                 <a:tc>
@@ -7381,9 +7355,7 @@
                       <a:headEnd type="none" w="med" len="med"/>
                       <a:tailEnd type="none" w="med" len="med"/>
                     </a:lnB>
-                    <a:solidFill>
-                      <a:schemeClr val="bg1"/>
-                    </a:solidFill>
+                    <a:noFill/>
                   </a:tcPr>
                 </a:tc>
                 <a:tc>
@@ -7435,9 +7407,7 @@
                       <a:headEnd type="none" w="med" len="med"/>
                       <a:tailEnd type="none" w="med" len="med"/>
                     </a:lnB>
-                    <a:solidFill>
-                      <a:schemeClr val="bg1"/>
-                    </a:solidFill>
+                    <a:noFill/>
                   </a:tcPr>
                 </a:tc>
                 <a:tc>
@@ -7489,14 +7459,12 @@
                       <a:headEnd type="none" w="med" len="med"/>
                       <a:tailEnd type="none" w="med" len="med"/>
                     </a:lnB>
-                    <a:solidFill>
-                      <a:schemeClr val="bg1"/>
-                    </a:solidFill>
+                    <a:noFill/>
                   </a:tcPr>
                 </a:tc>
                 <a:extLst>
                   <a:ext uri="{0D108BD9-81ED-4DB2-BD59-A6C34878D82A}">
-                    <a16:rowId xmlns:a16="http://schemas.microsoft.com/office/drawing/2014/main" val="10005"/>
+                    <a16:rowId xmlns:a16="http://schemas.microsoft.com/office/drawing/2014/main" xmlns="" val="10005"/>
                   </a:ext>
                 </a:extLst>
               </a:tr>
@@ -7615,9 +7583,7 @@
                       <a:headEnd type="none" w="med" len="med"/>
                       <a:tailEnd type="none" w="med" len="med"/>
                     </a:lnB>
-                    <a:solidFill>
-                      <a:schemeClr val="bg1"/>
-                    </a:solidFill>
+                    <a:noFill/>
                   </a:tcPr>
                 </a:tc>
                 <a:tc>
@@ -7669,9 +7635,7 @@
                       <a:headEnd type="none" w="med" len="med"/>
                       <a:tailEnd type="none" w="med" len="med"/>
                     </a:lnB>
-                    <a:solidFill>
-                      <a:schemeClr val="bg1"/>
-                    </a:solidFill>
+                    <a:noFill/>
                   </a:tcPr>
                 </a:tc>
                 <a:tc>
@@ -7723,9 +7687,7 @@
                       <a:headEnd type="none" w="med" len="med"/>
                       <a:tailEnd type="none" w="med" len="med"/>
                     </a:lnB>
-                    <a:solidFill>
-                      <a:schemeClr val="bg1"/>
-                    </a:solidFill>
+                    <a:noFill/>
                   </a:tcPr>
                 </a:tc>
                 <a:tc>
@@ -7777,9 +7739,7 @@
                       <a:headEnd type="none" w="med" len="med"/>
                       <a:tailEnd type="none" w="med" len="med"/>
                     </a:lnB>
-                    <a:solidFill>
-                      <a:schemeClr val="bg1"/>
-                    </a:solidFill>
+                    <a:noFill/>
                   </a:tcPr>
                 </a:tc>
                 <a:tc>
@@ -7831,14 +7791,12 @@
                       <a:headEnd type="none" w="med" len="med"/>
                       <a:tailEnd type="none" w="med" len="med"/>
                     </a:lnB>
-                    <a:solidFill>
-                      <a:schemeClr val="bg1"/>
-                    </a:solidFill>
+                    <a:noFill/>
                   </a:tcPr>
                 </a:tc>
                 <a:extLst>
                   <a:ext uri="{0D108BD9-81ED-4DB2-BD59-A6C34878D82A}">
-                    <a16:rowId xmlns:a16="http://schemas.microsoft.com/office/drawing/2014/main" val="10006"/>
+                    <a16:rowId xmlns:a16="http://schemas.microsoft.com/office/drawing/2014/main" xmlns="" val="10006"/>
                   </a:ext>
                 </a:extLst>
               </a:tr>
@@ -7946,9 +7904,7 @@
                       <a:headEnd type="none" w="med" len="med"/>
                       <a:tailEnd type="none" w="med" len="med"/>
                     </a:lnB>
-                    <a:solidFill>
-                      <a:schemeClr val="bg1"/>
-                    </a:solidFill>
+                    <a:noFill/>
                   </a:tcPr>
                 </a:tc>
                 <a:tc>
@@ -8000,9 +7956,7 @@
                       <a:headEnd type="none" w="med" len="med"/>
                       <a:tailEnd type="none" w="med" len="med"/>
                     </a:lnB>
-                    <a:solidFill>
-                      <a:schemeClr val="bg1"/>
-                    </a:solidFill>
+                    <a:noFill/>
                   </a:tcPr>
                 </a:tc>
                 <a:tc>
@@ -8054,9 +8008,7 @@
                       <a:headEnd type="none" w="med" len="med"/>
                       <a:tailEnd type="none" w="med" len="med"/>
                     </a:lnB>
-                    <a:solidFill>
-                      <a:schemeClr val="bg1"/>
-                    </a:solidFill>
+                    <a:noFill/>
                   </a:tcPr>
                 </a:tc>
                 <a:tc>
@@ -8108,9 +8060,7 @@
                       <a:headEnd type="none" w="med" len="med"/>
                       <a:tailEnd type="none" w="med" len="med"/>
                     </a:lnB>
-                    <a:solidFill>
-                      <a:schemeClr val="bg1"/>
-                    </a:solidFill>
+                    <a:noFill/>
                   </a:tcPr>
                 </a:tc>
                 <a:tc>
@@ -8162,14 +8112,12 @@
                       <a:headEnd type="none" w="med" len="med"/>
                       <a:tailEnd type="none" w="med" len="med"/>
                     </a:lnB>
-                    <a:solidFill>
-                      <a:schemeClr val="bg1"/>
-                    </a:solidFill>
+                    <a:noFill/>
                   </a:tcPr>
                 </a:tc>
                 <a:extLst>
                   <a:ext uri="{0D108BD9-81ED-4DB2-BD59-A6C34878D82A}">
-                    <a16:rowId xmlns:a16="http://schemas.microsoft.com/office/drawing/2014/main" val="10007"/>
+                    <a16:rowId xmlns:a16="http://schemas.microsoft.com/office/drawing/2014/main" xmlns="" val="10007"/>
                   </a:ext>
                 </a:extLst>
               </a:tr>
@@ -8281,9 +8229,7 @@
                       <a:headEnd type="none" w="med" len="med"/>
                       <a:tailEnd type="none" w="med" len="med"/>
                     </a:lnB>
-                    <a:solidFill>
-                      <a:schemeClr val="bg1"/>
-                    </a:solidFill>
+                    <a:noFill/>
                   </a:tcPr>
                 </a:tc>
                 <a:tc>
@@ -8335,9 +8281,7 @@
                       <a:headEnd type="none" w="med" len="med"/>
                       <a:tailEnd type="none" w="med" len="med"/>
                     </a:lnB>
-                    <a:solidFill>
-                      <a:schemeClr val="bg1"/>
-                    </a:solidFill>
+                    <a:noFill/>
                   </a:tcPr>
                 </a:tc>
                 <a:tc>
@@ -8389,9 +8333,7 @@
                       <a:headEnd type="none" w="med" len="med"/>
                       <a:tailEnd type="none" w="med" len="med"/>
                     </a:lnB>
-                    <a:solidFill>
-                      <a:schemeClr val="bg1"/>
-                    </a:solidFill>
+                    <a:noFill/>
                   </a:tcPr>
                 </a:tc>
                 <a:tc>
@@ -8443,9 +8385,7 @@
                       <a:headEnd type="none" w="med" len="med"/>
                       <a:tailEnd type="none" w="med" len="med"/>
                     </a:lnB>
-                    <a:solidFill>
-                      <a:schemeClr val="bg1"/>
-                    </a:solidFill>
+                    <a:noFill/>
                   </a:tcPr>
                 </a:tc>
                 <a:tc>
@@ -8502,7 +8442,7 @@
                 </a:tc>
                 <a:extLst>
                   <a:ext uri="{0D108BD9-81ED-4DB2-BD59-A6C34878D82A}">
-                    <a16:rowId xmlns:a16="http://schemas.microsoft.com/office/drawing/2014/main" val="10008"/>
+                    <a16:rowId xmlns:a16="http://schemas.microsoft.com/office/drawing/2014/main" xmlns="" val="10008"/>
                   </a:ext>
                 </a:extLst>
               </a:tr>
@@ -8614,9 +8554,7 @@
                       <a:headEnd type="none" w="med" len="med"/>
                       <a:tailEnd type="none" w="med" len="med"/>
                     </a:lnB>
-                    <a:solidFill>
-                      <a:schemeClr val="bg1"/>
-                    </a:solidFill>
+                    <a:noFill/>
                   </a:tcPr>
                 </a:tc>
                 <a:tc>
@@ -8668,9 +8606,7 @@
                       <a:headEnd type="none" w="med" len="med"/>
                       <a:tailEnd type="none" w="med" len="med"/>
                     </a:lnB>
-                    <a:solidFill>
-                      <a:schemeClr val="bg1"/>
-                    </a:solidFill>
+                    <a:noFill/>
                   </a:tcPr>
                 </a:tc>
                 <a:tc>
@@ -8722,9 +8658,7 @@
                       <a:headEnd type="none" w="med" len="med"/>
                       <a:tailEnd type="none" w="med" len="med"/>
                     </a:lnB>
-                    <a:solidFill>
-                      <a:schemeClr val="bg1"/>
-                    </a:solidFill>
+                    <a:noFill/>
                   </a:tcPr>
                 </a:tc>
                 <a:tc>
@@ -8776,9 +8710,7 @@
                       <a:headEnd type="none" w="med" len="med"/>
                       <a:tailEnd type="none" w="med" len="med"/>
                     </a:lnB>
-                    <a:solidFill>
-                      <a:schemeClr val="bg1"/>
-                    </a:solidFill>
+                    <a:noFill/>
                   </a:tcPr>
                 </a:tc>
                 <a:tc>
@@ -8835,7 +8767,7 @@
                 </a:tc>
                 <a:extLst>
                   <a:ext uri="{0D108BD9-81ED-4DB2-BD59-A6C34878D82A}">
-                    <a16:rowId xmlns:a16="http://schemas.microsoft.com/office/drawing/2014/main" val="10009"/>
+                    <a16:rowId xmlns:a16="http://schemas.microsoft.com/office/drawing/2014/main" xmlns="" val="10009"/>
                   </a:ext>
                 </a:extLst>
               </a:tr>
@@ -8943,9 +8875,7 @@
                       <a:headEnd type="none" w="med" len="med"/>
                       <a:tailEnd type="none" w="med" len="med"/>
                     </a:lnB>
-                    <a:solidFill>
-                      <a:schemeClr val="bg1"/>
-                    </a:solidFill>
+                    <a:noFill/>
                   </a:tcPr>
                 </a:tc>
                 <a:tc>
@@ -8997,9 +8927,7 @@
                       <a:headEnd type="none" w="med" len="med"/>
                       <a:tailEnd type="none" w="med" len="med"/>
                     </a:lnB>
-                    <a:solidFill>
-                      <a:schemeClr val="bg1"/>
-                    </a:solidFill>
+                    <a:noFill/>
                   </a:tcPr>
                 </a:tc>
                 <a:tc>
@@ -9051,9 +8979,7 @@
                       <a:headEnd type="none" w="med" len="med"/>
                       <a:tailEnd type="none" w="med" len="med"/>
                     </a:lnB>
-                    <a:solidFill>
-                      <a:schemeClr val="bg1"/>
-                    </a:solidFill>
+                    <a:noFill/>
                   </a:tcPr>
                 </a:tc>
                 <a:tc>
@@ -9105,9 +9031,7 @@
                       <a:headEnd type="none" w="med" len="med"/>
                       <a:tailEnd type="none" w="med" len="med"/>
                     </a:lnB>
-                    <a:solidFill>
-                      <a:schemeClr val="bg1"/>
-                    </a:solidFill>
+                    <a:noFill/>
                   </a:tcPr>
                 </a:tc>
                 <a:tc>
@@ -9159,14 +9083,12 @@
                       <a:headEnd type="none" w="med" len="med"/>
                       <a:tailEnd type="none" w="med" len="med"/>
                     </a:lnB>
-                    <a:solidFill>
-                      <a:schemeClr val="bg1"/>
-                    </a:solidFill>
+                    <a:noFill/>
                   </a:tcPr>
                 </a:tc>
                 <a:extLst>
                   <a:ext uri="{0D108BD9-81ED-4DB2-BD59-A6C34878D82A}">
-                    <a16:rowId xmlns:a16="http://schemas.microsoft.com/office/drawing/2014/main" val="10010"/>
+                    <a16:rowId xmlns:a16="http://schemas.microsoft.com/office/drawing/2014/main" xmlns="" val="10010"/>
                   </a:ext>
                 </a:extLst>
               </a:tr>
@@ -9278,9 +9200,7 @@
                       <a:headEnd type="none" w="med" len="med"/>
                       <a:tailEnd type="none" w="med" len="med"/>
                     </a:lnB>
-                    <a:solidFill>
-                      <a:schemeClr val="bg1"/>
-                    </a:solidFill>
+                    <a:noFill/>
                   </a:tcPr>
                 </a:tc>
                 <a:tc>
@@ -9332,9 +9252,7 @@
                       <a:headEnd type="none" w="med" len="med"/>
                       <a:tailEnd type="none" w="med" len="med"/>
                     </a:lnB>
-                    <a:solidFill>
-                      <a:schemeClr val="bg1"/>
-                    </a:solidFill>
+                    <a:noFill/>
                   </a:tcPr>
                 </a:tc>
                 <a:tc>
@@ -9386,9 +9304,7 @@
                       <a:headEnd type="none" w="med" len="med"/>
                       <a:tailEnd type="none" w="med" len="med"/>
                     </a:lnB>
-                    <a:solidFill>
-                      <a:schemeClr val="bg1"/>
-                    </a:solidFill>
+                    <a:noFill/>
                   </a:tcPr>
                 </a:tc>
                 <a:tc>
@@ -9440,9 +9356,7 @@
                       <a:headEnd type="none" w="med" len="med"/>
                       <a:tailEnd type="none" w="med" len="med"/>
                     </a:lnB>
-                    <a:solidFill>
-                      <a:schemeClr val="bg1"/>
-                    </a:solidFill>
+                    <a:noFill/>
                   </a:tcPr>
                 </a:tc>
                 <a:tc>
@@ -9494,14 +9408,12 @@
                       <a:headEnd type="none" w="med" len="med"/>
                       <a:tailEnd type="none" w="med" len="med"/>
                     </a:lnB>
-                    <a:solidFill>
-                      <a:schemeClr val="bg1"/>
-                    </a:solidFill>
+                    <a:noFill/>
                   </a:tcPr>
                 </a:tc>
                 <a:extLst>
                   <a:ext uri="{0D108BD9-81ED-4DB2-BD59-A6C34878D82A}">
-                    <a16:rowId xmlns:a16="http://schemas.microsoft.com/office/drawing/2014/main" val="10011"/>
+                    <a16:rowId xmlns:a16="http://schemas.microsoft.com/office/drawing/2014/main" xmlns="" val="10011"/>
                   </a:ext>
                 </a:extLst>
               </a:tr>
@@ -9620,9 +9532,7 @@
                       <a:headEnd type="none" w="med" len="med"/>
                       <a:tailEnd type="none" w="med" len="med"/>
                     </a:lnB>
-                    <a:solidFill>
-                      <a:schemeClr val="bg1"/>
-                    </a:solidFill>
+                    <a:noFill/>
                   </a:tcPr>
                 </a:tc>
                 <a:tc>
@@ -9674,9 +9584,7 @@
                       <a:headEnd type="none" w="med" len="med"/>
                       <a:tailEnd type="none" w="med" len="med"/>
                     </a:lnB>
-                    <a:solidFill>
-                      <a:schemeClr val="bg1"/>
-                    </a:solidFill>
+                    <a:noFill/>
                   </a:tcPr>
                 </a:tc>
                 <a:tc>
@@ -9728,9 +9636,7 @@
                       <a:headEnd type="none" w="med" len="med"/>
                       <a:tailEnd type="none" w="med" len="med"/>
                     </a:lnB>
-                    <a:solidFill>
-                      <a:schemeClr val="bg1"/>
-                    </a:solidFill>
+                    <a:noFill/>
                   </a:tcPr>
                 </a:tc>
                 <a:tc>
@@ -9782,9 +9688,7 @@
                       <a:headEnd type="none" w="med" len="med"/>
                       <a:tailEnd type="none" w="med" len="med"/>
                     </a:lnB>
-                    <a:solidFill>
-                      <a:schemeClr val="bg1"/>
-                    </a:solidFill>
+                    <a:noFill/>
                   </a:tcPr>
                 </a:tc>
                 <a:tc>
@@ -9836,14 +9740,12 @@
                       <a:headEnd type="none" w="med" len="med"/>
                       <a:tailEnd type="none" w="med" len="med"/>
                     </a:lnB>
-                    <a:solidFill>
-                      <a:schemeClr val="bg1"/>
-                    </a:solidFill>
+                    <a:noFill/>
                   </a:tcPr>
                 </a:tc>
                 <a:extLst>
                   <a:ext uri="{0D108BD9-81ED-4DB2-BD59-A6C34878D82A}">
-                    <a16:rowId xmlns:a16="http://schemas.microsoft.com/office/drawing/2014/main" val="10012"/>
+                    <a16:rowId xmlns:a16="http://schemas.microsoft.com/office/drawing/2014/main" xmlns="" val="10012"/>
                   </a:ext>
                 </a:extLst>
               </a:tr>
@@ -9951,9 +9853,7 @@
                       <a:headEnd type="none" w="med" len="med"/>
                       <a:tailEnd type="none" w="med" len="med"/>
                     </a:lnB>
-                    <a:solidFill>
-                      <a:schemeClr val="bg1"/>
-                    </a:solidFill>
+                    <a:noFill/>
                   </a:tcPr>
                 </a:tc>
                 <a:tc>
@@ -10005,9 +9905,7 @@
                       <a:headEnd type="none" w="med" len="med"/>
                       <a:tailEnd type="none" w="med" len="med"/>
                     </a:lnB>
-                    <a:solidFill>
-                      <a:schemeClr val="bg1"/>
-                    </a:solidFill>
+                    <a:noFill/>
                   </a:tcPr>
                 </a:tc>
                 <a:tc>
@@ -10059,9 +9957,7 @@
                       <a:headEnd type="none" w="med" len="med"/>
                       <a:tailEnd type="none" w="med" len="med"/>
                     </a:lnB>
-                    <a:solidFill>
-                      <a:schemeClr val="bg1"/>
-                    </a:solidFill>
+                    <a:noFill/>
                   </a:tcPr>
                 </a:tc>
                 <a:tc>
@@ -10113,9 +10009,7 @@
                       <a:headEnd type="none" w="med" len="med"/>
                       <a:tailEnd type="none" w="med" len="med"/>
                     </a:lnB>
-                    <a:solidFill>
-                      <a:schemeClr val="bg1"/>
-                    </a:solidFill>
+                    <a:noFill/>
                   </a:tcPr>
                 </a:tc>
                 <a:tc>
@@ -10167,14 +10061,12 @@
                       <a:headEnd type="none" w="med" len="med"/>
                       <a:tailEnd type="none" w="med" len="med"/>
                     </a:lnB>
-                    <a:solidFill>
-                      <a:schemeClr val="bg1"/>
-                    </a:solidFill>
+                    <a:noFill/>
                   </a:tcPr>
                 </a:tc>
                 <a:extLst>
                   <a:ext uri="{0D108BD9-81ED-4DB2-BD59-A6C34878D82A}">
-                    <a16:rowId xmlns:a16="http://schemas.microsoft.com/office/drawing/2014/main" val="10013"/>
+                    <a16:rowId xmlns:a16="http://schemas.microsoft.com/office/drawing/2014/main" xmlns="" val="10013"/>
                   </a:ext>
                 </a:extLst>
               </a:tr>
@@ -10286,9 +10178,7 @@
                       <a:headEnd type="none" w="med" len="med"/>
                       <a:tailEnd type="none" w="med" len="med"/>
                     </a:lnB>
-                    <a:solidFill>
-                      <a:schemeClr val="bg1"/>
-                    </a:solidFill>
+                    <a:noFill/>
                   </a:tcPr>
                 </a:tc>
                 <a:tc>
@@ -10340,9 +10230,7 @@
                       <a:headEnd type="none" w="med" len="med"/>
                       <a:tailEnd type="none" w="med" len="med"/>
                     </a:lnB>
-                    <a:solidFill>
-                      <a:schemeClr val="bg1"/>
-                    </a:solidFill>
+                    <a:noFill/>
                   </a:tcPr>
                 </a:tc>
                 <a:tc>
@@ -10394,9 +10282,7 @@
                       <a:headEnd type="none" w="med" len="med"/>
                       <a:tailEnd type="none" w="med" len="med"/>
                     </a:lnB>
-                    <a:solidFill>
-                      <a:schemeClr val="bg1"/>
-                    </a:solidFill>
+                    <a:noFill/>
                   </a:tcPr>
                 </a:tc>
                 <a:tc>
@@ -10448,9 +10334,7 @@
                       <a:headEnd type="none" w="med" len="med"/>
                       <a:tailEnd type="none" w="med" len="med"/>
                     </a:lnB>
-                    <a:solidFill>
-                      <a:schemeClr val="bg1"/>
-                    </a:solidFill>
+                    <a:noFill/>
                   </a:tcPr>
                 </a:tc>
                 <a:tc>
@@ -10502,14 +10386,12 @@
                       <a:headEnd type="none" w="med" len="med"/>
                       <a:tailEnd type="none" w="med" len="med"/>
                     </a:lnB>
-                    <a:solidFill>
-                      <a:schemeClr val="bg1"/>
-                    </a:solidFill>
+                    <a:noFill/>
                   </a:tcPr>
                 </a:tc>
                 <a:extLst>
                   <a:ext uri="{0D108BD9-81ED-4DB2-BD59-A6C34878D82A}">
-                    <a16:rowId xmlns:a16="http://schemas.microsoft.com/office/drawing/2014/main" val="10014"/>
+                    <a16:rowId xmlns:a16="http://schemas.microsoft.com/office/drawing/2014/main" xmlns="" val="10014"/>
                   </a:ext>
                 </a:extLst>
               </a:tr>
@@ -10617,9 +10499,7 @@
                       <a:headEnd type="none" w="med" len="med"/>
                       <a:tailEnd type="none" w="med" len="med"/>
                     </a:lnB>
-                    <a:solidFill>
-                      <a:schemeClr val="bg1"/>
-                    </a:solidFill>
+                    <a:noFill/>
                   </a:tcPr>
                 </a:tc>
                 <a:tc>
@@ -10671,9 +10551,7 @@
                       <a:headEnd type="none" w="med" len="med"/>
                       <a:tailEnd type="none" w="med" len="med"/>
                     </a:lnB>
-                    <a:solidFill>
-                      <a:schemeClr val="bg1"/>
-                    </a:solidFill>
+                    <a:noFill/>
                   </a:tcPr>
                 </a:tc>
                 <a:tc>
@@ -10725,9 +10603,7 @@
                       <a:headEnd type="none" w="med" len="med"/>
                       <a:tailEnd type="none" w="med" len="med"/>
                     </a:lnB>
-                    <a:solidFill>
-                      <a:schemeClr val="bg1"/>
-                    </a:solidFill>
+                    <a:noFill/>
                   </a:tcPr>
                 </a:tc>
                 <a:tc>
@@ -10779,9 +10655,7 @@
                       <a:headEnd type="none" w="med" len="med"/>
                       <a:tailEnd type="none" w="med" len="med"/>
                     </a:lnB>
-                    <a:solidFill>
-                      <a:schemeClr val="bg1"/>
-                    </a:solidFill>
+                    <a:noFill/>
                   </a:tcPr>
                 </a:tc>
                 <a:tc>
@@ -10833,14 +10707,12 @@
                       <a:headEnd type="none" w="med" len="med"/>
                       <a:tailEnd type="none" w="med" len="med"/>
                     </a:lnB>
-                    <a:solidFill>
-                      <a:schemeClr val="bg1"/>
-                    </a:solidFill>
+                    <a:noFill/>
                   </a:tcPr>
                 </a:tc>
                 <a:extLst>
                   <a:ext uri="{0D108BD9-81ED-4DB2-BD59-A6C34878D82A}">
-                    <a16:rowId xmlns:a16="http://schemas.microsoft.com/office/drawing/2014/main" val="10015"/>
+                    <a16:rowId xmlns:a16="http://schemas.microsoft.com/office/drawing/2014/main" xmlns="" val="10015"/>
                   </a:ext>
                 </a:extLst>
               </a:tr>
@@ -10948,9 +10820,7 @@
                       <a:headEnd type="none" w="med" len="med"/>
                       <a:tailEnd type="none" w="med" len="med"/>
                     </a:lnB>
-                    <a:solidFill>
-                      <a:schemeClr val="bg1"/>
-                    </a:solidFill>
+                    <a:noFill/>
                   </a:tcPr>
                 </a:tc>
                 <a:tc>
@@ -11002,9 +10872,7 @@
                       <a:headEnd type="none" w="med" len="med"/>
                       <a:tailEnd type="none" w="med" len="med"/>
                     </a:lnB>
-                    <a:solidFill>
-                      <a:schemeClr val="bg1"/>
-                    </a:solidFill>
+                    <a:noFill/>
                   </a:tcPr>
                 </a:tc>
                 <a:tc>
@@ -11056,9 +10924,7 @@
                       <a:headEnd type="none" w="med" len="med"/>
                       <a:tailEnd type="none" w="med" len="med"/>
                     </a:lnB>
-                    <a:solidFill>
-                      <a:schemeClr val="bg1"/>
-                    </a:solidFill>
+                    <a:noFill/>
                   </a:tcPr>
                 </a:tc>
                 <a:tc>
@@ -11110,9 +10976,7 @@
                       <a:headEnd type="none" w="med" len="med"/>
                       <a:tailEnd type="none" w="med" len="med"/>
                     </a:lnB>
-                    <a:solidFill>
-                      <a:schemeClr val="bg1"/>
-                    </a:solidFill>
+                    <a:noFill/>
                   </a:tcPr>
                 </a:tc>
                 <a:tc>
@@ -11164,14 +11028,12 @@
                       <a:headEnd type="none" w="med" len="med"/>
                       <a:tailEnd type="none" w="med" len="med"/>
                     </a:lnB>
-                    <a:solidFill>
-                      <a:schemeClr val="bg1"/>
-                    </a:solidFill>
+                    <a:noFill/>
                   </a:tcPr>
                 </a:tc>
                 <a:extLst>
                   <a:ext uri="{0D108BD9-81ED-4DB2-BD59-A6C34878D82A}">
-                    <a16:rowId xmlns:a16="http://schemas.microsoft.com/office/drawing/2014/main" val="10016"/>
+                    <a16:rowId xmlns:a16="http://schemas.microsoft.com/office/drawing/2014/main" xmlns="" val="10016"/>
                   </a:ext>
                 </a:extLst>
               </a:tr>
@@ -11182,13 +11044,20 @@
     </p:spTree>
     <p:extLst>
       <p:ext uri="{BB962C8B-B14F-4D97-AF65-F5344CB8AC3E}">
-        <p14:creationId xmlns:p14="http://schemas.microsoft.com/office/powerpoint/2010/main" val="2090930175"/>
+        <p14:creationId xmlns:p14="http://schemas.microsoft.com/office/powerpoint/2010/main" xmlns="" val="2090930175"/>
       </p:ext>
     </p:extLst>
   </p:cSld>
   <p:clrMapOvr>
     <a:masterClrMapping/>
   </p:clrMapOvr>
+  <p:timing>
+    <p:tnLst>
+      <p:par>
+        <p:cTn id="1" dur="indefinite" restart="never" nodeType="tmRoot"/>
+      </p:par>
+    </p:tnLst>
+  </p:timing>
 </p:sld>
 </file>
 
@@ -11214,7 +11083,7 @@
           <p:cNvPr id="34" name="직사각형 33">
             <a:extLst>
               <a:ext uri="{FF2B5EF4-FFF2-40B4-BE49-F238E27FC236}">
-                <a16:creationId xmlns:a16="http://schemas.microsoft.com/office/drawing/2014/main" id="{37CB002D-8420-B548-9BEA-2E18D8A9A204}"/>
+                <a16:creationId xmlns:a16="http://schemas.microsoft.com/office/drawing/2014/main" xmlns="" id="{37CB002D-8420-B548-9BEA-2E18D8A9A204}"/>
               </a:ext>
             </a:extLst>
           </p:cNvPr>
@@ -11266,7 +11135,7 @@
           <p:cNvPr id="7" name="직사각형 6">
             <a:extLst>
               <a:ext uri="{FF2B5EF4-FFF2-40B4-BE49-F238E27FC236}">
-                <a16:creationId xmlns:a16="http://schemas.microsoft.com/office/drawing/2014/main" id="{2391BDF5-629B-4AF3-A8CE-E4EA9DCEA48B}"/>
+                <a16:creationId xmlns:a16="http://schemas.microsoft.com/office/drawing/2014/main" xmlns="" id="{2391BDF5-629B-4AF3-A8CE-E4EA9DCEA48B}"/>
               </a:ext>
             </a:extLst>
           </p:cNvPr>
@@ -11320,7 +11189,7 @@
           <p:cNvPr id="10" name="직각 삼각형[R] 8">
             <a:extLst>
               <a:ext uri="{FF2B5EF4-FFF2-40B4-BE49-F238E27FC236}">
-                <a16:creationId xmlns:a16="http://schemas.microsoft.com/office/drawing/2014/main" id="{7E7A9195-0E51-4445-93B6-2976F8FBE0D8}"/>
+                <a16:creationId xmlns:a16="http://schemas.microsoft.com/office/drawing/2014/main" xmlns="" id="{7E7A9195-0E51-4445-93B6-2976F8FBE0D8}"/>
               </a:ext>
             </a:extLst>
           </p:cNvPr>
@@ -11378,7 +11247,7 @@
           <p:cNvPr id="11" name="TextBox 10">
             <a:extLst>
               <a:ext uri="{FF2B5EF4-FFF2-40B4-BE49-F238E27FC236}">
-                <a16:creationId xmlns:a16="http://schemas.microsoft.com/office/drawing/2014/main" id="{651A2FE2-9AA3-4B6C-B724-5E77A728E14B}"/>
+                <a16:creationId xmlns:a16="http://schemas.microsoft.com/office/drawing/2014/main" xmlns="" id="{651A2FE2-9AA3-4B6C-B724-5E77A728E14B}"/>
               </a:ext>
             </a:extLst>
           </p:cNvPr>
@@ -11437,7 +11306,7 @@
           <p:cNvPr id="12" name="TextBox 11">
             <a:extLst>
               <a:ext uri="{FF2B5EF4-FFF2-40B4-BE49-F238E27FC236}">
-                <a16:creationId xmlns:a16="http://schemas.microsoft.com/office/drawing/2014/main" id="{D21DA38C-7DA6-4F89-9FAE-3F48885F2EE8}"/>
+                <a16:creationId xmlns:a16="http://schemas.microsoft.com/office/drawing/2014/main" xmlns="" id="{D21DA38C-7DA6-4F89-9FAE-3F48885F2EE8}"/>
               </a:ext>
             </a:extLst>
           </p:cNvPr>
@@ -11488,7 +11357,7 @@
           <p:cNvPr id="3" name="그림 2">
             <a:extLst>
               <a:ext uri="{FF2B5EF4-FFF2-40B4-BE49-F238E27FC236}">
-                <a16:creationId xmlns:a16="http://schemas.microsoft.com/office/drawing/2014/main" id="{32648A20-ECE1-4E97-8248-F6320E7D2E3B}"/>
+                <a16:creationId xmlns:a16="http://schemas.microsoft.com/office/drawing/2014/main" xmlns="" id="{32648A20-ECE1-4E97-8248-F6320E7D2E3B}"/>
               </a:ext>
             </a:extLst>
           </p:cNvPr>
@@ -11516,13 +11385,20 @@
     </p:spTree>
     <p:extLst>
       <p:ext uri="{BB962C8B-B14F-4D97-AF65-F5344CB8AC3E}">
-        <p14:creationId xmlns:p14="http://schemas.microsoft.com/office/powerpoint/2010/main" val="329235135"/>
+        <p14:creationId xmlns:p14="http://schemas.microsoft.com/office/powerpoint/2010/main" xmlns="" val="329235135"/>
       </p:ext>
     </p:extLst>
   </p:cSld>
   <p:clrMapOvr>
     <a:masterClrMapping/>
   </p:clrMapOvr>
+  <p:timing>
+    <p:tnLst>
+      <p:par>
+        <p:cTn id="1" dur="indefinite" restart="never" nodeType="tmRoot"/>
+      </p:par>
+    </p:tnLst>
+  </p:timing>
 </p:sld>
 </file>
 
@@ -11548,7 +11424,7 @@
           <p:cNvPr id="34" name="직사각형 33">
             <a:extLst>
               <a:ext uri="{FF2B5EF4-FFF2-40B4-BE49-F238E27FC236}">
-                <a16:creationId xmlns:a16="http://schemas.microsoft.com/office/drawing/2014/main" id="{37CB002D-8420-B548-9BEA-2E18D8A9A204}"/>
+                <a16:creationId xmlns:a16="http://schemas.microsoft.com/office/drawing/2014/main" xmlns="" id="{37CB002D-8420-B548-9BEA-2E18D8A9A204}"/>
               </a:ext>
             </a:extLst>
           </p:cNvPr>
@@ -11600,7 +11476,7 @@
           <p:cNvPr id="7" name="직사각형 6">
             <a:extLst>
               <a:ext uri="{FF2B5EF4-FFF2-40B4-BE49-F238E27FC236}">
-                <a16:creationId xmlns:a16="http://schemas.microsoft.com/office/drawing/2014/main" id="{2391BDF5-629B-4AF3-A8CE-E4EA9DCEA48B}"/>
+                <a16:creationId xmlns:a16="http://schemas.microsoft.com/office/drawing/2014/main" xmlns="" id="{2391BDF5-629B-4AF3-A8CE-E4EA9DCEA48B}"/>
               </a:ext>
             </a:extLst>
           </p:cNvPr>
@@ -11654,7 +11530,7 @@
           <p:cNvPr id="10" name="직각 삼각형[R] 8">
             <a:extLst>
               <a:ext uri="{FF2B5EF4-FFF2-40B4-BE49-F238E27FC236}">
-                <a16:creationId xmlns:a16="http://schemas.microsoft.com/office/drawing/2014/main" id="{7E7A9195-0E51-4445-93B6-2976F8FBE0D8}"/>
+                <a16:creationId xmlns:a16="http://schemas.microsoft.com/office/drawing/2014/main" xmlns="" id="{7E7A9195-0E51-4445-93B6-2976F8FBE0D8}"/>
               </a:ext>
             </a:extLst>
           </p:cNvPr>
@@ -11712,7 +11588,7 @@
           <p:cNvPr id="11" name="TextBox 10">
             <a:extLst>
               <a:ext uri="{FF2B5EF4-FFF2-40B4-BE49-F238E27FC236}">
-                <a16:creationId xmlns:a16="http://schemas.microsoft.com/office/drawing/2014/main" id="{651A2FE2-9AA3-4B6C-B724-5E77A728E14B}"/>
+                <a16:creationId xmlns:a16="http://schemas.microsoft.com/office/drawing/2014/main" xmlns="" id="{651A2FE2-9AA3-4B6C-B724-5E77A728E14B}"/>
               </a:ext>
             </a:extLst>
           </p:cNvPr>
@@ -11771,7 +11647,7 @@
           <p:cNvPr id="12" name="TextBox 11">
             <a:extLst>
               <a:ext uri="{FF2B5EF4-FFF2-40B4-BE49-F238E27FC236}">
-                <a16:creationId xmlns:a16="http://schemas.microsoft.com/office/drawing/2014/main" id="{D21DA38C-7DA6-4F89-9FAE-3F48885F2EE8}"/>
+                <a16:creationId xmlns:a16="http://schemas.microsoft.com/office/drawing/2014/main" xmlns="" id="{D21DA38C-7DA6-4F89-9FAE-3F48885F2EE8}"/>
               </a:ext>
             </a:extLst>
           </p:cNvPr>
@@ -11810,13 +11686,20 @@
     </p:spTree>
     <p:extLst>
       <p:ext uri="{BB962C8B-B14F-4D97-AF65-F5344CB8AC3E}">
-        <p14:creationId xmlns:p14="http://schemas.microsoft.com/office/powerpoint/2010/main" val="2628453059"/>
+        <p14:creationId xmlns:p14="http://schemas.microsoft.com/office/powerpoint/2010/main" xmlns="" val="2628453059"/>
       </p:ext>
     </p:extLst>
   </p:cSld>
   <p:clrMapOvr>
     <a:masterClrMapping/>
   </p:clrMapOvr>
+  <p:timing>
+    <p:tnLst>
+      <p:par>
+        <p:cTn id="1" dur="indefinite" restart="never" nodeType="tmRoot"/>
+      </p:par>
+    </p:tnLst>
+  </p:timing>
 </p:sld>
 </file>
 
@@ -11842,7 +11725,7 @@
           <p:cNvPr id="34" name="직사각형 33">
             <a:extLst>
               <a:ext uri="{FF2B5EF4-FFF2-40B4-BE49-F238E27FC236}">
-                <a16:creationId xmlns:a16="http://schemas.microsoft.com/office/drawing/2014/main" id="{37CB002D-8420-B548-9BEA-2E18D8A9A204}"/>
+                <a16:creationId xmlns:a16="http://schemas.microsoft.com/office/drawing/2014/main" xmlns="" id="{37CB002D-8420-B548-9BEA-2E18D8A9A204}"/>
               </a:ext>
             </a:extLst>
           </p:cNvPr>
@@ -11894,7 +11777,7 @@
           <p:cNvPr id="7" name="직사각형 6">
             <a:extLst>
               <a:ext uri="{FF2B5EF4-FFF2-40B4-BE49-F238E27FC236}">
-                <a16:creationId xmlns:a16="http://schemas.microsoft.com/office/drawing/2014/main" id="{2391BDF5-629B-4AF3-A8CE-E4EA9DCEA48B}"/>
+                <a16:creationId xmlns:a16="http://schemas.microsoft.com/office/drawing/2014/main" xmlns="" id="{2391BDF5-629B-4AF3-A8CE-E4EA9DCEA48B}"/>
               </a:ext>
             </a:extLst>
           </p:cNvPr>
@@ -11948,7 +11831,7 @@
           <p:cNvPr id="10" name="직각 삼각형[R] 8">
             <a:extLst>
               <a:ext uri="{FF2B5EF4-FFF2-40B4-BE49-F238E27FC236}">
-                <a16:creationId xmlns:a16="http://schemas.microsoft.com/office/drawing/2014/main" id="{7E7A9195-0E51-4445-93B6-2976F8FBE0D8}"/>
+                <a16:creationId xmlns:a16="http://schemas.microsoft.com/office/drawing/2014/main" xmlns="" id="{7E7A9195-0E51-4445-93B6-2976F8FBE0D8}"/>
               </a:ext>
             </a:extLst>
           </p:cNvPr>
@@ -12006,7 +11889,7 @@
           <p:cNvPr id="11" name="TextBox 10">
             <a:extLst>
               <a:ext uri="{FF2B5EF4-FFF2-40B4-BE49-F238E27FC236}">
-                <a16:creationId xmlns:a16="http://schemas.microsoft.com/office/drawing/2014/main" id="{651A2FE2-9AA3-4B6C-B724-5E77A728E14B}"/>
+                <a16:creationId xmlns:a16="http://schemas.microsoft.com/office/drawing/2014/main" xmlns="" id="{651A2FE2-9AA3-4B6C-B724-5E77A728E14B}"/>
               </a:ext>
             </a:extLst>
           </p:cNvPr>
@@ -12065,7 +11948,7 @@
           <p:cNvPr id="12" name="TextBox 11">
             <a:extLst>
               <a:ext uri="{FF2B5EF4-FFF2-40B4-BE49-F238E27FC236}">
-                <a16:creationId xmlns:a16="http://schemas.microsoft.com/office/drawing/2014/main" id="{D21DA38C-7DA6-4F89-9FAE-3F48885F2EE8}"/>
+                <a16:creationId xmlns:a16="http://schemas.microsoft.com/office/drawing/2014/main" xmlns="" id="{D21DA38C-7DA6-4F89-9FAE-3F48885F2EE8}"/>
               </a:ext>
             </a:extLst>
           </p:cNvPr>
@@ -12123,7 +12006,7 @@
           <p:cNvPr id="3" name="그림 2">
             <a:extLst>
               <a:ext uri="{FF2B5EF4-FFF2-40B4-BE49-F238E27FC236}">
-                <a16:creationId xmlns:a16="http://schemas.microsoft.com/office/drawing/2014/main" id="{B898E38C-2AAF-45D7-B9AB-5FE3FAE18685}"/>
+                <a16:creationId xmlns:a16="http://schemas.microsoft.com/office/drawing/2014/main" xmlns="" id="{B898E38C-2AAF-45D7-B9AB-5FE3FAE18685}"/>
               </a:ext>
             </a:extLst>
           </p:cNvPr>
@@ -12151,13 +12034,20 @@
     </p:spTree>
     <p:extLst>
       <p:ext uri="{BB962C8B-B14F-4D97-AF65-F5344CB8AC3E}">
-        <p14:creationId xmlns:p14="http://schemas.microsoft.com/office/powerpoint/2010/main" val="1140614862"/>
+        <p14:creationId xmlns:p14="http://schemas.microsoft.com/office/powerpoint/2010/main" xmlns="" val="1140614862"/>
       </p:ext>
     </p:extLst>
   </p:cSld>
   <p:clrMapOvr>
     <a:masterClrMapping/>
   </p:clrMapOvr>
+  <p:timing>
+    <p:tnLst>
+      <p:par>
+        <p:cTn id="1" dur="indefinite" restart="never" nodeType="tmRoot"/>
+      </p:par>
+    </p:tnLst>
+  </p:timing>
 </p:sld>
 </file>
 
@@ -12183,7 +12073,7 @@
           <p:cNvPr id="34" name="직사각형 33">
             <a:extLst>
               <a:ext uri="{FF2B5EF4-FFF2-40B4-BE49-F238E27FC236}">
-                <a16:creationId xmlns:a16="http://schemas.microsoft.com/office/drawing/2014/main" id="{37CB002D-8420-B548-9BEA-2E18D8A9A204}"/>
+                <a16:creationId xmlns:a16="http://schemas.microsoft.com/office/drawing/2014/main" xmlns="" id="{37CB002D-8420-B548-9BEA-2E18D8A9A204}"/>
               </a:ext>
             </a:extLst>
           </p:cNvPr>
@@ -12235,7 +12125,7 @@
           <p:cNvPr id="7" name="직사각형 6">
             <a:extLst>
               <a:ext uri="{FF2B5EF4-FFF2-40B4-BE49-F238E27FC236}">
-                <a16:creationId xmlns:a16="http://schemas.microsoft.com/office/drawing/2014/main" id="{2391BDF5-629B-4AF3-A8CE-E4EA9DCEA48B}"/>
+                <a16:creationId xmlns:a16="http://schemas.microsoft.com/office/drawing/2014/main" xmlns="" id="{2391BDF5-629B-4AF3-A8CE-E4EA9DCEA48B}"/>
               </a:ext>
             </a:extLst>
           </p:cNvPr>
@@ -12289,7 +12179,7 @@
           <p:cNvPr id="10" name="직각 삼각형[R] 8">
             <a:extLst>
               <a:ext uri="{FF2B5EF4-FFF2-40B4-BE49-F238E27FC236}">
-                <a16:creationId xmlns:a16="http://schemas.microsoft.com/office/drawing/2014/main" id="{7E7A9195-0E51-4445-93B6-2976F8FBE0D8}"/>
+                <a16:creationId xmlns:a16="http://schemas.microsoft.com/office/drawing/2014/main" xmlns="" id="{7E7A9195-0E51-4445-93B6-2976F8FBE0D8}"/>
               </a:ext>
             </a:extLst>
           </p:cNvPr>
@@ -12347,7 +12237,7 @@
           <p:cNvPr id="11" name="TextBox 10">
             <a:extLst>
               <a:ext uri="{FF2B5EF4-FFF2-40B4-BE49-F238E27FC236}">
-                <a16:creationId xmlns:a16="http://schemas.microsoft.com/office/drawing/2014/main" id="{651A2FE2-9AA3-4B6C-B724-5E77A728E14B}"/>
+                <a16:creationId xmlns:a16="http://schemas.microsoft.com/office/drawing/2014/main" xmlns="" id="{651A2FE2-9AA3-4B6C-B724-5E77A728E14B}"/>
               </a:ext>
             </a:extLst>
           </p:cNvPr>
@@ -12406,7 +12296,7 @@
           <p:cNvPr id="12" name="TextBox 11">
             <a:extLst>
               <a:ext uri="{FF2B5EF4-FFF2-40B4-BE49-F238E27FC236}">
-                <a16:creationId xmlns:a16="http://schemas.microsoft.com/office/drawing/2014/main" id="{D21DA38C-7DA6-4F89-9FAE-3F48885F2EE8}"/>
+                <a16:creationId xmlns:a16="http://schemas.microsoft.com/office/drawing/2014/main" xmlns="" id="{D21DA38C-7DA6-4F89-9FAE-3F48885F2EE8}"/>
               </a:ext>
             </a:extLst>
           </p:cNvPr>
@@ -12464,7 +12354,7 @@
           <p:cNvPr id="3" name="그림 2">
             <a:extLst>
               <a:ext uri="{FF2B5EF4-FFF2-40B4-BE49-F238E27FC236}">
-                <a16:creationId xmlns:a16="http://schemas.microsoft.com/office/drawing/2014/main" id="{A16C6481-38E1-45EE-A913-C9EC77F3B736}"/>
+                <a16:creationId xmlns:a16="http://schemas.microsoft.com/office/drawing/2014/main" xmlns="" id="{A16C6481-38E1-45EE-A913-C9EC77F3B736}"/>
               </a:ext>
             </a:extLst>
           </p:cNvPr>
@@ -12492,13 +12382,20 @@
     </p:spTree>
     <p:extLst>
       <p:ext uri="{BB962C8B-B14F-4D97-AF65-F5344CB8AC3E}">
-        <p14:creationId xmlns:p14="http://schemas.microsoft.com/office/powerpoint/2010/main" val="2687937703"/>
+        <p14:creationId xmlns:p14="http://schemas.microsoft.com/office/powerpoint/2010/main" xmlns="" val="2687937703"/>
       </p:ext>
     </p:extLst>
   </p:cSld>
   <p:clrMapOvr>
     <a:masterClrMapping/>
   </p:clrMapOvr>
+  <p:timing>
+    <p:tnLst>
+      <p:par>
+        <p:cTn id="1" dur="indefinite" restart="never" nodeType="tmRoot"/>
+      </p:par>
+    </p:tnLst>
+  </p:timing>
 </p:sld>
 </file>
 
@@ -12524,7 +12421,7 @@
           <p:cNvPr id="34" name="직사각형 33">
             <a:extLst>
               <a:ext uri="{FF2B5EF4-FFF2-40B4-BE49-F238E27FC236}">
-                <a16:creationId xmlns:a16="http://schemas.microsoft.com/office/drawing/2014/main" id="{37CB002D-8420-B548-9BEA-2E18D8A9A204}"/>
+                <a16:creationId xmlns:a16="http://schemas.microsoft.com/office/drawing/2014/main" xmlns="" id="{37CB002D-8420-B548-9BEA-2E18D8A9A204}"/>
               </a:ext>
             </a:extLst>
           </p:cNvPr>
@@ -12576,7 +12473,7 @@
           <p:cNvPr id="7" name="직사각형 6">
             <a:extLst>
               <a:ext uri="{FF2B5EF4-FFF2-40B4-BE49-F238E27FC236}">
-                <a16:creationId xmlns:a16="http://schemas.microsoft.com/office/drawing/2014/main" id="{2391BDF5-629B-4AF3-A8CE-E4EA9DCEA48B}"/>
+                <a16:creationId xmlns:a16="http://schemas.microsoft.com/office/drawing/2014/main" xmlns="" id="{2391BDF5-629B-4AF3-A8CE-E4EA9DCEA48B}"/>
               </a:ext>
             </a:extLst>
           </p:cNvPr>
@@ -12630,7 +12527,7 @@
           <p:cNvPr id="10" name="직각 삼각형[R] 8">
             <a:extLst>
               <a:ext uri="{FF2B5EF4-FFF2-40B4-BE49-F238E27FC236}">
-                <a16:creationId xmlns:a16="http://schemas.microsoft.com/office/drawing/2014/main" id="{7E7A9195-0E51-4445-93B6-2976F8FBE0D8}"/>
+                <a16:creationId xmlns:a16="http://schemas.microsoft.com/office/drawing/2014/main" xmlns="" id="{7E7A9195-0E51-4445-93B6-2976F8FBE0D8}"/>
               </a:ext>
             </a:extLst>
           </p:cNvPr>
@@ -12688,7 +12585,7 @@
           <p:cNvPr id="11" name="TextBox 10">
             <a:extLst>
               <a:ext uri="{FF2B5EF4-FFF2-40B4-BE49-F238E27FC236}">
-                <a16:creationId xmlns:a16="http://schemas.microsoft.com/office/drawing/2014/main" id="{651A2FE2-9AA3-4B6C-B724-5E77A728E14B}"/>
+                <a16:creationId xmlns:a16="http://schemas.microsoft.com/office/drawing/2014/main" xmlns="" id="{651A2FE2-9AA3-4B6C-B724-5E77A728E14B}"/>
               </a:ext>
             </a:extLst>
           </p:cNvPr>
@@ -12747,7 +12644,7 @@
           <p:cNvPr id="12" name="TextBox 11">
             <a:extLst>
               <a:ext uri="{FF2B5EF4-FFF2-40B4-BE49-F238E27FC236}">
-                <a16:creationId xmlns:a16="http://schemas.microsoft.com/office/drawing/2014/main" id="{D21DA38C-7DA6-4F89-9FAE-3F48885F2EE8}"/>
+                <a16:creationId xmlns:a16="http://schemas.microsoft.com/office/drawing/2014/main" xmlns="" id="{D21DA38C-7DA6-4F89-9FAE-3F48885F2EE8}"/>
               </a:ext>
             </a:extLst>
           </p:cNvPr>
@@ -12795,7 +12692,7 @@
           <p:cNvPr id="8" name="그림 7" descr="project.png">
             <a:extLst>
               <a:ext uri="{FF2B5EF4-FFF2-40B4-BE49-F238E27FC236}">
-                <a16:creationId xmlns:a16="http://schemas.microsoft.com/office/drawing/2014/main" id="{94C6DFB3-DB07-4BBD-8A90-D6DC4E76B4FB}"/>
+                <a16:creationId xmlns:a16="http://schemas.microsoft.com/office/drawing/2014/main" xmlns="" id="{94C6DFB3-DB07-4BBD-8A90-D6DC4E76B4FB}"/>
               </a:ext>
             </a:extLst>
           </p:cNvPr>
@@ -12825,7 +12722,7 @@
           <p:cNvPr id="9" name="직사각형 8">
             <a:extLst>
               <a:ext uri="{FF2B5EF4-FFF2-40B4-BE49-F238E27FC236}">
-                <a16:creationId xmlns:a16="http://schemas.microsoft.com/office/drawing/2014/main" id="{2B655D1F-B376-427A-93A4-ED9CCA9D2FBE}"/>
+                <a16:creationId xmlns:a16="http://schemas.microsoft.com/office/drawing/2014/main" xmlns="" id="{2B655D1F-B376-427A-93A4-ED9CCA9D2FBE}"/>
               </a:ext>
             </a:extLst>
           </p:cNvPr>
@@ -12880,7 +12777,7 @@
           <p:cNvPr id="14" name="직사각형 13">
             <a:extLst>
               <a:ext uri="{FF2B5EF4-FFF2-40B4-BE49-F238E27FC236}">
-                <a16:creationId xmlns:a16="http://schemas.microsoft.com/office/drawing/2014/main" id="{3D104EBF-4BFE-4E20-A86F-78BE14F60AAA}"/>
+                <a16:creationId xmlns:a16="http://schemas.microsoft.com/office/drawing/2014/main" xmlns="" id="{3D104EBF-4BFE-4E20-A86F-78BE14F60AAA}"/>
               </a:ext>
             </a:extLst>
           </p:cNvPr>
@@ -12966,7 +12863,7 @@
           <p:cNvPr id="15" name="직사각형 14">
             <a:extLst>
               <a:ext uri="{FF2B5EF4-FFF2-40B4-BE49-F238E27FC236}">
-                <a16:creationId xmlns:a16="http://schemas.microsoft.com/office/drawing/2014/main" id="{42A6EEBA-1237-4F63-A179-995D66216390}"/>
+                <a16:creationId xmlns:a16="http://schemas.microsoft.com/office/drawing/2014/main" xmlns="" id="{42A6EEBA-1237-4F63-A179-995D66216390}"/>
               </a:ext>
             </a:extLst>
           </p:cNvPr>
@@ -13032,7 +12929,7 @@
           <p:cNvPr id="16" name="직사각형 15">
             <a:extLst>
               <a:ext uri="{FF2B5EF4-FFF2-40B4-BE49-F238E27FC236}">
-                <a16:creationId xmlns:a16="http://schemas.microsoft.com/office/drawing/2014/main" id="{82A9DFA1-A623-438D-AA8F-546E81E48A1C}"/>
+                <a16:creationId xmlns:a16="http://schemas.microsoft.com/office/drawing/2014/main" xmlns="" id="{82A9DFA1-A623-438D-AA8F-546E81E48A1C}"/>
               </a:ext>
             </a:extLst>
           </p:cNvPr>
@@ -13178,7 +13075,7 @@
           <p:cNvPr id="17" name="직사각형 16">
             <a:extLst>
               <a:ext uri="{FF2B5EF4-FFF2-40B4-BE49-F238E27FC236}">
-                <a16:creationId xmlns:a16="http://schemas.microsoft.com/office/drawing/2014/main" id="{A0EB9F3E-F26A-49C5-9DE3-1F816E4E9505}"/>
+                <a16:creationId xmlns:a16="http://schemas.microsoft.com/office/drawing/2014/main" xmlns="" id="{A0EB9F3E-F26A-49C5-9DE3-1F816E4E9505}"/>
               </a:ext>
             </a:extLst>
           </p:cNvPr>
@@ -13233,7 +13130,7 @@
           <p:cNvPr id="18" name="직사각형 17">
             <a:extLst>
               <a:ext uri="{FF2B5EF4-FFF2-40B4-BE49-F238E27FC236}">
-                <a16:creationId xmlns:a16="http://schemas.microsoft.com/office/drawing/2014/main" id="{1B80D2C9-8086-45DE-B639-CB177FB69190}"/>
+                <a16:creationId xmlns:a16="http://schemas.microsoft.com/office/drawing/2014/main" xmlns="" id="{1B80D2C9-8086-45DE-B639-CB177FB69190}"/>
               </a:ext>
             </a:extLst>
           </p:cNvPr>
@@ -13288,7 +13185,7 @@
           <p:cNvPr id="19" name="직사각형 18">
             <a:extLst>
               <a:ext uri="{FF2B5EF4-FFF2-40B4-BE49-F238E27FC236}">
-                <a16:creationId xmlns:a16="http://schemas.microsoft.com/office/drawing/2014/main" id="{0867AD9A-73B6-4677-B3BD-62772315948C}"/>
+                <a16:creationId xmlns:a16="http://schemas.microsoft.com/office/drawing/2014/main" xmlns="" id="{0867AD9A-73B6-4677-B3BD-62772315948C}"/>
               </a:ext>
             </a:extLst>
           </p:cNvPr>
@@ -13343,7 +13240,7 @@
           <p:cNvPr id="20" name="꺾인 연결선 58">
             <a:extLst>
               <a:ext uri="{FF2B5EF4-FFF2-40B4-BE49-F238E27FC236}">
-                <a16:creationId xmlns:a16="http://schemas.microsoft.com/office/drawing/2014/main" id="{31D74E14-5173-4DE6-AA87-A409BA62CF36}"/>
+                <a16:creationId xmlns:a16="http://schemas.microsoft.com/office/drawing/2014/main" xmlns="" id="{31D74E14-5173-4DE6-AA87-A409BA62CF36}"/>
               </a:ext>
             </a:extLst>
           </p:cNvPr>
@@ -13390,7 +13287,7 @@
           <p:cNvPr id="21" name="꺾인 연결선 64">
             <a:extLst>
               <a:ext uri="{FF2B5EF4-FFF2-40B4-BE49-F238E27FC236}">
-                <a16:creationId xmlns:a16="http://schemas.microsoft.com/office/drawing/2014/main" id="{EB57FBEA-D585-4F2B-9CCD-74F1DB6A7723}"/>
+                <a16:creationId xmlns:a16="http://schemas.microsoft.com/office/drawing/2014/main" xmlns="" id="{EB57FBEA-D585-4F2B-9CCD-74F1DB6A7723}"/>
               </a:ext>
             </a:extLst>
           </p:cNvPr>
@@ -13437,7 +13334,7 @@
           <p:cNvPr id="22" name="꺾인 연결선 70">
             <a:extLst>
               <a:ext uri="{FF2B5EF4-FFF2-40B4-BE49-F238E27FC236}">
-                <a16:creationId xmlns:a16="http://schemas.microsoft.com/office/drawing/2014/main" id="{147C10A9-563A-4AAD-9856-F8D05AEC3DE6}"/>
+                <a16:creationId xmlns:a16="http://schemas.microsoft.com/office/drawing/2014/main" xmlns="" id="{147C10A9-563A-4AAD-9856-F8D05AEC3DE6}"/>
               </a:ext>
             </a:extLst>
           </p:cNvPr>
@@ -13485,7 +13382,7 @@
           <p:cNvPr id="23" name="꺾인 연결선 95">
             <a:extLst>
               <a:ext uri="{FF2B5EF4-FFF2-40B4-BE49-F238E27FC236}">
-                <a16:creationId xmlns:a16="http://schemas.microsoft.com/office/drawing/2014/main" id="{003088A3-6436-4F52-A651-D77938EF3EDC}"/>
+                <a16:creationId xmlns:a16="http://schemas.microsoft.com/office/drawing/2014/main" xmlns="" id="{003088A3-6436-4F52-A651-D77938EF3EDC}"/>
               </a:ext>
             </a:extLst>
           </p:cNvPr>
@@ -13534,7 +13431,7 @@
           <p:cNvPr id="13" name="직사각형 12">
             <a:extLst>
               <a:ext uri="{FF2B5EF4-FFF2-40B4-BE49-F238E27FC236}">
-                <a16:creationId xmlns:a16="http://schemas.microsoft.com/office/drawing/2014/main" id="{2D9AF9C4-6E0C-4987-97E1-4A91E0976C22}"/>
+                <a16:creationId xmlns:a16="http://schemas.microsoft.com/office/drawing/2014/main" xmlns="" id="{2D9AF9C4-6E0C-4987-97E1-4A91E0976C22}"/>
               </a:ext>
             </a:extLst>
           </p:cNvPr>
@@ -13641,7 +13538,7 @@
     </p:spTree>
     <p:extLst>
       <p:ext uri="{BB962C8B-B14F-4D97-AF65-F5344CB8AC3E}">
-        <p14:creationId xmlns:p14="http://schemas.microsoft.com/office/powerpoint/2010/main" val="3341693835"/>
+        <p14:creationId xmlns:p14="http://schemas.microsoft.com/office/powerpoint/2010/main" xmlns="" val="3341693835"/>
       </p:ext>
     </p:extLst>
   </p:cSld>
@@ -14097,7 +13994,7 @@
           <p:cNvPr id="34" name="직사각형 33">
             <a:extLst>
               <a:ext uri="{FF2B5EF4-FFF2-40B4-BE49-F238E27FC236}">
-                <a16:creationId xmlns:a16="http://schemas.microsoft.com/office/drawing/2014/main" id="{37CB002D-8420-B548-9BEA-2E18D8A9A204}"/>
+                <a16:creationId xmlns:a16="http://schemas.microsoft.com/office/drawing/2014/main" xmlns="" id="{37CB002D-8420-B548-9BEA-2E18D8A9A204}"/>
               </a:ext>
             </a:extLst>
           </p:cNvPr>
@@ -14149,7 +14046,7 @@
           <p:cNvPr id="7" name="직사각형 6">
             <a:extLst>
               <a:ext uri="{FF2B5EF4-FFF2-40B4-BE49-F238E27FC236}">
-                <a16:creationId xmlns:a16="http://schemas.microsoft.com/office/drawing/2014/main" id="{2391BDF5-629B-4AF3-A8CE-E4EA9DCEA48B}"/>
+                <a16:creationId xmlns:a16="http://schemas.microsoft.com/office/drawing/2014/main" xmlns="" id="{2391BDF5-629B-4AF3-A8CE-E4EA9DCEA48B}"/>
               </a:ext>
             </a:extLst>
           </p:cNvPr>
@@ -14203,7 +14100,7 @@
           <p:cNvPr id="10" name="직각 삼각형[R] 8">
             <a:extLst>
               <a:ext uri="{FF2B5EF4-FFF2-40B4-BE49-F238E27FC236}">
-                <a16:creationId xmlns:a16="http://schemas.microsoft.com/office/drawing/2014/main" id="{7E7A9195-0E51-4445-93B6-2976F8FBE0D8}"/>
+                <a16:creationId xmlns:a16="http://schemas.microsoft.com/office/drawing/2014/main" xmlns="" id="{7E7A9195-0E51-4445-93B6-2976F8FBE0D8}"/>
               </a:ext>
             </a:extLst>
           </p:cNvPr>
@@ -14261,7 +14158,7 @@
           <p:cNvPr id="11" name="TextBox 10">
             <a:extLst>
               <a:ext uri="{FF2B5EF4-FFF2-40B4-BE49-F238E27FC236}">
-                <a16:creationId xmlns:a16="http://schemas.microsoft.com/office/drawing/2014/main" id="{651A2FE2-9AA3-4B6C-B724-5E77A728E14B}"/>
+                <a16:creationId xmlns:a16="http://schemas.microsoft.com/office/drawing/2014/main" xmlns="" id="{651A2FE2-9AA3-4B6C-B724-5E77A728E14B}"/>
               </a:ext>
             </a:extLst>
           </p:cNvPr>
@@ -14320,7 +14217,7 @@
           <p:cNvPr id="12" name="TextBox 11">
             <a:extLst>
               <a:ext uri="{FF2B5EF4-FFF2-40B4-BE49-F238E27FC236}">
-                <a16:creationId xmlns:a16="http://schemas.microsoft.com/office/drawing/2014/main" id="{D21DA38C-7DA6-4F89-9FAE-3F48885F2EE8}"/>
+                <a16:creationId xmlns:a16="http://schemas.microsoft.com/office/drawing/2014/main" xmlns="" id="{D21DA38C-7DA6-4F89-9FAE-3F48885F2EE8}"/>
               </a:ext>
             </a:extLst>
           </p:cNvPr>
@@ -14368,7 +14265,7 @@
           <p:cNvPr id="3" name="그림 2">
             <a:extLst>
               <a:ext uri="{FF2B5EF4-FFF2-40B4-BE49-F238E27FC236}">
-                <a16:creationId xmlns:a16="http://schemas.microsoft.com/office/drawing/2014/main" id="{01F5F861-AEFE-467F-AD0B-F6BBD35F86F5}"/>
+                <a16:creationId xmlns:a16="http://schemas.microsoft.com/office/drawing/2014/main" xmlns="" id="{01F5F861-AEFE-467F-AD0B-F6BBD35F86F5}"/>
               </a:ext>
             </a:extLst>
           </p:cNvPr>
@@ -14398,7 +14295,7 @@
           <p:cNvPr id="2" name="그림 1">
             <a:extLst>
               <a:ext uri="{FF2B5EF4-FFF2-40B4-BE49-F238E27FC236}">
-                <a16:creationId xmlns:a16="http://schemas.microsoft.com/office/drawing/2014/main" id="{7619FDC5-1711-4CD6-810C-0C8610B47164}"/>
+                <a16:creationId xmlns:a16="http://schemas.microsoft.com/office/drawing/2014/main" xmlns="" id="{7619FDC5-1711-4CD6-810C-0C8610B47164}"/>
               </a:ext>
             </a:extLst>
           </p:cNvPr>
@@ -14428,7 +14325,7 @@
           <p:cNvPr id="4" name="그림 3">
             <a:extLst>
               <a:ext uri="{FF2B5EF4-FFF2-40B4-BE49-F238E27FC236}">
-                <a16:creationId xmlns:a16="http://schemas.microsoft.com/office/drawing/2014/main" id="{BDB9CE97-51FA-4179-9F58-ACED939895B9}"/>
+                <a16:creationId xmlns:a16="http://schemas.microsoft.com/office/drawing/2014/main" xmlns="" id="{BDB9CE97-51FA-4179-9F58-ACED939895B9}"/>
               </a:ext>
             </a:extLst>
           </p:cNvPr>
@@ -14458,7 +14355,7 @@
           <p:cNvPr id="5" name="그림 4">
             <a:extLst>
               <a:ext uri="{FF2B5EF4-FFF2-40B4-BE49-F238E27FC236}">
-                <a16:creationId xmlns:a16="http://schemas.microsoft.com/office/drawing/2014/main" id="{D187D07F-F2DD-4EB0-8DA3-6622ABEF8789}"/>
+                <a16:creationId xmlns:a16="http://schemas.microsoft.com/office/drawing/2014/main" xmlns="" id="{D187D07F-F2DD-4EB0-8DA3-6622ABEF8789}"/>
               </a:ext>
             </a:extLst>
           </p:cNvPr>
@@ -14488,7 +14385,7 @@
           <p:cNvPr id="6" name="그림 5">
             <a:extLst>
               <a:ext uri="{FF2B5EF4-FFF2-40B4-BE49-F238E27FC236}">
-                <a16:creationId xmlns:a16="http://schemas.microsoft.com/office/drawing/2014/main" id="{828C1E59-3A1C-4D97-A7F0-8A6FA9684F72}"/>
+                <a16:creationId xmlns:a16="http://schemas.microsoft.com/office/drawing/2014/main" xmlns="" id="{828C1E59-3A1C-4D97-A7F0-8A6FA9684F72}"/>
               </a:ext>
             </a:extLst>
           </p:cNvPr>
@@ -14515,13 +14412,20 @@
     </p:spTree>
     <p:extLst>
       <p:ext uri="{BB962C8B-B14F-4D97-AF65-F5344CB8AC3E}">
-        <p14:creationId xmlns:p14="http://schemas.microsoft.com/office/powerpoint/2010/main" val="3595836347"/>
+        <p14:creationId xmlns:p14="http://schemas.microsoft.com/office/powerpoint/2010/main" xmlns="" val="3595836347"/>
       </p:ext>
     </p:extLst>
   </p:cSld>
   <p:clrMapOvr>
     <a:masterClrMapping/>
   </p:clrMapOvr>
+  <p:timing>
+    <p:tnLst>
+      <p:par>
+        <p:cTn id="1" dur="indefinite" restart="never" nodeType="tmRoot"/>
+      </p:par>
+    </p:tnLst>
+  </p:timing>
 </p:sld>
 </file>
 
@@ -14547,7 +14451,7 @@
           <p:cNvPr id="34" name="직사각형 33">
             <a:extLst>
               <a:ext uri="{FF2B5EF4-FFF2-40B4-BE49-F238E27FC236}">
-                <a16:creationId xmlns:a16="http://schemas.microsoft.com/office/drawing/2014/main" id="{37CB002D-8420-B548-9BEA-2E18D8A9A204}"/>
+                <a16:creationId xmlns:a16="http://schemas.microsoft.com/office/drawing/2014/main" xmlns="" id="{37CB002D-8420-B548-9BEA-2E18D8A9A204}"/>
               </a:ext>
             </a:extLst>
           </p:cNvPr>
@@ -14599,7 +14503,7 @@
           <p:cNvPr id="7" name="직사각형 6">
             <a:extLst>
               <a:ext uri="{FF2B5EF4-FFF2-40B4-BE49-F238E27FC236}">
-                <a16:creationId xmlns:a16="http://schemas.microsoft.com/office/drawing/2014/main" id="{2391BDF5-629B-4AF3-A8CE-E4EA9DCEA48B}"/>
+                <a16:creationId xmlns:a16="http://schemas.microsoft.com/office/drawing/2014/main" xmlns="" id="{2391BDF5-629B-4AF3-A8CE-E4EA9DCEA48B}"/>
               </a:ext>
             </a:extLst>
           </p:cNvPr>
@@ -14653,7 +14557,7 @@
           <p:cNvPr id="10" name="직각 삼각형[R] 8">
             <a:extLst>
               <a:ext uri="{FF2B5EF4-FFF2-40B4-BE49-F238E27FC236}">
-                <a16:creationId xmlns:a16="http://schemas.microsoft.com/office/drawing/2014/main" id="{7E7A9195-0E51-4445-93B6-2976F8FBE0D8}"/>
+                <a16:creationId xmlns:a16="http://schemas.microsoft.com/office/drawing/2014/main" xmlns="" id="{7E7A9195-0E51-4445-93B6-2976F8FBE0D8}"/>
               </a:ext>
             </a:extLst>
           </p:cNvPr>
@@ -14711,7 +14615,7 @@
           <p:cNvPr id="11" name="TextBox 10">
             <a:extLst>
               <a:ext uri="{FF2B5EF4-FFF2-40B4-BE49-F238E27FC236}">
-                <a16:creationId xmlns:a16="http://schemas.microsoft.com/office/drawing/2014/main" id="{651A2FE2-9AA3-4B6C-B724-5E77A728E14B}"/>
+                <a16:creationId xmlns:a16="http://schemas.microsoft.com/office/drawing/2014/main" xmlns="" id="{651A2FE2-9AA3-4B6C-B724-5E77A728E14B}"/>
               </a:ext>
             </a:extLst>
           </p:cNvPr>
@@ -14770,7 +14674,7 @@
           <p:cNvPr id="12" name="TextBox 11">
             <a:extLst>
               <a:ext uri="{FF2B5EF4-FFF2-40B4-BE49-F238E27FC236}">
-                <a16:creationId xmlns:a16="http://schemas.microsoft.com/office/drawing/2014/main" id="{D21DA38C-7DA6-4F89-9FAE-3F48885F2EE8}"/>
+                <a16:creationId xmlns:a16="http://schemas.microsoft.com/office/drawing/2014/main" xmlns="" id="{D21DA38C-7DA6-4F89-9FAE-3F48885F2EE8}"/>
               </a:ext>
             </a:extLst>
           </p:cNvPr>
@@ -14816,13 +14720,20 @@
     </p:spTree>
     <p:extLst>
       <p:ext uri="{BB962C8B-B14F-4D97-AF65-F5344CB8AC3E}">
-        <p14:creationId xmlns:p14="http://schemas.microsoft.com/office/powerpoint/2010/main" val="1554640197"/>
+        <p14:creationId xmlns:p14="http://schemas.microsoft.com/office/powerpoint/2010/main" xmlns="" val="1554640197"/>
       </p:ext>
     </p:extLst>
   </p:cSld>
   <p:clrMapOvr>
     <a:masterClrMapping/>
   </p:clrMapOvr>
+  <p:timing>
+    <p:tnLst>
+      <p:par>
+        <p:cTn id="1" dur="indefinite" restart="never" nodeType="tmRoot"/>
+      </p:par>
+    </p:tnLst>
+  </p:timing>
 </p:sld>
 </file>
 
@@ -14856,7 +14767,7 @@
           <p:cNvPr id="7" name="TextBox 6">
             <a:extLst>
               <a:ext uri="{FF2B5EF4-FFF2-40B4-BE49-F238E27FC236}">
-                <a16:creationId xmlns:a16="http://schemas.microsoft.com/office/drawing/2014/main" id="{42FE3236-750D-A047-B36B-3A3B34F30683}"/>
+                <a16:creationId xmlns:a16="http://schemas.microsoft.com/office/drawing/2014/main" xmlns="" id="{42FE3236-750D-A047-B36B-3A3B34F30683}"/>
               </a:ext>
             </a:extLst>
           </p:cNvPr>
@@ -14905,7 +14816,7 @@
           <p:cNvPr id="22" name="TextBox 21">
             <a:extLst>
               <a:ext uri="{FF2B5EF4-FFF2-40B4-BE49-F238E27FC236}">
-                <a16:creationId xmlns:a16="http://schemas.microsoft.com/office/drawing/2014/main" id="{891037EF-45BE-2049-B684-DDCDF37608A5}"/>
+                <a16:creationId xmlns:a16="http://schemas.microsoft.com/office/drawing/2014/main" xmlns="" id="{891037EF-45BE-2049-B684-DDCDF37608A5}"/>
               </a:ext>
             </a:extLst>
           </p:cNvPr>
@@ -14954,7 +14865,7 @@
           <p:cNvPr id="28" name="TextBox 27">
             <a:extLst>
               <a:ext uri="{FF2B5EF4-FFF2-40B4-BE49-F238E27FC236}">
-                <a16:creationId xmlns:a16="http://schemas.microsoft.com/office/drawing/2014/main" id="{3CBBC928-2143-ED49-9C10-4DD06080EC37}"/>
+                <a16:creationId xmlns:a16="http://schemas.microsoft.com/office/drawing/2014/main" xmlns="" id="{3CBBC928-2143-ED49-9C10-4DD06080EC37}"/>
               </a:ext>
             </a:extLst>
           </p:cNvPr>
@@ -15003,7 +14914,7 @@
           <p:cNvPr id="33" name="TextBox 32">
             <a:extLst>
               <a:ext uri="{FF2B5EF4-FFF2-40B4-BE49-F238E27FC236}">
-                <a16:creationId xmlns:a16="http://schemas.microsoft.com/office/drawing/2014/main" id="{9C8B4252-4EEE-734E-AFA7-0099FFEA17CC}"/>
+                <a16:creationId xmlns:a16="http://schemas.microsoft.com/office/drawing/2014/main" xmlns="" id="{9C8B4252-4EEE-734E-AFA7-0099FFEA17CC}"/>
               </a:ext>
             </a:extLst>
           </p:cNvPr>
@@ -15052,7 +14963,7 @@
           <p:cNvPr id="3" name="모서리가 둥근 직사각형 2">
             <a:extLst>
               <a:ext uri="{FF2B5EF4-FFF2-40B4-BE49-F238E27FC236}">
-                <a16:creationId xmlns:a16="http://schemas.microsoft.com/office/drawing/2014/main" id="{B15BC01F-85DD-6C4D-969F-ADCBD2EA1767}"/>
+                <a16:creationId xmlns:a16="http://schemas.microsoft.com/office/drawing/2014/main" xmlns="" id="{B15BC01F-85DD-6C4D-969F-ADCBD2EA1767}"/>
               </a:ext>
             </a:extLst>
           </p:cNvPr>
@@ -15114,7 +15025,7 @@
           <p:cNvPr id="4" name="직사각형 3">
             <a:extLst>
               <a:ext uri="{FF2B5EF4-FFF2-40B4-BE49-F238E27FC236}">
-                <a16:creationId xmlns:a16="http://schemas.microsoft.com/office/drawing/2014/main" id="{54DE23C4-D779-3D4A-955D-339E1BFECDE9}"/>
+                <a16:creationId xmlns:a16="http://schemas.microsoft.com/office/drawing/2014/main" xmlns="" id="{54DE23C4-D779-3D4A-955D-339E1BFECDE9}"/>
               </a:ext>
             </a:extLst>
           </p:cNvPr>
@@ -15176,7 +15087,7 @@
           <p:cNvPr id="37" name="직사각형 36">
             <a:extLst>
               <a:ext uri="{FF2B5EF4-FFF2-40B4-BE49-F238E27FC236}">
-                <a16:creationId xmlns:a16="http://schemas.microsoft.com/office/drawing/2014/main" id="{9E85BA02-5CD5-C244-B2E5-5A66D4E9D24A}"/>
+                <a16:creationId xmlns:a16="http://schemas.microsoft.com/office/drawing/2014/main" xmlns="" id="{9E85BA02-5CD5-C244-B2E5-5A66D4E9D24A}"/>
               </a:ext>
             </a:extLst>
           </p:cNvPr>
@@ -15234,7 +15145,7 @@
           <p:cNvPr id="40" name="모서리가 둥근 직사각형 39">
             <a:extLst>
               <a:ext uri="{FF2B5EF4-FFF2-40B4-BE49-F238E27FC236}">
-                <a16:creationId xmlns:a16="http://schemas.microsoft.com/office/drawing/2014/main" id="{08DCDE5E-8FBD-9F45-B642-7F7DC2A30298}"/>
+                <a16:creationId xmlns:a16="http://schemas.microsoft.com/office/drawing/2014/main" xmlns="" id="{08DCDE5E-8FBD-9F45-B642-7F7DC2A30298}"/>
               </a:ext>
             </a:extLst>
           </p:cNvPr>
@@ -15296,7 +15207,7 @@
           <p:cNvPr id="41" name="직사각형 40">
             <a:extLst>
               <a:ext uri="{FF2B5EF4-FFF2-40B4-BE49-F238E27FC236}">
-                <a16:creationId xmlns:a16="http://schemas.microsoft.com/office/drawing/2014/main" id="{7DED2737-C550-0043-A389-B804C5C9CDED}"/>
+                <a16:creationId xmlns:a16="http://schemas.microsoft.com/office/drawing/2014/main" xmlns="" id="{7DED2737-C550-0043-A389-B804C5C9CDED}"/>
               </a:ext>
             </a:extLst>
           </p:cNvPr>
@@ -15358,7 +15269,7 @@
           <p:cNvPr id="42" name="직사각형 41">
             <a:extLst>
               <a:ext uri="{FF2B5EF4-FFF2-40B4-BE49-F238E27FC236}">
-                <a16:creationId xmlns:a16="http://schemas.microsoft.com/office/drawing/2014/main" id="{DA2565A9-A39B-8C49-8DF8-F04B259702F2}"/>
+                <a16:creationId xmlns:a16="http://schemas.microsoft.com/office/drawing/2014/main" xmlns="" id="{DA2565A9-A39B-8C49-8DF8-F04B259702F2}"/>
               </a:ext>
             </a:extLst>
           </p:cNvPr>
@@ -15416,7 +15327,7 @@
           <p:cNvPr id="43" name="직사각형 42">
             <a:extLst>
               <a:ext uri="{FF2B5EF4-FFF2-40B4-BE49-F238E27FC236}">
-                <a16:creationId xmlns:a16="http://schemas.microsoft.com/office/drawing/2014/main" id="{3C4567BC-0D51-9846-8D02-B52A3DAD6382}"/>
+                <a16:creationId xmlns:a16="http://schemas.microsoft.com/office/drawing/2014/main" xmlns="" id="{3C4567BC-0D51-9846-8D02-B52A3DAD6382}"/>
               </a:ext>
             </a:extLst>
           </p:cNvPr>
@@ -15477,7 +15388,7 @@
           <p:cNvPr id="44" name="모서리가 둥근 직사각형 43">
             <a:extLst>
               <a:ext uri="{FF2B5EF4-FFF2-40B4-BE49-F238E27FC236}">
-                <a16:creationId xmlns:a16="http://schemas.microsoft.com/office/drawing/2014/main" id="{192C4406-F5BE-AB4A-BC1D-5F2AC2B497E5}"/>
+                <a16:creationId xmlns:a16="http://schemas.microsoft.com/office/drawing/2014/main" xmlns="" id="{192C4406-F5BE-AB4A-BC1D-5F2AC2B497E5}"/>
               </a:ext>
             </a:extLst>
           </p:cNvPr>
@@ -15539,7 +15450,7 @@
           <p:cNvPr id="45" name="직사각형 44">
             <a:extLst>
               <a:ext uri="{FF2B5EF4-FFF2-40B4-BE49-F238E27FC236}">
-                <a16:creationId xmlns:a16="http://schemas.microsoft.com/office/drawing/2014/main" id="{40A1B75A-1C2F-3C4B-A218-8DEF5EA1A240}"/>
+                <a16:creationId xmlns:a16="http://schemas.microsoft.com/office/drawing/2014/main" xmlns="" id="{40A1B75A-1C2F-3C4B-A218-8DEF5EA1A240}"/>
               </a:ext>
             </a:extLst>
           </p:cNvPr>
@@ -15601,7 +15512,7 @@
           <p:cNvPr id="46" name="직사각형 45">
             <a:extLst>
               <a:ext uri="{FF2B5EF4-FFF2-40B4-BE49-F238E27FC236}">
-                <a16:creationId xmlns:a16="http://schemas.microsoft.com/office/drawing/2014/main" id="{1E8C94F4-E033-604B-8A58-00F978D2EB43}"/>
+                <a16:creationId xmlns:a16="http://schemas.microsoft.com/office/drawing/2014/main" xmlns="" id="{1E8C94F4-E033-604B-8A58-00F978D2EB43}"/>
               </a:ext>
             </a:extLst>
           </p:cNvPr>
@@ -15659,7 +15570,7 @@
           <p:cNvPr id="47" name="직사각형 46">
             <a:extLst>
               <a:ext uri="{FF2B5EF4-FFF2-40B4-BE49-F238E27FC236}">
-                <a16:creationId xmlns:a16="http://schemas.microsoft.com/office/drawing/2014/main" id="{33CE4ED5-DA1F-5940-AC3E-08F271B2E1E5}"/>
+                <a16:creationId xmlns:a16="http://schemas.microsoft.com/office/drawing/2014/main" xmlns="" id="{33CE4ED5-DA1F-5940-AC3E-08F271B2E1E5}"/>
               </a:ext>
             </a:extLst>
           </p:cNvPr>
@@ -15720,7 +15631,7 @@
           <p:cNvPr id="48" name="직사각형 47">
             <a:extLst>
               <a:ext uri="{FF2B5EF4-FFF2-40B4-BE49-F238E27FC236}">
-                <a16:creationId xmlns:a16="http://schemas.microsoft.com/office/drawing/2014/main" id="{EF879863-4002-0649-908E-E3FA425C7515}"/>
+                <a16:creationId xmlns:a16="http://schemas.microsoft.com/office/drawing/2014/main" xmlns="" id="{EF879863-4002-0649-908E-E3FA425C7515}"/>
               </a:ext>
             </a:extLst>
           </p:cNvPr>
@@ -15781,7 +15692,7 @@
           <p:cNvPr id="49" name="모서리가 둥근 직사각형 48">
             <a:extLst>
               <a:ext uri="{FF2B5EF4-FFF2-40B4-BE49-F238E27FC236}">
-                <a16:creationId xmlns:a16="http://schemas.microsoft.com/office/drawing/2014/main" id="{D9415A5C-B5F6-434A-AAC2-5D23A69D0690}"/>
+                <a16:creationId xmlns:a16="http://schemas.microsoft.com/office/drawing/2014/main" xmlns="" id="{D9415A5C-B5F6-434A-AAC2-5D23A69D0690}"/>
               </a:ext>
             </a:extLst>
           </p:cNvPr>
@@ -15843,7 +15754,7 @@
           <p:cNvPr id="50" name="직사각형 49">
             <a:extLst>
               <a:ext uri="{FF2B5EF4-FFF2-40B4-BE49-F238E27FC236}">
-                <a16:creationId xmlns:a16="http://schemas.microsoft.com/office/drawing/2014/main" id="{A2E4B733-0B2F-EB44-9495-3D7B493225B5}"/>
+                <a16:creationId xmlns:a16="http://schemas.microsoft.com/office/drawing/2014/main" xmlns="" id="{A2E4B733-0B2F-EB44-9495-3D7B493225B5}"/>
               </a:ext>
             </a:extLst>
           </p:cNvPr>
@@ -15905,7 +15816,7 @@
           <p:cNvPr id="51" name="직사각형 50">
             <a:extLst>
               <a:ext uri="{FF2B5EF4-FFF2-40B4-BE49-F238E27FC236}">
-                <a16:creationId xmlns:a16="http://schemas.microsoft.com/office/drawing/2014/main" id="{25B6C46A-2DED-544B-825A-A3E9D8F9B9F1}"/>
+                <a16:creationId xmlns:a16="http://schemas.microsoft.com/office/drawing/2014/main" xmlns="" id="{25B6C46A-2DED-544B-825A-A3E9D8F9B9F1}"/>
               </a:ext>
             </a:extLst>
           </p:cNvPr>
@@ -15963,7 +15874,7 @@
           <p:cNvPr id="52" name="직사각형 51">
             <a:extLst>
               <a:ext uri="{FF2B5EF4-FFF2-40B4-BE49-F238E27FC236}">
-                <a16:creationId xmlns:a16="http://schemas.microsoft.com/office/drawing/2014/main" id="{9B00F2CE-B862-1F45-A8EF-EEAB910DC2DD}"/>
+                <a16:creationId xmlns:a16="http://schemas.microsoft.com/office/drawing/2014/main" xmlns="" id="{9B00F2CE-B862-1F45-A8EF-EEAB910DC2DD}"/>
               </a:ext>
             </a:extLst>
           </p:cNvPr>
@@ -16024,7 +15935,7 @@
           <p:cNvPr id="53" name="직사각형 52">
             <a:extLst>
               <a:ext uri="{FF2B5EF4-FFF2-40B4-BE49-F238E27FC236}">
-                <a16:creationId xmlns:a16="http://schemas.microsoft.com/office/drawing/2014/main" id="{C840DF5C-D742-454B-9744-B666449F3463}"/>
+                <a16:creationId xmlns:a16="http://schemas.microsoft.com/office/drawing/2014/main" xmlns="" id="{C840DF5C-D742-454B-9744-B666449F3463}"/>
               </a:ext>
             </a:extLst>
           </p:cNvPr>
@@ -16085,7 +15996,7 @@
           <p:cNvPr id="54" name="직사각형 53">
             <a:extLst>
               <a:ext uri="{FF2B5EF4-FFF2-40B4-BE49-F238E27FC236}">
-                <a16:creationId xmlns:a16="http://schemas.microsoft.com/office/drawing/2014/main" id="{7FD7FDAD-86FC-2F4C-974B-9A9A60523BA0}"/>
+                <a16:creationId xmlns:a16="http://schemas.microsoft.com/office/drawing/2014/main" xmlns="" id="{7FD7FDAD-86FC-2F4C-974B-9A9A60523BA0}"/>
               </a:ext>
             </a:extLst>
           </p:cNvPr>
@@ -16146,7 +16057,7 @@
           <p:cNvPr id="36" name="직사각형 35">
             <a:extLst>
               <a:ext uri="{FF2B5EF4-FFF2-40B4-BE49-F238E27FC236}">
-                <a16:creationId xmlns:a16="http://schemas.microsoft.com/office/drawing/2014/main" id="{2E8730FD-3FE0-CF49-87D6-55D4CADD52EC}"/>
+                <a16:creationId xmlns:a16="http://schemas.microsoft.com/office/drawing/2014/main" xmlns="" id="{2E8730FD-3FE0-CF49-87D6-55D4CADD52EC}"/>
               </a:ext>
             </a:extLst>
           </p:cNvPr>
@@ -16207,7 +16118,7 @@
           <p:cNvPr id="38" name="TextBox 37">
             <a:extLst>
               <a:ext uri="{FF2B5EF4-FFF2-40B4-BE49-F238E27FC236}">
-                <a16:creationId xmlns:a16="http://schemas.microsoft.com/office/drawing/2014/main" id="{D924124E-8556-6D40-B0AF-F8C8FE260281}"/>
+                <a16:creationId xmlns:a16="http://schemas.microsoft.com/office/drawing/2014/main" xmlns="" id="{D924124E-8556-6D40-B0AF-F8C8FE260281}"/>
               </a:ext>
             </a:extLst>
           </p:cNvPr>
@@ -16262,7 +16173,7 @@
           <p:cNvPr id="26" name="TextBox 25">
             <a:extLst>
               <a:ext uri="{FF2B5EF4-FFF2-40B4-BE49-F238E27FC236}">
-                <a16:creationId xmlns:a16="http://schemas.microsoft.com/office/drawing/2014/main" id="{9C8B4252-4EEE-734E-AFA7-0099FFEA17CC}"/>
+                <a16:creationId xmlns:a16="http://schemas.microsoft.com/office/drawing/2014/main" xmlns="" id="{9C8B4252-4EEE-734E-AFA7-0099FFEA17CC}"/>
               </a:ext>
             </a:extLst>
           </p:cNvPr>
@@ -16317,7 +16228,7 @@
           <p:cNvPr id="27" name="TextBox 26">
             <a:extLst>
               <a:ext uri="{FF2B5EF4-FFF2-40B4-BE49-F238E27FC236}">
-                <a16:creationId xmlns:a16="http://schemas.microsoft.com/office/drawing/2014/main" id="{9C8B4252-4EEE-734E-AFA7-0099FFEA17CC}"/>
+                <a16:creationId xmlns:a16="http://schemas.microsoft.com/office/drawing/2014/main" xmlns="" id="{9C8B4252-4EEE-734E-AFA7-0099FFEA17CC}"/>
               </a:ext>
             </a:extLst>
           </p:cNvPr>
@@ -16372,7 +16283,7 @@
           <p:cNvPr id="29" name="TextBox 28">
             <a:extLst>
               <a:ext uri="{FF2B5EF4-FFF2-40B4-BE49-F238E27FC236}">
-                <a16:creationId xmlns:a16="http://schemas.microsoft.com/office/drawing/2014/main" id="{9C8B4252-4EEE-734E-AFA7-0099FFEA17CC}"/>
+                <a16:creationId xmlns:a16="http://schemas.microsoft.com/office/drawing/2014/main" xmlns="" id="{9C8B4252-4EEE-734E-AFA7-0099FFEA17CC}"/>
               </a:ext>
             </a:extLst>
           </p:cNvPr>
@@ -16427,7 +16338,7 @@
           <p:cNvPr id="30" name="TextBox 29">
             <a:extLst>
               <a:ext uri="{FF2B5EF4-FFF2-40B4-BE49-F238E27FC236}">
-                <a16:creationId xmlns:a16="http://schemas.microsoft.com/office/drawing/2014/main" id="{9C8B4252-4EEE-734E-AFA7-0099FFEA17CC}"/>
+                <a16:creationId xmlns:a16="http://schemas.microsoft.com/office/drawing/2014/main" xmlns="" id="{9C8B4252-4EEE-734E-AFA7-0099FFEA17CC}"/>
               </a:ext>
             </a:extLst>
           </p:cNvPr>
@@ -16482,7 +16393,7 @@
           <p:cNvPr id="31" name="TextBox 30">
             <a:extLst>
               <a:ext uri="{FF2B5EF4-FFF2-40B4-BE49-F238E27FC236}">
-                <a16:creationId xmlns:a16="http://schemas.microsoft.com/office/drawing/2014/main" id="{9C8B4252-4EEE-734E-AFA7-0099FFEA17CC}"/>
+                <a16:creationId xmlns:a16="http://schemas.microsoft.com/office/drawing/2014/main" xmlns="" id="{9C8B4252-4EEE-734E-AFA7-0099FFEA17CC}"/>
               </a:ext>
             </a:extLst>
           </p:cNvPr>
@@ -16537,7 +16448,7 @@
           <p:cNvPr id="32" name="TextBox 31">
             <a:extLst>
               <a:ext uri="{FF2B5EF4-FFF2-40B4-BE49-F238E27FC236}">
-                <a16:creationId xmlns:a16="http://schemas.microsoft.com/office/drawing/2014/main" id="{9C8B4252-4EEE-734E-AFA7-0099FFEA17CC}"/>
+                <a16:creationId xmlns:a16="http://schemas.microsoft.com/office/drawing/2014/main" xmlns="" id="{9C8B4252-4EEE-734E-AFA7-0099FFEA17CC}"/>
               </a:ext>
             </a:extLst>
           </p:cNvPr>
@@ -16592,7 +16503,7 @@
           <p:cNvPr id="34" name="TextBox 33">
             <a:extLst>
               <a:ext uri="{FF2B5EF4-FFF2-40B4-BE49-F238E27FC236}">
-                <a16:creationId xmlns:a16="http://schemas.microsoft.com/office/drawing/2014/main" id="{9C8B4252-4EEE-734E-AFA7-0099FFEA17CC}"/>
+                <a16:creationId xmlns:a16="http://schemas.microsoft.com/office/drawing/2014/main" xmlns="" id="{9C8B4252-4EEE-734E-AFA7-0099FFEA17CC}"/>
               </a:ext>
             </a:extLst>
           </p:cNvPr>
@@ -16660,7 +16571,7 @@
           <p:cNvPr id="35" name="TextBox 34">
             <a:extLst>
               <a:ext uri="{FF2B5EF4-FFF2-40B4-BE49-F238E27FC236}">
-                <a16:creationId xmlns:a16="http://schemas.microsoft.com/office/drawing/2014/main" id="{9C8B4252-4EEE-734E-AFA7-0099FFEA17CC}"/>
+                <a16:creationId xmlns:a16="http://schemas.microsoft.com/office/drawing/2014/main" xmlns="" id="{9C8B4252-4EEE-734E-AFA7-0099FFEA17CC}"/>
               </a:ext>
             </a:extLst>
           </p:cNvPr>
@@ -16715,7 +16626,7 @@
           <p:cNvPr id="55" name="TextBox 54">
             <a:extLst>
               <a:ext uri="{FF2B5EF4-FFF2-40B4-BE49-F238E27FC236}">
-                <a16:creationId xmlns:a16="http://schemas.microsoft.com/office/drawing/2014/main" id="{9C8B4252-4EEE-734E-AFA7-0099FFEA17CC}"/>
+                <a16:creationId xmlns:a16="http://schemas.microsoft.com/office/drawing/2014/main" xmlns="" id="{9C8B4252-4EEE-734E-AFA7-0099FFEA17CC}"/>
               </a:ext>
             </a:extLst>
           </p:cNvPr>
@@ -16770,7 +16681,7 @@
           <p:cNvPr id="56" name="TextBox 55">
             <a:extLst>
               <a:ext uri="{FF2B5EF4-FFF2-40B4-BE49-F238E27FC236}">
-                <a16:creationId xmlns:a16="http://schemas.microsoft.com/office/drawing/2014/main" id="{9C8B4252-4EEE-734E-AFA7-0099FFEA17CC}"/>
+                <a16:creationId xmlns:a16="http://schemas.microsoft.com/office/drawing/2014/main" xmlns="" id="{9C8B4252-4EEE-734E-AFA7-0099FFEA17CC}"/>
               </a:ext>
             </a:extLst>
           </p:cNvPr>
@@ -16823,13 +16734,20 @@
     </p:spTree>
     <p:extLst>
       <p:ext uri="{BB962C8B-B14F-4D97-AF65-F5344CB8AC3E}">
-        <p14:creationId xmlns:p14="http://schemas.microsoft.com/office/powerpoint/2010/main" val="275772099"/>
+        <p14:creationId xmlns:p14="http://schemas.microsoft.com/office/powerpoint/2010/main" xmlns="" val="275772099"/>
       </p:ext>
     </p:extLst>
   </p:cSld>
   <p:clrMapOvr>
     <a:masterClrMapping/>
   </p:clrMapOvr>
+  <p:timing>
+    <p:tnLst>
+      <p:par>
+        <p:cTn id="1" dur="indefinite" restart="never" nodeType="tmRoot"/>
+      </p:par>
+    </p:tnLst>
+  </p:timing>
 </p:sld>
 </file>
 
@@ -16855,7 +16773,7 @@
           <p:cNvPr id="34" name="직사각형 33">
             <a:extLst>
               <a:ext uri="{FF2B5EF4-FFF2-40B4-BE49-F238E27FC236}">
-                <a16:creationId xmlns:a16="http://schemas.microsoft.com/office/drawing/2014/main" id="{37CB002D-8420-B548-9BEA-2E18D8A9A204}"/>
+                <a16:creationId xmlns:a16="http://schemas.microsoft.com/office/drawing/2014/main" xmlns="" id="{37CB002D-8420-B548-9BEA-2E18D8A9A204}"/>
               </a:ext>
             </a:extLst>
           </p:cNvPr>
@@ -16907,7 +16825,7 @@
           <p:cNvPr id="7" name="직사각형 6">
             <a:extLst>
               <a:ext uri="{FF2B5EF4-FFF2-40B4-BE49-F238E27FC236}">
-                <a16:creationId xmlns:a16="http://schemas.microsoft.com/office/drawing/2014/main" id="{6B8B80B4-792D-174E-8B2C-A10CA85CDD01}"/>
+                <a16:creationId xmlns:a16="http://schemas.microsoft.com/office/drawing/2014/main" xmlns="" id="{6B8B80B4-792D-174E-8B2C-A10CA85CDD01}"/>
               </a:ext>
             </a:extLst>
           </p:cNvPr>
@@ -16961,7 +16879,7 @@
           <p:cNvPr id="11" name="직각 삼각형[R] 8">
             <a:extLst>
               <a:ext uri="{FF2B5EF4-FFF2-40B4-BE49-F238E27FC236}">
-                <a16:creationId xmlns:a16="http://schemas.microsoft.com/office/drawing/2014/main" id="{E9289217-6E56-7D4B-B6FB-329F373CAF3E}"/>
+                <a16:creationId xmlns:a16="http://schemas.microsoft.com/office/drawing/2014/main" xmlns="" id="{E9289217-6E56-7D4B-B6FB-329F373CAF3E}"/>
               </a:ext>
             </a:extLst>
           </p:cNvPr>
@@ -17019,7 +16937,7 @@
           <p:cNvPr id="12" name="TextBox 11">
             <a:extLst>
               <a:ext uri="{FF2B5EF4-FFF2-40B4-BE49-F238E27FC236}">
-                <a16:creationId xmlns:a16="http://schemas.microsoft.com/office/drawing/2014/main" id="{849EE5DD-2363-0B42-B4FD-2464134E7BE2}"/>
+                <a16:creationId xmlns:a16="http://schemas.microsoft.com/office/drawing/2014/main" xmlns="" id="{849EE5DD-2363-0B42-B4FD-2464134E7BE2}"/>
               </a:ext>
             </a:extLst>
           </p:cNvPr>
@@ -17068,7 +16986,7 @@
           <p:cNvPr id="2" name="타원 1">
             <a:extLst>
               <a:ext uri="{FF2B5EF4-FFF2-40B4-BE49-F238E27FC236}">
-                <a16:creationId xmlns:a16="http://schemas.microsoft.com/office/drawing/2014/main" id="{E1EFFF1F-F5CA-4DD2-849E-59987C5ECCCB}"/>
+                <a16:creationId xmlns:a16="http://schemas.microsoft.com/office/drawing/2014/main" xmlns="" id="{E1EFFF1F-F5CA-4DD2-849E-59987C5ECCCB}"/>
               </a:ext>
             </a:extLst>
           </p:cNvPr>
@@ -17118,7 +17036,7 @@
           <p:cNvPr id="4" name="이등변 삼각형 3">
             <a:extLst>
               <a:ext uri="{FF2B5EF4-FFF2-40B4-BE49-F238E27FC236}">
-                <a16:creationId xmlns:a16="http://schemas.microsoft.com/office/drawing/2014/main" id="{513D87CD-D553-4DB4-9F33-C915BFF1E62A}"/>
+                <a16:creationId xmlns:a16="http://schemas.microsoft.com/office/drawing/2014/main" xmlns="" id="{513D87CD-D553-4DB4-9F33-C915BFF1E62A}"/>
               </a:ext>
             </a:extLst>
           </p:cNvPr>
@@ -17167,13 +17085,20 @@
     </p:spTree>
     <p:extLst>
       <p:ext uri="{BB962C8B-B14F-4D97-AF65-F5344CB8AC3E}">
-        <p14:creationId xmlns:p14="http://schemas.microsoft.com/office/powerpoint/2010/main" val="3982081280"/>
+        <p14:creationId xmlns:p14="http://schemas.microsoft.com/office/powerpoint/2010/main" xmlns="" val="3982081280"/>
       </p:ext>
     </p:extLst>
   </p:cSld>
   <p:clrMapOvr>
     <a:masterClrMapping/>
   </p:clrMapOvr>
+  <p:timing>
+    <p:tnLst>
+      <p:par>
+        <p:cTn id="1" dur="indefinite" restart="never" nodeType="tmRoot"/>
+      </p:par>
+    </p:tnLst>
+  </p:timing>
 </p:sld>
 </file>
 
@@ -17199,7 +17124,7 @@
           <p:cNvPr id="34" name="직사각형 33">
             <a:extLst>
               <a:ext uri="{FF2B5EF4-FFF2-40B4-BE49-F238E27FC236}">
-                <a16:creationId xmlns:a16="http://schemas.microsoft.com/office/drawing/2014/main" id="{37CB002D-8420-B548-9BEA-2E18D8A9A204}"/>
+                <a16:creationId xmlns:a16="http://schemas.microsoft.com/office/drawing/2014/main" xmlns="" id="{37CB002D-8420-B548-9BEA-2E18D8A9A204}"/>
               </a:ext>
             </a:extLst>
           </p:cNvPr>
@@ -17299,7 +17224,7 @@
           <p:cNvPr id="8" name="직사각형 7">
             <a:extLst>
               <a:ext uri="{FF2B5EF4-FFF2-40B4-BE49-F238E27FC236}">
-                <a16:creationId xmlns:a16="http://schemas.microsoft.com/office/drawing/2014/main" id="{6B8B80B4-792D-174E-8B2C-A10CA85CDD01}"/>
+                <a16:creationId xmlns:a16="http://schemas.microsoft.com/office/drawing/2014/main" xmlns="" id="{6B8B80B4-792D-174E-8B2C-A10CA85CDD01}"/>
               </a:ext>
             </a:extLst>
           </p:cNvPr>
@@ -17353,7 +17278,7 @@
           <p:cNvPr id="9" name="직각 삼각형[R] 8">
             <a:extLst>
               <a:ext uri="{FF2B5EF4-FFF2-40B4-BE49-F238E27FC236}">
-                <a16:creationId xmlns:a16="http://schemas.microsoft.com/office/drawing/2014/main" id="{E9289217-6E56-7D4B-B6FB-329F373CAF3E}"/>
+                <a16:creationId xmlns:a16="http://schemas.microsoft.com/office/drawing/2014/main" xmlns="" id="{E9289217-6E56-7D4B-B6FB-329F373CAF3E}"/>
               </a:ext>
             </a:extLst>
           </p:cNvPr>
@@ -17411,7 +17336,7 @@
           <p:cNvPr id="20" name="TextBox 19">
             <a:extLst>
               <a:ext uri="{FF2B5EF4-FFF2-40B4-BE49-F238E27FC236}">
-                <a16:creationId xmlns:a16="http://schemas.microsoft.com/office/drawing/2014/main" id="{849EE5DD-2363-0B42-B4FD-2464134E7BE2}"/>
+                <a16:creationId xmlns:a16="http://schemas.microsoft.com/office/drawing/2014/main" xmlns="" id="{849EE5DD-2363-0B42-B4FD-2464134E7BE2}"/>
               </a:ext>
             </a:extLst>
           </p:cNvPr>
@@ -17510,7 +17435,7 @@
           <p:cNvPr id="10" name="그림 9" descr="html5.png">
             <a:extLst>
               <a:ext uri="{FF2B5EF4-FFF2-40B4-BE49-F238E27FC236}">
-                <a16:creationId xmlns:a16="http://schemas.microsoft.com/office/drawing/2014/main" id="{2F4D2618-1A23-41D3-BEFB-694548B8E123}"/>
+                <a16:creationId xmlns:a16="http://schemas.microsoft.com/office/drawing/2014/main" xmlns="" id="{2F4D2618-1A23-41D3-BEFB-694548B8E123}"/>
               </a:ext>
             </a:extLst>
           </p:cNvPr>
@@ -17540,7 +17465,7 @@
           <p:cNvPr id="11" name="그림 10" descr="bootstraplogo.png">
             <a:extLst>
               <a:ext uri="{FF2B5EF4-FFF2-40B4-BE49-F238E27FC236}">
-                <a16:creationId xmlns:a16="http://schemas.microsoft.com/office/drawing/2014/main" id="{9B0027A7-1163-4A5A-8B53-3AE3E446DB9A}"/>
+                <a16:creationId xmlns:a16="http://schemas.microsoft.com/office/drawing/2014/main" xmlns="" id="{9B0027A7-1163-4A5A-8B53-3AE3E446DB9A}"/>
               </a:ext>
             </a:extLst>
           </p:cNvPr>
@@ -17570,7 +17495,7 @@
           <p:cNvPr id="12" name="그림 11" descr="jquery-logo.png">
             <a:extLst>
               <a:ext uri="{FF2B5EF4-FFF2-40B4-BE49-F238E27FC236}">
-                <a16:creationId xmlns:a16="http://schemas.microsoft.com/office/drawing/2014/main" id="{90B15745-ACD9-4CFC-9535-4A20161303F5}"/>
+                <a16:creationId xmlns:a16="http://schemas.microsoft.com/office/drawing/2014/main" xmlns="" id="{90B15745-ACD9-4CFC-9535-4A20161303F5}"/>
               </a:ext>
             </a:extLst>
           </p:cNvPr>
@@ -17600,7 +17525,7 @@
           <p:cNvPr id="13" name="그림 12" descr="AJAX_logo_by_gengns.svg.png">
             <a:extLst>
               <a:ext uri="{FF2B5EF4-FFF2-40B4-BE49-F238E27FC236}">
-                <a16:creationId xmlns:a16="http://schemas.microsoft.com/office/drawing/2014/main" id="{3178746F-5547-4508-BD10-ED7288D1160A}"/>
+                <a16:creationId xmlns:a16="http://schemas.microsoft.com/office/drawing/2014/main" xmlns="" id="{3178746F-5547-4508-BD10-ED7288D1160A}"/>
               </a:ext>
             </a:extLst>
           </p:cNvPr>
@@ -17630,7 +17555,7 @@
           <p:cNvPr id="14" name="그림 13">
             <a:extLst>
               <a:ext uri="{FF2B5EF4-FFF2-40B4-BE49-F238E27FC236}">
-                <a16:creationId xmlns:a16="http://schemas.microsoft.com/office/drawing/2014/main" id="{3DCEF43E-F12F-417F-A6CB-B35D966AD967}"/>
+                <a16:creationId xmlns:a16="http://schemas.microsoft.com/office/drawing/2014/main" xmlns="" id="{3DCEF43E-F12F-417F-A6CB-B35D966AD967}"/>
               </a:ext>
             </a:extLst>
           </p:cNvPr>
@@ -17660,7 +17585,7 @@
           <p:cNvPr id="15" name="그림 14">
             <a:extLst>
               <a:ext uri="{FF2B5EF4-FFF2-40B4-BE49-F238E27FC236}">
-                <a16:creationId xmlns:a16="http://schemas.microsoft.com/office/drawing/2014/main" id="{73F96CE1-978A-46D1-B49F-D0EE61A23324}"/>
+                <a16:creationId xmlns:a16="http://schemas.microsoft.com/office/drawing/2014/main" xmlns="" id="{73F96CE1-978A-46D1-B49F-D0EE61A23324}"/>
               </a:ext>
             </a:extLst>
           </p:cNvPr>
@@ -17690,7 +17615,7 @@
           <p:cNvPr id="16" name="그래픽 28">
             <a:extLst>
               <a:ext uri="{FF2B5EF4-FFF2-40B4-BE49-F238E27FC236}">
-                <a16:creationId xmlns:a16="http://schemas.microsoft.com/office/drawing/2014/main" id="{2FEDF07C-8471-49AF-8187-0B09508B6D75}"/>
+                <a16:creationId xmlns:a16="http://schemas.microsoft.com/office/drawing/2014/main" xmlns="" id="{2FEDF07C-8471-49AF-8187-0B09508B6D75}"/>
               </a:ext>
             </a:extLst>
           </p:cNvPr>
@@ -17703,7 +17628,7 @@
           <a:blip r:embed="rId8">
             <a:extLst>
               <a:ext uri="{96DAC541-7B7A-43D3-8B79-37D633B846F1}">
-                <asvg:svgBlip xmlns:asvg="http://schemas.microsoft.com/office/drawing/2016/SVG/main" r:embed="rId9"/>
+                <asvg:svgBlip xmlns:asvg="http://schemas.microsoft.com/office/drawing/2016/SVG/main" xmlns="" r:embed="rId9"/>
               </a:ext>
             </a:extLst>
           </a:blip>
@@ -17726,7 +17651,7 @@
           <p:cNvPr id="17" name="그림 16">
             <a:extLst>
               <a:ext uri="{FF2B5EF4-FFF2-40B4-BE49-F238E27FC236}">
-                <a16:creationId xmlns:a16="http://schemas.microsoft.com/office/drawing/2014/main" id="{A7D6FD87-1371-46C1-A82C-036B92C36643}"/>
+                <a16:creationId xmlns:a16="http://schemas.microsoft.com/office/drawing/2014/main" xmlns="" id="{A7D6FD87-1371-46C1-A82C-036B92C36643}"/>
               </a:ext>
             </a:extLst>
           </p:cNvPr>
@@ -17755,7 +17680,7 @@
           <p:cNvPr id="18" name="그림 17">
             <a:extLst>
               <a:ext uri="{FF2B5EF4-FFF2-40B4-BE49-F238E27FC236}">
-                <a16:creationId xmlns:a16="http://schemas.microsoft.com/office/drawing/2014/main" id="{0E5BE0C9-D438-4700-B07F-62D1D097CE15}"/>
+                <a16:creationId xmlns:a16="http://schemas.microsoft.com/office/drawing/2014/main" xmlns="" id="{0E5BE0C9-D438-4700-B07F-62D1D097CE15}"/>
               </a:ext>
             </a:extLst>
           </p:cNvPr>
@@ -17784,7 +17709,7 @@
           <p:cNvPr id="21" name="그림 20">
             <a:extLst>
               <a:ext uri="{FF2B5EF4-FFF2-40B4-BE49-F238E27FC236}">
-                <a16:creationId xmlns:a16="http://schemas.microsoft.com/office/drawing/2014/main" id="{E70BD89E-5149-4561-B980-5AB46D17C144}"/>
+                <a16:creationId xmlns:a16="http://schemas.microsoft.com/office/drawing/2014/main" xmlns="" id="{E70BD89E-5149-4561-B980-5AB46D17C144}"/>
               </a:ext>
             </a:extLst>
           </p:cNvPr>
@@ -17814,7 +17739,7 @@
           <p:cNvPr id="22" name="그림 21">
             <a:extLst>
               <a:ext uri="{FF2B5EF4-FFF2-40B4-BE49-F238E27FC236}">
-                <a16:creationId xmlns:a16="http://schemas.microsoft.com/office/drawing/2014/main" id="{268C365E-0B34-4212-816A-2CFBCFCE7F1E}"/>
+                <a16:creationId xmlns:a16="http://schemas.microsoft.com/office/drawing/2014/main" xmlns="" id="{268C365E-0B34-4212-816A-2CFBCFCE7F1E}"/>
               </a:ext>
             </a:extLst>
           </p:cNvPr>
@@ -17851,7 +17776,7 @@
           <a:blip r:embed="rId14">
             <a:extLst>
               <a:ext uri="{28A0092B-C50C-407E-A947-70E740481C1C}">
-                <a14:useLocalDpi xmlns:a14="http://schemas.microsoft.com/office/drawing/2010/main" val="0"/>
+                <a14:useLocalDpi xmlns:a14="http://schemas.microsoft.com/office/drawing/2010/main" xmlns="" val="0"/>
               </a:ext>
             </a:extLst>
           </a:blip>
@@ -17874,14 +17799,14 @@
           </a:ln>
           <a:extLst>
             <a:ext uri="{909E8E84-426E-40DD-AFC4-6F175D3DCCD1}">
-              <a14:hiddenFill xmlns:a14="http://schemas.microsoft.com/office/drawing/2010/main">
+              <a14:hiddenFill xmlns:a14="http://schemas.microsoft.com/office/drawing/2010/main" xmlns="">
                 <a:solidFill>
                   <a:schemeClr val="accent1"/>
                 </a:solidFill>
               </a14:hiddenFill>
             </a:ext>
             <a:ext uri="{91240B29-F687-4F45-9708-019B960494DF}">
-              <a14:hiddenLine xmlns:a14="http://schemas.microsoft.com/office/drawing/2010/main" w="9525">
+              <a14:hiddenLine xmlns:a14="http://schemas.microsoft.com/office/drawing/2010/main" xmlns="" w="9525">
                 <a:solidFill>
                   <a:schemeClr val="tx1"/>
                 </a:solidFill>
@@ -17905,7 +17830,7 @@
           <a:blip r:embed="rId15">
             <a:extLst>
               <a:ext uri="{28A0092B-C50C-407E-A947-70E740481C1C}">
-                <a14:useLocalDpi xmlns:a14="http://schemas.microsoft.com/office/drawing/2010/main" val="0"/>
+                <a14:useLocalDpi xmlns:a14="http://schemas.microsoft.com/office/drawing/2010/main" xmlns="" val="0"/>
               </a:ext>
             </a:extLst>
           </a:blip>
@@ -18030,7 +17955,7 @@
           <p:cNvPr id="33" name="그림 32" descr="mybatis.png">
             <a:extLst>
               <a:ext uri="{FF2B5EF4-FFF2-40B4-BE49-F238E27FC236}">
-                <a16:creationId xmlns:a16="http://schemas.microsoft.com/office/drawing/2014/main" id="{42FD58B8-660F-4CBE-9928-D52AE0BA2DCD}"/>
+                <a16:creationId xmlns:a16="http://schemas.microsoft.com/office/drawing/2014/main" xmlns="" id="{42FD58B8-660F-4CBE-9928-D52AE0BA2DCD}"/>
               </a:ext>
             </a:extLst>
           </p:cNvPr>
@@ -18060,7 +17985,7 @@
           <p:cNvPr id="35" name="그림 34">
             <a:extLst>
               <a:ext uri="{FF2B5EF4-FFF2-40B4-BE49-F238E27FC236}">
-                <a16:creationId xmlns:a16="http://schemas.microsoft.com/office/drawing/2014/main" id="{B96D1DAE-9992-4D39-B8CD-E3F792B2D86B}"/>
+                <a16:creationId xmlns:a16="http://schemas.microsoft.com/office/drawing/2014/main" xmlns="" id="{B96D1DAE-9992-4D39-B8CD-E3F792B2D86B}"/>
               </a:ext>
             </a:extLst>
           </p:cNvPr>
@@ -18090,7 +18015,7 @@
           <p:cNvPr id="36" name="그림 35">
             <a:extLst>
               <a:ext uri="{FF2B5EF4-FFF2-40B4-BE49-F238E27FC236}">
-                <a16:creationId xmlns:a16="http://schemas.microsoft.com/office/drawing/2014/main" id="{A5C19A91-D5AD-483C-A5D9-EBEC66E8B83A}"/>
+                <a16:creationId xmlns:a16="http://schemas.microsoft.com/office/drawing/2014/main" xmlns="" id="{A5C19A91-D5AD-483C-A5D9-EBEC66E8B83A}"/>
               </a:ext>
             </a:extLst>
           </p:cNvPr>
@@ -18119,7 +18044,7 @@
           <p:cNvPr id="37" name="그림 36" descr="java-card.png">
             <a:extLst>
               <a:ext uri="{FF2B5EF4-FFF2-40B4-BE49-F238E27FC236}">
-                <a16:creationId xmlns:a16="http://schemas.microsoft.com/office/drawing/2014/main" id="{B17A0F97-2FFF-4139-A10B-2D005DAAB990}"/>
+                <a16:creationId xmlns:a16="http://schemas.microsoft.com/office/drawing/2014/main" xmlns="" id="{B17A0F97-2FFF-4139-A10B-2D005DAAB990}"/>
               </a:ext>
             </a:extLst>
           </p:cNvPr>
@@ -18149,7 +18074,7 @@
           <p:cNvPr id="38" name="그림 37" descr="spring-by-pivotal-9066b55828deb3c10e27e609af322c40.png">
             <a:extLst>
               <a:ext uri="{FF2B5EF4-FFF2-40B4-BE49-F238E27FC236}">
-                <a16:creationId xmlns:a16="http://schemas.microsoft.com/office/drawing/2014/main" id="{58086CB2-27F8-4B15-B300-DEECDD1F24D8}"/>
+                <a16:creationId xmlns:a16="http://schemas.microsoft.com/office/drawing/2014/main" xmlns="" id="{58086CB2-27F8-4B15-B300-DEECDD1F24D8}"/>
               </a:ext>
             </a:extLst>
           </p:cNvPr>
@@ -18179,7 +18104,7 @@
           <p:cNvPr id="39" name="그림 38">
             <a:extLst>
               <a:ext uri="{FF2B5EF4-FFF2-40B4-BE49-F238E27FC236}">
-                <a16:creationId xmlns:a16="http://schemas.microsoft.com/office/drawing/2014/main" id="{29FF0A52-B639-4CE8-BBF2-E19AE86A83A4}"/>
+                <a16:creationId xmlns:a16="http://schemas.microsoft.com/office/drawing/2014/main" xmlns="" id="{29FF0A52-B639-4CE8-BBF2-E19AE86A83A4}"/>
               </a:ext>
             </a:extLst>
           </p:cNvPr>
@@ -18215,7 +18140,7 @@
           <a:blip r:embed="rId22">
             <a:extLst>
               <a:ext uri="{28A0092B-C50C-407E-A947-70E740481C1C}">
-                <a14:useLocalDpi xmlns:a14="http://schemas.microsoft.com/office/drawing/2010/main" val="0"/>
+                <a14:useLocalDpi xmlns:a14="http://schemas.microsoft.com/office/drawing/2010/main" xmlns="" val="0"/>
               </a:ext>
             </a:extLst>
           </a:blip>
@@ -18330,7 +18255,7 @@
           <p:cNvPr id="46" name="그림 45" descr="tomcat.png">
             <a:extLst>
               <a:ext uri="{FF2B5EF4-FFF2-40B4-BE49-F238E27FC236}">
-                <a16:creationId xmlns:a16="http://schemas.microsoft.com/office/drawing/2014/main" id="{BFA4FCAC-EE8B-427F-B0A1-A68E2F8701F0}"/>
+                <a16:creationId xmlns:a16="http://schemas.microsoft.com/office/drawing/2014/main" xmlns="" id="{BFA4FCAC-EE8B-427F-B0A1-A68E2F8701F0}"/>
               </a:ext>
             </a:extLst>
           </p:cNvPr>
@@ -18367,7 +18292,7 @@
           <a:blip r:embed="rId24">
             <a:extLst>
               <a:ext uri="{28A0092B-C50C-407E-A947-70E740481C1C}">
-                <a14:useLocalDpi xmlns:a14="http://schemas.microsoft.com/office/drawing/2010/main" val="0"/>
+                <a14:useLocalDpi xmlns:a14="http://schemas.microsoft.com/office/drawing/2010/main" xmlns="" val="0"/>
               </a:ext>
             </a:extLst>
           </a:blip>
@@ -18389,7 +18314,7 @@
           <p:cNvPr id="44" name="그림 43" descr="1_AD9ZSLXKAhZ-_WomszsmPg.png">
             <a:extLst>
               <a:ext uri="{FF2B5EF4-FFF2-40B4-BE49-F238E27FC236}">
-                <a16:creationId xmlns:a16="http://schemas.microsoft.com/office/drawing/2014/main" id="{47BA5490-3870-4251-802F-BC64038EB3C8}"/>
+                <a16:creationId xmlns:a16="http://schemas.microsoft.com/office/drawing/2014/main" xmlns="" id="{47BA5490-3870-4251-802F-BC64038EB3C8}"/>
               </a:ext>
             </a:extLst>
           </p:cNvPr>
@@ -18426,7 +18351,7 @@
           <a:blip r:embed="rId26">
             <a:extLst>
               <a:ext uri="{28A0092B-C50C-407E-A947-70E740481C1C}">
-                <a14:useLocalDpi xmlns:a14="http://schemas.microsoft.com/office/drawing/2010/main" val="0"/>
+                <a14:useLocalDpi xmlns:a14="http://schemas.microsoft.com/office/drawing/2010/main" xmlns="" val="0"/>
               </a:ext>
             </a:extLst>
           </a:blip>
@@ -18456,7 +18381,7 @@
           <a:blip r:embed="rId27">
             <a:extLst>
               <a:ext uri="{28A0092B-C50C-407E-A947-70E740481C1C}">
-                <a14:useLocalDpi xmlns:a14="http://schemas.microsoft.com/office/drawing/2010/main" val="0"/>
+                <a14:useLocalDpi xmlns:a14="http://schemas.microsoft.com/office/drawing/2010/main" xmlns="" val="0"/>
               </a:ext>
             </a:extLst>
           </a:blip>
@@ -18486,7 +18411,7 @@
           <a:blip r:embed="rId28">
             <a:extLst>
               <a:ext uri="{28A0092B-C50C-407E-A947-70E740481C1C}">
-                <a14:useLocalDpi xmlns:a14="http://schemas.microsoft.com/office/drawing/2010/main" val="0"/>
+                <a14:useLocalDpi xmlns:a14="http://schemas.microsoft.com/office/drawing/2010/main" xmlns="" val="0"/>
               </a:ext>
             </a:extLst>
           </a:blip>
@@ -18516,7 +18441,7 @@
           <a:blip r:embed="rId29">
             <a:extLst>
               <a:ext uri="{28A0092B-C50C-407E-A947-70E740481C1C}">
-                <a14:useLocalDpi xmlns:a14="http://schemas.microsoft.com/office/drawing/2010/main" val="0"/>
+                <a14:useLocalDpi xmlns:a14="http://schemas.microsoft.com/office/drawing/2010/main" xmlns="" val="0"/>
               </a:ext>
             </a:extLst>
           </a:blip>
@@ -18545,7 +18470,7 @@
           <a:blip r:embed="rId30">
             <a:extLst>
               <a:ext uri="{28A0092B-C50C-407E-A947-70E740481C1C}">
-                <a14:useLocalDpi xmlns:a14="http://schemas.microsoft.com/office/drawing/2010/main" val="0"/>
+                <a14:useLocalDpi xmlns:a14="http://schemas.microsoft.com/office/drawing/2010/main" xmlns="" val="0"/>
               </a:ext>
             </a:extLst>
           </a:blip>
@@ -18574,7 +18499,7 @@
           <a:blip r:embed="rId31">
             <a:extLst>
               <a:ext uri="{28A0092B-C50C-407E-A947-70E740481C1C}">
-                <a14:useLocalDpi xmlns:a14="http://schemas.microsoft.com/office/drawing/2010/main" val="0"/>
+                <a14:useLocalDpi xmlns:a14="http://schemas.microsoft.com/office/drawing/2010/main" xmlns="" val="0"/>
               </a:ext>
             </a:extLst>
           </a:blip>
@@ -18604,7 +18529,7 @@
           <a:blip r:embed="rId32">
             <a:extLst>
               <a:ext uri="{28A0092B-C50C-407E-A947-70E740481C1C}">
-                <a14:useLocalDpi xmlns:a14="http://schemas.microsoft.com/office/drawing/2010/main" val="0"/>
+                <a14:useLocalDpi xmlns:a14="http://schemas.microsoft.com/office/drawing/2010/main" xmlns="" val="0"/>
               </a:ext>
             </a:extLst>
           </a:blip>
@@ -18651,7 +18576,7 @@
           <p:cNvPr id="45" name="그림 44" descr="1_ipwpqqrhz0lkd_5setxqcq.png">
             <a:extLst>
               <a:ext uri="{FF2B5EF4-FFF2-40B4-BE49-F238E27FC236}">
-                <a16:creationId xmlns:a16="http://schemas.microsoft.com/office/drawing/2014/main" id="{88DC51E6-FADF-47F5-A1DE-442BC1F559FF}"/>
+                <a16:creationId xmlns:a16="http://schemas.microsoft.com/office/drawing/2014/main" xmlns="" id="{88DC51E6-FADF-47F5-A1DE-442BC1F559FF}"/>
               </a:ext>
             </a:extLst>
           </p:cNvPr>
@@ -18681,7 +18606,7 @@
           <p:cNvPr id="3" name="직사각형 2">
             <a:extLst>
               <a:ext uri="{FF2B5EF4-FFF2-40B4-BE49-F238E27FC236}">
-                <a16:creationId xmlns:a16="http://schemas.microsoft.com/office/drawing/2014/main" id="{79D07E1F-B5A6-4388-913A-4E90E9212C51}"/>
+                <a16:creationId xmlns:a16="http://schemas.microsoft.com/office/drawing/2014/main" xmlns="" id="{79D07E1F-B5A6-4388-913A-4E90E9212C51}"/>
               </a:ext>
             </a:extLst>
           </p:cNvPr>
@@ -18730,13 +18655,20 @@
     </p:spTree>
     <p:extLst>
       <p:ext uri="{BB962C8B-B14F-4D97-AF65-F5344CB8AC3E}">
-        <p14:creationId xmlns:p14="http://schemas.microsoft.com/office/powerpoint/2010/main" val="151754873"/>
+        <p14:creationId xmlns:p14="http://schemas.microsoft.com/office/powerpoint/2010/main" xmlns="" val="151754873"/>
       </p:ext>
     </p:extLst>
   </p:cSld>
   <p:clrMapOvr>
     <a:masterClrMapping/>
   </p:clrMapOvr>
+  <p:timing>
+    <p:tnLst>
+      <p:par>
+        <p:cTn id="1" dur="indefinite" restart="never" nodeType="tmRoot"/>
+      </p:par>
+    </p:tnLst>
+  </p:timing>
 </p:sld>
 </file>
 
@@ -18762,7 +18694,7 @@
           <p:cNvPr id="34" name="직사각형 33">
             <a:extLst>
               <a:ext uri="{FF2B5EF4-FFF2-40B4-BE49-F238E27FC236}">
-                <a16:creationId xmlns:a16="http://schemas.microsoft.com/office/drawing/2014/main" id="{37CB002D-8420-B548-9BEA-2E18D8A9A204}"/>
+                <a16:creationId xmlns:a16="http://schemas.microsoft.com/office/drawing/2014/main" xmlns="" id="{37CB002D-8420-B548-9BEA-2E18D8A9A204}"/>
               </a:ext>
             </a:extLst>
           </p:cNvPr>
@@ -18862,7 +18794,7 @@
           <p:cNvPr id="8" name="직사각형 7">
             <a:extLst>
               <a:ext uri="{FF2B5EF4-FFF2-40B4-BE49-F238E27FC236}">
-                <a16:creationId xmlns:a16="http://schemas.microsoft.com/office/drawing/2014/main" id="{6B8B80B4-792D-174E-8B2C-A10CA85CDD01}"/>
+                <a16:creationId xmlns:a16="http://schemas.microsoft.com/office/drawing/2014/main" xmlns="" id="{6B8B80B4-792D-174E-8B2C-A10CA85CDD01}"/>
               </a:ext>
             </a:extLst>
           </p:cNvPr>
@@ -18916,7 +18848,7 @@
           <p:cNvPr id="9" name="직각 삼각형[R] 8">
             <a:extLst>
               <a:ext uri="{FF2B5EF4-FFF2-40B4-BE49-F238E27FC236}">
-                <a16:creationId xmlns:a16="http://schemas.microsoft.com/office/drawing/2014/main" id="{E9289217-6E56-7D4B-B6FB-329F373CAF3E}"/>
+                <a16:creationId xmlns:a16="http://schemas.microsoft.com/office/drawing/2014/main" xmlns="" id="{E9289217-6E56-7D4B-B6FB-329F373CAF3E}"/>
               </a:ext>
             </a:extLst>
           </p:cNvPr>
@@ -18974,7 +18906,7 @@
           <p:cNvPr id="20" name="TextBox 19">
             <a:extLst>
               <a:ext uri="{FF2B5EF4-FFF2-40B4-BE49-F238E27FC236}">
-                <a16:creationId xmlns:a16="http://schemas.microsoft.com/office/drawing/2014/main" id="{849EE5DD-2363-0B42-B4FD-2464134E7BE2}"/>
+                <a16:creationId xmlns:a16="http://schemas.microsoft.com/office/drawing/2014/main" xmlns="" id="{849EE5DD-2363-0B42-B4FD-2464134E7BE2}"/>
               </a:ext>
             </a:extLst>
           </p:cNvPr>
@@ -19073,7 +19005,7 @@
           <p:cNvPr id="10" name="그림 9" descr="html5.png">
             <a:extLst>
               <a:ext uri="{FF2B5EF4-FFF2-40B4-BE49-F238E27FC236}">
-                <a16:creationId xmlns:a16="http://schemas.microsoft.com/office/drawing/2014/main" id="{2F4D2618-1A23-41D3-BEFB-694548B8E123}"/>
+                <a16:creationId xmlns:a16="http://schemas.microsoft.com/office/drawing/2014/main" xmlns="" id="{2F4D2618-1A23-41D3-BEFB-694548B8E123}"/>
               </a:ext>
             </a:extLst>
           </p:cNvPr>
@@ -19103,7 +19035,7 @@
           <p:cNvPr id="11" name="그림 10" descr="bootstraplogo.png">
             <a:extLst>
               <a:ext uri="{FF2B5EF4-FFF2-40B4-BE49-F238E27FC236}">
-                <a16:creationId xmlns:a16="http://schemas.microsoft.com/office/drawing/2014/main" id="{9B0027A7-1163-4A5A-8B53-3AE3E446DB9A}"/>
+                <a16:creationId xmlns:a16="http://schemas.microsoft.com/office/drawing/2014/main" xmlns="" id="{9B0027A7-1163-4A5A-8B53-3AE3E446DB9A}"/>
               </a:ext>
             </a:extLst>
           </p:cNvPr>
@@ -19133,7 +19065,7 @@
           <p:cNvPr id="12" name="그림 11" descr="jquery-logo.png">
             <a:extLst>
               <a:ext uri="{FF2B5EF4-FFF2-40B4-BE49-F238E27FC236}">
-                <a16:creationId xmlns:a16="http://schemas.microsoft.com/office/drawing/2014/main" id="{90B15745-ACD9-4CFC-9535-4A20161303F5}"/>
+                <a16:creationId xmlns:a16="http://schemas.microsoft.com/office/drawing/2014/main" xmlns="" id="{90B15745-ACD9-4CFC-9535-4A20161303F5}"/>
               </a:ext>
             </a:extLst>
           </p:cNvPr>
@@ -19163,7 +19095,7 @@
           <p:cNvPr id="13" name="그림 12" descr="AJAX_logo_by_gengns.svg.png">
             <a:extLst>
               <a:ext uri="{FF2B5EF4-FFF2-40B4-BE49-F238E27FC236}">
-                <a16:creationId xmlns:a16="http://schemas.microsoft.com/office/drawing/2014/main" id="{3178746F-5547-4508-BD10-ED7288D1160A}"/>
+                <a16:creationId xmlns:a16="http://schemas.microsoft.com/office/drawing/2014/main" xmlns="" id="{3178746F-5547-4508-BD10-ED7288D1160A}"/>
               </a:ext>
             </a:extLst>
           </p:cNvPr>
@@ -19193,7 +19125,7 @@
           <p:cNvPr id="14" name="그림 13">
             <a:extLst>
               <a:ext uri="{FF2B5EF4-FFF2-40B4-BE49-F238E27FC236}">
-                <a16:creationId xmlns:a16="http://schemas.microsoft.com/office/drawing/2014/main" id="{3DCEF43E-F12F-417F-A6CB-B35D966AD967}"/>
+                <a16:creationId xmlns:a16="http://schemas.microsoft.com/office/drawing/2014/main" xmlns="" id="{3DCEF43E-F12F-417F-A6CB-B35D966AD967}"/>
               </a:ext>
             </a:extLst>
           </p:cNvPr>
@@ -19223,7 +19155,7 @@
           <p:cNvPr id="15" name="그림 14">
             <a:extLst>
               <a:ext uri="{FF2B5EF4-FFF2-40B4-BE49-F238E27FC236}">
-                <a16:creationId xmlns:a16="http://schemas.microsoft.com/office/drawing/2014/main" id="{73F96CE1-978A-46D1-B49F-D0EE61A23324}"/>
+                <a16:creationId xmlns:a16="http://schemas.microsoft.com/office/drawing/2014/main" xmlns="" id="{73F96CE1-978A-46D1-B49F-D0EE61A23324}"/>
               </a:ext>
             </a:extLst>
           </p:cNvPr>
@@ -19253,7 +19185,7 @@
           <p:cNvPr id="16" name="그래픽 28">
             <a:extLst>
               <a:ext uri="{FF2B5EF4-FFF2-40B4-BE49-F238E27FC236}">
-                <a16:creationId xmlns:a16="http://schemas.microsoft.com/office/drawing/2014/main" id="{2FEDF07C-8471-49AF-8187-0B09508B6D75}"/>
+                <a16:creationId xmlns:a16="http://schemas.microsoft.com/office/drawing/2014/main" xmlns="" id="{2FEDF07C-8471-49AF-8187-0B09508B6D75}"/>
               </a:ext>
             </a:extLst>
           </p:cNvPr>
@@ -19266,7 +19198,7 @@
           <a:blip r:embed="rId8">
             <a:extLst>
               <a:ext uri="{96DAC541-7B7A-43D3-8B79-37D633B846F1}">
-                <asvg:svgBlip xmlns:asvg="http://schemas.microsoft.com/office/drawing/2016/SVG/main" r:embed="rId9"/>
+                <asvg:svgBlip xmlns:asvg="http://schemas.microsoft.com/office/drawing/2016/SVG/main" xmlns="" r:embed="rId9"/>
               </a:ext>
             </a:extLst>
           </a:blip>
@@ -19289,7 +19221,7 @@
           <p:cNvPr id="17" name="그림 16">
             <a:extLst>
               <a:ext uri="{FF2B5EF4-FFF2-40B4-BE49-F238E27FC236}">
-                <a16:creationId xmlns:a16="http://schemas.microsoft.com/office/drawing/2014/main" id="{A7D6FD87-1371-46C1-A82C-036B92C36643}"/>
+                <a16:creationId xmlns:a16="http://schemas.microsoft.com/office/drawing/2014/main" xmlns="" id="{A7D6FD87-1371-46C1-A82C-036B92C36643}"/>
               </a:ext>
             </a:extLst>
           </p:cNvPr>
@@ -19318,7 +19250,7 @@
           <p:cNvPr id="18" name="그림 17">
             <a:extLst>
               <a:ext uri="{FF2B5EF4-FFF2-40B4-BE49-F238E27FC236}">
-                <a16:creationId xmlns:a16="http://schemas.microsoft.com/office/drawing/2014/main" id="{0E5BE0C9-D438-4700-B07F-62D1D097CE15}"/>
+                <a16:creationId xmlns:a16="http://schemas.microsoft.com/office/drawing/2014/main" xmlns="" id="{0E5BE0C9-D438-4700-B07F-62D1D097CE15}"/>
               </a:ext>
             </a:extLst>
           </p:cNvPr>
@@ -19347,7 +19279,7 @@
           <p:cNvPr id="21" name="그림 20">
             <a:extLst>
               <a:ext uri="{FF2B5EF4-FFF2-40B4-BE49-F238E27FC236}">
-                <a16:creationId xmlns:a16="http://schemas.microsoft.com/office/drawing/2014/main" id="{E70BD89E-5149-4561-B980-5AB46D17C144}"/>
+                <a16:creationId xmlns:a16="http://schemas.microsoft.com/office/drawing/2014/main" xmlns="" id="{E70BD89E-5149-4561-B980-5AB46D17C144}"/>
               </a:ext>
             </a:extLst>
           </p:cNvPr>
@@ -19377,7 +19309,7 @@
           <p:cNvPr id="22" name="그림 21">
             <a:extLst>
               <a:ext uri="{FF2B5EF4-FFF2-40B4-BE49-F238E27FC236}">
-                <a16:creationId xmlns:a16="http://schemas.microsoft.com/office/drawing/2014/main" id="{268C365E-0B34-4212-816A-2CFBCFCE7F1E}"/>
+                <a16:creationId xmlns:a16="http://schemas.microsoft.com/office/drawing/2014/main" xmlns="" id="{268C365E-0B34-4212-816A-2CFBCFCE7F1E}"/>
               </a:ext>
             </a:extLst>
           </p:cNvPr>
@@ -19414,7 +19346,7 @@
           <a:blip r:embed="rId14">
             <a:extLst>
               <a:ext uri="{28A0092B-C50C-407E-A947-70E740481C1C}">
-                <a14:useLocalDpi xmlns:a14="http://schemas.microsoft.com/office/drawing/2010/main" val="0"/>
+                <a14:useLocalDpi xmlns:a14="http://schemas.microsoft.com/office/drawing/2010/main" xmlns="" val="0"/>
               </a:ext>
             </a:extLst>
           </a:blip>
@@ -19437,14 +19369,14 @@
           </a:ln>
           <a:extLst>
             <a:ext uri="{909E8E84-426E-40DD-AFC4-6F175D3DCCD1}">
-              <a14:hiddenFill xmlns:a14="http://schemas.microsoft.com/office/drawing/2010/main">
+              <a14:hiddenFill xmlns:a14="http://schemas.microsoft.com/office/drawing/2010/main" xmlns="">
                 <a:solidFill>
                   <a:schemeClr val="accent1"/>
                 </a:solidFill>
               </a14:hiddenFill>
             </a:ext>
             <a:ext uri="{91240B29-F687-4F45-9708-019B960494DF}">
-              <a14:hiddenLine xmlns:a14="http://schemas.microsoft.com/office/drawing/2010/main" w="9525">
+              <a14:hiddenLine xmlns:a14="http://schemas.microsoft.com/office/drawing/2010/main" xmlns="" w="9525">
                 <a:solidFill>
                   <a:schemeClr val="tx1"/>
                 </a:solidFill>
@@ -19468,7 +19400,7 @@
           <a:blip r:embed="rId15">
             <a:extLst>
               <a:ext uri="{28A0092B-C50C-407E-A947-70E740481C1C}">
-                <a14:useLocalDpi xmlns:a14="http://schemas.microsoft.com/office/drawing/2010/main" val="0"/>
+                <a14:useLocalDpi xmlns:a14="http://schemas.microsoft.com/office/drawing/2010/main" xmlns="" val="0"/>
               </a:ext>
             </a:extLst>
           </a:blip>
@@ -19593,7 +19525,7 @@
           <p:cNvPr id="33" name="그림 32" descr="mybatis.png">
             <a:extLst>
               <a:ext uri="{FF2B5EF4-FFF2-40B4-BE49-F238E27FC236}">
-                <a16:creationId xmlns:a16="http://schemas.microsoft.com/office/drawing/2014/main" id="{42FD58B8-660F-4CBE-9928-D52AE0BA2DCD}"/>
+                <a16:creationId xmlns:a16="http://schemas.microsoft.com/office/drawing/2014/main" xmlns="" id="{42FD58B8-660F-4CBE-9928-D52AE0BA2DCD}"/>
               </a:ext>
             </a:extLst>
           </p:cNvPr>
@@ -19623,7 +19555,7 @@
           <p:cNvPr id="35" name="그림 34">
             <a:extLst>
               <a:ext uri="{FF2B5EF4-FFF2-40B4-BE49-F238E27FC236}">
-                <a16:creationId xmlns:a16="http://schemas.microsoft.com/office/drawing/2014/main" id="{B96D1DAE-9992-4D39-B8CD-E3F792B2D86B}"/>
+                <a16:creationId xmlns:a16="http://schemas.microsoft.com/office/drawing/2014/main" xmlns="" id="{B96D1DAE-9992-4D39-B8CD-E3F792B2D86B}"/>
               </a:ext>
             </a:extLst>
           </p:cNvPr>
@@ -19653,7 +19585,7 @@
           <p:cNvPr id="36" name="그림 35">
             <a:extLst>
               <a:ext uri="{FF2B5EF4-FFF2-40B4-BE49-F238E27FC236}">
-                <a16:creationId xmlns:a16="http://schemas.microsoft.com/office/drawing/2014/main" id="{A5C19A91-D5AD-483C-A5D9-EBEC66E8B83A}"/>
+                <a16:creationId xmlns:a16="http://schemas.microsoft.com/office/drawing/2014/main" xmlns="" id="{A5C19A91-D5AD-483C-A5D9-EBEC66E8B83A}"/>
               </a:ext>
             </a:extLst>
           </p:cNvPr>
@@ -19682,7 +19614,7 @@
           <p:cNvPr id="37" name="그림 36" descr="java-card.png">
             <a:extLst>
               <a:ext uri="{FF2B5EF4-FFF2-40B4-BE49-F238E27FC236}">
-                <a16:creationId xmlns:a16="http://schemas.microsoft.com/office/drawing/2014/main" id="{B17A0F97-2FFF-4139-A10B-2D005DAAB990}"/>
+                <a16:creationId xmlns:a16="http://schemas.microsoft.com/office/drawing/2014/main" xmlns="" id="{B17A0F97-2FFF-4139-A10B-2D005DAAB990}"/>
               </a:ext>
             </a:extLst>
           </p:cNvPr>
@@ -19712,7 +19644,7 @@
           <p:cNvPr id="38" name="그림 37" descr="spring-by-pivotal-9066b55828deb3c10e27e609af322c40.png">
             <a:extLst>
               <a:ext uri="{FF2B5EF4-FFF2-40B4-BE49-F238E27FC236}">
-                <a16:creationId xmlns:a16="http://schemas.microsoft.com/office/drawing/2014/main" id="{58086CB2-27F8-4B15-B300-DEECDD1F24D8}"/>
+                <a16:creationId xmlns:a16="http://schemas.microsoft.com/office/drawing/2014/main" xmlns="" id="{58086CB2-27F8-4B15-B300-DEECDD1F24D8}"/>
               </a:ext>
             </a:extLst>
           </p:cNvPr>
@@ -19742,7 +19674,7 @@
           <p:cNvPr id="39" name="그림 38">
             <a:extLst>
               <a:ext uri="{FF2B5EF4-FFF2-40B4-BE49-F238E27FC236}">
-                <a16:creationId xmlns:a16="http://schemas.microsoft.com/office/drawing/2014/main" id="{29FF0A52-B639-4CE8-BBF2-E19AE86A83A4}"/>
+                <a16:creationId xmlns:a16="http://schemas.microsoft.com/office/drawing/2014/main" xmlns="" id="{29FF0A52-B639-4CE8-BBF2-E19AE86A83A4}"/>
               </a:ext>
             </a:extLst>
           </p:cNvPr>
@@ -19778,7 +19710,7 @@
           <a:blip r:embed="rId22">
             <a:extLst>
               <a:ext uri="{28A0092B-C50C-407E-A947-70E740481C1C}">
-                <a14:useLocalDpi xmlns:a14="http://schemas.microsoft.com/office/drawing/2010/main" val="0"/>
+                <a14:useLocalDpi xmlns:a14="http://schemas.microsoft.com/office/drawing/2010/main" xmlns="" val="0"/>
               </a:ext>
             </a:extLst>
           </a:blip>
@@ -19893,7 +19825,7 @@
           <p:cNvPr id="46" name="그림 45" descr="tomcat.png">
             <a:extLst>
               <a:ext uri="{FF2B5EF4-FFF2-40B4-BE49-F238E27FC236}">
-                <a16:creationId xmlns:a16="http://schemas.microsoft.com/office/drawing/2014/main" id="{BFA4FCAC-EE8B-427F-B0A1-A68E2F8701F0}"/>
+                <a16:creationId xmlns:a16="http://schemas.microsoft.com/office/drawing/2014/main" xmlns="" id="{BFA4FCAC-EE8B-427F-B0A1-A68E2F8701F0}"/>
               </a:ext>
             </a:extLst>
           </p:cNvPr>
@@ -19930,7 +19862,7 @@
           <a:blip r:embed="rId24">
             <a:extLst>
               <a:ext uri="{28A0092B-C50C-407E-A947-70E740481C1C}">
-                <a14:useLocalDpi xmlns:a14="http://schemas.microsoft.com/office/drawing/2010/main" val="0"/>
+                <a14:useLocalDpi xmlns:a14="http://schemas.microsoft.com/office/drawing/2010/main" xmlns="" val="0"/>
               </a:ext>
             </a:extLst>
           </a:blip>
@@ -19952,7 +19884,7 @@
           <p:cNvPr id="44" name="그림 43" descr="1_AD9ZSLXKAhZ-_WomszsmPg.png">
             <a:extLst>
               <a:ext uri="{FF2B5EF4-FFF2-40B4-BE49-F238E27FC236}">
-                <a16:creationId xmlns:a16="http://schemas.microsoft.com/office/drawing/2014/main" id="{47BA5490-3870-4251-802F-BC64038EB3C8}"/>
+                <a16:creationId xmlns:a16="http://schemas.microsoft.com/office/drawing/2014/main" xmlns="" id="{47BA5490-3870-4251-802F-BC64038EB3C8}"/>
               </a:ext>
             </a:extLst>
           </p:cNvPr>
@@ -19989,7 +19921,7 @@
           <a:blip r:embed="rId26">
             <a:extLst>
               <a:ext uri="{28A0092B-C50C-407E-A947-70E740481C1C}">
-                <a14:useLocalDpi xmlns:a14="http://schemas.microsoft.com/office/drawing/2010/main" val="0"/>
+                <a14:useLocalDpi xmlns:a14="http://schemas.microsoft.com/office/drawing/2010/main" xmlns="" val="0"/>
               </a:ext>
             </a:extLst>
           </a:blip>
@@ -20019,7 +19951,7 @@
           <a:blip r:embed="rId27">
             <a:extLst>
               <a:ext uri="{28A0092B-C50C-407E-A947-70E740481C1C}">
-                <a14:useLocalDpi xmlns:a14="http://schemas.microsoft.com/office/drawing/2010/main" val="0"/>
+                <a14:useLocalDpi xmlns:a14="http://schemas.microsoft.com/office/drawing/2010/main" xmlns="" val="0"/>
               </a:ext>
             </a:extLst>
           </a:blip>
@@ -20049,7 +19981,7 @@
           <a:blip r:embed="rId28">
             <a:extLst>
               <a:ext uri="{28A0092B-C50C-407E-A947-70E740481C1C}">
-                <a14:useLocalDpi xmlns:a14="http://schemas.microsoft.com/office/drawing/2010/main" val="0"/>
+                <a14:useLocalDpi xmlns:a14="http://schemas.microsoft.com/office/drawing/2010/main" xmlns="" val="0"/>
               </a:ext>
             </a:extLst>
           </a:blip>
@@ -20079,7 +20011,7 @@
           <a:blip r:embed="rId29">
             <a:extLst>
               <a:ext uri="{28A0092B-C50C-407E-A947-70E740481C1C}">
-                <a14:useLocalDpi xmlns:a14="http://schemas.microsoft.com/office/drawing/2010/main" val="0"/>
+                <a14:useLocalDpi xmlns:a14="http://schemas.microsoft.com/office/drawing/2010/main" xmlns="" val="0"/>
               </a:ext>
             </a:extLst>
           </a:blip>
@@ -20108,7 +20040,7 @@
           <a:blip r:embed="rId30">
             <a:extLst>
               <a:ext uri="{28A0092B-C50C-407E-A947-70E740481C1C}">
-                <a14:useLocalDpi xmlns:a14="http://schemas.microsoft.com/office/drawing/2010/main" val="0"/>
+                <a14:useLocalDpi xmlns:a14="http://schemas.microsoft.com/office/drawing/2010/main" xmlns="" val="0"/>
               </a:ext>
             </a:extLst>
           </a:blip>
@@ -20137,7 +20069,7 @@
           <a:blip r:embed="rId31">
             <a:extLst>
               <a:ext uri="{28A0092B-C50C-407E-A947-70E740481C1C}">
-                <a14:useLocalDpi xmlns:a14="http://schemas.microsoft.com/office/drawing/2010/main" val="0"/>
+                <a14:useLocalDpi xmlns:a14="http://schemas.microsoft.com/office/drawing/2010/main" xmlns="" val="0"/>
               </a:ext>
             </a:extLst>
           </a:blip>
@@ -20167,7 +20099,7 @@
           <a:blip r:embed="rId32">
             <a:extLst>
               <a:ext uri="{28A0092B-C50C-407E-A947-70E740481C1C}">
-                <a14:useLocalDpi xmlns:a14="http://schemas.microsoft.com/office/drawing/2010/main" val="0"/>
+                <a14:useLocalDpi xmlns:a14="http://schemas.microsoft.com/office/drawing/2010/main" xmlns="" val="0"/>
               </a:ext>
             </a:extLst>
           </a:blip>
@@ -20214,7 +20146,7 @@
           <p:cNvPr id="45" name="그림 44" descr="1_ipwpqqrhz0lkd_5setxqcq.png">
             <a:extLst>
               <a:ext uri="{FF2B5EF4-FFF2-40B4-BE49-F238E27FC236}">
-                <a16:creationId xmlns:a16="http://schemas.microsoft.com/office/drawing/2014/main" id="{88DC51E6-FADF-47F5-A1DE-442BC1F559FF}"/>
+                <a16:creationId xmlns:a16="http://schemas.microsoft.com/office/drawing/2014/main" xmlns="" id="{88DC51E6-FADF-47F5-A1DE-442BC1F559FF}"/>
               </a:ext>
             </a:extLst>
           </p:cNvPr>
@@ -20244,7 +20176,7 @@
           <p:cNvPr id="47" name="직사각형 46">
             <a:extLst>
               <a:ext uri="{FF2B5EF4-FFF2-40B4-BE49-F238E27FC236}">
-                <a16:creationId xmlns:a16="http://schemas.microsoft.com/office/drawing/2014/main" id="{1E3510DE-0ABB-4E9C-9FBB-D5921D7C69B4}"/>
+                <a16:creationId xmlns:a16="http://schemas.microsoft.com/office/drawing/2014/main" xmlns="" id="{1E3510DE-0ABB-4E9C-9FBB-D5921D7C69B4}"/>
               </a:ext>
             </a:extLst>
           </p:cNvPr>
@@ -20295,7 +20227,7 @@
           <p:cNvPr id="48" name="직사각형 47">
             <a:extLst>
               <a:ext uri="{FF2B5EF4-FFF2-40B4-BE49-F238E27FC236}">
-                <a16:creationId xmlns:a16="http://schemas.microsoft.com/office/drawing/2014/main" id="{249F868B-A0C3-487D-9255-34EFF1903B88}"/>
+                <a16:creationId xmlns:a16="http://schemas.microsoft.com/office/drawing/2014/main" xmlns="" id="{249F868B-A0C3-487D-9255-34EFF1903B88}"/>
               </a:ext>
             </a:extLst>
           </p:cNvPr>
@@ -20344,13 +20276,20 @@
     </p:spTree>
     <p:extLst>
       <p:ext uri="{BB962C8B-B14F-4D97-AF65-F5344CB8AC3E}">
-        <p14:creationId xmlns:p14="http://schemas.microsoft.com/office/powerpoint/2010/main" val="4093535410"/>
+        <p14:creationId xmlns:p14="http://schemas.microsoft.com/office/powerpoint/2010/main" xmlns="" val="4093535410"/>
       </p:ext>
     </p:extLst>
   </p:cSld>
   <p:clrMapOvr>
     <a:masterClrMapping/>
   </p:clrMapOvr>
+  <p:timing>
+    <p:tnLst>
+      <p:par>
+        <p:cTn id="1" dur="indefinite" restart="never" nodeType="tmRoot"/>
+      </p:par>
+    </p:tnLst>
+  </p:timing>
 </p:sld>
 </file>
 
@@ -20376,7 +20315,7 @@
           <p:cNvPr id="34" name="직사각형 33">
             <a:extLst>
               <a:ext uri="{FF2B5EF4-FFF2-40B4-BE49-F238E27FC236}">
-                <a16:creationId xmlns:a16="http://schemas.microsoft.com/office/drawing/2014/main" id="{37CB002D-8420-B548-9BEA-2E18D8A9A204}"/>
+                <a16:creationId xmlns:a16="http://schemas.microsoft.com/office/drawing/2014/main" xmlns="" id="{37CB002D-8420-B548-9BEA-2E18D8A9A204}"/>
               </a:ext>
             </a:extLst>
           </p:cNvPr>
@@ -20476,7 +20415,7 @@
           <p:cNvPr id="8" name="직사각형 7">
             <a:extLst>
               <a:ext uri="{FF2B5EF4-FFF2-40B4-BE49-F238E27FC236}">
-                <a16:creationId xmlns:a16="http://schemas.microsoft.com/office/drawing/2014/main" id="{6B8B80B4-792D-174E-8B2C-A10CA85CDD01}"/>
+                <a16:creationId xmlns:a16="http://schemas.microsoft.com/office/drawing/2014/main" xmlns="" id="{6B8B80B4-792D-174E-8B2C-A10CA85CDD01}"/>
               </a:ext>
             </a:extLst>
           </p:cNvPr>
@@ -20530,7 +20469,7 @@
           <p:cNvPr id="9" name="직각 삼각형[R] 8">
             <a:extLst>
               <a:ext uri="{FF2B5EF4-FFF2-40B4-BE49-F238E27FC236}">
-                <a16:creationId xmlns:a16="http://schemas.microsoft.com/office/drawing/2014/main" id="{E9289217-6E56-7D4B-B6FB-329F373CAF3E}"/>
+                <a16:creationId xmlns:a16="http://schemas.microsoft.com/office/drawing/2014/main" xmlns="" id="{E9289217-6E56-7D4B-B6FB-329F373CAF3E}"/>
               </a:ext>
             </a:extLst>
           </p:cNvPr>
@@ -20588,7 +20527,7 @@
           <p:cNvPr id="20" name="TextBox 19">
             <a:extLst>
               <a:ext uri="{FF2B5EF4-FFF2-40B4-BE49-F238E27FC236}">
-                <a16:creationId xmlns:a16="http://schemas.microsoft.com/office/drawing/2014/main" id="{849EE5DD-2363-0B42-B4FD-2464134E7BE2}"/>
+                <a16:creationId xmlns:a16="http://schemas.microsoft.com/office/drawing/2014/main" xmlns="" id="{849EE5DD-2363-0B42-B4FD-2464134E7BE2}"/>
               </a:ext>
             </a:extLst>
           </p:cNvPr>
@@ -20687,7 +20626,7 @@
           <p:cNvPr id="10" name="그림 9" descr="html5.png">
             <a:extLst>
               <a:ext uri="{FF2B5EF4-FFF2-40B4-BE49-F238E27FC236}">
-                <a16:creationId xmlns:a16="http://schemas.microsoft.com/office/drawing/2014/main" id="{2F4D2618-1A23-41D3-BEFB-694548B8E123}"/>
+                <a16:creationId xmlns:a16="http://schemas.microsoft.com/office/drawing/2014/main" xmlns="" id="{2F4D2618-1A23-41D3-BEFB-694548B8E123}"/>
               </a:ext>
             </a:extLst>
           </p:cNvPr>
@@ -20717,7 +20656,7 @@
           <p:cNvPr id="11" name="그림 10" descr="bootstraplogo.png">
             <a:extLst>
               <a:ext uri="{FF2B5EF4-FFF2-40B4-BE49-F238E27FC236}">
-                <a16:creationId xmlns:a16="http://schemas.microsoft.com/office/drawing/2014/main" id="{9B0027A7-1163-4A5A-8B53-3AE3E446DB9A}"/>
+                <a16:creationId xmlns:a16="http://schemas.microsoft.com/office/drawing/2014/main" xmlns="" id="{9B0027A7-1163-4A5A-8B53-3AE3E446DB9A}"/>
               </a:ext>
             </a:extLst>
           </p:cNvPr>
@@ -20747,7 +20686,7 @@
           <p:cNvPr id="12" name="그림 11" descr="jquery-logo.png">
             <a:extLst>
               <a:ext uri="{FF2B5EF4-FFF2-40B4-BE49-F238E27FC236}">
-                <a16:creationId xmlns:a16="http://schemas.microsoft.com/office/drawing/2014/main" id="{90B15745-ACD9-4CFC-9535-4A20161303F5}"/>
+                <a16:creationId xmlns:a16="http://schemas.microsoft.com/office/drawing/2014/main" xmlns="" id="{90B15745-ACD9-4CFC-9535-4A20161303F5}"/>
               </a:ext>
             </a:extLst>
           </p:cNvPr>
@@ -20777,7 +20716,7 @@
           <p:cNvPr id="13" name="그림 12" descr="AJAX_logo_by_gengns.svg.png">
             <a:extLst>
               <a:ext uri="{FF2B5EF4-FFF2-40B4-BE49-F238E27FC236}">
-                <a16:creationId xmlns:a16="http://schemas.microsoft.com/office/drawing/2014/main" id="{3178746F-5547-4508-BD10-ED7288D1160A}"/>
+                <a16:creationId xmlns:a16="http://schemas.microsoft.com/office/drawing/2014/main" xmlns="" id="{3178746F-5547-4508-BD10-ED7288D1160A}"/>
               </a:ext>
             </a:extLst>
           </p:cNvPr>
@@ -20807,7 +20746,7 @@
           <p:cNvPr id="14" name="그림 13">
             <a:extLst>
               <a:ext uri="{FF2B5EF4-FFF2-40B4-BE49-F238E27FC236}">
-                <a16:creationId xmlns:a16="http://schemas.microsoft.com/office/drawing/2014/main" id="{3DCEF43E-F12F-417F-A6CB-B35D966AD967}"/>
+                <a16:creationId xmlns:a16="http://schemas.microsoft.com/office/drawing/2014/main" xmlns="" id="{3DCEF43E-F12F-417F-A6CB-B35D966AD967}"/>
               </a:ext>
             </a:extLst>
           </p:cNvPr>
@@ -20837,7 +20776,7 @@
           <p:cNvPr id="15" name="그림 14">
             <a:extLst>
               <a:ext uri="{FF2B5EF4-FFF2-40B4-BE49-F238E27FC236}">
-                <a16:creationId xmlns:a16="http://schemas.microsoft.com/office/drawing/2014/main" id="{73F96CE1-978A-46D1-B49F-D0EE61A23324}"/>
+                <a16:creationId xmlns:a16="http://schemas.microsoft.com/office/drawing/2014/main" xmlns="" id="{73F96CE1-978A-46D1-B49F-D0EE61A23324}"/>
               </a:ext>
             </a:extLst>
           </p:cNvPr>
@@ -20867,7 +20806,7 @@
           <p:cNvPr id="16" name="그래픽 28">
             <a:extLst>
               <a:ext uri="{FF2B5EF4-FFF2-40B4-BE49-F238E27FC236}">
-                <a16:creationId xmlns:a16="http://schemas.microsoft.com/office/drawing/2014/main" id="{2FEDF07C-8471-49AF-8187-0B09508B6D75}"/>
+                <a16:creationId xmlns:a16="http://schemas.microsoft.com/office/drawing/2014/main" xmlns="" id="{2FEDF07C-8471-49AF-8187-0B09508B6D75}"/>
               </a:ext>
             </a:extLst>
           </p:cNvPr>
@@ -20880,7 +20819,7 @@
           <a:blip r:embed="rId8">
             <a:extLst>
               <a:ext uri="{96DAC541-7B7A-43D3-8B79-37D633B846F1}">
-                <asvg:svgBlip xmlns:asvg="http://schemas.microsoft.com/office/drawing/2016/SVG/main" r:embed="rId9"/>
+                <asvg:svgBlip xmlns:asvg="http://schemas.microsoft.com/office/drawing/2016/SVG/main" xmlns="" r:embed="rId9"/>
               </a:ext>
             </a:extLst>
           </a:blip>
@@ -20903,7 +20842,7 @@
           <p:cNvPr id="17" name="그림 16">
             <a:extLst>
               <a:ext uri="{FF2B5EF4-FFF2-40B4-BE49-F238E27FC236}">
-                <a16:creationId xmlns:a16="http://schemas.microsoft.com/office/drawing/2014/main" id="{A7D6FD87-1371-46C1-A82C-036B92C36643}"/>
+                <a16:creationId xmlns:a16="http://schemas.microsoft.com/office/drawing/2014/main" xmlns="" id="{A7D6FD87-1371-46C1-A82C-036B92C36643}"/>
               </a:ext>
             </a:extLst>
           </p:cNvPr>
@@ -20932,7 +20871,7 @@
           <p:cNvPr id="18" name="그림 17">
             <a:extLst>
               <a:ext uri="{FF2B5EF4-FFF2-40B4-BE49-F238E27FC236}">
-                <a16:creationId xmlns:a16="http://schemas.microsoft.com/office/drawing/2014/main" id="{0E5BE0C9-D438-4700-B07F-62D1D097CE15}"/>
+                <a16:creationId xmlns:a16="http://schemas.microsoft.com/office/drawing/2014/main" xmlns="" id="{0E5BE0C9-D438-4700-B07F-62D1D097CE15}"/>
               </a:ext>
             </a:extLst>
           </p:cNvPr>
@@ -20961,7 +20900,7 @@
           <p:cNvPr id="21" name="그림 20">
             <a:extLst>
               <a:ext uri="{FF2B5EF4-FFF2-40B4-BE49-F238E27FC236}">
-                <a16:creationId xmlns:a16="http://schemas.microsoft.com/office/drawing/2014/main" id="{E70BD89E-5149-4561-B980-5AB46D17C144}"/>
+                <a16:creationId xmlns:a16="http://schemas.microsoft.com/office/drawing/2014/main" xmlns="" id="{E70BD89E-5149-4561-B980-5AB46D17C144}"/>
               </a:ext>
             </a:extLst>
           </p:cNvPr>
@@ -20991,7 +20930,7 @@
           <p:cNvPr id="22" name="그림 21">
             <a:extLst>
               <a:ext uri="{FF2B5EF4-FFF2-40B4-BE49-F238E27FC236}">
-                <a16:creationId xmlns:a16="http://schemas.microsoft.com/office/drawing/2014/main" id="{268C365E-0B34-4212-816A-2CFBCFCE7F1E}"/>
+                <a16:creationId xmlns:a16="http://schemas.microsoft.com/office/drawing/2014/main" xmlns="" id="{268C365E-0B34-4212-816A-2CFBCFCE7F1E}"/>
               </a:ext>
             </a:extLst>
           </p:cNvPr>
@@ -21028,7 +20967,7 @@
           <a:blip r:embed="rId14">
             <a:extLst>
               <a:ext uri="{28A0092B-C50C-407E-A947-70E740481C1C}">
-                <a14:useLocalDpi xmlns:a14="http://schemas.microsoft.com/office/drawing/2010/main" val="0"/>
+                <a14:useLocalDpi xmlns:a14="http://schemas.microsoft.com/office/drawing/2010/main" xmlns="" val="0"/>
               </a:ext>
             </a:extLst>
           </a:blip>
@@ -21051,14 +20990,14 @@
           </a:ln>
           <a:extLst>
             <a:ext uri="{909E8E84-426E-40DD-AFC4-6F175D3DCCD1}">
-              <a14:hiddenFill xmlns:a14="http://schemas.microsoft.com/office/drawing/2010/main">
+              <a14:hiddenFill xmlns:a14="http://schemas.microsoft.com/office/drawing/2010/main" xmlns="">
                 <a:solidFill>
                   <a:schemeClr val="accent1"/>
                 </a:solidFill>
               </a14:hiddenFill>
             </a:ext>
             <a:ext uri="{91240B29-F687-4F45-9708-019B960494DF}">
-              <a14:hiddenLine xmlns:a14="http://schemas.microsoft.com/office/drawing/2010/main" w="9525">
+              <a14:hiddenLine xmlns:a14="http://schemas.microsoft.com/office/drawing/2010/main" xmlns="" w="9525">
                 <a:solidFill>
                   <a:schemeClr val="tx1"/>
                 </a:solidFill>
@@ -21082,7 +21021,7 @@
           <a:blip r:embed="rId15">
             <a:extLst>
               <a:ext uri="{28A0092B-C50C-407E-A947-70E740481C1C}">
-                <a14:useLocalDpi xmlns:a14="http://schemas.microsoft.com/office/drawing/2010/main" val="0"/>
+                <a14:useLocalDpi xmlns:a14="http://schemas.microsoft.com/office/drawing/2010/main" xmlns="" val="0"/>
               </a:ext>
             </a:extLst>
           </a:blip>
@@ -21207,7 +21146,7 @@
           <p:cNvPr id="33" name="그림 32" descr="mybatis.png">
             <a:extLst>
               <a:ext uri="{FF2B5EF4-FFF2-40B4-BE49-F238E27FC236}">
-                <a16:creationId xmlns:a16="http://schemas.microsoft.com/office/drawing/2014/main" id="{42FD58B8-660F-4CBE-9928-D52AE0BA2DCD}"/>
+                <a16:creationId xmlns:a16="http://schemas.microsoft.com/office/drawing/2014/main" xmlns="" id="{42FD58B8-660F-4CBE-9928-D52AE0BA2DCD}"/>
               </a:ext>
             </a:extLst>
           </p:cNvPr>
@@ -21237,7 +21176,7 @@
           <p:cNvPr id="35" name="그림 34">
             <a:extLst>
               <a:ext uri="{FF2B5EF4-FFF2-40B4-BE49-F238E27FC236}">
-                <a16:creationId xmlns:a16="http://schemas.microsoft.com/office/drawing/2014/main" id="{B96D1DAE-9992-4D39-B8CD-E3F792B2D86B}"/>
+                <a16:creationId xmlns:a16="http://schemas.microsoft.com/office/drawing/2014/main" xmlns="" id="{B96D1DAE-9992-4D39-B8CD-E3F792B2D86B}"/>
               </a:ext>
             </a:extLst>
           </p:cNvPr>
@@ -21267,7 +21206,7 @@
           <p:cNvPr id="36" name="그림 35">
             <a:extLst>
               <a:ext uri="{FF2B5EF4-FFF2-40B4-BE49-F238E27FC236}">
-                <a16:creationId xmlns:a16="http://schemas.microsoft.com/office/drawing/2014/main" id="{A5C19A91-D5AD-483C-A5D9-EBEC66E8B83A}"/>
+                <a16:creationId xmlns:a16="http://schemas.microsoft.com/office/drawing/2014/main" xmlns="" id="{A5C19A91-D5AD-483C-A5D9-EBEC66E8B83A}"/>
               </a:ext>
             </a:extLst>
           </p:cNvPr>
@@ -21296,7 +21235,7 @@
           <p:cNvPr id="37" name="그림 36" descr="java-card.png">
             <a:extLst>
               <a:ext uri="{FF2B5EF4-FFF2-40B4-BE49-F238E27FC236}">
-                <a16:creationId xmlns:a16="http://schemas.microsoft.com/office/drawing/2014/main" id="{B17A0F97-2FFF-4139-A10B-2D005DAAB990}"/>
+                <a16:creationId xmlns:a16="http://schemas.microsoft.com/office/drawing/2014/main" xmlns="" id="{B17A0F97-2FFF-4139-A10B-2D005DAAB990}"/>
               </a:ext>
             </a:extLst>
           </p:cNvPr>
@@ -21326,7 +21265,7 @@
           <p:cNvPr id="38" name="그림 37" descr="spring-by-pivotal-9066b55828deb3c10e27e609af322c40.png">
             <a:extLst>
               <a:ext uri="{FF2B5EF4-FFF2-40B4-BE49-F238E27FC236}">
-                <a16:creationId xmlns:a16="http://schemas.microsoft.com/office/drawing/2014/main" id="{58086CB2-27F8-4B15-B300-DEECDD1F24D8}"/>
+                <a16:creationId xmlns:a16="http://schemas.microsoft.com/office/drawing/2014/main" xmlns="" id="{58086CB2-27F8-4B15-B300-DEECDD1F24D8}"/>
               </a:ext>
             </a:extLst>
           </p:cNvPr>
@@ -21356,7 +21295,7 @@
           <p:cNvPr id="39" name="그림 38">
             <a:extLst>
               <a:ext uri="{FF2B5EF4-FFF2-40B4-BE49-F238E27FC236}">
-                <a16:creationId xmlns:a16="http://schemas.microsoft.com/office/drawing/2014/main" id="{29FF0A52-B639-4CE8-BBF2-E19AE86A83A4}"/>
+                <a16:creationId xmlns:a16="http://schemas.microsoft.com/office/drawing/2014/main" xmlns="" id="{29FF0A52-B639-4CE8-BBF2-E19AE86A83A4}"/>
               </a:ext>
             </a:extLst>
           </p:cNvPr>
@@ -21392,7 +21331,7 @@
           <a:blip r:embed="rId22">
             <a:extLst>
               <a:ext uri="{28A0092B-C50C-407E-A947-70E740481C1C}">
-                <a14:useLocalDpi xmlns:a14="http://schemas.microsoft.com/office/drawing/2010/main" val="0"/>
+                <a14:useLocalDpi xmlns:a14="http://schemas.microsoft.com/office/drawing/2010/main" xmlns="" val="0"/>
               </a:ext>
             </a:extLst>
           </a:blip>
@@ -21507,7 +21446,7 @@
           <p:cNvPr id="46" name="그림 45" descr="tomcat.png">
             <a:extLst>
               <a:ext uri="{FF2B5EF4-FFF2-40B4-BE49-F238E27FC236}">
-                <a16:creationId xmlns:a16="http://schemas.microsoft.com/office/drawing/2014/main" id="{BFA4FCAC-EE8B-427F-B0A1-A68E2F8701F0}"/>
+                <a16:creationId xmlns:a16="http://schemas.microsoft.com/office/drawing/2014/main" xmlns="" id="{BFA4FCAC-EE8B-427F-B0A1-A68E2F8701F0}"/>
               </a:ext>
             </a:extLst>
           </p:cNvPr>
@@ -21544,7 +21483,7 @@
           <a:blip r:embed="rId24">
             <a:extLst>
               <a:ext uri="{28A0092B-C50C-407E-A947-70E740481C1C}">
-                <a14:useLocalDpi xmlns:a14="http://schemas.microsoft.com/office/drawing/2010/main" val="0"/>
+                <a14:useLocalDpi xmlns:a14="http://schemas.microsoft.com/office/drawing/2010/main" xmlns="" val="0"/>
               </a:ext>
             </a:extLst>
           </a:blip>
@@ -21566,7 +21505,7 @@
           <p:cNvPr id="44" name="그림 43" descr="1_AD9ZSLXKAhZ-_WomszsmPg.png">
             <a:extLst>
               <a:ext uri="{FF2B5EF4-FFF2-40B4-BE49-F238E27FC236}">
-                <a16:creationId xmlns:a16="http://schemas.microsoft.com/office/drawing/2014/main" id="{47BA5490-3870-4251-802F-BC64038EB3C8}"/>
+                <a16:creationId xmlns:a16="http://schemas.microsoft.com/office/drawing/2014/main" xmlns="" id="{47BA5490-3870-4251-802F-BC64038EB3C8}"/>
               </a:ext>
             </a:extLst>
           </p:cNvPr>
@@ -21603,7 +21542,7 @@
           <a:blip r:embed="rId26">
             <a:extLst>
               <a:ext uri="{28A0092B-C50C-407E-A947-70E740481C1C}">
-                <a14:useLocalDpi xmlns:a14="http://schemas.microsoft.com/office/drawing/2010/main" val="0"/>
+                <a14:useLocalDpi xmlns:a14="http://schemas.microsoft.com/office/drawing/2010/main" xmlns="" val="0"/>
               </a:ext>
             </a:extLst>
           </a:blip>
@@ -21633,7 +21572,7 @@
           <a:blip r:embed="rId27">
             <a:extLst>
               <a:ext uri="{28A0092B-C50C-407E-A947-70E740481C1C}">
-                <a14:useLocalDpi xmlns:a14="http://schemas.microsoft.com/office/drawing/2010/main" val="0"/>
+                <a14:useLocalDpi xmlns:a14="http://schemas.microsoft.com/office/drawing/2010/main" xmlns="" val="0"/>
               </a:ext>
             </a:extLst>
           </a:blip>
@@ -21663,7 +21602,7 @@
           <a:blip r:embed="rId28">
             <a:extLst>
               <a:ext uri="{28A0092B-C50C-407E-A947-70E740481C1C}">
-                <a14:useLocalDpi xmlns:a14="http://schemas.microsoft.com/office/drawing/2010/main" val="0"/>
+                <a14:useLocalDpi xmlns:a14="http://schemas.microsoft.com/office/drawing/2010/main" xmlns="" val="0"/>
               </a:ext>
             </a:extLst>
           </a:blip>
@@ -21693,7 +21632,7 @@
           <a:blip r:embed="rId29">
             <a:extLst>
               <a:ext uri="{28A0092B-C50C-407E-A947-70E740481C1C}">
-                <a14:useLocalDpi xmlns:a14="http://schemas.microsoft.com/office/drawing/2010/main" val="0"/>
+                <a14:useLocalDpi xmlns:a14="http://schemas.microsoft.com/office/drawing/2010/main" xmlns="" val="0"/>
               </a:ext>
             </a:extLst>
           </a:blip>
@@ -21722,7 +21661,7 @@
           <a:blip r:embed="rId30">
             <a:extLst>
               <a:ext uri="{28A0092B-C50C-407E-A947-70E740481C1C}">
-                <a14:useLocalDpi xmlns:a14="http://schemas.microsoft.com/office/drawing/2010/main" val="0"/>
+                <a14:useLocalDpi xmlns:a14="http://schemas.microsoft.com/office/drawing/2010/main" xmlns="" val="0"/>
               </a:ext>
             </a:extLst>
           </a:blip>
@@ -21751,7 +21690,7 @@
           <a:blip r:embed="rId31">
             <a:extLst>
               <a:ext uri="{28A0092B-C50C-407E-A947-70E740481C1C}">
-                <a14:useLocalDpi xmlns:a14="http://schemas.microsoft.com/office/drawing/2010/main" val="0"/>
+                <a14:useLocalDpi xmlns:a14="http://schemas.microsoft.com/office/drawing/2010/main" xmlns="" val="0"/>
               </a:ext>
             </a:extLst>
           </a:blip>
@@ -21781,7 +21720,7 @@
           <a:blip r:embed="rId32">
             <a:extLst>
               <a:ext uri="{28A0092B-C50C-407E-A947-70E740481C1C}">
-                <a14:useLocalDpi xmlns:a14="http://schemas.microsoft.com/office/drawing/2010/main" val="0"/>
+                <a14:useLocalDpi xmlns:a14="http://schemas.microsoft.com/office/drawing/2010/main" xmlns="" val="0"/>
               </a:ext>
             </a:extLst>
           </a:blip>
@@ -21827,7 +21766,7 @@
           <p:cNvPr id="45" name="그림 44" descr="1_ipwpqqrhz0lkd_5setxqcq.png">
             <a:extLst>
               <a:ext uri="{FF2B5EF4-FFF2-40B4-BE49-F238E27FC236}">
-                <a16:creationId xmlns:a16="http://schemas.microsoft.com/office/drawing/2014/main" id="{88DC51E6-FADF-47F5-A1DE-442BC1F559FF}"/>
+                <a16:creationId xmlns:a16="http://schemas.microsoft.com/office/drawing/2014/main" xmlns="" id="{88DC51E6-FADF-47F5-A1DE-442BC1F559FF}"/>
               </a:ext>
             </a:extLst>
           </p:cNvPr>
@@ -21857,7 +21796,7 @@
           <p:cNvPr id="47" name="직사각형 46">
             <a:extLst>
               <a:ext uri="{FF2B5EF4-FFF2-40B4-BE49-F238E27FC236}">
-                <a16:creationId xmlns:a16="http://schemas.microsoft.com/office/drawing/2014/main" id="{B37BB561-4363-43FA-856A-85194295F566}"/>
+                <a16:creationId xmlns:a16="http://schemas.microsoft.com/office/drawing/2014/main" xmlns="" id="{B37BB561-4363-43FA-856A-85194295F566}"/>
               </a:ext>
             </a:extLst>
           </p:cNvPr>
@@ -21908,7 +21847,7 @@
           <p:cNvPr id="4" name="그림 3">
             <a:extLst>
               <a:ext uri="{FF2B5EF4-FFF2-40B4-BE49-F238E27FC236}">
-                <a16:creationId xmlns:a16="http://schemas.microsoft.com/office/drawing/2014/main" id="{F865E3F6-B0B3-431B-9CB5-47DFE917A496}"/>
+                <a16:creationId xmlns:a16="http://schemas.microsoft.com/office/drawing/2014/main" xmlns="" id="{F865E3F6-B0B3-431B-9CB5-47DFE917A496}"/>
               </a:ext>
             </a:extLst>
           </p:cNvPr>
@@ -21936,13 +21875,20 @@
     </p:spTree>
     <p:extLst>
       <p:ext uri="{BB962C8B-B14F-4D97-AF65-F5344CB8AC3E}">
-        <p14:creationId xmlns:p14="http://schemas.microsoft.com/office/powerpoint/2010/main" val="2522595429"/>
+        <p14:creationId xmlns:p14="http://schemas.microsoft.com/office/powerpoint/2010/main" xmlns="" val="2522595429"/>
       </p:ext>
     </p:extLst>
   </p:cSld>
   <p:clrMapOvr>
     <a:masterClrMapping/>
   </p:clrMapOvr>
+  <p:timing>
+    <p:tnLst>
+      <p:par>
+        <p:cTn id="1" dur="indefinite" restart="never" nodeType="tmRoot"/>
+      </p:par>
+    </p:tnLst>
+  </p:timing>
 </p:sld>
 </file>
 
@@ -21968,7 +21914,7 @@
           <p:cNvPr id="34" name="직사각형 33">
             <a:extLst>
               <a:ext uri="{FF2B5EF4-FFF2-40B4-BE49-F238E27FC236}">
-                <a16:creationId xmlns:a16="http://schemas.microsoft.com/office/drawing/2014/main" id="{37CB002D-8420-B548-9BEA-2E18D8A9A204}"/>
+                <a16:creationId xmlns:a16="http://schemas.microsoft.com/office/drawing/2014/main" xmlns="" id="{37CB002D-8420-B548-9BEA-2E18D8A9A204}"/>
               </a:ext>
             </a:extLst>
           </p:cNvPr>
@@ -22062,7 +22008,7 @@
           <p:cNvPr id="7" name="직사각형 6">
             <a:extLst>
               <a:ext uri="{FF2B5EF4-FFF2-40B4-BE49-F238E27FC236}">
-                <a16:creationId xmlns:a16="http://schemas.microsoft.com/office/drawing/2014/main" id="{6B8B80B4-792D-174E-8B2C-A10CA85CDD01}"/>
+                <a16:creationId xmlns:a16="http://schemas.microsoft.com/office/drawing/2014/main" xmlns="" id="{6B8B80B4-792D-174E-8B2C-A10CA85CDD01}"/>
               </a:ext>
             </a:extLst>
           </p:cNvPr>
@@ -22116,7 +22062,7 @@
           <p:cNvPr id="10" name="직각 삼각형[R] 8">
             <a:extLst>
               <a:ext uri="{FF2B5EF4-FFF2-40B4-BE49-F238E27FC236}">
-                <a16:creationId xmlns:a16="http://schemas.microsoft.com/office/drawing/2014/main" id="{E9289217-6E56-7D4B-B6FB-329F373CAF3E}"/>
+                <a16:creationId xmlns:a16="http://schemas.microsoft.com/office/drawing/2014/main" xmlns="" id="{E9289217-6E56-7D4B-B6FB-329F373CAF3E}"/>
               </a:ext>
             </a:extLst>
           </p:cNvPr>
@@ -22174,7 +22120,7 @@
           <p:cNvPr id="11" name="TextBox 10">
             <a:extLst>
               <a:ext uri="{FF2B5EF4-FFF2-40B4-BE49-F238E27FC236}">
-                <a16:creationId xmlns:a16="http://schemas.microsoft.com/office/drawing/2014/main" id="{849EE5DD-2363-0B42-B4FD-2464134E7BE2}"/>
+                <a16:creationId xmlns:a16="http://schemas.microsoft.com/office/drawing/2014/main" xmlns="" id="{849EE5DD-2363-0B42-B4FD-2464134E7BE2}"/>
               </a:ext>
             </a:extLst>
           </p:cNvPr>
@@ -22217,13 +22163,20 @@
     </p:spTree>
     <p:extLst>
       <p:ext uri="{BB962C8B-B14F-4D97-AF65-F5344CB8AC3E}">
-        <p14:creationId xmlns:p14="http://schemas.microsoft.com/office/powerpoint/2010/main" val="2050327707"/>
+        <p14:creationId xmlns:p14="http://schemas.microsoft.com/office/powerpoint/2010/main" xmlns="" val="2050327707"/>
       </p:ext>
     </p:extLst>
   </p:cSld>
   <p:clrMapOvr>
     <a:masterClrMapping/>
   </p:clrMapOvr>
+  <p:timing>
+    <p:tnLst>
+      <p:par>
+        <p:cTn id="1" dur="indefinite" restart="never" nodeType="tmRoot"/>
+      </p:par>
+    </p:tnLst>
+  </p:timing>
 </p:sld>
 </file>
 
@@ -22249,7 +22202,7 @@
           <p:cNvPr id="34" name="직사각형 33">
             <a:extLst>
               <a:ext uri="{FF2B5EF4-FFF2-40B4-BE49-F238E27FC236}">
-                <a16:creationId xmlns:a16="http://schemas.microsoft.com/office/drawing/2014/main" id="{37CB002D-8420-B548-9BEA-2E18D8A9A204}"/>
+                <a16:creationId xmlns:a16="http://schemas.microsoft.com/office/drawing/2014/main" xmlns="" id="{37CB002D-8420-B548-9BEA-2E18D8A9A204}"/>
               </a:ext>
             </a:extLst>
           </p:cNvPr>
@@ -22301,7 +22254,7 @@
           <p:cNvPr id="7" name="직사각형 6">
             <a:extLst>
               <a:ext uri="{FF2B5EF4-FFF2-40B4-BE49-F238E27FC236}">
-                <a16:creationId xmlns:a16="http://schemas.microsoft.com/office/drawing/2014/main" id="{6B8B80B4-792D-174E-8B2C-A10CA85CDD01}"/>
+                <a16:creationId xmlns:a16="http://schemas.microsoft.com/office/drawing/2014/main" xmlns="" id="{6B8B80B4-792D-174E-8B2C-A10CA85CDD01}"/>
               </a:ext>
             </a:extLst>
           </p:cNvPr>
@@ -22355,7 +22308,7 @@
           <p:cNvPr id="10" name="직각 삼각형[R] 8">
             <a:extLst>
               <a:ext uri="{FF2B5EF4-FFF2-40B4-BE49-F238E27FC236}">
-                <a16:creationId xmlns:a16="http://schemas.microsoft.com/office/drawing/2014/main" id="{E9289217-6E56-7D4B-B6FB-329F373CAF3E}"/>
+                <a16:creationId xmlns:a16="http://schemas.microsoft.com/office/drawing/2014/main" xmlns="" id="{E9289217-6E56-7D4B-B6FB-329F373CAF3E}"/>
               </a:ext>
             </a:extLst>
           </p:cNvPr>
@@ -22413,7 +22366,7 @@
           <p:cNvPr id="11" name="TextBox 10">
             <a:extLst>
               <a:ext uri="{FF2B5EF4-FFF2-40B4-BE49-F238E27FC236}">
-                <a16:creationId xmlns:a16="http://schemas.microsoft.com/office/drawing/2014/main" id="{849EE5DD-2363-0B42-B4FD-2464134E7BE2}"/>
+                <a16:creationId xmlns:a16="http://schemas.microsoft.com/office/drawing/2014/main" xmlns="" id="{849EE5DD-2363-0B42-B4FD-2464134E7BE2}"/>
               </a:ext>
             </a:extLst>
           </p:cNvPr>
@@ -22458,7 +22411,7 @@
           <p:cNvPr id="9" name="TextBox 8">
             <a:extLst>
               <a:ext uri="{FF2B5EF4-FFF2-40B4-BE49-F238E27FC236}">
-                <a16:creationId xmlns:a16="http://schemas.microsoft.com/office/drawing/2014/main" id="{237C338B-611A-40FE-8585-1CC256C852D1}"/>
+                <a16:creationId xmlns:a16="http://schemas.microsoft.com/office/drawing/2014/main" xmlns="" id="{237C338B-611A-40FE-8585-1CC256C852D1}"/>
               </a:ext>
             </a:extLst>
           </p:cNvPr>
@@ -22499,7 +22452,7 @@
           <p:cNvPr id="5" name="그림 4">
             <a:extLst>
               <a:ext uri="{FF2B5EF4-FFF2-40B4-BE49-F238E27FC236}">
-                <a16:creationId xmlns:a16="http://schemas.microsoft.com/office/drawing/2014/main" id="{1FF764AB-E522-4FB1-80B8-CB98E1AEFC83}"/>
+                <a16:creationId xmlns:a16="http://schemas.microsoft.com/office/drawing/2014/main" xmlns="" id="{1FF764AB-E522-4FB1-80B8-CB98E1AEFC83}"/>
               </a:ext>
             </a:extLst>
           </p:cNvPr>
@@ -22529,7 +22482,7 @@
           <p:cNvPr id="8" name="직사각형 7">
             <a:extLst>
               <a:ext uri="{FF2B5EF4-FFF2-40B4-BE49-F238E27FC236}">
-                <a16:creationId xmlns:a16="http://schemas.microsoft.com/office/drawing/2014/main" id="{5B4D6C43-2F19-4E50-95F2-6D7DA8516E95}"/>
+                <a16:creationId xmlns:a16="http://schemas.microsoft.com/office/drawing/2014/main" xmlns="" id="{5B4D6C43-2F19-4E50-95F2-6D7DA8516E95}"/>
               </a:ext>
             </a:extLst>
           </p:cNvPr>
@@ -22794,7 +22747,7 @@
           <p:cNvPr id="12" name="직사각형 11">
             <a:extLst>
               <a:ext uri="{FF2B5EF4-FFF2-40B4-BE49-F238E27FC236}">
-                <a16:creationId xmlns:a16="http://schemas.microsoft.com/office/drawing/2014/main" id="{4995ECC9-1E8C-4CAE-99AA-F5DD40B995F1}"/>
+                <a16:creationId xmlns:a16="http://schemas.microsoft.com/office/drawing/2014/main" xmlns="" id="{4995ECC9-1E8C-4CAE-99AA-F5DD40B995F1}"/>
               </a:ext>
             </a:extLst>
           </p:cNvPr>
@@ -23057,7 +23010,7 @@
           <p:cNvPr id="13" name="직사각형 12">
             <a:extLst>
               <a:ext uri="{FF2B5EF4-FFF2-40B4-BE49-F238E27FC236}">
-                <a16:creationId xmlns:a16="http://schemas.microsoft.com/office/drawing/2014/main" id="{E4EB45DA-9A47-4871-8747-E29A8FD11133}"/>
+                <a16:creationId xmlns:a16="http://schemas.microsoft.com/office/drawing/2014/main" xmlns="" id="{E4EB45DA-9A47-4871-8747-E29A8FD11133}"/>
               </a:ext>
             </a:extLst>
           </p:cNvPr>
@@ -23287,7 +23240,7 @@
           <p:cNvPr id="14" name="직사각형 13">
             <a:extLst>
               <a:ext uri="{FF2B5EF4-FFF2-40B4-BE49-F238E27FC236}">
-                <a16:creationId xmlns:a16="http://schemas.microsoft.com/office/drawing/2014/main" id="{79D0FFC0-4ABF-41AB-B8E9-6B7D5F3B31AA}"/>
+                <a16:creationId xmlns:a16="http://schemas.microsoft.com/office/drawing/2014/main" xmlns="" id="{79D0FFC0-4ABF-41AB-B8E9-6B7D5F3B31AA}"/>
               </a:ext>
             </a:extLst>
           </p:cNvPr>
@@ -23550,7 +23503,7 @@
           <p:cNvPr id="15" name="직사각형 14">
             <a:extLst>
               <a:ext uri="{FF2B5EF4-FFF2-40B4-BE49-F238E27FC236}">
-                <a16:creationId xmlns:a16="http://schemas.microsoft.com/office/drawing/2014/main" id="{99DD3749-D532-4536-97C3-F488104ABD01}"/>
+                <a16:creationId xmlns:a16="http://schemas.microsoft.com/office/drawing/2014/main" xmlns="" id="{99DD3749-D532-4536-97C3-F488104ABD01}"/>
               </a:ext>
             </a:extLst>
           </p:cNvPr>
@@ -23800,7 +23753,7 @@
           <p:cNvPr id="3" name="그림 2">
             <a:extLst>
               <a:ext uri="{FF2B5EF4-FFF2-40B4-BE49-F238E27FC236}">
-                <a16:creationId xmlns:a16="http://schemas.microsoft.com/office/drawing/2014/main" id="{5ED97960-1731-4D0A-9769-B3EEF36CF65B}"/>
+                <a16:creationId xmlns:a16="http://schemas.microsoft.com/office/drawing/2014/main" xmlns="" id="{5ED97960-1731-4D0A-9769-B3EEF36CF65B}"/>
               </a:ext>
             </a:extLst>
           </p:cNvPr>
@@ -23828,13 +23781,20 @@
     </p:spTree>
     <p:extLst>
       <p:ext uri="{BB962C8B-B14F-4D97-AF65-F5344CB8AC3E}">
-        <p14:creationId xmlns:p14="http://schemas.microsoft.com/office/powerpoint/2010/main" val="2592604711"/>
+        <p14:creationId xmlns:p14="http://schemas.microsoft.com/office/powerpoint/2010/main" xmlns="" val="2592604711"/>
       </p:ext>
     </p:extLst>
   </p:cSld>
   <p:clrMapOvr>
     <a:masterClrMapping/>
   </p:clrMapOvr>
+  <p:timing>
+    <p:tnLst>
+      <p:par>
+        <p:cTn id="1" dur="indefinite" restart="never" nodeType="tmRoot"/>
+      </p:par>
+    </p:tnLst>
+  </p:timing>
 </p:sld>
 </file>
 
@@ -23860,7 +23820,7 @@
           <p:cNvPr id="2" name="왼쪽 대괄호[L] 1">
             <a:extLst>
               <a:ext uri="{FF2B5EF4-FFF2-40B4-BE49-F238E27FC236}">
-                <a16:creationId xmlns:a16="http://schemas.microsoft.com/office/drawing/2014/main" id="{FD2BE796-18C4-7542-922F-AC07CCDE25AD}"/>
+                <a16:creationId xmlns:a16="http://schemas.microsoft.com/office/drawing/2014/main" xmlns="" id="{FD2BE796-18C4-7542-922F-AC07CCDE25AD}"/>
               </a:ext>
             </a:extLst>
           </p:cNvPr>
@@ -23909,7 +23869,7 @@
           <p:cNvPr id="13" name="왼쪽 대괄호[L] 12">
             <a:extLst>
               <a:ext uri="{FF2B5EF4-FFF2-40B4-BE49-F238E27FC236}">
-                <a16:creationId xmlns:a16="http://schemas.microsoft.com/office/drawing/2014/main" id="{EFECA2F4-7A60-7B4A-9E41-4C7AFF855ED1}"/>
+                <a16:creationId xmlns:a16="http://schemas.microsoft.com/office/drawing/2014/main" xmlns="" id="{EFECA2F4-7A60-7B4A-9E41-4C7AFF855ED1}"/>
               </a:ext>
             </a:extLst>
           </p:cNvPr>
@@ -24056,7 +24016,7 @@
           <p:cNvPr id="7" name="그림 6">
             <a:extLst>
               <a:ext uri="{FF2B5EF4-FFF2-40B4-BE49-F238E27FC236}">
-                <a16:creationId xmlns:a16="http://schemas.microsoft.com/office/drawing/2014/main" id="{95C89E7D-FCD8-254C-B718-BA729EAAFC40}"/>
+                <a16:creationId xmlns:a16="http://schemas.microsoft.com/office/drawing/2014/main" xmlns="" id="{95C89E7D-FCD8-254C-B718-BA729EAAFC40}"/>
               </a:ext>
             </a:extLst>
           </p:cNvPr>
@@ -24084,13 +24044,20 @@
     </p:spTree>
     <p:extLst>
       <p:ext uri="{BB962C8B-B14F-4D97-AF65-F5344CB8AC3E}">
-        <p14:creationId xmlns:p14="http://schemas.microsoft.com/office/powerpoint/2010/main" val="3212234621"/>
+        <p14:creationId xmlns:p14="http://schemas.microsoft.com/office/powerpoint/2010/main" xmlns="" val="3212234621"/>
       </p:ext>
     </p:extLst>
   </p:cSld>
   <p:clrMapOvr>
     <a:masterClrMapping/>
   </p:clrMapOvr>
+  <p:timing>
+    <p:tnLst>
+      <p:par>
+        <p:cTn id="1" dur="indefinite" restart="never" nodeType="tmRoot"/>
+      </p:par>
+    </p:tnLst>
+  </p:timing>
 </p:sld>
 </file>
 
@@ -24116,7 +24083,7 @@
           <p:cNvPr id="34" name="직사각형 33">
             <a:extLst>
               <a:ext uri="{FF2B5EF4-FFF2-40B4-BE49-F238E27FC236}">
-                <a16:creationId xmlns:a16="http://schemas.microsoft.com/office/drawing/2014/main" id="{37CB002D-8420-B548-9BEA-2E18D8A9A204}"/>
+                <a16:creationId xmlns:a16="http://schemas.microsoft.com/office/drawing/2014/main" xmlns="" id="{37CB002D-8420-B548-9BEA-2E18D8A9A204}"/>
               </a:ext>
             </a:extLst>
           </p:cNvPr>
@@ -24210,7 +24177,7 @@
           <p:cNvPr id="7" name="직사각형 6">
             <a:extLst>
               <a:ext uri="{FF2B5EF4-FFF2-40B4-BE49-F238E27FC236}">
-                <a16:creationId xmlns:a16="http://schemas.microsoft.com/office/drawing/2014/main" id="{6B8B80B4-792D-174E-8B2C-A10CA85CDD01}"/>
+                <a16:creationId xmlns:a16="http://schemas.microsoft.com/office/drawing/2014/main" xmlns="" id="{6B8B80B4-792D-174E-8B2C-A10CA85CDD01}"/>
               </a:ext>
             </a:extLst>
           </p:cNvPr>
@@ -24264,7 +24231,7 @@
           <p:cNvPr id="10" name="직각 삼각형[R] 8">
             <a:extLst>
               <a:ext uri="{FF2B5EF4-FFF2-40B4-BE49-F238E27FC236}">
-                <a16:creationId xmlns:a16="http://schemas.microsoft.com/office/drawing/2014/main" id="{E9289217-6E56-7D4B-B6FB-329F373CAF3E}"/>
+                <a16:creationId xmlns:a16="http://schemas.microsoft.com/office/drawing/2014/main" xmlns="" id="{E9289217-6E56-7D4B-B6FB-329F373CAF3E}"/>
               </a:ext>
             </a:extLst>
           </p:cNvPr>
@@ -24322,7 +24289,7 @@
           <p:cNvPr id="11" name="TextBox 10">
             <a:extLst>
               <a:ext uri="{FF2B5EF4-FFF2-40B4-BE49-F238E27FC236}">
-                <a16:creationId xmlns:a16="http://schemas.microsoft.com/office/drawing/2014/main" id="{849EE5DD-2363-0B42-B4FD-2464134E7BE2}"/>
+                <a16:creationId xmlns:a16="http://schemas.microsoft.com/office/drawing/2014/main" xmlns="" id="{849EE5DD-2363-0B42-B4FD-2464134E7BE2}"/>
               </a:ext>
             </a:extLst>
           </p:cNvPr>
@@ -24627,7 +24594,7 @@
           <a:blip r:embed="rId2">
             <a:extLst>
               <a:ext uri="{28A0092B-C50C-407E-A947-70E740481C1C}">
-                <a14:useLocalDpi xmlns:a14="http://schemas.microsoft.com/office/drawing/2010/main" val="0"/>
+                <a14:useLocalDpi xmlns:a14="http://schemas.microsoft.com/office/drawing/2010/main" xmlns="" val="0"/>
               </a:ext>
             </a:extLst>
           </a:blip>
@@ -24657,7 +24624,7 @@
           <a:blip r:embed="rId3">
             <a:extLst>
               <a:ext uri="{28A0092B-C50C-407E-A947-70E740481C1C}">
-                <a14:useLocalDpi xmlns:a14="http://schemas.microsoft.com/office/drawing/2010/main" val="0"/>
+                <a14:useLocalDpi xmlns:a14="http://schemas.microsoft.com/office/drawing/2010/main" xmlns="" val="0"/>
               </a:ext>
             </a:extLst>
           </a:blip>
@@ -25120,7 +25087,7 @@
           <p:cNvPr id="8" name="그림 7">
             <a:extLst>
               <a:ext uri="{FF2B5EF4-FFF2-40B4-BE49-F238E27FC236}">
-                <a16:creationId xmlns:a16="http://schemas.microsoft.com/office/drawing/2014/main" id="{6BC28ED5-3D0E-4FD2-A862-E7BDFD329728}"/>
+                <a16:creationId xmlns:a16="http://schemas.microsoft.com/office/drawing/2014/main" xmlns="" id="{6BC28ED5-3D0E-4FD2-A862-E7BDFD329728}"/>
               </a:ext>
             </a:extLst>
           </p:cNvPr>
@@ -25150,7 +25117,7 @@
           <p:cNvPr id="19" name="그림 18">
             <a:extLst>
               <a:ext uri="{FF2B5EF4-FFF2-40B4-BE49-F238E27FC236}">
-                <a16:creationId xmlns:a16="http://schemas.microsoft.com/office/drawing/2014/main" id="{D36FBBEF-F0F0-49C9-85E7-5B7C42440BBB}"/>
+                <a16:creationId xmlns:a16="http://schemas.microsoft.com/office/drawing/2014/main" xmlns="" id="{D36FBBEF-F0F0-49C9-85E7-5B7C42440BBB}"/>
               </a:ext>
             </a:extLst>
           </p:cNvPr>
@@ -25178,7 +25145,7 @@
     </p:spTree>
     <p:extLst>
       <p:ext uri="{BB962C8B-B14F-4D97-AF65-F5344CB8AC3E}">
-        <p14:creationId xmlns:p14="http://schemas.microsoft.com/office/powerpoint/2010/main" val="1147906695"/>
+        <p14:creationId xmlns:p14="http://schemas.microsoft.com/office/powerpoint/2010/main" xmlns="" val="1147906695"/>
       </p:ext>
     </p:extLst>
   </p:cSld>
@@ -25377,7 +25344,7 @@
           <p:cNvPr id="34" name="직사각형 33">
             <a:extLst>
               <a:ext uri="{FF2B5EF4-FFF2-40B4-BE49-F238E27FC236}">
-                <a16:creationId xmlns:a16="http://schemas.microsoft.com/office/drawing/2014/main" id="{37CB002D-8420-B548-9BEA-2E18D8A9A204}"/>
+                <a16:creationId xmlns:a16="http://schemas.microsoft.com/office/drawing/2014/main" xmlns="" id="{37CB002D-8420-B548-9BEA-2E18D8A9A204}"/>
               </a:ext>
             </a:extLst>
           </p:cNvPr>
@@ -25481,7 +25448,7 @@
           <p:cNvPr id="7" name="직사각형 6">
             <a:extLst>
               <a:ext uri="{FF2B5EF4-FFF2-40B4-BE49-F238E27FC236}">
-                <a16:creationId xmlns:a16="http://schemas.microsoft.com/office/drawing/2014/main" id="{6B8B80B4-792D-174E-8B2C-A10CA85CDD01}"/>
+                <a16:creationId xmlns:a16="http://schemas.microsoft.com/office/drawing/2014/main" xmlns="" id="{6B8B80B4-792D-174E-8B2C-A10CA85CDD01}"/>
               </a:ext>
             </a:extLst>
           </p:cNvPr>
@@ -25535,7 +25502,7 @@
           <p:cNvPr id="10" name="직각 삼각형[R] 8">
             <a:extLst>
               <a:ext uri="{FF2B5EF4-FFF2-40B4-BE49-F238E27FC236}">
-                <a16:creationId xmlns:a16="http://schemas.microsoft.com/office/drawing/2014/main" id="{E9289217-6E56-7D4B-B6FB-329F373CAF3E}"/>
+                <a16:creationId xmlns:a16="http://schemas.microsoft.com/office/drawing/2014/main" xmlns="" id="{E9289217-6E56-7D4B-B6FB-329F373CAF3E}"/>
               </a:ext>
             </a:extLst>
           </p:cNvPr>
@@ -25593,7 +25560,7 @@
           <p:cNvPr id="11" name="TextBox 10">
             <a:extLst>
               <a:ext uri="{FF2B5EF4-FFF2-40B4-BE49-F238E27FC236}">
-                <a16:creationId xmlns:a16="http://schemas.microsoft.com/office/drawing/2014/main" id="{849EE5DD-2363-0B42-B4FD-2464134E7BE2}"/>
+                <a16:creationId xmlns:a16="http://schemas.microsoft.com/office/drawing/2014/main" xmlns="" id="{849EE5DD-2363-0B42-B4FD-2464134E7BE2}"/>
               </a:ext>
             </a:extLst>
           </p:cNvPr>
@@ -25649,7 +25616,7 @@
           <a:blip r:embed="rId2">
             <a:extLst>
               <a:ext uri="{28A0092B-C50C-407E-A947-70E740481C1C}">
-                <a14:useLocalDpi xmlns:a14="http://schemas.microsoft.com/office/drawing/2010/main" val="0"/>
+                <a14:useLocalDpi xmlns:a14="http://schemas.microsoft.com/office/drawing/2010/main" xmlns="" val="0"/>
               </a:ext>
             </a:extLst>
           </a:blip>
@@ -26089,7 +26056,7 @@
           <p:cNvPr id="12" name="TextBox 11">
             <a:extLst>
               <a:ext uri="{FF2B5EF4-FFF2-40B4-BE49-F238E27FC236}">
-                <a16:creationId xmlns:a16="http://schemas.microsoft.com/office/drawing/2014/main" id="{70B8D085-D359-4E13-A05F-5A724B992E70}"/>
+                <a16:creationId xmlns:a16="http://schemas.microsoft.com/office/drawing/2014/main" xmlns="" id="{70B8D085-D359-4E13-A05F-5A724B992E70}"/>
               </a:ext>
             </a:extLst>
           </p:cNvPr>
@@ -26131,7 +26098,7 @@
     </p:spTree>
     <p:extLst>
       <p:ext uri="{BB962C8B-B14F-4D97-AF65-F5344CB8AC3E}">
-        <p14:creationId xmlns:p14="http://schemas.microsoft.com/office/powerpoint/2010/main" val="1710795167"/>
+        <p14:creationId xmlns:p14="http://schemas.microsoft.com/office/powerpoint/2010/main" xmlns="" val="1710795167"/>
       </p:ext>
     </p:extLst>
   </p:cSld>
@@ -26503,7 +26470,7 @@
           <p:cNvPr id="34" name="직사각형 33">
             <a:extLst>
               <a:ext uri="{FF2B5EF4-FFF2-40B4-BE49-F238E27FC236}">
-                <a16:creationId xmlns:a16="http://schemas.microsoft.com/office/drawing/2014/main" id="{37CB002D-8420-B548-9BEA-2E18D8A9A204}"/>
+                <a16:creationId xmlns:a16="http://schemas.microsoft.com/office/drawing/2014/main" xmlns="" id="{37CB002D-8420-B548-9BEA-2E18D8A9A204}"/>
               </a:ext>
             </a:extLst>
           </p:cNvPr>
@@ -26555,7 +26522,7 @@
           <p:cNvPr id="10" name="직사각형 9">
             <a:extLst>
               <a:ext uri="{FF2B5EF4-FFF2-40B4-BE49-F238E27FC236}">
-                <a16:creationId xmlns:a16="http://schemas.microsoft.com/office/drawing/2014/main" id="{6B8B80B4-792D-174E-8B2C-A10CA85CDD01}"/>
+                <a16:creationId xmlns:a16="http://schemas.microsoft.com/office/drawing/2014/main" xmlns="" id="{6B8B80B4-792D-174E-8B2C-A10CA85CDD01}"/>
               </a:ext>
             </a:extLst>
           </p:cNvPr>
@@ -26609,7 +26576,7 @@
           <p:cNvPr id="11" name="직각 삼각형[R] 8">
             <a:extLst>
               <a:ext uri="{FF2B5EF4-FFF2-40B4-BE49-F238E27FC236}">
-                <a16:creationId xmlns:a16="http://schemas.microsoft.com/office/drawing/2014/main" id="{E9289217-6E56-7D4B-B6FB-329F373CAF3E}"/>
+                <a16:creationId xmlns:a16="http://schemas.microsoft.com/office/drawing/2014/main" xmlns="" id="{E9289217-6E56-7D4B-B6FB-329F373CAF3E}"/>
               </a:ext>
             </a:extLst>
           </p:cNvPr>
@@ -26667,7 +26634,7 @@
           <p:cNvPr id="12" name="TextBox 11">
             <a:extLst>
               <a:ext uri="{FF2B5EF4-FFF2-40B4-BE49-F238E27FC236}">
-                <a16:creationId xmlns:a16="http://schemas.microsoft.com/office/drawing/2014/main" id="{849EE5DD-2363-0B42-B4FD-2464134E7BE2}"/>
+                <a16:creationId xmlns:a16="http://schemas.microsoft.com/office/drawing/2014/main" xmlns="" id="{849EE5DD-2363-0B42-B4FD-2464134E7BE2}"/>
               </a:ext>
             </a:extLst>
           </p:cNvPr>
@@ -26765,7 +26732,7 @@
           <a:blip r:embed="rId2">
             <a:extLst>
               <a:ext uri="{28A0092B-C50C-407E-A947-70E740481C1C}">
-                <a14:useLocalDpi xmlns:a14="http://schemas.microsoft.com/office/drawing/2010/main" val="0"/>
+                <a14:useLocalDpi xmlns:a14="http://schemas.microsoft.com/office/drawing/2010/main" xmlns="" val="0"/>
               </a:ext>
             </a:extLst>
           </a:blip>
@@ -26789,14 +26756,14 @@
           <a:effectLst/>
           <a:extLst>
             <a:ext uri="{909E8E84-426E-40DD-AFC4-6F175D3DCCD1}">
-              <a14:hiddenFill xmlns:a14="http://schemas.microsoft.com/office/drawing/2010/main">
+              <a14:hiddenFill xmlns:a14="http://schemas.microsoft.com/office/drawing/2010/main" xmlns="">
                 <a:solidFill>
                   <a:schemeClr val="accent1"/>
                 </a:solidFill>
               </a14:hiddenFill>
             </a:ext>
             <a:ext uri="{91240B29-F687-4F45-9708-019B960494DF}">
-              <a14:hiddenLine xmlns:a14="http://schemas.microsoft.com/office/drawing/2010/main" w="9525">
+              <a14:hiddenLine xmlns:a14="http://schemas.microsoft.com/office/drawing/2010/main" xmlns="" w="9525">
                 <a:solidFill>
                   <a:schemeClr val="tx1"/>
                 </a:solidFill>
@@ -26806,7 +26773,7 @@
               </a14:hiddenLine>
             </a:ext>
             <a:ext uri="{AF507438-7753-43E0-B8FC-AC1667EBCBE1}">
-              <a14:hiddenEffects xmlns:a14="http://schemas.microsoft.com/office/drawing/2010/main">
+              <a14:hiddenEffects xmlns:a14="http://schemas.microsoft.com/office/drawing/2010/main" xmlns="">
                 <a:effectLst>
                   <a:outerShdw dist="35921" dir="2700000" algn="ctr" rotWithShape="0">
                     <a:schemeClr val="bg2"/>
@@ -27012,7 +26979,7 @@
     </p:spTree>
     <p:extLst>
       <p:ext uri="{BB962C8B-B14F-4D97-AF65-F5344CB8AC3E}">
-        <p14:creationId xmlns:p14="http://schemas.microsoft.com/office/powerpoint/2010/main" val="3466639219"/>
+        <p14:creationId xmlns:p14="http://schemas.microsoft.com/office/powerpoint/2010/main" xmlns="" val="3466639219"/>
       </p:ext>
     </p:extLst>
   </p:cSld>
@@ -27178,7 +27145,7 @@
           <p:cNvPr id="34" name="직사각형 33">
             <a:extLst>
               <a:ext uri="{FF2B5EF4-FFF2-40B4-BE49-F238E27FC236}">
-                <a16:creationId xmlns:a16="http://schemas.microsoft.com/office/drawing/2014/main" id="{37CB002D-8420-B548-9BEA-2E18D8A9A204}"/>
+                <a16:creationId xmlns:a16="http://schemas.microsoft.com/office/drawing/2014/main" xmlns="" id="{37CB002D-8420-B548-9BEA-2E18D8A9A204}"/>
               </a:ext>
             </a:extLst>
           </p:cNvPr>
@@ -27230,7 +27197,7 @@
           <p:cNvPr id="7" name="직사각형 6">
             <a:extLst>
               <a:ext uri="{FF2B5EF4-FFF2-40B4-BE49-F238E27FC236}">
-                <a16:creationId xmlns:a16="http://schemas.microsoft.com/office/drawing/2014/main" id="{6B8B80B4-792D-174E-8B2C-A10CA85CDD01}"/>
+                <a16:creationId xmlns:a16="http://schemas.microsoft.com/office/drawing/2014/main" xmlns="" id="{6B8B80B4-792D-174E-8B2C-A10CA85CDD01}"/>
               </a:ext>
             </a:extLst>
           </p:cNvPr>
@@ -27284,7 +27251,7 @@
           <p:cNvPr id="10" name="직각 삼각형[R] 8">
             <a:extLst>
               <a:ext uri="{FF2B5EF4-FFF2-40B4-BE49-F238E27FC236}">
-                <a16:creationId xmlns:a16="http://schemas.microsoft.com/office/drawing/2014/main" id="{E9289217-6E56-7D4B-B6FB-329F373CAF3E}"/>
+                <a16:creationId xmlns:a16="http://schemas.microsoft.com/office/drawing/2014/main" xmlns="" id="{E9289217-6E56-7D4B-B6FB-329F373CAF3E}"/>
               </a:ext>
             </a:extLst>
           </p:cNvPr>
@@ -27342,7 +27309,7 @@
           <p:cNvPr id="11" name="TextBox 10">
             <a:extLst>
               <a:ext uri="{FF2B5EF4-FFF2-40B4-BE49-F238E27FC236}">
-                <a16:creationId xmlns:a16="http://schemas.microsoft.com/office/drawing/2014/main" id="{849EE5DD-2363-0B42-B4FD-2464134E7BE2}"/>
+                <a16:creationId xmlns:a16="http://schemas.microsoft.com/office/drawing/2014/main" xmlns="" id="{849EE5DD-2363-0B42-B4FD-2464134E7BE2}"/>
               </a:ext>
             </a:extLst>
           </p:cNvPr>
@@ -27440,7 +27407,7 @@
           <a:blip r:embed="rId2">
             <a:extLst>
               <a:ext uri="{28A0092B-C50C-407E-A947-70E740481C1C}">
-                <a14:useLocalDpi xmlns:a14="http://schemas.microsoft.com/office/drawing/2010/main" val="0"/>
+                <a14:useLocalDpi xmlns:a14="http://schemas.microsoft.com/office/drawing/2010/main" xmlns="" val="0"/>
               </a:ext>
             </a:extLst>
           </a:blip>
@@ -27461,13 +27428,20 @@
     </p:spTree>
     <p:extLst>
       <p:ext uri="{BB962C8B-B14F-4D97-AF65-F5344CB8AC3E}">
-        <p14:creationId xmlns:p14="http://schemas.microsoft.com/office/powerpoint/2010/main" val="427819900"/>
+        <p14:creationId xmlns:p14="http://schemas.microsoft.com/office/powerpoint/2010/main" xmlns="" val="427819900"/>
       </p:ext>
     </p:extLst>
   </p:cSld>
   <p:clrMapOvr>
     <a:masterClrMapping/>
   </p:clrMapOvr>
+  <p:timing>
+    <p:tnLst>
+      <p:par>
+        <p:cTn id="1" dur="indefinite" restart="never" nodeType="tmRoot"/>
+      </p:par>
+    </p:tnLst>
+  </p:timing>
 </p:sld>
 </file>
 
@@ -27493,7 +27467,7 @@
           <p:cNvPr id="34" name="직사각형 33">
             <a:extLst>
               <a:ext uri="{FF2B5EF4-FFF2-40B4-BE49-F238E27FC236}">
-                <a16:creationId xmlns:a16="http://schemas.microsoft.com/office/drawing/2014/main" id="{37CB002D-8420-B548-9BEA-2E18D8A9A204}"/>
+                <a16:creationId xmlns:a16="http://schemas.microsoft.com/office/drawing/2014/main" xmlns="" id="{37CB002D-8420-B548-9BEA-2E18D8A9A204}"/>
               </a:ext>
             </a:extLst>
           </p:cNvPr>
@@ -27545,7 +27519,7 @@
           <p:cNvPr id="7" name="직사각형 6">
             <a:extLst>
               <a:ext uri="{FF2B5EF4-FFF2-40B4-BE49-F238E27FC236}">
-                <a16:creationId xmlns:a16="http://schemas.microsoft.com/office/drawing/2014/main" id="{6B8B80B4-792D-174E-8B2C-A10CA85CDD01}"/>
+                <a16:creationId xmlns:a16="http://schemas.microsoft.com/office/drawing/2014/main" xmlns="" id="{6B8B80B4-792D-174E-8B2C-A10CA85CDD01}"/>
               </a:ext>
             </a:extLst>
           </p:cNvPr>
@@ -27599,7 +27573,7 @@
           <p:cNvPr id="10" name="직각 삼각형[R] 8">
             <a:extLst>
               <a:ext uri="{FF2B5EF4-FFF2-40B4-BE49-F238E27FC236}">
-                <a16:creationId xmlns:a16="http://schemas.microsoft.com/office/drawing/2014/main" id="{E9289217-6E56-7D4B-B6FB-329F373CAF3E}"/>
+                <a16:creationId xmlns:a16="http://schemas.microsoft.com/office/drawing/2014/main" xmlns="" id="{E9289217-6E56-7D4B-B6FB-329F373CAF3E}"/>
               </a:ext>
             </a:extLst>
           </p:cNvPr>
@@ -27657,7 +27631,7 @@
           <p:cNvPr id="11" name="TextBox 10">
             <a:extLst>
               <a:ext uri="{FF2B5EF4-FFF2-40B4-BE49-F238E27FC236}">
-                <a16:creationId xmlns:a16="http://schemas.microsoft.com/office/drawing/2014/main" id="{849EE5DD-2363-0B42-B4FD-2464134E7BE2}"/>
+                <a16:creationId xmlns:a16="http://schemas.microsoft.com/office/drawing/2014/main" xmlns="" id="{849EE5DD-2363-0B42-B4FD-2464134E7BE2}"/>
               </a:ext>
             </a:extLst>
           </p:cNvPr>
@@ -27765,7 +27739,7 @@
           <a:blip r:embed="rId2">
             <a:extLst>
               <a:ext uri="{28A0092B-C50C-407E-A947-70E740481C1C}">
-                <a14:useLocalDpi xmlns:a14="http://schemas.microsoft.com/office/drawing/2010/main" val="0"/>
+                <a14:useLocalDpi xmlns:a14="http://schemas.microsoft.com/office/drawing/2010/main" xmlns="" val="0"/>
               </a:ext>
             </a:extLst>
           </a:blip>
@@ -27855,7 +27829,7 @@
     </p:spTree>
     <p:extLst>
       <p:ext uri="{BB962C8B-B14F-4D97-AF65-F5344CB8AC3E}">
-        <p14:creationId xmlns:p14="http://schemas.microsoft.com/office/powerpoint/2010/main" val="3412258853"/>
+        <p14:creationId xmlns:p14="http://schemas.microsoft.com/office/powerpoint/2010/main" xmlns="" val="3412258853"/>
       </p:ext>
     </p:extLst>
   </p:cSld>
@@ -28089,7 +28063,7 @@
           <p:cNvPr id="34" name="직사각형 33">
             <a:extLst>
               <a:ext uri="{FF2B5EF4-FFF2-40B4-BE49-F238E27FC236}">
-                <a16:creationId xmlns:a16="http://schemas.microsoft.com/office/drawing/2014/main" id="{37CB002D-8420-B548-9BEA-2E18D8A9A204}"/>
+                <a16:creationId xmlns:a16="http://schemas.microsoft.com/office/drawing/2014/main" xmlns="" id="{37CB002D-8420-B548-9BEA-2E18D8A9A204}"/>
               </a:ext>
             </a:extLst>
           </p:cNvPr>
@@ -28185,7 +28159,7 @@
           <p:cNvPr id="11" name="직사각형 10">
             <a:extLst>
               <a:ext uri="{FF2B5EF4-FFF2-40B4-BE49-F238E27FC236}">
-                <a16:creationId xmlns:a16="http://schemas.microsoft.com/office/drawing/2014/main" id="{AA9D6EFD-6D6D-4286-A3E1-6986A6A88F88}"/>
+                <a16:creationId xmlns:a16="http://schemas.microsoft.com/office/drawing/2014/main" xmlns="" id="{AA9D6EFD-6D6D-4286-A3E1-6986A6A88F88}"/>
               </a:ext>
             </a:extLst>
           </p:cNvPr>
@@ -28239,7 +28213,7 @@
           <p:cNvPr id="12" name="직각 삼각형[R] 8">
             <a:extLst>
               <a:ext uri="{FF2B5EF4-FFF2-40B4-BE49-F238E27FC236}">
-                <a16:creationId xmlns:a16="http://schemas.microsoft.com/office/drawing/2014/main" id="{D6AE2E71-22A2-4A0C-8FBF-2D8EE5EA1743}"/>
+                <a16:creationId xmlns:a16="http://schemas.microsoft.com/office/drawing/2014/main" xmlns="" id="{D6AE2E71-22A2-4A0C-8FBF-2D8EE5EA1743}"/>
               </a:ext>
             </a:extLst>
           </p:cNvPr>
@@ -28297,7 +28271,7 @@
           <p:cNvPr id="13" name="TextBox 12">
             <a:extLst>
               <a:ext uri="{FF2B5EF4-FFF2-40B4-BE49-F238E27FC236}">
-                <a16:creationId xmlns:a16="http://schemas.microsoft.com/office/drawing/2014/main" id="{F6787889-B58E-40BF-A0DC-EA161598A458}"/>
+                <a16:creationId xmlns:a16="http://schemas.microsoft.com/office/drawing/2014/main" xmlns="" id="{F6787889-B58E-40BF-A0DC-EA161598A458}"/>
               </a:ext>
             </a:extLst>
           </p:cNvPr>
@@ -28342,7 +28316,7 @@
           <p:cNvPr id="3" name="그림 2">
             <a:extLst>
               <a:ext uri="{FF2B5EF4-FFF2-40B4-BE49-F238E27FC236}">
-                <a16:creationId xmlns:a16="http://schemas.microsoft.com/office/drawing/2014/main" id="{C40BC21A-E539-46F1-B9C2-609BBE3CF8CC}"/>
+                <a16:creationId xmlns:a16="http://schemas.microsoft.com/office/drawing/2014/main" xmlns="" id="{C40BC21A-E539-46F1-B9C2-609BBE3CF8CC}"/>
               </a:ext>
             </a:extLst>
           </p:cNvPr>
@@ -28370,13 +28344,20 @@
     </p:spTree>
     <p:extLst>
       <p:ext uri="{BB962C8B-B14F-4D97-AF65-F5344CB8AC3E}">
-        <p14:creationId xmlns:p14="http://schemas.microsoft.com/office/powerpoint/2010/main" val="545874650"/>
+        <p14:creationId xmlns:p14="http://schemas.microsoft.com/office/powerpoint/2010/main" xmlns="" val="545874650"/>
       </p:ext>
     </p:extLst>
   </p:cSld>
   <p:clrMapOvr>
     <a:masterClrMapping/>
   </p:clrMapOvr>
+  <p:timing>
+    <p:tnLst>
+      <p:par>
+        <p:cTn id="1" dur="indefinite" restart="never" nodeType="tmRoot"/>
+      </p:par>
+    </p:tnLst>
+  </p:timing>
 </p:sld>
 </file>
 
@@ -28402,7 +28383,7 @@
           <p:cNvPr id="34" name="직사각형 33">
             <a:extLst>
               <a:ext uri="{FF2B5EF4-FFF2-40B4-BE49-F238E27FC236}">
-                <a16:creationId xmlns:a16="http://schemas.microsoft.com/office/drawing/2014/main" id="{37CB002D-8420-B548-9BEA-2E18D8A9A204}"/>
+                <a16:creationId xmlns:a16="http://schemas.microsoft.com/office/drawing/2014/main" xmlns="" id="{37CB002D-8420-B548-9BEA-2E18D8A9A204}"/>
               </a:ext>
             </a:extLst>
           </p:cNvPr>
@@ -28456,7 +28437,7 @@
           <p:cNvPr id="7" name="직사각형 6">
             <a:extLst>
               <a:ext uri="{FF2B5EF4-FFF2-40B4-BE49-F238E27FC236}">
-                <a16:creationId xmlns:a16="http://schemas.microsoft.com/office/drawing/2014/main" id="{6B8B80B4-792D-174E-8B2C-A10CA85CDD01}"/>
+                <a16:creationId xmlns:a16="http://schemas.microsoft.com/office/drawing/2014/main" xmlns="" id="{6B8B80B4-792D-174E-8B2C-A10CA85CDD01}"/>
               </a:ext>
             </a:extLst>
           </p:cNvPr>
@@ -28510,7 +28491,7 @@
           <p:cNvPr id="10" name="직각 삼각형[R] 8">
             <a:extLst>
               <a:ext uri="{FF2B5EF4-FFF2-40B4-BE49-F238E27FC236}">
-                <a16:creationId xmlns:a16="http://schemas.microsoft.com/office/drawing/2014/main" id="{E9289217-6E56-7D4B-B6FB-329F373CAF3E}"/>
+                <a16:creationId xmlns:a16="http://schemas.microsoft.com/office/drawing/2014/main" xmlns="" id="{E9289217-6E56-7D4B-B6FB-329F373CAF3E}"/>
               </a:ext>
             </a:extLst>
           </p:cNvPr>
@@ -28568,7 +28549,7 @@
           <p:cNvPr id="11" name="TextBox 10">
             <a:extLst>
               <a:ext uri="{FF2B5EF4-FFF2-40B4-BE49-F238E27FC236}">
-                <a16:creationId xmlns:a16="http://schemas.microsoft.com/office/drawing/2014/main" id="{849EE5DD-2363-0B42-B4FD-2464134E7BE2}"/>
+                <a16:creationId xmlns:a16="http://schemas.microsoft.com/office/drawing/2014/main" xmlns="" id="{849EE5DD-2363-0B42-B4FD-2464134E7BE2}"/>
               </a:ext>
             </a:extLst>
           </p:cNvPr>
@@ -28667,13 +28648,20 @@
     </p:spTree>
     <p:extLst>
       <p:ext uri="{BB962C8B-B14F-4D97-AF65-F5344CB8AC3E}">
-        <p14:creationId xmlns:p14="http://schemas.microsoft.com/office/powerpoint/2010/main" val="1147906695"/>
+        <p14:creationId xmlns:p14="http://schemas.microsoft.com/office/powerpoint/2010/main" xmlns="" val="1147906695"/>
       </p:ext>
     </p:extLst>
   </p:cSld>
   <p:clrMapOvr>
     <a:masterClrMapping/>
   </p:clrMapOvr>
+  <p:timing>
+    <p:tnLst>
+      <p:par>
+        <p:cTn id="1" dur="indefinite" restart="never" nodeType="tmRoot"/>
+      </p:par>
+    </p:tnLst>
+  </p:timing>
 </p:sld>
 </file>
 
@@ -28966,7 +28954,7 @@
   <a:extraClrSchemeLst/>
   <a:extLst>
     <a:ext uri="{05A4C25C-085E-4340-85A3-A5531E510DB2}">
-      <thm15:themeFamily xmlns:thm15="http://schemas.microsoft.com/office/thememl/2012/main" name="Office Theme" id="{62F939B6-93AF-4DB8-9C6B-D6C7DFDC589F}" vid="{4A3C46E8-61CC-4603-A589-7422A47A8E4A}"/>
+      <thm15:themeFamily xmlns:thm15="http://schemas.microsoft.com/office/thememl/2012/main" xmlns="" name="Office Theme" id="{62F939B6-93AF-4DB8-9C6B-D6C7DFDC589F}" vid="{4A3C46E8-61CC-4603-A589-7422A47A8E4A}"/>
     </a:ext>
   </a:extLst>
 </a:theme>
@@ -29261,7 +29249,7 @@
   <a:extraClrSchemeLst/>
   <a:extLst>
     <a:ext uri="{05A4C25C-085E-4340-85A3-A5531E510DB2}">
-      <thm15:themeFamily xmlns:thm15="http://schemas.microsoft.com/office/thememl/2012/main" name="Office Theme" id="{62F939B6-93AF-4DB8-9C6B-D6C7DFDC589F}" vid="{4A3C46E8-61CC-4603-A589-7422A47A8E4A}"/>
+      <thm15:themeFamily xmlns:thm15="http://schemas.microsoft.com/office/thememl/2012/main" xmlns="" name="Office Theme" id="{62F939B6-93AF-4DB8-9C6B-D6C7DFDC589F}" vid="{4A3C46E8-61CC-4603-A589-7422A47A8E4A}"/>
     </a:ext>
   </a:extLst>
 </a:theme>
